--- a/md/软件质量保证插图集合.pptx
+++ b/md/软件质量保证插图集合.pptx
@@ -5,14 +5,17 @@
     <p:sldMasterId id="2147483648" r:id="rId1"/>
   </p:sldMasterIdLst>
   <p:notesMasterIdLst>
-    <p:notesMasterId r:id="rId5"/>
+    <p:notesMasterId r:id="rId7"/>
   </p:notesMasterIdLst>
   <p:handoutMasterIdLst>
-    <p:handoutMasterId r:id="rId6"/>
+    <p:handoutMasterId r:id="rId8"/>
   </p:handoutMasterIdLst>
   <p:sldIdLst>
-    <p:sldId id="409" r:id="rId3"/>
-    <p:sldId id="410" r:id="rId4"/>
+    <p:sldId id="409" r:id="rId2"/>
+    <p:sldId id="410" r:id="rId3"/>
+    <p:sldId id="411" r:id="rId4"/>
+    <p:sldId id="412" r:id="rId5"/>
+    <p:sldId id="413" r:id="rId6"/>
   </p:sldIdLst>
   <p:sldSz cx="12192000" cy="6858000"/>
   <p:notesSz cx="6858000" cy="9144000"/>
@@ -111,6 +114,25 @@
       </a:defRPr>
     </a:lvl9pPr>
   </p:defaultTextStyle>
+  <p:extLst>
+    <p:ext uri="{EFAFB233-063F-42B5-8137-9DF3F51BA10A}">
+      <p15:sldGuideLst xmlns:p15="http://schemas.microsoft.com/office/powerpoint/2012/main">
+        <p15:guide id="1" orient="horz" pos="2160">
+          <p15:clr>
+            <a:srgbClr val="A4A3A4"/>
+          </p15:clr>
+        </p15:guide>
+        <p15:guide id="2" pos="3840">
+          <p15:clr>
+            <a:srgbClr val="A4A3A4"/>
+          </p15:clr>
+        </p15:guide>
+      </p15:sldGuideLst>
+    </p:ext>
+    <p:ext uri="{2D200454-40CA-4A62-9FC3-DE9A4176ACB9}">
+      <p15:notesGuideLst xmlns:p15="http://schemas.microsoft.com/office/powerpoint/2012/main"/>
+    </p:ext>
+  </p:extLst>
 </p:presentation>
 </file>
 
@@ -202,6 +224,7 @@
                 <a:latin typeface="微软雅黑" panose="020B0503020204020204" pitchFamily="34" charset="-122"/>
                 <a:ea typeface="微软雅黑" panose="020B0503020204020204" pitchFamily="34" charset="-122"/>
               </a:rPr>
+              <a:t>2020/5/29</a:t>
             </a:fld>
             <a:endParaRPr lang="zh-CN" altLang="en-US">
               <a:latin typeface="微软雅黑" panose="020B0503020204020204" pitchFamily="34" charset="-122"/>
@@ -276,6 +299,7 @@
                 <a:latin typeface="微软雅黑" panose="020B0503020204020204" pitchFamily="34" charset="-122"/>
                 <a:ea typeface="微软雅黑" panose="020B0503020204020204" pitchFamily="34" charset="-122"/>
               </a:rPr>
+              <a:t>‹#›</a:t>
             </a:fld>
             <a:endParaRPr lang="zh-CN" altLang="en-US">
               <a:latin typeface="微软雅黑" panose="020B0503020204020204" pitchFamily="34" charset="-122"/>
@@ -285,6 +309,11 @@
         </p:txBody>
       </p:sp>
     </p:spTree>
+    <p:extLst>
+      <p:ext uri="{BB962C8B-B14F-4D97-AF65-F5344CB8AC3E}">
+        <p14:creationId xmlns:p14="http://schemas.microsoft.com/office/powerpoint/2010/main" val="192144543"/>
+      </p:ext>
+    </p:extLst>
   </p:cSld>
   <p:clrMap bg1="lt1" tx1="dk1" bg2="lt2" tx2="dk2" accent1="accent1" accent2="accent2" accent3="accent3" accent4="accent4" accent5="accent5" accent6="accent6" hlink="hlink" folHlink="folHlink"/>
 </p:handoutMaster>
@@ -378,6 +407,7 @@
           <a:p>
             <a:fld id="{1AC49D05-6128-4D0D-A32A-06A5E73B386C}" type="datetimeFigureOut">
               <a:rPr lang="zh-CN" altLang="en-US" smtClean="0"/>
+              <a:t>2020/5/29</a:t>
             </a:fld>
             <a:endParaRPr lang="zh-CN" altLang="en-US"/>
           </a:p>
@@ -444,7 +474,6 @@
               <a:rPr lang="zh-CN" altLang="en-US"/>
               <a:t>单击此处编辑母版文本样式</a:t>
             </a:r>
-            <a:endParaRPr lang="zh-CN" altLang="en-US"/>
           </a:p>
           <a:p>
             <a:pPr lvl="1"/>
@@ -452,7 +481,6 @@
               <a:rPr lang="zh-CN" altLang="en-US"/>
               <a:t>第二级</a:t>
             </a:r>
-            <a:endParaRPr lang="zh-CN" altLang="en-US"/>
           </a:p>
           <a:p>
             <a:pPr lvl="2"/>
@@ -460,7 +488,6 @@
               <a:rPr lang="zh-CN" altLang="en-US"/>
               <a:t>第三级</a:t>
             </a:r>
-            <a:endParaRPr lang="zh-CN" altLang="en-US"/>
           </a:p>
           <a:p>
             <a:pPr lvl="3"/>
@@ -468,7 +495,6 @@
               <a:rPr lang="zh-CN" altLang="en-US"/>
               <a:t>第四级</a:t>
             </a:r>
-            <a:endParaRPr lang="zh-CN" altLang="en-US"/>
           </a:p>
           <a:p>
             <a:pPr lvl="4"/>
@@ -476,7 +502,6 @@
               <a:rPr lang="zh-CN" altLang="en-US"/>
               <a:t>第五级</a:t>
             </a:r>
-            <a:endParaRPr lang="zh-CN" altLang="en-US"/>
           </a:p>
         </p:txBody>
       </p:sp>
@@ -546,12 +571,18 @@
           <a:p>
             <a:fld id="{5849F42C-2DAE-424C-A4B8-3140182C3E9F}" type="slidenum">
               <a:rPr lang="zh-CN" altLang="en-US" smtClean="0"/>
+              <a:t>‹#›</a:t>
             </a:fld>
             <a:endParaRPr lang="zh-CN" altLang="en-US"/>
           </a:p>
         </p:txBody>
       </p:sp>
     </p:spTree>
+    <p:extLst>
+      <p:ext uri="{BB962C8B-B14F-4D97-AF65-F5344CB8AC3E}">
+        <p14:creationId xmlns:p14="http://schemas.microsoft.com/office/powerpoint/2010/main" val="1716466193"/>
+      </p:ext>
+    </p:extLst>
   </p:cSld>
   <p:clrMap bg1="lt1" tx1="dk1" bg2="lt2" tx2="dk2" accent1="accent1" accent2="accent2" accent3="accent3" accent4="accent4" accent5="accent5" accent6="accent6" hlink="hlink" folHlink="folHlink"/>
   <p:notesStyle>
@@ -675,7 +706,7 @@
           <p:nvPr>
             <p:ph type="ctrTitle" hasCustomPrompt="1"/>
             <p:custDataLst>
-              <p:tags r:id="rId2"/>
+              <p:tags r:id="rId1"/>
             </p:custDataLst>
           </p:nvPr>
         </p:nvSpPr>
@@ -707,7 +738,6 @@
               <a:rPr lang="zh-CN" altLang="en-US" dirty="0"/>
               <a:t>单击此处编辑标题</a:t>
             </a:r>
-            <a:endParaRPr lang="zh-CN" altLang="en-US" dirty="0"/>
           </a:p>
         </p:txBody>
       </p:sp>
@@ -720,7 +750,7 @@
           <p:nvPr>
             <p:ph type="subTitle" idx="1" hasCustomPrompt="1"/>
             <p:custDataLst>
-              <p:tags r:id="rId3"/>
+              <p:tags r:id="rId2"/>
             </p:custDataLst>
           </p:nvPr>
         </p:nvSpPr>
@@ -788,7 +818,6 @@
               <a:rPr lang="zh-CN" altLang="en-US" dirty="0"/>
               <a:t>单击此处编辑副标题</a:t>
             </a:r>
-            <a:endParaRPr lang="zh-CN" altLang="en-US" dirty="0"/>
           </a:p>
         </p:txBody>
       </p:sp>
@@ -800,6 +829,32 @@
           </p:cNvSpPr>
           <p:nvPr>
             <p:ph type="dt" sz="half" idx="10"/>
+            <p:custDataLst>
+              <p:tags r:id="rId3"/>
+            </p:custDataLst>
+          </p:nvPr>
+        </p:nvSpPr>
+        <p:spPr/>
+        <p:txBody>
+          <a:bodyPr/>
+          <a:lstStyle/>
+          <a:p>
+            <a:fld id="{760FBDFE-C587-4B4C-A407-44438C67B59E}" type="datetimeFigureOut">
+              <a:rPr lang="zh-CN" altLang="en-US" smtClean="0"/>
+              <a:t>2020/5/29</a:t>
+            </a:fld>
+            <a:endParaRPr lang="zh-CN" altLang="en-US"/>
+          </a:p>
+        </p:txBody>
+      </p:sp>
+      <p:sp>
+        <p:nvSpPr>
+          <p:cNvPr id="17" name="页脚占位符 16"/>
+          <p:cNvSpPr>
+            <a:spLocks noGrp="1"/>
+          </p:cNvSpPr>
+          <p:nvPr>
+            <p:ph type="ftr" sz="quarter" idx="11"/>
             <p:custDataLst>
               <p:tags r:id="rId4"/>
             </p:custDataLst>
@@ -810,21 +865,18 @@
           <a:bodyPr/>
           <a:lstStyle/>
           <a:p>
-            <a:fld id="{760FBDFE-C587-4B4C-A407-44438C67B59E}" type="datetimeFigureOut">
-              <a:rPr lang="zh-CN" altLang="en-US" smtClean="0"/>
-            </a:fld>
-            <a:endParaRPr lang="zh-CN" altLang="en-US"/>
-          </a:p>
-        </p:txBody>
-      </p:sp>
-      <p:sp>
-        <p:nvSpPr>
-          <p:cNvPr id="17" name="页脚占位符 16"/>
-          <p:cNvSpPr>
-            <a:spLocks noGrp="1"/>
-          </p:cNvSpPr>
-          <p:nvPr>
-            <p:ph type="ftr" sz="quarter" idx="11"/>
+            <a:endParaRPr lang="zh-CN" altLang="en-US" dirty="0"/>
+          </a:p>
+        </p:txBody>
+      </p:sp>
+      <p:sp>
+        <p:nvSpPr>
+          <p:cNvPr id="18" name="灯片编号占位符 17"/>
+          <p:cNvSpPr>
+            <a:spLocks noGrp="1"/>
+          </p:cNvSpPr>
+          <p:nvPr>
+            <p:ph type="sldNum" sz="quarter" idx="12"/>
             <p:custDataLst>
               <p:tags r:id="rId5"/>
             </p:custDataLst>
@@ -835,30 +887,9 @@
           <a:bodyPr/>
           <a:lstStyle/>
           <a:p>
-            <a:endParaRPr lang="zh-CN" altLang="en-US" dirty="0"/>
-          </a:p>
-        </p:txBody>
-      </p:sp>
-      <p:sp>
-        <p:nvSpPr>
-          <p:cNvPr id="18" name="灯片编号占位符 17"/>
-          <p:cNvSpPr>
-            <a:spLocks noGrp="1"/>
-          </p:cNvSpPr>
-          <p:nvPr>
-            <p:ph type="sldNum" sz="quarter" idx="12"/>
-            <p:custDataLst>
-              <p:tags r:id="rId6"/>
-            </p:custDataLst>
-          </p:nvPr>
-        </p:nvSpPr>
-        <p:spPr/>
-        <p:txBody>
-          <a:bodyPr/>
-          <a:lstStyle/>
-          <a:p>
             <a:fld id="{49AE70B2-8BF9-45C0-BB95-33D1B9D3A854}" type="slidenum">
               <a:rPr lang="zh-CN" altLang="en-US" smtClean="0"/>
+              <a:t>‹#›</a:t>
             </a:fld>
             <a:endParaRPr lang="zh-CN" altLang="en-US" dirty="0"/>
           </a:p>
@@ -898,6 +929,32 @@
           <p:nvPr>
             <p:ph type="dt" sz="half" idx="10"/>
             <p:custDataLst>
+              <p:tags r:id="rId1"/>
+            </p:custDataLst>
+          </p:nvPr>
+        </p:nvSpPr>
+        <p:spPr/>
+        <p:txBody>
+          <a:bodyPr/>
+          <a:lstStyle/>
+          <a:p>
+            <a:fld id="{760FBDFE-C587-4B4C-A407-44438C67B59E}" type="datetimeFigureOut">
+              <a:rPr lang="zh-CN" altLang="en-US" smtClean="0"/>
+              <a:t>2020/5/29</a:t>
+            </a:fld>
+            <a:endParaRPr lang="zh-CN" altLang="en-US"/>
+          </a:p>
+        </p:txBody>
+      </p:sp>
+      <p:sp>
+        <p:nvSpPr>
+          <p:cNvPr id="4" name="页脚占位符 3"/>
+          <p:cNvSpPr>
+            <a:spLocks noGrp="1"/>
+          </p:cNvSpPr>
+          <p:nvPr>
+            <p:ph type="ftr" sz="quarter" idx="11"/>
+            <p:custDataLst>
               <p:tags r:id="rId2"/>
             </p:custDataLst>
           </p:nvPr>
@@ -907,21 +964,18 @@
           <a:bodyPr/>
           <a:lstStyle/>
           <a:p>
-            <a:fld id="{760FBDFE-C587-4B4C-A407-44438C67B59E}" type="datetimeFigureOut">
-              <a:rPr lang="zh-CN" altLang="en-US" smtClean="0"/>
-            </a:fld>
             <a:endParaRPr lang="zh-CN" altLang="en-US"/>
           </a:p>
         </p:txBody>
       </p:sp>
       <p:sp>
         <p:nvSpPr>
-          <p:cNvPr id="4" name="页脚占位符 3"/>
-          <p:cNvSpPr>
-            <a:spLocks noGrp="1"/>
-          </p:cNvSpPr>
-          <p:nvPr>
-            <p:ph type="ftr" sz="quarter" idx="11"/>
+          <p:cNvPr id="5" name="灯片编号占位符 4"/>
+          <p:cNvSpPr>
+            <a:spLocks noGrp="1"/>
+          </p:cNvSpPr>
+          <p:nvPr>
+            <p:ph type="sldNum" sz="quarter" idx="12"/>
             <p:custDataLst>
               <p:tags r:id="rId3"/>
             </p:custDataLst>
@@ -932,45 +986,24 @@
           <a:bodyPr/>
           <a:lstStyle/>
           <a:p>
+            <a:fld id="{49AE70B2-8BF9-45C0-BB95-33D1B9D3A854}" type="slidenum">
+              <a:rPr lang="zh-CN" altLang="en-US" smtClean="0"/>
+              <a:t>‹#›</a:t>
+            </a:fld>
             <a:endParaRPr lang="zh-CN" altLang="en-US"/>
           </a:p>
         </p:txBody>
       </p:sp>
       <p:sp>
         <p:nvSpPr>
-          <p:cNvPr id="5" name="灯片编号占位符 4"/>
-          <p:cNvSpPr>
-            <a:spLocks noGrp="1"/>
-          </p:cNvSpPr>
-          <p:nvPr>
-            <p:ph type="sldNum" sz="quarter" idx="12"/>
+          <p:cNvPr id="7" name="内容占位符 6"/>
+          <p:cNvSpPr>
+            <a:spLocks noGrp="1"/>
+          </p:cNvSpPr>
+          <p:nvPr>
+            <p:ph sz="quarter" idx="13"/>
             <p:custDataLst>
               <p:tags r:id="rId4"/>
-            </p:custDataLst>
-          </p:nvPr>
-        </p:nvSpPr>
-        <p:spPr/>
-        <p:txBody>
-          <a:bodyPr/>
-          <a:lstStyle/>
-          <a:p>
-            <a:fld id="{49AE70B2-8BF9-45C0-BB95-33D1B9D3A854}" type="slidenum">
-              <a:rPr lang="zh-CN" altLang="en-US" smtClean="0"/>
-            </a:fld>
-            <a:endParaRPr lang="zh-CN" altLang="en-US"/>
-          </a:p>
-        </p:txBody>
-      </p:sp>
-      <p:sp>
-        <p:nvSpPr>
-          <p:cNvPr id="7" name="内容占位符 6"/>
-          <p:cNvSpPr>
-            <a:spLocks noGrp="1"/>
-          </p:cNvSpPr>
-          <p:nvPr>
-            <p:ph sz="quarter" idx="13"/>
-            <p:custDataLst>
-              <p:tags r:id="rId5"/>
             </p:custDataLst>
           </p:nvPr>
         </p:nvSpPr>
@@ -1065,7 +1098,6 @@
               <a:rPr lang="zh-CN" altLang="en-US" dirty="0"/>
               <a:t>单击此处编辑母版文本样式</a:t>
             </a:r>
-            <a:endParaRPr lang="zh-CN" altLang="en-US" dirty="0"/>
           </a:p>
           <a:p>
             <a:pPr lvl="1"/>
@@ -1073,7 +1105,6 @@
               <a:rPr lang="zh-CN" altLang="en-US" dirty="0"/>
               <a:t>第二级</a:t>
             </a:r>
-            <a:endParaRPr lang="zh-CN" altLang="en-US" dirty="0"/>
           </a:p>
           <a:p>
             <a:pPr lvl="2"/>
@@ -1081,7 +1112,6 @@
               <a:rPr lang="zh-CN" altLang="en-US" dirty="0"/>
               <a:t>第三级</a:t>
             </a:r>
-            <a:endParaRPr lang="zh-CN" altLang="en-US" dirty="0"/>
           </a:p>
           <a:p>
             <a:pPr lvl="3"/>
@@ -1089,7 +1119,6 @@
               <a:rPr lang="zh-CN" altLang="en-US" dirty="0"/>
               <a:t>第四级</a:t>
             </a:r>
-            <a:endParaRPr lang="zh-CN" altLang="en-US" dirty="0"/>
           </a:p>
           <a:p>
             <a:pPr lvl="4"/>
@@ -1097,7 +1126,6 @@
               <a:rPr lang="zh-CN" altLang="en-US" dirty="0"/>
               <a:t>第五级</a:t>
             </a:r>
-            <a:endParaRPr lang="zh-CN" altLang="en-US" dirty="0"/>
           </a:p>
         </p:txBody>
       </p:sp>
@@ -1135,6 +1163,32 @@
           <p:nvPr>
             <p:ph type="dt" sz="half" idx="10"/>
             <p:custDataLst>
+              <p:tags r:id="rId1"/>
+            </p:custDataLst>
+          </p:nvPr>
+        </p:nvSpPr>
+        <p:spPr/>
+        <p:txBody>
+          <a:bodyPr/>
+          <a:lstStyle/>
+          <a:p>
+            <a:fld id="{760FBDFE-C587-4B4C-A407-44438C67B59E}" type="datetimeFigureOut">
+              <a:rPr lang="zh-CN" altLang="en-US" smtClean="0"/>
+              <a:t>2020/5/29</a:t>
+            </a:fld>
+            <a:endParaRPr lang="zh-CN" altLang="en-US"/>
+          </a:p>
+        </p:txBody>
+      </p:sp>
+      <p:sp>
+        <p:nvSpPr>
+          <p:cNvPr id="4" name="页脚占位符 3"/>
+          <p:cNvSpPr>
+            <a:spLocks noGrp="1"/>
+          </p:cNvSpPr>
+          <p:nvPr>
+            <p:ph type="ftr" sz="quarter" idx="11"/>
+            <p:custDataLst>
               <p:tags r:id="rId2"/>
             </p:custDataLst>
           </p:nvPr>
@@ -1144,21 +1198,18 @@
           <a:bodyPr/>
           <a:lstStyle/>
           <a:p>
-            <a:fld id="{760FBDFE-C587-4B4C-A407-44438C67B59E}" type="datetimeFigureOut">
-              <a:rPr lang="zh-CN" altLang="en-US" smtClean="0"/>
-            </a:fld>
             <a:endParaRPr lang="zh-CN" altLang="en-US"/>
           </a:p>
         </p:txBody>
       </p:sp>
       <p:sp>
         <p:nvSpPr>
-          <p:cNvPr id="4" name="页脚占位符 3"/>
-          <p:cNvSpPr>
-            <a:spLocks noGrp="1"/>
-          </p:cNvSpPr>
-          <p:nvPr>
-            <p:ph type="ftr" sz="quarter" idx="11"/>
+          <p:cNvPr id="5" name="灯片编号占位符 4"/>
+          <p:cNvSpPr>
+            <a:spLocks noGrp="1"/>
+          </p:cNvSpPr>
+          <p:nvPr>
+            <p:ph type="sldNum" sz="quarter" idx="12"/>
             <p:custDataLst>
               <p:tags r:id="rId3"/>
             </p:custDataLst>
@@ -1169,45 +1220,24 @@
           <a:bodyPr/>
           <a:lstStyle/>
           <a:p>
+            <a:fld id="{49AE70B2-8BF9-45C0-BB95-33D1B9D3A854}" type="slidenum">
+              <a:rPr lang="zh-CN" altLang="en-US" smtClean="0"/>
+              <a:t>‹#›</a:t>
+            </a:fld>
             <a:endParaRPr lang="zh-CN" altLang="en-US"/>
           </a:p>
         </p:txBody>
       </p:sp>
       <p:sp>
         <p:nvSpPr>
-          <p:cNvPr id="5" name="灯片编号占位符 4"/>
-          <p:cNvSpPr>
-            <a:spLocks noGrp="1"/>
-          </p:cNvSpPr>
-          <p:nvPr>
-            <p:ph type="sldNum" sz="quarter" idx="12"/>
+          <p:cNvPr id="2" name="标题 1"/>
+          <p:cNvSpPr>
+            <a:spLocks noGrp="1"/>
+          </p:cNvSpPr>
+          <p:nvPr>
+            <p:ph type="title" hasCustomPrompt="1"/>
             <p:custDataLst>
               <p:tags r:id="rId4"/>
-            </p:custDataLst>
-          </p:nvPr>
-        </p:nvSpPr>
-        <p:spPr/>
-        <p:txBody>
-          <a:bodyPr/>
-          <a:lstStyle/>
-          <a:p>
-            <a:fld id="{49AE70B2-8BF9-45C0-BB95-33D1B9D3A854}" type="slidenum">
-              <a:rPr lang="zh-CN" altLang="en-US" smtClean="0"/>
-            </a:fld>
-            <a:endParaRPr lang="zh-CN" altLang="en-US"/>
-          </a:p>
-        </p:txBody>
-      </p:sp>
-      <p:sp>
-        <p:nvSpPr>
-          <p:cNvPr id="2" name="标题 1"/>
-          <p:cNvSpPr>
-            <a:spLocks noGrp="1"/>
-          </p:cNvSpPr>
-          <p:nvPr>
-            <p:ph type="title" hasCustomPrompt="1"/>
-            <p:custDataLst>
-              <p:tags r:id="rId5"/>
             </p:custDataLst>
           </p:nvPr>
         </p:nvSpPr>
@@ -1251,9 +1281,6 @@
               </a:rPr>
               <a:t>单击此处编辑标题</a:t>
             </a:r>
-            <a:endParaRPr>
-              <a:sym typeface="+mn-ea"/>
-            </a:endParaRPr>
           </a:p>
         </p:txBody>
       </p:sp>
@@ -1266,7 +1293,7 @@
           <p:nvPr>
             <p:ph type="body" sz="quarter" idx="13"/>
             <p:custDataLst>
-              <p:tags r:id="rId6"/>
+              <p:tags r:id="rId5"/>
             </p:custDataLst>
           </p:nvPr>
         </p:nvSpPr>
@@ -1302,7 +1329,6 @@
               <a:rPr lang="zh-CN" altLang="en-US" dirty="0"/>
               <a:t>单击此处编辑母版文本样式</a:t>
             </a:r>
-            <a:endParaRPr lang="zh-CN" altLang="en-US" dirty="0"/>
           </a:p>
         </p:txBody>
       </p:sp>
@@ -1340,7 +1366,7 @@
           <p:nvPr>
             <p:ph type="title"/>
             <p:custDataLst>
-              <p:tags r:id="rId2"/>
+              <p:tags r:id="rId1"/>
             </p:custDataLst>
           </p:nvPr>
         </p:nvSpPr>
@@ -1383,9 +1409,6 @@
               </a:rPr>
               <a:t>单击此处编辑母版标题样式</a:t>
             </a:r>
-            <a:endParaRPr dirty="0">
-              <a:sym typeface="+mn-ea"/>
-            </a:endParaRPr>
           </a:p>
         </p:txBody>
       </p:sp>
@@ -1398,7 +1421,7 @@
           <p:nvPr>
             <p:ph idx="1"/>
             <p:custDataLst>
-              <p:tags r:id="rId3"/>
+              <p:tags r:id="rId2"/>
             </p:custDataLst>
           </p:nvPr>
         </p:nvSpPr>
@@ -1555,9 +1578,6 @@
               </a:rPr>
               <a:t>单击此处编辑母版文本样式</a:t>
             </a:r>
-            <a:endParaRPr dirty="0">
-              <a:sym typeface="+mn-ea"/>
-            </a:endParaRPr>
           </a:p>
         </p:txBody>
       </p:sp>
@@ -1569,6 +1589,32 @@
           </p:cNvSpPr>
           <p:nvPr>
             <p:ph type="dt" sz="half" idx="10"/>
+            <p:custDataLst>
+              <p:tags r:id="rId3"/>
+            </p:custDataLst>
+          </p:nvPr>
+        </p:nvSpPr>
+        <p:spPr/>
+        <p:txBody>
+          <a:bodyPr/>
+          <a:lstStyle/>
+          <a:p>
+            <a:fld id="{760FBDFE-C587-4B4C-A407-44438C67B59E}" type="datetimeFigureOut">
+              <a:rPr lang="zh-CN" altLang="en-US" smtClean="0"/>
+              <a:t>2020/5/29</a:t>
+            </a:fld>
+            <a:endParaRPr lang="zh-CN" altLang="en-US"/>
+          </a:p>
+        </p:txBody>
+      </p:sp>
+      <p:sp>
+        <p:nvSpPr>
+          <p:cNvPr id="5" name="页脚占位符 4"/>
+          <p:cNvSpPr>
+            <a:spLocks noGrp="1"/>
+          </p:cNvSpPr>
+          <p:nvPr>
+            <p:ph type="ftr" sz="quarter" idx="11"/>
             <p:custDataLst>
               <p:tags r:id="rId4"/>
             </p:custDataLst>
@@ -1579,21 +1625,18 @@
           <a:bodyPr/>
           <a:lstStyle/>
           <a:p>
-            <a:fld id="{760FBDFE-C587-4B4C-A407-44438C67B59E}" type="datetimeFigureOut">
-              <a:rPr lang="zh-CN" altLang="en-US" smtClean="0"/>
-            </a:fld>
             <a:endParaRPr lang="zh-CN" altLang="en-US"/>
           </a:p>
         </p:txBody>
       </p:sp>
       <p:sp>
         <p:nvSpPr>
-          <p:cNvPr id="5" name="页脚占位符 4"/>
-          <p:cNvSpPr>
-            <a:spLocks noGrp="1"/>
-          </p:cNvSpPr>
-          <p:nvPr>
-            <p:ph type="ftr" sz="quarter" idx="11"/>
+          <p:cNvPr id="6" name="灯片编号占位符 5"/>
+          <p:cNvSpPr>
+            <a:spLocks noGrp="1"/>
+          </p:cNvSpPr>
+          <p:nvPr>
+            <p:ph type="sldNum" sz="quarter" idx="12"/>
             <p:custDataLst>
               <p:tags r:id="rId5"/>
             </p:custDataLst>
@@ -1604,30 +1647,9 @@
           <a:bodyPr/>
           <a:lstStyle/>
           <a:p>
-            <a:endParaRPr lang="zh-CN" altLang="en-US"/>
-          </a:p>
-        </p:txBody>
-      </p:sp>
-      <p:sp>
-        <p:nvSpPr>
-          <p:cNvPr id="6" name="灯片编号占位符 5"/>
-          <p:cNvSpPr>
-            <a:spLocks noGrp="1"/>
-          </p:cNvSpPr>
-          <p:nvPr>
-            <p:ph type="sldNum" sz="quarter" idx="12"/>
-            <p:custDataLst>
-              <p:tags r:id="rId6"/>
-            </p:custDataLst>
-          </p:nvPr>
-        </p:nvSpPr>
-        <p:spPr/>
-        <p:txBody>
-          <a:bodyPr/>
-          <a:lstStyle/>
-          <a:p>
             <a:fld id="{49AE70B2-8BF9-45C0-BB95-33D1B9D3A854}" type="slidenum">
               <a:rPr lang="zh-CN" altLang="en-US" smtClean="0"/>
+              <a:t>‹#›</a:t>
             </a:fld>
             <a:endParaRPr lang="zh-CN" altLang="en-US"/>
           </a:p>
@@ -1667,7 +1689,7 @@
           <p:nvPr>
             <p:ph type="title" hasCustomPrompt="1"/>
             <p:custDataLst>
-              <p:tags r:id="rId2"/>
+              <p:tags r:id="rId1"/>
             </p:custDataLst>
           </p:nvPr>
         </p:nvSpPr>
@@ -1700,7 +1722,6 @@
               <a:rPr lang="zh-CN" altLang="en-US" dirty="0"/>
               <a:t>单击此处编辑标题</a:t>
             </a:r>
-            <a:endParaRPr lang="zh-CN" altLang="en-US" dirty="0"/>
           </a:p>
         </p:txBody>
       </p:sp>
@@ -1713,7 +1734,7 @@
           <p:nvPr>
             <p:ph type="body" idx="1" hasCustomPrompt="1"/>
             <p:custDataLst>
-              <p:tags r:id="rId3"/>
+              <p:tags r:id="rId2"/>
             </p:custDataLst>
           </p:nvPr>
         </p:nvSpPr>
@@ -1834,7 +1855,6 @@
               <a:rPr lang="zh-CN" altLang="en-US" dirty="0"/>
               <a:t>单击此处编辑文本</a:t>
             </a:r>
-            <a:endParaRPr lang="zh-CN" altLang="en-US" dirty="0"/>
           </a:p>
         </p:txBody>
       </p:sp>
@@ -1846,6 +1866,32 @@
           </p:cNvSpPr>
           <p:nvPr>
             <p:ph type="dt" sz="half" idx="10"/>
+            <p:custDataLst>
+              <p:tags r:id="rId3"/>
+            </p:custDataLst>
+          </p:nvPr>
+        </p:nvSpPr>
+        <p:spPr/>
+        <p:txBody>
+          <a:bodyPr/>
+          <a:lstStyle/>
+          <a:p>
+            <a:fld id="{760FBDFE-C587-4B4C-A407-44438C67B59E}" type="datetimeFigureOut">
+              <a:rPr lang="zh-CN" altLang="en-US" smtClean="0"/>
+              <a:t>2020/5/29</a:t>
+            </a:fld>
+            <a:endParaRPr lang="zh-CN" altLang="en-US"/>
+          </a:p>
+        </p:txBody>
+      </p:sp>
+      <p:sp>
+        <p:nvSpPr>
+          <p:cNvPr id="5" name="页脚占位符 4"/>
+          <p:cNvSpPr>
+            <a:spLocks noGrp="1"/>
+          </p:cNvSpPr>
+          <p:nvPr>
+            <p:ph type="ftr" sz="quarter" idx="11"/>
             <p:custDataLst>
               <p:tags r:id="rId4"/>
             </p:custDataLst>
@@ -1856,21 +1902,18 @@
           <a:bodyPr/>
           <a:lstStyle/>
           <a:p>
-            <a:fld id="{760FBDFE-C587-4B4C-A407-44438C67B59E}" type="datetimeFigureOut">
-              <a:rPr lang="zh-CN" altLang="en-US" smtClean="0"/>
-            </a:fld>
             <a:endParaRPr lang="zh-CN" altLang="en-US"/>
           </a:p>
         </p:txBody>
       </p:sp>
       <p:sp>
         <p:nvSpPr>
-          <p:cNvPr id="5" name="页脚占位符 4"/>
-          <p:cNvSpPr>
-            <a:spLocks noGrp="1"/>
-          </p:cNvSpPr>
-          <p:nvPr>
-            <p:ph type="ftr" sz="quarter" idx="11"/>
+          <p:cNvPr id="6" name="灯片编号占位符 5"/>
+          <p:cNvSpPr>
+            <a:spLocks noGrp="1"/>
+          </p:cNvSpPr>
+          <p:nvPr>
+            <p:ph type="sldNum" sz="quarter" idx="12"/>
             <p:custDataLst>
               <p:tags r:id="rId5"/>
             </p:custDataLst>
@@ -1881,30 +1924,9 @@
           <a:bodyPr/>
           <a:lstStyle/>
           <a:p>
-            <a:endParaRPr lang="zh-CN" altLang="en-US"/>
-          </a:p>
-        </p:txBody>
-      </p:sp>
-      <p:sp>
-        <p:nvSpPr>
-          <p:cNvPr id="6" name="灯片编号占位符 5"/>
-          <p:cNvSpPr>
-            <a:spLocks noGrp="1"/>
-          </p:cNvSpPr>
-          <p:nvPr>
-            <p:ph type="sldNum" sz="quarter" idx="12"/>
-            <p:custDataLst>
-              <p:tags r:id="rId6"/>
-            </p:custDataLst>
-          </p:nvPr>
-        </p:nvSpPr>
-        <p:spPr/>
-        <p:txBody>
-          <a:bodyPr/>
-          <a:lstStyle/>
-          <a:p>
             <a:fld id="{49AE70B2-8BF9-45C0-BB95-33D1B9D3A854}" type="slidenum">
               <a:rPr lang="zh-CN" altLang="en-US" smtClean="0"/>
+              <a:t>‹#›</a:t>
             </a:fld>
             <a:endParaRPr lang="zh-CN" altLang="en-US"/>
           </a:p>
@@ -1944,7 +1966,7 @@
           <p:nvPr>
             <p:ph type="title"/>
             <p:custDataLst>
-              <p:tags r:id="rId2"/>
+              <p:tags r:id="rId1"/>
             </p:custDataLst>
           </p:nvPr>
         </p:nvSpPr>
@@ -1987,9 +2009,6 @@
               </a:rPr>
               <a:t>单击此处编辑母版标题样式</a:t>
             </a:r>
-            <a:endParaRPr dirty="0">
-              <a:sym typeface="+mn-ea"/>
-            </a:endParaRPr>
           </a:p>
         </p:txBody>
       </p:sp>
@@ -2002,7 +2021,7 @@
           <p:nvPr>
             <p:ph sz="half" idx="1"/>
             <p:custDataLst>
-              <p:tags r:id="rId3"/>
+              <p:tags r:id="rId2"/>
             </p:custDataLst>
           </p:nvPr>
         </p:nvSpPr>
@@ -2159,9 +2178,6 @@
               </a:rPr>
               <a:t>单击此处编辑母版文本样式</a:t>
             </a:r>
-            <a:endParaRPr dirty="0">
-              <a:sym typeface="+mn-ea"/>
-            </a:endParaRPr>
           </a:p>
           <a:p>
             <a:pPr lvl="1"/>
@@ -2171,9 +2187,6 @@
               </a:rPr>
               <a:t>第二级</a:t>
             </a:r>
-            <a:endParaRPr dirty="0">
-              <a:sym typeface="+mn-ea"/>
-            </a:endParaRPr>
           </a:p>
           <a:p>
             <a:pPr lvl="2"/>
@@ -2183,9 +2196,6 @@
               </a:rPr>
               <a:t>第三级</a:t>
             </a:r>
-            <a:endParaRPr dirty="0">
-              <a:sym typeface="+mn-ea"/>
-            </a:endParaRPr>
           </a:p>
           <a:p>
             <a:pPr lvl="3"/>
@@ -2195,9 +2205,6 @@
               </a:rPr>
               <a:t>第四级</a:t>
             </a:r>
-            <a:endParaRPr dirty="0">
-              <a:sym typeface="+mn-ea"/>
-            </a:endParaRPr>
           </a:p>
         </p:txBody>
       </p:sp>
@@ -2210,7 +2217,7 @@
           <p:nvPr>
             <p:ph sz="half" idx="2"/>
             <p:custDataLst>
-              <p:tags r:id="rId4"/>
+              <p:tags r:id="rId3"/>
             </p:custDataLst>
           </p:nvPr>
         </p:nvSpPr>
@@ -2313,7 +2320,6 @@
               <a:rPr lang="zh-CN" altLang="en-US" dirty="0"/>
               <a:t>单击此处编辑母版文本样式</a:t>
             </a:r>
-            <a:endParaRPr lang="zh-CN" altLang="en-US" dirty="0"/>
           </a:p>
           <a:p>
             <a:pPr lvl="1"/>
@@ -2321,7 +2327,6 @@
               <a:rPr lang="zh-CN" altLang="en-US" dirty="0"/>
               <a:t>第二级</a:t>
             </a:r>
-            <a:endParaRPr lang="zh-CN" altLang="en-US" dirty="0"/>
           </a:p>
           <a:p>
             <a:pPr lvl="2"/>
@@ -2329,7 +2334,6 @@
               <a:rPr lang="zh-CN" altLang="en-US" dirty="0"/>
               <a:t>第三级</a:t>
             </a:r>
-            <a:endParaRPr lang="zh-CN" altLang="en-US" dirty="0"/>
           </a:p>
           <a:p>
             <a:pPr lvl="3"/>
@@ -2337,7 +2341,6 @@
               <a:rPr lang="zh-CN" altLang="en-US" dirty="0"/>
               <a:t>第四级</a:t>
             </a:r>
-            <a:endParaRPr lang="zh-CN" altLang="en-US" dirty="0"/>
           </a:p>
         </p:txBody>
       </p:sp>
@@ -2349,6 +2352,32 @@
           </p:cNvSpPr>
           <p:nvPr>
             <p:ph type="dt" sz="half" idx="10"/>
+            <p:custDataLst>
+              <p:tags r:id="rId4"/>
+            </p:custDataLst>
+          </p:nvPr>
+        </p:nvSpPr>
+        <p:spPr/>
+        <p:txBody>
+          <a:bodyPr/>
+          <a:lstStyle/>
+          <a:p>
+            <a:fld id="{760FBDFE-C587-4B4C-A407-44438C67B59E}" type="datetimeFigureOut">
+              <a:rPr lang="zh-CN" altLang="en-US" smtClean="0"/>
+              <a:t>2020/5/29</a:t>
+            </a:fld>
+            <a:endParaRPr lang="zh-CN" altLang="en-US"/>
+          </a:p>
+        </p:txBody>
+      </p:sp>
+      <p:sp>
+        <p:nvSpPr>
+          <p:cNvPr id="6" name="页脚占位符 5"/>
+          <p:cNvSpPr>
+            <a:spLocks noGrp="1"/>
+          </p:cNvSpPr>
+          <p:nvPr>
+            <p:ph type="ftr" sz="quarter" idx="11"/>
             <p:custDataLst>
               <p:tags r:id="rId5"/>
             </p:custDataLst>
@@ -2359,21 +2388,18 @@
           <a:bodyPr/>
           <a:lstStyle/>
           <a:p>
-            <a:fld id="{760FBDFE-C587-4B4C-A407-44438C67B59E}" type="datetimeFigureOut">
-              <a:rPr lang="zh-CN" altLang="en-US" smtClean="0"/>
-            </a:fld>
             <a:endParaRPr lang="zh-CN" altLang="en-US"/>
           </a:p>
         </p:txBody>
       </p:sp>
       <p:sp>
         <p:nvSpPr>
-          <p:cNvPr id="6" name="页脚占位符 5"/>
-          <p:cNvSpPr>
-            <a:spLocks noGrp="1"/>
-          </p:cNvSpPr>
-          <p:nvPr>
-            <p:ph type="ftr" sz="quarter" idx="11"/>
+          <p:cNvPr id="7" name="灯片编号占位符 6"/>
+          <p:cNvSpPr>
+            <a:spLocks noGrp="1"/>
+          </p:cNvSpPr>
+          <p:nvPr>
+            <p:ph type="sldNum" sz="quarter" idx="12"/>
             <p:custDataLst>
               <p:tags r:id="rId6"/>
             </p:custDataLst>
@@ -2384,30 +2410,9 @@
           <a:bodyPr/>
           <a:lstStyle/>
           <a:p>
-            <a:endParaRPr lang="zh-CN" altLang="en-US"/>
-          </a:p>
-        </p:txBody>
-      </p:sp>
-      <p:sp>
-        <p:nvSpPr>
-          <p:cNvPr id="7" name="灯片编号占位符 6"/>
-          <p:cNvSpPr>
-            <a:spLocks noGrp="1"/>
-          </p:cNvSpPr>
-          <p:nvPr>
-            <p:ph type="sldNum" sz="quarter" idx="12"/>
-            <p:custDataLst>
-              <p:tags r:id="rId7"/>
-            </p:custDataLst>
-          </p:nvPr>
-        </p:nvSpPr>
-        <p:spPr/>
-        <p:txBody>
-          <a:bodyPr/>
-          <a:lstStyle/>
-          <a:p>
             <a:fld id="{49AE70B2-8BF9-45C0-BB95-33D1B9D3A854}" type="slidenum">
               <a:rPr lang="zh-CN" altLang="en-US" smtClean="0"/>
+              <a:t>‹#›</a:t>
             </a:fld>
             <a:endParaRPr lang="zh-CN" altLang="en-US"/>
           </a:p>
@@ -2447,7 +2452,7 @@
           <p:nvPr>
             <p:ph type="title"/>
             <p:custDataLst>
-              <p:tags r:id="rId2"/>
+              <p:tags r:id="rId1"/>
             </p:custDataLst>
           </p:nvPr>
         </p:nvSpPr>
@@ -2490,9 +2495,6 @@
               </a:rPr>
               <a:t>单击此处编辑母版标题样式</a:t>
             </a:r>
-            <a:endParaRPr dirty="0">
-              <a:sym typeface="+mn-ea"/>
-            </a:endParaRPr>
           </a:p>
         </p:txBody>
       </p:sp>
@@ -2505,7 +2507,7 @@
           <p:nvPr>
             <p:ph type="body" idx="1" hasCustomPrompt="1"/>
             <p:custDataLst>
-              <p:tags r:id="rId3"/>
+              <p:tags r:id="rId2"/>
             </p:custDataLst>
           </p:nvPr>
         </p:nvSpPr>
@@ -2579,7 +2581,6 @@
               <a:rPr lang="zh-CN" altLang="en-US" dirty="0"/>
               <a:t>单击此处编辑文本</a:t>
             </a:r>
-            <a:endParaRPr lang="zh-CN" altLang="en-US" dirty="0"/>
           </a:p>
         </p:txBody>
       </p:sp>
@@ -2592,7 +2593,7 @@
           <p:nvPr>
             <p:ph sz="half" idx="2"/>
             <p:custDataLst>
-              <p:tags r:id="rId4"/>
+              <p:tags r:id="rId3"/>
             </p:custDataLst>
           </p:nvPr>
         </p:nvSpPr>
@@ -2749,9 +2750,6 @@
               </a:rPr>
               <a:t>单击此处编辑母版文本样式</a:t>
             </a:r>
-            <a:endParaRPr dirty="0">
-              <a:sym typeface="+mn-ea"/>
-            </a:endParaRPr>
           </a:p>
           <a:p>
             <a:pPr lvl="1"/>
@@ -2761,9 +2759,6 @@
               </a:rPr>
               <a:t>第二级</a:t>
             </a:r>
-            <a:endParaRPr dirty="0">
-              <a:sym typeface="+mn-ea"/>
-            </a:endParaRPr>
           </a:p>
           <a:p>
             <a:pPr lvl="2"/>
@@ -2773,9 +2768,6 @@
               </a:rPr>
               <a:t>第三级</a:t>
             </a:r>
-            <a:endParaRPr dirty="0">
-              <a:sym typeface="+mn-ea"/>
-            </a:endParaRPr>
           </a:p>
           <a:p>
             <a:pPr lvl="3"/>
@@ -2785,9 +2777,6 @@
               </a:rPr>
               <a:t>第四级</a:t>
             </a:r>
-            <a:endParaRPr dirty="0">
-              <a:sym typeface="+mn-ea"/>
-            </a:endParaRPr>
           </a:p>
         </p:txBody>
       </p:sp>
@@ -2800,7 +2789,7 @@
           <p:nvPr>
             <p:ph type="body" sz="quarter" idx="3" hasCustomPrompt="1"/>
             <p:custDataLst>
-              <p:tags r:id="rId5"/>
+              <p:tags r:id="rId4"/>
             </p:custDataLst>
           </p:nvPr>
         </p:nvSpPr>
@@ -2882,9 +2871,6 @@
               </a:rPr>
               <a:t>单击此处编辑文本</a:t>
             </a:r>
-            <a:endParaRPr>
-              <a:sym typeface="+mn-ea"/>
-            </a:endParaRPr>
           </a:p>
         </p:txBody>
       </p:sp>
@@ -2897,7 +2883,7 @@
           <p:nvPr>
             <p:ph sz="quarter" idx="4"/>
             <p:custDataLst>
-              <p:tags r:id="rId6"/>
+              <p:tags r:id="rId5"/>
             </p:custDataLst>
           </p:nvPr>
         </p:nvSpPr>
@@ -3054,9 +3040,6 @@
               </a:rPr>
               <a:t>单击此处编辑母版文本样式</a:t>
             </a:r>
-            <a:endParaRPr dirty="0">
-              <a:sym typeface="+mn-ea"/>
-            </a:endParaRPr>
           </a:p>
           <a:p>
             <a:pPr lvl="1"/>
@@ -3066,9 +3049,6 @@
               </a:rPr>
               <a:t>第二级</a:t>
             </a:r>
-            <a:endParaRPr dirty="0">
-              <a:sym typeface="+mn-ea"/>
-            </a:endParaRPr>
           </a:p>
           <a:p>
             <a:pPr lvl="2"/>
@@ -3078,9 +3058,6 @@
               </a:rPr>
               <a:t>第三级</a:t>
             </a:r>
-            <a:endParaRPr dirty="0">
-              <a:sym typeface="+mn-ea"/>
-            </a:endParaRPr>
           </a:p>
           <a:p>
             <a:pPr lvl="3"/>
@@ -3090,9 +3067,6 @@
               </a:rPr>
               <a:t>第四级</a:t>
             </a:r>
-            <a:endParaRPr dirty="0">
-              <a:sym typeface="+mn-ea"/>
-            </a:endParaRPr>
           </a:p>
         </p:txBody>
       </p:sp>
@@ -3104,6 +3078,32 @@
           </p:cNvSpPr>
           <p:nvPr>
             <p:ph type="dt" sz="half" idx="10"/>
+            <p:custDataLst>
+              <p:tags r:id="rId6"/>
+            </p:custDataLst>
+          </p:nvPr>
+        </p:nvSpPr>
+        <p:spPr/>
+        <p:txBody>
+          <a:bodyPr/>
+          <a:lstStyle/>
+          <a:p>
+            <a:fld id="{760FBDFE-C587-4B4C-A407-44438C67B59E}" type="datetimeFigureOut">
+              <a:rPr lang="zh-CN" altLang="en-US" smtClean="0"/>
+              <a:t>2020/5/29</a:t>
+            </a:fld>
+            <a:endParaRPr lang="zh-CN" altLang="en-US"/>
+          </a:p>
+        </p:txBody>
+      </p:sp>
+      <p:sp>
+        <p:nvSpPr>
+          <p:cNvPr id="8" name="页脚占位符 7"/>
+          <p:cNvSpPr>
+            <a:spLocks noGrp="1"/>
+          </p:cNvSpPr>
+          <p:nvPr>
+            <p:ph type="ftr" sz="quarter" idx="11"/>
             <p:custDataLst>
               <p:tags r:id="rId7"/>
             </p:custDataLst>
@@ -3114,21 +3114,18 @@
           <a:bodyPr/>
           <a:lstStyle/>
           <a:p>
-            <a:fld id="{760FBDFE-C587-4B4C-A407-44438C67B59E}" type="datetimeFigureOut">
-              <a:rPr lang="zh-CN" altLang="en-US" smtClean="0"/>
-            </a:fld>
             <a:endParaRPr lang="zh-CN" altLang="en-US"/>
           </a:p>
         </p:txBody>
       </p:sp>
       <p:sp>
         <p:nvSpPr>
-          <p:cNvPr id="8" name="页脚占位符 7"/>
-          <p:cNvSpPr>
-            <a:spLocks noGrp="1"/>
-          </p:cNvSpPr>
-          <p:nvPr>
-            <p:ph type="ftr" sz="quarter" idx="11"/>
+          <p:cNvPr id="9" name="灯片编号占位符 8"/>
+          <p:cNvSpPr>
+            <a:spLocks noGrp="1"/>
+          </p:cNvSpPr>
+          <p:nvPr>
+            <p:ph type="sldNum" sz="quarter" idx="12"/>
             <p:custDataLst>
               <p:tags r:id="rId8"/>
             </p:custDataLst>
@@ -3139,30 +3136,9 @@
           <a:bodyPr/>
           <a:lstStyle/>
           <a:p>
-            <a:endParaRPr lang="zh-CN" altLang="en-US"/>
-          </a:p>
-        </p:txBody>
-      </p:sp>
-      <p:sp>
-        <p:nvSpPr>
-          <p:cNvPr id="9" name="灯片编号占位符 8"/>
-          <p:cNvSpPr>
-            <a:spLocks noGrp="1"/>
-          </p:cNvSpPr>
-          <p:nvPr>
-            <p:ph type="sldNum" sz="quarter" idx="12"/>
-            <p:custDataLst>
-              <p:tags r:id="rId9"/>
-            </p:custDataLst>
-          </p:nvPr>
-        </p:nvSpPr>
-        <p:spPr/>
-        <p:txBody>
-          <a:bodyPr/>
-          <a:lstStyle/>
-          <a:p>
             <a:fld id="{49AE70B2-8BF9-45C0-BB95-33D1B9D3A854}" type="slidenum">
               <a:rPr lang="zh-CN" altLang="en-US" smtClean="0"/>
+              <a:t>‹#›</a:t>
             </a:fld>
             <a:endParaRPr lang="zh-CN" altLang="en-US"/>
           </a:p>
@@ -3202,7 +3178,7 @@
           <p:nvPr>
             <p:ph type="title"/>
             <p:custDataLst>
-              <p:tags r:id="rId2"/>
+              <p:tags r:id="rId1"/>
             </p:custDataLst>
           </p:nvPr>
         </p:nvSpPr>
@@ -3245,9 +3221,6 @@
               </a:rPr>
               <a:t>单击此处编辑母版标题样式</a:t>
             </a:r>
-            <a:endParaRPr>
-              <a:sym typeface="+mn-ea"/>
-            </a:endParaRPr>
           </a:p>
         </p:txBody>
       </p:sp>
@@ -3259,6 +3232,32 @@
           </p:cNvSpPr>
           <p:nvPr>
             <p:ph type="dt" sz="half" idx="10"/>
+            <p:custDataLst>
+              <p:tags r:id="rId2"/>
+            </p:custDataLst>
+          </p:nvPr>
+        </p:nvSpPr>
+        <p:spPr/>
+        <p:txBody>
+          <a:bodyPr/>
+          <a:lstStyle/>
+          <a:p>
+            <a:fld id="{760FBDFE-C587-4B4C-A407-44438C67B59E}" type="datetimeFigureOut">
+              <a:rPr lang="zh-CN" altLang="en-US" smtClean="0"/>
+              <a:t>2020/5/29</a:t>
+            </a:fld>
+            <a:endParaRPr lang="zh-CN" altLang="en-US"/>
+          </a:p>
+        </p:txBody>
+      </p:sp>
+      <p:sp>
+        <p:nvSpPr>
+          <p:cNvPr id="4" name="页脚占位符 3"/>
+          <p:cNvSpPr>
+            <a:spLocks noGrp="1"/>
+          </p:cNvSpPr>
+          <p:nvPr>
+            <p:ph type="ftr" sz="quarter" idx="11"/>
             <p:custDataLst>
               <p:tags r:id="rId3"/>
             </p:custDataLst>
@@ -3269,21 +3268,18 @@
           <a:bodyPr/>
           <a:lstStyle/>
           <a:p>
-            <a:fld id="{760FBDFE-C587-4B4C-A407-44438C67B59E}" type="datetimeFigureOut">
-              <a:rPr lang="zh-CN" altLang="en-US" smtClean="0"/>
-            </a:fld>
             <a:endParaRPr lang="zh-CN" altLang="en-US"/>
           </a:p>
         </p:txBody>
       </p:sp>
       <p:sp>
         <p:nvSpPr>
-          <p:cNvPr id="4" name="页脚占位符 3"/>
-          <p:cNvSpPr>
-            <a:spLocks noGrp="1"/>
-          </p:cNvSpPr>
-          <p:nvPr>
-            <p:ph type="ftr" sz="quarter" idx="11"/>
+          <p:cNvPr id="5" name="灯片编号占位符 4"/>
+          <p:cNvSpPr>
+            <a:spLocks noGrp="1"/>
+          </p:cNvSpPr>
+          <p:nvPr>
+            <p:ph type="sldNum" sz="quarter" idx="12"/>
             <p:custDataLst>
               <p:tags r:id="rId4"/>
             </p:custDataLst>
@@ -3294,30 +3290,9 @@
           <a:bodyPr/>
           <a:lstStyle/>
           <a:p>
-            <a:endParaRPr lang="zh-CN" altLang="en-US"/>
-          </a:p>
-        </p:txBody>
-      </p:sp>
-      <p:sp>
-        <p:nvSpPr>
-          <p:cNvPr id="5" name="灯片编号占位符 4"/>
-          <p:cNvSpPr>
-            <a:spLocks noGrp="1"/>
-          </p:cNvSpPr>
-          <p:nvPr>
-            <p:ph type="sldNum" sz="quarter" idx="12"/>
-            <p:custDataLst>
-              <p:tags r:id="rId5"/>
-            </p:custDataLst>
-          </p:nvPr>
-        </p:nvSpPr>
-        <p:spPr/>
-        <p:txBody>
-          <a:bodyPr/>
-          <a:lstStyle/>
-          <a:p>
             <a:fld id="{49AE70B2-8BF9-45C0-BB95-33D1B9D3A854}" type="slidenum">
               <a:rPr lang="zh-CN" altLang="en-US" smtClean="0"/>
+              <a:t>‹#›</a:t>
             </a:fld>
             <a:endParaRPr lang="zh-CN" altLang="en-US"/>
           </a:p>
@@ -3357,6 +3332,32 @@
           <p:nvPr>
             <p:ph type="dt" sz="half" idx="10"/>
             <p:custDataLst>
+              <p:tags r:id="rId1"/>
+            </p:custDataLst>
+          </p:nvPr>
+        </p:nvSpPr>
+        <p:spPr/>
+        <p:txBody>
+          <a:bodyPr/>
+          <a:lstStyle/>
+          <a:p>
+            <a:fld id="{760FBDFE-C587-4B4C-A407-44438C67B59E}" type="datetimeFigureOut">
+              <a:rPr lang="zh-CN" altLang="en-US" smtClean="0"/>
+              <a:t>2020/5/29</a:t>
+            </a:fld>
+            <a:endParaRPr lang="zh-CN" altLang="en-US"/>
+          </a:p>
+        </p:txBody>
+      </p:sp>
+      <p:sp>
+        <p:nvSpPr>
+          <p:cNvPr id="3" name="页脚占位符 2"/>
+          <p:cNvSpPr>
+            <a:spLocks noGrp="1"/>
+          </p:cNvSpPr>
+          <p:nvPr>
+            <p:ph type="ftr" sz="quarter" idx="11"/>
+            <p:custDataLst>
               <p:tags r:id="rId2"/>
             </p:custDataLst>
           </p:nvPr>
@@ -3366,21 +3367,18 @@
           <a:bodyPr/>
           <a:lstStyle/>
           <a:p>
-            <a:fld id="{760FBDFE-C587-4B4C-A407-44438C67B59E}" type="datetimeFigureOut">
-              <a:rPr lang="zh-CN" altLang="en-US" smtClean="0"/>
-            </a:fld>
             <a:endParaRPr lang="zh-CN" altLang="en-US"/>
           </a:p>
         </p:txBody>
       </p:sp>
       <p:sp>
         <p:nvSpPr>
-          <p:cNvPr id="3" name="页脚占位符 2"/>
-          <p:cNvSpPr>
-            <a:spLocks noGrp="1"/>
-          </p:cNvSpPr>
-          <p:nvPr>
-            <p:ph type="ftr" sz="quarter" idx="11"/>
+          <p:cNvPr id="4" name="灯片编号占位符 3"/>
+          <p:cNvSpPr>
+            <a:spLocks noGrp="1"/>
+          </p:cNvSpPr>
+          <p:nvPr>
+            <p:ph type="sldNum" sz="quarter" idx="12"/>
             <p:custDataLst>
               <p:tags r:id="rId3"/>
             </p:custDataLst>
@@ -3391,30 +3389,9 @@
           <a:bodyPr/>
           <a:lstStyle/>
           <a:p>
-            <a:endParaRPr lang="zh-CN" altLang="en-US"/>
-          </a:p>
-        </p:txBody>
-      </p:sp>
-      <p:sp>
-        <p:nvSpPr>
-          <p:cNvPr id="4" name="灯片编号占位符 3"/>
-          <p:cNvSpPr>
-            <a:spLocks noGrp="1"/>
-          </p:cNvSpPr>
-          <p:nvPr>
-            <p:ph type="sldNum" sz="quarter" idx="12"/>
-            <p:custDataLst>
-              <p:tags r:id="rId4"/>
-            </p:custDataLst>
-          </p:nvPr>
-        </p:nvSpPr>
-        <p:spPr/>
-        <p:txBody>
-          <a:bodyPr/>
-          <a:lstStyle/>
-          <a:p>
             <a:fld id="{49AE70B2-8BF9-45C0-BB95-33D1B9D3A854}" type="slidenum">
               <a:rPr lang="zh-CN" altLang="en-US" smtClean="0"/>
+              <a:t>‹#›</a:t>
             </a:fld>
             <a:endParaRPr lang="zh-CN" altLang="en-US"/>
           </a:p>
@@ -3454,7 +3431,7 @@
           <p:nvPr>
             <p:ph type="pic" idx="1"/>
             <p:custDataLst>
-              <p:tags r:id="rId2"/>
+              <p:tags r:id="rId1"/>
             </p:custDataLst>
           </p:nvPr>
         </p:nvSpPr>
@@ -3608,7 +3585,7 @@
           <p:nvPr>
             <p:ph type="body" sz="half" idx="2" hasCustomPrompt="1"/>
             <p:custDataLst>
-              <p:tags r:id="rId3"/>
+              <p:tags r:id="rId2"/>
             </p:custDataLst>
           </p:nvPr>
         </p:nvSpPr>
@@ -3658,9 +3635,6 @@
               </a:rPr>
               <a:t>单击此处编辑文本</a:t>
             </a:r>
-            <a:endParaRPr dirty="0">
-              <a:sym typeface="+mn-ea"/>
-            </a:endParaRPr>
           </a:p>
         </p:txBody>
       </p:sp>
@@ -3672,6 +3646,32 @@
           </p:cNvSpPr>
           <p:nvPr>
             <p:ph type="dt" sz="half" idx="10"/>
+            <p:custDataLst>
+              <p:tags r:id="rId3"/>
+            </p:custDataLst>
+          </p:nvPr>
+        </p:nvSpPr>
+        <p:spPr/>
+        <p:txBody>
+          <a:bodyPr/>
+          <a:lstStyle/>
+          <a:p>
+            <a:fld id="{9EFD9D74-47D9-4702-A33C-335B63B48DBF}" type="datetimeFigureOut">
+              <a:rPr lang="zh-CN" altLang="en-US" smtClean="0"/>
+              <a:t>2020/5/29</a:t>
+            </a:fld>
+            <a:endParaRPr lang="zh-CN" altLang="en-US" dirty="0"/>
+          </a:p>
+        </p:txBody>
+      </p:sp>
+      <p:sp>
+        <p:nvSpPr>
+          <p:cNvPr id="6" name="页脚占位符 5"/>
+          <p:cNvSpPr>
+            <a:spLocks noGrp="1"/>
+          </p:cNvSpPr>
+          <p:nvPr>
+            <p:ph type="ftr" sz="quarter" idx="11"/>
             <p:custDataLst>
               <p:tags r:id="rId4"/>
             </p:custDataLst>
@@ -3682,21 +3682,18 @@
           <a:bodyPr/>
           <a:lstStyle/>
           <a:p>
-            <a:fld id="{9EFD9D74-47D9-4702-A33C-335B63B48DBF}" type="datetimeFigureOut">
-              <a:rPr lang="zh-CN" altLang="en-US" smtClean="0"/>
-            </a:fld>
             <a:endParaRPr lang="zh-CN" altLang="en-US" dirty="0"/>
           </a:p>
         </p:txBody>
       </p:sp>
       <p:sp>
         <p:nvSpPr>
-          <p:cNvPr id="6" name="页脚占位符 5"/>
-          <p:cNvSpPr>
-            <a:spLocks noGrp="1"/>
-          </p:cNvSpPr>
-          <p:nvPr>
-            <p:ph type="ftr" sz="quarter" idx="11"/>
+          <p:cNvPr id="7" name="灯片编号占位符 6"/>
+          <p:cNvSpPr>
+            <a:spLocks noGrp="1"/>
+          </p:cNvSpPr>
+          <p:nvPr>
+            <p:ph type="sldNum" sz="quarter" idx="12"/>
             <p:custDataLst>
               <p:tags r:id="rId5"/>
             </p:custDataLst>
@@ -3707,45 +3704,24 @@
           <a:bodyPr/>
           <a:lstStyle/>
           <a:p>
-            <a:endParaRPr lang="zh-CN" altLang="en-US" dirty="0"/>
-          </a:p>
-        </p:txBody>
-      </p:sp>
-      <p:sp>
-        <p:nvSpPr>
-          <p:cNvPr id="7" name="灯片编号占位符 6"/>
-          <p:cNvSpPr>
-            <a:spLocks noGrp="1"/>
-          </p:cNvSpPr>
-          <p:nvPr>
-            <p:ph type="sldNum" sz="quarter" idx="12"/>
+            <a:fld id="{FABC47A4-756D-490B-A52F-7D9E2C9FC05F}" type="slidenum">
+              <a:rPr lang="zh-CN" altLang="en-US" smtClean="0"/>
+              <a:t>‹#›</a:t>
+            </a:fld>
+            <a:endParaRPr lang="zh-CN" altLang="en-US"/>
+          </a:p>
+        </p:txBody>
+      </p:sp>
+      <p:sp>
+        <p:nvSpPr>
+          <p:cNvPr id="9" name="标题 8"/>
+          <p:cNvSpPr>
+            <a:spLocks noGrp="1"/>
+          </p:cNvSpPr>
+          <p:nvPr>
+            <p:ph type="title"/>
             <p:custDataLst>
               <p:tags r:id="rId6"/>
-            </p:custDataLst>
-          </p:nvPr>
-        </p:nvSpPr>
-        <p:spPr/>
-        <p:txBody>
-          <a:bodyPr/>
-          <a:lstStyle/>
-          <a:p>
-            <a:fld id="{FABC47A4-756D-490B-A52F-7D9E2C9FC05F}" type="slidenum">
-              <a:rPr lang="zh-CN" altLang="en-US" smtClean="0"/>
-            </a:fld>
-            <a:endParaRPr lang="zh-CN" altLang="en-US"/>
-          </a:p>
-        </p:txBody>
-      </p:sp>
-      <p:sp>
-        <p:nvSpPr>
-          <p:cNvPr id="9" name="标题 8"/>
-          <p:cNvSpPr>
-            <a:spLocks noGrp="1"/>
-          </p:cNvSpPr>
-          <p:nvPr>
-            <p:ph type="title"/>
-            <p:custDataLst>
-              <p:tags r:id="rId7"/>
             </p:custDataLst>
           </p:nvPr>
         </p:nvSpPr>
@@ -3762,7 +3738,6 @@
               <a:rPr lang="zh-CN" altLang="en-US"/>
               <a:t>单击此处编辑母版标题样式</a:t>
             </a:r>
-            <a:endParaRPr lang="zh-CN" altLang="en-US"/>
           </a:p>
         </p:txBody>
       </p:sp>
@@ -3800,7 +3775,7 @@
           <p:nvPr>
             <p:ph type="title" orient="vert" hasCustomPrompt="1"/>
             <p:custDataLst>
-              <p:tags r:id="rId2"/>
+              <p:tags r:id="rId1"/>
             </p:custDataLst>
           </p:nvPr>
         </p:nvSpPr>
@@ -3846,9 +3821,6 @@
               </a:rPr>
               <a:t>单击此处编辑标题</a:t>
             </a:r>
-            <a:endParaRPr dirty="0">
-              <a:sym typeface="+mn-ea"/>
-            </a:endParaRPr>
           </a:p>
         </p:txBody>
       </p:sp>
@@ -3861,7 +3833,7 @@
           <p:nvPr>
             <p:ph type="body" orient="vert" idx="1" hasCustomPrompt="1"/>
             <p:custDataLst>
-              <p:tags r:id="rId3"/>
+              <p:tags r:id="rId2"/>
             </p:custDataLst>
           </p:nvPr>
         </p:nvSpPr>
@@ -3966,7 +3938,6 @@
               <a:rPr lang="zh-CN" altLang="en-US" dirty="0"/>
               <a:t>单击此处编辑文本</a:t>
             </a:r>
-            <a:endParaRPr lang="zh-CN" altLang="en-US" dirty="0"/>
           </a:p>
           <a:p>
             <a:pPr lvl="1"/>
@@ -3974,7 +3945,6 @@
               <a:rPr lang="zh-CN" altLang="en-US" dirty="0"/>
               <a:t>第二级</a:t>
             </a:r>
-            <a:endParaRPr lang="zh-CN" altLang="en-US" dirty="0"/>
           </a:p>
           <a:p>
             <a:pPr lvl="2"/>
@@ -3982,7 +3952,6 @@
               <a:rPr lang="zh-CN" altLang="en-US" dirty="0"/>
               <a:t>第三级</a:t>
             </a:r>
-            <a:endParaRPr lang="zh-CN" altLang="en-US" dirty="0"/>
           </a:p>
           <a:p>
             <a:pPr lvl="3"/>
@@ -3990,7 +3959,6 @@
               <a:rPr lang="zh-CN" altLang="en-US" dirty="0"/>
               <a:t>第四级</a:t>
             </a:r>
-            <a:endParaRPr lang="zh-CN" altLang="en-US" dirty="0"/>
           </a:p>
           <a:p>
             <a:pPr lvl="4"/>
@@ -3998,7 +3966,6 @@
               <a:rPr lang="zh-CN" altLang="en-US" dirty="0"/>
               <a:t>第五级</a:t>
             </a:r>
-            <a:endParaRPr lang="zh-CN" altLang="en-US" dirty="0"/>
           </a:p>
         </p:txBody>
       </p:sp>
@@ -4010,6 +3977,32 @@
           </p:cNvSpPr>
           <p:nvPr>
             <p:ph type="dt" sz="half" idx="10"/>
+            <p:custDataLst>
+              <p:tags r:id="rId3"/>
+            </p:custDataLst>
+          </p:nvPr>
+        </p:nvSpPr>
+        <p:spPr/>
+        <p:txBody>
+          <a:bodyPr/>
+          <a:lstStyle/>
+          <a:p>
+            <a:fld id="{760FBDFE-C587-4B4C-A407-44438C67B59E}" type="datetimeFigureOut">
+              <a:rPr lang="zh-CN" altLang="en-US" smtClean="0"/>
+              <a:t>2020/5/29</a:t>
+            </a:fld>
+            <a:endParaRPr lang="zh-CN" altLang="en-US"/>
+          </a:p>
+        </p:txBody>
+      </p:sp>
+      <p:sp>
+        <p:nvSpPr>
+          <p:cNvPr id="5" name="页脚占位符 4"/>
+          <p:cNvSpPr>
+            <a:spLocks noGrp="1"/>
+          </p:cNvSpPr>
+          <p:nvPr>
+            <p:ph type="ftr" sz="quarter" idx="11"/>
             <p:custDataLst>
               <p:tags r:id="rId4"/>
             </p:custDataLst>
@@ -4020,21 +4013,18 @@
           <a:bodyPr/>
           <a:lstStyle/>
           <a:p>
-            <a:fld id="{760FBDFE-C587-4B4C-A407-44438C67B59E}" type="datetimeFigureOut">
-              <a:rPr lang="zh-CN" altLang="en-US" smtClean="0"/>
-            </a:fld>
             <a:endParaRPr lang="zh-CN" altLang="en-US"/>
           </a:p>
         </p:txBody>
       </p:sp>
       <p:sp>
         <p:nvSpPr>
-          <p:cNvPr id="5" name="页脚占位符 4"/>
-          <p:cNvSpPr>
-            <a:spLocks noGrp="1"/>
-          </p:cNvSpPr>
-          <p:nvPr>
-            <p:ph type="ftr" sz="quarter" idx="11"/>
+          <p:cNvPr id="6" name="灯片编号占位符 5"/>
+          <p:cNvSpPr>
+            <a:spLocks noGrp="1"/>
+          </p:cNvSpPr>
+          <p:nvPr>
+            <p:ph type="sldNum" sz="quarter" idx="12"/>
             <p:custDataLst>
               <p:tags r:id="rId5"/>
             </p:custDataLst>
@@ -4045,30 +4035,9 @@
           <a:bodyPr/>
           <a:lstStyle/>
           <a:p>
-            <a:endParaRPr lang="zh-CN" altLang="en-US"/>
-          </a:p>
-        </p:txBody>
-      </p:sp>
-      <p:sp>
-        <p:nvSpPr>
-          <p:cNvPr id="6" name="灯片编号占位符 5"/>
-          <p:cNvSpPr>
-            <a:spLocks noGrp="1"/>
-          </p:cNvSpPr>
-          <p:nvPr>
-            <p:ph type="sldNum" sz="quarter" idx="12"/>
-            <p:custDataLst>
-              <p:tags r:id="rId6"/>
-            </p:custDataLst>
-          </p:nvPr>
-        </p:nvSpPr>
-        <p:spPr/>
-        <p:txBody>
-          <a:bodyPr/>
-          <a:lstStyle/>
-          <a:p>
             <a:fld id="{49AE70B2-8BF9-45C0-BB95-33D1B9D3A854}" type="slidenum">
               <a:rPr lang="zh-CN" altLang="en-US" smtClean="0"/>
+              <a:t>‹#›</a:t>
             </a:fld>
             <a:endParaRPr lang="zh-CN" altLang="en-US"/>
           </a:p>
@@ -4126,7 +4095,7 @@
           <p:nvPr>
             <p:ph type="title"/>
             <p:custDataLst>
-              <p:tags r:id="rId12"/>
+              <p:tags r:id="rId13"/>
             </p:custDataLst>
           </p:nvPr>
         </p:nvSpPr>
@@ -4149,7 +4118,6 @@
               <a:rPr lang="zh-CN" altLang="en-US" dirty="0"/>
               <a:t>单击此处编辑母版标题样式</a:t>
             </a:r>
-            <a:endParaRPr lang="zh-CN" altLang="en-US" dirty="0"/>
           </a:p>
         </p:txBody>
       </p:sp>
@@ -4162,7 +4130,7 @@
           <p:nvPr>
             <p:ph type="body" idx="1"/>
             <p:custDataLst>
-              <p:tags r:id="rId13"/>
+              <p:tags r:id="rId14"/>
             </p:custDataLst>
           </p:nvPr>
         </p:nvSpPr>
@@ -4186,7 +4154,6 @@
               <a:rPr lang="zh-CN" altLang="en-US" dirty="0"/>
               <a:t>单击此处编辑母版文本样式</a:t>
             </a:r>
-            <a:endParaRPr lang="zh-CN" altLang="en-US" dirty="0"/>
           </a:p>
           <a:p>
             <a:pPr lvl="1"/>
@@ -4194,7 +4161,6 @@
               <a:rPr lang="zh-CN" altLang="en-US" dirty="0"/>
               <a:t>第二级</a:t>
             </a:r>
-            <a:endParaRPr lang="zh-CN" altLang="en-US" dirty="0"/>
           </a:p>
           <a:p>
             <a:pPr lvl="2"/>
@@ -4202,7 +4168,6 @@
               <a:rPr lang="zh-CN" altLang="en-US" dirty="0"/>
               <a:t>第三级</a:t>
             </a:r>
-            <a:endParaRPr lang="zh-CN" altLang="en-US" dirty="0"/>
           </a:p>
           <a:p>
             <a:pPr lvl="3"/>
@@ -4210,7 +4175,6 @@
               <a:rPr lang="zh-CN" altLang="en-US" dirty="0"/>
               <a:t>第四级</a:t>
             </a:r>
-            <a:endParaRPr lang="zh-CN" altLang="en-US" dirty="0"/>
           </a:p>
           <a:p>
             <a:pPr lvl="4"/>
@@ -4218,7 +4182,6 @@
               <a:rPr lang="zh-CN" altLang="en-US" dirty="0"/>
               <a:t>第五级</a:t>
             </a:r>
-            <a:endParaRPr lang="zh-CN" altLang="en-US" dirty="0"/>
           </a:p>
         </p:txBody>
       </p:sp>
@@ -4231,7 +4194,7 @@
           <p:nvPr>
             <p:ph type="dt" sz="half" idx="2"/>
             <p:custDataLst>
-              <p:tags r:id="rId14"/>
+              <p:tags r:id="rId15"/>
             </p:custDataLst>
           </p:nvPr>
         </p:nvSpPr>
@@ -4264,6 +4227,7 @@
           <a:p>
             <a:fld id="{760FBDFE-C587-4B4C-A407-44438C67B59E}" type="datetimeFigureOut">
               <a:rPr lang="zh-CN" altLang="en-US" smtClean="0"/>
+              <a:t>2020/5/29</a:t>
             </a:fld>
             <a:endParaRPr lang="zh-CN" altLang="en-US"/>
           </a:p>
@@ -4278,7 +4242,7 @@
           <p:nvPr>
             <p:ph type="ftr" sz="quarter" idx="3"/>
             <p:custDataLst>
-              <p:tags r:id="rId15"/>
+              <p:tags r:id="rId16"/>
             </p:custDataLst>
           </p:nvPr>
         </p:nvSpPr>
@@ -4322,7 +4286,7 @@
           <p:nvPr>
             <p:ph type="sldNum" sz="quarter" idx="4"/>
             <p:custDataLst>
-              <p:tags r:id="rId16"/>
+              <p:tags r:id="rId17"/>
             </p:custDataLst>
           </p:nvPr>
         </p:nvSpPr>
@@ -4355,6 +4319,7 @@
           <a:p>
             <a:fld id="{49AE70B2-8BF9-45C0-BB95-33D1B9D3A854}" type="slidenum">
               <a:rPr lang="zh-CN" altLang="en-US" smtClean="0"/>
+              <a:t>‹#›</a:t>
             </a:fld>
             <a:endParaRPr lang="zh-CN" altLang="en-US" dirty="0"/>
           </a:p>
@@ -4366,7 +4331,7 @@
           <p:cNvSpPr/>
           <p:nvPr>
             <p:custDataLst>
-              <p:tags r:id="rId17"/>
+              <p:tags r:id="rId18"/>
             </p:custDataLst>
           </p:nvPr>
         </p:nvSpPr>
@@ -4771,7 +4736,7 @@
           <p:nvPr>
             <p:ph type="ctrTitle"/>
             <p:custDataLst>
-              <p:tags r:id="rId1"/>
+              <p:tags r:id="rId2"/>
             </p:custDataLst>
           </p:nvPr>
         </p:nvSpPr>
@@ -4783,12 +4748,12 @@
         </p:spPr>
         <p:txBody>
           <a:bodyPr/>
+          <a:lstStyle/>
           <a:p>
             <a:r>
               <a:rPr lang="zh-CN" altLang="zh-CN"/>
               <a:t>软件质量保证插图集合</a:t>
             </a:r>
-            <a:endParaRPr lang="zh-CN" altLang="zh-CN"/>
           </a:p>
         </p:txBody>
       </p:sp>
@@ -4801,13 +4766,14 @@
           <p:nvPr>
             <p:ph type="subTitle" idx="1"/>
             <p:custDataLst>
-              <p:tags r:id="rId2"/>
+              <p:tags r:id="rId3"/>
             </p:custDataLst>
           </p:nvPr>
         </p:nvSpPr>
         <p:spPr/>
         <p:txBody>
           <a:bodyPr/>
+          <a:lstStyle/>
           <a:p>
             <a:r>
               <a:rPr lang="zh-CN" altLang="en-US"/>
@@ -4817,13 +4783,12 @@
               <a:rPr lang="en-US" altLang="zh-CN"/>
               <a:t>2020/05/26</a:t>
             </a:r>
-            <a:endParaRPr lang="en-US" altLang="zh-CN"/>
           </a:p>
         </p:txBody>
       </p:sp>
     </p:spTree>
     <p:custDataLst>
-      <p:tags r:id="rId3"/>
+      <p:tags r:id="rId1"/>
     </p:custDataLst>
   </p:cSld>
   <p:clrMapOvr>
@@ -4841,7 +4806,14 @@
         <p:cNvGrpSpPr/>
         <p:nvPr/>
       </p:nvGrpSpPr>
-      <p:grpSpPr/>
+      <p:grpSpPr>
+        <a:xfrm>
+          <a:off x="0" y="0"/>
+          <a:ext cx="0" cy="0"/>
+          <a:chOff x="0" y="0"/>
+          <a:chExt cx="0" cy="0"/>
+        </a:xfrm>
+      </p:grpSpPr>
       <p:cxnSp>
         <p:nvCxnSpPr>
           <p:cNvPr id="2" name="直接箭头连接符 1"/>
@@ -4990,6 +4962,7 @@
         </p:style>
         <p:txBody>
           <a:bodyPr rtlCol="0" anchor="ctr"/>
+          <a:lstStyle/>
           <a:p>
             <a:pPr algn="ctr"/>
             <a:endParaRPr lang="zh-CN" altLang="en-US"/>
@@ -5016,12 +4989,12 @@
           <a:bodyPr wrap="square" rtlCol="0">
             <a:spAutoFit/>
           </a:bodyPr>
+          <a:lstStyle/>
           <a:p>
             <a:r>
               <a:rPr lang="zh-CN" altLang="en-US"/>
               <a:t>开发进度</a:t>
             </a:r>
-            <a:endParaRPr lang="zh-CN" altLang="en-US"/>
           </a:p>
         </p:txBody>
       </p:sp>
@@ -5045,12 +5018,12 @@
           <a:bodyPr wrap="square" rtlCol="0">
             <a:spAutoFit/>
           </a:bodyPr>
+          <a:lstStyle/>
           <a:p>
             <a:r>
               <a:rPr lang="zh-CN" altLang="en-US"/>
               <a:t>修复成本</a:t>
             </a:r>
-            <a:endParaRPr lang="zh-CN" altLang="en-US"/>
           </a:p>
         </p:txBody>
       </p:sp>
@@ -5074,12 +5047,12 @@
           <a:bodyPr wrap="square" rtlCol="0">
             <a:spAutoFit/>
           </a:bodyPr>
+          <a:lstStyle/>
           <a:p>
             <a:r>
               <a:rPr lang="zh-CN" altLang="en-US"/>
               <a:t>需求设计</a:t>
             </a:r>
-            <a:endParaRPr lang="zh-CN" altLang="en-US"/>
           </a:p>
         </p:txBody>
       </p:sp>
@@ -5103,12 +5076,12 @@
           <a:bodyPr wrap="square" rtlCol="0">
             <a:spAutoFit/>
           </a:bodyPr>
+          <a:lstStyle/>
           <a:p>
             <a:r>
               <a:rPr lang="zh-CN" altLang="en-US"/>
               <a:t>编码</a:t>
             </a:r>
-            <a:endParaRPr lang="zh-CN" altLang="en-US"/>
           </a:p>
         </p:txBody>
       </p:sp>
@@ -5132,12 +5105,12 @@
           <a:bodyPr wrap="square" rtlCol="0">
             <a:spAutoFit/>
           </a:bodyPr>
+          <a:lstStyle/>
           <a:p>
             <a:r>
               <a:rPr lang="zh-CN" altLang="en-US"/>
               <a:t>验收</a:t>
             </a:r>
-            <a:endParaRPr lang="zh-CN" altLang="en-US"/>
           </a:p>
         </p:txBody>
       </p:sp>
@@ -5161,12 +5134,12 @@
           <a:bodyPr wrap="square" rtlCol="0">
             <a:spAutoFit/>
           </a:bodyPr>
+          <a:lstStyle/>
           <a:p>
             <a:r>
               <a:rPr lang="zh-CN" altLang="en-US"/>
               <a:t>交付</a:t>
             </a:r>
-            <a:endParaRPr lang="zh-CN" altLang="en-US"/>
           </a:p>
         </p:txBody>
       </p:sp>
@@ -5181,684 +5154,300 @@
 </p:sld>
 </file>
 
+<file path=ppt/slides/slide3.xml><?xml version="1.0" encoding="utf-8"?>
+<p:sld xmlns:a="http://schemas.openxmlformats.org/drawingml/2006/main" xmlns:r="http://schemas.openxmlformats.org/officeDocument/2006/relationships" xmlns:p="http://schemas.openxmlformats.org/presentationml/2006/main">
+  <p:cSld>
+    <p:spTree>
+      <p:nvGrpSpPr>
+        <p:cNvPr id="1" name=""/>
+        <p:cNvGrpSpPr/>
+        <p:nvPr/>
+      </p:nvGrpSpPr>
+      <p:grpSpPr>
+        <a:xfrm>
+          <a:off x="0" y="0"/>
+          <a:ext cx="0" cy="0"/>
+          <a:chOff x="0" y="0"/>
+          <a:chExt cx="0" cy="0"/>
+        </a:xfrm>
+      </p:grpSpPr>
+      <p:sp>
+        <p:nvSpPr>
+          <p:cNvPr id="2" name="标题 1"/>
+          <p:cNvSpPr>
+            <a:spLocks noGrp="1"/>
+          </p:cNvSpPr>
+          <p:nvPr>
+            <p:ph type="title"/>
+          </p:nvPr>
+        </p:nvSpPr>
+        <p:spPr/>
+        <p:txBody>
+          <a:bodyPr/>
+          <a:lstStyle/>
+          <a:p>
+            <a:r>
+              <a:rPr lang="zh-CN" altLang="en-US" dirty="0" smtClean="0"/>
+              <a:t>持续集成</a:t>
+            </a:r>
+            <a:endParaRPr lang="zh-CN" altLang="en-US" dirty="0"/>
+          </a:p>
+        </p:txBody>
+      </p:sp>
+      <p:pic>
+        <p:nvPicPr>
+          <p:cNvPr id="1026" name="Picture 2" descr="preview"/>
+          <p:cNvPicPr>
+            <a:picLocks noGrp="1" noChangeAspect="1" noChangeArrowheads="1"/>
+          </p:cNvPicPr>
+          <p:nvPr>
+            <p:ph idx="1"/>
+          </p:nvPr>
+        </p:nvPicPr>
+        <p:blipFill>
+          <a:blip r:embed="rId2">
+            <a:extLst>
+              <a:ext uri="{28A0092B-C50C-407E-A947-70E740481C1C}">
+                <a14:useLocalDpi xmlns:a14="http://schemas.microsoft.com/office/drawing/2010/main" val="0"/>
+              </a:ext>
+            </a:extLst>
+          </a:blip>
+          <a:srcRect/>
+          <a:stretch>
+            <a:fillRect/>
+          </a:stretch>
+        </p:blipFill>
+        <p:spPr bwMode="auto">
+          <a:xfrm>
+            <a:off x="1330325" y="1774825"/>
+            <a:ext cx="9525000" cy="4191000"/>
+          </a:xfrm>
+          <a:prstGeom prst="rect">
+            <a:avLst/>
+          </a:prstGeom>
+          <a:noFill/>
+          <a:extLst>
+            <a:ext uri="{909E8E84-426E-40DD-AFC4-6F175D3DCCD1}">
+              <a14:hiddenFill xmlns:a14="http://schemas.microsoft.com/office/drawing/2010/main">
+                <a:solidFill>
+                  <a:srgbClr val="FFFFFF"/>
+                </a:solidFill>
+              </a14:hiddenFill>
+            </a:ext>
+          </a:extLst>
+        </p:spPr>
+      </p:pic>
+    </p:spTree>
+    <p:extLst>
+      <p:ext uri="{BB962C8B-B14F-4D97-AF65-F5344CB8AC3E}">
+        <p14:creationId xmlns:p14="http://schemas.microsoft.com/office/powerpoint/2010/main" val="628291438"/>
+      </p:ext>
+    </p:extLst>
+  </p:cSld>
+  <p:clrMapOvr>
+    <a:masterClrMapping/>
+  </p:clrMapOvr>
+</p:sld>
+</file>
+
+<file path=ppt/slides/slide4.xml><?xml version="1.0" encoding="utf-8"?>
+<p:sld xmlns:a="http://schemas.openxmlformats.org/drawingml/2006/main" xmlns:r="http://schemas.openxmlformats.org/officeDocument/2006/relationships" xmlns:p="http://schemas.openxmlformats.org/presentationml/2006/main">
+  <p:cSld>
+    <p:spTree>
+      <p:nvGrpSpPr>
+        <p:cNvPr id="1" name=""/>
+        <p:cNvGrpSpPr/>
+        <p:nvPr/>
+      </p:nvGrpSpPr>
+      <p:grpSpPr>
+        <a:xfrm>
+          <a:off x="0" y="0"/>
+          <a:ext cx="0" cy="0"/>
+          <a:chOff x="0" y="0"/>
+          <a:chExt cx="0" cy="0"/>
+        </a:xfrm>
+      </p:grpSpPr>
+      <p:sp>
+        <p:nvSpPr>
+          <p:cNvPr id="2" name="标题 1"/>
+          <p:cNvSpPr>
+            <a:spLocks noGrp="1"/>
+          </p:cNvSpPr>
+          <p:nvPr>
+            <p:ph type="title"/>
+          </p:nvPr>
+        </p:nvSpPr>
+        <p:spPr/>
+        <p:txBody>
+          <a:bodyPr>
+            <a:normAutofit/>
+          </a:bodyPr>
+          <a:lstStyle/>
+          <a:p>
+            <a:r>
+              <a:rPr lang="zh-CN" altLang="en-US" dirty="0" smtClean="0"/>
+              <a:t>持续交付</a:t>
+            </a:r>
+            <a:endParaRPr lang="zh-CN" altLang="en-US" dirty="0"/>
+          </a:p>
+        </p:txBody>
+      </p:sp>
+      <p:pic>
+        <p:nvPicPr>
+          <p:cNvPr id="2050" name="Picture 2" descr="preview"/>
+          <p:cNvPicPr>
+            <a:picLocks noGrp="1" noChangeAspect="1" noChangeArrowheads="1"/>
+          </p:cNvPicPr>
+          <p:nvPr>
+            <p:ph idx="1"/>
+          </p:nvPr>
+        </p:nvPicPr>
+        <p:blipFill>
+          <a:blip r:embed="rId2">
+            <a:extLst>
+              <a:ext uri="{28A0092B-C50C-407E-A947-70E740481C1C}">
+                <a14:useLocalDpi xmlns:a14="http://schemas.microsoft.com/office/drawing/2010/main" val="0"/>
+              </a:ext>
+            </a:extLst>
+          </a:blip>
+          <a:srcRect/>
+          <a:stretch>
+            <a:fillRect/>
+          </a:stretch>
+        </p:blipFill>
+        <p:spPr bwMode="auto">
+          <a:xfrm>
+            <a:off x="2877065" y="1490663"/>
+            <a:ext cx="6431520" cy="4759325"/>
+          </a:xfrm>
+          <a:prstGeom prst="rect">
+            <a:avLst/>
+          </a:prstGeom>
+          <a:noFill/>
+          <a:extLst>
+            <a:ext uri="{909E8E84-426E-40DD-AFC4-6F175D3DCCD1}">
+              <a14:hiddenFill xmlns:a14="http://schemas.microsoft.com/office/drawing/2010/main">
+                <a:solidFill>
+                  <a:srgbClr val="FFFFFF"/>
+                </a:solidFill>
+              </a14:hiddenFill>
+            </a:ext>
+          </a:extLst>
+        </p:spPr>
+      </p:pic>
+    </p:spTree>
+    <p:extLst>
+      <p:ext uri="{BB962C8B-B14F-4D97-AF65-F5344CB8AC3E}">
+        <p14:creationId xmlns:p14="http://schemas.microsoft.com/office/powerpoint/2010/main" val="2284649828"/>
+      </p:ext>
+    </p:extLst>
+  </p:cSld>
+  <p:clrMapOvr>
+    <a:masterClrMapping/>
+  </p:clrMapOvr>
+</p:sld>
+</file>
+
+<file path=ppt/slides/slide5.xml><?xml version="1.0" encoding="utf-8"?>
+<p:sld xmlns:a="http://schemas.openxmlformats.org/drawingml/2006/main" xmlns:r="http://schemas.openxmlformats.org/officeDocument/2006/relationships" xmlns:p="http://schemas.openxmlformats.org/presentationml/2006/main">
+  <p:cSld>
+    <p:spTree>
+      <p:nvGrpSpPr>
+        <p:cNvPr id="1" name=""/>
+        <p:cNvGrpSpPr/>
+        <p:nvPr/>
+      </p:nvGrpSpPr>
+      <p:grpSpPr>
+        <a:xfrm>
+          <a:off x="0" y="0"/>
+          <a:ext cx="0" cy="0"/>
+          <a:chOff x="0" y="0"/>
+          <a:chExt cx="0" cy="0"/>
+        </a:xfrm>
+      </p:grpSpPr>
+      <p:sp>
+        <p:nvSpPr>
+          <p:cNvPr id="2" name="标题 1"/>
+          <p:cNvSpPr>
+            <a:spLocks noGrp="1"/>
+          </p:cNvSpPr>
+          <p:nvPr>
+            <p:ph type="title"/>
+          </p:nvPr>
+        </p:nvSpPr>
+        <p:spPr/>
+        <p:txBody>
+          <a:bodyPr>
+            <a:normAutofit/>
+          </a:bodyPr>
+          <a:lstStyle/>
+          <a:p>
+            <a:r>
+              <a:rPr lang="zh-CN" altLang="en-US" dirty="0" smtClean="0"/>
+              <a:t>持续部署</a:t>
+            </a:r>
+            <a:endParaRPr lang="zh-CN" altLang="en-US" dirty="0"/>
+          </a:p>
+        </p:txBody>
+      </p:sp>
+      <p:pic>
+        <p:nvPicPr>
+          <p:cNvPr id="3074" name="Picture 2" descr="preview"/>
+          <p:cNvPicPr>
+            <a:picLocks noGrp="1" noChangeAspect="1" noChangeArrowheads="1"/>
+          </p:cNvPicPr>
+          <p:nvPr>
+            <p:ph idx="1"/>
+          </p:nvPr>
+        </p:nvPicPr>
+        <p:blipFill>
+          <a:blip r:embed="rId2">
+            <a:extLst>
+              <a:ext uri="{28A0092B-C50C-407E-A947-70E740481C1C}">
+                <a14:useLocalDpi xmlns:a14="http://schemas.microsoft.com/office/drawing/2010/main" val="0"/>
+              </a:ext>
+            </a:extLst>
+          </a:blip>
+          <a:srcRect/>
+          <a:stretch>
+            <a:fillRect/>
+          </a:stretch>
+        </p:blipFill>
+        <p:spPr bwMode="auto">
+          <a:xfrm>
+            <a:off x="2877065" y="1490663"/>
+            <a:ext cx="6431520" cy="4759325"/>
+          </a:xfrm>
+          <a:prstGeom prst="rect">
+            <a:avLst/>
+          </a:prstGeom>
+          <a:noFill/>
+          <a:extLst>
+            <a:ext uri="{909E8E84-426E-40DD-AFC4-6F175D3DCCD1}">
+              <a14:hiddenFill xmlns:a14="http://schemas.microsoft.com/office/drawing/2010/main">
+                <a:solidFill>
+                  <a:srgbClr val="FFFFFF"/>
+                </a:solidFill>
+              </a14:hiddenFill>
+            </a:ext>
+          </a:extLst>
+        </p:spPr>
+      </p:pic>
+    </p:spTree>
+    <p:extLst>
+      <p:ext uri="{BB962C8B-B14F-4D97-AF65-F5344CB8AC3E}">
+        <p14:creationId xmlns:p14="http://schemas.microsoft.com/office/powerpoint/2010/main" val="1036283255"/>
+      </p:ext>
+    </p:extLst>
+  </p:cSld>
+  <p:clrMapOvr>
+    <a:masterClrMapping/>
+  </p:clrMapOvr>
+</p:sld>
+</file>
+
 <file path=ppt/tags/tag1.xml><?xml version="1.0" encoding="utf-8"?>
-<p:tagLst xmlns:p="http://schemas.openxmlformats.org/presentationml/2006/main">
-  <p:tag name="KSO_WM_UNIT_HIGHLIGHT" val="0"/>
-  <p:tag name="KSO_WM_UNIT_COMPATIBLE" val="0"/>
-  <p:tag name="KSO_WM_UNIT_DIAGRAM_ISNUMVISUAL" val="0"/>
-  <p:tag name="KSO_WM_UNIT_DIAGRAM_ISREFERUNIT" val="0"/>
-  <p:tag name="KSO_WM_UNIT_ID" val="_1**"/>
-  <p:tag name="KSO_WM_UNIT_LAYERLEVEL" val="1"/>
-  <p:tag name="KSO_WM_TAG_VERSION" val="1.0"/>
-  <p:tag name="KSO_WM_BEAUTIFY_FLAG" val="#wm#"/>
-</p:tagLst>
-</file>
-
-<file path=ppt/tags/tag10.xml><?xml version="1.0" encoding="utf-8"?>
-<p:tagLst xmlns:p="http://schemas.openxmlformats.org/presentationml/2006/main">
-  <p:tag name="KSO_WM_UNIT_HIGHLIGHT" val="0"/>
-  <p:tag name="KSO_WM_UNIT_COMPATIBLE" val="0"/>
-  <p:tag name="KSO_WM_UNIT_DIAGRAM_ISNUMVISUAL" val="0"/>
-  <p:tag name="KSO_WM_UNIT_DIAGRAM_ISREFERUNIT" val="0"/>
-  <p:tag name="KSO_WM_UNIT_ID" val="_2**"/>
-  <p:tag name="KSO_WM_UNIT_LAYERLEVEL" val="1"/>
-  <p:tag name="KSO_WM_TAG_VERSION" val="1.0"/>
-  <p:tag name="KSO_WM_BEAUTIFY_FLAG" val="#wm#"/>
-</p:tagLst>
-</file>
-
-<file path=ppt/tags/tag11.xml><?xml version="1.0" encoding="utf-8"?>
-<p:tagLst xmlns:p="http://schemas.openxmlformats.org/presentationml/2006/main">
-  <p:tag name="KSO_WM_UNIT_HIGHLIGHT" val="0"/>
-  <p:tag name="KSO_WM_UNIT_COMPATIBLE" val="0"/>
-  <p:tag name="KSO_WM_UNIT_DIAGRAM_ISNUMVISUAL" val="0"/>
-  <p:tag name="KSO_WM_UNIT_DIAGRAM_ISREFERUNIT" val="0"/>
-  <p:tag name="KSO_WM_UNIT_ID" val="_3**"/>
-  <p:tag name="KSO_WM_UNIT_LAYERLEVEL" val="1"/>
-  <p:tag name="KSO_WM_TAG_VERSION" val="1.0"/>
-  <p:tag name="KSO_WM_BEAUTIFY_FLAG" val="#wm#"/>
-</p:tagLst>
-</file>
-
-<file path=ppt/tags/tag12.xml><?xml version="1.0" encoding="utf-8"?>
-<p:tagLst xmlns:p="http://schemas.openxmlformats.org/presentationml/2006/main">
-  <p:tag name="KSO_WM_UNIT_HIGHLIGHT" val="0"/>
-  <p:tag name="KSO_WM_UNIT_COMPATIBLE" val="0"/>
-  <p:tag name="KSO_WM_UNIT_DIAGRAM_ISNUMVISUAL" val="0"/>
-  <p:tag name="KSO_WM_UNIT_DIAGRAM_ISREFERUNIT" val="0"/>
-  <p:tag name="KSO_WM_UNIT_ID" val="_3**"/>
-  <p:tag name="KSO_WM_UNIT_LAYERLEVEL" val="1"/>
-  <p:tag name="KSO_WM_TAG_VERSION" val="1.0"/>
-  <p:tag name="KSO_WM_BEAUTIFY_FLAG" val="#wm#"/>
-</p:tagLst>
-</file>
-
-<file path=ppt/tags/tag13.xml><?xml version="1.0" encoding="utf-8"?>
-<p:tagLst xmlns:p="http://schemas.openxmlformats.org/presentationml/2006/main">
-  <p:tag name="KSO_WM_UNIT_HIGHLIGHT" val="0"/>
-  <p:tag name="KSO_WM_UNIT_COMPATIBLE" val="0"/>
-  <p:tag name="KSO_WM_UNIT_DIAGRAM_ISNUMVISUAL" val="0"/>
-  <p:tag name="KSO_WM_UNIT_DIAGRAM_ISREFERUNIT" val="0"/>
-  <p:tag name="KSO_WM_UNIT_ID" val="_3**"/>
-  <p:tag name="KSO_WM_UNIT_LAYERLEVEL" val="1"/>
-  <p:tag name="KSO_WM_TAG_VERSION" val="1.0"/>
-  <p:tag name="KSO_WM_BEAUTIFY_FLAG" val="#wm#"/>
-</p:tagLst>
-</file>
-
-<file path=ppt/tags/tag14.xml><?xml version="1.0" encoding="utf-8"?>
-<p:tagLst xmlns:p="http://schemas.openxmlformats.org/presentationml/2006/main">
-  <p:tag name="KSO_WM_UNIT_HIGHLIGHT" val="0"/>
-  <p:tag name="KSO_WM_UNIT_COMPATIBLE" val="0"/>
-  <p:tag name="KSO_WM_UNIT_DIAGRAM_ISNUMVISUAL" val="0"/>
-  <p:tag name="KSO_WM_UNIT_DIAGRAM_ISREFERUNIT" val="0"/>
-  <p:tag name="KSO_WM_UNIT_ID" val="_3**"/>
-  <p:tag name="KSO_WM_UNIT_LAYERLEVEL" val="1"/>
-  <p:tag name="KSO_WM_TAG_VERSION" val="1.0"/>
-  <p:tag name="KSO_WM_BEAUTIFY_FLAG" val="#wm#"/>
-</p:tagLst>
-</file>
-
-<file path=ppt/tags/tag15.xml><?xml version="1.0" encoding="utf-8"?>
-<p:tagLst xmlns:p="http://schemas.openxmlformats.org/presentationml/2006/main">
-  <p:tag name="KSO_WM_UNIT_HIGHLIGHT" val="0"/>
-  <p:tag name="KSO_WM_UNIT_COMPATIBLE" val="0"/>
-  <p:tag name="KSO_WM_UNIT_DIAGRAM_ISNUMVISUAL" val="0"/>
-  <p:tag name="KSO_WM_UNIT_DIAGRAM_ISREFERUNIT" val="0"/>
-  <p:tag name="KSO_WM_UNIT_ID" val="_3**"/>
-  <p:tag name="KSO_WM_UNIT_LAYERLEVEL" val="1"/>
-  <p:tag name="KSO_WM_TAG_VERSION" val="1.0"/>
-  <p:tag name="KSO_WM_BEAUTIFY_FLAG" val="#wm#"/>
-</p:tagLst>
-</file>
-
-<file path=ppt/tags/tag16.xml><?xml version="1.0" encoding="utf-8"?>
-<p:tagLst xmlns:p="http://schemas.openxmlformats.org/presentationml/2006/main">
-  <p:tag name="KSO_WM_UNIT_HIGHLIGHT" val="0"/>
-  <p:tag name="KSO_WM_UNIT_COMPATIBLE" val="0"/>
-  <p:tag name="KSO_WM_UNIT_DIAGRAM_ISNUMVISUAL" val="0"/>
-  <p:tag name="KSO_WM_UNIT_DIAGRAM_ISREFERUNIT" val="0"/>
-  <p:tag name="KSO_WM_UNIT_ID" val="_4**"/>
-  <p:tag name="KSO_WM_UNIT_LAYERLEVEL" val="1"/>
-  <p:tag name="KSO_WM_TAG_VERSION" val="1.0"/>
-  <p:tag name="KSO_WM_BEAUTIFY_FLAG" val="#wm#"/>
-</p:tagLst>
-</file>
-
-<file path=ppt/tags/tag17.xml><?xml version="1.0" encoding="utf-8"?>
-<p:tagLst xmlns:p="http://schemas.openxmlformats.org/presentationml/2006/main">
-  <p:tag name="KSO_WM_UNIT_HIGHLIGHT" val="0"/>
-  <p:tag name="KSO_WM_UNIT_COMPATIBLE" val="0"/>
-  <p:tag name="KSO_WM_UNIT_DIAGRAM_ISNUMVISUAL" val="0"/>
-  <p:tag name="KSO_WM_UNIT_DIAGRAM_ISREFERUNIT" val="0"/>
-  <p:tag name="KSO_WM_UNIT_ID" val="_4**"/>
-  <p:tag name="KSO_WM_UNIT_LAYERLEVEL" val="1"/>
-  <p:tag name="KSO_WM_TAG_VERSION" val="1.0"/>
-  <p:tag name="KSO_WM_BEAUTIFY_FLAG" val="#wm#"/>
-</p:tagLst>
-</file>
-
-<file path=ppt/tags/tag18.xml><?xml version="1.0" encoding="utf-8"?>
-<p:tagLst xmlns:p="http://schemas.openxmlformats.org/presentationml/2006/main">
-  <p:tag name="KSO_WM_UNIT_HIGHLIGHT" val="0"/>
-  <p:tag name="KSO_WM_UNIT_COMPATIBLE" val="0"/>
-  <p:tag name="KSO_WM_UNIT_DIAGRAM_ISNUMVISUAL" val="0"/>
-  <p:tag name="KSO_WM_UNIT_DIAGRAM_ISREFERUNIT" val="0"/>
-  <p:tag name="KSO_WM_UNIT_ID" val="_4**"/>
-  <p:tag name="KSO_WM_UNIT_LAYERLEVEL" val="1"/>
-  <p:tag name="KSO_WM_TAG_VERSION" val="1.0"/>
-  <p:tag name="KSO_WM_BEAUTIFY_FLAG" val="#wm#"/>
-</p:tagLst>
-</file>
-
-<file path=ppt/tags/tag19.xml><?xml version="1.0" encoding="utf-8"?>
-<p:tagLst xmlns:p="http://schemas.openxmlformats.org/presentationml/2006/main">
-  <p:tag name="KSO_WM_UNIT_HIGHLIGHT" val="0"/>
-  <p:tag name="KSO_WM_UNIT_COMPATIBLE" val="0"/>
-  <p:tag name="KSO_WM_UNIT_DIAGRAM_ISNUMVISUAL" val="0"/>
-  <p:tag name="KSO_WM_UNIT_DIAGRAM_ISREFERUNIT" val="0"/>
-  <p:tag name="KSO_WM_UNIT_ID" val="_4**"/>
-  <p:tag name="KSO_WM_UNIT_LAYERLEVEL" val="1"/>
-  <p:tag name="KSO_WM_TAG_VERSION" val="1.0"/>
-  <p:tag name="KSO_WM_BEAUTIFY_FLAG" val="#wm#"/>
-</p:tagLst>
-</file>
-
-<file path=ppt/tags/tag2.xml><?xml version="1.0" encoding="utf-8"?>
-<p:tagLst xmlns:p="http://schemas.openxmlformats.org/presentationml/2006/main">
-  <p:tag name="KSO_WM_UNIT_HIGHLIGHT" val="0"/>
-  <p:tag name="KSO_WM_UNIT_COMPATIBLE" val="0"/>
-  <p:tag name="KSO_WM_UNIT_DIAGRAM_ISNUMVISUAL" val="0"/>
-  <p:tag name="KSO_WM_UNIT_DIAGRAM_ISREFERUNIT" val="0"/>
-  <p:tag name="KSO_WM_UNIT_ID" val="_1**"/>
-  <p:tag name="KSO_WM_UNIT_LAYERLEVEL" val="1"/>
-  <p:tag name="KSO_WM_TAG_VERSION" val="1.0"/>
-  <p:tag name="KSO_WM_BEAUTIFY_FLAG" val="#wm#"/>
-</p:tagLst>
-</file>
-
-<file path=ppt/tags/tag20.xml><?xml version="1.0" encoding="utf-8"?>
-<p:tagLst xmlns:p="http://schemas.openxmlformats.org/presentationml/2006/main">
-  <p:tag name="KSO_WM_UNIT_HIGHLIGHT" val="0"/>
-  <p:tag name="KSO_WM_UNIT_COMPATIBLE" val="0"/>
-  <p:tag name="KSO_WM_UNIT_DIAGRAM_ISNUMVISUAL" val="0"/>
-  <p:tag name="KSO_WM_UNIT_DIAGRAM_ISREFERUNIT" val="0"/>
-  <p:tag name="KSO_WM_UNIT_ID" val="_4**"/>
-  <p:tag name="KSO_WM_UNIT_LAYERLEVEL" val="1"/>
-  <p:tag name="KSO_WM_TAG_VERSION" val="1.0"/>
-  <p:tag name="KSO_WM_BEAUTIFY_FLAG" val="#wm#"/>
-</p:tagLst>
-</file>
-
-<file path=ppt/tags/tag21.xml><?xml version="1.0" encoding="utf-8"?>
-<p:tagLst xmlns:p="http://schemas.openxmlformats.org/presentationml/2006/main">
-  <p:tag name="KSO_WM_UNIT_HIGHLIGHT" val="0"/>
-  <p:tag name="KSO_WM_UNIT_COMPATIBLE" val="0"/>
-  <p:tag name="KSO_WM_UNIT_DIAGRAM_ISNUMVISUAL" val="0"/>
-  <p:tag name="KSO_WM_UNIT_DIAGRAM_ISREFERUNIT" val="0"/>
-  <p:tag name="KSO_WM_UNIT_ID" val="_4**"/>
-  <p:tag name="KSO_WM_UNIT_LAYERLEVEL" val="1"/>
-  <p:tag name="KSO_WM_TAG_VERSION" val="1.0"/>
-  <p:tag name="KSO_WM_BEAUTIFY_FLAG" val="#wm#"/>
-</p:tagLst>
-</file>
-
-<file path=ppt/tags/tag22.xml><?xml version="1.0" encoding="utf-8"?>
-<p:tagLst xmlns:p="http://schemas.openxmlformats.org/presentationml/2006/main">
-  <p:tag name="KSO_WM_UNIT_HIGHLIGHT" val="0"/>
-  <p:tag name="KSO_WM_UNIT_COMPATIBLE" val="0"/>
-  <p:tag name="KSO_WM_UNIT_DIAGRAM_ISNUMVISUAL" val="0"/>
-  <p:tag name="KSO_WM_UNIT_DIAGRAM_ISREFERUNIT" val="0"/>
-  <p:tag name="KSO_WM_UNIT_ID" val="_5**"/>
-  <p:tag name="KSO_WM_UNIT_LAYERLEVEL" val="1"/>
-  <p:tag name="KSO_WM_TAG_VERSION" val="1.0"/>
-  <p:tag name="KSO_WM_BEAUTIFY_FLAG" val="#wm#"/>
-</p:tagLst>
-</file>
-
-<file path=ppt/tags/tag23.xml><?xml version="1.0" encoding="utf-8"?>
-<p:tagLst xmlns:p="http://schemas.openxmlformats.org/presentationml/2006/main">
-  <p:tag name="KSO_WM_UNIT_HIGHLIGHT" val="0"/>
-  <p:tag name="KSO_WM_UNIT_COMPATIBLE" val="0"/>
-  <p:tag name="KSO_WM_UNIT_DIAGRAM_ISNUMVISUAL" val="0"/>
-  <p:tag name="KSO_WM_UNIT_DIAGRAM_ISREFERUNIT" val="0"/>
-  <p:tag name="KSO_WM_UNIT_ID" val="_5**"/>
-  <p:tag name="KSO_WM_UNIT_LAYERLEVEL" val="1"/>
-  <p:tag name="KSO_WM_TAG_VERSION" val="1.0"/>
-  <p:tag name="KSO_WM_BEAUTIFY_FLAG" val="#wm#"/>
-</p:tagLst>
-</file>
-
-<file path=ppt/tags/tag24.xml><?xml version="1.0" encoding="utf-8"?>
-<p:tagLst xmlns:p="http://schemas.openxmlformats.org/presentationml/2006/main">
-  <p:tag name="KSO_WM_UNIT_HIGHLIGHT" val="0"/>
-  <p:tag name="KSO_WM_UNIT_COMPATIBLE" val="0"/>
-  <p:tag name="KSO_WM_UNIT_DIAGRAM_ISNUMVISUAL" val="0"/>
-  <p:tag name="KSO_WM_UNIT_DIAGRAM_ISREFERUNIT" val="0"/>
-  <p:tag name="KSO_WM_UNIT_ID" val="_5**"/>
-  <p:tag name="KSO_WM_UNIT_LAYERLEVEL" val="1"/>
-  <p:tag name="KSO_WM_TAG_VERSION" val="1.0"/>
-  <p:tag name="KSO_WM_BEAUTIFY_FLAG" val="#wm#"/>
-</p:tagLst>
-</file>
-
-<file path=ppt/tags/tag25.xml><?xml version="1.0" encoding="utf-8"?>
-<p:tagLst xmlns:p="http://schemas.openxmlformats.org/presentationml/2006/main">
-  <p:tag name="KSO_WM_UNIT_HIGHLIGHT" val="0"/>
-  <p:tag name="KSO_WM_UNIT_COMPATIBLE" val="0"/>
-  <p:tag name="KSO_WM_UNIT_DIAGRAM_ISNUMVISUAL" val="0"/>
-  <p:tag name="KSO_WM_UNIT_DIAGRAM_ISREFERUNIT" val="0"/>
-  <p:tag name="KSO_WM_UNIT_ID" val="_5**"/>
-  <p:tag name="KSO_WM_UNIT_LAYERLEVEL" val="1"/>
-  <p:tag name="KSO_WM_TAG_VERSION" val="1.0"/>
-  <p:tag name="KSO_WM_BEAUTIFY_FLAG" val="#wm#"/>
-</p:tagLst>
-</file>
-
-<file path=ppt/tags/tag26.xml><?xml version="1.0" encoding="utf-8"?>
-<p:tagLst xmlns:p="http://schemas.openxmlformats.org/presentationml/2006/main">
-  <p:tag name="KSO_WM_UNIT_HIGHLIGHT" val="0"/>
-  <p:tag name="KSO_WM_UNIT_COMPATIBLE" val="0"/>
-  <p:tag name="KSO_WM_UNIT_DIAGRAM_ISNUMVISUAL" val="0"/>
-  <p:tag name="KSO_WM_UNIT_DIAGRAM_ISREFERUNIT" val="0"/>
-  <p:tag name="KSO_WM_UNIT_ID" val="_5**"/>
-  <p:tag name="KSO_WM_UNIT_LAYERLEVEL" val="1"/>
-  <p:tag name="KSO_WM_TAG_VERSION" val="1.0"/>
-  <p:tag name="KSO_WM_BEAUTIFY_FLAG" val="#wm#"/>
-</p:tagLst>
-</file>
-
-<file path=ppt/tags/tag27.xml><?xml version="1.0" encoding="utf-8"?>
-<p:tagLst xmlns:p="http://schemas.openxmlformats.org/presentationml/2006/main">
-  <p:tag name="KSO_WM_UNIT_HIGHLIGHT" val="0"/>
-  <p:tag name="KSO_WM_UNIT_COMPATIBLE" val="0"/>
-  <p:tag name="KSO_WM_UNIT_DIAGRAM_ISNUMVISUAL" val="0"/>
-  <p:tag name="KSO_WM_UNIT_DIAGRAM_ISREFERUNIT" val="0"/>
-  <p:tag name="KSO_WM_UNIT_ID" val="_5**"/>
-  <p:tag name="KSO_WM_UNIT_LAYERLEVEL" val="1"/>
-  <p:tag name="KSO_WM_TAG_VERSION" val="1.0"/>
-  <p:tag name="KSO_WM_BEAUTIFY_FLAG" val="#wm#"/>
-</p:tagLst>
-</file>
-
-<file path=ppt/tags/tag28.xml><?xml version="1.0" encoding="utf-8"?>
-<p:tagLst xmlns:p="http://schemas.openxmlformats.org/presentationml/2006/main">
-  <p:tag name="KSO_WM_UNIT_HIGHLIGHT" val="0"/>
-  <p:tag name="KSO_WM_UNIT_COMPATIBLE" val="0"/>
-  <p:tag name="KSO_WM_UNIT_DIAGRAM_ISNUMVISUAL" val="0"/>
-  <p:tag name="KSO_WM_UNIT_DIAGRAM_ISREFERUNIT" val="0"/>
-  <p:tag name="KSO_WM_UNIT_ID" val="_5**"/>
-  <p:tag name="KSO_WM_UNIT_LAYERLEVEL" val="1"/>
-  <p:tag name="KSO_WM_TAG_VERSION" val="1.0"/>
-  <p:tag name="KSO_WM_BEAUTIFY_FLAG" val="#wm#"/>
-</p:tagLst>
-</file>
-
-<file path=ppt/tags/tag29.xml><?xml version="1.0" encoding="utf-8"?>
-<p:tagLst xmlns:p="http://schemas.openxmlformats.org/presentationml/2006/main">
-  <p:tag name="KSO_WM_UNIT_HIGHLIGHT" val="0"/>
-  <p:tag name="KSO_WM_UNIT_COMPATIBLE" val="0"/>
-  <p:tag name="KSO_WM_UNIT_DIAGRAM_ISNUMVISUAL" val="0"/>
-  <p:tag name="KSO_WM_UNIT_DIAGRAM_ISREFERUNIT" val="0"/>
-  <p:tag name="KSO_WM_UNIT_ID" val="_5**"/>
-  <p:tag name="KSO_WM_UNIT_LAYERLEVEL" val="1"/>
-  <p:tag name="KSO_WM_TAG_VERSION" val="1.0"/>
-  <p:tag name="KSO_WM_BEAUTIFY_FLAG" val="#wm#"/>
-</p:tagLst>
-</file>
-
-<file path=ppt/tags/tag3.xml><?xml version="1.0" encoding="utf-8"?>
-<p:tagLst xmlns:p="http://schemas.openxmlformats.org/presentationml/2006/main">
-  <p:tag name="KSO_WM_UNIT_HIGHLIGHT" val="0"/>
-  <p:tag name="KSO_WM_UNIT_COMPATIBLE" val="0"/>
-  <p:tag name="KSO_WM_UNIT_DIAGRAM_ISNUMVISUAL" val="0"/>
-  <p:tag name="KSO_WM_UNIT_DIAGRAM_ISREFERUNIT" val="0"/>
-  <p:tag name="KSO_WM_UNIT_ID" val="_1**"/>
-  <p:tag name="KSO_WM_UNIT_LAYERLEVEL" val="1"/>
-  <p:tag name="KSO_WM_TAG_VERSION" val="1.0"/>
-  <p:tag name="KSO_WM_BEAUTIFY_FLAG" val="#wm#"/>
-</p:tagLst>
-</file>
-
-<file path=ppt/tags/tag30.xml><?xml version="1.0" encoding="utf-8"?>
-<p:tagLst xmlns:p="http://schemas.openxmlformats.org/presentationml/2006/main">
-  <p:tag name="KSO_WM_UNIT_HIGHLIGHT" val="0"/>
-  <p:tag name="KSO_WM_UNIT_COMPATIBLE" val="0"/>
-  <p:tag name="KSO_WM_UNIT_DIAGRAM_ISNUMVISUAL" val="0"/>
-  <p:tag name="KSO_WM_UNIT_DIAGRAM_ISREFERUNIT" val="0"/>
-  <p:tag name="KSO_WM_UNIT_ID" val="_6**"/>
-  <p:tag name="KSO_WM_UNIT_LAYERLEVEL" val="1"/>
-  <p:tag name="KSO_WM_TAG_VERSION" val="1.0"/>
-  <p:tag name="KSO_WM_BEAUTIFY_FLAG" val="#wm#"/>
-</p:tagLst>
-</file>
-
-<file path=ppt/tags/tag31.xml><?xml version="1.0" encoding="utf-8"?>
-<p:tagLst xmlns:p="http://schemas.openxmlformats.org/presentationml/2006/main">
-  <p:tag name="KSO_WM_UNIT_HIGHLIGHT" val="0"/>
-  <p:tag name="KSO_WM_UNIT_COMPATIBLE" val="0"/>
-  <p:tag name="KSO_WM_UNIT_DIAGRAM_ISNUMVISUAL" val="0"/>
-  <p:tag name="KSO_WM_UNIT_DIAGRAM_ISREFERUNIT" val="0"/>
-  <p:tag name="KSO_WM_UNIT_ID" val="_6**"/>
-  <p:tag name="KSO_WM_UNIT_LAYERLEVEL" val="1"/>
-  <p:tag name="KSO_WM_TAG_VERSION" val="1.0"/>
-  <p:tag name="KSO_WM_BEAUTIFY_FLAG" val="#wm#"/>
-</p:tagLst>
-</file>
-
-<file path=ppt/tags/tag32.xml><?xml version="1.0" encoding="utf-8"?>
-<p:tagLst xmlns:p="http://schemas.openxmlformats.org/presentationml/2006/main">
-  <p:tag name="KSO_WM_UNIT_HIGHLIGHT" val="0"/>
-  <p:tag name="KSO_WM_UNIT_COMPATIBLE" val="0"/>
-  <p:tag name="KSO_WM_UNIT_DIAGRAM_ISNUMVISUAL" val="0"/>
-  <p:tag name="KSO_WM_UNIT_DIAGRAM_ISREFERUNIT" val="0"/>
-  <p:tag name="KSO_WM_UNIT_ID" val="_6**"/>
-  <p:tag name="KSO_WM_UNIT_LAYERLEVEL" val="1"/>
-  <p:tag name="KSO_WM_TAG_VERSION" val="1.0"/>
-  <p:tag name="KSO_WM_BEAUTIFY_FLAG" val="#wm#"/>
-</p:tagLst>
-</file>
-
-<file path=ppt/tags/tag33.xml><?xml version="1.0" encoding="utf-8"?>
-<p:tagLst xmlns:p="http://schemas.openxmlformats.org/presentationml/2006/main">
-  <p:tag name="KSO_WM_UNIT_HIGHLIGHT" val="0"/>
-  <p:tag name="KSO_WM_UNIT_COMPATIBLE" val="0"/>
-  <p:tag name="KSO_WM_UNIT_DIAGRAM_ISNUMVISUAL" val="0"/>
-  <p:tag name="KSO_WM_UNIT_DIAGRAM_ISREFERUNIT" val="0"/>
-  <p:tag name="KSO_WM_UNIT_ID" val="_6**"/>
-  <p:tag name="KSO_WM_UNIT_LAYERLEVEL" val="1"/>
-  <p:tag name="KSO_WM_TAG_VERSION" val="1.0"/>
-  <p:tag name="KSO_WM_BEAUTIFY_FLAG" val="#wm#"/>
-</p:tagLst>
-</file>
-
-<file path=ppt/tags/tag34.xml><?xml version="1.0" encoding="utf-8"?>
-<p:tagLst xmlns:p="http://schemas.openxmlformats.org/presentationml/2006/main">
-  <p:tag name="KSO_WM_UNIT_HIGHLIGHT" val="0"/>
-  <p:tag name="KSO_WM_UNIT_COMPATIBLE" val="0"/>
-  <p:tag name="KSO_WM_UNIT_DIAGRAM_ISNUMVISUAL" val="0"/>
-  <p:tag name="KSO_WM_UNIT_DIAGRAM_ISREFERUNIT" val="0"/>
-  <p:tag name="KSO_WM_UNIT_ID" val="_7**"/>
-  <p:tag name="KSO_WM_UNIT_LAYERLEVEL" val="1"/>
-  <p:tag name="KSO_WM_TAG_VERSION" val="1.0"/>
-  <p:tag name="KSO_WM_BEAUTIFY_FLAG" val="#wm#"/>
-</p:tagLst>
-</file>
-
-<file path=ppt/tags/tag35.xml><?xml version="1.0" encoding="utf-8"?>
-<p:tagLst xmlns:p="http://schemas.openxmlformats.org/presentationml/2006/main">
-  <p:tag name="KSO_WM_UNIT_HIGHLIGHT" val="0"/>
-  <p:tag name="KSO_WM_UNIT_COMPATIBLE" val="0"/>
-  <p:tag name="KSO_WM_UNIT_DIAGRAM_ISNUMVISUAL" val="0"/>
-  <p:tag name="KSO_WM_UNIT_DIAGRAM_ISREFERUNIT" val="0"/>
-  <p:tag name="KSO_WM_UNIT_ID" val="_7**"/>
-  <p:tag name="KSO_WM_UNIT_LAYERLEVEL" val="1"/>
-  <p:tag name="KSO_WM_TAG_VERSION" val="1.0"/>
-  <p:tag name="KSO_WM_BEAUTIFY_FLAG" val="#wm#"/>
-</p:tagLst>
-</file>
-
-<file path=ppt/tags/tag36.xml><?xml version="1.0" encoding="utf-8"?>
-<p:tagLst xmlns:p="http://schemas.openxmlformats.org/presentationml/2006/main">
-  <p:tag name="KSO_WM_UNIT_HIGHLIGHT" val="0"/>
-  <p:tag name="KSO_WM_UNIT_COMPATIBLE" val="0"/>
-  <p:tag name="KSO_WM_UNIT_DIAGRAM_ISNUMVISUAL" val="0"/>
-  <p:tag name="KSO_WM_UNIT_DIAGRAM_ISREFERUNIT" val="0"/>
-  <p:tag name="KSO_WM_UNIT_ID" val="_7**"/>
-  <p:tag name="KSO_WM_UNIT_LAYERLEVEL" val="1"/>
-  <p:tag name="KSO_WM_TAG_VERSION" val="1.0"/>
-  <p:tag name="KSO_WM_BEAUTIFY_FLAG" val="#wm#"/>
-</p:tagLst>
-</file>
-
-<file path=ppt/tags/tag37.xml><?xml version="1.0" encoding="utf-8"?>
-<p:tagLst xmlns:p="http://schemas.openxmlformats.org/presentationml/2006/main">
-  <p:tag name="KSO_WM_UNIT_HIGHLIGHT" val="0"/>
-  <p:tag name="KSO_WM_UNIT_COMPATIBLE" val="0"/>
-  <p:tag name="KSO_WM_UNIT_DIAGRAM_ISNUMVISUAL" val="0"/>
-  <p:tag name="KSO_WM_UNIT_DIAGRAM_ISREFERUNIT" val="0"/>
-  <p:tag name="KSO_WM_UNIT_ID" val="_8**"/>
-  <p:tag name="KSO_WM_UNIT_LAYERLEVEL" val="1"/>
-  <p:tag name="KSO_WM_TAG_VERSION" val="1.0"/>
-  <p:tag name="KSO_WM_BEAUTIFY_FLAG" val="#wm#"/>
-</p:tagLst>
-</file>
-
-<file path=ppt/tags/tag38.xml><?xml version="1.0" encoding="utf-8"?>
-<p:tagLst xmlns:p="http://schemas.openxmlformats.org/presentationml/2006/main">
-  <p:tag name="KSO_WM_UNIT_HIGHLIGHT" val="0"/>
-  <p:tag name="KSO_WM_UNIT_COMPATIBLE" val="0"/>
-  <p:tag name="KSO_WM_UNIT_DIAGRAM_ISNUMVISUAL" val="0"/>
-  <p:tag name="KSO_WM_UNIT_DIAGRAM_ISREFERUNIT" val="0"/>
-  <p:tag name="KSO_WM_UNIT_ID" val="_8**"/>
-  <p:tag name="KSO_WM_UNIT_LAYERLEVEL" val="1"/>
-  <p:tag name="KSO_WM_TAG_VERSION" val="1.0"/>
-  <p:tag name="KSO_WM_BEAUTIFY_FLAG" val="#wm#"/>
-</p:tagLst>
-</file>
-
-<file path=ppt/tags/tag39.xml><?xml version="1.0" encoding="utf-8"?>
-<p:tagLst xmlns:p="http://schemas.openxmlformats.org/presentationml/2006/main">
-  <p:tag name="KSO_WM_UNIT_HIGHLIGHT" val="0"/>
-  <p:tag name="KSO_WM_UNIT_COMPATIBLE" val="0"/>
-  <p:tag name="KSO_WM_UNIT_DIAGRAM_ISNUMVISUAL" val="0"/>
-  <p:tag name="KSO_WM_UNIT_DIAGRAM_ISREFERUNIT" val="0"/>
-  <p:tag name="KSO_WM_UNIT_ID" val="_8**"/>
-  <p:tag name="KSO_WM_UNIT_LAYERLEVEL" val="1"/>
-  <p:tag name="KSO_WM_TAG_VERSION" val="1.0"/>
-  <p:tag name="KSO_WM_BEAUTIFY_FLAG" val="#wm#"/>
-</p:tagLst>
-</file>
-
-<file path=ppt/tags/tag4.xml><?xml version="1.0" encoding="utf-8"?>
-<p:tagLst xmlns:p="http://schemas.openxmlformats.org/presentationml/2006/main">
-  <p:tag name="KSO_WM_UNIT_HIGHLIGHT" val="0"/>
-  <p:tag name="KSO_WM_UNIT_COMPATIBLE" val="0"/>
-  <p:tag name="KSO_WM_UNIT_DIAGRAM_ISNUMVISUAL" val="0"/>
-  <p:tag name="KSO_WM_UNIT_DIAGRAM_ISREFERUNIT" val="0"/>
-  <p:tag name="KSO_WM_UNIT_ID" val="_1**"/>
-  <p:tag name="KSO_WM_UNIT_LAYERLEVEL" val="1"/>
-  <p:tag name="KSO_WM_TAG_VERSION" val="1.0"/>
-  <p:tag name="KSO_WM_BEAUTIFY_FLAG" val="#wm#"/>
-</p:tagLst>
-</file>
-
-<file path=ppt/tags/tag40.xml><?xml version="1.0" encoding="utf-8"?>
-<p:tagLst xmlns:p="http://schemas.openxmlformats.org/presentationml/2006/main">
-  <p:tag name="KSO_WM_UNIT_HIGHLIGHT" val="0"/>
-  <p:tag name="KSO_WM_UNIT_COMPATIBLE" val="0"/>
-  <p:tag name="KSO_WM_UNIT_DIAGRAM_ISNUMVISUAL" val="0"/>
-  <p:tag name="KSO_WM_UNIT_DIAGRAM_ISREFERUNIT" val="0"/>
-  <p:tag name="KSO_WM_UNIT_ID" val="_8**"/>
-  <p:tag name="KSO_WM_UNIT_LAYERLEVEL" val="1"/>
-  <p:tag name="KSO_WM_TAG_VERSION" val="1.0"/>
-  <p:tag name="KSO_WM_BEAUTIFY_FLAG" val="#wm#"/>
-</p:tagLst>
-</file>
-
-<file path=ppt/tags/tag41.xml><?xml version="1.0" encoding="utf-8"?>
-<p:tagLst xmlns:p="http://schemas.openxmlformats.org/presentationml/2006/main">
-  <p:tag name="KSO_WM_UNIT_HIGHLIGHT" val="0"/>
-  <p:tag name="KSO_WM_UNIT_COMPATIBLE" val="0"/>
-  <p:tag name="KSO_WM_UNIT_DIAGRAM_ISNUMVISUAL" val="0"/>
-  <p:tag name="KSO_WM_UNIT_DIAGRAM_ISREFERUNIT" val="0"/>
-  <p:tag name="KSO_WM_UNIT_ID" val="_8**"/>
-  <p:tag name="KSO_WM_UNIT_LAYERLEVEL" val="1"/>
-  <p:tag name="KSO_WM_TAG_VERSION" val="1.0"/>
-  <p:tag name="KSO_WM_BEAUTIFY_FLAG" val="#wm#"/>
-</p:tagLst>
-</file>
-
-<file path=ppt/tags/tag42.xml><?xml version="1.0" encoding="utf-8"?>
-<p:tagLst xmlns:p="http://schemas.openxmlformats.org/presentationml/2006/main">
-  <p:tag name="KSO_WM_UNIT_HIGHLIGHT" val="0"/>
-  <p:tag name="KSO_WM_UNIT_COMPATIBLE" val="0"/>
-  <p:tag name="KSO_WM_UNIT_DIAGRAM_ISNUMVISUAL" val="0"/>
-  <p:tag name="KSO_WM_UNIT_DIAGRAM_ISREFERUNIT" val="0"/>
-  <p:tag name="KSO_WM_UNIT_ID" val="_8**"/>
-  <p:tag name="KSO_WM_UNIT_LAYERLEVEL" val="1"/>
-  <p:tag name="KSO_WM_TAG_VERSION" val="1.0"/>
-  <p:tag name="KSO_WM_BEAUTIFY_FLAG" val="#wm#"/>
-</p:tagLst>
-</file>
-
-<file path=ppt/tags/tag43.xml><?xml version="1.0" encoding="utf-8"?>
-<p:tagLst xmlns:p="http://schemas.openxmlformats.org/presentationml/2006/main">
-  <p:tag name="KSO_WM_UNIT_HIGHLIGHT" val="0"/>
-  <p:tag name="KSO_WM_UNIT_COMPATIBLE" val="0"/>
-  <p:tag name="KSO_WM_UNIT_DIAGRAM_ISNUMVISUAL" val="0"/>
-  <p:tag name="KSO_WM_UNIT_DIAGRAM_ISREFERUNIT" val="0"/>
-  <p:tag name="KSO_WM_UNIT_ID" val="_9**"/>
-  <p:tag name="KSO_WM_UNIT_LAYERLEVEL" val="1"/>
-  <p:tag name="KSO_WM_TAG_VERSION" val="1.0"/>
-  <p:tag name="KSO_WM_BEAUTIFY_FLAG" val="#wm#"/>
-</p:tagLst>
-</file>
-
-<file path=ppt/tags/tag44.xml><?xml version="1.0" encoding="utf-8"?>
-<p:tagLst xmlns:p="http://schemas.openxmlformats.org/presentationml/2006/main">
-  <p:tag name="KSO_WM_UNIT_HIGHLIGHT" val="0"/>
-  <p:tag name="KSO_WM_UNIT_COMPATIBLE" val="0"/>
-  <p:tag name="KSO_WM_UNIT_DIAGRAM_ISNUMVISUAL" val="0"/>
-  <p:tag name="KSO_WM_UNIT_DIAGRAM_ISREFERUNIT" val="0"/>
-  <p:tag name="KSO_WM_UNIT_ID" val="_9**"/>
-  <p:tag name="KSO_WM_UNIT_LAYERLEVEL" val="1"/>
-  <p:tag name="KSO_WM_TAG_VERSION" val="1.0"/>
-  <p:tag name="KSO_WM_BEAUTIFY_FLAG" val="#wm#"/>
-</p:tagLst>
-</file>
-
-<file path=ppt/tags/tag45.xml><?xml version="1.0" encoding="utf-8"?>
-<p:tagLst xmlns:p="http://schemas.openxmlformats.org/presentationml/2006/main">
-  <p:tag name="KSO_WM_UNIT_HIGHLIGHT" val="0"/>
-  <p:tag name="KSO_WM_UNIT_COMPATIBLE" val="0"/>
-  <p:tag name="KSO_WM_UNIT_DIAGRAM_ISNUMVISUAL" val="0"/>
-  <p:tag name="KSO_WM_UNIT_DIAGRAM_ISREFERUNIT" val="0"/>
-  <p:tag name="KSO_WM_UNIT_ID" val="_9**"/>
-  <p:tag name="KSO_WM_UNIT_LAYERLEVEL" val="1"/>
-  <p:tag name="KSO_WM_TAG_VERSION" val="1.0"/>
-  <p:tag name="KSO_WM_BEAUTIFY_FLAG" val="#wm#"/>
-</p:tagLst>
-</file>
-
-<file path=ppt/tags/tag46.xml><?xml version="1.0" encoding="utf-8"?>
-<p:tagLst xmlns:p="http://schemas.openxmlformats.org/presentationml/2006/main">
-  <p:tag name="KSO_WM_UNIT_HIGHLIGHT" val="0"/>
-  <p:tag name="KSO_WM_UNIT_COMPATIBLE" val="0"/>
-  <p:tag name="KSO_WM_UNIT_DIAGRAM_ISNUMVISUAL" val="0"/>
-  <p:tag name="KSO_WM_UNIT_DIAGRAM_ISREFERUNIT" val="0"/>
-  <p:tag name="KSO_WM_UNIT_ID" val="_9**"/>
-  <p:tag name="KSO_WM_UNIT_LAYERLEVEL" val="1"/>
-  <p:tag name="KSO_WM_TAG_VERSION" val="1.0"/>
-  <p:tag name="KSO_WM_BEAUTIFY_FLAG" val="#wm#"/>
-</p:tagLst>
-</file>
-
-<file path=ppt/tags/tag47.xml><?xml version="1.0" encoding="utf-8"?>
-<p:tagLst xmlns:p="http://schemas.openxmlformats.org/presentationml/2006/main">
-  <p:tag name="KSO_WM_UNIT_HIGHLIGHT" val="0"/>
-  <p:tag name="KSO_WM_UNIT_COMPATIBLE" val="0"/>
-  <p:tag name="KSO_WM_UNIT_DIAGRAM_ISNUMVISUAL" val="0"/>
-  <p:tag name="KSO_WM_UNIT_DIAGRAM_ISREFERUNIT" val="0"/>
-  <p:tag name="KSO_WM_UNIT_ID" val="_9**"/>
-  <p:tag name="KSO_WM_UNIT_LAYERLEVEL" val="1"/>
-  <p:tag name="KSO_WM_TAG_VERSION" val="1.0"/>
-  <p:tag name="KSO_WM_BEAUTIFY_FLAG" val="#wm#"/>
-</p:tagLst>
-</file>
-
-<file path=ppt/tags/tag48.xml><?xml version="1.0" encoding="utf-8"?>
-<p:tagLst xmlns:p="http://schemas.openxmlformats.org/presentationml/2006/main">
-  <p:tag name="KSO_WM_UNIT_HIGHLIGHT" val="0"/>
-  <p:tag name="KSO_WM_UNIT_COMPATIBLE" val="0"/>
-  <p:tag name="KSO_WM_UNIT_DIAGRAM_ISNUMVISUAL" val="0"/>
-  <p:tag name="KSO_WM_UNIT_DIAGRAM_ISREFERUNIT" val="0"/>
-  <p:tag name="KSO_WM_UNIT_ID" val="_10**"/>
-  <p:tag name="KSO_WM_UNIT_LAYERLEVEL" val="1"/>
-  <p:tag name="KSO_WM_TAG_VERSION" val="1.0"/>
-  <p:tag name="KSO_WM_BEAUTIFY_FLAG" val="#wm#"/>
-</p:tagLst>
-</file>
-
-<file path=ppt/tags/tag49.xml><?xml version="1.0" encoding="utf-8"?>
-<p:tagLst xmlns:p="http://schemas.openxmlformats.org/presentationml/2006/main">
-  <p:tag name="KSO_WM_UNIT_HIGHLIGHT" val="0"/>
-  <p:tag name="KSO_WM_UNIT_COMPATIBLE" val="0"/>
-  <p:tag name="KSO_WM_UNIT_DIAGRAM_ISNUMVISUAL" val="0"/>
-  <p:tag name="KSO_WM_UNIT_DIAGRAM_ISREFERUNIT" val="0"/>
-  <p:tag name="KSO_WM_UNIT_ID" val="_10**"/>
-  <p:tag name="KSO_WM_UNIT_LAYERLEVEL" val="1"/>
-  <p:tag name="KSO_WM_TAG_VERSION" val="1.0"/>
-  <p:tag name="KSO_WM_BEAUTIFY_FLAG" val="#wm#"/>
-</p:tagLst>
-</file>
-
-<file path=ppt/tags/tag5.xml><?xml version="1.0" encoding="utf-8"?>
-<p:tagLst xmlns:p="http://schemas.openxmlformats.org/presentationml/2006/main">
-  <p:tag name="KSO_WM_UNIT_HIGHLIGHT" val="0"/>
-  <p:tag name="KSO_WM_UNIT_COMPATIBLE" val="0"/>
-  <p:tag name="KSO_WM_UNIT_DIAGRAM_ISNUMVISUAL" val="0"/>
-  <p:tag name="KSO_WM_UNIT_DIAGRAM_ISREFERUNIT" val="0"/>
-  <p:tag name="KSO_WM_UNIT_ID" val="_1**"/>
-  <p:tag name="KSO_WM_UNIT_LAYERLEVEL" val="1"/>
-  <p:tag name="KSO_WM_TAG_VERSION" val="1.0"/>
-  <p:tag name="KSO_WM_BEAUTIFY_FLAG" val="#wm#"/>
-</p:tagLst>
-</file>
-
-<file path=ppt/tags/tag50.xml><?xml version="1.0" encoding="utf-8"?>
-<p:tagLst xmlns:p="http://schemas.openxmlformats.org/presentationml/2006/main">
-  <p:tag name="KSO_WM_UNIT_HIGHLIGHT" val="0"/>
-  <p:tag name="KSO_WM_UNIT_COMPATIBLE" val="0"/>
-  <p:tag name="KSO_WM_UNIT_DIAGRAM_ISNUMVISUAL" val="0"/>
-  <p:tag name="KSO_WM_UNIT_DIAGRAM_ISREFERUNIT" val="0"/>
-  <p:tag name="KSO_WM_UNIT_ID" val="_10**"/>
-  <p:tag name="KSO_WM_UNIT_LAYERLEVEL" val="1"/>
-  <p:tag name="KSO_WM_TAG_VERSION" val="1.0"/>
-  <p:tag name="KSO_WM_BEAUTIFY_FLAG" val="#wm#"/>
-</p:tagLst>
-</file>
-
-<file path=ppt/tags/tag51.xml><?xml version="1.0" encoding="utf-8"?>
-<p:tagLst xmlns:p="http://schemas.openxmlformats.org/presentationml/2006/main">
-  <p:tag name="KSO_WM_UNIT_HIGHLIGHT" val="0"/>
-  <p:tag name="KSO_WM_UNIT_COMPATIBLE" val="0"/>
-  <p:tag name="KSO_WM_UNIT_DIAGRAM_ISNUMVISUAL" val="0"/>
-  <p:tag name="KSO_WM_UNIT_DIAGRAM_ISREFERUNIT" val="0"/>
-  <p:tag name="KSO_WM_UNIT_ID" val="_10**"/>
-  <p:tag name="KSO_WM_UNIT_LAYERLEVEL" val="1"/>
-  <p:tag name="KSO_WM_TAG_VERSION" val="1.0"/>
-  <p:tag name="KSO_WM_BEAUTIFY_FLAG" val="#wm#"/>
-</p:tagLst>
-</file>
-
-<file path=ppt/tags/tag52.xml><?xml version="1.0" encoding="utf-8"?>
-<p:tagLst xmlns:p="http://schemas.openxmlformats.org/presentationml/2006/main">
-  <p:tag name="KSO_WM_UNIT_HIGHLIGHT" val="0"/>
-  <p:tag name="KSO_WM_UNIT_COMPATIBLE" val="0"/>
-  <p:tag name="KSO_WM_UNIT_DIAGRAM_ISNUMVISUAL" val="0"/>
-  <p:tag name="KSO_WM_UNIT_DIAGRAM_ISREFERUNIT" val="0"/>
-  <p:tag name="KSO_WM_UNIT_ID" val="_11**"/>
-  <p:tag name="KSO_WM_UNIT_LAYERLEVEL" val="1"/>
-  <p:tag name="KSO_WM_TAG_VERSION" val="1.0"/>
-  <p:tag name="KSO_WM_BEAUTIFY_FLAG" val="#wm#"/>
-</p:tagLst>
-</file>
-
-<file path=ppt/tags/tag53.xml><?xml version="1.0" encoding="utf-8"?>
-<p:tagLst xmlns:p="http://schemas.openxmlformats.org/presentationml/2006/main">
-  <p:tag name="KSO_WM_UNIT_HIGHLIGHT" val="0"/>
-  <p:tag name="KSO_WM_UNIT_COMPATIBLE" val="0"/>
-  <p:tag name="KSO_WM_UNIT_DIAGRAM_ISNUMVISUAL" val="0"/>
-  <p:tag name="KSO_WM_UNIT_DIAGRAM_ISREFERUNIT" val="0"/>
-  <p:tag name="KSO_WM_UNIT_ID" val="_11**"/>
-  <p:tag name="KSO_WM_UNIT_LAYERLEVEL" val="1"/>
-  <p:tag name="KSO_WM_TAG_VERSION" val="1.0"/>
-  <p:tag name="KSO_WM_BEAUTIFY_FLAG" val="#wm#"/>
-</p:tagLst>
-</file>
-
-<file path=ppt/tags/tag54.xml><?xml version="1.0" encoding="utf-8"?>
-<p:tagLst xmlns:p="http://schemas.openxmlformats.org/presentationml/2006/main">
-  <p:tag name="KSO_WM_UNIT_HIGHLIGHT" val="0"/>
-  <p:tag name="KSO_WM_UNIT_COMPATIBLE" val="0"/>
-  <p:tag name="KSO_WM_UNIT_DIAGRAM_ISNUMVISUAL" val="0"/>
-  <p:tag name="KSO_WM_UNIT_DIAGRAM_ISREFERUNIT" val="0"/>
-  <p:tag name="KSO_WM_UNIT_ID" val="_11**"/>
-  <p:tag name="KSO_WM_UNIT_LAYERLEVEL" val="1"/>
-  <p:tag name="KSO_WM_TAG_VERSION" val="1.0"/>
-  <p:tag name="KSO_WM_BEAUTIFY_FLAG" val="#wm#"/>
-</p:tagLst>
-</file>
-
-<file path=ppt/tags/tag55.xml><?xml version="1.0" encoding="utf-8"?>
-<p:tagLst xmlns:p="http://schemas.openxmlformats.org/presentationml/2006/main">
-  <p:tag name="KSO_WM_UNIT_HIGHLIGHT" val="0"/>
-  <p:tag name="KSO_WM_UNIT_COMPATIBLE" val="0"/>
-  <p:tag name="KSO_WM_UNIT_DIAGRAM_ISNUMVISUAL" val="0"/>
-  <p:tag name="KSO_WM_UNIT_DIAGRAM_ISREFERUNIT" val="0"/>
-  <p:tag name="KSO_WM_UNIT_ID" val="_11**"/>
-  <p:tag name="KSO_WM_UNIT_LAYERLEVEL" val="1"/>
-  <p:tag name="KSO_WM_TAG_VERSION" val="1.0"/>
-  <p:tag name="KSO_WM_BEAUTIFY_FLAG" val="#wm#"/>
-</p:tagLst>
-</file>
-
-<file path=ppt/tags/tag56.xml><?xml version="1.0" encoding="utf-8"?>
-<p:tagLst xmlns:p="http://schemas.openxmlformats.org/presentationml/2006/main">
-  <p:tag name="KSO_WM_UNIT_HIGHLIGHT" val="0"/>
-  <p:tag name="KSO_WM_UNIT_COMPATIBLE" val="0"/>
-  <p:tag name="KSO_WM_UNIT_DIAGRAM_ISNUMVISUAL" val="0"/>
-  <p:tag name="KSO_WM_UNIT_DIAGRAM_ISREFERUNIT" val="0"/>
-  <p:tag name="KSO_WM_UNIT_ID" val="_11**"/>
-  <p:tag name="KSO_WM_UNIT_LAYERLEVEL" val="1"/>
-  <p:tag name="KSO_WM_TAG_VERSION" val="1.0"/>
-  <p:tag name="KSO_WM_BEAUTIFY_FLAG" val="#wm#"/>
-</p:tagLst>
-</file>
-
-<file path=ppt/tags/tag57.xml><?xml version="1.0" encoding="utf-8"?>
-<p:tagLst xmlns:p="http://schemas.openxmlformats.org/presentationml/2006/main">
+<p:tagLst xmlns:a="http://schemas.openxmlformats.org/drawingml/2006/main" xmlns:r="http://schemas.openxmlformats.org/officeDocument/2006/relationships" xmlns:p="http://schemas.openxmlformats.org/presentationml/2006/main">
   <p:tag name="KSO_WM_UNIT_HIGHLIGHT" val="0"/>
   <p:tag name="KSO_WM_UNIT_COMPATIBLE" val="0"/>
   <p:tag name="KSO_WM_UNIT_DIAGRAM_ISNUMVISUAL" val="0"/>
@@ -5872,8 +5461,138 @@
 </p:tagLst>
 </file>
 
-<file path=ppt/tags/tag58.xml><?xml version="1.0" encoding="utf-8"?>
-<p:tagLst xmlns:p="http://schemas.openxmlformats.org/presentationml/2006/main">
+<file path=ppt/tags/tag10.xml><?xml version="1.0" encoding="utf-8"?>
+<p:tagLst xmlns:a="http://schemas.openxmlformats.org/drawingml/2006/main" xmlns:r="http://schemas.openxmlformats.org/officeDocument/2006/relationships" xmlns:p="http://schemas.openxmlformats.org/presentationml/2006/main">
+  <p:tag name="KSO_WM_UNIT_HIGHLIGHT" val="0"/>
+  <p:tag name="KSO_WM_UNIT_COMPATIBLE" val="0"/>
+  <p:tag name="KSO_WM_UNIT_DIAGRAM_ISNUMVISUAL" val="0"/>
+  <p:tag name="KSO_WM_UNIT_DIAGRAM_ISREFERUNIT" val="0"/>
+  <p:tag name="KSO_WM_UNIT_ID" val="_1**"/>
+  <p:tag name="KSO_WM_UNIT_LAYERLEVEL" val="1"/>
+  <p:tag name="KSO_WM_TAG_VERSION" val="1.0"/>
+  <p:tag name="KSO_WM_BEAUTIFY_FLAG" val="#wm#"/>
+</p:tagLst>
+</file>
+
+<file path=ppt/tags/tag11.xml><?xml version="1.0" encoding="utf-8"?>
+<p:tagLst xmlns:a="http://schemas.openxmlformats.org/drawingml/2006/main" xmlns:r="http://schemas.openxmlformats.org/officeDocument/2006/relationships" xmlns:p="http://schemas.openxmlformats.org/presentationml/2006/main">
+  <p:tag name="KSO_WM_UNIT_HIGHLIGHT" val="0"/>
+  <p:tag name="KSO_WM_UNIT_COMPATIBLE" val="0"/>
+  <p:tag name="KSO_WM_UNIT_DIAGRAM_ISNUMVISUAL" val="0"/>
+  <p:tag name="KSO_WM_UNIT_DIAGRAM_ISREFERUNIT" val="0"/>
+  <p:tag name="KSO_WM_UNIT_ID" val="_1**"/>
+  <p:tag name="KSO_WM_UNIT_LAYERLEVEL" val="1"/>
+  <p:tag name="KSO_WM_TAG_VERSION" val="1.0"/>
+  <p:tag name="KSO_WM_BEAUTIFY_FLAG" val="#wm#"/>
+</p:tagLst>
+</file>
+
+<file path=ppt/tags/tag12.xml><?xml version="1.0" encoding="utf-8"?>
+<p:tagLst xmlns:a="http://schemas.openxmlformats.org/drawingml/2006/main" xmlns:r="http://schemas.openxmlformats.org/officeDocument/2006/relationships" xmlns:p="http://schemas.openxmlformats.org/presentationml/2006/main">
+  <p:tag name="KSO_WM_UNIT_HIGHLIGHT" val="0"/>
+  <p:tag name="KSO_WM_UNIT_COMPATIBLE" val="0"/>
+  <p:tag name="KSO_WM_UNIT_DIAGRAM_ISNUMVISUAL" val="0"/>
+  <p:tag name="KSO_WM_UNIT_DIAGRAM_ISREFERUNIT" val="0"/>
+  <p:tag name="KSO_WM_UNIT_ID" val="_2**"/>
+  <p:tag name="KSO_WM_UNIT_LAYERLEVEL" val="1"/>
+  <p:tag name="KSO_WM_TAG_VERSION" val="1.0"/>
+  <p:tag name="KSO_WM_BEAUTIFY_FLAG" val="#wm#"/>
+</p:tagLst>
+</file>
+
+<file path=ppt/tags/tag13.xml><?xml version="1.0" encoding="utf-8"?>
+<p:tagLst xmlns:a="http://schemas.openxmlformats.org/drawingml/2006/main" xmlns:r="http://schemas.openxmlformats.org/officeDocument/2006/relationships" xmlns:p="http://schemas.openxmlformats.org/presentationml/2006/main">
+  <p:tag name="KSO_WM_UNIT_HIGHLIGHT" val="0"/>
+  <p:tag name="KSO_WM_UNIT_COMPATIBLE" val="0"/>
+  <p:tag name="KSO_WM_UNIT_DIAGRAM_ISNUMVISUAL" val="0"/>
+  <p:tag name="KSO_WM_UNIT_DIAGRAM_ISREFERUNIT" val="0"/>
+  <p:tag name="KSO_WM_UNIT_ID" val="_2**"/>
+  <p:tag name="KSO_WM_UNIT_LAYERLEVEL" val="1"/>
+  <p:tag name="KSO_WM_TAG_VERSION" val="1.0"/>
+  <p:tag name="KSO_WM_BEAUTIFY_FLAG" val="#wm#"/>
+</p:tagLst>
+</file>
+
+<file path=ppt/tags/tag14.xml><?xml version="1.0" encoding="utf-8"?>
+<p:tagLst xmlns:a="http://schemas.openxmlformats.org/drawingml/2006/main" xmlns:r="http://schemas.openxmlformats.org/officeDocument/2006/relationships" xmlns:p="http://schemas.openxmlformats.org/presentationml/2006/main">
+  <p:tag name="KSO_WM_UNIT_HIGHLIGHT" val="0"/>
+  <p:tag name="KSO_WM_UNIT_COMPATIBLE" val="0"/>
+  <p:tag name="KSO_WM_UNIT_DIAGRAM_ISNUMVISUAL" val="0"/>
+  <p:tag name="KSO_WM_UNIT_DIAGRAM_ISREFERUNIT" val="0"/>
+  <p:tag name="KSO_WM_UNIT_ID" val="_2**"/>
+  <p:tag name="KSO_WM_UNIT_LAYERLEVEL" val="1"/>
+  <p:tag name="KSO_WM_TAG_VERSION" val="1.0"/>
+  <p:tag name="KSO_WM_BEAUTIFY_FLAG" val="#wm#"/>
+</p:tagLst>
+</file>
+
+<file path=ppt/tags/tag15.xml><?xml version="1.0" encoding="utf-8"?>
+<p:tagLst xmlns:a="http://schemas.openxmlformats.org/drawingml/2006/main" xmlns:r="http://schemas.openxmlformats.org/officeDocument/2006/relationships" xmlns:p="http://schemas.openxmlformats.org/presentationml/2006/main">
+  <p:tag name="KSO_WM_UNIT_HIGHLIGHT" val="0"/>
+  <p:tag name="KSO_WM_UNIT_COMPATIBLE" val="0"/>
+  <p:tag name="KSO_WM_UNIT_DIAGRAM_ISNUMVISUAL" val="0"/>
+  <p:tag name="KSO_WM_UNIT_DIAGRAM_ISREFERUNIT" val="0"/>
+  <p:tag name="KSO_WM_UNIT_ID" val="_2**"/>
+  <p:tag name="KSO_WM_UNIT_LAYERLEVEL" val="1"/>
+  <p:tag name="KSO_WM_TAG_VERSION" val="1.0"/>
+  <p:tag name="KSO_WM_BEAUTIFY_FLAG" val="#wm#"/>
+</p:tagLst>
+</file>
+
+<file path=ppt/tags/tag16.xml><?xml version="1.0" encoding="utf-8"?>
+<p:tagLst xmlns:a="http://schemas.openxmlformats.org/drawingml/2006/main" xmlns:r="http://schemas.openxmlformats.org/officeDocument/2006/relationships" xmlns:p="http://schemas.openxmlformats.org/presentationml/2006/main">
+  <p:tag name="KSO_WM_UNIT_HIGHLIGHT" val="0"/>
+  <p:tag name="KSO_WM_UNIT_COMPATIBLE" val="0"/>
+  <p:tag name="KSO_WM_UNIT_DIAGRAM_ISNUMVISUAL" val="0"/>
+  <p:tag name="KSO_WM_UNIT_DIAGRAM_ISREFERUNIT" val="0"/>
+  <p:tag name="KSO_WM_UNIT_ID" val="_2**"/>
+  <p:tag name="KSO_WM_UNIT_LAYERLEVEL" val="1"/>
+  <p:tag name="KSO_WM_TAG_VERSION" val="1.0"/>
+  <p:tag name="KSO_WM_BEAUTIFY_FLAG" val="#wm#"/>
+</p:tagLst>
+</file>
+
+<file path=ppt/tags/tag17.xml><?xml version="1.0" encoding="utf-8"?>
+<p:tagLst xmlns:a="http://schemas.openxmlformats.org/drawingml/2006/main" xmlns:r="http://schemas.openxmlformats.org/officeDocument/2006/relationships" xmlns:p="http://schemas.openxmlformats.org/presentationml/2006/main">
+  <p:tag name="KSO_WM_UNIT_HIGHLIGHT" val="0"/>
+  <p:tag name="KSO_WM_UNIT_COMPATIBLE" val="0"/>
+  <p:tag name="KSO_WM_UNIT_DIAGRAM_ISNUMVISUAL" val="0"/>
+  <p:tag name="KSO_WM_UNIT_DIAGRAM_ISREFERUNIT" val="0"/>
+  <p:tag name="KSO_WM_UNIT_ID" val="_3**"/>
+  <p:tag name="KSO_WM_UNIT_LAYERLEVEL" val="1"/>
+  <p:tag name="KSO_WM_TAG_VERSION" val="1.0"/>
+  <p:tag name="KSO_WM_BEAUTIFY_FLAG" val="#wm#"/>
+</p:tagLst>
+</file>
+
+<file path=ppt/tags/tag18.xml><?xml version="1.0" encoding="utf-8"?>
+<p:tagLst xmlns:a="http://schemas.openxmlformats.org/drawingml/2006/main" xmlns:r="http://schemas.openxmlformats.org/officeDocument/2006/relationships" xmlns:p="http://schemas.openxmlformats.org/presentationml/2006/main">
+  <p:tag name="KSO_WM_UNIT_HIGHLIGHT" val="0"/>
+  <p:tag name="KSO_WM_UNIT_COMPATIBLE" val="0"/>
+  <p:tag name="KSO_WM_UNIT_DIAGRAM_ISNUMVISUAL" val="0"/>
+  <p:tag name="KSO_WM_UNIT_DIAGRAM_ISREFERUNIT" val="0"/>
+  <p:tag name="KSO_WM_UNIT_ID" val="_3**"/>
+  <p:tag name="KSO_WM_UNIT_LAYERLEVEL" val="1"/>
+  <p:tag name="KSO_WM_TAG_VERSION" val="1.0"/>
+  <p:tag name="KSO_WM_BEAUTIFY_FLAG" val="#wm#"/>
+</p:tagLst>
+</file>
+
+<file path=ppt/tags/tag19.xml><?xml version="1.0" encoding="utf-8"?>
+<p:tagLst xmlns:a="http://schemas.openxmlformats.org/drawingml/2006/main" xmlns:r="http://schemas.openxmlformats.org/officeDocument/2006/relationships" xmlns:p="http://schemas.openxmlformats.org/presentationml/2006/main">
+  <p:tag name="KSO_WM_UNIT_HIGHLIGHT" val="0"/>
+  <p:tag name="KSO_WM_UNIT_COMPATIBLE" val="0"/>
+  <p:tag name="KSO_WM_UNIT_DIAGRAM_ISNUMVISUAL" val="0"/>
+  <p:tag name="KSO_WM_UNIT_DIAGRAM_ISREFERUNIT" val="0"/>
+  <p:tag name="KSO_WM_UNIT_ID" val="_3**"/>
+  <p:tag name="KSO_WM_UNIT_LAYERLEVEL" val="1"/>
+  <p:tag name="KSO_WM_TAG_VERSION" val="1.0"/>
+  <p:tag name="KSO_WM_BEAUTIFY_FLAG" val="#wm#"/>
+</p:tagLst>
+</file>
+
+<file path=ppt/tags/tag2.xml><?xml version="1.0" encoding="utf-8"?>
+<p:tagLst xmlns:a="http://schemas.openxmlformats.org/drawingml/2006/main" xmlns:r="http://schemas.openxmlformats.org/officeDocument/2006/relationships" xmlns:p="http://schemas.openxmlformats.org/presentationml/2006/main">
   <p:tag name="KSO_WM_UNIT_HIGHLIGHT" val="0"/>
   <p:tag name="KSO_WM_UNIT_COMPATIBLE" val="0"/>
   <p:tag name="KSO_WM_UNIT_DIAGRAM_ISNUMVISUAL" val="0"/>
@@ -5887,8 +5606,138 @@
 </p:tagLst>
 </file>
 
-<file path=ppt/tags/tag59.xml><?xml version="1.0" encoding="utf-8"?>
-<p:tagLst xmlns:p="http://schemas.openxmlformats.org/presentationml/2006/main">
+<file path=ppt/tags/tag20.xml><?xml version="1.0" encoding="utf-8"?>
+<p:tagLst xmlns:a="http://schemas.openxmlformats.org/drawingml/2006/main" xmlns:r="http://schemas.openxmlformats.org/officeDocument/2006/relationships" xmlns:p="http://schemas.openxmlformats.org/presentationml/2006/main">
+  <p:tag name="KSO_WM_UNIT_HIGHLIGHT" val="0"/>
+  <p:tag name="KSO_WM_UNIT_COMPATIBLE" val="0"/>
+  <p:tag name="KSO_WM_UNIT_DIAGRAM_ISNUMVISUAL" val="0"/>
+  <p:tag name="KSO_WM_UNIT_DIAGRAM_ISREFERUNIT" val="0"/>
+  <p:tag name="KSO_WM_UNIT_ID" val="_3**"/>
+  <p:tag name="KSO_WM_UNIT_LAYERLEVEL" val="1"/>
+  <p:tag name="KSO_WM_TAG_VERSION" val="1.0"/>
+  <p:tag name="KSO_WM_BEAUTIFY_FLAG" val="#wm#"/>
+</p:tagLst>
+</file>
+
+<file path=ppt/tags/tag21.xml><?xml version="1.0" encoding="utf-8"?>
+<p:tagLst xmlns:a="http://schemas.openxmlformats.org/drawingml/2006/main" xmlns:r="http://schemas.openxmlformats.org/officeDocument/2006/relationships" xmlns:p="http://schemas.openxmlformats.org/presentationml/2006/main">
+  <p:tag name="KSO_WM_UNIT_HIGHLIGHT" val="0"/>
+  <p:tag name="KSO_WM_UNIT_COMPATIBLE" val="0"/>
+  <p:tag name="KSO_WM_UNIT_DIAGRAM_ISNUMVISUAL" val="0"/>
+  <p:tag name="KSO_WM_UNIT_DIAGRAM_ISREFERUNIT" val="0"/>
+  <p:tag name="KSO_WM_UNIT_ID" val="_3**"/>
+  <p:tag name="KSO_WM_UNIT_LAYERLEVEL" val="1"/>
+  <p:tag name="KSO_WM_TAG_VERSION" val="1.0"/>
+  <p:tag name="KSO_WM_BEAUTIFY_FLAG" val="#wm#"/>
+</p:tagLst>
+</file>
+
+<file path=ppt/tags/tag22.xml><?xml version="1.0" encoding="utf-8"?>
+<p:tagLst xmlns:a="http://schemas.openxmlformats.org/drawingml/2006/main" xmlns:r="http://schemas.openxmlformats.org/officeDocument/2006/relationships" xmlns:p="http://schemas.openxmlformats.org/presentationml/2006/main">
+  <p:tag name="KSO_WM_UNIT_HIGHLIGHT" val="0"/>
+  <p:tag name="KSO_WM_UNIT_COMPATIBLE" val="0"/>
+  <p:tag name="KSO_WM_UNIT_DIAGRAM_ISNUMVISUAL" val="0"/>
+  <p:tag name="KSO_WM_UNIT_DIAGRAM_ISREFERUNIT" val="0"/>
+  <p:tag name="KSO_WM_UNIT_ID" val="_4**"/>
+  <p:tag name="KSO_WM_UNIT_LAYERLEVEL" val="1"/>
+  <p:tag name="KSO_WM_TAG_VERSION" val="1.0"/>
+  <p:tag name="KSO_WM_BEAUTIFY_FLAG" val="#wm#"/>
+</p:tagLst>
+</file>
+
+<file path=ppt/tags/tag23.xml><?xml version="1.0" encoding="utf-8"?>
+<p:tagLst xmlns:a="http://schemas.openxmlformats.org/drawingml/2006/main" xmlns:r="http://schemas.openxmlformats.org/officeDocument/2006/relationships" xmlns:p="http://schemas.openxmlformats.org/presentationml/2006/main">
+  <p:tag name="KSO_WM_UNIT_HIGHLIGHT" val="0"/>
+  <p:tag name="KSO_WM_UNIT_COMPATIBLE" val="0"/>
+  <p:tag name="KSO_WM_UNIT_DIAGRAM_ISNUMVISUAL" val="0"/>
+  <p:tag name="KSO_WM_UNIT_DIAGRAM_ISREFERUNIT" val="0"/>
+  <p:tag name="KSO_WM_UNIT_ID" val="_4**"/>
+  <p:tag name="KSO_WM_UNIT_LAYERLEVEL" val="1"/>
+  <p:tag name="KSO_WM_TAG_VERSION" val="1.0"/>
+  <p:tag name="KSO_WM_BEAUTIFY_FLAG" val="#wm#"/>
+</p:tagLst>
+</file>
+
+<file path=ppt/tags/tag24.xml><?xml version="1.0" encoding="utf-8"?>
+<p:tagLst xmlns:a="http://schemas.openxmlformats.org/drawingml/2006/main" xmlns:r="http://schemas.openxmlformats.org/officeDocument/2006/relationships" xmlns:p="http://schemas.openxmlformats.org/presentationml/2006/main">
+  <p:tag name="KSO_WM_UNIT_HIGHLIGHT" val="0"/>
+  <p:tag name="KSO_WM_UNIT_COMPATIBLE" val="0"/>
+  <p:tag name="KSO_WM_UNIT_DIAGRAM_ISNUMVISUAL" val="0"/>
+  <p:tag name="KSO_WM_UNIT_DIAGRAM_ISREFERUNIT" val="0"/>
+  <p:tag name="KSO_WM_UNIT_ID" val="_4**"/>
+  <p:tag name="KSO_WM_UNIT_LAYERLEVEL" val="1"/>
+  <p:tag name="KSO_WM_TAG_VERSION" val="1.0"/>
+  <p:tag name="KSO_WM_BEAUTIFY_FLAG" val="#wm#"/>
+</p:tagLst>
+</file>
+
+<file path=ppt/tags/tag25.xml><?xml version="1.0" encoding="utf-8"?>
+<p:tagLst xmlns:a="http://schemas.openxmlformats.org/drawingml/2006/main" xmlns:r="http://schemas.openxmlformats.org/officeDocument/2006/relationships" xmlns:p="http://schemas.openxmlformats.org/presentationml/2006/main">
+  <p:tag name="KSO_WM_UNIT_HIGHLIGHT" val="0"/>
+  <p:tag name="KSO_WM_UNIT_COMPATIBLE" val="0"/>
+  <p:tag name="KSO_WM_UNIT_DIAGRAM_ISNUMVISUAL" val="0"/>
+  <p:tag name="KSO_WM_UNIT_DIAGRAM_ISREFERUNIT" val="0"/>
+  <p:tag name="KSO_WM_UNIT_ID" val="_4**"/>
+  <p:tag name="KSO_WM_UNIT_LAYERLEVEL" val="1"/>
+  <p:tag name="KSO_WM_TAG_VERSION" val="1.0"/>
+  <p:tag name="KSO_WM_BEAUTIFY_FLAG" val="#wm#"/>
+</p:tagLst>
+</file>
+
+<file path=ppt/tags/tag26.xml><?xml version="1.0" encoding="utf-8"?>
+<p:tagLst xmlns:a="http://schemas.openxmlformats.org/drawingml/2006/main" xmlns:r="http://schemas.openxmlformats.org/officeDocument/2006/relationships" xmlns:p="http://schemas.openxmlformats.org/presentationml/2006/main">
+  <p:tag name="KSO_WM_UNIT_HIGHLIGHT" val="0"/>
+  <p:tag name="KSO_WM_UNIT_COMPATIBLE" val="0"/>
+  <p:tag name="KSO_WM_UNIT_DIAGRAM_ISNUMVISUAL" val="0"/>
+  <p:tag name="KSO_WM_UNIT_DIAGRAM_ISREFERUNIT" val="0"/>
+  <p:tag name="KSO_WM_UNIT_ID" val="_4**"/>
+  <p:tag name="KSO_WM_UNIT_LAYERLEVEL" val="1"/>
+  <p:tag name="KSO_WM_TAG_VERSION" val="1.0"/>
+  <p:tag name="KSO_WM_BEAUTIFY_FLAG" val="#wm#"/>
+</p:tagLst>
+</file>
+
+<file path=ppt/tags/tag27.xml><?xml version="1.0" encoding="utf-8"?>
+<p:tagLst xmlns:a="http://schemas.openxmlformats.org/drawingml/2006/main" xmlns:r="http://schemas.openxmlformats.org/officeDocument/2006/relationships" xmlns:p="http://schemas.openxmlformats.org/presentationml/2006/main">
+  <p:tag name="KSO_WM_UNIT_HIGHLIGHT" val="0"/>
+  <p:tag name="KSO_WM_UNIT_COMPATIBLE" val="0"/>
+  <p:tag name="KSO_WM_UNIT_DIAGRAM_ISNUMVISUAL" val="0"/>
+  <p:tag name="KSO_WM_UNIT_DIAGRAM_ISREFERUNIT" val="0"/>
+  <p:tag name="KSO_WM_UNIT_ID" val="_4**"/>
+  <p:tag name="KSO_WM_UNIT_LAYERLEVEL" val="1"/>
+  <p:tag name="KSO_WM_TAG_VERSION" val="1.0"/>
+  <p:tag name="KSO_WM_BEAUTIFY_FLAG" val="#wm#"/>
+</p:tagLst>
+</file>
+
+<file path=ppt/tags/tag28.xml><?xml version="1.0" encoding="utf-8"?>
+<p:tagLst xmlns:a="http://schemas.openxmlformats.org/drawingml/2006/main" xmlns:r="http://schemas.openxmlformats.org/officeDocument/2006/relationships" xmlns:p="http://schemas.openxmlformats.org/presentationml/2006/main">
+  <p:tag name="KSO_WM_UNIT_HIGHLIGHT" val="0"/>
+  <p:tag name="KSO_WM_UNIT_COMPATIBLE" val="0"/>
+  <p:tag name="KSO_WM_UNIT_DIAGRAM_ISNUMVISUAL" val="0"/>
+  <p:tag name="KSO_WM_UNIT_DIAGRAM_ISREFERUNIT" val="0"/>
+  <p:tag name="KSO_WM_UNIT_ID" val="_5**"/>
+  <p:tag name="KSO_WM_UNIT_LAYERLEVEL" val="1"/>
+  <p:tag name="KSO_WM_TAG_VERSION" val="1.0"/>
+  <p:tag name="KSO_WM_BEAUTIFY_FLAG" val="#wm#"/>
+</p:tagLst>
+</file>
+
+<file path=ppt/tags/tag29.xml><?xml version="1.0" encoding="utf-8"?>
+<p:tagLst xmlns:a="http://schemas.openxmlformats.org/drawingml/2006/main" xmlns:r="http://schemas.openxmlformats.org/officeDocument/2006/relationships" xmlns:p="http://schemas.openxmlformats.org/presentationml/2006/main">
+  <p:tag name="KSO_WM_UNIT_HIGHLIGHT" val="0"/>
+  <p:tag name="KSO_WM_UNIT_COMPATIBLE" val="0"/>
+  <p:tag name="KSO_WM_UNIT_DIAGRAM_ISNUMVISUAL" val="0"/>
+  <p:tag name="KSO_WM_UNIT_DIAGRAM_ISREFERUNIT" val="0"/>
+  <p:tag name="KSO_WM_UNIT_ID" val="_5**"/>
+  <p:tag name="KSO_WM_UNIT_LAYERLEVEL" val="1"/>
+  <p:tag name="KSO_WM_TAG_VERSION" val="1.0"/>
+  <p:tag name="KSO_WM_BEAUTIFY_FLAG" val="#wm#"/>
+</p:tagLst>
+</file>
+
+<file path=ppt/tags/tag3.xml><?xml version="1.0" encoding="utf-8"?>
+<p:tagLst xmlns:a="http://schemas.openxmlformats.org/drawingml/2006/main" xmlns:r="http://schemas.openxmlformats.org/officeDocument/2006/relationships" xmlns:p="http://schemas.openxmlformats.org/presentationml/2006/main">
   <p:tag name="KSO_WM_UNIT_HIGHLIGHT" val="0"/>
   <p:tag name="KSO_WM_UNIT_COMPATIBLE" val="0"/>
   <p:tag name="KSO_WM_UNIT_DIAGRAM_ISNUMVISUAL" val="0"/>
@@ -5900,21 +5749,138 @@
 </p:tagLst>
 </file>
 
-<file path=ppt/tags/tag6.xml><?xml version="1.0" encoding="utf-8"?>
-<p:tagLst xmlns:p="http://schemas.openxmlformats.org/presentationml/2006/main">
+<file path=ppt/tags/tag30.xml><?xml version="1.0" encoding="utf-8"?>
+<p:tagLst xmlns:a="http://schemas.openxmlformats.org/drawingml/2006/main" xmlns:r="http://schemas.openxmlformats.org/officeDocument/2006/relationships" xmlns:p="http://schemas.openxmlformats.org/presentationml/2006/main">
   <p:tag name="KSO_WM_UNIT_HIGHLIGHT" val="0"/>
   <p:tag name="KSO_WM_UNIT_COMPATIBLE" val="0"/>
   <p:tag name="KSO_WM_UNIT_DIAGRAM_ISNUMVISUAL" val="0"/>
   <p:tag name="KSO_WM_UNIT_DIAGRAM_ISREFERUNIT" val="0"/>
-  <p:tag name="KSO_WM_UNIT_ID" val="_2**"/>
+  <p:tag name="KSO_WM_UNIT_ID" val="_5**"/>
   <p:tag name="KSO_WM_UNIT_LAYERLEVEL" val="1"/>
   <p:tag name="KSO_WM_TAG_VERSION" val="1.0"/>
   <p:tag name="KSO_WM_BEAUTIFY_FLAG" val="#wm#"/>
 </p:tagLst>
 </file>
 
-<file path=ppt/tags/tag60.xml><?xml version="1.0" encoding="utf-8"?>
-<p:tagLst xmlns:p="http://schemas.openxmlformats.org/presentationml/2006/main">
+<file path=ppt/tags/tag31.xml><?xml version="1.0" encoding="utf-8"?>
+<p:tagLst xmlns:a="http://schemas.openxmlformats.org/drawingml/2006/main" xmlns:r="http://schemas.openxmlformats.org/officeDocument/2006/relationships" xmlns:p="http://schemas.openxmlformats.org/presentationml/2006/main">
+  <p:tag name="KSO_WM_UNIT_HIGHLIGHT" val="0"/>
+  <p:tag name="KSO_WM_UNIT_COMPATIBLE" val="0"/>
+  <p:tag name="KSO_WM_UNIT_DIAGRAM_ISNUMVISUAL" val="0"/>
+  <p:tag name="KSO_WM_UNIT_DIAGRAM_ISREFERUNIT" val="0"/>
+  <p:tag name="KSO_WM_UNIT_ID" val="_5**"/>
+  <p:tag name="KSO_WM_UNIT_LAYERLEVEL" val="1"/>
+  <p:tag name="KSO_WM_TAG_VERSION" val="1.0"/>
+  <p:tag name="KSO_WM_BEAUTIFY_FLAG" val="#wm#"/>
+</p:tagLst>
+</file>
+
+<file path=ppt/tags/tag32.xml><?xml version="1.0" encoding="utf-8"?>
+<p:tagLst xmlns:a="http://schemas.openxmlformats.org/drawingml/2006/main" xmlns:r="http://schemas.openxmlformats.org/officeDocument/2006/relationships" xmlns:p="http://schemas.openxmlformats.org/presentationml/2006/main">
+  <p:tag name="KSO_WM_UNIT_HIGHLIGHT" val="0"/>
+  <p:tag name="KSO_WM_UNIT_COMPATIBLE" val="0"/>
+  <p:tag name="KSO_WM_UNIT_DIAGRAM_ISNUMVISUAL" val="0"/>
+  <p:tag name="KSO_WM_UNIT_DIAGRAM_ISREFERUNIT" val="0"/>
+  <p:tag name="KSO_WM_UNIT_ID" val="_5**"/>
+  <p:tag name="KSO_WM_UNIT_LAYERLEVEL" val="1"/>
+  <p:tag name="KSO_WM_TAG_VERSION" val="1.0"/>
+  <p:tag name="KSO_WM_BEAUTIFY_FLAG" val="#wm#"/>
+</p:tagLst>
+</file>
+
+<file path=ppt/tags/tag33.xml><?xml version="1.0" encoding="utf-8"?>
+<p:tagLst xmlns:a="http://schemas.openxmlformats.org/drawingml/2006/main" xmlns:r="http://schemas.openxmlformats.org/officeDocument/2006/relationships" xmlns:p="http://schemas.openxmlformats.org/presentationml/2006/main">
+  <p:tag name="KSO_WM_UNIT_HIGHLIGHT" val="0"/>
+  <p:tag name="KSO_WM_UNIT_COMPATIBLE" val="0"/>
+  <p:tag name="KSO_WM_UNIT_DIAGRAM_ISNUMVISUAL" val="0"/>
+  <p:tag name="KSO_WM_UNIT_DIAGRAM_ISREFERUNIT" val="0"/>
+  <p:tag name="KSO_WM_UNIT_ID" val="_5**"/>
+  <p:tag name="KSO_WM_UNIT_LAYERLEVEL" val="1"/>
+  <p:tag name="KSO_WM_TAG_VERSION" val="1.0"/>
+  <p:tag name="KSO_WM_BEAUTIFY_FLAG" val="#wm#"/>
+</p:tagLst>
+</file>
+
+<file path=ppt/tags/tag34.xml><?xml version="1.0" encoding="utf-8"?>
+<p:tagLst xmlns:a="http://schemas.openxmlformats.org/drawingml/2006/main" xmlns:r="http://schemas.openxmlformats.org/officeDocument/2006/relationships" xmlns:p="http://schemas.openxmlformats.org/presentationml/2006/main">
+  <p:tag name="KSO_WM_UNIT_HIGHLIGHT" val="0"/>
+  <p:tag name="KSO_WM_UNIT_COMPATIBLE" val="0"/>
+  <p:tag name="KSO_WM_UNIT_DIAGRAM_ISNUMVISUAL" val="0"/>
+  <p:tag name="KSO_WM_UNIT_DIAGRAM_ISREFERUNIT" val="0"/>
+  <p:tag name="KSO_WM_UNIT_ID" val="_5**"/>
+  <p:tag name="KSO_WM_UNIT_LAYERLEVEL" val="1"/>
+  <p:tag name="KSO_WM_TAG_VERSION" val="1.0"/>
+  <p:tag name="KSO_WM_BEAUTIFY_FLAG" val="#wm#"/>
+</p:tagLst>
+</file>
+
+<file path=ppt/tags/tag35.xml><?xml version="1.0" encoding="utf-8"?>
+<p:tagLst xmlns:a="http://schemas.openxmlformats.org/drawingml/2006/main" xmlns:r="http://schemas.openxmlformats.org/officeDocument/2006/relationships" xmlns:p="http://schemas.openxmlformats.org/presentationml/2006/main">
+  <p:tag name="KSO_WM_UNIT_HIGHLIGHT" val="0"/>
+  <p:tag name="KSO_WM_UNIT_COMPATIBLE" val="0"/>
+  <p:tag name="KSO_WM_UNIT_DIAGRAM_ISNUMVISUAL" val="0"/>
+  <p:tag name="KSO_WM_UNIT_DIAGRAM_ISREFERUNIT" val="0"/>
+  <p:tag name="KSO_WM_UNIT_ID" val="_5**"/>
+  <p:tag name="KSO_WM_UNIT_LAYERLEVEL" val="1"/>
+  <p:tag name="KSO_WM_TAG_VERSION" val="1.0"/>
+  <p:tag name="KSO_WM_BEAUTIFY_FLAG" val="#wm#"/>
+</p:tagLst>
+</file>
+
+<file path=ppt/tags/tag36.xml><?xml version="1.0" encoding="utf-8"?>
+<p:tagLst xmlns:a="http://schemas.openxmlformats.org/drawingml/2006/main" xmlns:r="http://schemas.openxmlformats.org/officeDocument/2006/relationships" xmlns:p="http://schemas.openxmlformats.org/presentationml/2006/main">
+  <p:tag name="KSO_WM_UNIT_HIGHLIGHT" val="0"/>
+  <p:tag name="KSO_WM_UNIT_COMPATIBLE" val="0"/>
+  <p:tag name="KSO_WM_UNIT_DIAGRAM_ISNUMVISUAL" val="0"/>
+  <p:tag name="KSO_WM_UNIT_DIAGRAM_ISREFERUNIT" val="0"/>
+  <p:tag name="KSO_WM_UNIT_ID" val="_6**"/>
+  <p:tag name="KSO_WM_UNIT_LAYERLEVEL" val="1"/>
+  <p:tag name="KSO_WM_TAG_VERSION" val="1.0"/>
+  <p:tag name="KSO_WM_BEAUTIFY_FLAG" val="#wm#"/>
+</p:tagLst>
+</file>
+
+<file path=ppt/tags/tag37.xml><?xml version="1.0" encoding="utf-8"?>
+<p:tagLst xmlns:a="http://schemas.openxmlformats.org/drawingml/2006/main" xmlns:r="http://schemas.openxmlformats.org/officeDocument/2006/relationships" xmlns:p="http://schemas.openxmlformats.org/presentationml/2006/main">
+  <p:tag name="KSO_WM_UNIT_HIGHLIGHT" val="0"/>
+  <p:tag name="KSO_WM_UNIT_COMPATIBLE" val="0"/>
+  <p:tag name="KSO_WM_UNIT_DIAGRAM_ISNUMVISUAL" val="0"/>
+  <p:tag name="KSO_WM_UNIT_DIAGRAM_ISREFERUNIT" val="0"/>
+  <p:tag name="KSO_WM_UNIT_ID" val="_6**"/>
+  <p:tag name="KSO_WM_UNIT_LAYERLEVEL" val="1"/>
+  <p:tag name="KSO_WM_TAG_VERSION" val="1.0"/>
+  <p:tag name="KSO_WM_BEAUTIFY_FLAG" val="#wm#"/>
+</p:tagLst>
+</file>
+
+<file path=ppt/tags/tag38.xml><?xml version="1.0" encoding="utf-8"?>
+<p:tagLst xmlns:a="http://schemas.openxmlformats.org/drawingml/2006/main" xmlns:r="http://schemas.openxmlformats.org/officeDocument/2006/relationships" xmlns:p="http://schemas.openxmlformats.org/presentationml/2006/main">
+  <p:tag name="KSO_WM_UNIT_HIGHLIGHT" val="0"/>
+  <p:tag name="KSO_WM_UNIT_COMPATIBLE" val="0"/>
+  <p:tag name="KSO_WM_UNIT_DIAGRAM_ISNUMVISUAL" val="0"/>
+  <p:tag name="KSO_WM_UNIT_DIAGRAM_ISREFERUNIT" val="0"/>
+  <p:tag name="KSO_WM_UNIT_ID" val="_6**"/>
+  <p:tag name="KSO_WM_UNIT_LAYERLEVEL" val="1"/>
+  <p:tag name="KSO_WM_TAG_VERSION" val="1.0"/>
+  <p:tag name="KSO_WM_BEAUTIFY_FLAG" val="#wm#"/>
+</p:tagLst>
+</file>
+
+<file path=ppt/tags/tag39.xml><?xml version="1.0" encoding="utf-8"?>
+<p:tagLst xmlns:a="http://schemas.openxmlformats.org/drawingml/2006/main" xmlns:r="http://schemas.openxmlformats.org/officeDocument/2006/relationships" xmlns:p="http://schemas.openxmlformats.org/presentationml/2006/main">
+  <p:tag name="KSO_WM_UNIT_HIGHLIGHT" val="0"/>
+  <p:tag name="KSO_WM_UNIT_COMPATIBLE" val="0"/>
+  <p:tag name="KSO_WM_UNIT_DIAGRAM_ISNUMVISUAL" val="0"/>
+  <p:tag name="KSO_WM_UNIT_DIAGRAM_ISREFERUNIT" val="0"/>
+  <p:tag name="KSO_WM_UNIT_ID" val="_6**"/>
+  <p:tag name="KSO_WM_UNIT_LAYERLEVEL" val="1"/>
+  <p:tag name="KSO_WM_TAG_VERSION" val="1.0"/>
+  <p:tag name="KSO_WM_BEAUTIFY_FLAG" val="#wm#"/>
+</p:tagLst>
+</file>
+
+<file path=ppt/tags/tag4.xml><?xml version="1.0" encoding="utf-8"?>
+<p:tagLst xmlns:a="http://schemas.openxmlformats.org/drawingml/2006/main" xmlns:r="http://schemas.openxmlformats.org/officeDocument/2006/relationships" xmlns:p="http://schemas.openxmlformats.org/presentationml/2006/main">
   <p:tag name="KSO_WM_UNIT_HIGHLIGHT" val="0"/>
   <p:tag name="KSO_WM_UNIT_COMPATIBLE" val="0"/>
   <p:tag name="KSO_WM_UNIT_DIAGRAM_ISNUMVISUAL" val="0"/>
@@ -5926,8 +5892,138 @@
 </p:tagLst>
 </file>
 
-<file path=ppt/tags/tag61.xml><?xml version="1.0" encoding="utf-8"?>
-<p:tagLst xmlns:p="http://schemas.openxmlformats.org/presentationml/2006/main">
+<file path=ppt/tags/tag40.xml><?xml version="1.0" encoding="utf-8"?>
+<p:tagLst xmlns:a="http://schemas.openxmlformats.org/drawingml/2006/main" xmlns:r="http://schemas.openxmlformats.org/officeDocument/2006/relationships" xmlns:p="http://schemas.openxmlformats.org/presentationml/2006/main">
+  <p:tag name="KSO_WM_UNIT_HIGHLIGHT" val="0"/>
+  <p:tag name="KSO_WM_UNIT_COMPATIBLE" val="0"/>
+  <p:tag name="KSO_WM_UNIT_DIAGRAM_ISNUMVISUAL" val="0"/>
+  <p:tag name="KSO_WM_UNIT_DIAGRAM_ISREFERUNIT" val="0"/>
+  <p:tag name="KSO_WM_UNIT_ID" val="_7**"/>
+  <p:tag name="KSO_WM_UNIT_LAYERLEVEL" val="1"/>
+  <p:tag name="KSO_WM_TAG_VERSION" val="1.0"/>
+  <p:tag name="KSO_WM_BEAUTIFY_FLAG" val="#wm#"/>
+</p:tagLst>
+</file>
+
+<file path=ppt/tags/tag41.xml><?xml version="1.0" encoding="utf-8"?>
+<p:tagLst xmlns:a="http://schemas.openxmlformats.org/drawingml/2006/main" xmlns:r="http://schemas.openxmlformats.org/officeDocument/2006/relationships" xmlns:p="http://schemas.openxmlformats.org/presentationml/2006/main">
+  <p:tag name="KSO_WM_UNIT_HIGHLIGHT" val="0"/>
+  <p:tag name="KSO_WM_UNIT_COMPATIBLE" val="0"/>
+  <p:tag name="KSO_WM_UNIT_DIAGRAM_ISNUMVISUAL" val="0"/>
+  <p:tag name="KSO_WM_UNIT_DIAGRAM_ISREFERUNIT" val="0"/>
+  <p:tag name="KSO_WM_UNIT_ID" val="_7**"/>
+  <p:tag name="KSO_WM_UNIT_LAYERLEVEL" val="1"/>
+  <p:tag name="KSO_WM_TAG_VERSION" val="1.0"/>
+  <p:tag name="KSO_WM_BEAUTIFY_FLAG" val="#wm#"/>
+</p:tagLst>
+</file>
+
+<file path=ppt/tags/tag42.xml><?xml version="1.0" encoding="utf-8"?>
+<p:tagLst xmlns:a="http://schemas.openxmlformats.org/drawingml/2006/main" xmlns:r="http://schemas.openxmlformats.org/officeDocument/2006/relationships" xmlns:p="http://schemas.openxmlformats.org/presentationml/2006/main">
+  <p:tag name="KSO_WM_UNIT_HIGHLIGHT" val="0"/>
+  <p:tag name="KSO_WM_UNIT_COMPATIBLE" val="0"/>
+  <p:tag name="KSO_WM_UNIT_DIAGRAM_ISNUMVISUAL" val="0"/>
+  <p:tag name="KSO_WM_UNIT_DIAGRAM_ISREFERUNIT" val="0"/>
+  <p:tag name="KSO_WM_UNIT_ID" val="_7**"/>
+  <p:tag name="KSO_WM_UNIT_LAYERLEVEL" val="1"/>
+  <p:tag name="KSO_WM_TAG_VERSION" val="1.0"/>
+  <p:tag name="KSO_WM_BEAUTIFY_FLAG" val="#wm#"/>
+</p:tagLst>
+</file>
+
+<file path=ppt/tags/tag43.xml><?xml version="1.0" encoding="utf-8"?>
+<p:tagLst xmlns:a="http://schemas.openxmlformats.org/drawingml/2006/main" xmlns:r="http://schemas.openxmlformats.org/officeDocument/2006/relationships" xmlns:p="http://schemas.openxmlformats.org/presentationml/2006/main">
+  <p:tag name="KSO_WM_UNIT_HIGHLIGHT" val="0"/>
+  <p:tag name="KSO_WM_UNIT_COMPATIBLE" val="0"/>
+  <p:tag name="KSO_WM_UNIT_DIAGRAM_ISNUMVISUAL" val="0"/>
+  <p:tag name="KSO_WM_UNIT_DIAGRAM_ISREFERUNIT" val="0"/>
+  <p:tag name="KSO_WM_UNIT_ID" val="_8**"/>
+  <p:tag name="KSO_WM_UNIT_LAYERLEVEL" val="1"/>
+  <p:tag name="KSO_WM_TAG_VERSION" val="1.0"/>
+  <p:tag name="KSO_WM_BEAUTIFY_FLAG" val="#wm#"/>
+</p:tagLst>
+</file>
+
+<file path=ppt/tags/tag44.xml><?xml version="1.0" encoding="utf-8"?>
+<p:tagLst xmlns:a="http://schemas.openxmlformats.org/drawingml/2006/main" xmlns:r="http://schemas.openxmlformats.org/officeDocument/2006/relationships" xmlns:p="http://schemas.openxmlformats.org/presentationml/2006/main">
+  <p:tag name="KSO_WM_UNIT_HIGHLIGHT" val="0"/>
+  <p:tag name="KSO_WM_UNIT_COMPATIBLE" val="0"/>
+  <p:tag name="KSO_WM_UNIT_DIAGRAM_ISNUMVISUAL" val="0"/>
+  <p:tag name="KSO_WM_UNIT_DIAGRAM_ISREFERUNIT" val="0"/>
+  <p:tag name="KSO_WM_UNIT_ID" val="_8**"/>
+  <p:tag name="KSO_WM_UNIT_LAYERLEVEL" val="1"/>
+  <p:tag name="KSO_WM_TAG_VERSION" val="1.0"/>
+  <p:tag name="KSO_WM_BEAUTIFY_FLAG" val="#wm#"/>
+</p:tagLst>
+</file>
+
+<file path=ppt/tags/tag45.xml><?xml version="1.0" encoding="utf-8"?>
+<p:tagLst xmlns:a="http://schemas.openxmlformats.org/drawingml/2006/main" xmlns:r="http://schemas.openxmlformats.org/officeDocument/2006/relationships" xmlns:p="http://schemas.openxmlformats.org/presentationml/2006/main">
+  <p:tag name="KSO_WM_UNIT_HIGHLIGHT" val="0"/>
+  <p:tag name="KSO_WM_UNIT_COMPATIBLE" val="0"/>
+  <p:tag name="KSO_WM_UNIT_DIAGRAM_ISNUMVISUAL" val="0"/>
+  <p:tag name="KSO_WM_UNIT_DIAGRAM_ISREFERUNIT" val="0"/>
+  <p:tag name="KSO_WM_UNIT_ID" val="_8**"/>
+  <p:tag name="KSO_WM_UNIT_LAYERLEVEL" val="1"/>
+  <p:tag name="KSO_WM_TAG_VERSION" val="1.0"/>
+  <p:tag name="KSO_WM_BEAUTIFY_FLAG" val="#wm#"/>
+</p:tagLst>
+</file>
+
+<file path=ppt/tags/tag46.xml><?xml version="1.0" encoding="utf-8"?>
+<p:tagLst xmlns:a="http://schemas.openxmlformats.org/drawingml/2006/main" xmlns:r="http://schemas.openxmlformats.org/officeDocument/2006/relationships" xmlns:p="http://schemas.openxmlformats.org/presentationml/2006/main">
+  <p:tag name="KSO_WM_UNIT_HIGHLIGHT" val="0"/>
+  <p:tag name="KSO_WM_UNIT_COMPATIBLE" val="0"/>
+  <p:tag name="KSO_WM_UNIT_DIAGRAM_ISNUMVISUAL" val="0"/>
+  <p:tag name="KSO_WM_UNIT_DIAGRAM_ISREFERUNIT" val="0"/>
+  <p:tag name="KSO_WM_UNIT_ID" val="_8**"/>
+  <p:tag name="KSO_WM_UNIT_LAYERLEVEL" val="1"/>
+  <p:tag name="KSO_WM_TAG_VERSION" val="1.0"/>
+  <p:tag name="KSO_WM_BEAUTIFY_FLAG" val="#wm#"/>
+</p:tagLst>
+</file>
+
+<file path=ppt/tags/tag47.xml><?xml version="1.0" encoding="utf-8"?>
+<p:tagLst xmlns:a="http://schemas.openxmlformats.org/drawingml/2006/main" xmlns:r="http://schemas.openxmlformats.org/officeDocument/2006/relationships" xmlns:p="http://schemas.openxmlformats.org/presentationml/2006/main">
+  <p:tag name="KSO_WM_UNIT_HIGHLIGHT" val="0"/>
+  <p:tag name="KSO_WM_UNIT_COMPATIBLE" val="0"/>
+  <p:tag name="KSO_WM_UNIT_DIAGRAM_ISNUMVISUAL" val="0"/>
+  <p:tag name="KSO_WM_UNIT_DIAGRAM_ISREFERUNIT" val="0"/>
+  <p:tag name="KSO_WM_UNIT_ID" val="_8**"/>
+  <p:tag name="KSO_WM_UNIT_LAYERLEVEL" val="1"/>
+  <p:tag name="KSO_WM_TAG_VERSION" val="1.0"/>
+  <p:tag name="KSO_WM_BEAUTIFY_FLAG" val="#wm#"/>
+</p:tagLst>
+</file>
+
+<file path=ppt/tags/tag48.xml><?xml version="1.0" encoding="utf-8"?>
+<p:tagLst xmlns:a="http://schemas.openxmlformats.org/drawingml/2006/main" xmlns:r="http://schemas.openxmlformats.org/officeDocument/2006/relationships" xmlns:p="http://schemas.openxmlformats.org/presentationml/2006/main">
+  <p:tag name="KSO_WM_UNIT_HIGHLIGHT" val="0"/>
+  <p:tag name="KSO_WM_UNIT_COMPATIBLE" val="0"/>
+  <p:tag name="KSO_WM_UNIT_DIAGRAM_ISNUMVISUAL" val="0"/>
+  <p:tag name="KSO_WM_UNIT_DIAGRAM_ISREFERUNIT" val="0"/>
+  <p:tag name="KSO_WM_UNIT_ID" val="_8**"/>
+  <p:tag name="KSO_WM_UNIT_LAYERLEVEL" val="1"/>
+  <p:tag name="KSO_WM_TAG_VERSION" val="1.0"/>
+  <p:tag name="KSO_WM_BEAUTIFY_FLAG" val="#wm#"/>
+</p:tagLst>
+</file>
+
+<file path=ppt/tags/tag49.xml><?xml version="1.0" encoding="utf-8"?>
+<p:tagLst xmlns:a="http://schemas.openxmlformats.org/drawingml/2006/main" xmlns:r="http://schemas.openxmlformats.org/officeDocument/2006/relationships" xmlns:p="http://schemas.openxmlformats.org/presentationml/2006/main">
+  <p:tag name="KSO_WM_UNIT_HIGHLIGHT" val="0"/>
+  <p:tag name="KSO_WM_UNIT_COMPATIBLE" val="0"/>
+  <p:tag name="KSO_WM_UNIT_DIAGRAM_ISNUMVISUAL" val="0"/>
+  <p:tag name="KSO_WM_UNIT_DIAGRAM_ISREFERUNIT" val="0"/>
+  <p:tag name="KSO_WM_UNIT_ID" val="_9**"/>
+  <p:tag name="KSO_WM_UNIT_LAYERLEVEL" val="1"/>
+  <p:tag name="KSO_WM_TAG_VERSION" val="1.0"/>
+  <p:tag name="KSO_WM_BEAUTIFY_FLAG" val="#wm#"/>
+</p:tagLst>
+</file>
+
+<file path=ppt/tags/tag5.xml><?xml version="1.0" encoding="utf-8"?>
+<p:tagLst xmlns:a="http://schemas.openxmlformats.org/drawingml/2006/main" xmlns:r="http://schemas.openxmlformats.org/officeDocument/2006/relationships" xmlns:p="http://schemas.openxmlformats.org/presentationml/2006/main">
   <p:tag name="KSO_WM_UNIT_HIGHLIGHT" val="0"/>
   <p:tag name="KSO_WM_UNIT_COMPATIBLE" val="0"/>
   <p:tag name="KSO_WM_UNIT_DIAGRAM_ISNUMVISUAL" val="0"/>
@@ -5939,8 +6035,138 @@
 </p:tagLst>
 </file>
 
-<file path=ppt/tags/tag62.xml><?xml version="1.0" encoding="utf-8"?>
-<p:tagLst xmlns:p="http://schemas.openxmlformats.org/presentationml/2006/main">
+<file path=ppt/tags/tag50.xml><?xml version="1.0" encoding="utf-8"?>
+<p:tagLst xmlns:a="http://schemas.openxmlformats.org/drawingml/2006/main" xmlns:r="http://schemas.openxmlformats.org/officeDocument/2006/relationships" xmlns:p="http://schemas.openxmlformats.org/presentationml/2006/main">
+  <p:tag name="KSO_WM_UNIT_HIGHLIGHT" val="0"/>
+  <p:tag name="KSO_WM_UNIT_COMPATIBLE" val="0"/>
+  <p:tag name="KSO_WM_UNIT_DIAGRAM_ISNUMVISUAL" val="0"/>
+  <p:tag name="KSO_WM_UNIT_DIAGRAM_ISREFERUNIT" val="0"/>
+  <p:tag name="KSO_WM_UNIT_ID" val="_9**"/>
+  <p:tag name="KSO_WM_UNIT_LAYERLEVEL" val="1"/>
+  <p:tag name="KSO_WM_TAG_VERSION" val="1.0"/>
+  <p:tag name="KSO_WM_BEAUTIFY_FLAG" val="#wm#"/>
+</p:tagLst>
+</file>
+
+<file path=ppt/tags/tag51.xml><?xml version="1.0" encoding="utf-8"?>
+<p:tagLst xmlns:a="http://schemas.openxmlformats.org/drawingml/2006/main" xmlns:r="http://schemas.openxmlformats.org/officeDocument/2006/relationships" xmlns:p="http://schemas.openxmlformats.org/presentationml/2006/main">
+  <p:tag name="KSO_WM_UNIT_HIGHLIGHT" val="0"/>
+  <p:tag name="KSO_WM_UNIT_COMPATIBLE" val="0"/>
+  <p:tag name="KSO_WM_UNIT_DIAGRAM_ISNUMVISUAL" val="0"/>
+  <p:tag name="KSO_WM_UNIT_DIAGRAM_ISREFERUNIT" val="0"/>
+  <p:tag name="KSO_WM_UNIT_ID" val="_9**"/>
+  <p:tag name="KSO_WM_UNIT_LAYERLEVEL" val="1"/>
+  <p:tag name="KSO_WM_TAG_VERSION" val="1.0"/>
+  <p:tag name="KSO_WM_BEAUTIFY_FLAG" val="#wm#"/>
+</p:tagLst>
+</file>
+
+<file path=ppt/tags/tag52.xml><?xml version="1.0" encoding="utf-8"?>
+<p:tagLst xmlns:a="http://schemas.openxmlformats.org/drawingml/2006/main" xmlns:r="http://schemas.openxmlformats.org/officeDocument/2006/relationships" xmlns:p="http://schemas.openxmlformats.org/presentationml/2006/main">
+  <p:tag name="KSO_WM_UNIT_HIGHLIGHT" val="0"/>
+  <p:tag name="KSO_WM_UNIT_COMPATIBLE" val="0"/>
+  <p:tag name="KSO_WM_UNIT_DIAGRAM_ISNUMVISUAL" val="0"/>
+  <p:tag name="KSO_WM_UNIT_DIAGRAM_ISREFERUNIT" val="0"/>
+  <p:tag name="KSO_WM_UNIT_ID" val="_9**"/>
+  <p:tag name="KSO_WM_UNIT_LAYERLEVEL" val="1"/>
+  <p:tag name="KSO_WM_TAG_VERSION" val="1.0"/>
+  <p:tag name="KSO_WM_BEAUTIFY_FLAG" val="#wm#"/>
+</p:tagLst>
+</file>
+
+<file path=ppt/tags/tag53.xml><?xml version="1.0" encoding="utf-8"?>
+<p:tagLst xmlns:a="http://schemas.openxmlformats.org/drawingml/2006/main" xmlns:r="http://schemas.openxmlformats.org/officeDocument/2006/relationships" xmlns:p="http://schemas.openxmlformats.org/presentationml/2006/main">
+  <p:tag name="KSO_WM_UNIT_HIGHLIGHT" val="0"/>
+  <p:tag name="KSO_WM_UNIT_COMPATIBLE" val="0"/>
+  <p:tag name="KSO_WM_UNIT_DIAGRAM_ISNUMVISUAL" val="0"/>
+  <p:tag name="KSO_WM_UNIT_DIAGRAM_ISREFERUNIT" val="0"/>
+  <p:tag name="KSO_WM_UNIT_ID" val="_9**"/>
+  <p:tag name="KSO_WM_UNIT_LAYERLEVEL" val="1"/>
+  <p:tag name="KSO_WM_TAG_VERSION" val="1.0"/>
+  <p:tag name="KSO_WM_BEAUTIFY_FLAG" val="#wm#"/>
+</p:tagLst>
+</file>
+
+<file path=ppt/tags/tag54.xml><?xml version="1.0" encoding="utf-8"?>
+<p:tagLst xmlns:a="http://schemas.openxmlformats.org/drawingml/2006/main" xmlns:r="http://schemas.openxmlformats.org/officeDocument/2006/relationships" xmlns:p="http://schemas.openxmlformats.org/presentationml/2006/main">
+  <p:tag name="KSO_WM_UNIT_HIGHLIGHT" val="0"/>
+  <p:tag name="KSO_WM_UNIT_COMPATIBLE" val="0"/>
+  <p:tag name="KSO_WM_UNIT_DIAGRAM_ISNUMVISUAL" val="0"/>
+  <p:tag name="KSO_WM_UNIT_DIAGRAM_ISREFERUNIT" val="0"/>
+  <p:tag name="KSO_WM_UNIT_ID" val="_10**"/>
+  <p:tag name="KSO_WM_UNIT_LAYERLEVEL" val="1"/>
+  <p:tag name="KSO_WM_TAG_VERSION" val="1.0"/>
+  <p:tag name="KSO_WM_BEAUTIFY_FLAG" val="#wm#"/>
+</p:tagLst>
+</file>
+
+<file path=ppt/tags/tag55.xml><?xml version="1.0" encoding="utf-8"?>
+<p:tagLst xmlns:a="http://schemas.openxmlformats.org/drawingml/2006/main" xmlns:r="http://schemas.openxmlformats.org/officeDocument/2006/relationships" xmlns:p="http://schemas.openxmlformats.org/presentationml/2006/main">
+  <p:tag name="KSO_WM_UNIT_HIGHLIGHT" val="0"/>
+  <p:tag name="KSO_WM_UNIT_COMPATIBLE" val="0"/>
+  <p:tag name="KSO_WM_UNIT_DIAGRAM_ISNUMVISUAL" val="0"/>
+  <p:tag name="KSO_WM_UNIT_DIAGRAM_ISREFERUNIT" val="0"/>
+  <p:tag name="KSO_WM_UNIT_ID" val="_10**"/>
+  <p:tag name="KSO_WM_UNIT_LAYERLEVEL" val="1"/>
+  <p:tag name="KSO_WM_TAG_VERSION" val="1.0"/>
+  <p:tag name="KSO_WM_BEAUTIFY_FLAG" val="#wm#"/>
+</p:tagLst>
+</file>
+
+<file path=ppt/tags/tag56.xml><?xml version="1.0" encoding="utf-8"?>
+<p:tagLst xmlns:a="http://schemas.openxmlformats.org/drawingml/2006/main" xmlns:r="http://schemas.openxmlformats.org/officeDocument/2006/relationships" xmlns:p="http://schemas.openxmlformats.org/presentationml/2006/main">
+  <p:tag name="KSO_WM_UNIT_HIGHLIGHT" val="0"/>
+  <p:tag name="KSO_WM_UNIT_COMPATIBLE" val="0"/>
+  <p:tag name="KSO_WM_UNIT_DIAGRAM_ISNUMVISUAL" val="0"/>
+  <p:tag name="KSO_WM_UNIT_DIAGRAM_ISREFERUNIT" val="0"/>
+  <p:tag name="KSO_WM_UNIT_ID" val="_10**"/>
+  <p:tag name="KSO_WM_UNIT_LAYERLEVEL" val="1"/>
+  <p:tag name="KSO_WM_TAG_VERSION" val="1.0"/>
+  <p:tag name="KSO_WM_BEAUTIFY_FLAG" val="#wm#"/>
+</p:tagLst>
+</file>
+
+<file path=ppt/tags/tag57.xml><?xml version="1.0" encoding="utf-8"?>
+<p:tagLst xmlns:a="http://schemas.openxmlformats.org/drawingml/2006/main" xmlns:r="http://schemas.openxmlformats.org/officeDocument/2006/relationships" xmlns:p="http://schemas.openxmlformats.org/presentationml/2006/main">
+  <p:tag name="KSO_WM_UNIT_HIGHLIGHT" val="0"/>
+  <p:tag name="KSO_WM_UNIT_COMPATIBLE" val="0"/>
+  <p:tag name="KSO_WM_UNIT_DIAGRAM_ISNUMVISUAL" val="0"/>
+  <p:tag name="KSO_WM_UNIT_DIAGRAM_ISREFERUNIT" val="0"/>
+  <p:tag name="KSO_WM_UNIT_ID" val="_10**"/>
+  <p:tag name="KSO_WM_UNIT_LAYERLEVEL" val="1"/>
+  <p:tag name="KSO_WM_TAG_VERSION" val="1.0"/>
+  <p:tag name="KSO_WM_BEAUTIFY_FLAG" val="#wm#"/>
+</p:tagLst>
+</file>
+
+<file path=ppt/tags/tag58.xml><?xml version="1.0" encoding="utf-8"?>
+<p:tagLst xmlns:a="http://schemas.openxmlformats.org/drawingml/2006/main" xmlns:r="http://schemas.openxmlformats.org/officeDocument/2006/relationships" xmlns:p="http://schemas.openxmlformats.org/presentationml/2006/main">
+  <p:tag name="KSO_WM_UNIT_HIGHLIGHT" val="0"/>
+  <p:tag name="KSO_WM_UNIT_COMPATIBLE" val="0"/>
+  <p:tag name="KSO_WM_UNIT_DIAGRAM_ISNUMVISUAL" val="0"/>
+  <p:tag name="KSO_WM_UNIT_DIAGRAM_ISREFERUNIT" val="0"/>
+  <p:tag name="KSO_WM_UNIT_ID" val="_11**"/>
+  <p:tag name="KSO_WM_UNIT_LAYERLEVEL" val="1"/>
+  <p:tag name="KSO_WM_TAG_VERSION" val="1.0"/>
+  <p:tag name="KSO_WM_BEAUTIFY_FLAG" val="#wm#"/>
+</p:tagLst>
+</file>
+
+<file path=ppt/tags/tag59.xml><?xml version="1.0" encoding="utf-8"?>
+<p:tagLst xmlns:a="http://schemas.openxmlformats.org/drawingml/2006/main" xmlns:r="http://schemas.openxmlformats.org/officeDocument/2006/relationships" xmlns:p="http://schemas.openxmlformats.org/presentationml/2006/main">
+  <p:tag name="KSO_WM_UNIT_HIGHLIGHT" val="0"/>
+  <p:tag name="KSO_WM_UNIT_COMPATIBLE" val="0"/>
+  <p:tag name="KSO_WM_UNIT_DIAGRAM_ISNUMVISUAL" val="0"/>
+  <p:tag name="KSO_WM_UNIT_DIAGRAM_ISREFERUNIT" val="0"/>
+  <p:tag name="KSO_WM_UNIT_ID" val="_11**"/>
+  <p:tag name="KSO_WM_UNIT_LAYERLEVEL" val="1"/>
+  <p:tag name="KSO_WM_TAG_VERSION" val="1.0"/>
+  <p:tag name="KSO_WM_BEAUTIFY_FLAG" val="#wm#"/>
+</p:tagLst>
+</file>
+
+<file path=ppt/tags/tag6.xml><?xml version="1.0" encoding="utf-8"?>
+<p:tagLst xmlns:a="http://schemas.openxmlformats.org/drawingml/2006/main" xmlns:r="http://schemas.openxmlformats.org/officeDocument/2006/relationships" xmlns:p="http://schemas.openxmlformats.org/presentationml/2006/main">
   <p:tag name="KSO_WM_TEMPLATE_THUMBS_INDEX" val="1、4、7、12、13、14、15、16、17、18、20、24、25、28、33、36、40、43、44"/>
   <p:tag name="KSO_WM_TEMPLATE_SUBCATEGORY" val="19"/>
   <p:tag name="KSO_WM_TAG_VERSION" val="1.0"/>
@@ -5953,8 +6179,68 @@
 </p:tagLst>
 </file>
 
+<file path=ppt/tags/tag60.xml><?xml version="1.0" encoding="utf-8"?>
+<p:tagLst xmlns:a="http://schemas.openxmlformats.org/drawingml/2006/main" xmlns:r="http://schemas.openxmlformats.org/officeDocument/2006/relationships" xmlns:p="http://schemas.openxmlformats.org/presentationml/2006/main">
+  <p:tag name="KSO_WM_UNIT_HIGHLIGHT" val="0"/>
+  <p:tag name="KSO_WM_UNIT_COMPATIBLE" val="0"/>
+  <p:tag name="KSO_WM_UNIT_DIAGRAM_ISNUMVISUAL" val="0"/>
+  <p:tag name="KSO_WM_UNIT_DIAGRAM_ISREFERUNIT" val="0"/>
+  <p:tag name="KSO_WM_UNIT_ID" val="_11**"/>
+  <p:tag name="KSO_WM_UNIT_LAYERLEVEL" val="1"/>
+  <p:tag name="KSO_WM_TAG_VERSION" val="1.0"/>
+  <p:tag name="KSO_WM_BEAUTIFY_FLAG" val="#wm#"/>
+</p:tagLst>
+</file>
+
+<file path=ppt/tags/tag61.xml><?xml version="1.0" encoding="utf-8"?>
+<p:tagLst xmlns:a="http://schemas.openxmlformats.org/drawingml/2006/main" xmlns:r="http://schemas.openxmlformats.org/officeDocument/2006/relationships" xmlns:p="http://schemas.openxmlformats.org/presentationml/2006/main">
+  <p:tag name="KSO_WM_UNIT_HIGHLIGHT" val="0"/>
+  <p:tag name="KSO_WM_UNIT_COMPATIBLE" val="0"/>
+  <p:tag name="KSO_WM_UNIT_DIAGRAM_ISNUMVISUAL" val="0"/>
+  <p:tag name="KSO_WM_UNIT_DIAGRAM_ISREFERUNIT" val="0"/>
+  <p:tag name="KSO_WM_UNIT_ID" val="_11**"/>
+  <p:tag name="KSO_WM_UNIT_LAYERLEVEL" val="1"/>
+  <p:tag name="KSO_WM_TAG_VERSION" val="1.0"/>
+  <p:tag name="KSO_WM_BEAUTIFY_FLAG" val="#wm#"/>
+</p:tagLst>
+</file>
+
+<file path=ppt/tags/tag62.xml><?xml version="1.0" encoding="utf-8"?>
+<p:tagLst xmlns:a="http://schemas.openxmlformats.org/drawingml/2006/main" xmlns:r="http://schemas.openxmlformats.org/officeDocument/2006/relationships" xmlns:p="http://schemas.openxmlformats.org/presentationml/2006/main">
+  <p:tag name="KSO_WM_UNIT_HIGHLIGHT" val="0"/>
+  <p:tag name="KSO_WM_UNIT_COMPATIBLE" val="0"/>
+  <p:tag name="KSO_WM_UNIT_DIAGRAM_ISNUMVISUAL" val="0"/>
+  <p:tag name="KSO_WM_UNIT_DIAGRAM_ISREFERUNIT" val="0"/>
+  <p:tag name="KSO_WM_UNIT_ID" val="_11**"/>
+  <p:tag name="KSO_WM_UNIT_LAYERLEVEL" val="1"/>
+  <p:tag name="KSO_WM_TAG_VERSION" val="1.0"/>
+  <p:tag name="KSO_WM_BEAUTIFY_FLAG" val="#wm#"/>
+</p:tagLst>
+</file>
+
 <file path=ppt/tags/tag63.xml><?xml version="1.0" encoding="utf-8"?>
-<p:tagLst xmlns:p="http://schemas.openxmlformats.org/presentationml/2006/main">
+<p:tagLst xmlns:a="http://schemas.openxmlformats.org/drawingml/2006/main" xmlns:r="http://schemas.openxmlformats.org/officeDocument/2006/relationships" xmlns:p="http://schemas.openxmlformats.org/presentationml/2006/main">
+  <p:tag name="KSO_WM_SLIDE_ID" val="custom20205176_1"/>
+  <p:tag name="KSO_WM_TEMPLATE_SUBCATEGORY" val="19"/>
+  <p:tag name="KSO_WM_TEMPLATE_MASTER_TYPE" val="0"/>
+  <p:tag name="KSO_WM_TEMPLATE_COLOR_TYPE" val="1"/>
+  <p:tag name="KSO_WM_SLIDE_TYPE" val="title"/>
+  <p:tag name="KSO_WM_SLIDE_SUBTYPE" val="defaultBlank"/>
+  <p:tag name="KSO_WM_SLIDE_ITEM_CNT" val="0"/>
+  <p:tag name="KSO_WM_SLIDE_INDEX" val="1"/>
+  <p:tag name="KSO_WM_TAG_VERSION" val="1.0"/>
+  <p:tag name="KSO_WM_BEAUTIFY_FLAG" val="#wm#"/>
+  <p:tag name="KSO_WM_TEMPLATE_CATEGORY" val="custom"/>
+  <p:tag name="KSO_WM_TEMPLATE_INDEX" val="20205176"/>
+  <p:tag name="KSO_WM_SLIDE_LAYOUT" val="a_b"/>
+  <p:tag name="KSO_WM_SLIDE_LAYOUT_CNT" val="1_1"/>
+  <p:tag name="KSO_WM_UNIT_SHOW_EDIT_AREA_INDICATION" val="1"/>
+  <p:tag name="KSO_WM_TEMPLATE_THUMBS_INDEX" val="1、4、7、12、13、14、15、16、17、18、20、24、25、28、33、36、40、43、44"/>
+</p:tagLst>
+</file>
+
+<file path=ppt/tags/tag64.xml><?xml version="1.0" encoding="utf-8"?>
+<p:tagLst xmlns:a="http://schemas.openxmlformats.org/drawingml/2006/main" xmlns:r="http://schemas.openxmlformats.org/officeDocument/2006/relationships" xmlns:p="http://schemas.openxmlformats.org/presentationml/2006/main">
   <p:tag name="KSO_WM_UNIT_ISCONTENTSTITLE" val="0"/>
   <p:tag name="KSO_WM_UNIT_ISNUMDGMTITLE" val="0"/>
   <p:tag name="KSO_WM_UNIT_PRESET_TEXT" val="空白演示"/>
@@ -5976,8 +6262,8 @@
 </p:tagLst>
 </file>
 
-<file path=ppt/tags/tag64.xml><?xml version="1.0" encoding="utf-8"?>
-<p:tagLst xmlns:p="http://schemas.openxmlformats.org/presentationml/2006/main">
+<file path=ppt/tags/tag65.xml><?xml version="1.0" encoding="utf-8"?>
+<p:tagLst xmlns:a="http://schemas.openxmlformats.org/drawingml/2006/main" xmlns:r="http://schemas.openxmlformats.org/officeDocument/2006/relationships" xmlns:p="http://schemas.openxmlformats.org/presentationml/2006/main">
   <p:tag name="KSO_WM_UNIT_ISCONTENTSTITLE" val="0"/>
   <p:tag name="KSO_WM_UNIT_ISNUMDGMTITLE" val="0"/>
   <p:tag name="KSO_WM_UNIT_PRESET_TEXT" val="单击输入您的封面副标题"/>
@@ -5999,29 +6285,8 @@
 </p:tagLst>
 </file>
 
-<file path=ppt/tags/tag65.xml><?xml version="1.0" encoding="utf-8"?>
-<p:tagLst xmlns:p="http://schemas.openxmlformats.org/presentationml/2006/main">
-  <p:tag name="KSO_WM_SLIDE_ID" val="custom20205176_1"/>
-  <p:tag name="KSO_WM_TEMPLATE_SUBCATEGORY" val="19"/>
-  <p:tag name="KSO_WM_TEMPLATE_MASTER_TYPE" val="0"/>
-  <p:tag name="KSO_WM_TEMPLATE_COLOR_TYPE" val="1"/>
-  <p:tag name="KSO_WM_SLIDE_TYPE" val="title"/>
-  <p:tag name="KSO_WM_SLIDE_SUBTYPE" val="defaultBlank"/>
-  <p:tag name="KSO_WM_SLIDE_ITEM_CNT" val="0"/>
-  <p:tag name="KSO_WM_SLIDE_INDEX" val="1"/>
-  <p:tag name="KSO_WM_TAG_VERSION" val="1.0"/>
-  <p:tag name="KSO_WM_BEAUTIFY_FLAG" val="#wm#"/>
-  <p:tag name="KSO_WM_TEMPLATE_CATEGORY" val="custom"/>
-  <p:tag name="KSO_WM_TEMPLATE_INDEX" val="20205176"/>
-  <p:tag name="KSO_WM_SLIDE_LAYOUT" val="a_b"/>
-  <p:tag name="KSO_WM_SLIDE_LAYOUT_CNT" val="1_1"/>
-  <p:tag name="KSO_WM_UNIT_SHOW_EDIT_AREA_INDICATION" val="1"/>
-  <p:tag name="KSO_WM_TEMPLATE_THUMBS_INDEX" val="1、4、7、12、13、14、15、16、17、18、20、24、25、28、33、36、40、43、44"/>
-</p:tagLst>
-</file>
-
 <file path=ppt/tags/tag66.xml><?xml version="1.0" encoding="utf-8"?>
-<p:tagLst xmlns:p="http://schemas.openxmlformats.org/presentationml/2006/main">
+<p:tagLst xmlns:a="http://schemas.openxmlformats.org/drawingml/2006/main" xmlns:r="http://schemas.openxmlformats.org/officeDocument/2006/relationships" xmlns:p="http://schemas.openxmlformats.org/presentationml/2006/main">
   <p:tag name="KSO_WM_BEAUTIFY_FLAG" val="#wm#"/>
   <p:tag name="KSO_WM_TEMPLATE_CATEGORY" val="custom"/>
   <p:tag name="KSO_WM_TEMPLATE_INDEX" val="20205176"/>
@@ -6029,12 +6294,12 @@
 </file>
 
 <file path=ppt/tags/tag7.xml><?xml version="1.0" encoding="utf-8"?>
-<p:tagLst xmlns:p="http://schemas.openxmlformats.org/presentationml/2006/main">
+<p:tagLst xmlns:a="http://schemas.openxmlformats.org/drawingml/2006/main" xmlns:r="http://schemas.openxmlformats.org/officeDocument/2006/relationships" xmlns:p="http://schemas.openxmlformats.org/presentationml/2006/main">
   <p:tag name="KSO_WM_UNIT_HIGHLIGHT" val="0"/>
   <p:tag name="KSO_WM_UNIT_COMPATIBLE" val="0"/>
   <p:tag name="KSO_WM_UNIT_DIAGRAM_ISNUMVISUAL" val="0"/>
   <p:tag name="KSO_WM_UNIT_DIAGRAM_ISREFERUNIT" val="0"/>
-  <p:tag name="KSO_WM_UNIT_ID" val="_2**"/>
+  <p:tag name="KSO_WM_UNIT_ID" val="_1**"/>
   <p:tag name="KSO_WM_UNIT_LAYERLEVEL" val="1"/>
   <p:tag name="KSO_WM_TAG_VERSION" val="1.0"/>
   <p:tag name="KSO_WM_BEAUTIFY_FLAG" val="#wm#"/>
@@ -6042,12 +6307,12 @@
 </file>
 
 <file path=ppt/tags/tag8.xml><?xml version="1.0" encoding="utf-8"?>
-<p:tagLst xmlns:p="http://schemas.openxmlformats.org/presentationml/2006/main">
+<p:tagLst xmlns:a="http://schemas.openxmlformats.org/drawingml/2006/main" xmlns:r="http://schemas.openxmlformats.org/officeDocument/2006/relationships" xmlns:p="http://schemas.openxmlformats.org/presentationml/2006/main">
   <p:tag name="KSO_WM_UNIT_HIGHLIGHT" val="0"/>
   <p:tag name="KSO_WM_UNIT_COMPATIBLE" val="0"/>
   <p:tag name="KSO_WM_UNIT_DIAGRAM_ISNUMVISUAL" val="0"/>
   <p:tag name="KSO_WM_UNIT_DIAGRAM_ISREFERUNIT" val="0"/>
-  <p:tag name="KSO_WM_UNIT_ID" val="_2**"/>
+  <p:tag name="KSO_WM_UNIT_ID" val="_1**"/>
   <p:tag name="KSO_WM_UNIT_LAYERLEVEL" val="1"/>
   <p:tag name="KSO_WM_TAG_VERSION" val="1.0"/>
   <p:tag name="KSO_WM_BEAUTIFY_FLAG" val="#wm#"/>
@@ -6055,12 +6320,12 @@
 </file>
 
 <file path=ppt/tags/tag9.xml><?xml version="1.0" encoding="utf-8"?>
-<p:tagLst xmlns:p="http://schemas.openxmlformats.org/presentationml/2006/main">
+<p:tagLst xmlns:a="http://schemas.openxmlformats.org/drawingml/2006/main" xmlns:r="http://schemas.openxmlformats.org/officeDocument/2006/relationships" xmlns:p="http://schemas.openxmlformats.org/presentationml/2006/main">
   <p:tag name="KSO_WM_UNIT_HIGHLIGHT" val="0"/>
   <p:tag name="KSO_WM_UNIT_COMPATIBLE" val="0"/>
   <p:tag name="KSO_WM_UNIT_DIAGRAM_ISNUMVISUAL" val="0"/>
   <p:tag name="KSO_WM_UNIT_DIAGRAM_ISREFERUNIT" val="0"/>
-  <p:tag name="KSO_WM_UNIT_ID" val="_2**"/>
+  <p:tag name="KSO_WM_UNIT_ID" val="_1**"/>
   <p:tag name="KSO_WM_UNIT_LAYERLEVEL" val="1"/>
   <p:tag name="KSO_WM_TAG_VERSION" val="1.0"/>
   <p:tag name="KSO_WM_BEAUTIFY_FLAG" val="#wm#"/>
@@ -6258,6 +6523,8 @@
       </a:bgFillStyleLst>
     </a:fmtScheme>
   </a:themeElements>
+  <a:objectDefaults/>
+  <a:extraClrSchemeLst/>
   <a:extLst>
     <a:ext uri="{05A4C25C-085E-4340-85A3-A5531E510DB2}">
       <thm15:themeFamily xmlns:thm15="http://schemas.microsoft.com/office/thememl/2012/main" name="Office Theme" id="{62F939B6-93AF-4DB8-9C6B-D6C7DFDC589F}" vid="{4A3C46E8-61CC-4603-A589-7422A47A8E4A}"/>
@@ -6517,6 +6784,8 @@
       </a:bgFillStyleLst>
     </a:fmtScheme>
   </a:themeElements>
+  <a:objectDefaults/>
+  <a:extraClrSchemeLst/>
   <a:extLst>
     <a:ext uri="{05A4C25C-085E-4340-85A3-A5531E510DB2}">
       <thm15:themeFamily xmlns:thm15="http://schemas.microsoft.com/office/thememl/2012/main" name="Office Theme" id="{62F939B6-93AF-4DB8-9C6B-D6C7DFDC589F}" vid="{4A3C46E8-61CC-4603-A589-7422A47A8E4A}"/>
@@ -6776,6 +7045,8 @@
       </a:bgFillStyleLst>
     </a:fmtScheme>
   </a:themeElements>
+  <a:objectDefaults/>
+  <a:extraClrSchemeLst/>
   <a:extLst>
     <a:ext uri="{05A4C25C-085E-4340-85A3-A5531E510DB2}">
       <thm15:themeFamily xmlns:thm15="http://schemas.microsoft.com/office/thememl/2012/main" name="Office Theme" id="{62F939B6-93AF-4DB8-9C6B-D6C7DFDC589F}" vid="{4A3C46E8-61CC-4603-A589-7422A47A8E4A}"/>

--- a/md/软件质量保证插图集合.pptx
+++ b/md/软件质量保证插图集合.pptx
@@ -5,17 +5,18 @@
     <p:sldMasterId id="2147483648" r:id="rId1"/>
   </p:sldMasterIdLst>
   <p:notesMasterIdLst>
-    <p:notesMasterId r:id="rId7"/>
+    <p:notesMasterId r:id="rId9"/>
   </p:notesMasterIdLst>
   <p:handoutMasterIdLst>
-    <p:handoutMasterId r:id="rId8"/>
+    <p:handoutMasterId r:id="rId10"/>
   </p:handoutMasterIdLst>
   <p:sldIdLst>
-    <p:sldId id="409" r:id="rId2"/>
-    <p:sldId id="410" r:id="rId3"/>
-    <p:sldId id="411" r:id="rId4"/>
-    <p:sldId id="412" r:id="rId5"/>
-    <p:sldId id="413" r:id="rId6"/>
+    <p:sldId id="409" r:id="rId3"/>
+    <p:sldId id="410" r:id="rId4"/>
+    <p:sldId id="411" r:id="rId5"/>
+    <p:sldId id="412" r:id="rId6"/>
+    <p:sldId id="413" r:id="rId7"/>
+    <p:sldId id="416" r:id="rId8"/>
   </p:sldIdLst>
   <p:sldSz cx="12192000" cy="6858000"/>
   <p:notesSz cx="6858000" cy="9144000"/>
@@ -114,26 +115,3686 @@
       </a:defRPr>
     </a:lvl9pPr>
   </p:defaultTextStyle>
-  <p:extLst>
-    <p:ext uri="{EFAFB233-063F-42B5-8137-9DF3F51BA10A}">
-      <p15:sldGuideLst xmlns:p15="http://schemas.microsoft.com/office/powerpoint/2012/main">
-        <p15:guide id="1" orient="horz" pos="2160">
-          <p15:clr>
-            <a:srgbClr val="A4A3A4"/>
-          </p15:clr>
-        </p15:guide>
-        <p15:guide id="2" pos="3840">
-          <p15:clr>
-            <a:srgbClr val="A4A3A4"/>
-          </p15:clr>
-        </p15:guide>
-      </p15:sldGuideLst>
-    </p:ext>
-    <p:ext uri="{2D200454-40CA-4A62-9FC3-DE9A4176ACB9}">
-      <p15:notesGuideLst xmlns:p15="http://schemas.microsoft.com/office/powerpoint/2012/main"/>
-    </p:ext>
-  </p:extLst>
 </p:presentation>
+</file>
+
+<file path=ppt/diagrams/colors1.xml><?xml version="1.0" encoding="utf-8"?>
+<dgm:colorsDef xmlns:dgm="http://schemas.openxmlformats.org/drawingml/2006/diagram" xmlns:a="http://schemas.openxmlformats.org/drawingml/2006/main" uniqueId="urn:microsoft.com/office/officeart/2005/8/colors/accent1_2">
+  <dgm:title val=""/>
+  <dgm:desc val=""/>
+  <dgm:catLst>
+    <dgm:cat type="accent1" pri="11200"/>
+  </dgm:catLst>
+  <dgm:styleLbl name="alignAcc1">
+    <dgm:fillClrLst meth="repeat">
+      <a:schemeClr val="lt1">
+        <a:alpha val="90000"/>
+      </a:schemeClr>
+    </dgm:fillClrLst>
+    <dgm:linClrLst meth="repeat">
+      <a:schemeClr val="accent1"/>
+    </dgm:linClrLst>
+    <dgm:effectClrLst/>
+    <dgm:txLinClrLst/>
+    <dgm:txFillClrLst meth="repeat">
+      <a:schemeClr val="dk1"/>
+    </dgm:txFillClrLst>
+    <dgm:txEffectClrLst/>
+  </dgm:styleLbl>
+  <dgm:styleLbl name="alignAccFollowNode1">
+    <dgm:fillClrLst meth="repeat">
+      <a:schemeClr val="accent1">
+        <a:alpha val="90000"/>
+        <a:tint val="40000"/>
+      </a:schemeClr>
+    </dgm:fillClrLst>
+    <dgm:linClrLst meth="repeat">
+      <a:schemeClr val="accent1">
+        <a:alpha val="90000"/>
+        <a:tint val="40000"/>
+      </a:schemeClr>
+    </dgm:linClrLst>
+    <dgm:effectClrLst/>
+    <dgm:txLinClrLst/>
+    <dgm:txFillClrLst meth="repeat">
+      <a:schemeClr val="dk1"/>
+    </dgm:txFillClrLst>
+    <dgm:txEffectClrLst/>
+  </dgm:styleLbl>
+  <dgm:styleLbl name="alignImgPlace1">
+    <dgm:fillClrLst meth="repeat">
+      <a:schemeClr val="accent1">
+        <a:tint val="50000"/>
+      </a:schemeClr>
+    </dgm:fillClrLst>
+    <dgm:linClrLst meth="repeat">
+      <a:schemeClr val="lt1"/>
+    </dgm:linClrLst>
+    <dgm:effectClrLst/>
+    <dgm:txLinClrLst/>
+    <dgm:txFillClrLst meth="repeat">
+      <a:schemeClr val="lt1"/>
+    </dgm:txFillClrLst>
+    <dgm:txEffectClrLst/>
+  </dgm:styleLbl>
+  <dgm:styleLbl name="alignNode1">
+    <dgm:fillClrLst meth="repeat">
+      <a:schemeClr val="accent1"/>
+    </dgm:fillClrLst>
+    <dgm:linClrLst meth="repeat">
+      <a:schemeClr val="accent1"/>
+    </dgm:linClrLst>
+    <dgm:effectClrLst/>
+    <dgm:txLinClrLst/>
+    <dgm:txFillClrLst/>
+    <dgm:txEffectClrLst/>
+  </dgm:styleLbl>
+  <dgm:styleLbl name="asst0">
+    <dgm:fillClrLst meth="repeat">
+      <a:schemeClr val="accent1"/>
+    </dgm:fillClrLst>
+    <dgm:linClrLst meth="repeat">
+      <a:schemeClr val="lt1"/>
+    </dgm:linClrLst>
+    <dgm:effectClrLst/>
+    <dgm:txLinClrLst/>
+    <dgm:txFillClrLst/>
+    <dgm:txEffectClrLst/>
+  </dgm:styleLbl>
+  <dgm:styleLbl name="asst1">
+    <dgm:fillClrLst meth="repeat">
+      <a:schemeClr val="accent1"/>
+    </dgm:fillClrLst>
+    <dgm:linClrLst meth="repeat">
+      <a:schemeClr val="lt1"/>
+    </dgm:linClrLst>
+    <dgm:effectClrLst/>
+    <dgm:txLinClrLst/>
+    <dgm:txFillClrLst/>
+    <dgm:txEffectClrLst/>
+  </dgm:styleLbl>
+  <dgm:styleLbl name="asst2">
+    <dgm:fillClrLst meth="repeat">
+      <a:schemeClr val="accent1"/>
+    </dgm:fillClrLst>
+    <dgm:linClrLst meth="repeat">
+      <a:schemeClr val="lt1"/>
+    </dgm:linClrLst>
+    <dgm:effectClrLst/>
+    <dgm:txLinClrLst/>
+    <dgm:txFillClrLst/>
+    <dgm:txEffectClrLst/>
+  </dgm:styleLbl>
+  <dgm:styleLbl name="asst3">
+    <dgm:fillClrLst meth="repeat">
+      <a:schemeClr val="accent1"/>
+    </dgm:fillClrLst>
+    <dgm:linClrLst meth="repeat">
+      <a:schemeClr val="lt1"/>
+    </dgm:linClrLst>
+    <dgm:effectClrLst/>
+    <dgm:txLinClrLst/>
+    <dgm:txFillClrLst/>
+    <dgm:txEffectClrLst/>
+  </dgm:styleLbl>
+  <dgm:styleLbl name="asst4">
+    <dgm:fillClrLst meth="repeat">
+      <a:schemeClr val="accent1"/>
+    </dgm:fillClrLst>
+    <dgm:linClrLst meth="repeat">
+      <a:schemeClr val="lt1"/>
+    </dgm:linClrLst>
+    <dgm:effectClrLst/>
+    <dgm:txLinClrLst/>
+    <dgm:txFillClrLst/>
+    <dgm:txEffectClrLst/>
+  </dgm:styleLbl>
+  <dgm:styleLbl name="bgAcc1">
+    <dgm:fillClrLst meth="repeat">
+      <a:schemeClr val="lt1">
+        <a:alpha val="90000"/>
+      </a:schemeClr>
+    </dgm:fillClrLst>
+    <dgm:linClrLst meth="repeat">
+      <a:schemeClr val="accent1"/>
+    </dgm:linClrLst>
+    <dgm:effectClrLst/>
+    <dgm:txLinClrLst/>
+    <dgm:txFillClrLst meth="repeat">
+      <a:schemeClr val="dk1"/>
+    </dgm:txFillClrLst>
+    <dgm:txEffectClrLst/>
+  </dgm:styleLbl>
+  <dgm:styleLbl name="bgAccFollowNode1">
+    <dgm:fillClrLst meth="repeat">
+      <a:schemeClr val="accent1">
+        <a:alpha val="90000"/>
+        <a:tint val="40000"/>
+      </a:schemeClr>
+    </dgm:fillClrLst>
+    <dgm:linClrLst meth="repeat">
+      <a:schemeClr val="accent1">
+        <a:alpha val="90000"/>
+        <a:tint val="40000"/>
+      </a:schemeClr>
+    </dgm:linClrLst>
+    <dgm:effectClrLst/>
+    <dgm:txLinClrLst/>
+    <dgm:txFillClrLst meth="repeat">
+      <a:schemeClr val="dk1"/>
+    </dgm:txFillClrLst>
+    <dgm:txEffectClrLst/>
+  </dgm:styleLbl>
+  <dgm:styleLbl name="bgImgPlace1">
+    <dgm:fillClrLst meth="repeat">
+      <a:schemeClr val="accent1">
+        <a:tint val="50000"/>
+      </a:schemeClr>
+    </dgm:fillClrLst>
+    <dgm:linClrLst meth="repeat">
+      <a:schemeClr val="lt1"/>
+    </dgm:linClrLst>
+    <dgm:effectClrLst/>
+    <dgm:txLinClrLst/>
+    <dgm:txFillClrLst meth="repeat">
+      <a:schemeClr val="lt1"/>
+    </dgm:txFillClrLst>
+    <dgm:txEffectClrLst/>
+  </dgm:styleLbl>
+  <dgm:styleLbl name="bgShp">
+    <dgm:fillClrLst meth="repeat">
+      <a:schemeClr val="accent1">
+        <a:tint val="40000"/>
+      </a:schemeClr>
+    </dgm:fillClrLst>
+    <dgm:linClrLst meth="repeat">
+      <a:schemeClr val="accent1"/>
+    </dgm:linClrLst>
+    <dgm:effectClrLst/>
+    <dgm:txLinClrLst/>
+    <dgm:txFillClrLst meth="repeat">
+      <a:schemeClr val="dk1"/>
+    </dgm:txFillClrLst>
+    <dgm:txEffectClrLst/>
+  </dgm:styleLbl>
+  <dgm:styleLbl name="bgSibTrans2D1">
+    <dgm:fillClrLst meth="repeat">
+      <a:schemeClr val="accent1">
+        <a:tint val="60000"/>
+      </a:schemeClr>
+    </dgm:fillClrLst>
+    <dgm:linClrLst meth="repeat">
+      <a:schemeClr val="accent1">
+        <a:tint val="60000"/>
+      </a:schemeClr>
+    </dgm:linClrLst>
+    <dgm:effectClrLst/>
+    <dgm:txLinClrLst/>
+    <dgm:txFillClrLst/>
+    <dgm:txEffectClrLst/>
+  </dgm:styleLbl>
+  <dgm:styleLbl name="callout">
+    <dgm:fillClrLst meth="repeat">
+      <a:schemeClr val="accent1"/>
+    </dgm:fillClrLst>
+    <dgm:linClrLst meth="repeat">
+      <a:schemeClr val="accent1">
+        <a:tint val="50000"/>
+      </a:schemeClr>
+    </dgm:linClrLst>
+    <dgm:effectClrLst/>
+    <dgm:txLinClrLst/>
+    <dgm:txFillClrLst meth="repeat">
+      <a:schemeClr val="tx1"/>
+    </dgm:txFillClrLst>
+    <dgm:txEffectClrLst/>
+  </dgm:styleLbl>
+  <dgm:styleLbl name="conFgAcc1">
+    <dgm:fillClrLst meth="repeat">
+      <a:schemeClr val="lt1">
+        <a:alpha val="90000"/>
+      </a:schemeClr>
+    </dgm:fillClrLst>
+    <dgm:linClrLst meth="repeat">
+      <a:schemeClr val="accent1"/>
+    </dgm:linClrLst>
+    <dgm:effectClrLst/>
+    <dgm:txLinClrLst/>
+    <dgm:txFillClrLst meth="repeat">
+      <a:schemeClr val="dk1"/>
+    </dgm:txFillClrLst>
+    <dgm:txEffectClrLst/>
+  </dgm:styleLbl>
+  <dgm:styleLbl name="dkBgShp">
+    <dgm:fillClrLst meth="repeat">
+      <a:schemeClr val="accent1">
+        <a:shade val="80000"/>
+      </a:schemeClr>
+    </dgm:fillClrLst>
+    <dgm:linClrLst meth="repeat">
+      <a:schemeClr val="accent1"/>
+    </dgm:linClrLst>
+    <dgm:effectClrLst/>
+    <dgm:txLinClrLst/>
+    <dgm:txFillClrLst meth="repeat">
+      <a:schemeClr val="lt1"/>
+    </dgm:txFillClrLst>
+    <dgm:txEffectClrLst/>
+  </dgm:styleLbl>
+  <dgm:styleLbl name="fgAcc0">
+    <dgm:fillClrLst meth="repeat">
+      <a:schemeClr val="lt1">
+        <a:alpha val="90000"/>
+      </a:schemeClr>
+    </dgm:fillClrLst>
+    <dgm:linClrLst meth="repeat">
+      <a:schemeClr val="accent1"/>
+    </dgm:linClrLst>
+    <dgm:effectClrLst/>
+    <dgm:txLinClrLst/>
+    <dgm:txFillClrLst meth="repeat">
+      <a:schemeClr val="dk1"/>
+    </dgm:txFillClrLst>
+    <dgm:txEffectClrLst/>
+  </dgm:styleLbl>
+  <dgm:styleLbl name="fgAcc1">
+    <dgm:fillClrLst meth="repeat">
+      <a:schemeClr val="lt1">
+        <a:alpha val="90000"/>
+      </a:schemeClr>
+    </dgm:fillClrLst>
+    <dgm:linClrLst meth="repeat">
+      <a:schemeClr val="accent1"/>
+    </dgm:linClrLst>
+    <dgm:effectClrLst/>
+    <dgm:txLinClrLst/>
+    <dgm:txFillClrLst meth="repeat">
+      <a:schemeClr val="dk1"/>
+    </dgm:txFillClrLst>
+    <dgm:txEffectClrLst/>
+  </dgm:styleLbl>
+  <dgm:styleLbl name="fgAcc2">
+    <dgm:fillClrLst meth="repeat">
+      <a:schemeClr val="lt1">
+        <a:alpha val="90000"/>
+      </a:schemeClr>
+    </dgm:fillClrLst>
+    <dgm:linClrLst meth="repeat">
+      <a:schemeClr val="accent1"/>
+    </dgm:linClrLst>
+    <dgm:effectClrLst/>
+    <dgm:txLinClrLst/>
+    <dgm:txFillClrLst meth="repeat">
+      <a:schemeClr val="dk1"/>
+    </dgm:txFillClrLst>
+    <dgm:txEffectClrLst/>
+  </dgm:styleLbl>
+  <dgm:styleLbl name="fgAcc3">
+    <dgm:fillClrLst meth="repeat">
+      <a:schemeClr val="lt1">
+        <a:alpha val="90000"/>
+      </a:schemeClr>
+    </dgm:fillClrLst>
+    <dgm:linClrLst meth="repeat">
+      <a:schemeClr val="accent1"/>
+    </dgm:linClrLst>
+    <dgm:effectClrLst/>
+    <dgm:txLinClrLst/>
+    <dgm:txFillClrLst meth="repeat">
+      <a:schemeClr val="dk1"/>
+    </dgm:txFillClrLst>
+    <dgm:txEffectClrLst/>
+  </dgm:styleLbl>
+  <dgm:styleLbl name="fgAcc4">
+    <dgm:fillClrLst meth="repeat">
+      <a:schemeClr val="lt1">
+        <a:alpha val="90000"/>
+      </a:schemeClr>
+    </dgm:fillClrLst>
+    <dgm:linClrLst meth="repeat">
+      <a:schemeClr val="accent1"/>
+    </dgm:linClrLst>
+    <dgm:effectClrLst/>
+    <dgm:txLinClrLst/>
+    <dgm:txFillClrLst meth="repeat">
+      <a:schemeClr val="dk1"/>
+    </dgm:txFillClrLst>
+    <dgm:txEffectClrLst/>
+  </dgm:styleLbl>
+  <dgm:styleLbl name="fgAccFollowNode1">
+    <dgm:fillClrLst meth="repeat">
+      <a:schemeClr val="accent1">
+        <a:alpha val="90000"/>
+        <a:tint val="40000"/>
+      </a:schemeClr>
+    </dgm:fillClrLst>
+    <dgm:linClrLst meth="repeat">
+      <a:schemeClr val="accent1">
+        <a:alpha val="90000"/>
+        <a:tint val="40000"/>
+      </a:schemeClr>
+    </dgm:linClrLst>
+    <dgm:effectClrLst/>
+    <dgm:txLinClrLst/>
+    <dgm:txFillClrLst meth="repeat">
+      <a:schemeClr val="dk1"/>
+    </dgm:txFillClrLst>
+    <dgm:txEffectClrLst/>
+  </dgm:styleLbl>
+  <dgm:styleLbl name="fgImgPlace1">
+    <dgm:fillClrLst meth="repeat">
+      <a:schemeClr val="accent1">
+        <a:tint val="50000"/>
+      </a:schemeClr>
+    </dgm:fillClrLst>
+    <dgm:linClrLst meth="repeat">
+      <a:schemeClr val="lt1"/>
+    </dgm:linClrLst>
+    <dgm:effectClrLst/>
+    <dgm:txLinClrLst/>
+    <dgm:txFillClrLst meth="repeat">
+      <a:schemeClr val="lt1"/>
+    </dgm:txFillClrLst>
+    <dgm:txEffectClrLst/>
+  </dgm:styleLbl>
+  <dgm:styleLbl name="fgShp">
+    <dgm:fillClrLst meth="repeat">
+      <a:schemeClr val="accent1">
+        <a:tint val="60000"/>
+      </a:schemeClr>
+    </dgm:fillClrLst>
+    <dgm:linClrLst meth="repeat">
+      <a:schemeClr val="lt1"/>
+    </dgm:linClrLst>
+    <dgm:effectClrLst/>
+    <dgm:txLinClrLst/>
+    <dgm:txFillClrLst meth="repeat">
+      <a:schemeClr val="dk1"/>
+    </dgm:txFillClrLst>
+    <dgm:txEffectClrLst/>
+  </dgm:styleLbl>
+  <dgm:styleLbl name="fgSibTrans2D1">
+    <dgm:fillClrLst meth="repeat">
+      <a:schemeClr val="accent1">
+        <a:tint val="60000"/>
+      </a:schemeClr>
+    </dgm:fillClrLst>
+    <dgm:linClrLst meth="repeat">
+      <a:schemeClr val="accent1">
+        <a:tint val="60000"/>
+      </a:schemeClr>
+    </dgm:linClrLst>
+    <dgm:effectClrLst/>
+    <dgm:txLinClrLst/>
+    <dgm:txFillClrLst/>
+    <dgm:txEffectClrLst/>
+  </dgm:styleLbl>
+  <dgm:styleLbl name="lnNode1">
+    <dgm:fillClrLst meth="repeat">
+      <a:schemeClr val="accent1"/>
+    </dgm:fillClrLst>
+    <dgm:linClrLst meth="repeat">
+      <a:schemeClr val="lt1"/>
+    </dgm:linClrLst>
+    <dgm:effectClrLst/>
+    <dgm:txLinClrLst/>
+    <dgm:txFillClrLst/>
+    <dgm:txEffectClrLst/>
+  </dgm:styleLbl>
+  <dgm:styleLbl name="node0">
+    <dgm:fillClrLst meth="repeat">
+      <a:schemeClr val="accent1"/>
+    </dgm:fillClrLst>
+    <dgm:linClrLst meth="repeat">
+      <a:schemeClr val="lt1"/>
+    </dgm:linClrLst>
+    <dgm:effectClrLst/>
+    <dgm:txLinClrLst/>
+    <dgm:txFillClrLst/>
+    <dgm:txEffectClrLst/>
+  </dgm:styleLbl>
+  <dgm:styleLbl name="node1">
+    <dgm:fillClrLst meth="repeat">
+      <a:schemeClr val="accent1"/>
+    </dgm:fillClrLst>
+    <dgm:linClrLst meth="repeat">
+      <a:schemeClr val="lt1"/>
+    </dgm:linClrLst>
+    <dgm:effectClrLst/>
+    <dgm:txLinClrLst/>
+    <dgm:txFillClrLst/>
+    <dgm:txEffectClrLst/>
+  </dgm:styleLbl>
+  <dgm:styleLbl name="node2">
+    <dgm:fillClrLst meth="repeat">
+      <a:schemeClr val="accent1"/>
+    </dgm:fillClrLst>
+    <dgm:linClrLst meth="repeat">
+      <a:schemeClr val="lt1"/>
+    </dgm:linClrLst>
+    <dgm:effectClrLst/>
+    <dgm:txLinClrLst/>
+    <dgm:txFillClrLst/>
+    <dgm:txEffectClrLst/>
+  </dgm:styleLbl>
+  <dgm:styleLbl name="node3">
+    <dgm:fillClrLst meth="repeat">
+      <a:schemeClr val="accent1"/>
+    </dgm:fillClrLst>
+    <dgm:linClrLst meth="repeat">
+      <a:schemeClr val="lt1"/>
+    </dgm:linClrLst>
+    <dgm:effectClrLst/>
+    <dgm:txLinClrLst/>
+    <dgm:txFillClrLst/>
+    <dgm:txEffectClrLst/>
+  </dgm:styleLbl>
+  <dgm:styleLbl name="node4">
+    <dgm:fillClrLst meth="repeat">
+      <a:schemeClr val="accent1"/>
+    </dgm:fillClrLst>
+    <dgm:linClrLst meth="repeat">
+      <a:schemeClr val="lt1"/>
+    </dgm:linClrLst>
+    <dgm:effectClrLst/>
+    <dgm:txLinClrLst/>
+    <dgm:txFillClrLst/>
+    <dgm:txEffectClrLst/>
+  </dgm:styleLbl>
+  <dgm:styleLbl name="parChTrans1D1">
+    <dgm:fillClrLst meth="repeat">
+      <a:schemeClr val="accent1"/>
+    </dgm:fillClrLst>
+    <dgm:linClrLst meth="repeat">
+      <a:schemeClr val="accent1">
+        <a:shade val="60000"/>
+      </a:schemeClr>
+    </dgm:linClrLst>
+    <dgm:effectClrLst/>
+    <dgm:txLinClrLst/>
+    <dgm:txFillClrLst meth="repeat">
+      <a:schemeClr val="tx1"/>
+    </dgm:txFillClrLst>
+    <dgm:txEffectClrLst/>
+  </dgm:styleLbl>
+  <dgm:styleLbl name="parChTrans1D2">
+    <dgm:fillClrLst meth="repeat">
+      <a:schemeClr val="accent1"/>
+    </dgm:fillClrLst>
+    <dgm:linClrLst meth="repeat">
+      <a:schemeClr val="accent1">
+        <a:shade val="60000"/>
+      </a:schemeClr>
+    </dgm:linClrLst>
+    <dgm:effectClrLst/>
+    <dgm:txLinClrLst/>
+    <dgm:txFillClrLst meth="repeat">
+      <a:schemeClr val="tx1"/>
+    </dgm:txFillClrLst>
+    <dgm:txEffectClrLst/>
+  </dgm:styleLbl>
+  <dgm:styleLbl name="parChTrans1D3">
+    <dgm:fillClrLst meth="repeat">
+      <a:schemeClr val="accent1"/>
+    </dgm:fillClrLst>
+    <dgm:linClrLst meth="repeat">
+      <a:schemeClr val="accent1">
+        <a:shade val="80000"/>
+      </a:schemeClr>
+    </dgm:linClrLst>
+    <dgm:effectClrLst/>
+    <dgm:txLinClrLst/>
+    <dgm:txFillClrLst meth="repeat">
+      <a:schemeClr val="tx1"/>
+    </dgm:txFillClrLst>
+    <dgm:txEffectClrLst/>
+  </dgm:styleLbl>
+  <dgm:styleLbl name="parChTrans1D4">
+    <dgm:fillClrLst meth="repeat">
+      <a:schemeClr val="accent1"/>
+    </dgm:fillClrLst>
+    <dgm:linClrLst meth="repeat">
+      <a:schemeClr val="accent1">
+        <a:shade val="80000"/>
+      </a:schemeClr>
+    </dgm:linClrLst>
+    <dgm:effectClrLst/>
+    <dgm:txLinClrLst/>
+    <dgm:txFillClrLst meth="repeat">
+      <a:schemeClr val="tx1"/>
+    </dgm:txFillClrLst>
+    <dgm:txEffectClrLst/>
+  </dgm:styleLbl>
+  <dgm:styleLbl name="parChTrans2D1">
+    <dgm:fillClrLst meth="repeat">
+      <a:schemeClr val="accent1">
+        <a:tint val="60000"/>
+      </a:schemeClr>
+    </dgm:fillClrLst>
+    <dgm:linClrLst meth="repeat">
+      <a:schemeClr val="accent1">
+        <a:tint val="60000"/>
+      </a:schemeClr>
+    </dgm:linClrLst>
+    <dgm:effectClrLst/>
+    <dgm:txLinClrLst/>
+    <dgm:txFillClrLst meth="repeat">
+      <a:schemeClr val="lt1"/>
+    </dgm:txFillClrLst>
+    <dgm:txEffectClrLst/>
+  </dgm:styleLbl>
+  <dgm:styleLbl name="parChTrans2D2">
+    <dgm:fillClrLst meth="repeat">
+      <a:schemeClr val="accent1"/>
+    </dgm:fillClrLst>
+    <dgm:linClrLst meth="repeat">
+      <a:schemeClr val="accent1"/>
+    </dgm:linClrLst>
+    <dgm:effectClrLst/>
+    <dgm:txLinClrLst/>
+    <dgm:txFillClrLst meth="repeat">
+      <a:schemeClr val="lt1"/>
+    </dgm:txFillClrLst>
+    <dgm:txEffectClrLst/>
+  </dgm:styleLbl>
+  <dgm:styleLbl name="parChTrans2D3">
+    <dgm:fillClrLst meth="repeat">
+      <a:schemeClr val="accent1"/>
+    </dgm:fillClrLst>
+    <dgm:linClrLst meth="repeat">
+      <a:schemeClr val="accent1"/>
+    </dgm:linClrLst>
+    <dgm:effectClrLst/>
+    <dgm:txLinClrLst/>
+    <dgm:txFillClrLst meth="repeat">
+      <a:schemeClr val="lt1"/>
+    </dgm:txFillClrLst>
+    <dgm:txEffectClrLst/>
+  </dgm:styleLbl>
+  <dgm:styleLbl name="parChTrans2D4">
+    <dgm:fillClrLst meth="repeat">
+      <a:schemeClr val="accent1"/>
+    </dgm:fillClrLst>
+    <dgm:linClrLst meth="repeat">
+      <a:schemeClr val="accent1"/>
+    </dgm:linClrLst>
+    <dgm:effectClrLst/>
+    <dgm:txLinClrLst/>
+    <dgm:txFillClrLst meth="repeat">
+      <a:schemeClr val="lt1"/>
+    </dgm:txFillClrLst>
+    <dgm:txEffectClrLst/>
+  </dgm:styleLbl>
+  <dgm:styleLbl name="revTx">
+    <dgm:fillClrLst meth="repeat">
+      <a:schemeClr val="lt1">
+        <a:alpha val="0"/>
+      </a:schemeClr>
+    </dgm:fillClrLst>
+    <dgm:linClrLst meth="repeat">
+      <a:schemeClr val="dk1">
+        <a:alpha val="0"/>
+      </a:schemeClr>
+    </dgm:linClrLst>
+    <dgm:effectClrLst/>
+    <dgm:txLinClrLst/>
+    <dgm:txFillClrLst meth="repeat">
+      <a:schemeClr val="tx1"/>
+    </dgm:txFillClrLst>
+    <dgm:txEffectClrLst/>
+  </dgm:styleLbl>
+  <dgm:styleLbl name="sibTrans1D1">
+    <dgm:fillClrLst meth="repeat">
+      <a:schemeClr val="accent1"/>
+    </dgm:fillClrLst>
+    <dgm:linClrLst meth="repeat">
+      <a:schemeClr val="accent1"/>
+    </dgm:linClrLst>
+    <dgm:effectClrLst/>
+    <dgm:txLinClrLst/>
+    <dgm:txFillClrLst meth="repeat">
+      <a:schemeClr val="tx1"/>
+    </dgm:txFillClrLst>
+    <dgm:txEffectClrLst/>
+  </dgm:styleLbl>
+  <dgm:styleLbl name="sibTrans2D1">
+    <dgm:fillClrLst meth="repeat">
+      <a:schemeClr val="accent1">
+        <a:tint val="60000"/>
+      </a:schemeClr>
+    </dgm:fillClrLst>
+    <dgm:linClrLst meth="repeat">
+      <a:schemeClr val="accent1">
+        <a:tint val="60000"/>
+      </a:schemeClr>
+    </dgm:linClrLst>
+    <dgm:effectClrLst/>
+    <dgm:txLinClrLst/>
+    <dgm:txFillClrLst/>
+    <dgm:txEffectClrLst/>
+  </dgm:styleLbl>
+  <dgm:styleLbl name="solidAlignAcc1">
+    <dgm:fillClrLst meth="repeat">
+      <a:schemeClr val="lt1"/>
+    </dgm:fillClrLst>
+    <dgm:linClrLst meth="repeat">
+      <a:schemeClr val="accent1"/>
+    </dgm:linClrLst>
+    <dgm:effectClrLst/>
+    <dgm:txLinClrLst/>
+    <dgm:txFillClrLst meth="repeat">
+      <a:schemeClr val="dk1"/>
+    </dgm:txFillClrLst>
+    <dgm:txEffectClrLst/>
+  </dgm:styleLbl>
+  <dgm:styleLbl name="solidBgAcc1">
+    <dgm:fillClrLst meth="repeat">
+      <a:schemeClr val="lt1"/>
+    </dgm:fillClrLst>
+    <dgm:linClrLst meth="repeat">
+      <a:schemeClr val="accent1"/>
+    </dgm:linClrLst>
+    <dgm:effectClrLst/>
+    <dgm:txLinClrLst/>
+    <dgm:txFillClrLst meth="repeat">
+      <a:schemeClr val="dk1"/>
+    </dgm:txFillClrLst>
+    <dgm:txEffectClrLst/>
+  </dgm:styleLbl>
+  <dgm:styleLbl name="solidFgAcc1">
+    <dgm:fillClrLst meth="repeat">
+      <a:schemeClr val="lt1"/>
+    </dgm:fillClrLst>
+    <dgm:linClrLst meth="repeat">
+      <a:schemeClr val="accent1"/>
+    </dgm:linClrLst>
+    <dgm:effectClrLst/>
+    <dgm:txLinClrLst/>
+    <dgm:txFillClrLst meth="repeat">
+      <a:schemeClr val="dk1"/>
+    </dgm:txFillClrLst>
+    <dgm:txEffectClrLst/>
+  </dgm:styleLbl>
+  <dgm:styleLbl name="trAlignAcc1">
+    <dgm:fillClrLst meth="repeat">
+      <a:schemeClr val="lt1">
+        <a:alpha val="40000"/>
+      </a:schemeClr>
+    </dgm:fillClrLst>
+    <dgm:linClrLst meth="repeat">
+      <a:schemeClr val="accent1"/>
+    </dgm:linClrLst>
+    <dgm:effectClrLst/>
+    <dgm:txLinClrLst/>
+    <dgm:txFillClrLst meth="repeat">
+      <a:schemeClr val="dk1"/>
+    </dgm:txFillClrLst>
+    <dgm:txEffectClrLst/>
+  </dgm:styleLbl>
+  <dgm:styleLbl name="trBgShp">
+    <dgm:fillClrLst meth="repeat">
+      <a:schemeClr val="accent1">
+        <a:tint val="50000"/>
+        <a:alpha val="40000"/>
+      </a:schemeClr>
+    </dgm:fillClrLst>
+    <dgm:linClrLst meth="repeat">
+      <a:schemeClr val="accent1"/>
+    </dgm:linClrLst>
+    <dgm:effectClrLst/>
+    <dgm:txLinClrLst/>
+    <dgm:txFillClrLst meth="repeat">
+      <a:schemeClr val="lt1"/>
+    </dgm:txFillClrLst>
+    <dgm:txEffectClrLst/>
+  </dgm:styleLbl>
+  <dgm:styleLbl name="vennNode1">
+    <dgm:fillClrLst meth="repeat">
+      <a:schemeClr val="accent1">
+        <a:alpha val="50000"/>
+      </a:schemeClr>
+    </dgm:fillClrLst>
+    <dgm:linClrLst meth="repeat">
+      <a:schemeClr val="lt1"/>
+    </dgm:linClrLst>
+    <dgm:effectClrLst/>
+    <dgm:txLinClrLst/>
+    <dgm:txFillClrLst/>
+    <dgm:txEffectClrLst/>
+  </dgm:styleLbl>
+</dgm:colorsDef>
+</file>
+
+<file path=ppt/diagrams/data1.xml><?xml version="1.0" encoding="utf-8"?>
+<dgm:dataModel xmlns:dgm="http://schemas.openxmlformats.org/drawingml/2006/diagram" xmlns:a="http://schemas.openxmlformats.org/drawingml/2006/main">
+  <dgm:ptLst>
+    <dgm:pt modelId="{D9D7BF96-BE9E-46E2-8D55-6E8BDDC32DAE}" type="doc">
+      <dgm:prSet loTypeId="urn:microsoft.com/office/officeart/2005/8/layout/process3" loCatId="process" qsTypeId="urn:microsoft.com/office/officeart/2005/8/quickstyle/simple5" qsCatId="simple" csTypeId="urn:microsoft.com/office/officeart/2005/8/colors/accent1_2" csCatId="accent1" phldr="0"/>
+      <dgm:spPr/>
+      <dgm:t>
+        <a:bodyPr/>
+        <a:p>
+          <a:endParaRPr lang="zh-CN" altLang="en-US"/>
+        </a:p>
+      </dgm:t>
+    </dgm:pt>
+    <dgm:pt modelId="{AC6B50A2-A719-40F2-A025-D428F4ED7AF7}">
+      <dgm:prSet phldrT="[文本]" phldr="1"/>
+      <dgm:spPr/>
+      <dgm:t>
+        <a:bodyPr/>
+        <a:p>
+          <a:endParaRPr lang="zh-CN" altLang="en-US"/>
+        </a:p>
+      </dgm:t>
+    </dgm:pt>
+    <dgm:pt modelId="{CA8D0332-16E7-482E-9342-B84A5B6AB1E4}" cxnId="{C7F5FCA3-65B4-44C8-B7EC-6822646773B3}" type="parTrans">
+      <dgm:prSet/>
+      <dgm:spPr/>
+      <dgm:t>
+        <a:bodyPr/>
+        <a:p>
+          <a:endParaRPr lang="zh-CN" altLang="en-US"/>
+        </a:p>
+      </dgm:t>
+    </dgm:pt>
+    <dgm:pt modelId="{90A52E01-7D27-4B54-9739-4258B1F7A655}" cxnId="{C7F5FCA3-65B4-44C8-B7EC-6822646773B3}" type="sibTrans">
+      <dgm:prSet/>
+      <dgm:spPr/>
+      <dgm:t>
+        <a:bodyPr/>
+        <a:p>
+          <a:endParaRPr lang="zh-CN" altLang="en-US"/>
+        </a:p>
+      </dgm:t>
+    </dgm:pt>
+    <dgm:pt modelId="{65F927D4-D7F1-4982-AC1F-B5F18269B929}">
+      <dgm:prSet phldrT="[文本]" phldr="1"/>
+      <dgm:spPr/>
+      <dgm:t>
+        <a:bodyPr/>
+        <a:p>
+          <a:endParaRPr lang="zh-CN" altLang="en-US"/>
+        </a:p>
+      </dgm:t>
+    </dgm:pt>
+    <dgm:pt modelId="{C9B16F22-83D1-4297-A902-69664AD8C3E2}" cxnId="{30E1F745-0251-4AD1-BF20-B3AFCC4D5548}" type="parTrans">
+      <dgm:prSet/>
+      <dgm:spPr/>
+      <dgm:t>
+        <a:bodyPr/>
+        <a:p>
+          <a:endParaRPr lang="zh-CN" altLang="en-US"/>
+        </a:p>
+      </dgm:t>
+    </dgm:pt>
+    <dgm:pt modelId="{05162CEF-0ED0-483E-A0C3-3EE6FC938A4C}" cxnId="{30E1F745-0251-4AD1-BF20-B3AFCC4D5548}" type="sibTrans">
+      <dgm:prSet/>
+      <dgm:spPr/>
+      <dgm:t>
+        <a:bodyPr/>
+        <a:p>
+          <a:endParaRPr lang="zh-CN" altLang="en-US"/>
+        </a:p>
+      </dgm:t>
+    </dgm:pt>
+    <dgm:pt modelId="{FEA4C648-AE26-44E3-8030-8A6318A97E0D}">
+      <dgm:prSet/>
+      <dgm:spPr/>
+      <dgm:t>
+        <a:bodyPr/>
+        <a:p>
+          <a:endParaRPr altLang="en-US"/>
+        </a:p>
+      </dgm:t>
+    </dgm:pt>
+    <dgm:pt modelId="{183A699C-1FE6-4F7F-BEA5-694F9A5FB223}" cxnId="{9A341219-1B25-4123-AF13-50D40ABC0612}" type="parTrans">
+      <dgm:prSet/>
+      <dgm:spPr/>
+    </dgm:pt>
+    <dgm:pt modelId="{F0F01A1D-4ECF-49FD-B5BB-2AF20CDE48D6}" cxnId="{9A341219-1B25-4123-AF13-50D40ABC0612}" type="sibTrans">
+      <dgm:prSet/>
+      <dgm:spPr/>
+    </dgm:pt>
+    <dgm:pt modelId="{0FF6E3F7-391B-475F-A4CD-F3EA4F638F0C}">
+      <dgm:prSet/>
+      <dgm:spPr/>
+      <dgm:t>
+        <a:bodyPr/>
+        <a:p>
+          <a:endParaRPr altLang="en-US"/>
+        </a:p>
+      </dgm:t>
+    </dgm:pt>
+    <dgm:pt modelId="{D766262E-7910-4298-AF39-DDD8B78F588E}" cxnId="{A7B68F58-2E98-4911-9B60-3AD24F600D92}" type="parTrans">
+      <dgm:prSet/>
+      <dgm:spPr/>
+    </dgm:pt>
+    <dgm:pt modelId="{80C5992B-CC70-4950-A7BB-562ED5F8613D}" cxnId="{A7B68F58-2E98-4911-9B60-3AD24F600D92}" type="sibTrans">
+      <dgm:prSet/>
+      <dgm:spPr/>
+    </dgm:pt>
+    <dgm:pt modelId="{4063E92F-EF63-4941-A01A-382F576CE1C0}">
+      <dgm:prSet phldrT="[文本]" phldr="1"/>
+      <dgm:spPr/>
+      <dgm:t>
+        <a:bodyPr/>
+        <a:p>
+          <a:endParaRPr lang="zh-CN" altLang="en-US"/>
+        </a:p>
+      </dgm:t>
+    </dgm:pt>
+    <dgm:pt modelId="{A5CA5D61-00C1-4E45-8F42-D1FDF0647EC5}" cxnId="{FD3223E4-158F-491C-B951-81FB507B3F68}" type="parTrans">
+      <dgm:prSet/>
+      <dgm:spPr/>
+      <dgm:t>
+        <a:bodyPr/>
+        <a:p>
+          <a:endParaRPr lang="zh-CN" altLang="en-US"/>
+        </a:p>
+      </dgm:t>
+    </dgm:pt>
+    <dgm:pt modelId="{805FEA0E-556F-4342-BBA0-B0908DC92DA2}" cxnId="{FD3223E4-158F-491C-B951-81FB507B3F68}" type="sibTrans">
+      <dgm:prSet/>
+      <dgm:spPr/>
+      <dgm:t>
+        <a:bodyPr/>
+        <a:p>
+          <a:endParaRPr lang="zh-CN" altLang="en-US"/>
+        </a:p>
+      </dgm:t>
+    </dgm:pt>
+    <dgm:pt modelId="{9F90E17E-D5B8-4493-81C7-6BA6A294E0F3}">
+      <dgm:prSet phldrT="[文本]" phldr="1"/>
+      <dgm:spPr/>
+      <dgm:t>
+        <a:bodyPr/>
+        <a:p>
+          <a:endParaRPr lang="zh-CN" altLang="en-US"/>
+        </a:p>
+      </dgm:t>
+    </dgm:pt>
+    <dgm:pt modelId="{DA9881DA-8597-4D4C-984B-159444123D63}" cxnId="{B8BDA5CE-CB54-40BB-B202-37EDA7AA6EFC}" type="parTrans">
+      <dgm:prSet/>
+      <dgm:spPr/>
+      <dgm:t>
+        <a:bodyPr/>
+        <a:p>
+          <a:endParaRPr lang="zh-CN" altLang="en-US"/>
+        </a:p>
+      </dgm:t>
+    </dgm:pt>
+    <dgm:pt modelId="{E43E321E-C2A1-4DAD-9F35-C04C232EC0A3}" cxnId="{B8BDA5CE-CB54-40BB-B202-37EDA7AA6EFC}" type="sibTrans">
+      <dgm:prSet/>
+      <dgm:spPr/>
+      <dgm:t>
+        <a:bodyPr/>
+        <a:p>
+          <a:endParaRPr lang="zh-CN" altLang="en-US"/>
+        </a:p>
+      </dgm:t>
+    </dgm:pt>
+    <dgm:pt modelId="{17FA48D7-57D5-4407-BDCA-3A8744ACC348}">
+      <dgm:prSet phldrT="[文本]" phldr="1"/>
+      <dgm:spPr/>
+      <dgm:t>
+        <a:bodyPr/>
+        <a:p>
+          <a:endParaRPr lang="zh-CN" altLang="en-US"/>
+        </a:p>
+      </dgm:t>
+    </dgm:pt>
+    <dgm:pt modelId="{2A089BA2-5E83-43ED-9D96-11C83CD15C65}" cxnId="{CAEB17AA-4365-4292-8EDB-8628862E7759}" type="parTrans">
+      <dgm:prSet/>
+      <dgm:spPr/>
+      <dgm:t>
+        <a:bodyPr/>
+        <a:p>
+          <a:endParaRPr lang="zh-CN" altLang="en-US"/>
+        </a:p>
+      </dgm:t>
+    </dgm:pt>
+    <dgm:pt modelId="{4383F0BC-0D83-48CE-B1F6-711566ABE98F}" cxnId="{CAEB17AA-4365-4292-8EDB-8628862E7759}" type="sibTrans">
+      <dgm:prSet/>
+      <dgm:spPr/>
+      <dgm:t>
+        <a:bodyPr/>
+        <a:p>
+          <a:endParaRPr lang="zh-CN" altLang="en-US"/>
+        </a:p>
+      </dgm:t>
+    </dgm:pt>
+    <dgm:pt modelId="{60A5E316-DBCD-46FA-A96F-5F85A99184D7}">
+      <dgm:prSet phldrT="[文本]" phldr="1"/>
+      <dgm:spPr/>
+      <dgm:t>
+        <a:bodyPr/>
+        <a:p>
+          <a:endParaRPr lang="zh-CN" altLang="en-US"/>
+        </a:p>
+      </dgm:t>
+    </dgm:pt>
+    <dgm:pt modelId="{F0E5B90A-FF5C-4AA9-B7DF-2EDF2654CFB9}" cxnId="{98448F52-5679-4EAB-8446-D036B4E14D7D}" type="parTrans">
+      <dgm:prSet/>
+      <dgm:spPr/>
+      <dgm:t>
+        <a:bodyPr/>
+        <a:p>
+          <a:endParaRPr lang="zh-CN" altLang="en-US"/>
+        </a:p>
+      </dgm:t>
+    </dgm:pt>
+    <dgm:pt modelId="{B0B06B31-636B-447E-A647-C07BB9602269}" cxnId="{98448F52-5679-4EAB-8446-D036B4E14D7D}" type="sibTrans">
+      <dgm:prSet/>
+      <dgm:spPr/>
+      <dgm:t>
+        <a:bodyPr/>
+        <a:p>
+          <a:endParaRPr lang="zh-CN" altLang="en-US"/>
+        </a:p>
+      </dgm:t>
+    </dgm:pt>
+    <dgm:pt modelId="{F3555292-3C89-4C4F-B4D0-0FA2ACFFACE8}" type="pres">
+      <dgm:prSet presAssocID="{D9D7BF96-BE9E-46E2-8D55-6E8BDDC32DAE}" presName="linearFlow" presStyleCnt="0">
+        <dgm:presLayoutVars>
+          <dgm:dir/>
+          <dgm:animLvl val="lvl"/>
+          <dgm:resizeHandles val="exact"/>
+        </dgm:presLayoutVars>
+      </dgm:prSet>
+      <dgm:spPr/>
+    </dgm:pt>
+    <dgm:pt modelId="{79D35C4A-2DDE-4255-A36A-ADCDCA47CC6C}" type="pres">
+      <dgm:prSet presAssocID="{AC6B50A2-A719-40F2-A025-D428F4ED7AF7}" presName="composite" presStyleCnt="0"/>
+      <dgm:spPr/>
+    </dgm:pt>
+    <dgm:pt modelId="{B86100E6-FA30-4C22-BB39-BB56D8302BB8}" type="pres">
+      <dgm:prSet presAssocID="{AC6B50A2-A719-40F2-A025-D428F4ED7AF7}" presName="parTx" presStyleCnt="0">
+        <dgm:presLayoutVars>
+          <dgm:chMax val="0"/>
+          <dgm:chPref val="0"/>
+          <dgm:bulletEnabled val="1"/>
+        </dgm:presLayoutVars>
+      </dgm:prSet>
+      <dgm:spPr/>
+    </dgm:pt>
+    <dgm:pt modelId="{E74B0135-3D37-42AD-9C7C-5E6A5C184B2C}" type="pres">
+      <dgm:prSet presAssocID="{AC6B50A2-A719-40F2-A025-D428F4ED7AF7}" presName="parSh" presStyleLbl="node1" presStyleIdx="0" presStyleCnt="5"/>
+      <dgm:spPr/>
+    </dgm:pt>
+    <dgm:pt modelId="{001A35F5-21FE-42CC-AB17-5CF1D5339814}" type="pres">
+      <dgm:prSet presAssocID="{AC6B50A2-A719-40F2-A025-D428F4ED7AF7}" presName="desTx" presStyleLbl="fgAcc1" presStyleIdx="0" presStyleCnt="5">
+        <dgm:presLayoutVars>
+          <dgm:bulletEnabled val="1"/>
+        </dgm:presLayoutVars>
+      </dgm:prSet>
+      <dgm:spPr/>
+    </dgm:pt>
+    <dgm:pt modelId="{B6B4705E-C06A-4375-BD9F-C3441DAF21BE}" type="pres">
+      <dgm:prSet presAssocID="{90A52E01-7D27-4B54-9739-4258B1F7A655}" presName="sibTrans" presStyleLbl="sibTrans2D1" presStyleIdx="0" presStyleCnt="4"/>
+      <dgm:spPr/>
+    </dgm:pt>
+    <dgm:pt modelId="{ED62B532-DB81-4F8C-8542-7A394D40EFE0}" type="pres">
+      <dgm:prSet presAssocID="{90A52E01-7D27-4B54-9739-4258B1F7A655}" presName="connTx" presStyleCnt="0"/>
+      <dgm:spPr/>
+    </dgm:pt>
+    <dgm:pt modelId="{77936D2B-F822-4CF4-B3B7-1F68E98413EB}" type="pres">
+      <dgm:prSet presAssocID="{FEA4C648-AE26-44E3-8030-8A6318A97E0D}" presName="composite" presStyleCnt="0"/>
+      <dgm:spPr/>
+    </dgm:pt>
+    <dgm:pt modelId="{6E36B0E0-5FA2-4B4B-8D8C-172BAF32CF88}" type="pres">
+      <dgm:prSet presAssocID="{FEA4C648-AE26-44E3-8030-8A6318A97E0D}" presName="parTx" presStyleCnt="0">
+        <dgm:presLayoutVars>
+          <dgm:chMax val="0"/>
+          <dgm:chPref val="0"/>
+          <dgm:bulletEnabled val="1"/>
+        </dgm:presLayoutVars>
+      </dgm:prSet>
+      <dgm:spPr/>
+    </dgm:pt>
+    <dgm:pt modelId="{20A85413-374F-4D92-A239-7120C71CE18B}" type="pres">
+      <dgm:prSet presAssocID="{FEA4C648-AE26-44E3-8030-8A6318A97E0D}" presName="parSh" presStyleLbl="node1" presStyleIdx="1" presStyleCnt="5"/>
+      <dgm:spPr/>
+    </dgm:pt>
+    <dgm:pt modelId="{9833AEF3-844F-474A-B479-91C89ACE8135}" type="pres">
+      <dgm:prSet presAssocID="{FEA4C648-AE26-44E3-8030-8A6318A97E0D}" presName="desTx" presStyleLbl="fgAcc1" presStyleIdx="1" presStyleCnt="5">
+        <dgm:presLayoutVars>
+          <dgm:bulletEnabled val="1"/>
+        </dgm:presLayoutVars>
+      </dgm:prSet>
+      <dgm:spPr/>
+    </dgm:pt>
+    <dgm:pt modelId="{4017AD73-4953-4B56-B4E2-5D84909840A5}" type="pres">
+      <dgm:prSet presAssocID="{F0F01A1D-4ECF-49FD-B5BB-2AF20CDE48D6}" presName="sibTrans" presStyleLbl="sibTrans2D1" presStyleIdx="1" presStyleCnt="4"/>
+      <dgm:spPr/>
+    </dgm:pt>
+    <dgm:pt modelId="{82B65FD7-D5E2-48A9-AE65-CCFF26922388}" type="pres">
+      <dgm:prSet presAssocID="{F0F01A1D-4ECF-49FD-B5BB-2AF20CDE48D6}" presName="connTx" presStyleCnt="0"/>
+      <dgm:spPr/>
+    </dgm:pt>
+    <dgm:pt modelId="{18AC7C55-1CDC-4D68-AD99-9BB4A09A2A3B}" type="pres">
+      <dgm:prSet presAssocID="{0FF6E3F7-391B-475F-A4CD-F3EA4F638F0C}" presName="composite" presStyleCnt="0"/>
+      <dgm:spPr/>
+    </dgm:pt>
+    <dgm:pt modelId="{51DEFA8D-339C-431C-9A60-2DA3C0EB7865}" type="pres">
+      <dgm:prSet presAssocID="{0FF6E3F7-391B-475F-A4CD-F3EA4F638F0C}" presName="parTx" presStyleCnt="0">
+        <dgm:presLayoutVars>
+          <dgm:chMax val="0"/>
+          <dgm:chPref val="0"/>
+          <dgm:bulletEnabled val="1"/>
+        </dgm:presLayoutVars>
+      </dgm:prSet>
+      <dgm:spPr/>
+    </dgm:pt>
+    <dgm:pt modelId="{042C6248-CE99-4BA6-9E51-916D6C326D82}" type="pres">
+      <dgm:prSet presAssocID="{0FF6E3F7-391B-475F-A4CD-F3EA4F638F0C}" presName="parSh" presStyleLbl="node1" presStyleIdx="2" presStyleCnt="5"/>
+      <dgm:spPr/>
+    </dgm:pt>
+    <dgm:pt modelId="{65E624B5-1EC2-4B65-8B9C-D4056951DD37}" type="pres">
+      <dgm:prSet presAssocID="{0FF6E3F7-391B-475F-A4CD-F3EA4F638F0C}" presName="desTx" presStyleLbl="fgAcc1" presStyleIdx="2" presStyleCnt="5">
+        <dgm:presLayoutVars>
+          <dgm:bulletEnabled val="1"/>
+        </dgm:presLayoutVars>
+      </dgm:prSet>
+      <dgm:spPr/>
+    </dgm:pt>
+    <dgm:pt modelId="{58274EFC-9E5F-49BA-8F2E-4ACC8DD1481D}" type="pres">
+      <dgm:prSet presAssocID="{80C5992B-CC70-4950-A7BB-562ED5F8613D}" presName="sibTrans" presStyleLbl="sibTrans2D1" presStyleIdx="2" presStyleCnt="4"/>
+      <dgm:spPr/>
+    </dgm:pt>
+    <dgm:pt modelId="{5E5292D6-53AC-4AC8-A009-0FD87AC64CD6}" type="pres">
+      <dgm:prSet presAssocID="{80C5992B-CC70-4950-A7BB-562ED5F8613D}" presName="connTx" presStyleCnt="0"/>
+      <dgm:spPr/>
+    </dgm:pt>
+    <dgm:pt modelId="{67D84011-3E5C-4961-AC6D-73EE4C0D9D9E}" type="pres">
+      <dgm:prSet presAssocID="{4063E92F-EF63-4941-A01A-382F576CE1C0}" presName="composite" presStyleCnt="0"/>
+      <dgm:spPr/>
+    </dgm:pt>
+    <dgm:pt modelId="{94A44E30-95D2-471A-A75E-32D090A8680F}" type="pres">
+      <dgm:prSet presAssocID="{4063E92F-EF63-4941-A01A-382F576CE1C0}" presName="parTx" presStyleCnt="0">
+        <dgm:presLayoutVars>
+          <dgm:chMax val="0"/>
+          <dgm:chPref val="0"/>
+          <dgm:bulletEnabled val="1"/>
+        </dgm:presLayoutVars>
+      </dgm:prSet>
+      <dgm:spPr/>
+    </dgm:pt>
+    <dgm:pt modelId="{BC9164B6-8CF0-4879-A265-B22456BE4CF2}" type="pres">
+      <dgm:prSet presAssocID="{4063E92F-EF63-4941-A01A-382F576CE1C0}" presName="parSh" presStyleLbl="node1" presStyleIdx="3" presStyleCnt="5"/>
+      <dgm:spPr/>
+    </dgm:pt>
+    <dgm:pt modelId="{178AD051-CF63-4F1B-9A8E-BC50021CDB7D}" type="pres">
+      <dgm:prSet presAssocID="{4063E92F-EF63-4941-A01A-382F576CE1C0}" presName="desTx" presStyleLbl="fgAcc1" presStyleIdx="3" presStyleCnt="5">
+        <dgm:presLayoutVars>
+          <dgm:bulletEnabled val="1"/>
+        </dgm:presLayoutVars>
+      </dgm:prSet>
+      <dgm:spPr/>
+    </dgm:pt>
+    <dgm:pt modelId="{0399D8D5-1252-4D85-9101-B99A296595E1}" type="pres">
+      <dgm:prSet presAssocID="{805FEA0E-556F-4342-BBA0-B0908DC92DA2}" presName="sibTrans" presStyleLbl="sibTrans2D1" presStyleIdx="3" presStyleCnt="4"/>
+      <dgm:spPr/>
+    </dgm:pt>
+    <dgm:pt modelId="{BCFE3D79-E4D8-4EBE-AED5-0EB76B28E72B}" type="pres">
+      <dgm:prSet presAssocID="{805FEA0E-556F-4342-BBA0-B0908DC92DA2}" presName="connTx" presStyleCnt="0"/>
+      <dgm:spPr/>
+    </dgm:pt>
+    <dgm:pt modelId="{6724A8C1-637F-4638-A7B5-5DD808170576}" type="pres">
+      <dgm:prSet presAssocID="{17FA48D7-57D5-4407-BDCA-3A8744ACC348}" presName="composite" presStyleCnt="0"/>
+      <dgm:spPr/>
+    </dgm:pt>
+    <dgm:pt modelId="{EC30A750-D082-471F-8BF1-F23E72F32805}" type="pres">
+      <dgm:prSet presAssocID="{17FA48D7-57D5-4407-BDCA-3A8744ACC348}" presName="parTx" presStyleCnt="0">
+        <dgm:presLayoutVars>
+          <dgm:chMax val="0"/>
+          <dgm:chPref val="0"/>
+          <dgm:bulletEnabled val="1"/>
+        </dgm:presLayoutVars>
+      </dgm:prSet>
+      <dgm:spPr/>
+    </dgm:pt>
+    <dgm:pt modelId="{11B51A25-BC1E-4A01-8D9E-AE2F8BBE02A0}" type="pres">
+      <dgm:prSet presAssocID="{17FA48D7-57D5-4407-BDCA-3A8744ACC348}" presName="parSh" presStyleLbl="node1" presStyleIdx="4" presStyleCnt="5"/>
+      <dgm:spPr/>
+    </dgm:pt>
+    <dgm:pt modelId="{A049FDA1-9B71-4C54-9B2E-EB8FFCDFB2F4}" type="pres">
+      <dgm:prSet presAssocID="{17FA48D7-57D5-4407-BDCA-3A8744ACC348}" presName="desTx" presStyleLbl="fgAcc1" presStyleIdx="4" presStyleCnt="5">
+        <dgm:presLayoutVars>
+          <dgm:bulletEnabled val="1"/>
+        </dgm:presLayoutVars>
+      </dgm:prSet>
+      <dgm:spPr/>
+    </dgm:pt>
+  </dgm:ptLst>
+  <dgm:cxnLst>
+    <dgm:cxn modelId="{C7F5FCA3-65B4-44C8-B7EC-6822646773B3}" srcId="{D9D7BF96-BE9E-46E2-8D55-6E8BDDC32DAE}" destId="{AC6B50A2-A719-40F2-A025-D428F4ED7AF7}" srcOrd="0" destOrd="0" parTransId="{CA8D0332-16E7-482E-9342-B84A5B6AB1E4}" sibTransId="{90A52E01-7D27-4B54-9739-4258B1F7A655}"/>
+    <dgm:cxn modelId="{30E1F745-0251-4AD1-BF20-B3AFCC4D5548}" srcId="{AC6B50A2-A719-40F2-A025-D428F4ED7AF7}" destId="{65F927D4-D7F1-4982-AC1F-B5F18269B929}" srcOrd="0" destOrd="0" parTransId="{C9B16F22-83D1-4297-A902-69664AD8C3E2}" sibTransId="{05162CEF-0ED0-483E-A0C3-3EE6FC938A4C}"/>
+    <dgm:cxn modelId="{9A341219-1B25-4123-AF13-50D40ABC0612}" srcId="{D9D7BF96-BE9E-46E2-8D55-6E8BDDC32DAE}" destId="{FEA4C648-AE26-44E3-8030-8A6318A97E0D}" srcOrd="1" destOrd="0" parTransId="{183A699C-1FE6-4F7F-BEA5-694F9A5FB223}" sibTransId="{F0F01A1D-4ECF-49FD-B5BB-2AF20CDE48D6}"/>
+    <dgm:cxn modelId="{A7B68F58-2E98-4911-9B60-3AD24F600D92}" srcId="{D9D7BF96-BE9E-46E2-8D55-6E8BDDC32DAE}" destId="{0FF6E3F7-391B-475F-A4CD-F3EA4F638F0C}" srcOrd="2" destOrd="0" parTransId="{D766262E-7910-4298-AF39-DDD8B78F588E}" sibTransId="{80C5992B-CC70-4950-A7BB-562ED5F8613D}"/>
+    <dgm:cxn modelId="{FD3223E4-158F-491C-B951-81FB507B3F68}" srcId="{D9D7BF96-BE9E-46E2-8D55-6E8BDDC32DAE}" destId="{4063E92F-EF63-4941-A01A-382F576CE1C0}" srcOrd="3" destOrd="0" parTransId="{A5CA5D61-00C1-4E45-8F42-D1FDF0647EC5}" sibTransId="{805FEA0E-556F-4342-BBA0-B0908DC92DA2}"/>
+    <dgm:cxn modelId="{B8BDA5CE-CB54-40BB-B202-37EDA7AA6EFC}" srcId="{4063E92F-EF63-4941-A01A-382F576CE1C0}" destId="{9F90E17E-D5B8-4493-81C7-6BA6A294E0F3}" srcOrd="0" destOrd="3" parTransId="{DA9881DA-8597-4D4C-984B-159444123D63}" sibTransId="{E43E321E-C2A1-4DAD-9F35-C04C232EC0A3}"/>
+    <dgm:cxn modelId="{CAEB17AA-4365-4292-8EDB-8628862E7759}" srcId="{D9D7BF96-BE9E-46E2-8D55-6E8BDDC32DAE}" destId="{17FA48D7-57D5-4407-BDCA-3A8744ACC348}" srcOrd="4" destOrd="0" parTransId="{2A089BA2-5E83-43ED-9D96-11C83CD15C65}" sibTransId="{4383F0BC-0D83-48CE-B1F6-711566ABE98F}"/>
+    <dgm:cxn modelId="{98448F52-5679-4EAB-8446-D036B4E14D7D}" srcId="{17FA48D7-57D5-4407-BDCA-3A8744ACC348}" destId="{60A5E316-DBCD-46FA-A96F-5F85A99184D7}" srcOrd="0" destOrd="4" parTransId="{F0E5B90A-FF5C-4AA9-B7DF-2EDF2654CFB9}" sibTransId="{B0B06B31-636B-447E-A647-C07BB9602269}"/>
+    <dgm:cxn modelId="{9995ED8B-92E7-4741-A26E-9A2E6BEE1E85}" type="presOf" srcId="{D9D7BF96-BE9E-46E2-8D55-6E8BDDC32DAE}" destId="{F3555292-3C89-4C4F-B4D0-0FA2ACFFACE8}" srcOrd="0" destOrd="0" presId="urn:microsoft.com/office/officeart/2005/8/layout/process3"/>
+    <dgm:cxn modelId="{0BEC8ACD-B1FC-4917-B276-25816433434E}" type="presParOf" srcId="{F3555292-3C89-4C4F-B4D0-0FA2ACFFACE8}" destId="{79D35C4A-2DDE-4255-A36A-ADCDCA47CC6C}" srcOrd="0" destOrd="0" presId="urn:microsoft.com/office/officeart/2005/8/layout/process3"/>
+    <dgm:cxn modelId="{4DF5C736-13CB-484D-930B-3A731B82E515}" type="presParOf" srcId="{79D35C4A-2DDE-4255-A36A-ADCDCA47CC6C}" destId="{B86100E6-FA30-4C22-BB39-BB56D8302BB8}" srcOrd="0" destOrd="0" presId="urn:microsoft.com/office/officeart/2005/8/layout/process3"/>
+    <dgm:cxn modelId="{BE3B58B4-356C-4118-8693-3B1D0881971F}" type="presOf" srcId="{AC6B50A2-A719-40F2-A025-D428F4ED7AF7}" destId="{B86100E6-FA30-4C22-BB39-BB56D8302BB8}" srcOrd="1" destOrd="0" presId="urn:microsoft.com/office/officeart/2005/8/layout/process3"/>
+    <dgm:cxn modelId="{B4EDE5D8-6CA0-424F-A004-6ABBEEB6A895}" type="presParOf" srcId="{79D35C4A-2DDE-4255-A36A-ADCDCA47CC6C}" destId="{E74B0135-3D37-42AD-9C7C-5E6A5C184B2C}" srcOrd="1" destOrd="0" presId="urn:microsoft.com/office/officeart/2005/8/layout/process3"/>
+    <dgm:cxn modelId="{9FBA0B78-8FFC-4CAD-B703-6E8F9D1F1B43}" type="presOf" srcId="{AC6B50A2-A719-40F2-A025-D428F4ED7AF7}" destId="{E74B0135-3D37-42AD-9C7C-5E6A5C184B2C}" srcOrd="0" destOrd="0" presId="urn:microsoft.com/office/officeart/2005/8/layout/process3"/>
+    <dgm:cxn modelId="{0C29DBCA-AB00-43DE-89AA-69CCEC4BC866}" type="presParOf" srcId="{79D35C4A-2DDE-4255-A36A-ADCDCA47CC6C}" destId="{001A35F5-21FE-42CC-AB17-5CF1D5339814}" srcOrd="2" destOrd="0" presId="urn:microsoft.com/office/officeart/2005/8/layout/process3"/>
+    <dgm:cxn modelId="{46CC5952-5DB9-440F-B0B2-B85533CBA59B}" type="presOf" srcId="{65F927D4-D7F1-4982-AC1F-B5F18269B929}" destId="{001A35F5-21FE-42CC-AB17-5CF1D5339814}" srcOrd="0" destOrd="0" presId="urn:microsoft.com/office/officeart/2005/8/layout/process3"/>
+    <dgm:cxn modelId="{BB69DAE8-F70E-488C-A1EB-37F1D5FE2A0A}" type="presParOf" srcId="{F3555292-3C89-4C4F-B4D0-0FA2ACFFACE8}" destId="{B6B4705E-C06A-4375-BD9F-C3441DAF21BE}" srcOrd="1" destOrd="0" presId="urn:microsoft.com/office/officeart/2005/8/layout/process3"/>
+    <dgm:cxn modelId="{50739C0A-B022-4F22-9CF6-09011C74BAC2}" type="presOf" srcId="{90A52E01-7D27-4B54-9739-4258B1F7A655}" destId="{B6B4705E-C06A-4375-BD9F-C3441DAF21BE}" srcOrd="0" destOrd="0" presId="urn:microsoft.com/office/officeart/2005/8/layout/process3"/>
+    <dgm:cxn modelId="{7238B0D8-F5E1-48CD-B2C4-5EB86990B619}" type="presParOf" srcId="{B6B4705E-C06A-4375-BD9F-C3441DAF21BE}" destId="{ED62B532-DB81-4F8C-8542-7A394D40EFE0}" srcOrd="0" destOrd="1" presId="urn:microsoft.com/office/officeart/2005/8/layout/process3"/>
+    <dgm:cxn modelId="{BB85A8AD-419C-430E-B0C9-8E99C1995C27}" type="presOf" srcId="{90A52E01-7D27-4B54-9739-4258B1F7A655}" destId="{ED62B532-DB81-4F8C-8542-7A394D40EFE0}" srcOrd="1" destOrd="0" presId="urn:microsoft.com/office/officeart/2005/8/layout/process3"/>
+    <dgm:cxn modelId="{43FF5606-4E0B-4DA2-8FEF-EDF501824BC1}" type="presParOf" srcId="{F3555292-3C89-4C4F-B4D0-0FA2ACFFACE8}" destId="{77936D2B-F822-4CF4-B3B7-1F68E98413EB}" srcOrd="2" destOrd="0" presId="urn:microsoft.com/office/officeart/2005/8/layout/process3"/>
+    <dgm:cxn modelId="{70FE9151-AF15-4BDA-ADEE-15D03B117287}" type="presParOf" srcId="{77936D2B-F822-4CF4-B3B7-1F68E98413EB}" destId="{6E36B0E0-5FA2-4B4B-8D8C-172BAF32CF88}" srcOrd="0" destOrd="2" presId="urn:microsoft.com/office/officeart/2005/8/layout/process3"/>
+    <dgm:cxn modelId="{91AA8D84-0048-4010-B132-EC5168EDCAD5}" type="presOf" srcId="{FEA4C648-AE26-44E3-8030-8A6318A97E0D}" destId="{6E36B0E0-5FA2-4B4B-8D8C-172BAF32CF88}" srcOrd="1" destOrd="0" presId="urn:microsoft.com/office/officeart/2005/8/layout/process3"/>
+    <dgm:cxn modelId="{55F3AAA4-54A0-4F9B-9279-7BD10852027B}" type="presParOf" srcId="{77936D2B-F822-4CF4-B3B7-1F68E98413EB}" destId="{20A85413-374F-4D92-A239-7120C71CE18B}" srcOrd="1" destOrd="2" presId="urn:microsoft.com/office/officeart/2005/8/layout/process3"/>
+    <dgm:cxn modelId="{E59AAC5D-32D8-4167-82AC-E6498489A324}" type="presOf" srcId="{FEA4C648-AE26-44E3-8030-8A6318A97E0D}" destId="{20A85413-374F-4D92-A239-7120C71CE18B}" srcOrd="0" destOrd="0" presId="urn:microsoft.com/office/officeart/2005/8/layout/process3"/>
+    <dgm:cxn modelId="{27079315-C67F-4D80-AF2D-C3E36904B846}" type="presParOf" srcId="{77936D2B-F822-4CF4-B3B7-1F68E98413EB}" destId="{9833AEF3-844F-474A-B479-91C89ACE8135}" srcOrd="2" destOrd="2" presId="urn:microsoft.com/office/officeart/2005/8/layout/process3"/>
+    <dgm:cxn modelId="{AB2E6092-DB6B-4824-988E-FC9C611C76AA}" type="presParOf" srcId="{F3555292-3C89-4C4F-B4D0-0FA2ACFFACE8}" destId="{4017AD73-4953-4B56-B4E2-5D84909840A5}" srcOrd="3" destOrd="0" presId="urn:microsoft.com/office/officeart/2005/8/layout/process3"/>
+    <dgm:cxn modelId="{11145866-5370-462B-B617-F4BC38390A86}" type="presOf" srcId="{F0F01A1D-4ECF-49FD-B5BB-2AF20CDE48D6}" destId="{4017AD73-4953-4B56-B4E2-5D84909840A5}" srcOrd="0" destOrd="0" presId="urn:microsoft.com/office/officeart/2005/8/layout/process3"/>
+    <dgm:cxn modelId="{F9A57884-6946-41E4-ACE1-3714006C624A}" type="presParOf" srcId="{4017AD73-4953-4B56-B4E2-5D84909840A5}" destId="{82B65FD7-D5E2-48A9-AE65-CCFF26922388}" srcOrd="0" destOrd="3" presId="urn:microsoft.com/office/officeart/2005/8/layout/process3"/>
+    <dgm:cxn modelId="{DADA68BB-43BC-430C-928B-CEA1CF2990E1}" type="presOf" srcId="{F0F01A1D-4ECF-49FD-B5BB-2AF20CDE48D6}" destId="{82B65FD7-D5E2-48A9-AE65-CCFF26922388}" srcOrd="1" destOrd="0" presId="urn:microsoft.com/office/officeart/2005/8/layout/process3"/>
+    <dgm:cxn modelId="{E33F390F-E9A4-4B66-834A-B0637CC6181E}" type="presParOf" srcId="{F3555292-3C89-4C4F-B4D0-0FA2ACFFACE8}" destId="{18AC7C55-1CDC-4D68-AD99-9BB4A09A2A3B}" srcOrd="4" destOrd="0" presId="urn:microsoft.com/office/officeart/2005/8/layout/process3"/>
+    <dgm:cxn modelId="{9929A965-1A76-4549-BCD0-27D512EEA4B7}" type="presParOf" srcId="{18AC7C55-1CDC-4D68-AD99-9BB4A09A2A3B}" destId="{51DEFA8D-339C-431C-9A60-2DA3C0EB7865}" srcOrd="0" destOrd="4" presId="urn:microsoft.com/office/officeart/2005/8/layout/process3"/>
+    <dgm:cxn modelId="{DF916EF4-1A03-4F07-961A-B59B98344B0A}" type="presOf" srcId="{0FF6E3F7-391B-475F-A4CD-F3EA4F638F0C}" destId="{51DEFA8D-339C-431C-9A60-2DA3C0EB7865}" srcOrd="1" destOrd="0" presId="urn:microsoft.com/office/officeart/2005/8/layout/process3"/>
+    <dgm:cxn modelId="{209B8FB8-31E9-4BCB-BEB7-D4165E87AB80}" type="presParOf" srcId="{18AC7C55-1CDC-4D68-AD99-9BB4A09A2A3B}" destId="{042C6248-CE99-4BA6-9E51-916D6C326D82}" srcOrd="1" destOrd="4" presId="urn:microsoft.com/office/officeart/2005/8/layout/process3"/>
+    <dgm:cxn modelId="{EBDCA16B-9BBA-4F20-81B9-DB48E4BC15A0}" type="presOf" srcId="{0FF6E3F7-391B-475F-A4CD-F3EA4F638F0C}" destId="{042C6248-CE99-4BA6-9E51-916D6C326D82}" srcOrd="0" destOrd="0" presId="urn:microsoft.com/office/officeart/2005/8/layout/process3"/>
+    <dgm:cxn modelId="{9B169762-4B56-4B21-AD42-BCA9D9EAFBC0}" type="presParOf" srcId="{18AC7C55-1CDC-4D68-AD99-9BB4A09A2A3B}" destId="{65E624B5-1EC2-4B65-8B9C-D4056951DD37}" srcOrd="2" destOrd="4" presId="urn:microsoft.com/office/officeart/2005/8/layout/process3"/>
+    <dgm:cxn modelId="{426E0821-1615-4064-8B12-4769FE4EF324}" type="presParOf" srcId="{F3555292-3C89-4C4F-B4D0-0FA2ACFFACE8}" destId="{58274EFC-9E5F-49BA-8F2E-4ACC8DD1481D}" srcOrd="5" destOrd="0" presId="urn:microsoft.com/office/officeart/2005/8/layout/process3"/>
+    <dgm:cxn modelId="{8DFC4E29-AD10-4685-B2B7-B821933E32F3}" type="presOf" srcId="{80C5992B-CC70-4950-A7BB-562ED5F8613D}" destId="{58274EFC-9E5F-49BA-8F2E-4ACC8DD1481D}" srcOrd="0" destOrd="0" presId="urn:microsoft.com/office/officeart/2005/8/layout/process3"/>
+    <dgm:cxn modelId="{51ABD2A0-8DDA-4E8D-810C-B62DBE51CA7E}" type="presParOf" srcId="{58274EFC-9E5F-49BA-8F2E-4ACC8DD1481D}" destId="{5E5292D6-53AC-4AC8-A009-0FD87AC64CD6}" srcOrd="0" destOrd="5" presId="urn:microsoft.com/office/officeart/2005/8/layout/process3"/>
+    <dgm:cxn modelId="{83598D55-5D47-454B-80A7-73A06587E0EB}" type="presOf" srcId="{80C5992B-CC70-4950-A7BB-562ED5F8613D}" destId="{5E5292D6-53AC-4AC8-A009-0FD87AC64CD6}" srcOrd="1" destOrd="0" presId="urn:microsoft.com/office/officeart/2005/8/layout/process3"/>
+    <dgm:cxn modelId="{C21946E2-EC8F-46BA-BA6E-F61E1E6C13C5}" type="presParOf" srcId="{F3555292-3C89-4C4F-B4D0-0FA2ACFFACE8}" destId="{67D84011-3E5C-4961-AC6D-73EE4C0D9D9E}" srcOrd="6" destOrd="0" presId="urn:microsoft.com/office/officeart/2005/8/layout/process3"/>
+    <dgm:cxn modelId="{C18C0D41-BD48-4987-92AB-A4FB6D33417C}" type="presParOf" srcId="{67D84011-3E5C-4961-AC6D-73EE4C0D9D9E}" destId="{94A44E30-95D2-471A-A75E-32D090A8680F}" srcOrd="0" destOrd="6" presId="urn:microsoft.com/office/officeart/2005/8/layout/process3"/>
+    <dgm:cxn modelId="{426D5718-A74F-4858-B093-B9FF9025EF6A}" type="presOf" srcId="{4063E92F-EF63-4941-A01A-382F576CE1C0}" destId="{94A44E30-95D2-471A-A75E-32D090A8680F}" srcOrd="1" destOrd="0" presId="urn:microsoft.com/office/officeart/2005/8/layout/process3"/>
+    <dgm:cxn modelId="{D135B4FD-CFCE-4E62-951B-571277F783A8}" type="presParOf" srcId="{67D84011-3E5C-4961-AC6D-73EE4C0D9D9E}" destId="{BC9164B6-8CF0-4879-A265-B22456BE4CF2}" srcOrd="1" destOrd="6" presId="urn:microsoft.com/office/officeart/2005/8/layout/process3"/>
+    <dgm:cxn modelId="{66877975-EA84-418A-8451-618CCBD03F2F}" type="presOf" srcId="{4063E92F-EF63-4941-A01A-382F576CE1C0}" destId="{BC9164B6-8CF0-4879-A265-B22456BE4CF2}" srcOrd="0" destOrd="0" presId="urn:microsoft.com/office/officeart/2005/8/layout/process3"/>
+    <dgm:cxn modelId="{671E24CC-25B0-4C2E-A607-D7AC55EFE386}" type="presParOf" srcId="{67D84011-3E5C-4961-AC6D-73EE4C0D9D9E}" destId="{178AD051-CF63-4F1B-9A8E-BC50021CDB7D}" srcOrd="2" destOrd="6" presId="urn:microsoft.com/office/officeart/2005/8/layout/process3"/>
+    <dgm:cxn modelId="{EA1331CE-49C4-4173-A267-63D22759B5B6}" type="presOf" srcId="{9F90E17E-D5B8-4493-81C7-6BA6A294E0F3}" destId="{178AD051-CF63-4F1B-9A8E-BC50021CDB7D}" srcOrd="0" destOrd="0" presId="urn:microsoft.com/office/officeart/2005/8/layout/process3"/>
+    <dgm:cxn modelId="{10A6C700-2334-4FA9-8201-E2FA7D2C2D28}" type="presParOf" srcId="{F3555292-3C89-4C4F-B4D0-0FA2ACFFACE8}" destId="{0399D8D5-1252-4D85-9101-B99A296595E1}" srcOrd="7" destOrd="0" presId="urn:microsoft.com/office/officeart/2005/8/layout/process3"/>
+    <dgm:cxn modelId="{D3180A2F-42A7-457A-AFDD-8172E5F67406}" type="presOf" srcId="{805FEA0E-556F-4342-BBA0-B0908DC92DA2}" destId="{0399D8D5-1252-4D85-9101-B99A296595E1}" srcOrd="0" destOrd="0" presId="urn:microsoft.com/office/officeart/2005/8/layout/process3"/>
+    <dgm:cxn modelId="{C5361A56-F713-4E80-9F30-07B653AEF0F4}" type="presParOf" srcId="{0399D8D5-1252-4D85-9101-B99A296595E1}" destId="{BCFE3D79-E4D8-4EBE-AED5-0EB76B28E72B}" srcOrd="0" destOrd="7" presId="urn:microsoft.com/office/officeart/2005/8/layout/process3"/>
+    <dgm:cxn modelId="{8B61402E-E681-4237-B983-C677D00BC466}" type="presOf" srcId="{805FEA0E-556F-4342-BBA0-B0908DC92DA2}" destId="{BCFE3D79-E4D8-4EBE-AED5-0EB76B28E72B}" srcOrd="1" destOrd="0" presId="urn:microsoft.com/office/officeart/2005/8/layout/process3"/>
+    <dgm:cxn modelId="{EBAE3022-9A03-4FFE-9B5B-B59539647CBA}" type="presParOf" srcId="{F3555292-3C89-4C4F-B4D0-0FA2ACFFACE8}" destId="{6724A8C1-637F-4638-A7B5-5DD808170576}" srcOrd="8" destOrd="0" presId="urn:microsoft.com/office/officeart/2005/8/layout/process3"/>
+    <dgm:cxn modelId="{83ECEF22-91A7-440B-B784-4271E999DAEA}" type="presParOf" srcId="{6724A8C1-637F-4638-A7B5-5DD808170576}" destId="{EC30A750-D082-471F-8BF1-F23E72F32805}" srcOrd="0" destOrd="8" presId="urn:microsoft.com/office/officeart/2005/8/layout/process3"/>
+    <dgm:cxn modelId="{E3AA6324-E171-4D2D-BCF8-2111F3D73395}" type="presOf" srcId="{17FA48D7-57D5-4407-BDCA-3A8744ACC348}" destId="{EC30A750-D082-471F-8BF1-F23E72F32805}" srcOrd="1" destOrd="0" presId="urn:microsoft.com/office/officeart/2005/8/layout/process3"/>
+    <dgm:cxn modelId="{5B98B482-3C90-4F73-BA58-742D741007A5}" type="presParOf" srcId="{6724A8C1-637F-4638-A7B5-5DD808170576}" destId="{11B51A25-BC1E-4A01-8D9E-AE2F8BBE02A0}" srcOrd="1" destOrd="8" presId="urn:microsoft.com/office/officeart/2005/8/layout/process3"/>
+    <dgm:cxn modelId="{AFC010E8-7AB0-4B39-BE2F-774EBDC7F9CA}" type="presOf" srcId="{17FA48D7-57D5-4407-BDCA-3A8744ACC348}" destId="{11B51A25-BC1E-4A01-8D9E-AE2F8BBE02A0}" srcOrd="0" destOrd="0" presId="urn:microsoft.com/office/officeart/2005/8/layout/process3"/>
+    <dgm:cxn modelId="{6F952B6D-2991-4DDA-A8D6-3420EBAFB570}" type="presParOf" srcId="{6724A8C1-637F-4638-A7B5-5DD808170576}" destId="{A049FDA1-9B71-4C54-9B2E-EB8FFCDFB2F4}" srcOrd="2" destOrd="8" presId="urn:microsoft.com/office/officeart/2005/8/layout/process3"/>
+    <dgm:cxn modelId="{157313ED-579C-4206-ADF6-7D2397FC9946}" type="presOf" srcId="{60A5E316-DBCD-46FA-A96F-5F85A99184D7}" destId="{A049FDA1-9B71-4C54-9B2E-EB8FFCDFB2F4}" srcOrd="0" destOrd="0" presId="urn:microsoft.com/office/officeart/2005/8/layout/process3"/>
+  </dgm:cxnLst>
+  <dgm:bg/>
+  <dgm:whole/>
+  <dgm:extLst>
+    <a:ext uri="http://schemas.microsoft.com/office/drawing/2008/diagram">
+      <dsp:dataModelExt xmlns:dsp="http://schemas.microsoft.com/office/drawing/2008/diagram" relId="rId5" minVer="http://schemas.openxmlformats.org/drawingml/2006/diagram"/>
+    </a:ext>
+  </dgm:extLst>
+</dgm:dataModel>
+</file>
+
+<file path=ppt/diagrams/drawing1.xml><?xml version="1.0" encoding="utf-8"?>
+<dsp:drawing xmlns:dgm="http://schemas.openxmlformats.org/drawingml/2006/diagram" xmlns:dsp="http://schemas.microsoft.com/office/drawing/2008/diagram" xmlns:a="http://schemas.openxmlformats.org/drawingml/2006/main" xmlns:r="http://schemas.openxmlformats.org/officeDocument/2006/relationships">
+  <dsp:spTree>
+    <dsp:nvGrpSpPr>
+      <dsp:cNvPr id="2" name="组合 1"/>
+      <dsp:cNvGrpSpPr/>
+    </dsp:nvGrpSpPr>
+    <dsp:grpSpPr>
+      <a:xfrm>
+        <a:off x="0" y="0"/>
+        <a:ext cx="10706735" cy="4525010"/>
+        <a:chOff x="0" y="0"/>
+        <a:chExt cx="10706735" cy="4525010"/>
+      </a:xfrm>
+    </dsp:grpSpPr>
+    <dsp:sp modelId="{E74B0135-3D37-42AD-9C7C-5E6A5C184B2C}">
+      <dsp:nvSpPr>
+        <dsp:cNvPr id="3" name="圆角矩形 2"/>
+        <dsp:cNvSpPr/>
+      </dsp:nvSpPr>
+      <dsp:spPr bwMode="white">
+        <a:xfrm>
+          <a:off x="0" y="1405870"/>
+          <a:ext cx="1403175" cy="864000"/>
+        </a:xfrm>
+        <a:prstGeom prst="roundRect">
+          <a:avLst>
+            <a:gd name="adj" fmla="val 10000"/>
+          </a:avLst>
+        </a:prstGeom>
+      </dsp:spPr>
+      <dsp:style>
+        <a:lnRef idx="0">
+          <a:schemeClr val="lt1"/>
+        </a:lnRef>
+        <a:fillRef idx="3">
+          <a:schemeClr val="accent1"/>
+        </a:fillRef>
+        <a:effectRef idx="3">
+          <a:scrgbClr r="0" g="0" b="0"/>
+        </a:effectRef>
+        <a:fontRef idx="minor">
+          <a:schemeClr val="lt1"/>
+        </a:fontRef>
+      </dsp:style>
+      <dsp:txBody>
+        <a:bodyPr lIns="142240" tIns="142240" rIns="142240" bIns="76200" anchor="t"/>
+        <a:lstStyle>
+          <a:lvl1pPr algn="l">
+            <a:defRPr sz="2000"/>
+          </a:lvl1pPr>
+          <a:lvl2pPr marL="114300" indent="-114300" algn="l">
+            <a:defRPr sz="1500"/>
+          </a:lvl2pPr>
+          <a:lvl3pPr marL="228600" indent="-114300" algn="l">
+            <a:defRPr sz="1500"/>
+          </a:lvl3pPr>
+          <a:lvl4pPr marL="342900" indent="-114300" algn="l">
+            <a:defRPr sz="1500"/>
+          </a:lvl4pPr>
+          <a:lvl5pPr marL="457200" indent="-114300" algn="l">
+            <a:defRPr sz="1500"/>
+          </a:lvl5pPr>
+          <a:lvl6pPr marL="571500" indent="-114300" algn="l">
+            <a:defRPr sz="1500"/>
+          </a:lvl6pPr>
+          <a:lvl7pPr marL="685800" indent="-114300" algn="l">
+            <a:defRPr sz="1500"/>
+          </a:lvl7pPr>
+          <a:lvl8pPr marL="800100" indent="-114300" algn="l">
+            <a:defRPr sz="1500"/>
+          </a:lvl8pPr>
+          <a:lvl9pPr marL="914400" indent="-114300" algn="l">
+            <a:defRPr sz="1500"/>
+          </a:lvl9pPr>
+        </a:lstStyle>
+        <a:p>
+          <a:pPr lvl="0">
+            <a:lnSpc>
+              <a:spcPct val="100000"/>
+            </a:lnSpc>
+            <a:spcBef>
+              <a:spcPct val="0"/>
+            </a:spcBef>
+            <a:spcAft>
+              <a:spcPct val="35000"/>
+            </a:spcAft>
+          </a:pPr>
+          <a:endParaRPr lang="zh-CN" altLang="en-US"/>
+        </a:p>
+      </dsp:txBody>
+      <dsp:txXfrm>
+        <a:off x="0" y="1405870"/>
+        <a:ext cx="1403175" cy="864000"/>
+      </dsp:txXfrm>
+    </dsp:sp>
+    <dsp:sp modelId="{001A35F5-21FE-42CC-AB17-5CF1D5339814}">
+      <dsp:nvSpPr>
+        <dsp:cNvPr id="4" name="圆角矩形 3"/>
+        <dsp:cNvSpPr/>
+      </dsp:nvSpPr>
+      <dsp:spPr bwMode="white">
+        <a:xfrm>
+          <a:off x="287397" y="1967140"/>
+          <a:ext cx="1403175" cy="1152000"/>
+        </a:xfrm>
+        <a:prstGeom prst="roundRect">
+          <a:avLst>
+            <a:gd name="adj" fmla="val 10000"/>
+          </a:avLst>
+        </a:prstGeom>
+      </dsp:spPr>
+      <dsp:style>
+        <a:lnRef idx="1">
+          <a:schemeClr val="accent1"/>
+        </a:lnRef>
+        <a:fillRef idx="1">
+          <a:schemeClr val="lt1">
+            <a:alpha val="90000"/>
+          </a:schemeClr>
+        </a:fillRef>
+        <a:effectRef idx="2">
+          <a:scrgbClr r="0" g="0" b="0"/>
+        </a:effectRef>
+        <a:fontRef idx="minor"/>
+      </dsp:style>
+      <dsp:txBody>
+        <a:bodyPr lIns="142240" tIns="142240" rIns="142240" bIns="142240" anchor="t"/>
+        <a:lstStyle>
+          <a:lvl1pPr algn="l">
+            <a:defRPr sz="2000"/>
+          </a:lvl1pPr>
+          <a:lvl2pPr marL="228600" indent="-228600" algn="l">
+            <a:defRPr sz="2000"/>
+          </a:lvl2pPr>
+          <a:lvl3pPr marL="457200" indent="-228600" algn="l">
+            <a:defRPr sz="2000"/>
+          </a:lvl3pPr>
+          <a:lvl4pPr marL="685800" indent="-228600" algn="l">
+            <a:defRPr sz="2000"/>
+          </a:lvl4pPr>
+          <a:lvl5pPr marL="914400" indent="-228600" algn="l">
+            <a:defRPr sz="2000"/>
+          </a:lvl5pPr>
+          <a:lvl6pPr marL="1143000" indent="-228600" algn="l">
+            <a:defRPr sz="2000"/>
+          </a:lvl6pPr>
+          <a:lvl7pPr marL="1371600" indent="-228600" algn="l">
+            <a:defRPr sz="2000"/>
+          </a:lvl7pPr>
+          <a:lvl8pPr marL="1600200" indent="-228600" algn="l">
+            <a:defRPr sz="2000"/>
+          </a:lvl8pPr>
+          <a:lvl9pPr marL="1828800" indent="-228600" algn="l">
+            <a:defRPr sz="2000"/>
+          </a:lvl9pPr>
+        </a:lstStyle>
+        <a:p>
+          <a:pPr lvl="1">
+            <a:lnSpc>
+              <a:spcPct val="100000"/>
+            </a:lnSpc>
+            <a:spcBef>
+              <a:spcPct val="0"/>
+            </a:spcBef>
+            <a:spcAft>
+              <a:spcPct val="15000"/>
+            </a:spcAft>
+            <a:buChar char="•"/>
+          </a:pPr>
+          <a:endParaRPr lang="zh-CN" altLang="en-US">
+            <a:solidFill>
+              <a:schemeClr val="dk1"/>
+            </a:solidFill>
+          </a:endParaRPr>
+        </a:p>
+      </dsp:txBody>
+      <dsp:txXfrm>
+        <a:off x="287397" y="1967140"/>
+        <a:ext cx="1403175" cy="1152000"/>
+      </dsp:txXfrm>
+    </dsp:sp>
+    <dsp:sp modelId="{B6B4705E-C06A-4375-BD9F-C3441DAF21BE}">
+      <dsp:nvSpPr>
+        <dsp:cNvPr id="5" name="右箭头 4"/>
+        <dsp:cNvSpPr/>
+      </dsp:nvSpPr>
+      <dsp:spPr bwMode="white">
+        <a:xfrm>
+          <a:off x="1603129" y="1511830"/>
+          <a:ext cx="450959" cy="349350"/>
+        </a:xfrm>
+        <a:prstGeom prst="rightArrow">
+          <a:avLst>
+            <a:gd name="adj1" fmla="val 60000"/>
+            <a:gd name="adj2" fmla="val 50000"/>
+          </a:avLst>
+        </a:prstGeom>
+      </dsp:spPr>
+      <dsp:style>
+        <a:lnRef idx="0">
+          <a:schemeClr val="accent1">
+            <a:tint val="60000"/>
+          </a:schemeClr>
+        </a:lnRef>
+        <a:fillRef idx="3">
+          <a:schemeClr val="accent1">
+            <a:tint val="60000"/>
+          </a:schemeClr>
+        </a:fillRef>
+        <a:effectRef idx="3">
+          <a:scrgbClr r="0" g="0" b="0"/>
+        </a:effectRef>
+        <a:fontRef idx="minor">
+          <a:schemeClr val="lt1"/>
+        </a:fontRef>
+      </dsp:style>
+      <dsp:txBody>
+        <a:bodyPr lIns="0" tIns="0" rIns="0" bIns="0" anchor="ctr"/>
+        <a:lstStyle>
+          <a:lvl1pPr algn="ctr">
+            <a:defRPr sz="1300"/>
+          </a:lvl1pPr>
+          <a:lvl2pPr marL="57150" indent="-57150" algn="ctr">
+            <a:defRPr sz="1000"/>
+          </a:lvl2pPr>
+          <a:lvl3pPr marL="114300" indent="-57150" algn="ctr">
+            <a:defRPr sz="1000"/>
+          </a:lvl3pPr>
+          <a:lvl4pPr marL="171450" indent="-57150" algn="ctr">
+            <a:defRPr sz="1000"/>
+          </a:lvl4pPr>
+          <a:lvl5pPr marL="228600" indent="-57150" algn="ctr">
+            <a:defRPr sz="1000"/>
+          </a:lvl5pPr>
+          <a:lvl6pPr marL="285750" indent="-57150" algn="ctr">
+            <a:defRPr sz="1000"/>
+          </a:lvl6pPr>
+          <a:lvl7pPr marL="342900" indent="-57150" algn="ctr">
+            <a:defRPr sz="1000"/>
+          </a:lvl7pPr>
+          <a:lvl8pPr marL="400050" indent="-57150" algn="ctr">
+            <a:defRPr sz="1000"/>
+          </a:lvl8pPr>
+          <a:lvl9pPr marL="457200" indent="-57150" algn="ctr">
+            <a:defRPr sz="1000"/>
+          </a:lvl9pPr>
+        </a:lstStyle>
+        <a:p>
+          <a:pPr lvl="0">
+            <a:lnSpc>
+              <a:spcPct val="100000"/>
+            </a:lnSpc>
+            <a:spcBef>
+              <a:spcPct val="0"/>
+            </a:spcBef>
+            <a:spcAft>
+              <a:spcPct val="35000"/>
+            </a:spcAft>
+          </a:pPr>
+          <a:endParaRPr lang="zh-CN" altLang="en-US"/>
+        </a:p>
+      </dsp:txBody>
+      <dsp:txXfrm>
+        <a:off x="1603129" y="1511830"/>
+        <a:ext cx="450959" cy="349350"/>
+      </dsp:txXfrm>
+    </dsp:sp>
+    <dsp:sp modelId="{20A85413-374F-4D92-A239-7120C71CE18B}">
+      <dsp:nvSpPr>
+        <dsp:cNvPr id="11" name="圆角矩形 10"/>
+        <dsp:cNvSpPr/>
+      </dsp:nvSpPr>
+      <dsp:spPr bwMode="white">
+        <a:xfrm>
+          <a:off x="2254041" y="1405870"/>
+          <a:ext cx="1403175" cy="864000"/>
+        </a:xfrm>
+        <a:prstGeom prst="roundRect">
+          <a:avLst>
+            <a:gd name="adj" fmla="val 10000"/>
+          </a:avLst>
+        </a:prstGeom>
+      </dsp:spPr>
+      <dsp:style>
+        <a:lnRef idx="0">
+          <a:schemeClr val="lt1"/>
+        </a:lnRef>
+        <a:fillRef idx="3">
+          <a:schemeClr val="accent1"/>
+        </a:fillRef>
+        <a:effectRef idx="3">
+          <a:scrgbClr r="0" g="0" b="0"/>
+        </a:effectRef>
+        <a:fontRef idx="minor">
+          <a:schemeClr val="lt1"/>
+        </a:fontRef>
+      </dsp:style>
+      <dsp:txBody>
+        <a:bodyPr lIns="142240" tIns="142240" rIns="142240" bIns="76200" anchor="t"/>
+        <a:lstStyle>
+          <a:lvl1pPr algn="l">
+            <a:defRPr sz="2000"/>
+          </a:lvl1pPr>
+          <a:lvl2pPr marL="171450" indent="-171450" algn="l">
+            <a:defRPr sz="1600"/>
+          </a:lvl2pPr>
+          <a:lvl3pPr marL="342900" indent="-171450" algn="l">
+            <a:defRPr sz="1600"/>
+          </a:lvl3pPr>
+          <a:lvl4pPr marL="514350" indent="-171450" algn="l">
+            <a:defRPr sz="1600"/>
+          </a:lvl4pPr>
+          <a:lvl5pPr marL="685800" indent="-171450" algn="l">
+            <a:defRPr sz="1600"/>
+          </a:lvl5pPr>
+          <a:lvl6pPr marL="857250" indent="-171450" algn="l">
+            <a:defRPr sz="1600"/>
+          </a:lvl6pPr>
+          <a:lvl7pPr marL="1028700" indent="-171450" algn="l">
+            <a:defRPr sz="1600"/>
+          </a:lvl7pPr>
+          <a:lvl8pPr marL="1200150" indent="-171450" algn="l">
+            <a:defRPr sz="1600"/>
+          </a:lvl8pPr>
+          <a:lvl9pPr marL="1371600" indent="-171450" algn="l">
+            <a:defRPr sz="1600"/>
+          </a:lvl9pPr>
+        </a:lstStyle>
+        <a:p>
+          <a:pPr lvl="0">
+            <a:lnSpc>
+              <a:spcPct val="100000"/>
+            </a:lnSpc>
+            <a:spcBef>
+              <a:spcPct val="0"/>
+            </a:spcBef>
+            <a:spcAft>
+              <a:spcPct val="35000"/>
+            </a:spcAft>
+          </a:pPr>
+          <a:endParaRPr altLang="en-US"/>
+        </a:p>
+      </dsp:txBody>
+      <dsp:txXfrm>
+        <a:off x="2254041" y="1405870"/>
+        <a:ext cx="1403175" cy="864000"/>
+      </dsp:txXfrm>
+    </dsp:sp>
+    <dsp:sp modelId="{9833AEF3-844F-474A-B479-91C89ACE8135}">
+      <dsp:nvSpPr>
+        <dsp:cNvPr id="12" name="圆角矩形 11"/>
+        <dsp:cNvSpPr/>
+      </dsp:nvSpPr>
+      <dsp:spPr bwMode="white">
+        <a:xfrm>
+          <a:off x="2541438" y="1967140"/>
+          <a:ext cx="1403175" cy="1152000"/>
+        </a:xfrm>
+        <a:prstGeom prst="roundRect">
+          <a:avLst>
+            <a:gd name="adj" fmla="val 10000"/>
+          </a:avLst>
+        </a:prstGeom>
+      </dsp:spPr>
+      <dsp:style>
+        <a:lnRef idx="1">
+          <a:schemeClr val="accent1"/>
+        </a:lnRef>
+        <a:fillRef idx="1">
+          <a:schemeClr val="lt1">
+            <a:alpha val="90000"/>
+          </a:schemeClr>
+        </a:fillRef>
+        <a:effectRef idx="2">
+          <a:scrgbClr r="0" g="0" b="0"/>
+        </a:effectRef>
+        <a:fontRef idx="minor"/>
+      </dsp:style>
+      <dsp:txBody>
+        <a:bodyPr lIns="142240" tIns="142240" rIns="142240" bIns="142240" anchor="t"/>
+        <a:lstStyle>
+          <a:lvl1pPr algn="l">
+            <a:defRPr sz="2000"/>
+          </a:lvl1pPr>
+          <a:lvl2pPr marL="171450" indent="-171450" algn="l">
+            <a:defRPr sz="1600"/>
+          </a:lvl2pPr>
+          <a:lvl3pPr marL="342900" indent="-171450" algn="l">
+            <a:defRPr sz="1600"/>
+          </a:lvl3pPr>
+          <a:lvl4pPr marL="514350" indent="-171450" algn="l">
+            <a:defRPr sz="1600"/>
+          </a:lvl4pPr>
+          <a:lvl5pPr marL="685800" indent="-171450" algn="l">
+            <a:defRPr sz="1600"/>
+          </a:lvl5pPr>
+          <a:lvl6pPr marL="857250" indent="-171450" algn="l">
+            <a:defRPr sz="1600"/>
+          </a:lvl6pPr>
+          <a:lvl7pPr marL="1028700" indent="-171450" algn="l">
+            <a:defRPr sz="1600"/>
+          </a:lvl7pPr>
+          <a:lvl8pPr marL="1200150" indent="-171450" algn="l">
+            <a:defRPr sz="1600"/>
+          </a:lvl8pPr>
+          <a:lvl9pPr marL="1371600" indent="-171450" algn="l">
+            <a:defRPr sz="1600"/>
+          </a:lvl9pPr>
+        </a:lstStyle>
+        <a:p>
+          <a:endParaRPr>
+            <a:solidFill>
+              <a:schemeClr val="dk1"/>
+            </a:solidFill>
+          </a:endParaRPr>
+        </a:p>
+      </dsp:txBody>
+      <dsp:txXfrm>
+        <a:off x="2541438" y="1967140"/>
+        <a:ext cx="1403175" cy="1152000"/>
+      </dsp:txXfrm>
+    </dsp:sp>
+    <dsp:sp modelId="{4017AD73-4953-4B56-B4E2-5D84909840A5}">
+      <dsp:nvSpPr>
+        <dsp:cNvPr id="13" name="右箭头 12"/>
+        <dsp:cNvSpPr/>
+      </dsp:nvSpPr>
+      <dsp:spPr bwMode="white">
+        <a:xfrm>
+          <a:off x="3857169" y="1511830"/>
+          <a:ext cx="450959" cy="349350"/>
+        </a:xfrm>
+        <a:prstGeom prst="rightArrow">
+          <a:avLst>
+            <a:gd name="adj1" fmla="val 60000"/>
+            <a:gd name="adj2" fmla="val 50000"/>
+          </a:avLst>
+        </a:prstGeom>
+      </dsp:spPr>
+      <dsp:style>
+        <a:lnRef idx="0">
+          <a:schemeClr val="accent1">
+            <a:tint val="60000"/>
+          </a:schemeClr>
+        </a:lnRef>
+        <a:fillRef idx="3">
+          <a:schemeClr val="accent1">
+            <a:tint val="60000"/>
+          </a:schemeClr>
+        </a:fillRef>
+        <a:effectRef idx="3">
+          <a:scrgbClr r="0" g="0" b="0"/>
+        </a:effectRef>
+        <a:fontRef idx="minor">
+          <a:schemeClr val="lt1"/>
+        </a:fontRef>
+      </dsp:style>
+      <dsp:txBody>
+        <a:bodyPr lIns="0" tIns="0" rIns="0" bIns="0" anchor="ctr"/>
+        <a:lstStyle>
+          <a:lvl1pPr algn="ctr">
+            <a:defRPr sz="1300"/>
+          </a:lvl1pPr>
+          <a:lvl2pPr marL="57150" indent="-57150" algn="ctr">
+            <a:defRPr sz="1000"/>
+          </a:lvl2pPr>
+          <a:lvl3pPr marL="114300" indent="-57150" algn="ctr">
+            <a:defRPr sz="1000"/>
+          </a:lvl3pPr>
+          <a:lvl4pPr marL="171450" indent="-57150" algn="ctr">
+            <a:defRPr sz="1000"/>
+          </a:lvl4pPr>
+          <a:lvl5pPr marL="228600" indent="-57150" algn="ctr">
+            <a:defRPr sz="1000"/>
+          </a:lvl5pPr>
+          <a:lvl6pPr marL="285750" indent="-57150" algn="ctr">
+            <a:defRPr sz="1000"/>
+          </a:lvl6pPr>
+          <a:lvl7pPr marL="342900" indent="-57150" algn="ctr">
+            <a:defRPr sz="1000"/>
+          </a:lvl7pPr>
+          <a:lvl8pPr marL="400050" indent="-57150" algn="ctr">
+            <a:defRPr sz="1000"/>
+          </a:lvl8pPr>
+          <a:lvl9pPr marL="457200" indent="-57150" algn="ctr">
+            <a:defRPr sz="1000"/>
+          </a:lvl9pPr>
+        </a:lstStyle>
+        <a:p>
+          <a:pPr lvl="0">
+            <a:lnSpc>
+              <a:spcPct val="100000"/>
+            </a:lnSpc>
+            <a:spcBef>
+              <a:spcPct val="0"/>
+            </a:spcBef>
+            <a:spcAft>
+              <a:spcPct val="35000"/>
+            </a:spcAft>
+          </a:pPr>
+        </a:p>
+      </dsp:txBody>
+      <dsp:txXfrm>
+        <a:off x="3857169" y="1511830"/>
+        <a:ext cx="450959" cy="349350"/>
+      </dsp:txXfrm>
+    </dsp:sp>
+    <dsp:sp modelId="{042C6248-CE99-4BA6-9E51-916D6C326D82}">
+      <dsp:nvSpPr>
+        <dsp:cNvPr id="14" name="圆角矩形 13"/>
+        <dsp:cNvSpPr/>
+      </dsp:nvSpPr>
+      <dsp:spPr bwMode="white">
+        <a:xfrm>
+          <a:off x="4508081" y="1405870"/>
+          <a:ext cx="1403175" cy="864000"/>
+        </a:xfrm>
+        <a:prstGeom prst="roundRect">
+          <a:avLst>
+            <a:gd name="adj" fmla="val 10000"/>
+          </a:avLst>
+        </a:prstGeom>
+      </dsp:spPr>
+      <dsp:style>
+        <a:lnRef idx="0">
+          <a:schemeClr val="lt1"/>
+        </a:lnRef>
+        <a:fillRef idx="3">
+          <a:schemeClr val="accent1"/>
+        </a:fillRef>
+        <a:effectRef idx="3">
+          <a:scrgbClr r="0" g="0" b="0"/>
+        </a:effectRef>
+        <a:fontRef idx="minor">
+          <a:schemeClr val="lt1"/>
+        </a:fontRef>
+      </dsp:style>
+      <dsp:txBody>
+        <a:bodyPr lIns="142240" tIns="142240" rIns="142240" bIns="76200" anchor="t"/>
+        <a:lstStyle>
+          <a:lvl1pPr algn="l">
+            <a:defRPr sz="2000"/>
+          </a:lvl1pPr>
+          <a:lvl2pPr marL="171450" indent="-171450" algn="l">
+            <a:defRPr sz="1600"/>
+          </a:lvl2pPr>
+          <a:lvl3pPr marL="342900" indent="-171450" algn="l">
+            <a:defRPr sz="1600"/>
+          </a:lvl3pPr>
+          <a:lvl4pPr marL="514350" indent="-171450" algn="l">
+            <a:defRPr sz="1600"/>
+          </a:lvl4pPr>
+          <a:lvl5pPr marL="685800" indent="-171450" algn="l">
+            <a:defRPr sz="1600"/>
+          </a:lvl5pPr>
+          <a:lvl6pPr marL="857250" indent="-171450" algn="l">
+            <a:defRPr sz="1600"/>
+          </a:lvl6pPr>
+          <a:lvl7pPr marL="1028700" indent="-171450" algn="l">
+            <a:defRPr sz="1600"/>
+          </a:lvl7pPr>
+          <a:lvl8pPr marL="1200150" indent="-171450" algn="l">
+            <a:defRPr sz="1600"/>
+          </a:lvl8pPr>
+          <a:lvl9pPr marL="1371600" indent="-171450" algn="l">
+            <a:defRPr sz="1600"/>
+          </a:lvl9pPr>
+        </a:lstStyle>
+        <a:p>
+          <a:pPr lvl="0">
+            <a:lnSpc>
+              <a:spcPct val="100000"/>
+            </a:lnSpc>
+            <a:spcBef>
+              <a:spcPct val="0"/>
+            </a:spcBef>
+            <a:spcAft>
+              <a:spcPct val="35000"/>
+            </a:spcAft>
+          </a:pPr>
+          <a:endParaRPr altLang="en-US"/>
+        </a:p>
+      </dsp:txBody>
+      <dsp:txXfrm>
+        <a:off x="4508081" y="1405870"/>
+        <a:ext cx="1403175" cy="864000"/>
+      </dsp:txXfrm>
+    </dsp:sp>
+    <dsp:sp modelId="{65E624B5-1EC2-4B65-8B9C-D4056951DD37}">
+      <dsp:nvSpPr>
+        <dsp:cNvPr id="15" name="圆角矩形 14"/>
+        <dsp:cNvSpPr/>
+      </dsp:nvSpPr>
+      <dsp:spPr bwMode="white">
+        <a:xfrm>
+          <a:off x="4795479" y="1967140"/>
+          <a:ext cx="1403175" cy="1152000"/>
+        </a:xfrm>
+        <a:prstGeom prst="roundRect">
+          <a:avLst>
+            <a:gd name="adj" fmla="val 10000"/>
+          </a:avLst>
+        </a:prstGeom>
+      </dsp:spPr>
+      <dsp:style>
+        <a:lnRef idx="1">
+          <a:schemeClr val="accent1"/>
+        </a:lnRef>
+        <a:fillRef idx="1">
+          <a:schemeClr val="lt1">
+            <a:alpha val="90000"/>
+          </a:schemeClr>
+        </a:fillRef>
+        <a:effectRef idx="2">
+          <a:scrgbClr r="0" g="0" b="0"/>
+        </a:effectRef>
+        <a:fontRef idx="minor"/>
+      </dsp:style>
+      <dsp:txBody>
+        <a:bodyPr lIns="142240" tIns="142240" rIns="142240" bIns="142240" anchor="t"/>
+        <a:lstStyle>
+          <a:lvl1pPr algn="l">
+            <a:defRPr sz="2000"/>
+          </a:lvl1pPr>
+          <a:lvl2pPr marL="171450" indent="-171450" algn="l">
+            <a:defRPr sz="1600"/>
+          </a:lvl2pPr>
+          <a:lvl3pPr marL="342900" indent="-171450" algn="l">
+            <a:defRPr sz="1600"/>
+          </a:lvl3pPr>
+          <a:lvl4pPr marL="514350" indent="-171450" algn="l">
+            <a:defRPr sz="1600"/>
+          </a:lvl4pPr>
+          <a:lvl5pPr marL="685800" indent="-171450" algn="l">
+            <a:defRPr sz="1600"/>
+          </a:lvl5pPr>
+          <a:lvl6pPr marL="857250" indent="-171450" algn="l">
+            <a:defRPr sz="1600"/>
+          </a:lvl6pPr>
+          <a:lvl7pPr marL="1028700" indent="-171450" algn="l">
+            <a:defRPr sz="1600"/>
+          </a:lvl7pPr>
+          <a:lvl8pPr marL="1200150" indent="-171450" algn="l">
+            <a:defRPr sz="1600"/>
+          </a:lvl8pPr>
+          <a:lvl9pPr marL="1371600" indent="-171450" algn="l">
+            <a:defRPr sz="1600"/>
+          </a:lvl9pPr>
+        </a:lstStyle>
+        <a:p>
+          <a:endParaRPr>
+            <a:solidFill>
+              <a:schemeClr val="dk1"/>
+            </a:solidFill>
+          </a:endParaRPr>
+        </a:p>
+      </dsp:txBody>
+      <dsp:txXfrm>
+        <a:off x="4795479" y="1967140"/>
+        <a:ext cx="1403175" cy="1152000"/>
+      </dsp:txXfrm>
+    </dsp:sp>
+    <dsp:sp modelId="{58274EFC-9E5F-49BA-8F2E-4ACC8DD1481D}">
+      <dsp:nvSpPr>
+        <dsp:cNvPr id="16" name="右箭头 15"/>
+        <dsp:cNvSpPr/>
+      </dsp:nvSpPr>
+      <dsp:spPr bwMode="white">
+        <a:xfrm>
+          <a:off x="6111210" y="1511830"/>
+          <a:ext cx="450959" cy="349350"/>
+        </a:xfrm>
+        <a:prstGeom prst="rightArrow">
+          <a:avLst>
+            <a:gd name="adj1" fmla="val 60000"/>
+            <a:gd name="adj2" fmla="val 50000"/>
+          </a:avLst>
+        </a:prstGeom>
+      </dsp:spPr>
+      <dsp:style>
+        <a:lnRef idx="0">
+          <a:schemeClr val="accent1">
+            <a:tint val="60000"/>
+          </a:schemeClr>
+        </a:lnRef>
+        <a:fillRef idx="3">
+          <a:schemeClr val="accent1">
+            <a:tint val="60000"/>
+          </a:schemeClr>
+        </a:fillRef>
+        <a:effectRef idx="3">
+          <a:scrgbClr r="0" g="0" b="0"/>
+        </a:effectRef>
+        <a:fontRef idx="minor">
+          <a:schemeClr val="lt1"/>
+        </a:fontRef>
+      </dsp:style>
+      <dsp:txBody>
+        <a:bodyPr lIns="0" tIns="0" rIns="0" bIns="0" anchor="ctr"/>
+        <a:lstStyle>
+          <a:lvl1pPr algn="ctr">
+            <a:defRPr sz="1300"/>
+          </a:lvl1pPr>
+          <a:lvl2pPr marL="57150" indent="-57150" algn="ctr">
+            <a:defRPr sz="1000"/>
+          </a:lvl2pPr>
+          <a:lvl3pPr marL="114300" indent="-57150" algn="ctr">
+            <a:defRPr sz="1000"/>
+          </a:lvl3pPr>
+          <a:lvl4pPr marL="171450" indent="-57150" algn="ctr">
+            <a:defRPr sz="1000"/>
+          </a:lvl4pPr>
+          <a:lvl5pPr marL="228600" indent="-57150" algn="ctr">
+            <a:defRPr sz="1000"/>
+          </a:lvl5pPr>
+          <a:lvl6pPr marL="285750" indent="-57150" algn="ctr">
+            <a:defRPr sz="1000"/>
+          </a:lvl6pPr>
+          <a:lvl7pPr marL="342900" indent="-57150" algn="ctr">
+            <a:defRPr sz="1000"/>
+          </a:lvl7pPr>
+          <a:lvl8pPr marL="400050" indent="-57150" algn="ctr">
+            <a:defRPr sz="1000"/>
+          </a:lvl8pPr>
+          <a:lvl9pPr marL="457200" indent="-57150" algn="ctr">
+            <a:defRPr sz="1000"/>
+          </a:lvl9pPr>
+        </a:lstStyle>
+        <a:p>
+          <a:pPr lvl="0">
+            <a:lnSpc>
+              <a:spcPct val="100000"/>
+            </a:lnSpc>
+            <a:spcBef>
+              <a:spcPct val="0"/>
+            </a:spcBef>
+            <a:spcAft>
+              <a:spcPct val="35000"/>
+            </a:spcAft>
+          </a:pPr>
+        </a:p>
+      </dsp:txBody>
+      <dsp:txXfrm>
+        <a:off x="6111210" y="1511830"/>
+        <a:ext cx="450959" cy="349350"/>
+      </dsp:txXfrm>
+    </dsp:sp>
+    <dsp:sp modelId="{BC9164B6-8CF0-4879-A265-B22456BE4CF2}">
+      <dsp:nvSpPr>
+        <dsp:cNvPr id="6" name="圆角矩形 5"/>
+        <dsp:cNvSpPr/>
+      </dsp:nvSpPr>
+      <dsp:spPr bwMode="white">
+        <a:xfrm>
+          <a:off x="6762122" y="1405870"/>
+          <a:ext cx="1403175" cy="864000"/>
+        </a:xfrm>
+        <a:prstGeom prst="roundRect">
+          <a:avLst>
+            <a:gd name="adj" fmla="val 10000"/>
+          </a:avLst>
+        </a:prstGeom>
+      </dsp:spPr>
+      <dsp:style>
+        <a:lnRef idx="0">
+          <a:schemeClr val="lt1"/>
+        </a:lnRef>
+        <a:fillRef idx="3">
+          <a:schemeClr val="accent1"/>
+        </a:fillRef>
+        <a:effectRef idx="3">
+          <a:scrgbClr r="0" g="0" b="0"/>
+        </a:effectRef>
+        <a:fontRef idx="minor">
+          <a:schemeClr val="lt1"/>
+        </a:fontRef>
+      </dsp:style>
+      <dsp:txBody>
+        <a:bodyPr lIns="142240" tIns="142240" rIns="142240" bIns="76200" anchor="t"/>
+        <a:lstStyle>
+          <a:lvl1pPr algn="l">
+            <a:defRPr sz="2000"/>
+          </a:lvl1pPr>
+          <a:lvl2pPr marL="114300" indent="-114300" algn="l">
+            <a:defRPr sz="1500"/>
+          </a:lvl2pPr>
+          <a:lvl3pPr marL="228600" indent="-114300" algn="l">
+            <a:defRPr sz="1500"/>
+          </a:lvl3pPr>
+          <a:lvl4pPr marL="342900" indent="-114300" algn="l">
+            <a:defRPr sz="1500"/>
+          </a:lvl4pPr>
+          <a:lvl5pPr marL="457200" indent="-114300" algn="l">
+            <a:defRPr sz="1500"/>
+          </a:lvl5pPr>
+          <a:lvl6pPr marL="571500" indent="-114300" algn="l">
+            <a:defRPr sz="1500"/>
+          </a:lvl6pPr>
+          <a:lvl7pPr marL="685800" indent="-114300" algn="l">
+            <a:defRPr sz="1500"/>
+          </a:lvl7pPr>
+          <a:lvl8pPr marL="800100" indent="-114300" algn="l">
+            <a:defRPr sz="1500"/>
+          </a:lvl8pPr>
+          <a:lvl9pPr marL="914400" indent="-114300" algn="l">
+            <a:defRPr sz="1500"/>
+          </a:lvl9pPr>
+        </a:lstStyle>
+        <a:p>
+          <a:pPr lvl="0">
+            <a:lnSpc>
+              <a:spcPct val="100000"/>
+            </a:lnSpc>
+            <a:spcBef>
+              <a:spcPct val="0"/>
+            </a:spcBef>
+            <a:spcAft>
+              <a:spcPct val="35000"/>
+            </a:spcAft>
+          </a:pPr>
+          <a:endParaRPr lang="zh-CN" altLang="en-US"/>
+        </a:p>
+      </dsp:txBody>
+      <dsp:txXfrm>
+        <a:off x="6762122" y="1405870"/>
+        <a:ext cx="1403175" cy="864000"/>
+      </dsp:txXfrm>
+    </dsp:sp>
+    <dsp:sp modelId="{178AD051-CF63-4F1B-9A8E-BC50021CDB7D}">
+      <dsp:nvSpPr>
+        <dsp:cNvPr id="7" name="圆角矩形 6"/>
+        <dsp:cNvSpPr/>
+      </dsp:nvSpPr>
+      <dsp:spPr bwMode="white">
+        <a:xfrm>
+          <a:off x="7049519" y="1967140"/>
+          <a:ext cx="1403175" cy="1152000"/>
+        </a:xfrm>
+        <a:prstGeom prst="roundRect">
+          <a:avLst>
+            <a:gd name="adj" fmla="val 10000"/>
+          </a:avLst>
+        </a:prstGeom>
+      </dsp:spPr>
+      <dsp:style>
+        <a:lnRef idx="1">
+          <a:schemeClr val="accent1"/>
+        </a:lnRef>
+        <a:fillRef idx="1">
+          <a:schemeClr val="lt1">
+            <a:alpha val="90000"/>
+          </a:schemeClr>
+        </a:fillRef>
+        <a:effectRef idx="2">
+          <a:scrgbClr r="0" g="0" b="0"/>
+        </a:effectRef>
+        <a:fontRef idx="minor"/>
+      </dsp:style>
+      <dsp:txBody>
+        <a:bodyPr lIns="142240" tIns="142240" rIns="142240" bIns="142240" anchor="t"/>
+        <a:lstStyle>
+          <a:lvl1pPr algn="l">
+            <a:defRPr sz="2000"/>
+          </a:lvl1pPr>
+          <a:lvl2pPr marL="228600" indent="-228600" algn="l">
+            <a:defRPr sz="2000"/>
+          </a:lvl2pPr>
+          <a:lvl3pPr marL="457200" indent="-228600" algn="l">
+            <a:defRPr sz="2000"/>
+          </a:lvl3pPr>
+          <a:lvl4pPr marL="685800" indent="-228600" algn="l">
+            <a:defRPr sz="2000"/>
+          </a:lvl4pPr>
+          <a:lvl5pPr marL="914400" indent="-228600" algn="l">
+            <a:defRPr sz="2000"/>
+          </a:lvl5pPr>
+          <a:lvl6pPr marL="1143000" indent="-228600" algn="l">
+            <a:defRPr sz="2000"/>
+          </a:lvl6pPr>
+          <a:lvl7pPr marL="1371600" indent="-228600" algn="l">
+            <a:defRPr sz="2000"/>
+          </a:lvl7pPr>
+          <a:lvl8pPr marL="1600200" indent="-228600" algn="l">
+            <a:defRPr sz="2000"/>
+          </a:lvl8pPr>
+          <a:lvl9pPr marL="1828800" indent="-228600" algn="l">
+            <a:defRPr sz="2000"/>
+          </a:lvl9pPr>
+        </a:lstStyle>
+        <a:p>
+          <a:pPr lvl="1">
+            <a:lnSpc>
+              <a:spcPct val="100000"/>
+            </a:lnSpc>
+            <a:spcBef>
+              <a:spcPct val="0"/>
+            </a:spcBef>
+            <a:spcAft>
+              <a:spcPct val="15000"/>
+            </a:spcAft>
+            <a:buChar char="•"/>
+          </a:pPr>
+          <a:endParaRPr lang="zh-CN" altLang="en-US">
+            <a:solidFill>
+              <a:schemeClr val="dk1"/>
+            </a:solidFill>
+          </a:endParaRPr>
+        </a:p>
+      </dsp:txBody>
+      <dsp:txXfrm>
+        <a:off x="7049519" y="1967140"/>
+        <a:ext cx="1403175" cy="1152000"/>
+      </dsp:txXfrm>
+    </dsp:sp>
+    <dsp:sp modelId="{0399D8D5-1252-4D85-9101-B99A296595E1}">
+      <dsp:nvSpPr>
+        <dsp:cNvPr id="8" name="右箭头 7"/>
+        <dsp:cNvSpPr/>
+      </dsp:nvSpPr>
+      <dsp:spPr bwMode="white">
+        <a:xfrm>
+          <a:off x="8365250" y="1511830"/>
+          <a:ext cx="450959" cy="349350"/>
+        </a:xfrm>
+        <a:prstGeom prst="rightArrow">
+          <a:avLst>
+            <a:gd name="adj1" fmla="val 60000"/>
+            <a:gd name="adj2" fmla="val 50000"/>
+          </a:avLst>
+        </a:prstGeom>
+      </dsp:spPr>
+      <dsp:style>
+        <a:lnRef idx="0">
+          <a:schemeClr val="accent1">
+            <a:tint val="60000"/>
+          </a:schemeClr>
+        </a:lnRef>
+        <a:fillRef idx="3">
+          <a:schemeClr val="accent1">
+            <a:tint val="60000"/>
+          </a:schemeClr>
+        </a:fillRef>
+        <a:effectRef idx="3">
+          <a:scrgbClr r="0" g="0" b="0"/>
+        </a:effectRef>
+        <a:fontRef idx="minor">
+          <a:schemeClr val="lt1"/>
+        </a:fontRef>
+      </dsp:style>
+      <dsp:txBody>
+        <a:bodyPr lIns="0" tIns="0" rIns="0" bIns="0" anchor="ctr"/>
+        <a:lstStyle>
+          <a:lvl1pPr algn="ctr">
+            <a:defRPr sz="1300"/>
+          </a:lvl1pPr>
+          <a:lvl2pPr marL="57150" indent="-57150" algn="ctr">
+            <a:defRPr sz="1000"/>
+          </a:lvl2pPr>
+          <a:lvl3pPr marL="114300" indent="-57150" algn="ctr">
+            <a:defRPr sz="1000"/>
+          </a:lvl3pPr>
+          <a:lvl4pPr marL="171450" indent="-57150" algn="ctr">
+            <a:defRPr sz="1000"/>
+          </a:lvl4pPr>
+          <a:lvl5pPr marL="228600" indent="-57150" algn="ctr">
+            <a:defRPr sz="1000"/>
+          </a:lvl5pPr>
+          <a:lvl6pPr marL="285750" indent="-57150" algn="ctr">
+            <a:defRPr sz="1000"/>
+          </a:lvl6pPr>
+          <a:lvl7pPr marL="342900" indent="-57150" algn="ctr">
+            <a:defRPr sz="1000"/>
+          </a:lvl7pPr>
+          <a:lvl8pPr marL="400050" indent="-57150" algn="ctr">
+            <a:defRPr sz="1000"/>
+          </a:lvl8pPr>
+          <a:lvl9pPr marL="457200" indent="-57150" algn="ctr">
+            <a:defRPr sz="1000"/>
+          </a:lvl9pPr>
+        </a:lstStyle>
+        <a:p>
+          <a:pPr lvl="0">
+            <a:lnSpc>
+              <a:spcPct val="100000"/>
+            </a:lnSpc>
+            <a:spcBef>
+              <a:spcPct val="0"/>
+            </a:spcBef>
+            <a:spcAft>
+              <a:spcPct val="35000"/>
+            </a:spcAft>
+          </a:pPr>
+          <a:endParaRPr lang="zh-CN" altLang="en-US"/>
+        </a:p>
+      </dsp:txBody>
+      <dsp:txXfrm>
+        <a:off x="8365250" y="1511830"/>
+        <a:ext cx="450959" cy="349350"/>
+      </dsp:txXfrm>
+    </dsp:sp>
+    <dsp:sp modelId="{11B51A25-BC1E-4A01-8D9E-AE2F8BBE02A0}">
+      <dsp:nvSpPr>
+        <dsp:cNvPr id="9" name="圆角矩形 8"/>
+        <dsp:cNvSpPr/>
+      </dsp:nvSpPr>
+      <dsp:spPr bwMode="white">
+        <a:xfrm>
+          <a:off x="9016162" y="1405870"/>
+          <a:ext cx="1403175" cy="864000"/>
+        </a:xfrm>
+        <a:prstGeom prst="roundRect">
+          <a:avLst>
+            <a:gd name="adj" fmla="val 10000"/>
+          </a:avLst>
+        </a:prstGeom>
+      </dsp:spPr>
+      <dsp:style>
+        <a:lnRef idx="0">
+          <a:schemeClr val="lt1"/>
+        </a:lnRef>
+        <a:fillRef idx="3">
+          <a:schemeClr val="accent1"/>
+        </a:fillRef>
+        <a:effectRef idx="3">
+          <a:scrgbClr r="0" g="0" b="0"/>
+        </a:effectRef>
+        <a:fontRef idx="minor">
+          <a:schemeClr val="lt1"/>
+        </a:fontRef>
+      </dsp:style>
+      <dsp:txBody>
+        <a:bodyPr lIns="142240" tIns="142240" rIns="142240" bIns="76200" anchor="t"/>
+        <a:lstStyle>
+          <a:lvl1pPr algn="l">
+            <a:defRPr sz="2000"/>
+          </a:lvl1pPr>
+          <a:lvl2pPr marL="114300" indent="-114300" algn="l">
+            <a:defRPr sz="1500"/>
+          </a:lvl2pPr>
+          <a:lvl3pPr marL="228600" indent="-114300" algn="l">
+            <a:defRPr sz="1500"/>
+          </a:lvl3pPr>
+          <a:lvl4pPr marL="342900" indent="-114300" algn="l">
+            <a:defRPr sz="1500"/>
+          </a:lvl4pPr>
+          <a:lvl5pPr marL="457200" indent="-114300" algn="l">
+            <a:defRPr sz="1500"/>
+          </a:lvl5pPr>
+          <a:lvl6pPr marL="571500" indent="-114300" algn="l">
+            <a:defRPr sz="1500"/>
+          </a:lvl6pPr>
+          <a:lvl7pPr marL="685800" indent="-114300" algn="l">
+            <a:defRPr sz="1500"/>
+          </a:lvl7pPr>
+          <a:lvl8pPr marL="800100" indent="-114300" algn="l">
+            <a:defRPr sz="1500"/>
+          </a:lvl8pPr>
+          <a:lvl9pPr marL="914400" indent="-114300" algn="l">
+            <a:defRPr sz="1500"/>
+          </a:lvl9pPr>
+        </a:lstStyle>
+        <a:p>
+          <a:pPr lvl="0">
+            <a:lnSpc>
+              <a:spcPct val="100000"/>
+            </a:lnSpc>
+            <a:spcBef>
+              <a:spcPct val="0"/>
+            </a:spcBef>
+            <a:spcAft>
+              <a:spcPct val="35000"/>
+            </a:spcAft>
+          </a:pPr>
+          <a:endParaRPr lang="zh-CN" altLang="en-US"/>
+        </a:p>
+      </dsp:txBody>
+      <dsp:txXfrm>
+        <a:off x="9016162" y="1405870"/>
+        <a:ext cx="1403175" cy="864000"/>
+      </dsp:txXfrm>
+    </dsp:sp>
+    <dsp:sp modelId="{A049FDA1-9B71-4C54-9B2E-EB8FFCDFB2F4}">
+      <dsp:nvSpPr>
+        <dsp:cNvPr id="10" name="圆角矩形 9"/>
+        <dsp:cNvSpPr/>
+      </dsp:nvSpPr>
+      <dsp:spPr bwMode="white">
+        <a:xfrm>
+          <a:off x="9303560" y="1967140"/>
+          <a:ext cx="1403175" cy="1152000"/>
+        </a:xfrm>
+        <a:prstGeom prst="roundRect">
+          <a:avLst>
+            <a:gd name="adj" fmla="val 10000"/>
+          </a:avLst>
+        </a:prstGeom>
+      </dsp:spPr>
+      <dsp:style>
+        <a:lnRef idx="1">
+          <a:schemeClr val="accent1"/>
+        </a:lnRef>
+        <a:fillRef idx="1">
+          <a:schemeClr val="lt1">
+            <a:alpha val="90000"/>
+          </a:schemeClr>
+        </a:fillRef>
+        <a:effectRef idx="2">
+          <a:scrgbClr r="0" g="0" b="0"/>
+        </a:effectRef>
+        <a:fontRef idx="minor"/>
+      </dsp:style>
+      <dsp:txBody>
+        <a:bodyPr lIns="142240" tIns="142240" rIns="142240" bIns="142240" anchor="t"/>
+        <a:lstStyle>
+          <a:lvl1pPr algn="l">
+            <a:defRPr sz="2000"/>
+          </a:lvl1pPr>
+          <a:lvl2pPr marL="228600" indent="-228600" algn="l">
+            <a:defRPr sz="2000"/>
+          </a:lvl2pPr>
+          <a:lvl3pPr marL="457200" indent="-228600" algn="l">
+            <a:defRPr sz="2000"/>
+          </a:lvl3pPr>
+          <a:lvl4pPr marL="685800" indent="-228600" algn="l">
+            <a:defRPr sz="2000"/>
+          </a:lvl4pPr>
+          <a:lvl5pPr marL="914400" indent="-228600" algn="l">
+            <a:defRPr sz="2000"/>
+          </a:lvl5pPr>
+          <a:lvl6pPr marL="1143000" indent="-228600" algn="l">
+            <a:defRPr sz="2000"/>
+          </a:lvl6pPr>
+          <a:lvl7pPr marL="1371600" indent="-228600" algn="l">
+            <a:defRPr sz="2000"/>
+          </a:lvl7pPr>
+          <a:lvl8pPr marL="1600200" indent="-228600" algn="l">
+            <a:defRPr sz="2000"/>
+          </a:lvl8pPr>
+          <a:lvl9pPr marL="1828800" indent="-228600" algn="l">
+            <a:defRPr sz="2000"/>
+          </a:lvl9pPr>
+        </a:lstStyle>
+        <a:p>
+          <a:pPr lvl="1">
+            <a:lnSpc>
+              <a:spcPct val="100000"/>
+            </a:lnSpc>
+            <a:spcBef>
+              <a:spcPct val="0"/>
+            </a:spcBef>
+            <a:spcAft>
+              <a:spcPct val="15000"/>
+            </a:spcAft>
+            <a:buChar char="•"/>
+          </a:pPr>
+          <a:endParaRPr lang="zh-CN" altLang="en-US">
+            <a:solidFill>
+              <a:schemeClr val="dk1"/>
+            </a:solidFill>
+          </a:endParaRPr>
+        </a:p>
+      </dsp:txBody>
+      <dsp:txXfrm>
+        <a:off x="9303560" y="1967140"/>
+        <a:ext cx="1403175" cy="1152000"/>
+      </dsp:txXfrm>
+    </dsp:sp>
+  </dsp:spTree>
+</dsp:drawing>
+</file>
+
+<file path=ppt/diagrams/layout1.xml><?xml version="1.0" encoding="utf-8"?>
+<dgm:layoutDef xmlns:dgm="http://schemas.openxmlformats.org/drawingml/2006/diagram" xmlns:a="http://schemas.openxmlformats.org/drawingml/2006/main" uniqueId="urn:microsoft.com/office/officeart/2005/8/layout/process3">
+  <dgm:title val=""/>
+  <dgm:desc val=""/>
+  <dgm:catLst>
+    <dgm:cat type="process" pri="2000"/>
+  </dgm:catLst>
+  <dgm:sampData>
+    <dgm:dataModel>
+      <dgm:ptLst>
+        <dgm:pt modelId="0" type="doc"/>
+        <dgm:pt modelId="1">
+          <dgm:prSet phldr="1"/>
+        </dgm:pt>
+        <dgm:pt modelId="11">
+          <dgm:prSet phldr="1"/>
+        </dgm:pt>
+        <dgm:pt modelId="2">
+          <dgm:prSet phldr="1"/>
+        </dgm:pt>
+        <dgm:pt modelId="21">
+          <dgm:prSet phldr="1"/>
+        </dgm:pt>
+        <dgm:pt modelId="3">
+          <dgm:prSet phldr="1"/>
+        </dgm:pt>
+        <dgm:pt modelId="31">
+          <dgm:prSet phldr="1"/>
+        </dgm:pt>
+      </dgm:ptLst>
+      <dgm:cxnLst>
+        <dgm:cxn modelId="4" srcId="0" destId="1" srcOrd="0" destOrd="0"/>
+        <dgm:cxn modelId="5" srcId="0" destId="2" srcOrd="1" destOrd="0"/>
+        <dgm:cxn modelId="6" srcId="0" destId="3" srcOrd="3" destOrd="0"/>
+        <dgm:cxn modelId="12" srcId="1" destId="11" srcOrd="0" destOrd="0"/>
+        <dgm:cxn modelId="23" srcId="2" destId="21" srcOrd="0" destOrd="0"/>
+        <dgm:cxn modelId="34" srcId="3" destId="31" srcOrd="0" destOrd="0"/>
+      </dgm:cxnLst>
+      <dgm:bg/>
+      <dgm:whole/>
+    </dgm:dataModel>
+  </dgm:sampData>
+  <dgm:styleData>
+    <dgm:dataModel>
+      <dgm:ptLst>
+        <dgm:pt modelId="0" type="doc">
+          <dgm:prSet qsTypeId="urn:microsoft.com/office/officeart/2005/8/quickstyle/simple5"/>
+        </dgm:pt>
+        <dgm:pt modelId="1">
+          <dgm:prSet phldr="1"/>
+        </dgm:pt>
+        <dgm:pt modelId="11">
+          <dgm:prSet phldr="1"/>
+        </dgm:pt>
+        <dgm:pt modelId="2">
+          <dgm:prSet phldr="1"/>
+        </dgm:pt>
+        <dgm:pt modelId="21">
+          <dgm:prSet phldr="1"/>
+        </dgm:pt>
+      </dgm:ptLst>
+      <dgm:cxnLst>
+        <dgm:cxn modelId="4" srcId="0" destId="1" srcOrd="0" destOrd="0"/>
+        <dgm:cxn modelId="5" srcId="0" destId="2" srcOrd="1" destOrd="0"/>
+        <dgm:cxn modelId="13" srcId="1" destId="11" srcOrd="0" destOrd="0"/>
+        <dgm:cxn modelId="23" srcId="2" destId="21" srcOrd="0" destOrd="0"/>
+      </dgm:cxnLst>
+      <dgm:bg/>
+      <dgm:whole/>
+    </dgm:dataModel>
+  </dgm:styleData>
+  <dgm:clrData>
+    <dgm:dataModel>
+      <dgm:ptLst>
+        <dgm:pt modelId="0" type="doc"/>
+        <dgm:pt modelId="1">
+          <dgm:prSet phldr="1"/>
+        </dgm:pt>
+        <dgm:pt modelId="11">
+          <dgm:prSet phldr="1"/>
+        </dgm:pt>
+        <dgm:pt modelId="2">
+          <dgm:prSet phldr="1"/>
+        </dgm:pt>
+        <dgm:pt modelId="21">
+          <dgm:prSet phldr="1"/>
+        </dgm:pt>
+        <dgm:pt modelId="3">
+          <dgm:prSet phldr="1"/>
+        </dgm:pt>
+        <dgm:pt modelId="31">
+          <dgm:prSet phldr="1"/>
+        </dgm:pt>
+        <dgm:pt modelId="4">
+          <dgm:prSet phldr="1"/>
+        </dgm:pt>
+        <dgm:pt modelId="41">
+          <dgm:prSet phldr="1"/>
+        </dgm:pt>
+      </dgm:ptLst>
+      <dgm:cxnLst>
+        <dgm:cxn modelId="5" srcId="0" destId="1" srcOrd="0" destOrd="0"/>
+        <dgm:cxn modelId="6" srcId="0" destId="2" srcOrd="1" destOrd="0"/>
+        <dgm:cxn modelId="7" srcId="0" destId="3" srcOrd="2" destOrd="0"/>
+        <dgm:cxn modelId="8" srcId="0" destId="4" srcOrd="3" destOrd="0"/>
+        <dgm:cxn modelId="13" srcId="1" destId="11" srcOrd="0" destOrd="0"/>
+        <dgm:cxn modelId="23" srcId="2" destId="21" srcOrd="0" destOrd="0"/>
+        <dgm:cxn modelId="33" srcId="3" destId="31" srcOrd="0" destOrd="0"/>
+        <dgm:cxn modelId="43" srcId="4" destId="41" srcOrd="0" destOrd="0"/>
+      </dgm:cxnLst>
+      <dgm:bg/>
+      <dgm:whole/>
+    </dgm:dataModel>
+  </dgm:clrData>
+  <dgm:layoutNode name="linearFlow">
+    <dgm:varLst>
+      <dgm:dir/>
+      <dgm:animLvl val="lvl"/>
+      <dgm:resizeHandles val="exact"/>
+    </dgm:varLst>
+    <dgm:choose name="Name0">
+      <dgm:if name="Name1" func="var" arg="dir" op="equ" val="norm">
+        <dgm:alg type="lin"/>
+      </dgm:if>
+      <dgm:else name="Name2">
+        <dgm:alg type="lin">
+          <dgm:param type="linDir" val="fromR"/>
+        </dgm:alg>
+      </dgm:else>
+    </dgm:choose>
+    <dgm:shape xmlns:r="http://schemas.openxmlformats.org/officeDocument/2006/relationships" r:blip="">
+      <dgm:adjLst/>
+    </dgm:shape>
+    <dgm:presOf/>
+    <dgm:constrLst>
+      <dgm:constr type="w" for="ch" forName="composite" refType="w"/>
+      <dgm:constr type="w" for="ch" ptType="sibTrans" refType="w" refFor="ch" refForName="composite" fact="0.3333"/>
+      <dgm:constr type="w" for="des" forName="parTx"/>
+      <dgm:constr type="h" for="des" forName="parTx" op="equ"/>
+      <dgm:constr type="h" for="des" forName="parSh" op="equ"/>
+      <dgm:constr type="w" for="des" forName="desTx"/>
+      <dgm:constr type="h" for="des" forName="desTx" op="equ"/>
+      <dgm:constr type="w" for="des" forName="parSh"/>
+      <dgm:constr type="primFontSz" for="des" forName="parTx" val="65"/>
+      <dgm:constr type="secFontSz" for="des" forName="desTx" refType="primFontSz" refFor="des" refForName="parTx" op="equ"/>
+      <dgm:constr type="primFontSz" for="des" forName="connTx" refType="primFontSz" refFor="des" refForName="parTx" fact="0.8"/>
+      <dgm:constr type="primFontSz" for="des" forName="connTx" refType="primFontSz" refFor="des" refForName="parTx" op="lte" fact="0.8"/>
+      <dgm:constr type="h" for="des" forName="parTx" refType="primFontSz" refFor="des" refForName="parTx" fact="0.8"/>
+      <dgm:constr type="h" for="des" forName="parSh" refType="primFontSz" refFor="des" refForName="parTx" fact="1.2"/>
+      <dgm:constr type="h" for="des" forName="desTx" refType="primFontSz" refFor="des" refForName="parTx" fact="1.6"/>
+      <dgm:constr type="h" for="des" forName="parSh" refType="h" refFor="des" refForName="parTx" op="lte" fact="1.5"/>
+      <dgm:constr type="h" for="des" forName="parSh" refType="h" refFor="des" refForName="parTx" op="gte" fact="1.5"/>
+    </dgm:constrLst>
+    <dgm:ruleLst>
+      <dgm:rule type="w" for="ch" forName="composite" val="0" fact="NaN" max="NaN"/>
+      <dgm:rule type="primFontSz" for="des" forName="parTx" val="5" fact="NaN" max="NaN"/>
+    </dgm:ruleLst>
+    <dgm:forEach name="Name3" axis="ch" ptType="node">
+      <dgm:layoutNode name="composite">
+        <dgm:alg type="composite"/>
+        <dgm:shape xmlns:r="http://schemas.openxmlformats.org/officeDocument/2006/relationships" r:blip="">
+          <dgm:adjLst/>
+        </dgm:shape>
+        <dgm:presOf/>
+        <dgm:choose name="Name4">
+          <dgm:if name="Name5" func="var" arg="dir" op="equ" val="norm">
+            <dgm:constrLst>
+              <dgm:constr type="h" refType="w" fact="1000"/>
+              <dgm:constr type="l" for="ch" forName="parTx"/>
+              <dgm:constr type="w" for="ch" forName="parTx" refType="w" fact="0.83"/>
+              <dgm:constr type="t" for="ch" forName="parTx"/>
+              <dgm:constr type="l" for="ch" forName="parSh"/>
+              <dgm:constr type="w" for="ch" forName="parSh" refType="w" refFor="ch" refForName="parTx"/>
+              <dgm:constr type="t" for="ch" forName="parSh"/>
+              <dgm:constr type="l" for="ch" forName="desTx" refType="w" fact="0.17"/>
+              <dgm:constr type="w" for="ch" forName="desTx" refType="w" refFor="ch" refForName="parTx"/>
+              <dgm:constr type="t" for="ch" forName="desTx" refType="h" refFor="ch" refForName="parTx"/>
+            </dgm:constrLst>
+          </dgm:if>
+          <dgm:else name="Name6">
+            <dgm:constrLst>
+              <dgm:constr type="h" refType="w" fact="1000"/>
+              <dgm:constr type="l" for="ch" forName="parTx" refType="w" fact="0.17"/>
+              <dgm:constr type="w" for="ch" forName="parTx" refType="w" fact="0.83"/>
+              <dgm:constr type="t" for="ch" forName="parTx"/>
+              <dgm:constr type="l" for="ch" forName="parSh" refType="w" fact="0.15"/>
+              <dgm:constr type="w" for="ch" forName="parSh" refType="w" refFor="ch" refForName="parTx"/>
+              <dgm:constr type="t" for="ch" forName="parSh"/>
+              <dgm:constr type="l" for="ch" forName="desTx"/>
+              <dgm:constr type="w" for="ch" forName="desTx" refType="w" refFor="ch" refForName="parTx"/>
+              <dgm:constr type="t" for="ch" forName="desTx" refType="h" refFor="ch" refForName="parTx"/>
+            </dgm:constrLst>
+          </dgm:else>
+        </dgm:choose>
+        <dgm:ruleLst>
+          <dgm:rule type="h" val="INF" fact="NaN" max="NaN"/>
+        </dgm:ruleLst>
+        <dgm:layoutNode name="parTx">
+          <dgm:varLst>
+            <dgm:chMax val="0"/>
+            <dgm:chPref val="0"/>
+            <dgm:bulletEnabled val="1"/>
+          </dgm:varLst>
+          <dgm:alg type="tx">
+            <dgm:param type="parTxLTRAlign" val="l"/>
+            <dgm:param type="parTxRTLAlign" val="r"/>
+            <dgm:param type="txAnchorVert" val="t"/>
+          </dgm:alg>
+          <dgm:shape xmlns:r="http://schemas.openxmlformats.org/officeDocument/2006/relationships" type="rect" r:blip="" zOrderOff="1" hideGeom="1">
+            <dgm:adjLst>
+              <dgm:adj idx="1" val="0.1"/>
+            </dgm:adjLst>
+          </dgm:shape>
+          <dgm:presOf axis="self" ptType="node"/>
+          <dgm:constrLst>
+            <dgm:constr type="h" refType="w" op="lte" fact="0.4"/>
+            <dgm:constr type="bMarg" refType="primFontSz" fact="0.3"/>
+            <dgm:constr type="h"/>
+          </dgm:constrLst>
+          <dgm:ruleLst>
+            <dgm:rule type="h" val="INF" fact="NaN" max="NaN"/>
+          </dgm:ruleLst>
+        </dgm:layoutNode>
+        <dgm:layoutNode name="parSh">
+          <dgm:alg type="sp"/>
+          <dgm:shape xmlns:r="http://schemas.openxmlformats.org/officeDocument/2006/relationships" type="roundRect" r:blip="">
+            <dgm:adjLst>
+              <dgm:adj idx="1" val="0.1"/>
+            </dgm:adjLst>
+          </dgm:shape>
+          <dgm:presOf axis="self" ptType="node"/>
+          <dgm:constrLst>
+            <dgm:constr type="h"/>
+          </dgm:constrLst>
+          <dgm:ruleLst/>
+        </dgm:layoutNode>
+        <dgm:layoutNode name="desTx" styleLbl="fgAcc1">
+          <dgm:varLst>
+            <dgm:bulletEnabled val="1"/>
+          </dgm:varLst>
+          <dgm:alg type="tx">
+            <dgm:param type="stBulletLvl" val="1"/>
+          </dgm:alg>
+          <dgm:shape xmlns:r="http://schemas.openxmlformats.org/officeDocument/2006/relationships" type="roundRect" r:blip="">
+            <dgm:adjLst>
+              <dgm:adj idx="1" val="0.1"/>
+            </dgm:adjLst>
+          </dgm:shape>
+          <dgm:presOf axis="des" ptType="node"/>
+          <dgm:constrLst>
+            <dgm:constr type="secFontSz" val="65"/>
+            <dgm:constr type="primFontSz" refType="secFontSz"/>
+            <dgm:constr type="h"/>
+          </dgm:constrLst>
+          <dgm:ruleLst>
+            <dgm:rule type="h" val="INF" fact="NaN" max="NaN"/>
+          </dgm:ruleLst>
+        </dgm:layoutNode>
+      </dgm:layoutNode>
+      <dgm:forEach name="sibTransForEach" axis="followSib" ptType="sibTrans" cnt="1">
+        <dgm:layoutNode name="sibTrans">
+          <dgm:alg type="conn">
+            <dgm:param type="srcNode" val="parTx"/>
+            <dgm:param type="dstNode" val="parTx"/>
+            <dgm:param type="begPts" val="auto"/>
+            <dgm:param type="endPts" val="auto"/>
+          </dgm:alg>
+          <dgm:shape xmlns:r="http://schemas.openxmlformats.org/officeDocument/2006/relationships" type="conn" r:blip="">
+            <dgm:adjLst/>
+          </dgm:shape>
+          <dgm:presOf axis="self"/>
+          <dgm:constrLst>
+            <dgm:constr type="h" refType="w" fact="0.62"/>
+            <dgm:constr type="connDist"/>
+            <dgm:constr type="begPad" refType="connDist" fact="0.25"/>
+            <dgm:constr type="endPad" refType="connDist" fact="0.22"/>
+          </dgm:constrLst>
+          <dgm:ruleLst/>
+          <dgm:layoutNode name="connTx">
+            <dgm:alg type="tx">
+              <dgm:param type="autoTxRot" val="grav"/>
+            </dgm:alg>
+            <dgm:shape xmlns:r="http://schemas.openxmlformats.org/officeDocument/2006/relationships" type="conn" r:blip="" hideGeom="1">
+              <dgm:adjLst/>
+            </dgm:shape>
+            <dgm:presOf axis="self"/>
+            <dgm:constrLst>
+              <dgm:constr type="lMarg"/>
+              <dgm:constr type="rMarg"/>
+              <dgm:constr type="tMarg"/>
+              <dgm:constr type="bMarg"/>
+            </dgm:constrLst>
+            <dgm:ruleLst>
+              <dgm:rule type="primFontSz" val="5" fact="NaN" max="NaN"/>
+            </dgm:ruleLst>
+          </dgm:layoutNode>
+        </dgm:layoutNode>
+      </dgm:forEach>
+    </dgm:forEach>
+  </dgm:layoutNode>
+</dgm:layoutDef>
+</file>
+
+<file path=ppt/diagrams/quickStyle1.xml><?xml version="1.0" encoding="utf-8"?>
+<dgm:styleDef xmlns:dgm="http://schemas.openxmlformats.org/drawingml/2006/diagram" xmlns:a="http://schemas.openxmlformats.org/drawingml/2006/main" uniqueId="urn:microsoft.com/office/officeart/2005/8/quickstyle/simple5">
+  <dgm:title val=""/>
+  <dgm:desc val=""/>
+  <dgm:catLst>
+    <dgm:cat type="simple" pri="10500"/>
+  </dgm:catLst>
+  <dgm:scene3d>
+    <a:camera prst="orthographicFront"/>
+    <a:lightRig rig="threePt" dir="t"/>
+  </dgm:scene3d>
+  <dgm:styleLbl name="alignAcc1">
+    <dgm:scene3d>
+      <a:camera prst="orthographicFront"/>
+      <a:lightRig rig="threePt" dir="t"/>
+    </dgm:scene3d>
+    <dgm:txPr/>
+    <dgm:style>
+      <a:lnRef idx="1">
+        <a:scrgbClr r="0" g="0" b="0"/>
+      </a:lnRef>
+      <a:fillRef idx="1">
+        <a:scrgbClr r="0" g="0" b="0"/>
+      </a:fillRef>
+      <a:effectRef idx="2">
+        <a:scrgbClr r="0" g="0" b="0"/>
+      </a:effectRef>
+      <a:fontRef idx="minor"/>
+    </dgm:style>
+  </dgm:styleLbl>
+  <dgm:styleLbl name="alignAccFollowNode1">
+    <dgm:scene3d>
+      <a:camera prst="orthographicFront"/>
+      <a:lightRig rig="threePt" dir="t"/>
+    </dgm:scene3d>
+    <dgm:txPr/>
+    <dgm:style>
+      <a:lnRef idx="1">
+        <a:scrgbClr r="0" g="0" b="0"/>
+      </a:lnRef>
+      <a:fillRef idx="1">
+        <a:scrgbClr r="0" g="0" b="0"/>
+      </a:fillRef>
+      <a:effectRef idx="2">
+        <a:scrgbClr r="0" g="0" b="0"/>
+      </a:effectRef>
+      <a:fontRef idx="minor"/>
+    </dgm:style>
+  </dgm:styleLbl>
+  <dgm:styleLbl name="alignImgPlace1">
+    <dgm:scene3d>
+      <a:camera prst="orthographicFront"/>
+      <a:lightRig rig="threePt" dir="t"/>
+    </dgm:scene3d>
+    <dgm:txPr/>
+    <dgm:style>
+      <a:lnRef idx="0">
+        <a:scrgbClr r="0" g="0" b="0"/>
+      </a:lnRef>
+      <a:fillRef idx="1">
+        <a:scrgbClr r="0" g="0" b="0"/>
+      </a:fillRef>
+      <a:effectRef idx="3">
+        <a:scrgbClr r="0" g="0" b="0"/>
+      </a:effectRef>
+      <a:fontRef idx="minor"/>
+    </dgm:style>
+  </dgm:styleLbl>
+  <dgm:styleLbl name="alignNode1">
+    <dgm:scene3d>
+      <a:camera prst="orthographicFront"/>
+      <a:lightRig rig="threePt" dir="t"/>
+    </dgm:scene3d>
+    <dgm:txPr/>
+    <dgm:style>
+      <a:lnRef idx="1">
+        <a:scrgbClr r="0" g="0" b="0"/>
+      </a:lnRef>
+      <a:fillRef idx="3">
+        <a:scrgbClr r="0" g="0" b="0"/>
+      </a:fillRef>
+      <a:effectRef idx="3">
+        <a:scrgbClr r="0" g="0" b="0"/>
+      </a:effectRef>
+      <a:fontRef idx="minor">
+        <a:schemeClr val="lt1"/>
+      </a:fontRef>
+    </dgm:style>
+  </dgm:styleLbl>
+  <dgm:styleLbl name="asst0">
+    <dgm:scene3d>
+      <a:camera prst="orthographicFront"/>
+      <a:lightRig rig="threePt" dir="t"/>
+    </dgm:scene3d>
+    <dgm:txPr/>
+    <dgm:style>
+      <a:lnRef idx="0">
+        <a:scrgbClr r="0" g="0" b="0"/>
+      </a:lnRef>
+      <a:fillRef idx="3">
+        <a:scrgbClr r="0" g="0" b="0"/>
+      </a:fillRef>
+      <a:effectRef idx="3">
+        <a:scrgbClr r="0" g="0" b="0"/>
+      </a:effectRef>
+      <a:fontRef idx="minor">
+        <a:schemeClr val="lt1"/>
+      </a:fontRef>
+    </dgm:style>
+  </dgm:styleLbl>
+  <dgm:styleLbl name="asst1">
+    <dgm:scene3d>
+      <a:camera prst="orthographicFront"/>
+      <a:lightRig rig="threePt" dir="t"/>
+    </dgm:scene3d>
+    <dgm:txPr/>
+    <dgm:style>
+      <a:lnRef idx="0">
+        <a:scrgbClr r="0" g="0" b="0"/>
+      </a:lnRef>
+      <a:fillRef idx="3">
+        <a:scrgbClr r="0" g="0" b="0"/>
+      </a:fillRef>
+      <a:effectRef idx="3">
+        <a:scrgbClr r="0" g="0" b="0"/>
+      </a:effectRef>
+      <a:fontRef idx="minor">
+        <a:schemeClr val="lt1"/>
+      </a:fontRef>
+    </dgm:style>
+  </dgm:styleLbl>
+  <dgm:styleLbl name="asst2">
+    <dgm:scene3d>
+      <a:camera prst="orthographicFront"/>
+      <a:lightRig rig="threePt" dir="t"/>
+    </dgm:scene3d>
+    <dgm:txPr/>
+    <dgm:style>
+      <a:lnRef idx="0">
+        <a:scrgbClr r="0" g="0" b="0"/>
+      </a:lnRef>
+      <a:fillRef idx="3">
+        <a:scrgbClr r="0" g="0" b="0"/>
+      </a:fillRef>
+      <a:effectRef idx="3">
+        <a:scrgbClr r="0" g="0" b="0"/>
+      </a:effectRef>
+      <a:fontRef idx="minor">
+        <a:schemeClr val="lt1"/>
+      </a:fontRef>
+    </dgm:style>
+  </dgm:styleLbl>
+  <dgm:styleLbl name="asst3">
+    <dgm:scene3d>
+      <a:camera prst="orthographicFront"/>
+      <a:lightRig rig="threePt" dir="t"/>
+    </dgm:scene3d>
+    <dgm:txPr/>
+    <dgm:style>
+      <a:lnRef idx="0">
+        <a:scrgbClr r="0" g="0" b="0"/>
+      </a:lnRef>
+      <a:fillRef idx="3">
+        <a:scrgbClr r="0" g="0" b="0"/>
+      </a:fillRef>
+      <a:effectRef idx="3">
+        <a:scrgbClr r="0" g="0" b="0"/>
+      </a:effectRef>
+      <a:fontRef idx="minor">
+        <a:schemeClr val="lt1"/>
+      </a:fontRef>
+    </dgm:style>
+  </dgm:styleLbl>
+  <dgm:styleLbl name="asst4">
+    <dgm:scene3d>
+      <a:camera prst="orthographicFront"/>
+      <a:lightRig rig="threePt" dir="t"/>
+    </dgm:scene3d>
+    <dgm:txPr/>
+    <dgm:style>
+      <a:lnRef idx="0">
+        <a:scrgbClr r="0" g="0" b="0"/>
+      </a:lnRef>
+      <a:fillRef idx="3">
+        <a:scrgbClr r="0" g="0" b="0"/>
+      </a:fillRef>
+      <a:effectRef idx="3">
+        <a:scrgbClr r="0" g="0" b="0"/>
+      </a:effectRef>
+      <a:fontRef idx="minor">
+        <a:schemeClr val="lt1"/>
+      </a:fontRef>
+    </dgm:style>
+  </dgm:styleLbl>
+  <dgm:styleLbl name="bgAcc1">
+    <dgm:scene3d>
+      <a:camera prst="orthographicFront"/>
+      <a:lightRig rig="threePt" dir="t"/>
+    </dgm:scene3d>
+    <dgm:txPr/>
+    <dgm:style>
+      <a:lnRef idx="1">
+        <a:scrgbClr r="0" g="0" b="0"/>
+      </a:lnRef>
+      <a:fillRef idx="1">
+        <a:scrgbClr r="0" g="0" b="0"/>
+      </a:fillRef>
+      <a:effectRef idx="2">
+        <a:scrgbClr r="0" g="0" b="0"/>
+      </a:effectRef>
+      <a:fontRef idx="minor"/>
+    </dgm:style>
+  </dgm:styleLbl>
+  <dgm:styleLbl name="bgAccFollowNode1">
+    <dgm:scene3d>
+      <a:camera prst="orthographicFront"/>
+      <a:lightRig rig="threePt" dir="t"/>
+    </dgm:scene3d>
+    <dgm:txPr/>
+    <dgm:style>
+      <a:lnRef idx="1">
+        <a:scrgbClr r="0" g="0" b="0"/>
+      </a:lnRef>
+      <a:fillRef idx="1">
+        <a:scrgbClr r="0" g="0" b="0"/>
+      </a:fillRef>
+      <a:effectRef idx="2">
+        <a:scrgbClr r="0" g="0" b="0"/>
+      </a:effectRef>
+      <a:fontRef idx="minor"/>
+    </dgm:style>
+  </dgm:styleLbl>
+  <dgm:styleLbl name="bgImgPlace1">
+    <dgm:scene3d>
+      <a:camera prst="orthographicFront"/>
+      <a:lightRig rig="threePt" dir="t"/>
+    </dgm:scene3d>
+    <dgm:txPr/>
+    <dgm:style>
+      <a:lnRef idx="0">
+        <a:scrgbClr r="0" g="0" b="0"/>
+      </a:lnRef>
+      <a:fillRef idx="1">
+        <a:scrgbClr r="0" g="0" b="0"/>
+      </a:fillRef>
+      <a:effectRef idx="3">
+        <a:scrgbClr r="0" g="0" b="0"/>
+      </a:effectRef>
+      <a:fontRef idx="minor"/>
+    </dgm:style>
+  </dgm:styleLbl>
+  <dgm:styleLbl name="bgShp">
+    <dgm:scene3d>
+      <a:camera prst="orthographicFront"/>
+      <a:lightRig rig="threePt" dir="t"/>
+    </dgm:scene3d>
+    <dgm:txPr/>
+    <dgm:style>
+      <a:lnRef idx="0">
+        <a:scrgbClr r="0" g="0" b="0"/>
+      </a:lnRef>
+      <a:fillRef idx="1">
+        <a:scrgbClr r="0" g="0" b="0"/>
+      </a:fillRef>
+      <a:effectRef idx="2">
+        <a:scrgbClr r="0" g="0" b="0"/>
+      </a:effectRef>
+      <a:fontRef idx="minor"/>
+    </dgm:style>
+  </dgm:styleLbl>
+  <dgm:styleLbl name="bgSibTrans2D1">
+    <dgm:scene3d>
+      <a:camera prst="orthographicFront"/>
+      <a:lightRig rig="threePt" dir="t"/>
+    </dgm:scene3d>
+    <dgm:txPr/>
+    <dgm:style>
+      <a:lnRef idx="0">
+        <a:scrgbClr r="0" g="0" b="0"/>
+      </a:lnRef>
+      <a:fillRef idx="3">
+        <a:scrgbClr r="0" g="0" b="0"/>
+      </a:fillRef>
+      <a:effectRef idx="3">
+        <a:scrgbClr r="0" g="0" b="0"/>
+      </a:effectRef>
+      <a:fontRef idx="minor">
+        <a:schemeClr val="lt1"/>
+      </a:fontRef>
+    </dgm:style>
+  </dgm:styleLbl>
+  <dgm:styleLbl name="callout">
+    <dgm:scene3d>
+      <a:camera prst="orthographicFront"/>
+      <a:lightRig rig="threePt" dir="t"/>
+    </dgm:scene3d>
+    <dgm:txPr/>
+    <dgm:style>
+      <a:lnRef idx="1">
+        <a:scrgbClr r="0" g="0" b="0"/>
+      </a:lnRef>
+      <a:fillRef idx="0">
+        <a:scrgbClr r="0" g="0" b="0"/>
+      </a:fillRef>
+      <a:effectRef idx="1">
+        <a:scrgbClr r="0" g="0" b="0"/>
+      </a:effectRef>
+      <a:fontRef idx="minor"/>
+    </dgm:style>
+  </dgm:styleLbl>
+  <dgm:styleLbl name="conFgAcc1">
+    <dgm:scene3d>
+      <a:camera prst="orthographicFront"/>
+      <a:lightRig rig="threePt" dir="t"/>
+    </dgm:scene3d>
+    <dgm:txPr/>
+    <dgm:style>
+      <a:lnRef idx="1">
+        <a:scrgbClr r="0" g="0" b="0"/>
+      </a:lnRef>
+      <a:fillRef idx="1">
+        <a:scrgbClr r="0" g="0" b="0"/>
+      </a:fillRef>
+      <a:effectRef idx="2">
+        <a:scrgbClr r="0" g="0" b="0"/>
+      </a:effectRef>
+      <a:fontRef idx="minor"/>
+    </dgm:style>
+  </dgm:styleLbl>
+  <dgm:styleLbl name="dkBgShp">
+    <dgm:scene3d>
+      <a:camera prst="orthographicFront"/>
+      <a:lightRig rig="threePt" dir="t"/>
+    </dgm:scene3d>
+    <dgm:txPr/>
+    <dgm:style>
+      <a:lnRef idx="0">
+        <a:scrgbClr r="0" g="0" b="0"/>
+      </a:lnRef>
+      <a:fillRef idx="1">
+        <a:scrgbClr r="0" g="0" b="0"/>
+      </a:fillRef>
+      <a:effectRef idx="3">
+        <a:scrgbClr r="0" g="0" b="0"/>
+      </a:effectRef>
+      <a:fontRef idx="minor"/>
+    </dgm:style>
+  </dgm:styleLbl>
+  <dgm:styleLbl name="fgAcc0">
+    <dgm:scene3d>
+      <a:camera prst="orthographicFront"/>
+      <a:lightRig rig="threePt" dir="t"/>
+    </dgm:scene3d>
+    <dgm:txPr/>
+    <dgm:style>
+      <a:lnRef idx="1">
+        <a:scrgbClr r="0" g="0" b="0"/>
+      </a:lnRef>
+      <a:fillRef idx="1">
+        <a:scrgbClr r="0" g="0" b="0"/>
+      </a:fillRef>
+      <a:effectRef idx="2">
+        <a:scrgbClr r="0" g="0" b="0"/>
+      </a:effectRef>
+      <a:fontRef idx="minor"/>
+    </dgm:style>
+  </dgm:styleLbl>
+  <dgm:styleLbl name="fgAcc1">
+    <dgm:scene3d>
+      <a:camera prst="orthographicFront"/>
+      <a:lightRig rig="threePt" dir="t"/>
+    </dgm:scene3d>
+    <dgm:txPr/>
+    <dgm:style>
+      <a:lnRef idx="1">
+        <a:scrgbClr r="0" g="0" b="0"/>
+      </a:lnRef>
+      <a:fillRef idx="1">
+        <a:scrgbClr r="0" g="0" b="0"/>
+      </a:fillRef>
+      <a:effectRef idx="2">
+        <a:scrgbClr r="0" g="0" b="0"/>
+      </a:effectRef>
+      <a:fontRef idx="minor"/>
+    </dgm:style>
+  </dgm:styleLbl>
+  <dgm:styleLbl name="fgAcc2">
+    <dgm:scene3d>
+      <a:camera prst="orthographicFront"/>
+      <a:lightRig rig="threePt" dir="t"/>
+    </dgm:scene3d>
+    <dgm:txPr/>
+    <dgm:style>
+      <a:lnRef idx="1">
+        <a:scrgbClr r="0" g="0" b="0"/>
+      </a:lnRef>
+      <a:fillRef idx="1">
+        <a:scrgbClr r="0" g="0" b="0"/>
+      </a:fillRef>
+      <a:effectRef idx="2">
+        <a:scrgbClr r="0" g="0" b="0"/>
+      </a:effectRef>
+      <a:fontRef idx="minor"/>
+    </dgm:style>
+  </dgm:styleLbl>
+  <dgm:styleLbl name="fgAcc3">
+    <dgm:scene3d>
+      <a:camera prst="orthographicFront"/>
+      <a:lightRig rig="threePt" dir="t"/>
+    </dgm:scene3d>
+    <dgm:txPr/>
+    <dgm:style>
+      <a:lnRef idx="1">
+        <a:scrgbClr r="0" g="0" b="0"/>
+      </a:lnRef>
+      <a:fillRef idx="1">
+        <a:scrgbClr r="0" g="0" b="0"/>
+      </a:fillRef>
+      <a:effectRef idx="2">
+        <a:scrgbClr r="0" g="0" b="0"/>
+      </a:effectRef>
+      <a:fontRef idx="minor"/>
+    </dgm:style>
+  </dgm:styleLbl>
+  <dgm:styleLbl name="fgAcc4">
+    <dgm:scene3d>
+      <a:camera prst="orthographicFront"/>
+      <a:lightRig rig="threePt" dir="t"/>
+    </dgm:scene3d>
+    <dgm:txPr/>
+    <dgm:style>
+      <a:lnRef idx="1">
+        <a:scrgbClr r="0" g="0" b="0"/>
+      </a:lnRef>
+      <a:fillRef idx="1">
+        <a:scrgbClr r="0" g="0" b="0"/>
+      </a:fillRef>
+      <a:effectRef idx="2">
+        <a:scrgbClr r="0" g="0" b="0"/>
+      </a:effectRef>
+      <a:fontRef idx="minor"/>
+    </dgm:style>
+  </dgm:styleLbl>
+  <dgm:styleLbl name="fgAccFollowNode1">
+    <dgm:scene3d>
+      <a:camera prst="orthographicFront"/>
+      <a:lightRig rig="threePt" dir="t"/>
+    </dgm:scene3d>
+    <dgm:txPr/>
+    <dgm:style>
+      <a:lnRef idx="1">
+        <a:scrgbClr r="0" g="0" b="0"/>
+      </a:lnRef>
+      <a:fillRef idx="1">
+        <a:scrgbClr r="0" g="0" b="0"/>
+      </a:fillRef>
+      <a:effectRef idx="2">
+        <a:scrgbClr r="0" g="0" b="0"/>
+      </a:effectRef>
+      <a:fontRef idx="minor"/>
+    </dgm:style>
+  </dgm:styleLbl>
+  <dgm:styleLbl name="fgImgPlace1">
+    <dgm:scene3d>
+      <a:camera prst="orthographicFront"/>
+      <a:lightRig rig="threePt" dir="t"/>
+    </dgm:scene3d>
+    <dgm:txPr/>
+    <dgm:style>
+      <a:lnRef idx="0">
+        <a:scrgbClr r="0" g="0" b="0"/>
+      </a:lnRef>
+      <a:fillRef idx="1">
+        <a:scrgbClr r="0" g="0" b="0"/>
+      </a:fillRef>
+      <a:effectRef idx="3">
+        <a:scrgbClr r="0" g="0" b="0"/>
+      </a:effectRef>
+      <a:fontRef idx="minor"/>
+    </dgm:style>
+  </dgm:styleLbl>
+  <dgm:styleLbl name="fgShp">
+    <dgm:scene3d>
+      <a:camera prst="orthographicFront"/>
+      <a:lightRig rig="threePt" dir="t"/>
+    </dgm:scene3d>
+    <dgm:txPr/>
+    <dgm:style>
+      <a:lnRef idx="0">
+        <a:scrgbClr r="0" g="0" b="0"/>
+      </a:lnRef>
+      <a:fillRef idx="3">
+        <a:scrgbClr r="0" g="0" b="0"/>
+      </a:fillRef>
+      <a:effectRef idx="3">
+        <a:scrgbClr r="0" g="0" b="0"/>
+      </a:effectRef>
+      <a:fontRef idx="minor"/>
+    </dgm:style>
+  </dgm:styleLbl>
+  <dgm:styleLbl name="fgSibTrans2D1">
+    <dgm:scene3d>
+      <a:camera prst="orthographicFront"/>
+      <a:lightRig rig="threePt" dir="t"/>
+    </dgm:scene3d>
+    <dgm:txPr/>
+    <dgm:style>
+      <a:lnRef idx="0">
+        <a:scrgbClr r="0" g="0" b="0"/>
+      </a:lnRef>
+      <a:fillRef idx="3">
+        <a:scrgbClr r="0" g="0" b="0"/>
+      </a:fillRef>
+      <a:effectRef idx="3">
+        <a:scrgbClr r="0" g="0" b="0"/>
+      </a:effectRef>
+      <a:fontRef idx="minor">
+        <a:schemeClr val="lt1"/>
+      </a:fontRef>
+    </dgm:style>
+  </dgm:styleLbl>
+  <dgm:styleLbl name="lnNode1">
+    <dgm:scene3d>
+      <a:camera prst="orthographicFront"/>
+      <a:lightRig rig="threePt" dir="t"/>
+    </dgm:scene3d>
+    <dgm:txPr/>
+    <dgm:style>
+      <a:lnRef idx="0">
+        <a:scrgbClr r="0" g="0" b="0"/>
+      </a:lnRef>
+      <a:fillRef idx="3">
+        <a:scrgbClr r="0" g="0" b="0"/>
+      </a:fillRef>
+      <a:effectRef idx="3">
+        <a:scrgbClr r="0" g="0" b="0"/>
+      </a:effectRef>
+      <a:fontRef idx="minor">
+        <a:schemeClr val="lt1"/>
+      </a:fontRef>
+    </dgm:style>
+  </dgm:styleLbl>
+  <dgm:styleLbl name="node0">
+    <dgm:scene3d>
+      <a:camera prst="orthographicFront"/>
+      <a:lightRig rig="threePt" dir="t"/>
+    </dgm:scene3d>
+    <dgm:txPr/>
+    <dgm:style>
+      <a:lnRef idx="0">
+        <a:scrgbClr r="0" g="0" b="0"/>
+      </a:lnRef>
+      <a:fillRef idx="3">
+        <a:scrgbClr r="0" g="0" b="0"/>
+      </a:fillRef>
+      <a:effectRef idx="3">
+        <a:scrgbClr r="0" g="0" b="0"/>
+      </a:effectRef>
+      <a:fontRef idx="minor">
+        <a:schemeClr val="lt1"/>
+      </a:fontRef>
+    </dgm:style>
+  </dgm:styleLbl>
+  <dgm:styleLbl name="node1">
+    <dgm:scene3d>
+      <a:camera prst="orthographicFront"/>
+      <a:lightRig rig="threePt" dir="t"/>
+    </dgm:scene3d>
+    <dgm:txPr/>
+    <dgm:style>
+      <a:lnRef idx="0">
+        <a:scrgbClr r="0" g="0" b="0"/>
+      </a:lnRef>
+      <a:fillRef idx="3">
+        <a:scrgbClr r="0" g="0" b="0"/>
+      </a:fillRef>
+      <a:effectRef idx="3">
+        <a:scrgbClr r="0" g="0" b="0"/>
+      </a:effectRef>
+      <a:fontRef idx="minor">
+        <a:schemeClr val="lt1"/>
+      </a:fontRef>
+    </dgm:style>
+  </dgm:styleLbl>
+  <dgm:styleLbl name="node2">
+    <dgm:scene3d>
+      <a:camera prst="orthographicFront"/>
+      <a:lightRig rig="threePt" dir="t"/>
+    </dgm:scene3d>
+    <dgm:txPr/>
+    <dgm:style>
+      <a:lnRef idx="0">
+        <a:scrgbClr r="0" g="0" b="0"/>
+      </a:lnRef>
+      <a:fillRef idx="3">
+        <a:scrgbClr r="0" g="0" b="0"/>
+      </a:fillRef>
+      <a:effectRef idx="3">
+        <a:scrgbClr r="0" g="0" b="0"/>
+      </a:effectRef>
+      <a:fontRef idx="minor">
+        <a:schemeClr val="lt1"/>
+      </a:fontRef>
+    </dgm:style>
+  </dgm:styleLbl>
+  <dgm:styleLbl name="node3">
+    <dgm:scene3d>
+      <a:camera prst="orthographicFront"/>
+      <a:lightRig rig="threePt" dir="t"/>
+    </dgm:scene3d>
+    <dgm:txPr/>
+    <dgm:style>
+      <a:lnRef idx="0">
+        <a:scrgbClr r="0" g="0" b="0"/>
+      </a:lnRef>
+      <a:fillRef idx="3">
+        <a:scrgbClr r="0" g="0" b="0"/>
+      </a:fillRef>
+      <a:effectRef idx="3">
+        <a:scrgbClr r="0" g="0" b="0"/>
+      </a:effectRef>
+      <a:fontRef idx="minor">
+        <a:schemeClr val="lt1"/>
+      </a:fontRef>
+    </dgm:style>
+  </dgm:styleLbl>
+  <dgm:styleLbl name="node4">
+    <dgm:scene3d>
+      <a:camera prst="orthographicFront"/>
+      <a:lightRig rig="threePt" dir="t"/>
+    </dgm:scene3d>
+    <dgm:txPr/>
+    <dgm:style>
+      <a:lnRef idx="0">
+        <a:scrgbClr r="0" g="0" b="0"/>
+      </a:lnRef>
+      <a:fillRef idx="3">
+        <a:scrgbClr r="0" g="0" b="0"/>
+      </a:fillRef>
+      <a:effectRef idx="3">
+        <a:scrgbClr r="0" g="0" b="0"/>
+      </a:effectRef>
+      <a:fontRef idx="minor">
+        <a:schemeClr val="lt1"/>
+      </a:fontRef>
+    </dgm:style>
+  </dgm:styleLbl>
+  <dgm:styleLbl name="parChTrans1D1">
+    <dgm:scene3d>
+      <a:camera prst="orthographicFront"/>
+      <a:lightRig rig="threePt" dir="t"/>
+    </dgm:scene3d>
+    <dgm:txPr/>
+    <dgm:style>
+      <a:lnRef idx="2">
+        <a:scrgbClr r="0" g="0" b="0"/>
+      </a:lnRef>
+      <a:fillRef idx="0">
+        <a:scrgbClr r="0" g="0" b="0"/>
+      </a:fillRef>
+      <a:effectRef idx="0">
+        <a:scrgbClr r="0" g="0" b="0"/>
+      </a:effectRef>
+      <a:fontRef idx="minor"/>
+    </dgm:style>
+  </dgm:styleLbl>
+  <dgm:styleLbl name="parChTrans1D2">
+    <dgm:scene3d>
+      <a:camera prst="orthographicFront"/>
+      <a:lightRig rig="threePt" dir="t"/>
+    </dgm:scene3d>
+    <dgm:txPr/>
+    <dgm:style>
+      <a:lnRef idx="2">
+        <a:scrgbClr r="0" g="0" b="0"/>
+      </a:lnRef>
+      <a:fillRef idx="0">
+        <a:scrgbClr r="0" g="0" b="0"/>
+      </a:fillRef>
+      <a:effectRef idx="0">
+        <a:scrgbClr r="0" g="0" b="0"/>
+      </a:effectRef>
+      <a:fontRef idx="minor"/>
+    </dgm:style>
+  </dgm:styleLbl>
+  <dgm:styleLbl name="parChTrans1D3">
+    <dgm:scene3d>
+      <a:camera prst="orthographicFront"/>
+      <a:lightRig rig="threePt" dir="t"/>
+    </dgm:scene3d>
+    <dgm:txPr/>
+    <dgm:style>
+      <a:lnRef idx="2">
+        <a:scrgbClr r="0" g="0" b="0"/>
+      </a:lnRef>
+      <a:fillRef idx="0">
+        <a:scrgbClr r="0" g="0" b="0"/>
+      </a:fillRef>
+      <a:effectRef idx="0">
+        <a:scrgbClr r="0" g="0" b="0"/>
+      </a:effectRef>
+      <a:fontRef idx="minor"/>
+    </dgm:style>
+  </dgm:styleLbl>
+  <dgm:styleLbl name="parChTrans1D4">
+    <dgm:scene3d>
+      <a:camera prst="orthographicFront"/>
+      <a:lightRig rig="threePt" dir="t"/>
+    </dgm:scene3d>
+    <dgm:txPr/>
+    <dgm:style>
+      <a:lnRef idx="2">
+        <a:scrgbClr r="0" g="0" b="0"/>
+      </a:lnRef>
+      <a:fillRef idx="0">
+        <a:scrgbClr r="0" g="0" b="0"/>
+      </a:fillRef>
+      <a:effectRef idx="0">
+        <a:scrgbClr r="0" g="0" b="0"/>
+      </a:effectRef>
+      <a:fontRef idx="minor"/>
+    </dgm:style>
+  </dgm:styleLbl>
+  <dgm:styleLbl name="parChTrans2D1">
+    <dgm:scene3d>
+      <a:camera prst="orthographicFront"/>
+      <a:lightRig rig="threePt" dir="t"/>
+    </dgm:scene3d>
+    <dgm:txPr/>
+    <dgm:style>
+      <a:lnRef idx="0">
+        <a:scrgbClr r="0" g="0" b="0"/>
+      </a:lnRef>
+      <a:fillRef idx="3">
+        <a:scrgbClr r="0" g="0" b="0"/>
+      </a:fillRef>
+      <a:effectRef idx="3">
+        <a:scrgbClr r="0" g="0" b="0"/>
+      </a:effectRef>
+      <a:fontRef idx="minor">
+        <a:schemeClr val="lt1"/>
+      </a:fontRef>
+    </dgm:style>
+  </dgm:styleLbl>
+  <dgm:styleLbl name="parChTrans2D2">
+    <dgm:scene3d>
+      <a:camera prst="orthographicFront"/>
+      <a:lightRig rig="threePt" dir="t"/>
+    </dgm:scene3d>
+    <dgm:txPr/>
+    <dgm:style>
+      <a:lnRef idx="0">
+        <a:scrgbClr r="0" g="0" b="0"/>
+      </a:lnRef>
+      <a:fillRef idx="3">
+        <a:scrgbClr r="0" g="0" b="0"/>
+      </a:fillRef>
+      <a:effectRef idx="3">
+        <a:scrgbClr r="0" g="0" b="0"/>
+      </a:effectRef>
+      <a:fontRef idx="minor">
+        <a:schemeClr val="lt1"/>
+      </a:fontRef>
+    </dgm:style>
+  </dgm:styleLbl>
+  <dgm:styleLbl name="parChTrans2D3">
+    <dgm:scene3d>
+      <a:camera prst="orthographicFront"/>
+      <a:lightRig rig="threePt" dir="t"/>
+    </dgm:scene3d>
+    <dgm:txPr/>
+    <dgm:style>
+      <a:lnRef idx="0">
+        <a:scrgbClr r="0" g="0" b="0"/>
+      </a:lnRef>
+      <a:fillRef idx="3">
+        <a:scrgbClr r="0" g="0" b="0"/>
+      </a:fillRef>
+      <a:effectRef idx="3">
+        <a:scrgbClr r="0" g="0" b="0"/>
+      </a:effectRef>
+      <a:fontRef idx="minor">
+        <a:schemeClr val="lt1"/>
+      </a:fontRef>
+    </dgm:style>
+  </dgm:styleLbl>
+  <dgm:styleLbl name="parChTrans2D4">
+    <dgm:scene3d>
+      <a:camera prst="orthographicFront"/>
+      <a:lightRig rig="threePt" dir="t"/>
+    </dgm:scene3d>
+    <dgm:txPr/>
+    <dgm:style>
+      <a:lnRef idx="0">
+        <a:scrgbClr r="0" g="0" b="0"/>
+      </a:lnRef>
+      <a:fillRef idx="3">
+        <a:scrgbClr r="0" g="0" b="0"/>
+      </a:fillRef>
+      <a:effectRef idx="3">
+        <a:scrgbClr r="0" g="0" b="0"/>
+      </a:effectRef>
+      <a:fontRef idx="minor">
+        <a:schemeClr val="lt1"/>
+      </a:fontRef>
+    </dgm:style>
+  </dgm:styleLbl>
+  <dgm:styleLbl name="revTx">
+    <dgm:scene3d>
+      <a:camera prst="orthographicFront"/>
+      <a:lightRig rig="threePt" dir="t"/>
+    </dgm:scene3d>
+    <dgm:txPr/>
+    <dgm:style>
+      <a:lnRef idx="0">
+        <a:scrgbClr r="0" g="0" b="0"/>
+      </a:lnRef>
+      <a:fillRef idx="0">
+        <a:scrgbClr r="0" g="0" b="0"/>
+      </a:fillRef>
+      <a:effectRef idx="0">
+        <a:scrgbClr r="0" g="0" b="0"/>
+      </a:effectRef>
+      <a:fontRef idx="minor"/>
+    </dgm:style>
+  </dgm:styleLbl>
+  <dgm:styleLbl name="sibTrans1D1">
+    <dgm:scene3d>
+      <a:camera prst="orthographicFront"/>
+      <a:lightRig rig="threePt" dir="t"/>
+    </dgm:scene3d>
+    <dgm:txPr/>
+    <dgm:style>
+      <a:lnRef idx="1">
+        <a:scrgbClr r="0" g="0" b="0"/>
+      </a:lnRef>
+      <a:fillRef idx="0">
+        <a:scrgbClr r="0" g="0" b="0"/>
+      </a:fillRef>
+      <a:effectRef idx="0">
+        <a:scrgbClr r="0" g="0" b="0"/>
+      </a:effectRef>
+      <a:fontRef idx="minor"/>
+    </dgm:style>
+  </dgm:styleLbl>
+  <dgm:styleLbl name="sibTrans2D1">
+    <dgm:scene3d>
+      <a:camera prst="orthographicFront"/>
+      <a:lightRig rig="threePt" dir="t"/>
+    </dgm:scene3d>
+    <dgm:txPr/>
+    <dgm:style>
+      <a:lnRef idx="0">
+        <a:scrgbClr r="0" g="0" b="0"/>
+      </a:lnRef>
+      <a:fillRef idx="3">
+        <a:scrgbClr r="0" g="0" b="0"/>
+      </a:fillRef>
+      <a:effectRef idx="3">
+        <a:scrgbClr r="0" g="0" b="0"/>
+      </a:effectRef>
+      <a:fontRef idx="minor">
+        <a:schemeClr val="lt1"/>
+      </a:fontRef>
+    </dgm:style>
+  </dgm:styleLbl>
+  <dgm:styleLbl name="solidAlignAcc1">
+    <dgm:scene3d>
+      <a:camera prst="orthographicFront"/>
+      <a:lightRig rig="threePt" dir="t"/>
+    </dgm:scene3d>
+    <dgm:txPr/>
+    <dgm:style>
+      <a:lnRef idx="1">
+        <a:scrgbClr r="0" g="0" b="0"/>
+      </a:lnRef>
+      <a:fillRef idx="1">
+        <a:scrgbClr r="0" g="0" b="0"/>
+      </a:fillRef>
+      <a:effectRef idx="3">
+        <a:scrgbClr r="0" g="0" b="0"/>
+      </a:effectRef>
+      <a:fontRef idx="minor"/>
+    </dgm:style>
+  </dgm:styleLbl>
+  <dgm:styleLbl name="solidBgAcc1">
+    <dgm:scene3d>
+      <a:camera prst="orthographicFront"/>
+      <a:lightRig rig="threePt" dir="t"/>
+    </dgm:scene3d>
+    <dgm:txPr/>
+    <dgm:style>
+      <a:lnRef idx="1">
+        <a:scrgbClr r="0" g="0" b="0"/>
+      </a:lnRef>
+      <a:fillRef idx="1">
+        <a:scrgbClr r="0" g="0" b="0"/>
+      </a:fillRef>
+      <a:effectRef idx="3">
+        <a:scrgbClr r="0" g="0" b="0"/>
+      </a:effectRef>
+      <a:fontRef idx="minor"/>
+    </dgm:style>
+  </dgm:styleLbl>
+  <dgm:styleLbl name="solidFgAcc1">
+    <dgm:scene3d>
+      <a:camera prst="orthographicFront"/>
+      <a:lightRig rig="threePt" dir="t"/>
+    </dgm:scene3d>
+    <dgm:txPr/>
+    <dgm:style>
+      <a:lnRef idx="1">
+        <a:scrgbClr r="0" g="0" b="0"/>
+      </a:lnRef>
+      <a:fillRef idx="1">
+        <a:scrgbClr r="0" g="0" b="0"/>
+      </a:fillRef>
+      <a:effectRef idx="2">
+        <a:scrgbClr r="0" g="0" b="0"/>
+      </a:effectRef>
+      <a:fontRef idx="minor"/>
+    </dgm:style>
+  </dgm:styleLbl>
+  <dgm:styleLbl name="trAlignAcc1">
+    <dgm:scene3d>
+      <a:camera prst="orthographicFront"/>
+      <a:lightRig rig="threePt" dir="t"/>
+    </dgm:scene3d>
+    <dgm:txPr/>
+    <dgm:style>
+      <a:lnRef idx="1">
+        <a:scrgbClr r="0" g="0" b="0"/>
+      </a:lnRef>
+      <a:fillRef idx="1">
+        <a:scrgbClr r="0" g="0" b="0"/>
+      </a:fillRef>
+      <a:effectRef idx="0">
+        <a:scrgbClr r="0" g="0" b="0"/>
+      </a:effectRef>
+      <a:fontRef idx="minor"/>
+    </dgm:style>
+  </dgm:styleLbl>
+  <dgm:styleLbl name="trBgShp">
+    <dgm:scene3d>
+      <a:camera prst="orthographicFront"/>
+      <a:lightRig rig="threePt" dir="t"/>
+    </dgm:scene3d>
+    <dgm:txPr/>
+    <dgm:style>
+      <a:lnRef idx="0">
+        <a:scrgbClr r="0" g="0" b="0"/>
+      </a:lnRef>
+      <a:fillRef idx="1">
+        <a:scrgbClr r="0" g="0" b="0"/>
+      </a:fillRef>
+      <a:effectRef idx="0">
+        <a:scrgbClr r="0" g="0" b="0"/>
+      </a:effectRef>
+      <a:fontRef idx="minor"/>
+    </dgm:style>
+  </dgm:styleLbl>
+  <dgm:styleLbl name="vennNode1">
+    <dgm:scene3d>
+      <a:camera prst="orthographicFront"/>
+      <a:lightRig rig="threePt" dir="t"/>
+    </dgm:scene3d>
+    <dgm:txPr/>
+    <dgm:style>
+      <a:lnRef idx="0">
+        <a:scrgbClr r="0" g="0" b="0"/>
+      </a:lnRef>
+      <a:fillRef idx="3">
+        <a:scrgbClr r="0" g="0" b="0"/>
+      </a:fillRef>
+      <a:effectRef idx="3">
+        <a:scrgbClr r="0" g="0" b="0"/>
+      </a:effectRef>
+      <a:fontRef idx="minor">
+        <a:schemeClr val="tx1"/>
+      </a:fontRef>
+    </dgm:style>
+  </dgm:styleLbl>
+</dgm:styleDef>
 </file>
 
 <file path=ppt/handoutMasters/handoutMaster1.xml><?xml version="1.0" encoding="utf-8"?>
@@ -224,7 +3885,6 @@
                 <a:latin typeface="微软雅黑" panose="020B0503020204020204" pitchFamily="34" charset="-122"/>
                 <a:ea typeface="微软雅黑" panose="020B0503020204020204" pitchFamily="34" charset="-122"/>
               </a:rPr>
-              <a:t>2020/5/29</a:t>
             </a:fld>
             <a:endParaRPr lang="zh-CN" altLang="en-US">
               <a:latin typeface="微软雅黑" panose="020B0503020204020204" pitchFamily="34" charset="-122"/>
@@ -299,7 +3959,6 @@
                 <a:latin typeface="微软雅黑" panose="020B0503020204020204" pitchFamily="34" charset="-122"/>
                 <a:ea typeface="微软雅黑" panose="020B0503020204020204" pitchFamily="34" charset="-122"/>
               </a:rPr>
-              <a:t>‹#›</a:t>
             </a:fld>
             <a:endParaRPr lang="zh-CN" altLang="en-US">
               <a:latin typeface="微软雅黑" panose="020B0503020204020204" pitchFamily="34" charset="-122"/>
@@ -309,11 +3968,6 @@
         </p:txBody>
       </p:sp>
     </p:spTree>
-    <p:extLst>
-      <p:ext uri="{BB962C8B-B14F-4D97-AF65-F5344CB8AC3E}">
-        <p14:creationId xmlns:p14="http://schemas.microsoft.com/office/powerpoint/2010/main" val="192144543"/>
-      </p:ext>
-    </p:extLst>
   </p:cSld>
   <p:clrMap bg1="lt1" tx1="dk1" bg2="lt2" tx2="dk2" accent1="accent1" accent2="accent2" accent3="accent3" accent4="accent4" accent5="accent5" accent6="accent6" hlink="hlink" folHlink="folHlink"/>
 </p:handoutMaster>
@@ -407,7 +4061,6 @@
           <a:p>
             <a:fld id="{1AC49D05-6128-4D0D-A32A-06A5E73B386C}" type="datetimeFigureOut">
               <a:rPr lang="zh-CN" altLang="en-US" smtClean="0"/>
-              <a:t>2020/5/29</a:t>
             </a:fld>
             <a:endParaRPr lang="zh-CN" altLang="en-US"/>
           </a:p>
@@ -474,6 +4127,7 @@
               <a:rPr lang="zh-CN" altLang="en-US"/>
               <a:t>单击此处编辑母版文本样式</a:t>
             </a:r>
+            <a:endParaRPr lang="zh-CN" altLang="en-US"/>
           </a:p>
           <a:p>
             <a:pPr lvl="1"/>
@@ -481,6 +4135,7 @@
               <a:rPr lang="zh-CN" altLang="en-US"/>
               <a:t>第二级</a:t>
             </a:r>
+            <a:endParaRPr lang="zh-CN" altLang="en-US"/>
           </a:p>
           <a:p>
             <a:pPr lvl="2"/>
@@ -488,6 +4143,7 @@
               <a:rPr lang="zh-CN" altLang="en-US"/>
               <a:t>第三级</a:t>
             </a:r>
+            <a:endParaRPr lang="zh-CN" altLang="en-US"/>
           </a:p>
           <a:p>
             <a:pPr lvl="3"/>
@@ -495,6 +4151,7 @@
               <a:rPr lang="zh-CN" altLang="en-US"/>
               <a:t>第四级</a:t>
             </a:r>
+            <a:endParaRPr lang="zh-CN" altLang="en-US"/>
           </a:p>
           <a:p>
             <a:pPr lvl="4"/>
@@ -502,6 +4159,7 @@
               <a:rPr lang="zh-CN" altLang="en-US"/>
               <a:t>第五级</a:t>
             </a:r>
+            <a:endParaRPr lang="zh-CN" altLang="en-US"/>
           </a:p>
         </p:txBody>
       </p:sp>
@@ -571,18 +4229,12 @@
           <a:p>
             <a:fld id="{5849F42C-2DAE-424C-A4B8-3140182C3E9F}" type="slidenum">
               <a:rPr lang="zh-CN" altLang="en-US" smtClean="0"/>
-              <a:t>‹#›</a:t>
             </a:fld>
             <a:endParaRPr lang="zh-CN" altLang="en-US"/>
           </a:p>
         </p:txBody>
       </p:sp>
     </p:spTree>
-    <p:extLst>
-      <p:ext uri="{BB962C8B-B14F-4D97-AF65-F5344CB8AC3E}">
-        <p14:creationId xmlns:p14="http://schemas.microsoft.com/office/powerpoint/2010/main" val="1716466193"/>
-      </p:ext>
-    </p:extLst>
   </p:cSld>
   <p:clrMap bg1="lt1" tx1="dk1" bg2="lt2" tx2="dk2" accent1="accent1" accent2="accent2" accent3="accent3" accent4="accent4" accent5="accent5" accent6="accent6" hlink="hlink" folHlink="folHlink"/>
   <p:notesStyle>
@@ -706,7 +4358,7 @@
           <p:nvPr>
             <p:ph type="ctrTitle" hasCustomPrompt="1"/>
             <p:custDataLst>
-              <p:tags r:id="rId1"/>
+              <p:tags r:id="rId2"/>
             </p:custDataLst>
           </p:nvPr>
         </p:nvSpPr>
@@ -738,6 +4390,7 @@
               <a:rPr lang="zh-CN" altLang="en-US" dirty="0"/>
               <a:t>单击此处编辑标题</a:t>
             </a:r>
+            <a:endParaRPr lang="zh-CN" altLang="en-US" dirty="0"/>
           </a:p>
         </p:txBody>
       </p:sp>
@@ -750,7 +4403,7 @@
           <p:nvPr>
             <p:ph type="subTitle" idx="1" hasCustomPrompt="1"/>
             <p:custDataLst>
-              <p:tags r:id="rId2"/>
+              <p:tags r:id="rId3"/>
             </p:custDataLst>
           </p:nvPr>
         </p:nvSpPr>
@@ -818,6 +4471,7 @@
               <a:rPr lang="zh-CN" altLang="en-US" dirty="0"/>
               <a:t>单击此处编辑副标题</a:t>
             </a:r>
+            <a:endParaRPr lang="zh-CN" altLang="en-US" dirty="0"/>
           </a:p>
         </p:txBody>
       </p:sp>
@@ -830,7 +4484,7 @@
           <p:nvPr>
             <p:ph type="dt" sz="half" idx="10"/>
             <p:custDataLst>
-              <p:tags r:id="rId3"/>
+              <p:tags r:id="rId4"/>
             </p:custDataLst>
           </p:nvPr>
         </p:nvSpPr>
@@ -841,7 +4495,6 @@
           <a:p>
             <a:fld id="{760FBDFE-C587-4B4C-A407-44438C67B59E}" type="datetimeFigureOut">
               <a:rPr lang="zh-CN" altLang="en-US" smtClean="0"/>
-              <a:t>2020/5/29</a:t>
             </a:fld>
             <a:endParaRPr lang="zh-CN" altLang="en-US"/>
           </a:p>
@@ -856,7 +4509,7 @@
           <p:nvPr>
             <p:ph type="ftr" sz="quarter" idx="11"/>
             <p:custDataLst>
-              <p:tags r:id="rId4"/>
+              <p:tags r:id="rId5"/>
             </p:custDataLst>
           </p:nvPr>
         </p:nvSpPr>
@@ -878,7 +4531,7 @@
           <p:nvPr>
             <p:ph type="sldNum" sz="quarter" idx="12"/>
             <p:custDataLst>
-              <p:tags r:id="rId5"/>
+              <p:tags r:id="rId6"/>
             </p:custDataLst>
           </p:nvPr>
         </p:nvSpPr>
@@ -889,7 +4542,6 @@
           <a:p>
             <a:fld id="{49AE70B2-8BF9-45C0-BB95-33D1B9D3A854}" type="slidenum">
               <a:rPr lang="zh-CN" altLang="en-US" smtClean="0"/>
-              <a:t>‹#›</a:t>
             </a:fld>
             <a:endParaRPr lang="zh-CN" altLang="en-US" dirty="0"/>
           </a:p>
@@ -929,7 +4581,7 @@
           <p:nvPr>
             <p:ph type="dt" sz="half" idx="10"/>
             <p:custDataLst>
-              <p:tags r:id="rId1"/>
+              <p:tags r:id="rId2"/>
             </p:custDataLst>
           </p:nvPr>
         </p:nvSpPr>
@@ -940,7 +4592,6 @@
           <a:p>
             <a:fld id="{760FBDFE-C587-4B4C-A407-44438C67B59E}" type="datetimeFigureOut">
               <a:rPr lang="zh-CN" altLang="en-US" smtClean="0"/>
-              <a:t>2020/5/29</a:t>
             </a:fld>
             <a:endParaRPr lang="zh-CN" altLang="en-US"/>
           </a:p>
@@ -955,7 +4606,7 @@
           <p:nvPr>
             <p:ph type="ftr" sz="quarter" idx="11"/>
             <p:custDataLst>
-              <p:tags r:id="rId2"/>
+              <p:tags r:id="rId3"/>
             </p:custDataLst>
           </p:nvPr>
         </p:nvSpPr>
@@ -977,7 +4628,7 @@
           <p:nvPr>
             <p:ph type="sldNum" sz="quarter" idx="12"/>
             <p:custDataLst>
-              <p:tags r:id="rId3"/>
+              <p:tags r:id="rId4"/>
             </p:custDataLst>
           </p:nvPr>
         </p:nvSpPr>
@@ -988,7 +4639,6 @@
           <a:p>
             <a:fld id="{49AE70B2-8BF9-45C0-BB95-33D1B9D3A854}" type="slidenum">
               <a:rPr lang="zh-CN" altLang="en-US" smtClean="0"/>
-              <a:t>‹#›</a:t>
             </a:fld>
             <a:endParaRPr lang="zh-CN" altLang="en-US"/>
           </a:p>
@@ -1003,7 +4653,7 @@
           <p:nvPr>
             <p:ph sz="quarter" idx="13"/>
             <p:custDataLst>
-              <p:tags r:id="rId4"/>
+              <p:tags r:id="rId5"/>
             </p:custDataLst>
           </p:nvPr>
         </p:nvSpPr>
@@ -1098,6 +4748,7 @@
               <a:rPr lang="zh-CN" altLang="en-US" dirty="0"/>
               <a:t>单击此处编辑母版文本样式</a:t>
             </a:r>
+            <a:endParaRPr lang="zh-CN" altLang="en-US" dirty="0"/>
           </a:p>
           <a:p>
             <a:pPr lvl="1"/>
@@ -1105,6 +4756,7 @@
               <a:rPr lang="zh-CN" altLang="en-US" dirty="0"/>
               <a:t>第二级</a:t>
             </a:r>
+            <a:endParaRPr lang="zh-CN" altLang="en-US" dirty="0"/>
           </a:p>
           <a:p>
             <a:pPr lvl="2"/>
@@ -1112,6 +4764,7 @@
               <a:rPr lang="zh-CN" altLang="en-US" dirty="0"/>
               <a:t>第三级</a:t>
             </a:r>
+            <a:endParaRPr lang="zh-CN" altLang="en-US" dirty="0"/>
           </a:p>
           <a:p>
             <a:pPr lvl="3"/>
@@ -1119,6 +4772,7 @@
               <a:rPr lang="zh-CN" altLang="en-US" dirty="0"/>
               <a:t>第四级</a:t>
             </a:r>
+            <a:endParaRPr lang="zh-CN" altLang="en-US" dirty="0"/>
           </a:p>
           <a:p>
             <a:pPr lvl="4"/>
@@ -1126,6 +4780,7 @@
               <a:rPr lang="zh-CN" altLang="en-US" dirty="0"/>
               <a:t>第五级</a:t>
             </a:r>
+            <a:endParaRPr lang="zh-CN" altLang="en-US" dirty="0"/>
           </a:p>
         </p:txBody>
       </p:sp>
@@ -1163,7 +4818,7 @@
           <p:nvPr>
             <p:ph type="dt" sz="half" idx="10"/>
             <p:custDataLst>
-              <p:tags r:id="rId1"/>
+              <p:tags r:id="rId2"/>
             </p:custDataLst>
           </p:nvPr>
         </p:nvSpPr>
@@ -1174,7 +4829,6 @@
           <a:p>
             <a:fld id="{760FBDFE-C587-4B4C-A407-44438C67B59E}" type="datetimeFigureOut">
               <a:rPr lang="zh-CN" altLang="en-US" smtClean="0"/>
-              <a:t>2020/5/29</a:t>
             </a:fld>
             <a:endParaRPr lang="zh-CN" altLang="en-US"/>
           </a:p>
@@ -1189,7 +4843,7 @@
           <p:nvPr>
             <p:ph type="ftr" sz="quarter" idx="11"/>
             <p:custDataLst>
-              <p:tags r:id="rId2"/>
+              <p:tags r:id="rId3"/>
             </p:custDataLst>
           </p:nvPr>
         </p:nvSpPr>
@@ -1211,7 +4865,7 @@
           <p:nvPr>
             <p:ph type="sldNum" sz="quarter" idx="12"/>
             <p:custDataLst>
-              <p:tags r:id="rId3"/>
+              <p:tags r:id="rId4"/>
             </p:custDataLst>
           </p:nvPr>
         </p:nvSpPr>
@@ -1222,7 +4876,6 @@
           <a:p>
             <a:fld id="{49AE70B2-8BF9-45C0-BB95-33D1B9D3A854}" type="slidenum">
               <a:rPr lang="zh-CN" altLang="en-US" smtClean="0"/>
-              <a:t>‹#›</a:t>
             </a:fld>
             <a:endParaRPr lang="zh-CN" altLang="en-US"/>
           </a:p>
@@ -1237,7 +4890,7 @@
           <p:nvPr>
             <p:ph type="title" hasCustomPrompt="1"/>
             <p:custDataLst>
-              <p:tags r:id="rId4"/>
+              <p:tags r:id="rId5"/>
             </p:custDataLst>
           </p:nvPr>
         </p:nvSpPr>
@@ -1281,6 +4934,9 @@
               </a:rPr>
               <a:t>单击此处编辑标题</a:t>
             </a:r>
+            <a:endParaRPr>
+              <a:sym typeface="+mn-ea"/>
+            </a:endParaRPr>
           </a:p>
         </p:txBody>
       </p:sp>
@@ -1293,7 +4949,7 @@
           <p:nvPr>
             <p:ph type="body" sz="quarter" idx="13"/>
             <p:custDataLst>
-              <p:tags r:id="rId5"/>
+              <p:tags r:id="rId6"/>
             </p:custDataLst>
           </p:nvPr>
         </p:nvSpPr>
@@ -1329,6 +4985,7 @@
               <a:rPr lang="zh-CN" altLang="en-US" dirty="0"/>
               <a:t>单击此处编辑母版文本样式</a:t>
             </a:r>
+            <a:endParaRPr lang="zh-CN" altLang="en-US" dirty="0"/>
           </a:p>
         </p:txBody>
       </p:sp>
@@ -1366,7 +5023,7 @@
           <p:nvPr>
             <p:ph type="title"/>
             <p:custDataLst>
-              <p:tags r:id="rId1"/>
+              <p:tags r:id="rId2"/>
             </p:custDataLst>
           </p:nvPr>
         </p:nvSpPr>
@@ -1409,6 +5066,9 @@
               </a:rPr>
               <a:t>单击此处编辑母版标题样式</a:t>
             </a:r>
+            <a:endParaRPr dirty="0">
+              <a:sym typeface="+mn-ea"/>
+            </a:endParaRPr>
           </a:p>
         </p:txBody>
       </p:sp>
@@ -1421,7 +5081,7 @@
           <p:nvPr>
             <p:ph idx="1"/>
             <p:custDataLst>
-              <p:tags r:id="rId2"/>
+              <p:tags r:id="rId3"/>
             </p:custDataLst>
           </p:nvPr>
         </p:nvSpPr>
@@ -1578,6 +5238,9 @@
               </a:rPr>
               <a:t>单击此处编辑母版文本样式</a:t>
             </a:r>
+            <a:endParaRPr dirty="0">
+              <a:sym typeface="+mn-ea"/>
+            </a:endParaRPr>
           </a:p>
         </p:txBody>
       </p:sp>
@@ -1590,7 +5253,7 @@
           <p:nvPr>
             <p:ph type="dt" sz="half" idx="10"/>
             <p:custDataLst>
-              <p:tags r:id="rId3"/>
+              <p:tags r:id="rId4"/>
             </p:custDataLst>
           </p:nvPr>
         </p:nvSpPr>
@@ -1601,7 +5264,6 @@
           <a:p>
             <a:fld id="{760FBDFE-C587-4B4C-A407-44438C67B59E}" type="datetimeFigureOut">
               <a:rPr lang="zh-CN" altLang="en-US" smtClean="0"/>
-              <a:t>2020/5/29</a:t>
             </a:fld>
             <a:endParaRPr lang="zh-CN" altLang="en-US"/>
           </a:p>
@@ -1616,7 +5278,7 @@
           <p:nvPr>
             <p:ph type="ftr" sz="quarter" idx="11"/>
             <p:custDataLst>
-              <p:tags r:id="rId4"/>
+              <p:tags r:id="rId5"/>
             </p:custDataLst>
           </p:nvPr>
         </p:nvSpPr>
@@ -1638,7 +5300,7 @@
           <p:nvPr>
             <p:ph type="sldNum" sz="quarter" idx="12"/>
             <p:custDataLst>
-              <p:tags r:id="rId5"/>
+              <p:tags r:id="rId6"/>
             </p:custDataLst>
           </p:nvPr>
         </p:nvSpPr>
@@ -1649,7 +5311,6 @@
           <a:p>
             <a:fld id="{49AE70B2-8BF9-45C0-BB95-33D1B9D3A854}" type="slidenum">
               <a:rPr lang="zh-CN" altLang="en-US" smtClean="0"/>
-              <a:t>‹#›</a:t>
             </a:fld>
             <a:endParaRPr lang="zh-CN" altLang="en-US"/>
           </a:p>
@@ -1689,7 +5350,7 @@
           <p:nvPr>
             <p:ph type="title" hasCustomPrompt="1"/>
             <p:custDataLst>
-              <p:tags r:id="rId1"/>
+              <p:tags r:id="rId2"/>
             </p:custDataLst>
           </p:nvPr>
         </p:nvSpPr>
@@ -1722,6 +5383,7 @@
               <a:rPr lang="zh-CN" altLang="en-US" dirty="0"/>
               <a:t>单击此处编辑标题</a:t>
             </a:r>
+            <a:endParaRPr lang="zh-CN" altLang="en-US" dirty="0"/>
           </a:p>
         </p:txBody>
       </p:sp>
@@ -1734,7 +5396,7 @@
           <p:nvPr>
             <p:ph type="body" idx="1" hasCustomPrompt="1"/>
             <p:custDataLst>
-              <p:tags r:id="rId2"/>
+              <p:tags r:id="rId3"/>
             </p:custDataLst>
           </p:nvPr>
         </p:nvSpPr>
@@ -1855,6 +5517,7 @@
               <a:rPr lang="zh-CN" altLang="en-US" dirty="0"/>
               <a:t>单击此处编辑文本</a:t>
             </a:r>
+            <a:endParaRPr lang="zh-CN" altLang="en-US" dirty="0"/>
           </a:p>
         </p:txBody>
       </p:sp>
@@ -1867,7 +5530,7 @@
           <p:nvPr>
             <p:ph type="dt" sz="half" idx="10"/>
             <p:custDataLst>
-              <p:tags r:id="rId3"/>
+              <p:tags r:id="rId4"/>
             </p:custDataLst>
           </p:nvPr>
         </p:nvSpPr>
@@ -1878,7 +5541,6 @@
           <a:p>
             <a:fld id="{760FBDFE-C587-4B4C-A407-44438C67B59E}" type="datetimeFigureOut">
               <a:rPr lang="zh-CN" altLang="en-US" smtClean="0"/>
-              <a:t>2020/5/29</a:t>
             </a:fld>
             <a:endParaRPr lang="zh-CN" altLang="en-US"/>
           </a:p>
@@ -1893,7 +5555,7 @@
           <p:nvPr>
             <p:ph type="ftr" sz="quarter" idx="11"/>
             <p:custDataLst>
-              <p:tags r:id="rId4"/>
+              <p:tags r:id="rId5"/>
             </p:custDataLst>
           </p:nvPr>
         </p:nvSpPr>
@@ -1915,7 +5577,7 @@
           <p:nvPr>
             <p:ph type="sldNum" sz="quarter" idx="12"/>
             <p:custDataLst>
-              <p:tags r:id="rId5"/>
+              <p:tags r:id="rId6"/>
             </p:custDataLst>
           </p:nvPr>
         </p:nvSpPr>
@@ -1926,7 +5588,6 @@
           <a:p>
             <a:fld id="{49AE70B2-8BF9-45C0-BB95-33D1B9D3A854}" type="slidenum">
               <a:rPr lang="zh-CN" altLang="en-US" smtClean="0"/>
-              <a:t>‹#›</a:t>
             </a:fld>
             <a:endParaRPr lang="zh-CN" altLang="en-US"/>
           </a:p>
@@ -1966,7 +5627,7 @@
           <p:nvPr>
             <p:ph type="title"/>
             <p:custDataLst>
-              <p:tags r:id="rId1"/>
+              <p:tags r:id="rId2"/>
             </p:custDataLst>
           </p:nvPr>
         </p:nvSpPr>
@@ -2009,6 +5670,9 @@
               </a:rPr>
               <a:t>单击此处编辑母版标题样式</a:t>
             </a:r>
+            <a:endParaRPr dirty="0">
+              <a:sym typeface="+mn-ea"/>
+            </a:endParaRPr>
           </a:p>
         </p:txBody>
       </p:sp>
@@ -2021,7 +5685,7 @@
           <p:nvPr>
             <p:ph sz="half" idx="1"/>
             <p:custDataLst>
-              <p:tags r:id="rId2"/>
+              <p:tags r:id="rId3"/>
             </p:custDataLst>
           </p:nvPr>
         </p:nvSpPr>
@@ -2178,6 +5842,9 @@
               </a:rPr>
               <a:t>单击此处编辑母版文本样式</a:t>
             </a:r>
+            <a:endParaRPr dirty="0">
+              <a:sym typeface="+mn-ea"/>
+            </a:endParaRPr>
           </a:p>
           <a:p>
             <a:pPr lvl="1"/>
@@ -2187,6 +5854,9 @@
               </a:rPr>
               <a:t>第二级</a:t>
             </a:r>
+            <a:endParaRPr dirty="0">
+              <a:sym typeface="+mn-ea"/>
+            </a:endParaRPr>
           </a:p>
           <a:p>
             <a:pPr lvl="2"/>
@@ -2196,6 +5866,9 @@
               </a:rPr>
               <a:t>第三级</a:t>
             </a:r>
+            <a:endParaRPr dirty="0">
+              <a:sym typeface="+mn-ea"/>
+            </a:endParaRPr>
           </a:p>
           <a:p>
             <a:pPr lvl="3"/>
@@ -2205,6 +5878,9 @@
               </a:rPr>
               <a:t>第四级</a:t>
             </a:r>
+            <a:endParaRPr dirty="0">
+              <a:sym typeface="+mn-ea"/>
+            </a:endParaRPr>
           </a:p>
         </p:txBody>
       </p:sp>
@@ -2217,7 +5893,7 @@
           <p:nvPr>
             <p:ph sz="half" idx="2"/>
             <p:custDataLst>
-              <p:tags r:id="rId3"/>
+              <p:tags r:id="rId4"/>
             </p:custDataLst>
           </p:nvPr>
         </p:nvSpPr>
@@ -2320,6 +5996,7 @@
               <a:rPr lang="zh-CN" altLang="en-US" dirty="0"/>
               <a:t>单击此处编辑母版文本样式</a:t>
             </a:r>
+            <a:endParaRPr lang="zh-CN" altLang="en-US" dirty="0"/>
           </a:p>
           <a:p>
             <a:pPr lvl="1"/>
@@ -2327,6 +6004,7 @@
               <a:rPr lang="zh-CN" altLang="en-US" dirty="0"/>
               <a:t>第二级</a:t>
             </a:r>
+            <a:endParaRPr lang="zh-CN" altLang="en-US" dirty="0"/>
           </a:p>
           <a:p>
             <a:pPr lvl="2"/>
@@ -2334,6 +6012,7 @@
               <a:rPr lang="zh-CN" altLang="en-US" dirty="0"/>
               <a:t>第三级</a:t>
             </a:r>
+            <a:endParaRPr lang="zh-CN" altLang="en-US" dirty="0"/>
           </a:p>
           <a:p>
             <a:pPr lvl="3"/>
@@ -2341,6 +6020,7 @@
               <a:rPr lang="zh-CN" altLang="en-US" dirty="0"/>
               <a:t>第四级</a:t>
             </a:r>
+            <a:endParaRPr lang="zh-CN" altLang="en-US" dirty="0"/>
           </a:p>
         </p:txBody>
       </p:sp>
@@ -2353,7 +6033,7 @@
           <p:nvPr>
             <p:ph type="dt" sz="half" idx="10"/>
             <p:custDataLst>
-              <p:tags r:id="rId4"/>
+              <p:tags r:id="rId5"/>
             </p:custDataLst>
           </p:nvPr>
         </p:nvSpPr>
@@ -2364,7 +6044,6 @@
           <a:p>
             <a:fld id="{760FBDFE-C587-4B4C-A407-44438C67B59E}" type="datetimeFigureOut">
               <a:rPr lang="zh-CN" altLang="en-US" smtClean="0"/>
-              <a:t>2020/5/29</a:t>
             </a:fld>
             <a:endParaRPr lang="zh-CN" altLang="en-US"/>
           </a:p>
@@ -2379,7 +6058,7 @@
           <p:nvPr>
             <p:ph type="ftr" sz="quarter" idx="11"/>
             <p:custDataLst>
-              <p:tags r:id="rId5"/>
+              <p:tags r:id="rId6"/>
             </p:custDataLst>
           </p:nvPr>
         </p:nvSpPr>
@@ -2401,7 +6080,7 @@
           <p:nvPr>
             <p:ph type="sldNum" sz="quarter" idx="12"/>
             <p:custDataLst>
-              <p:tags r:id="rId6"/>
+              <p:tags r:id="rId7"/>
             </p:custDataLst>
           </p:nvPr>
         </p:nvSpPr>
@@ -2412,7 +6091,6 @@
           <a:p>
             <a:fld id="{49AE70B2-8BF9-45C0-BB95-33D1B9D3A854}" type="slidenum">
               <a:rPr lang="zh-CN" altLang="en-US" smtClean="0"/>
-              <a:t>‹#›</a:t>
             </a:fld>
             <a:endParaRPr lang="zh-CN" altLang="en-US"/>
           </a:p>
@@ -2452,7 +6130,7 @@
           <p:nvPr>
             <p:ph type="title"/>
             <p:custDataLst>
-              <p:tags r:id="rId1"/>
+              <p:tags r:id="rId2"/>
             </p:custDataLst>
           </p:nvPr>
         </p:nvSpPr>
@@ -2495,6 +6173,9 @@
               </a:rPr>
               <a:t>单击此处编辑母版标题样式</a:t>
             </a:r>
+            <a:endParaRPr dirty="0">
+              <a:sym typeface="+mn-ea"/>
+            </a:endParaRPr>
           </a:p>
         </p:txBody>
       </p:sp>
@@ -2507,7 +6188,7 @@
           <p:nvPr>
             <p:ph type="body" idx="1" hasCustomPrompt="1"/>
             <p:custDataLst>
-              <p:tags r:id="rId2"/>
+              <p:tags r:id="rId3"/>
             </p:custDataLst>
           </p:nvPr>
         </p:nvSpPr>
@@ -2581,6 +6262,7 @@
               <a:rPr lang="zh-CN" altLang="en-US" dirty="0"/>
               <a:t>单击此处编辑文本</a:t>
             </a:r>
+            <a:endParaRPr lang="zh-CN" altLang="en-US" dirty="0"/>
           </a:p>
         </p:txBody>
       </p:sp>
@@ -2593,7 +6275,7 @@
           <p:nvPr>
             <p:ph sz="half" idx="2"/>
             <p:custDataLst>
-              <p:tags r:id="rId3"/>
+              <p:tags r:id="rId4"/>
             </p:custDataLst>
           </p:nvPr>
         </p:nvSpPr>
@@ -2750,6 +6432,9 @@
               </a:rPr>
               <a:t>单击此处编辑母版文本样式</a:t>
             </a:r>
+            <a:endParaRPr dirty="0">
+              <a:sym typeface="+mn-ea"/>
+            </a:endParaRPr>
           </a:p>
           <a:p>
             <a:pPr lvl="1"/>
@@ -2759,6 +6444,9 @@
               </a:rPr>
               <a:t>第二级</a:t>
             </a:r>
+            <a:endParaRPr dirty="0">
+              <a:sym typeface="+mn-ea"/>
+            </a:endParaRPr>
           </a:p>
           <a:p>
             <a:pPr lvl="2"/>
@@ -2768,6 +6456,9 @@
               </a:rPr>
               <a:t>第三级</a:t>
             </a:r>
+            <a:endParaRPr dirty="0">
+              <a:sym typeface="+mn-ea"/>
+            </a:endParaRPr>
           </a:p>
           <a:p>
             <a:pPr lvl="3"/>
@@ -2777,6 +6468,9 @@
               </a:rPr>
               <a:t>第四级</a:t>
             </a:r>
+            <a:endParaRPr dirty="0">
+              <a:sym typeface="+mn-ea"/>
+            </a:endParaRPr>
           </a:p>
         </p:txBody>
       </p:sp>
@@ -2789,7 +6483,7 @@
           <p:nvPr>
             <p:ph type="body" sz="quarter" idx="3" hasCustomPrompt="1"/>
             <p:custDataLst>
-              <p:tags r:id="rId4"/>
+              <p:tags r:id="rId5"/>
             </p:custDataLst>
           </p:nvPr>
         </p:nvSpPr>
@@ -2871,6 +6565,9 @@
               </a:rPr>
               <a:t>单击此处编辑文本</a:t>
             </a:r>
+            <a:endParaRPr>
+              <a:sym typeface="+mn-ea"/>
+            </a:endParaRPr>
           </a:p>
         </p:txBody>
       </p:sp>
@@ -2883,7 +6580,7 @@
           <p:nvPr>
             <p:ph sz="quarter" idx="4"/>
             <p:custDataLst>
-              <p:tags r:id="rId5"/>
+              <p:tags r:id="rId6"/>
             </p:custDataLst>
           </p:nvPr>
         </p:nvSpPr>
@@ -3040,6 +6737,9 @@
               </a:rPr>
               <a:t>单击此处编辑母版文本样式</a:t>
             </a:r>
+            <a:endParaRPr dirty="0">
+              <a:sym typeface="+mn-ea"/>
+            </a:endParaRPr>
           </a:p>
           <a:p>
             <a:pPr lvl="1"/>
@@ -3049,6 +6749,9 @@
               </a:rPr>
               <a:t>第二级</a:t>
             </a:r>
+            <a:endParaRPr dirty="0">
+              <a:sym typeface="+mn-ea"/>
+            </a:endParaRPr>
           </a:p>
           <a:p>
             <a:pPr lvl="2"/>
@@ -3058,6 +6761,9 @@
               </a:rPr>
               <a:t>第三级</a:t>
             </a:r>
+            <a:endParaRPr dirty="0">
+              <a:sym typeface="+mn-ea"/>
+            </a:endParaRPr>
           </a:p>
           <a:p>
             <a:pPr lvl="3"/>
@@ -3067,6 +6773,9 @@
               </a:rPr>
               <a:t>第四级</a:t>
             </a:r>
+            <a:endParaRPr dirty="0">
+              <a:sym typeface="+mn-ea"/>
+            </a:endParaRPr>
           </a:p>
         </p:txBody>
       </p:sp>
@@ -3079,7 +6788,7 @@
           <p:nvPr>
             <p:ph type="dt" sz="half" idx="10"/>
             <p:custDataLst>
-              <p:tags r:id="rId6"/>
+              <p:tags r:id="rId7"/>
             </p:custDataLst>
           </p:nvPr>
         </p:nvSpPr>
@@ -3090,7 +6799,6 @@
           <a:p>
             <a:fld id="{760FBDFE-C587-4B4C-A407-44438C67B59E}" type="datetimeFigureOut">
               <a:rPr lang="zh-CN" altLang="en-US" smtClean="0"/>
-              <a:t>2020/5/29</a:t>
             </a:fld>
             <a:endParaRPr lang="zh-CN" altLang="en-US"/>
           </a:p>
@@ -3105,7 +6813,7 @@
           <p:nvPr>
             <p:ph type="ftr" sz="quarter" idx="11"/>
             <p:custDataLst>
-              <p:tags r:id="rId7"/>
+              <p:tags r:id="rId8"/>
             </p:custDataLst>
           </p:nvPr>
         </p:nvSpPr>
@@ -3127,7 +6835,7 @@
           <p:nvPr>
             <p:ph type="sldNum" sz="quarter" idx="12"/>
             <p:custDataLst>
-              <p:tags r:id="rId8"/>
+              <p:tags r:id="rId9"/>
             </p:custDataLst>
           </p:nvPr>
         </p:nvSpPr>
@@ -3138,7 +6846,6 @@
           <a:p>
             <a:fld id="{49AE70B2-8BF9-45C0-BB95-33D1B9D3A854}" type="slidenum">
               <a:rPr lang="zh-CN" altLang="en-US" smtClean="0"/>
-              <a:t>‹#›</a:t>
             </a:fld>
             <a:endParaRPr lang="zh-CN" altLang="en-US"/>
           </a:p>
@@ -3178,7 +6885,7 @@
           <p:nvPr>
             <p:ph type="title"/>
             <p:custDataLst>
-              <p:tags r:id="rId1"/>
+              <p:tags r:id="rId2"/>
             </p:custDataLst>
           </p:nvPr>
         </p:nvSpPr>
@@ -3221,6 +6928,9 @@
               </a:rPr>
               <a:t>单击此处编辑母版标题样式</a:t>
             </a:r>
+            <a:endParaRPr>
+              <a:sym typeface="+mn-ea"/>
+            </a:endParaRPr>
           </a:p>
         </p:txBody>
       </p:sp>
@@ -3233,7 +6943,7 @@
           <p:nvPr>
             <p:ph type="dt" sz="half" idx="10"/>
             <p:custDataLst>
-              <p:tags r:id="rId2"/>
+              <p:tags r:id="rId3"/>
             </p:custDataLst>
           </p:nvPr>
         </p:nvSpPr>
@@ -3244,7 +6954,6 @@
           <a:p>
             <a:fld id="{760FBDFE-C587-4B4C-A407-44438C67B59E}" type="datetimeFigureOut">
               <a:rPr lang="zh-CN" altLang="en-US" smtClean="0"/>
-              <a:t>2020/5/29</a:t>
             </a:fld>
             <a:endParaRPr lang="zh-CN" altLang="en-US"/>
           </a:p>
@@ -3259,7 +6968,7 @@
           <p:nvPr>
             <p:ph type="ftr" sz="quarter" idx="11"/>
             <p:custDataLst>
-              <p:tags r:id="rId3"/>
+              <p:tags r:id="rId4"/>
             </p:custDataLst>
           </p:nvPr>
         </p:nvSpPr>
@@ -3281,7 +6990,7 @@
           <p:nvPr>
             <p:ph type="sldNum" sz="quarter" idx="12"/>
             <p:custDataLst>
-              <p:tags r:id="rId4"/>
+              <p:tags r:id="rId5"/>
             </p:custDataLst>
           </p:nvPr>
         </p:nvSpPr>
@@ -3292,7 +7001,6 @@
           <a:p>
             <a:fld id="{49AE70B2-8BF9-45C0-BB95-33D1B9D3A854}" type="slidenum">
               <a:rPr lang="zh-CN" altLang="en-US" smtClean="0"/>
-              <a:t>‹#›</a:t>
             </a:fld>
             <a:endParaRPr lang="zh-CN" altLang="en-US"/>
           </a:p>
@@ -3332,7 +7040,7 @@
           <p:nvPr>
             <p:ph type="dt" sz="half" idx="10"/>
             <p:custDataLst>
-              <p:tags r:id="rId1"/>
+              <p:tags r:id="rId2"/>
             </p:custDataLst>
           </p:nvPr>
         </p:nvSpPr>
@@ -3343,7 +7051,6 @@
           <a:p>
             <a:fld id="{760FBDFE-C587-4B4C-A407-44438C67B59E}" type="datetimeFigureOut">
               <a:rPr lang="zh-CN" altLang="en-US" smtClean="0"/>
-              <a:t>2020/5/29</a:t>
             </a:fld>
             <a:endParaRPr lang="zh-CN" altLang="en-US"/>
           </a:p>
@@ -3358,7 +7065,7 @@
           <p:nvPr>
             <p:ph type="ftr" sz="quarter" idx="11"/>
             <p:custDataLst>
-              <p:tags r:id="rId2"/>
+              <p:tags r:id="rId3"/>
             </p:custDataLst>
           </p:nvPr>
         </p:nvSpPr>
@@ -3380,7 +7087,7 @@
           <p:nvPr>
             <p:ph type="sldNum" sz="quarter" idx="12"/>
             <p:custDataLst>
-              <p:tags r:id="rId3"/>
+              <p:tags r:id="rId4"/>
             </p:custDataLst>
           </p:nvPr>
         </p:nvSpPr>
@@ -3391,7 +7098,6 @@
           <a:p>
             <a:fld id="{49AE70B2-8BF9-45C0-BB95-33D1B9D3A854}" type="slidenum">
               <a:rPr lang="zh-CN" altLang="en-US" smtClean="0"/>
-              <a:t>‹#›</a:t>
             </a:fld>
             <a:endParaRPr lang="zh-CN" altLang="en-US"/>
           </a:p>
@@ -3431,7 +7137,7 @@
           <p:nvPr>
             <p:ph type="pic" idx="1"/>
             <p:custDataLst>
-              <p:tags r:id="rId1"/>
+              <p:tags r:id="rId2"/>
             </p:custDataLst>
           </p:nvPr>
         </p:nvSpPr>
@@ -3585,7 +7291,7 @@
           <p:nvPr>
             <p:ph type="body" sz="half" idx="2" hasCustomPrompt="1"/>
             <p:custDataLst>
-              <p:tags r:id="rId2"/>
+              <p:tags r:id="rId3"/>
             </p:custDataLst>
           </p:nvPr>
         </p:nvSpPr>
@@ -3635,6 +7341,9 @@
               </a:rPr>
               <a:t>单击此处编辑文本</a:t>
             </a:r>
+            <a:endParaRPr dirty="0">
+              <a:sym typeface="+mn-ea"/>
+            </a:endParaRPr>
           </a:p>
         </p:txBody>
       </p:sp>
@@ -3647,7 +7356,7 @@
           <p:nvPr>
             <p:ph type="dt" sz="half" idx="10"/>
             <p:custDataLst>
-              <p:tags r:id="rId3"/>
+              <p:tags r:id="rId4"/>
             </p:custDataLst>
           </p:nvPr>
         </p:nvSpPr>
@@ -3658,7 +7367,6 @@
           <a:p>
             <a:fld id="{9EFD9D74-47D9-4702-A33C-335B63B48DBF}" type="datetimeFigureOut">
               <a:rPr lang="zh-CN" altLang="en-US" smtClean="0"/>
-              <a:t>2020/5/29</a:t>
             </a:fld>
             <a:endParaRPr lang="zh-CN" altLang="en-US" dirty="0"/>
           </a:p>
@@ -3673,7 +7381,7 @@
           <p:nvPr>
             <p:ph type="ftr" sz="quarter" idx="11"/>
             <p:custDataLst>
-              <p:tags r:id="rId4"/>
+              <p:tags r:id="rId5"/>
             </p:custDataLst>
           </p:nvPr>
         </p:nvSpPr>
@@ -3695,7 +7403,7 @@
           <p:nvPr>
             <p:ph type="sldNum" sz="quarter" idx="12"/>
             <p:custDataLst>
-              <p:tags r:id="rId5"/>
+              <p:tags r:id="rId6"/>
             </p:custDataLst>
           </p:nvPr>
         </p:nvSpPr>
@@ -3706,7 +7414,6 @@
           <a:p>
             <a:fld id="{FABC47A4-756D-490B-A52F-7D9E2C9FC05F}" type="slidenum">
               <a:rPr lang="zh-CN" altLang="en-US" smtClean="0"/>
-              <a:t>‹#›</a:t>
             </a:fld>
             <a:endParaRPr lang="zh-CN" altLang="en-US"/>
           </a:p>
@@ -3721,7 +7428,7 @@
           <p:nvPr>
             <p:ph type="title"/>
             <p:custDataLst>
-              <p:tags r:id="rId6"/>
+              <p:tags r:id="rId7"/>
             </p:custDataLst>
           </p:nvPr>
         </p:nvSpPr>
@@ -3738,6 +7445,7 @@
               <a:rPr lang="zh-CN" altLang="en-US"/>
               <a:t>单击此处编辑母版标题样式</a:t>
             </a:r>
+            <a:endParaRPr lang="zh-CN" altLang="en-US"/>
           </a:p>
         </p:txBody>
       </p:sp>
@@ -3775,7 +7483,7 @@
           <p:nvPr>
             <p:ph type="title" orient="vert" hasCustomPrompt="1"/>
             <p:custDataLst>
-              <p:tags r:id="rId1"/>
+              <p:tags r:id="rId2"/>
             </p:custDataLst>
           </p:nvPr>
         </p:nvSpPr>
@@ -3821,6 +7529,9 @@
               </a:rPr>
               <a:t>单击此处编辑标题</a:t>
             </a:r>
+            <a:endParaRPr dirty="0">
+              <a:sym typeface="+mn-ea"/>
+            </a:endParaRPr>
           </a:p>
         </p:txBody>
       </p:sp>
@@ -3833,7 +7544,7 @@
           <p:nvPr>
             <p:ph type="body" orient="vert" idx="1" hasCustomPrompt="1"/>
             <p:custDataLst>
-              <p:tags r:id="rId2"/>
+              <p:tags r:id="rId3"/>
             </p:custDataLst>
           </p:nvPr>
         </p:nvSpPr>
@@ -3938,6 +7649,7 @@
               <a:rPr lang="zh-CN" altLang="en-US" dirty="0"/>
               <a:t>单击此处编辑文本</a:t>
             </a:r>
+            <a:endParaRPr lang="zh-CN" altLang="en-US" dirty="0"/>
           </a:p>
           <a:p>
             <a:pPr lvl="1"/>
@@ -3945,6 +7657,7 @@
               <a:rPr lang="zh-CN" altLang="en-US" dirty="0"/>
               <a:t>第二级</a:t>
             </a:r>
+            <a:endParaRPr lang="zh-CN" altLang="en-US" dirty="0"/>
           </a:p>
           <a:p>
             <a:pPr lvl="2"/>
@@ -3952,6 +7665,7 @@
               <a:rPr lang="zh-CN" altLang="en-US" dirty="0"/>
               <a:t>第三级</a:t>
             </a:r>
+            <a:endParaRPr lang="zh-CN" altLang="en-US" dirty="0"/>
           </a:p>
           <a:p>
             <a:pPr lvl="3"/>
@@ -3959,6 +7673,7 @@
               <a:rPr lang="zh-CN" altLang="en-US" dirty="0"/>
               <a:t>第四级</a:t>
             </a:r>
+            <a:endParaRPr lang="zh-CN" altLang="en-US" dirty="0"/>
           </a:p>
           <a:p>
             <a:pPr lvl="4"/>
@@ -3966,6 +7681,7 @@
               <a:rPr lang="zh-CN" altLang="en-US" dirty="0"/>
               <a:t>第五级</a:t>
             </a:r>
+            <a:endParaRPr lang="zh-CN" altLang="en-US" dirty="0"/>
           </a:p>
         </p:txBody>
       </p:sp>
@@ -3978,7 +7694,7 @@
           <p:nvPr>
             <p:ph type="dt" sz="half" idx="10"/>
             <p:custDataLst>
-              <p:tags r:id="rId3"/>
+              <p:tags r:id="rId4"/>
             </p:custDataLst>
           </p:nvPr>
         </p:nvSpPr>
@@ -3989,7 +7705,6 @@
           <a:p>
             <a:fld id="{760FBDFE-C587-4B4C-A407-44438C67B59E}" type="datetimeFigureOut">
               <a:rPr lang="zh-CN" altLang="en-US" smtClean="0"/>
-              <a:t>2020/5/29</a:t>
             </a:fld>
             <a:endParaRPr lang="zh-CN" altLang="en-US"/>
           </a:p>
@@ -4004,7 +7719,7 @@
           <p:nvPr>
             <p:ph type="ftr" sz="quarter" idx="11"/>
             <p:custDataLst>
-              <p:tags r:id="rId4"/>
+              <p:tags r:id="rId5"/>
             </p:custDataLst>
           </p:nvPr>
         </p:nvSpPr>
@@ -4026,7 +7741,7 @@
           <p:nvPr>
             <p:ph type="sldNum" sz="quarter" idx="12"/>
             <p:custDataLst>
-              <p:tags r:id="rId5"/>
+              <p:tags r:id="rId6"/>
             </p:custDataLst>
           </p:nvPr>
         </p:nvSpPr>
@@ -4037,7 +7752,6 @@
           <a:p>
             <a:fld id="{49AE70B2-8BF9-45C0-BB95-33D1B9D3A854}" type="slidenum">
               <a:rPr lang="zh-CN" altLang="en-US" smtClean="0"/>
-              <a:t>‹#›</a:t>
             </a:fld>
             <a:endParaRPr lang="zh-CN" altLang="en-US"/>
           </a:p>
@@ -4095,7 +7809,7 @@
           <p:nvPr>
             <p:ph type="title"/>
             <p:custDataLst>
-              <p:tags r:id="rId13"/>
+              <p:tags r:id="rId12"/>
             </p:custDataLst>
           </p:nvPr>
         </p:nvSpPr>
@@ -4118,6 +7832,7 @@
               <a:rPr lang="zh-CN" altLang="en-US" dirty="0"/>
               <a:t>单击此处编辑母版标题样式</a:t>
             </a:r>
+            <a:endParaRPr lang="zh-CN" altLang="en-US" dirty="0"/>
           </a:p>
         </p:txBody>
       </p:sp>
@@ -4130,7 +7845,7 @@
           <p:nvPr>
             <p:ph type="body" idx="1"/>
             <p:custDataLst>
-              <p:tags r:id="rId14"/>
+              <p:tags r:id="rId13"/>
             </p:custDataLst>
           </p:nvPr>
         </p:nvSpPr>
@@ -4154,6 +7869,7 @@
               <a:rPr lang="zh-CN" altLang="en-US" dirty="0"/>
               <a:t>单击此处编辑母版文本样式</a:t>
             </a:r>
+            <a:endParaRPr lang="zh-CN" altLang="en-US" dirty="0"/>
           </a:p>
           <a:p>
             <a:pPr lvl="1"/>
@@ -4161,6 +7877,7 @@
               <a:rPr lang="zh-CN" altLang="en-US" dirty="0"/>
               <a:t>第二级</a:t>
             </a:r>
+            <a:endParaRPr lang="zh-CN" altLang="en-US" dirty="0"/>
           </a:p>
           <a:p>
             <a:pPr lvl="2"/>
@@ -4168,6 +7885,7 @@
               <a:rPr lang="zh-CN" altLang="en-US" dirty="0"/>
               <a:t>第三级</a:t>
             </a:r>
+            <a:endParaRPr lang="zh-CN" altLang="en-US" dirty="0"/>
           </a:p>
           <a:p>
             <a:pPr lvl="3"/>
@@ -4175,6 +7893,7 @@
               <a:rPr lang="zh-CN" altLang="en-US" dirty="0"/>
               <a:t>第四级</a:t>
             </a:r>
+            <a:endParaRPr lang="zh-CN" altLang="en-US" dirty="0"/>
           </a:p>
           <a:p>
             <a:pPr lvl="4"/>
@@ -4182,6 +7901,7 @@
               <a:rPr lang="zh-CN" altLang="en-US" dirty="0"/>
               <a:t>第五级</a:t>
             </a:r>
+            <a:endParaRPr lang="zh-CN" altLang="en-US" dirty="0"/>
           </a:p>
         </p:txBody>
       </p:sp>
@@ -4194,7 +7914,7 @@
           <p:nvPr>
             <p:ph type="dt" sz="half" idx="2"/>
             <p:custDataLst>
-              <p:tags r:id="rId15"/>
+              <p:tags r:id="rId14"/>
             </p:custDataLst>
           </p:nvPr>
         </p:nvSpPr>
@@ -4227,7 +7947,6 @@
           <a:p>
             <a:fld id="{760FBDFE-C587-4B4C-A407-44438C67B59E}" type="datetimeFigureOut">
               <a:rPr lang="zh-CN" altLang="en-US" smtClean="0"/>
-              <a:t>2020/5/29</a:t>
             </a:fld>
             <a:endParaRPr lang="zh-CN" altLang="en-US"/>
           </a:p>
@@ -4242,7 +7961,7 @@
           <p:nvPr>
             <p:ph type="ftr" sz="quarter" idx="3"/>
             <p:custDataLst>
-              <p:tags r:id="rId16"/>
+              <p:tags r:id="rId15"/>
             </p:custDataLst>
           </p:nvPr>
         </p:nvSpPr>
@@ -4286,7 +8005,7 @@
           <p:nvPr>
             <p:ph type="sldNum" sz="quarter" idx="4"/>
             <p:custDataLst>
-              <p:tags r:id="rId17"/>
+              <p:tags r:id="rId16"/>
             </p:custDataLst>
           </p:nvPr>
         </p:nvSpPr>
@@ -4319,7 +8038,6 @@
           <a:p>
             <a:fld id="{49AE70B2-8BF9-45C0-BB95-33D1B9D3A854}" type="slidenum">
               <a:rPr lang="zh-CN" altLang="en-US" smtClean="0"/>
-              <a:t>‹#›</a:t>
             </a:fld>
             <a:endParaRPr lang="zh-CN" altLang="en-US" dirty="0"/>
           </a:p>
@@ -4331,7 +8049,7 @@
           <p:cNvSpPr/>
           <p:nvPr>
             <p:custDataLst>
-              <p:tags r:id="rId18"/>
+              <p:tags r:id="rId17"/>
             </p:custDataLst>
           </p:nvPr>
         </p:nvSpPr>
@@ -4736,7 +8454,7 @@
           <p:nvPr>
             <p:ph type="ctrTitle"/>
             <p:custDataLst>
-              <p:tags r:id="rId2"/>
+              <p:tags r:id="rId1"/>
             </p:custDataLst>
           </p:nvPr>
         </p:nvSpPr>
@@ -4754,6 +8472,7 @@
               <a:rPr lang="zh-CN" altLang="zh-CN"/>
               <a:t>软件质量保证插图集合</a:t>
             </a:r>
+            <a:endParaRPr lang="zh-CN" altLang="zh-CN"/>
           </a:p>
         </p:txBody>
       </p:sp>
@@ -4766,7 +8485,7 @@
           <p:nvPr>
             <p:ph type="subTitle" idx="1"/>
             <p:custDataLst>
-              <p:tags r:id="rId3"/>
+              <p:tags r:id="rId2"/>
             </p:custDataLst>
           </p:nvPr>
         </p:nvSpPr>
@@ -4783,12 +8502,13 @@
               <a:rPr lang="en-US" altLang="zh-CN"/>
               <a:t>2020/05/26</a:t>
             </a:r>
+            <a:endParaRPr lang="en-US" altLang="zh-CN"/>
           </a:p>
         </p:txBody>
       </p:sp>
     </p:spTree>
     <p:custDataLst>
-      <p:tags r:id="rId1"/>
+      <p:tags r:id="rId3"/>
     </p:custDataLst>
   </p:cSld>
   <p:clrMapOvr>
@@ -4995,6 +8715,7 @@
               <a:rPr lang="zh-CN" altLang="en-US"/>
               <a:t>开发进度</a:t>
             </a:r>
+            <a:endParaRPr lang="zh-CN" altLang="en-US"/>
           </a:p>
         </p:txBody>
       </p:sp>
@@ -5024,6 +8745,7 @@
               <a:rPr lang="zh-CN" altLang="en-US"/>
               <a:t>修复成本</a:t>
             </a:r>
+            <a:endParaRPr lang="zh-CN" altLang="en-US"/>
           </a:p>
         </p:txBody>
       </p:sp>
@@ -5053,6 +8775,7 @@
               <a:rPr lang="zh-CN" altLang="en-US"/>
               <a:t>需求设计</a:t>
             </a:r>
+            <a:endParaRPr lang="zh-CN" altLang="en-US"/>
           </a:p>
         </p:txBody>
       </p:sp>
@@ -5082,6 +8805,7 @@
               <a:rPr lang="zh-CN" altLang="en-US"/>
               <a:t>编码</a:t>
             </a:r>
+            <a:endParaRPr lang="zh-CN" altLang="en-US"/>
           </a:p>
         </p:txBody>
       </p:sp>
@@ -5111,6 +8835,7 @@
               <a:rPr lang="zh-CN" altLang="en-US"/>
               <a:t>验收</a:t>
             </a:r>
+            <a:endParaRPr lang="zh-CN" altLang="en-US"/>
           </a:p>
         </p:txBody>
       </p:sp>
@@ -5140,6 +8865,7 @@
               <a:rPr lang="zh-CN" altLang="en-US"/>
               <a:t>交付</a:t>
             </a:r>
+            <a:endParaRPr lang="zh-CN" altLang="en-US"/>
           </a:p>
         </p:txBody>
       </p:sp>
@@ -5205,7 +8931,7 @@
           </p:nvPr>
         </p:nvPicPr>
         <p:blipFill>
-          <a:blip r:embed="rId2">
+          <a:blip r:embed="rId1">
             <a:extLst>
               <a:ext uri="{28A0092B-C50C-407E-A947-70E740481C1C}">
                 <a14:useLocalDpi xmlns:a14="http://schemas.microsoft.com/office/drawing/2010/main" val="0"/>
@@ -5238,11 +8964,6 @@
         </p:spPr>
       </p:pic>
     </p:spTree>
-    <p:extLst>
-      <p:ext uri="{BB962C8B-B14F-4D97-AF65-F5344CB8AC3E}">
-        <p14:creationId xmlns:p14="http://schemas.microsoft.com/office/powerpoint/2010/main" val="628291438"/>
-      </p:ext>
-    </p:extLst>
   </p:cSld>
   <p:clrMapOvr>
     <a:masterClrMapping/>
@@ -5303,7 +9024,7 @@
           </p:nvPr>
         </p:nvPicPr>
         <p:blipFill>
-          <a:blip r:embed="rId2">
+          <a:blip r:embed="rId1">
             <a:extLst>
               <a:ext uri="{28A0092B-C50C-407E-A947-70E740481C1C}">
                 <a14:useLocalDpi xmlns:a14="http://schemas.microsoft.com/office/drawing/2010/main" val="0"/>
@@ -5336,11 +9057,6 @@
         </p:spPr>
       </p:pic>
     </p:spTree>
-    <p:extLst>
-      <p:ext uri="{BB962C8B-B14F-4D97-AF65-F5344CB8AC3E}">
-        <p14:creationId xmlns:p14="http://schemas.microsoft.com/office/powerpoint/2010/main" val="2284649828"/>
-      </p:ext>
-    </p:extLst>
   </p:cSld>
   <p:clrMapOvr>
     <a:masterClrMapping/>
@@ -5401,7 +9117,7 @@
           </p:nvPr>
         </p:nvPicPr>
         <p:blipFill>
-          <a:blip r:embed="rId2">
+          <a:blip r:embed="rId1">
             <a:extLst>
               <a:ext uri="{28A0092B-C50C-407E-A947-70E740481C1C}">
                 <a14:useLocalDpi xmlns:a14="http://schemas.microsoft.com/office/drawing/2010/main" val="0"/>
@@ -5434,11 +9150,76 @@
         </p:spPr>
       </p:pic>
     </p:spTree>
-    <p:extLst>
-      <p:ext uri="{BB962C8B-B14F-4D97-AF65-F5344CB8AC3E}">
-        <p14:creationId xmlns:p14="http://schemas.microsoft.com/office/powerpoint/2010/main" val="1036283255"/>
-      </p:ext>
-    </p:extLst>
+  </p:cSld>
+  <p:clrMapOvr>
+    <a:masterClrMapping/>
+  </p:clrMapOvr>
+</p:sld>
+</file>
+
+<file path=ppt/slides/slide6.xml><?xml version="1.0" encoding="utf-8"?>
+<p:sld xmlns:a="http://schemas.openxmlformats.org/drawingml/2006/main" xmlns:r="http://schemas.openxmlformats.org/officeDocument/2006/relationships" xmlns:p="http://schemas.openxmlformats.org/presentationml/2006/main">
+  <p:cSld>
+    <p:spTree>
+      <p:nvGrpSpPr>
+        <p:cNvPr id="1" name=""/>
+        <p:cNvGrpSpPr/>
+        <p:nvPr/>
+      </p:nvGrpSpPr>
+      <p:grpSpPr/>
+      <p:sp>
+        <p:nvSpPr>
+          <p:cNvPr id="2" name="标题 1"/>
+          <p:cNvSpPr>
+            <a:spLocks noGrp="1"/>
+          </p:cNvSpPr>
+          <p:nvPr>
+            <p:ph type="title"/>
+          </p:nvPr>
+        </p:nvSpPr>
+        <p:spPr/>
+        <p:txBody>
+          <a:bodyPr/>
+          <a:p>
+            <a:endParaRPr lang="zh-CN" altLang="en-US"/>
+          </a:p>
+        </p:txBody>
+      </p:sp>
+      <p:sp>
+        <p:nvSpPr>
+          <p:cNvPr id="3" name="内容占位符 2"/>
+          <p:cNvSpPr>
+            <a:spLocks noGrp="1"/>
+          </p:cNvSpPr>
+          <p:nvPr>
+            <p:ph idx="1"/>
+          </p:nvPr>
+        </p:nvSpPr>
+        <p:spPr/>
+        <p:txBody>
+          <a:bodyPr/>
+          <a:p>
+            <a:endParaRPr lang="zh-CN" altLang="en-US"/>
+          </a:p>
+        </p:txBody>
+      </p:sp>
+      <p:graphicFrame>
+        <p:nvGraphicFramePr>
+          <p:cNvPr id="4" name="图示 3"/>
+          <p:cNvGraphicFramePr/>
+          <p:nvPr/>
+        </p:nvGraphicFramePr>
+        <p:xfrm>
+          <a:off x="798195" y="1607820"/>
+          <a:ext cx="10706735" cy="4525010"/>
+        </p:xfrm>
+        <a:graphic>
+          <a:graphicData uri="http://schemas.openxmlformats.org/drawingml/2006/diagram">
+            <dgm:relIds xmlns:dgm="http://schemas.openxmlformats.org/drawingml/2006/diagram" xmlns:r="http://schemas.openxmlformats.org/officeDocument/2006/relationships" r:dm="rId1" r:lo="rId2" r:qs="rId3" r:cs="rId4"/>
+          </a:graphicData>
+        </a:graphic>
+      </p:graphicFrame>
+    </p:spTree>
   </p:cSld>
   <p:clrMapOvr>
     <a:masterClrMapping/>
@@ -5447,7 +9228,683 @@
 </file>
 
 <file path=ppt/tags/tag1.xml><?xml version="1.0" encoding="utf-8"?>
-<p:tagLst xmlns:a="http://schemas.openxmlformats.org/drawingml/2006/main" xmlns:r="http://schemas.openxmlformats.org/officeDocument/2006/relationships" xmlns:p="http://schemas.openxmlformats.org/presentationml/2006/main">
+<p:tagLst xmlns:p="http://schemas.openxmlformats.org/presentationml/2006/main">
+  <p:tag name="KSO_WM_UNIT_HIGHLIGHT" val="0"/>
+  <p:tag name="KSO_WM_UNIT_COMPATIBLE" val="0"/>
+  <p:tag name="KSO_WM_UNIT_DIAGRAM_ISNUMVISUAL" val="0"/>
+  <p:tag name="KSO_WM_UNIT_DIAGRAM_ISREFERUNIT" val="0"/>
+  <p:tag name="KSO_WM_UNIT_ID" val="_1**"/>
+  <p:tag name="KSO_WM_UNIT_LAYERLEVEL" val="1"/>
+  <p:tag name="KSO_WM_TAG_VERSION" val="1.0"/>
+  <p:tag name="KSO_WM_BEAUTIFY_FLAG" val="#wm#"/>
+</p:tagLst>
+</file>
+
+<file path=ppt/tags/tag10.xml><?xml version="1.0" encoding="utf-8"?>
+<p:tagLst xmlns:p="http://schemas.openxmlformats.org/presentationml/2006/main">
+  <p:tag name="KSO_WM_UNIT_HIGHLIGHT" val="0"/>
+  <p:tag name="KSO_WM_UNIT_COMPATIBLE" val="0"/>
+  <p:tag name="KSO_WM_UNIT_DIAGRAM_ISNUMVISUAL" val="0"/>
+  <p:tag name="KSO_WM_UNIT_DIAGRAM_ISREFERUNIT" val="0"/>
+  <p:tag name="KSO_WM_UNIT_ID" val="_2**"/>
+  <p:tag name="KSO_WM_UNIT_LAYERLEVEL" val="1"/>
+  <p:tag name="KSO_WM_TAG_VERSION" val="1.0"/>
+  <p:tag name="KSO_WM_BEAUTIFY_FLAG" val="#wm#"/>
+</p:tagLst>
+</file>
+
+<file path=ppt/tags/tag11.xml><?xml version="1.0" encoding="utf-8"?>
+<p:tagLst xmlns:p="http://schemas.openxmlformats.org/presentationml/2006/main">
+  <p:tag name="KSO_WM_UNIT_HIGHLIGHT" val="0"/>
+  <p:tag name="KSO_WM_UNIT_COMPATIBLE" val="0"/>
+  <p:tag name="KSO_WM_UNIT_DIAGRAM_ISNUMVISUAL" val="0"/>
+  <p:tag name="KSO_WM_UNIT_DIAGRAM_ISREFERUNIT" val="0"/>
+  <p:tag name="KSO_WM_UNIT_ID" val="_3**"/>
+  <p:tag name="KSO_WM_UNIT_LAYERLEVEL" val="1"/>
+  <p:tag name="KSO_WM_TAG_VERSION" val="1.0"/>
+  <p:tag name="KSO_WM_BEAUTIFY_FLAG" val="#wm#"/>
+</p:tagLst>
+</file>
+
+<file path=ppt/tags/tag12.xml><?xml version="1.0" encoding="utf-8"?>
+<p:tagLst xmlns:p="http://schemas.openxmlformats.org/presentationml/2006/main">
+  <p:tag name="KSO_WM_UNIT_HIGHLIGHT" val="0"/>
+  <p:tag name="KSO_WM_UNIT_COMPATIBLE" val="0"/>
+  <p:tag name="KSO_WM_UNIT_DIAGRAM_ISNUMVISUAL" val="0"/>
+  <p:tag name="KSO_WM_UNIT_DIAGRAM_ISREFERUNIT" val="0"/>
+  <p:tag name="KSO_WM_UNIT_ID" val="_3**"/>
+  <p:tag name="KSO_WM_UNIT_LAYERLEVEL" val="1"/>
+  <p:tag name="KSO_WM_TAG_VERSION" val="1.0"/>
+  <p:tag name="KSO_WM_BEAUTIFY_FLAG" val="#wm#"/>
+</p:tagLst>
+</file>
+
+<file path=ppt/tags/tag13.xml><?xml version="1.0" encoding="utf-8"?>
+<p:tagLst xmlns:p="http://schemas.openxmlformats.org/presentationml/2006/main">
+  <p:tag name="KSO_WM_UNIT_HIGHLIGHT" val="0"/>
+  <p:tag name="KSO_WM_UNIT_COMPATIBLE" val="0"/>
+  <p:tag name="KSO_WM_UNIT_DIAGRAM_ISNUMVISUAL" val="0"/>
+  <p:tag name="KSO_WM_UNIT_DIAGRAM_ISREFERUNIT" val="0"/>
+  <p:tag name="KSO_WM_UNIT_ID" val="_3**"/>
+  <p:tag name="KSO_WM_UNIT_LAYERLEVEL" val="1"/>
+  <p:tag name="KSO_WM_TAG_VERSION" val="1.0"/>
+  <p:tag name="KSO_WM_BEAUTIFY_FLAG" val="#wm#"/>
+</p:tagLst>
+</file>
+
+<file path=ppt/tags/tag14.xml><?xml version="1.0" encoding="utf-8"?>
+<p:tagLst xmlns:p="http://schemas.openxmlformats.org/presentationml/2006/main">
+  <p:tag name="KSO_WM_UNIT_HIGHLIGHT" val="0"/>
+  <p:tag name="KSO_WM_UNIT_COMPATIBLE" val="0"/>
+  <p:tag name="KSO_WM_UNIT_DIAGRAM_ISNUMVISUAL" val="0"/>
+  <p:tag name="KSO_WM_UNIT_DIAGRAM_ISREFERUNIT" val="0"/>
+  <p:tag name="KSO_WM_UNIT_ID" val="_3**"/>
+  <p:tag name="KSO_WM_UNIT_LAYERLEVEL" val="1"/>
+  <p:tag name="KSO_WM_TAG_VERSION" val="1.0"/>
+  <p:tag name="KSO_WM_BEAUTIFY_FLAG" val="#wm#"/>
+</p:tagLst>
+</file>
+
+<file path=ppt/tags/tag15.xml><?xml version="1.0" encoding="utf-8"?>
+<p:tagLst xmlns:p="http://schemas.openxmlformats.org/presentationml/2006/main">
+  <p:tag name="KSO_WM_UNIT_HIGHLIGHT" val="0"/>
+  <p:tag name="KSO_WM_UNIT_COMPATIBLE" val="0"/>
+  <p:tag name="KSO_WM_UNIT_DIAGRAM_ISNUMVISUAL" val="0"/>
+  <p:tag name="KSO_WM_UNIT_DIAGRAM_ISREFERUNIT" val="0"/>
+  <p:tag name="KSO_WM_UNIT_ID" val="_3**"/>
+  <p:tag name="KSO_WM_UNIT_LAYERLEVEL" val="1"/>
+  <p:tag name="KSO_WM_TAG_VERSION" val="1.0"/>
+  <p:tag name="KSO_WM_BEAUTIFY_FLAG" val="#wm#"/>
+</p:tagLst>
+</file>
+
+<file path=ppt/tags/tag16.xml><?xml version="1.0" encoding="utf-8"?>
+<p:tagLst xmlns:p="http://schemas.openxmlformats.org/presentationml/2006/main">
+  <p:tag name="KSO_WM_UNIT_HIGHLIGHT" val="0"/>
+  <p:tag name="KSO_WM_UNIT_COMPATIBLE" val="0"/>
+  <p:tag name="KSO_WM_UNIT_DIAGRAM_ISNUMVISUAL" val="0"/>
+  <p:tag name="KSO_WM_UNIT_DIAGRAM_ISREFERUNIT" val="0"/>
+  <p:tag name="KSO_WM_UNIT_ID" val="_4**"/>
+  <p:tag name="KSO_WM_UNIT_LAYERLEVEL" val="1"/>
+  <p:tag name="KSO_WM_TAG_VERSION" val="1.0"/>
+  <p:tag name="KSO_WM_BEAUTIFY_FLAG" val="#wm#"/>
+</p:tagLst>
+</file>
+
+<file path=ppt/tags/tag17.xml><?xml version="1.0" encoding="utf-8"?>
+<p:tagLst xmlns:p="http://schemas.openxmlformats.org/presentationml/2006/main">
+  <p:tag name="KSO_WM_UNIT_HIGHLIGHT" val="0"/>
+  <p:tag name="KSO_WM_UNIT_COMPATIBLE" val="0"/>
+  <p:tag name="KSO_WM_UNIT_DIAGRAM_ISNUMVISUAL" val="0"/>
+  <p:tag name="KSO_WM_UNIT_DIAGRAM_ISREFERUNIT" val="0"/>
+  <p:tag name="KSO_WM_UNIT_ID" val="_4**"/>
+  <p:tag name="KSO_WM_UNIT_LAYERLEVEL" val="1"/>
+  <p:tag name="KSO_WM_TAG_VERSION" val="1.0"/>
+  <p:tag name="KSO_WM_BEAUTIFY_FLAG" val="#wm#"/>
+</p:tagLst>
+</file>
+
+<file path=ppt/tags/tag18.xml><?xml version="1.0" encoding="utf-8"?>
+<p:tagLst xmlns:p="http://schemas.openxmlformats.org/presentationml/2006/main">
+  <p:tag name="KSO_WM_UNIT_HIGHLIGHT" val="0"/>
+  <p:tag name="KSO_WM_UNIT_COMPATIBLE" val="0"/>
+  <p:tag name="KSO_WM_UNIT_DIAGRAM_ISNUMVISUAL" val="0"/>
+  <p:tag name="KSO_WM_UNIT_DIAGRAM_ISREFERUNIT" val="0"/>
+  <p:tag name="KSO_WM_UNIT_ID" val="_4**"/>
+  <p:tag name="KSO_WM_UNIT_LAYERLEVEL" val="1"/>
+  <p:tag name="KSO_WM_TAG_VERSION" val="1.0"/>
+  <p:tag name="KSO_WM_BEAUTIFY_FLAG" val="#wm#"/>
+</p:tagLst>
+</file>
+
+<file path=ppt/tags/tag19.xml><?xml version="1.0" encoding="utf-8"?>
+<p:tagLst xmlns:p="http://schemas.openxmlformats.org/presentationml/2006/main">
+  <p:tag name="KSO_WM_UNIT_HIGHLIGHT" val="0"/>
+  <p:tag name="KSO_WM_UNIT_COMPATIBLE" val="0"/>
+  <p:tag name="KSO_WM_UNIT_DIAGRAM_ISNUMVISUAL" val="0"/>
+  <p:tag name="KSO_WM_UNIT_DIAGRAM_ISREFERUNIT" val="0"/>
+  <p:tag name="KSO_WM_UNIT_ID" val="_4**"/>
+  <p:tag name="KSO_WM_UNIT_LAYERLEVEL" val="1"/>
+  <p:tag name="KSO_WM_TAG_VERSION" val="1.0"/>
+  <p:tag name="KSO_WM_BEAUTIFY_FLAG" val="#wm#"/>
+</p:tagLst>
+</file>
+
+<file path=ppt/tags/tag2.xml><?xml version="1.0" encoding="utf-8"?>
+<p:tagLst xmlns:p="http://schemas.openxmlformats.org/presentationml/2006/main">
+  <p:tag name="KSO_WM_UNIT_HIGHLIGHT" val="0"/>
+  <p:tag name="KSO_WM_UNIT_COMPATIBLE" val="0"/>
+  <p:tag name="KSO_WM_UNIT_DIAGRAM_ISNUMVISUAL" val="0"/>
+  <p:tag name="KSO_WM_UNIT_DIAGRAM_ISREFERUNIT" val="0"/>
+  <p:tag name="KSO_WM_UNIT_ID" val="_1**"/>
+  <p:tag name="KSO_WM_UNIT_LAYERLEVEL" val="1"/>
+  <p:tag name="KSO_WM_TAG_VERSION" val="1.0"/>
+  <p:tag name="KSO_WM_BEAUTIFY_FLAG" val="#wm#"/>
+</p:tagLst>
+</file>
+
+<file path=ppt/tags/tag20.xml><?xml version="1.0" encoding="utf-8"?>
+<p:tagLst xmlns:p="http://schemas.openxmlformats.org/presentationml/2006/main">
+  <p:tag name="KSO_WM_UNIT_HIGHLIGHT" val="0"/>
+  <p:tag name="KSO_WM_UNIT_COMPATIBLE" val="0"/>
+  <p:tag name="KSO_WM_UNIT_DIAGRAM_ISNUMVISUAL" val="0"/>
+  <p:tag name="KSO_WM_UNIT_DIAGRAM_ISREFERUNIT" val="0"/>
+  <p:tag name="KSO_WM_UNIT_ID" val="_4**"/>
+  <p:tag name="KSO_WM_UNIT_LAYERLEVEL" val="1"/>
+  <p:tag name="KSO_WM_TAG_VERSION" val="1.0"/>
+  <p:tag name="KSO_WM_BEAUTIFY_FLAG" val="#wm#"/>
+</p:tagLst>
+</file>
+
+<file path=ppt/tags/tag21.xml><?xml version="1.0" encoding="utf-8"?>
+<p:tagLst xmlns:p="http://schemas.openxmlformats.org/presentationml/2006/main">
+  <p:tag name="KSO_WM_UNIT_HIGHLIGHT" val="0"/>
+  <p:tag name="KSO_WM_UNIT_COMPATIBLE" val="0"/>
+  <p:tag name="KSO_WM_UNIT_DIAGRAM_ISNUMVISUAL" val="0"/>
+  <p:tag name="KSO_WM_UNIT_DIAGRAM_ISREFERUNIT" val="0"/>
+  <p:tag name="KSO_WM_UNIT_ID" val="_4**"/>
+  <p:tag name="KSO_WM_UNIT_LAYERLEVEL" val="1"/>
+  <p:tag name="KSO_WM_TAG_VERSION" val="1.0"/>
+  <p:tag name="KSO_WM_BEAUTIFY_FLAG" val="#wm#"/>
+</p:tagLst>
+</file>
+
+<file path=ppt/tags/tag22.xml><?xml version="1.0" encoding="utf-8"?>
+<p:tagLst xmlns:p="http://schemas.openxmlformats.org/presentationml/2006/main">
+  <p:tag name="KSO_WM_UNIT_HIGHLIGHT" val="0"/>
+  <p:tag name="KSO_WM_UNIT_COMPATIBLE" val="0"/>
+  <p:tag name="KSO_WM_UNIT_DIAGRAM_ISNUMVISUAL" val="0"/>
+  <p:tag name="KSO_WM_UNIT_DIAGRAM_ISREFERUNIT" val="0"/>
+  <p:tag name="KSO_WM_UNIT_ID" val="_5**"/>
+  <p:tag name="KSO_WM_UNIT_LAYERLEVEL" val="1"/>
+  <p:tag name="KSO_WM_TAG_VERSION" val="1.0"/>
+  <p:tag name="KSO_WM_BEAUTIFY_FLAG" val="#wm#"/>
+</p:tagLst>
+</file>
+
+<file path=ppt/tags/tag23.xml><?xml version="1.0" encoding="utf-8"?>
+<p:tagLst xmlns:p="http://schemas.openxmlformats.org/presentationml/2006/main">
+  <p:tag name="KSO_WM_UNIT_HIGHLIGHT" val="0"/>
+  <p:tag name="KSO_WM_UNIT_COMPATIBLE" val="0"/>
+  <p:tag name="KSO_WM_UNIT_DIAGRAM_ISNUMVISUAL" val="0"/>
+  <p:tag name="KSO_WM_UNIT_DIAGRAM_ISREFERUNIT" val="0"/>
+  <p:tag name="KSO_WM_UNIT_ID" val="_5**"/>
+  <p:tag name="KSO_WM_UNIT_LAYERLEVEL" val="1"/>
+  <p:tag name="KSO_WM_TAG_VERSION" val="1.0"/>
+  <p:tag name="KSO_WM_BEAUTIFY_FLAG" val="#wm#"/>
+</p:tagLst>
+</file>
+
+<file path=ppt/tags/tag24.xml><?xml version="1.0" encoding="utf-8"?>
+<p:tagLst xmlns:p="http://schemas.openxmlformats.org/presentationml/2006/main">
+  <p:tag name="KSO_WM_UNIT_HIGHLIGHT" val="0"/>
+  <p:tag name="KSO_WM_UNIT_COMPATIBLE" val="0"/>
+  <p:tag name="KSO_WM_UNIT_DIAGRAM_ISNUMVISUAL" val="0"/>
+  <p:tag name="KSO_WM_UNIT_DIAGRAM_ISREFERUNIT" val="0"/>
+  <p:tag name="KSO_WM_UNIT_ID" val="_5**"/>
+  <p:tag name="KSO_WM_UNIT_LAYERLEVEL" val="1"/>
+  <p:tag name="KSO_WM_TAG_VERSION" val="1.0"/>
+  <p:tag name="KSO_WM_BEAUTIFY_FLAG" val="#wm#"/>
+</p:tagLst>
+</file>
+
+<file path=ppt/tags/tag25.xml><?xml version="1.0" encoding="utf-8"?>
+<p:tagLst xmlns:p="http://schemas.openxmlformats.org/presentationml/2006/main">
+  <p:tag name="KSO_WM_UNIT_HIGHLIGHT" val="0"/>
+  <p:tag name="KSO_WM_UNIT_COMPATIBLE" val="0"/>
+  <p:tag name="KSO_WM_UNIT_DIAGRAM_ISNUMVISUAL" val="0"/>
+  <p:tag name="KSO_WM_UNIT_DIAGRAM_ISREFERUNIT" val="0"/>
+  <p:tag name="KSO_WM_UNIT_ID" val="_5**"/>
+  <p:tag name="KSO_WM_UNIT_LAYERLEVEL" val="1"/>
+  <p:tag name="KSO_WM_TAG_VERSION" val="1.0"/>
+  <p:tag name="KSO_WM_BEAUTIFY_FLAG" val="#wm#"/>
+</p:tagLst>
+</file>
+
+<file path=ppt/tags/tag26.xml><?xml version="1.0" encoding="utf-8"?>
+<p:tagLst xmlns:p="http://schemas.openxmlformats.org/presentationml/2006/main">
+  <p:tag name="KSO_WM_UNIT_HIGHLIGHT" val="0"/>
+  <p:tag name="KSO_WM_UNIT_COMPATIBLE" val="0"/>
+  <p:tag name="KSO_WM_UNIT_DIAGRAM_ISNUMVISUAL" val="0"/>
+  <p:tag name="KSO_WM_UNIT_DIAGRAM_ISREFERUNIT" val="0"/>
+  <p:tag name="KSO_WM_UNIT_ID" val="_5**"/>
+  <p:tag name="KSO_WM_UNIT_LAYERLEVEL" val="1"/>
+  <p:tag name="KSO_WM_TAG_VERSION" val="1.0"/>
+  <p:tag name="KSO_WM_BEAUTIFY_FLAG" val="#wm#"/>
+</p:tagLst>
+</file>
+
+<file path=ppt/tags/tag27.xml><?xml version="1.0" encoding="utf-8"?>
+<p:tagLst xmlns:p="http://schemas.openxmlformats.org/presentationml/2006/main">
+  <p:tag name="KSO_WM_UNIT_HIGHLIGHT" val="0"/>
+  <p:tag name="KSO_WM_UNIT_COMPATIBLE" val="0"/>
+  <p:tag name="KSO_WM_UNIT_DIAGRAM_ISNUMVISUAL" val="0"/>
+  <p:tag name="KSO_WM_UNIT_DIAGRAM_ISREFERUNIT" val="0"/>
+  <p:tag name="KSO_WM_UNIT_ID" val="_5**"/>
+  <p:tag name="KSO_WM_UNIT_LAYERLEVEL" val="1"/>
+  <p:tag name="KSO_WM_TAG_VERSION" val="1.0"/>
+  <p:tag name="KSO_WM_BEAUTIFY_FLAG" val="#wm#"/>
+</p:tagLst>
+</file>
+
+<file path=ppt/tags/tag28.xml><?xml version="1.0" encoding="utf-8"?>
+<p:tagLst xmlns:p="http://schemas.openxmlformats.org/presentationml/2006/main">
+  <p:tag name="KSO_WM_UNIT_HIGHLIGHT" val="0"/>
+  <p:tag name="KSO_WM_UNIT_COMPATIBLE" val="0"/>
+  <p:tag name="KSO_WM_UNIT_DIAGRAM_ISNUMVISUAL" val="0"/>
+  <p:tag name="KSO_WM_UNIT_DIAGRAM_ISREFERUNIT" val="0"/>
+  <p:tag name="KSO_WM_UNIT_ID" val="_5**"/>
+  <p:tag name="KSO_WM_UNIT_LAYERLEVEL" val="1"/>
+  <p:tag name="KSO_WM_TAG_VERSION" val="1.0"/>
+  <p:tag name="KSO_WM_BEAUTIFY_FLAG" val="#wm#"/>
+</p:tagLst>
+</file>
+
+<file path=ppt/tags/tag29.xml><?xml version="1.0" encoding="utf-8"?>
+<p:tagLst xmlns:p="http://schemas.openxmlformats.org/presentationml/2006/main">
+  <p:tag name="KSO_WM_UNIT_HIGHLIGHT" val="0"/>
+  <p:tag name="KSO_WM_UNIT_COMPATIBLE" val="0"/>
+  <p:tag name="KSO_WM_UNIT_DIAGRAM_ISNUMVISUAL" val="0"/>
+  <p:tag name="KSO_WM_UNIT_DIAGRAM_ISREFERUNIT" val="0"/>
+  <p:tag name="KSO_WM_UNIT_ID" val="_5**"/>
+  <p:tag name="KSO_WM_UNIT_LAYERLEVEL" val="1"/>
+  <p:tag name="KSO_WM_TAG_VERSION" val="1.0"/>
+  <p:tag name="KSO_WM_BEAUTIFY_FLAG" val="#wm#"/>
+</p:tagLst>
+</file>
+
+<file path=ppt/tags/tag3.xml><?xml version="1.0" encoding="utf-8"?>
+<p:tagLst xmlns:p="http://schemas.openxmlformats.org/presentationml/2006/main">
+  <p:tag name="KSO_WM_UNIT_HIGHLIGHT" val="0"/>
+  <p:tag name="KSO_WM_UNIT_COMPATIBLE" val="0"/>
+  <p:tag name="KSO_WM_UNIT_DIAGRAM_ISNUMVISUAL" val="0"/>
+  <p:tag name="KSO_WM_UNIT_DIAGRAM_ISREFERUNIT" val="0"/>
+  <p:tag name="KSO_WM_UNIT_ID" val="_1**"/>
+  <p:tag name="KSO_WM_UNIT_LAYERLEVEL" val="1"/>
+  <p:tag name="KSO_WM_TAG_VERSION" val="1.0"/>
+  <p:tag name="KSO_WM_BEAUTIFY_FLAG" val="#wm#"/>
+</p:tagLst>
+</file>
+
+<file path=ppt/tags/tag30.xml><?xml version="1.0" encoding="utf-8"?>
+<p:tagLst xmlns:p="http://schemas.openxmlformats.org/presentationml/2006/main">
+  <p:tag name="KSO_WM_UNIT_HIGHLIGHT" val="0"/>
+  <p:tag name="KSO_WM_UNIT_COMPATIBLE" val="0"/>
+  <p:tag name="KSO_WM_UNIT_DIAGRAM_ISNUMVISUAL" val="0"/>
+  <p:tag name="KSO_WM_UNIT_DIAGRAM_ISREFERUNIT" val="0"/>
+  <p:tag name="KSO_WM_UNIT_ID" val="_6**"/>
+  <p:tag name="KSO_WM_UNIT_LAYERLEVEL" val="1"/>
+  <p:tag name="KSO_WM_TAG_VERSION" val="1.0"/>
+  <p:tag name="KSO_WM_BEAUTIFY_FLAG" val="#wm#"/>
+</p:tagLst>
+</file>
+
+<file path=ppt/tags/tag31.xml><?xml version="1.0" encoding="utf-8"?>
+<p:tagLst xmlns:p="http://schemas.openxmlformats.org/presentationml/2006/main">
+  <p:tag name="KSO_WM_UNIT_HIGHLIGHT" val="0"/>
+  <p:tag name="KSO_WM_UNIT_COMPATIBLE" val="0"/>
+  <p:tag name="KSO_WM_UNIT_DIAGRAM_ISNUMVISUAL" val="0"/>
+  <p:tag name="KSO_WM_UNIT_DIAGRAM_ISREFERUNIT" val="0"/>
+  <p:tag name="KSO_WM_UNIT_ID" val="_6**"/>
+  <p:tag name="KSO_WM_UNIT_LAYERLEVEL" val="1"/>
+  <p:tag name="KSO_WM_TAG_VERSION" val="1.0"/>
+  <p:tag name="KSO_WM_BEAUTIFY_FLAG" val="#wm#"/>
+</p:tagLst>
+</file>
+
+<file path=ppt/tags/tag32.xml><?xml version="1.0" encoding="utf-8"?>
+<p:tagLst xmlns:p="http://schemas.openxmlformats.org/presentationml/2006/main">
+  <p:tag name="KSO_WM_UNIT_HIGHLIGHT" val="0"/>
+  <p:tag name="KSO_WM_UNIT_COMPATIBLE" val="0"/>
+  <p:tag name="KSO_WM_UNIT_DIAGRAM_ISNUMVISUAL" val="0"/>
+  <p:tag name="KSO_WM_UNIT_DIAGRAM_ISREFERUNIT" val="0"/>
+  <p:tag name="KSO_WM_UNIT_ID" val="_6**"/>
+  <p:tag name="KSO_WM_UNIT_LAYERLEVEL" val="1"/>
+  <p:tag name="KSO_WM_TAG_VERSION" val="1.0"/>
+  <p:tag name="KSO_WM_BEAUTIFY_FLAG" val="#wm#"/>
+</p:tagLst>
+</file>
+
+<file path=ppt/tags/tag33.xml><?xml version="1.0" encoding="utf-8"?>
+<p:tagLst xmlns:p="http://schemas.openxmlformats.org/presentationml/2006/main">
+  <p:tag name="KSO_WM_UNIT_HIGHLIGHT" val="0"/>
+  <p:tag name="KSO_WM_UNIT_COMPATIBLE" val="0"/>
+  <p:tag name="KSO_WM_UNIT_DIAGRAM_ISNUMVISUAL" val="0"/>
+  <p:tag name="KSO_WM_UNIT_DIAGRAM_ISREFERUNIT" val="0"/>
+  <p:tag name="KSO_WM_UNIT_ID" val="_6**"/>
+  <p:tag name="KSO_WM_UNIT_LAYERLEVEL" val="1"/>
+  <p:tag name="KSO_WM_TAG_VERSION" val="1.0"/>
+  <p:tag name="KSO_WM_BEAUTIFY_FLAG" val="#wm#"/>
+</p:tagLst>
+</file>
+
+<file path=ppt/tags/tag34.xml><?xml version="1.0" encoding="utf-8"?>
+<p:tagLst xmlns:p="http://schemas.openxmlformats.org/presentationml/2006/main">
+  <p:tag name="KSO_WM_UNIT_HIGHLIGHT" val="0"/>
+  <p:tag name="KSO_WM_UNIT_COMPATIBLE" val="0"/>
+  <p:tag name="KSO_WM_UNIT_DIAGRAM_ISNUMVISUAL" val="0"/>
+  <p:tag name="KSO_WM_UNIT_DIAGRAM_ISREFERUNIT" val="0"/>
+  <p:tag name="KSO_WM_UNIT_ID" val="_7**"/>
+  <p:tag name="KSO_WM_UNIT_LAYERLEVEL" val="1"/>
+  <p:tag name="KSO_WM_TAG_VERSION" val="1.0"/>
+  <p:tag name="KSO_WM_BEAUTIFY_FLAG" val="#wm#"/>
+</p:tagLst>
+</file>
+
+<file path=ppt/tags/tag35.xml><?xml version="1.0" encoding="utf-8"?>
+<p:tagLst xmlns:p="http://schemas.openxmlformats.org/presentationml/2006/main">
+  <p:tag name="KSO_WM_UNIT_HIGHLIGHT" val="0"/>
+  <p:tag name="KSO_WM_UNIT_COMPATIBLE" val="0"/>
+  <p:tag name="KSO_WM_UNIT_DIAGRAM_ISNUMVISUAL" val="0"/>
+  <p:tag name="KSO_WM_UNIT_DIAGRAM_ISREFERUNIT" val="0"/>
+  <p:tag name="KSO_WM_UNIT_ID" val="_7**"/>
+  <p:tag name="KSO_WM_UNIT_LAYERLEVEL" val="1"/>
+  <p:tag name="KSO_WM_TAG_VERSION" val="1.0"/>
+  <p:tag name="KSO_WM_BEAUTIFY_FLAG" val="#wm#"/>
+</p:tagLst>
+</file>
+
+<file path=ppt/tags/tag36.xml><?xml version="1.0" encoding="utf-8"?>
+<p:tagLst xmlns:p="http://schemas.openxmlformats.org/presentationml/2006/main">
+  <p:tag name="KSO_WM_UNIT_HIGHLIGHT" val="0"/>
+  <p:tag name="KSO_WM_UNIT_COMPATIBLE" val="0"/>
+  <p:tag name="KSO_WM_UNIT_DIAGRAM_ISNUMVISUAL" val="0"/>
+  <p:tag name="KSO_WM_UNIT_DIAGRAM_ISREFERUNIT" val="0"/>
+  <p:tag name="KSO_WM_UNIT_ID" val="_7**"/>
+  <p:tag name="KSO_WM_UNIT_LAYERLEVEL" val="1"/>
+  <p:tag name="KSO_WM_TAG_VERSION" val="1.0"/>
+  <p:tag name="KSO_WM_BEAUTIFY_FLAG" val="#wm#"/>
+</p:tagLst>
+</file>
+
+<file path=ppt/tags/tag37.xml><?xml version="1.0" encoding="utf-8"?>
+<p:tagLst xmlns:p="http://schemas.openxmlformats.org/presentationml/2006/main">
+  <p:tag name="KSO_WM_UNIT_HIGHLIGHT" val="0"/>
+  <p:tag name="KSO_WM_UNIT_COMPATIBLE" val="0"/>
+  <p:tag name="KSO_WM_UNIT_DIAGRAM_ISNUMVISUAL" val="0"/>
+  <p:tag name="KSO_WM_UNIT_DIAGRAM_ISREFERUNIT" val="0"/>
+  <p:tag name="KSO_WM_UNIT_ID" val="_8**"/>
+  <p:tag name="KSO_WM_UNIT_LAYERLEVEL" val="1"/>
+  <p:tag name="KSO_WM_TAG_VERSION" val="1.0"/>
+  <p:tag name="KSO_WM_BEAUTIFY_FLAG" val="#wm#"/>
+</p:tagLst>
+</file>
+
+<file path=ppt/tags/tag38.xml><?xml version="1.0" encoding="utf-8"?>
+<p:tagLst xmlns:p="http://schemas.openxmlformats.org/presentationml/2006/main">
+  <p:tag name="KSO_WM_UNIT_HIGHLIGHT" val="0"/>
+  <p:tag name="KSO_WM_UNIT_COMPATIBLE" val="0"/>
+  <p:tag name="KSO_WM_UNIT_DIAGRAM_ISNUMVISUAL" val="0"/>
+  <p:tag name="KSO_WM_UNIT_DIAGRAM_ISREFERUNIT" val="0"/>
+  <p:tag name="KSO_WM_UNIT_ID" val="_8**"/>
+  <p:tag name="KSO_WM_UNIT_LAYERLEVEL" val="1"/>
+  <p:tag name="KSO_WM_TAG_VERSION" val="1.0"/>
+  <p:tag name="KSO_WM_BEAUTIFY_FLAG" val="#wm#"/>
+</p:tagLst>
+</file>
+
+<file path=ppt/tags/tag39.xml><?xml version="1.0" encoding="utf-8"?>
+<p:tagLst xmlns:p="http://schemas.openxmlformats.org/presentationml/2006/main">
+  <p:tag name="KSO_WM_UNIT_HIGHLIGHT" val="0"/>
+  <p:tag name="KSO_WM_UNIT_COMPATIBLE" val="0"/>
+  <p:tag name="KSO_WM_UNIT_DIAGRAM_ISNUMVISUAL" val="0"/>
+  <p:tag name="KSO_WM_UNIT_DIAGRAM_ISREFERUNIT" val="0"/>
+  <p:tag name="KSO_WM_UNIT_ID" val="_8**"/>
+  <p:tag name="KSO_WM_UNIT_LAYERLEVEL" val="1"/>
+  <p:tag name="KSO_WM_TAG_VERSION" val="1.0"/>
+  <p:tag name="KSO_WM_BEAUTIFY_FLAG" val="#wm#"/>
+</p:tagLst>
+</file>
+
+<file path=ppt/tags/tag4.xml><?xml version="1.0" encoding="utf-8"?>
+<p:tagLst xmlns:p="http://schemas.openxmlformats.org/presentationml/2006/main">
+  <p:tag name="KSO_WM_UNIT_HIGHLIGHT" val="0"/>
+  <p:tag name="KSO_WM_UNIT_COMPATIBLE" val="0"/>
+  <p:tag name="KSO_WM_UNIT_DIAGRAM_ISNUMVISUAL" val="0"/>
+  <p:tag name="KSO_WM_UNIT_DIAGRAM_ISREFERUNIT" val="0"/>
+  <p:tag name="KSO_WM_UNIT_ID" val="_1**"/>
+  <p:tag name="KSO_WM_UNIT_LAYERLEVEL" val="1"/>
+  <p:tag name="KSO_WM_TAG_VERSION" val="1.0"/>
+  <p:tag name="KSO_WM_BEAUTIFY_FLAG" val="#wm#"/>
+</p:tagLst>
+</file>
+
+<file path=ppt/tags/tag40.xml><?xml version="1.0" encoding="utf-8"?>
+<p:tagLst xmlns:p="http://schemas.openxmlformats.org/presentationml/2006/main">
+  <p:tag name="KSO_WM_UNIT_HIGHLIGHT" val="0"/>
+  <p:tag name="KSO_WM_UNIT_COMPATIBLE" val="0"/>
+  <p:tag name="KSO_WM_UNIT_DIAGRAM_ISNUMVISUAL" val="0"/>
+  <p:tag name="KSO_WM_UNIT_DIAGRAM_ISREFERUNIT" val="0"/>
+  <p:tag name="KSO_WM_UNIT_ID" val="_8**"/>
+  <p:tag name="KSO_WM_UNIT_LAYERLEVEL" val="1"/>
+  <p:tag name="KSO_WM_TAG_VERSION" val="1.0"/>
+  <p:tag name="KSO_WM_BEAUTIFY_FLAG" val="#wm#"/>
+</p:tagLst>
+</file>
+
+<file path=ppt/tags/tag41.xml><?xml version="1.0" encoding="utf-8"?>
+<p:tagLst xmlns:p="http://schemas.openxmlformats.org/presentationml/2006/main">
+  <p:tag name="KSO_WM_UNIT_HIGHLIGHT" val="0"/>
+  <p:tag name="KSO_WM_UNIT_COMPATIBLE" val="0"/>
+  <p:tag name="KSO_WM_UNIT_DIAGRAM_ISNUMVISUAL" val="0"/>
+  <p:tag name="KSO_WM_UNIT_DIAGRAM_ISREFERUNIT" val="0"/>
+  <p:tag name="KSO_WM_UNIT_ID" val="_8**"/>
+  <p:tag name="KSO_WM_UNIT_LAYERLEVEL" val="1"/>
+  <p:tag name="KSO_WM_TAG_VERSION" val="1.0"/>
+  <p:tag name="KSO_WM_BEAUTIFY_FLAG" val="#wm#"/>
+</p:tagLst>
+</file>
+
+<file path=ppt/tags/tag42.xml><?xml version="1.0" encoding="utf-8"?>
+<p:tagLst xmlns:p="http://schemas.openxmlformats.org/presentationml/2006/main">
+  <p:tag name="KSO_WM_UNIT_HIGHLIGHT" val="0"/>
+  <p:tag name="KSO_WM_UNIT_COMPATIBLE" val="0"/>
+  <p:tag name="KSO_WM_UNIT_DIAGRAM_ISNUMVISUAL" val="0"/>
+  <p:tag name="KSO_WM_UNIT_DIAGRAM_ISREFERUNIT" val="0"/>
+  <p:tag name="KSO_WM_UNIT_ID" val="_8**"/>
+  <p:tag name="KSO_WM_UNIT_LAYERLEVEL" val="1"/>
+  <p:tag name="KSO_WM_TAG_VERSION" val="1.0"/>
+  <p:tag name="KSO_WM_BEAUTIFY_FLAG" val="#wm#"/>
+</p:tagLst>
+</file>
+
+<file path=ppt/tags/tag43.xml><?xml version="1.0" encoding="utf-8"?>
+<p:tagLst xmlns:p="http://schemas.openxmlformats.org/presentationml/2006/main">
+  <p:tag name="KSO_WM_UNIT_HIGHLIGHT" val="0"/>
+  <p:tag name="KSO_WM_UNIT_COMPATIBLE" val="0"/>
+  <p:tag name="KSO_WM_UNIT_DIAGRAM_ISNUMVISUAL" val="0"/>
+  <p:tag name="KSO_WM_UNIT_DIAGRAM_ISREFERUNIT" val="0"/>
+  <p:tag name="KSO_WM_UNIT_ID" val="_9**"/>
+  <p:tag name="KSO_WM_UNIT_LAYERLEVEL" val="1"/>
+  <p:tag name="KSO_WM_TAG_VERSION" val="1.0"/>
+  <p:tag name="KSO_WM_BEAUTIFY_FLAG" val="#wm#"/>
+</p:tagLst>
+</file>
+
+<file path=ppt/tags/tag44.xml><?xml version="1.0" encoding="utf-8"?>
+<p:tagLst xmlns:p="http://schemas.openxmlformats.org/presentationml/2006/main">
+  <p:tag name="KSO_WM_UNIT_HIGHLIGHT" val="0"/>
+  <p:tag name="KSO_WM_UNIT_COMPATIBLE" val="0"/>
+  <p:tag name="KSO_WM_UNIT_DIAGRAM_ISNUMVISUAL" val="0"/>
+  <p:tag name="KSO_WM_UNIT_DIAGRAM_ISREFERUNIT" val="0"/>
+  <p:tag name="KSO_WM_UNIT_ID" val="_9**"/>
+  <p:tag name="KSO_WM_UNIT_LAYERLEVEL" val="1"/>
+  <p:tag name="KSO_WM_TAG_VERSION" val="1.0"/>
+  <p:tag name="KSO_WM_BEAUTIFY_FLAG" val="#wm#"/>
+</p:tagLst>
+</file>
+
+<file path=ppt/tags/tag45.xml><?xml version="1.0" encoding="utf-8"?>
+<p:tagLst xmlns:p="http://schemas.openxmlformats.org/presentationml/2006/main">
+  <p:tag name="KSO_WM_UNIT_HIGHLIGHT" val="0"/>
+  <p:tag name="KSO_WM_UNIT_COMPATIBLE" val="0"/>
+  <p:tag name="KSO_WM_UNIT_DIAGRAM_ISNUMVISUAL" val="0"/>
+  <p:tag name="KSO_WM_UNIT_DIAGRAM_ISREFERUNIT" val="0"/>
+  <p:tag name="KSO_WM_UNIT_ID" val="_9**"/>
+  <p:tag name="KSO_WM_UNIT_LAYERLEVEL" val="1"/>
+  <p:tag name="KSO_WM_TAG_VERSION" val="1.0"/>
+  <p:tag name="KSO_WM_BEAUTIFY_FLAG" val="#wm#"/>
+</p:tagLst>
+</file>
+
+<file path=ppt/tags/tag46.xml><?xml version="1.0" encoding="utf-8"?>
+<p:tagLst xmlns:p="http://schemas.openxmlformats.org/presentationml/2006/main">
+  <p:tag name="KSO_WM_UNIT_HIGHLIGHT" val="0"/>
+  <p:tag name="KSO_WM_UNIT_COMPATIBLE" val="0"/>
+  <p:tag name="KSO_WM_UNIT_DIAGRAM_ISNUMVISUAL" val="0"/>
+  <p:tag name="KSO_WM_UNIT_DIAGRAM_ISREFERUNIT" val="0"/>
+  <p:tag name="KSO_WM_UNIT_ID" val="_9**"/>
+  <p:tag name="KSO_WM_UNIT_LAYERLEVEL" val="1"/>
+  <p:tag name="KSO_WM_TAG_VERSION" val="1.0"/>
+  <p:tag name="KSO_WM_BEAUTIFY_FLAG" val="#wm#"/>
+</p:tagLst>
+</file>
+
+<file path=ppt/tags/tag47.xml><?xml version="1.0" encoding="utf-8"?>
+<p:tagLst xmlns:p="http://schemas.openxmlformats.org/presentationml/2006/main">
+  <p:tag name="KSO_WM_UNIT_HIGHLIGHT" val="0"/>
+  <p:tag name="KSO_WM_UNIT_COMPATIBLE" val="0"/>
+  <p:tag name="KSO_WM_UNIT_DIAGRAM_ISNUMVISUAL" val="0"/>
+  <p:tag name="KSO_WM_UNIT_DIAGRAM_ISREFERUNIT" val="0"/>
+  <p:tag name="KSO_WM_UNIT_ID" val="_9**"/>
+  <p:tag name="KSO_WM_UNIT_LAYERLEVEL" val="1"/>
+  <p:tag name="KSO_WM_TAG_VERSION" val="1.0"/>
+  <p:tag name="KSO_WM_BEAUTIFY_FLAG" val="#wm#"/>
+</p:tagLst>
+</file>
+
+<file path=ppt/tags/tag48.xml><?xml version="1.0" encoding="utf-8"?>
+<p:tagLst xmlns:p="http://schemas.openxmlformats.org/presentationml/2006/main">
+  <p:tag name="KSO_WM_UNIT_HIGHLIGHT" val="0"/>
+  <p:tag name="KSO_WM_UNIT_COMPATIBLE" val="0"/>
+  <p:tag name="KSO_WM_UNIT_DIAGRAM_ISNUMVISUAL" val="0"/>
+  <p:tag name="KSO_WM_UNIT_DIAGRAM_ISREFERUNIT" val="0"/>
+  <p:tag name="KSO_WM_UNIT_ID" val="_10**"/>
+  <p:tag name="KSO_WM_UNIT_LAYERLEVEL" val="1"/>
+  <p:tag name="KSO_WM_TAG_VERSION" val="1.0"/>
+  <p:tag name="KSO_WM_BEAUTIFY_FLAG" val="#wm#"/>
+</p:tagLst>
+</file>
+
+<file path=ppt/tags/tag49.xml><?xml version="1.0" encoding="utf-8"?>
+<p:tagLst xmlns:p="http://schemas.openxmlformats.org/presentationml/2006/main">
+  <p:tag name="KSO_WM_UNIT_HIGHLIGHT" val="0"/>
+  <p:tag name="KSO_WM_UNIT_COMPATIBLE" val="0"/>
+  <p:tag name="KSO_WM_UNIT_DIAGRAM_ISNUMVISUAL" val="0"/>
+  <p:tag name="KSO_WM_UNIT_DIAGRAM_ISREFERUNIT" val="0"/>
+  <p:tag name="KSO_WM_UNIT_ID" val="_10**"/>
+  <p:tag name="KSO_WM_UNIT_LAYERLEVEL" val="1"/>
+  <p:tag name="KSO_WM_TAG_VERSION" val="1.0"/>
+  <p:tag name="KSO_WM_BEAUTIFY_FLAG" val="#wm#"/>
+</p:tagLst>
+</file>
+
+<file path=ppt/tags/tag5.xml><?xml version="1.0" encoding="utf-8"?>
+<p:tagLst xmlns:p="http://schemas.openxmlformats.org/presentationml/2006/main">
+  <p:tag name="KSO_WM_UNIT_HIGHLIGHT" val="0"/>
+  <p:tag name="KSO_WM_UNIT_COMPATIBLE" val="0"/>
+  <p:tag name="KSO_WM_UNIT_DIAGRAM_ISNUMVISUAL" val="0"/>
+  <p:tag name="KSO_WM_UNIT_DIAGRAM_ISREFERUNIT" val="0"/>
+  <p:tag name="KSO_WM_UNIT_ID" val="_1**"/>
+  <p:tag name="KSO_WM_UNIT_LAYERLEVEL" val="1"/>
+  <p:tag name="KSO_WM_TAG_VERSION" val="1.0"/>
+  <p:tag name="KSO_WM_BEAUTIFY_FLAG" val="#wm#"/>
+</p:tagLst>
+</file>
+
+<file path=ppt/tags/tag50.xml><?xml version="1.0" encoding="utf-8"?>
+<p:tagLst xmlns:p="http://schemas.openxmlformats.org/presentationml/2006/main">
+  <p:tag name="KSO_WM_UNIT_HIGHLIGHT" val="0"/>
+  <p:tag name="KSO_WM_UNIT_COMPATIBLE" val="0"/>
+  <p:tag name="KSO_WM_UNIT_DIAGRAM_ISNUMVISUAL" val="0"/>
+  <p:tag name="KSO_WM_UNIT_DIAGRAM_ISREFERUNIT" val="0"/>
+  <p:tag name="KSO_WM_UNIT_ID" val="_10**"/>
+  <p:tag name="KSO_WM_UNIT_LAYERLEVEL" val="1"/>
+  <p:tag name="KSO_WM_TAG_VERSION" val="1.0"/>
+  <p:tag name="KSO_WM_BEAUTIFY_FLAG" val="#wm#"/>
+</p:tagLst>
+</file>
+
+<file path=ppt/tags/tag51.xml><?xml version="1.0" encoding="utf-8"?>
+<p:tagLst xmlns:p="http://schemas.openxmlformats.org/presentationml/2006/main">
+  <p:tag name="KSO_WM_UNIT_HIGHLIGHT" val="0"/>
+  <p:tag name="KSO_WM_UNIT_COMPATIBLE" val="0"/>
+  <p:tag name="KSO_WM_UNIT_DIAGRAM_ISNUMVISUAL" val="0"/>
+  <p:tag name="KSO_WM_UNIT_DIAGRAM_ISREFERUNIT" val="0"/>
+  <p:tag name="KSO_WM_UNIT_ID" val="_10**"/>
+  <p:tag name="KSO_WM_UNIT_LAYERLEVEL" val="1"/>
+  <p:tag name="KSO_WM_TAG_VERSION" val="1.0"/>
+  <p:tag name="KSO_WM_BEAUTIFY_FLAG" val="#wm#"/>
+</p:tagLst>
+</file>
+
+<file path=ppt/tags/tag52.xml><?xml version="1.0" encoding="utf-8"?>
+<p:tagLst xmlns:p="http://schemas.openxmlformats.org/presentationml/2006/main">
+  <p:tag name="KSO_WM_UNIT_HIGHLIGHT" val="0"/>
+  <p:tag name="KSO_WM_UNIT_COMPATIBLE" val="0"/>
+  <p:tag name="KSO_WM_UNIT_DIAGRAM_ISNUMVISUAL" val="0"/>
+  <p:tag name="KSO_WM_UNIT_DIAGRAM_ISREFERUNIT" val="0"/>
+  <p:tag name="KSO_WM_UNIT_ID" val="_11**"/>
+  <p:tag name="KSO_WM_UNIT_LAYERLEVEL" val="1"/>
+  <p:tag name="KSO_WM_TAG_VERSION" val="1.0"/>
+  <p:tag name="KSO_WM_BEAUTIFY_FLAG" val="#wm#"/>
+</p:tagLst>
+</file>
+
+<file path=ppt/tags/tag53.xml><?xml version="1.0" encoding="utf-8"?>
+<p:tagLst xmlns:p="http://schemas.openxmlformats.org/presentationml/2006/main">
+  <p:tag name="KSO_WM_UNIT_HIGHLIGHT" val="0"/>
+  <p:tag name="KSO_WM_UNIT_COMPATIBLE" val="0"/>
+  <p:tag name="KSO_WM_UNIT_DIAGRAM_ISNUMVISUAL" val="0"/>
+  <p:tag name="KSO_WM_UNIT_DIAGRAM_ISREFERUNIT" val="0"/>
+  <p:tag name="KSO_WM_UNIT_ID" val="_11**"/>
+  <p:tag name="KSO_WM_UNIT_LAYERLEVEL" val="1"/>
+  <p:tag name="KSO_WM_TAG_VERSION" val="1.0"/>
+  <p:tag name="KSO_WM_BEAUTIFY_FLAG" val="#wm#"/>
+</p:tagLst>
+</file>
+
+<file path=ppt/tags/tag54.xml><?xml version="1.0" encoding="utf-8"?>
+<p:tagLst xmlns:p="http://schemas.openxmlformats.org/presentationml/2006/main">
+  <p:tag name="KSO_WM_UNIT_HIGHLIGHT" val="0"/>
+  <p:tag name="KSO_WM_UNIT_COMPATIBLE" val="0"/>
+  <p:tag name="KSO_WM_UNIT_DIAGRAM_ISNUMVISUAL" val="0"/>
+  <p:tag name="KSO_WM_UNIT_DIAGRAM_ISREFERUNIT" val="0"/>
+  <p:tag name="KSO_WM_UNIT_ID" val="_11**"/>
+  <p:tag name="KSO_WM_UNIT_LAYERLEVEL" val="1"/>
+  <p:tag name="KSO_WM_TAG_VERSION" val="1.0"/>
+  <p:tag name="KSO_WM_BEAUTIFY_FLAG" val="#wm#"/>
+</p:tagLst>
+</file>
+
+<file path=ppt/tags/tag55.xml><?xml version="1.0" encoding="utf-8"?>
+<p:tagLst xmlns:p="http://schemas.openxmlformats.org/presentationml/2006/main">
+  <p:tag name="KSO_WM_UNIT_HIGHLIGHT" val="0"/>
+  <p:tag name="KSO_WM_UNIT_COMPATIBLE" val="0"/>
+  <p:tag name="KSO_WM_UNIT_DIAGRAM_ISNUMVISUAL" val="0"/>
+  <p:tag name="KSO_WM_UNIT_DIAGRAM_ISREFERUNIT" val="0"/>
+  <p:tag name="KSO_WM_UNIT_ID" val="_11**"/>
+  <p:tag name="KSO_WM_UNIT_LAYERLEVEL" val="1"/>
+  <p:tag name="KSO_WM_TAG_VERSION" val="1.0"/>
+  <p:tag name="KSO_WM_BEAUTIFY_FLAG" val="#wm#"/>
+</p:tagLst>
+</file>
+
+<file path=ppt/tags/tag56.xml><?xml version="1.0" encoding="utf-8"?>
+<p:tagLst xmlns:p="http://schemas.openxmlformats.org/presentationml/2006/main">
+  <p:tag name="KSO_WM_UNIT_HIGHLIGHT" val="0"/>
+  <p:tag name="KSO_WM_UNIT_COMPATIBLE" val="0"/>
+  <p:tag name="KSO_WM_UNIT_DIAGRAM_ISNUMVISUAL" val="0"/>
+  <p:tag name="KSO_WM_UNIT_DIAGRAM_ISREFERUNIT" val="0"/>
+  <p:tag name="KSO_WM_UNIT_ID" val="_11**"/>
+  <p:tag name="KSO_WM_UNIT_LAYERLEVEL" val="1"/>
+  <p:tag name="KSO_WM_TAG_VERSION" val="1.0"/>
+  <p:tag name="KSO_WM_BEAUTIFY_FLAG" val="#wm#"/>
+</p:tagLst>
+</file>
+
+<file path=ppt/tags/tag57.xml><?xml version="1.0" encoding="utf-8"?>
+<p:tagLst xmlns:p="http://schemas.openxmlformats.org/presentationml/2006/main">
   <p:tag name="KSO_WM_UNIT_HIGHLIGHT" val="0"/>
   <p:tag name="KSO_WM_UNIT_COMPATIBLE" val="0"/>
   <p:tag name="KSO_WM_UNIT_DIAGRAM_ISNUMVISUAL" val="0"/>
@@ -5461,138 +9918,8 @@
 </p:tagLst>
 </file>
 
-<file path=ppt/tags/tag10.xml><?xml version="1.0" encoding="utf-8"?>
-<p:tagLst xmlns:a="http://schemas.openxmlformats.org/drawingml/2006/main" xmlns:r="http://schemas.openxmlformats.org/officeDocument/2006/relationships" xmlns:p="http://schemas.openxmlformats.org/presentationml/2006/main">
-  <p:tag name="KSO_WM_UNIT_HIGHLIGHT" val="0"/>
-  <p:tag name="KSO_WM_UNIT_COMPATIBLE" val="0"/>
-  <p:tag name="KSO_WM_UNIT_DIAGRAM_ISNUMVISUAL" val="0"/>
-  <p:tag name="KSO_WM_UNIT_DIAGRAM_ISREFERUNIT" val="0"/>
-  <p:tag name="KSO_WM_UNIT_ID" val="_1**"/>
-  <p:tag name="KSO_WM_UNIT_LAYERLEVEL" val="1"/>
-  <p:tag name="KSO_WM_TAG_VERSION" val="1.0"/>
-  <p:tag name="KSO_WM_BEAUTIFY_FLAG" val="#wm#"/>
-</p:tagLst>
-</file>
-
-<file path=ppt/tags/tag11.xml><?xml version="1.0" encoding="utf-8"?>
-<p:tagLst xmlns:a="http://schemas.openxmlformats.org/drawingml/2006/main" xmlns:r="http://schemas.openxmlformats.org/officeDocument/2006/relationships" xmlns:p="http://schemas.openxmlformats.org/presentationml/2006/main">
-  <p:tag name="KSO_WM_UNIT_HIGHLIGHT" val="0"/>
-  <p:tag name="KSO_WM_UNIT_COMPATIBLE" val="0"/>
-  <p:tag name="KSO_WM_UNIT_DIAGRAM_ISNUMVISUAL" val="0"/>
-  <p:tag name="KSO_WM_UNIT_DIAGRAM_ISREFERUNIT" val="0"/>
-  <p:tag name="KSO_WM_UNIT_ID" val="_1**"/>
-  <p:tag name="KSO_WM_UNIT_LAYERLEVEL" val="1"/>
-  <p:tag name="KSO_WM_TAG_VERSION" val="1.0"/>
-  <p:tag name="KSO_WM_BEAUTIFY_FLAG" val="#wm#"/>
-</p:tagLst>
-</file>
-
-<file path=ppt/tags/tag12.xml><?xml version="1.0" encoding="utf-8"?>
-<p:tagLst xmlns:a="http://schemas.openxmlformats.org/drawingml/2006/main" xmlns:r="http://schemas.openxmlformats.org/officeDocument/2006/relationships" xmlns:p="http://schemas.openxmlformats.org/presentationml/2006/main">
-  <p:tag name="KSO_WM_UNIT_HIGHLIGHT" val="0"/>
-  <p:tag name="KSO_WM_UNIT_COMPATIBLE" val="0"/>
-  <p:tag name="KSO_WM_UNIT_DIAGRAM_ISNUMVISUAL" val="0"/>
-  <p:tag name="KSO_WM_UNIT_DIAGRAM_ISREFERUNIT" val="0"/>
-  <p:tag name="KSO_WM_UNIT_ID" val="_2**"/>
-  <p:tag name="KSO_WM_UNIT_LAYERLEVEL" val="1"/>
-  <p:tag name="KSO_WM_TAG_VERSION" val="1.0"/>
-  <p:tag name="KSO_WM_BEAUTIFY_FLAG" val="#wm#"/>
-</p:tagLst>
-</file>
-
-<file path=ppt/tags/tag13.xml><?xml version="1.0" encoding="utf-8"?>
-<p:tagLst xmlns:a="http://schemas.openxmlformats.org/drawingml/2006/main" xmlns:r="http://schemas.openxmlformats.org/officeDocument/2006/relationships" xmlns:p="http://schemas.openxmlformats.org/presentationml/2006/main">
-  <p:tag name="KSO_WM_UNIT_HIGHLIGHT" val="0"/>
-  <p:tag name="KSO_WM_UNIT_COMPATIBLE" val="0"/>
-  <p:tag name="KSO_WM_UNIT_DIAGRAM_ISNUMVISUAL" val="0"/>
-  <p:tag name="KSO_WM_UNIT_DIAGRAM_ISREFERUNIT" val="0"/>
-  <p:tag name="KSO_WM_UNIT_ID" val="_2**"/>
-  <p:tag name="KSO_WM_UNIT_LAYERLEVEL" val="1"/>
-  <p:tag name="KSO_WM_TAG_VERSION" val="1.0"/>
-  <p:tag name="KSO_WM_BEAUTIFY_FLAG" val="#wm#"/>
-</p:tagLst>
-</file>
-
-<file path=ppt/tags/tag14.xml><?xml version="1.0" encoding="utf-8"?>
-<p:tagLst xmlns:a="http://schemas.openxmlformats.org/drawingml/2006/main" xmlns:r="http://schemas.openxmlformats.org/officeDocument/2006/relationships" xmlns:p="http://schemas.openxmlformats.org/presentationml/2006/main">
-  <p:tag name="KSO_WM_UNIT_HIGHLIGHT" val="0"/>
-  <p:tag name="KSO_WM_UNIT_COMPATIBLE" val="0"/>
-  <p:tag name="KSO_WM_UNIT_DIAGRAM_ISNUMVISUAL" val="0"/>
-  <p:tag name="KSO_WM_UNIT_DIAGRAM_ISREFERUNIT" val="0"/>
-  <p:tag name="KSO_WM_UNIT_ID" val="_2**"/>
-  <p:tag name="KSO_WM_UNIT_LAYERLEVEL" val="1"/>
-  <p:tag name="KSO_WM_TAG_VERSION" val="1.0"/>
-  <p:tag name="KSO_WM_BEAUTIFY_FLAG" val="#wm#"/>
-</p:tagLst>
-</file>
-
-<file path=ppt/tags/tag15.xml><?xml version="1.0" encoding="utf-8"?>
-<p:tagLst xmlns:a="http://schemas.openxmlformats.org/drawingml/2006/main" xmlns:r="http://schemas.openxmlformats.org/officeDocument/2006/relationships" xmlns:p="http://schemas.openxmlformats.org/presentationml/2006/main">
-  <p:tag name="KSO_WM_UNIT_HIGHLIGHT" val="0"/>
-  <p:tag name="KSO_WM_UNIT_COMPATIBLE" val="0"/>
-  <p:tag name="KSO_WM_UNIT_DIAGRAM_ISNUMVISUAL" val="0"/>
-  <p:tag name="KSO_WM_UNIT_DIAGRAM_ISREFERUNIT" val="0"/>
-  <p:tag name="KSO_WM_UNIT_ID" val="_2**"/>
-  <p:tag name="KSO_WM_UNIT_LAYERLEVEL" val="1"/>
-  <p:tag name="KSO_WM_TAG_VERSION" val="1.0"/>
-  <p:tag name="KSO_WM_BEAUTIFY_FLAG" val="#wm#"/>
-</p:tagLst>
-</file>
-
-<file path=ppt/tags/tag16.xml><?xml version="1.0" encoding="utf-8"?>
-<p:tagLst xmlns:a="http://schemas.openxmlformats.org/drawingml/2006/main" xmlns:r="http://schemas.openxmlformats.org/officeDocument/2006/relationships" xmlns:p="http://schemas.openxmlformats.org/presentationml/2006/main">
-  <p:tag name="KSO_WM_UNIT_HIGHLIGHT" val="0"/>
-  <p:tag name="KSO_WM_UNIT_COMPATIBLE" val="0"/>
-  <p:tag name="KSO_WM_UNIT_DIAGRAM_ISNUMVISUAL" val="0"/>
-  <p:tag name="KSO_WM_UNIT_DIAGRAM_ISREFERUNIT" val="0"/>
-  <p:tag name="KSO_WM_UNIT_ID" val="_2**"/>
-  <p:tag name="KSO_WM_UNIT_LAYERLEVEL" val="1"/>
-  <p:tag name="KSO_WM_TAG_VERSION" val="1.0"/>
-  <p:tag name="KSO_WM_BEAUTIFY_FLAG" val="#wm#"/>
-</p:tagLst>
-</file>
-
-<file path=ppt/tags/tag17.xml><?xml version="1.0" encoding="utf-8"?>
-<p:tagLst xmlns:a="http://schemas.openxmlformats.org/drawingml/2006/main" xmlns:r="http://schemas.openxmlformats.org/officeDocument/2006/relationships" xmlns:p="http://schemas.openxmlformats.org/presentationml/2006/main">
-  <p:tag name="KSO_WM_UNIT_HIGHLIGHT" val="0"/>
-  <p:tag name="KSO_WM_UNIT_COMPATIBLE" val="0"/>
-  <p:tag name="KSO_WM_UNIT_DIAGRAM_ISNUMVISUAL" val="0"/>
-  <p:tag name="KSO_WM_UNIT_DIAGRAM_ISREFERUNIT" val="0"/>
-  <p:tag name="KSO_WM_UNIT_ID" val="_3**"/>
-  <p:tag name="KSO_WM_UNIT_LAYERLEVEL" val="1"/>
-  <p:tag name="KSO_WM_TAG_VERSION" val="1.0"/>
-  <p:tag name="KSO_WM_BEAUTIFY_FLAG" val="#wm#"/>
-</p:tagLst>
-</file>
-
-<file path=ppt/tags/tag18.xml><?xml version="1.0" encoding="utf-8"?>
-<p:tagLst xmlns:a="http://schemas.openxmlformats.org/drawingml/2006/main" xmlns:r="http://schemas.openxmlformats.org/officeDocument/2006/relationships" xmlns:p="http://schemas.openxmlformats.org/presentationml/2006/main">
-  <p:tag name="KSO_WM_UNIT_HIGHLIGHT" val="0"/>
-  <p:tag name="KSO_WM_UNIT_COMPATIBLE" val="0"/>
-  <p:tag name="KSO_WM_UNIT_DIAGRAM_ISNUMVISUAL" val="0"/>
-  <p:tag name="KSO_WM_UNIT_DIAGRAM_ISREFERUNIT" val="0"/>
-  <p:tag name="KSO_WM_UNIT_ID" val="_3**"/>
-  <p:tag name="KSO_WM_UNIT_LAYERLEVEL" val="1"/>
-  <p:tag name="KSO_WM_TAG_VERSION" val="1.0"/>
-  <p:tag name="KSO_WM_BEAUTIFY_FLAG" val="#wm#"/>
-</p:tagLst>
-</file>
-
-<file path=ppt/tags/tag19.xml><?xml version="1.0" encoding="utf-8"?>
-<p:tagLst xmlns:a="http://schemas.openxmlformats.org/drawingml/2006/main" xmlns:r="http://schemas.openxmlformats.org/officeDocument/2006/relationships" xmlns:p="http://schemas.openxmlformats.org/presentationml/2006/main">
-  <p:tag name="KSO_WM_UNIT_HIGHLIGHT" val="0"/>
-  <p:tag name="KSO_WM_UNIT_COMPATIBLE" val="0"/>
-  <p:tag name="KSO_WM_UNIT_DIAGRAM_ISNUMVISUAL" val="0"/>
-  <p:tag name="KSO_WM_UNIT_DIAGRAM_ISREFERUNIT" val="0"/>
-  <p:tag name="KSO_WM_UNIT_ID" val="_3**"/>
-  <p:tag name="KSO_WM_UNIT_LAYERLEVEL" val="1"/>
-  <p:tag name="KSO_WM_TAG_VERSION" val="1.0"/>
-  <p:tag name="KSO_WM_BEAUTIFY_FLAG" val="#wm#"/>
-</p:tagLst>
-</file>
-
-<file path=ppt/tags/tag2.xml><?xml version="1.0" encoding="utf-8"?>
-<p:tagLst xmlns:a="http://schemas.openxmlformats.org/drawingml/2006/main" xmlns:r="http://schemas.openxmlformats.org/officeDocument/2006/relationships" xmlns:p="http://schemas.openxmlformats.org/presentationml/2006/main">
+<file path=ppt/tags/tag58.xml><?xml version="1.0" encoding="utf-8"?>
+<p:tagLst xmlns:p="http://schemas.openxmlformats.org/presentationml/2006/main">
   <p:tag name="KSO_WM_UNIT_HIGHLIGHT" val="0"/>
   <p:tag name="KSO_WM_UNIT_COMPATIBLE" val="0"/>
   <p:tag name="KSO_WM_UNIT_DIAGRAM_ISNUMVISUAL" val="0"/>
@@ -5606,138 +9933,8 @@
 </p:tagLst>
 </file>
 
-<file path=ppt/tags/tag20.xml><?xml version="1.0" encoding="utf-8"?>
-<p:tagLst xmlns:a="http://schemas.openxmlformats.org/drawingml/2006/main" xmlns:r="http://schemas.openxmlformats.org/officeDocument/2006/relationships" xmlns:p="http://schemas.openxmlformats.org/presentationml/2006/main">
-  <p:tag name="KSO_WM_UNIT_HIGHLIGHT" val="0"/>
-  <p:tag name="KSO_WM_UNIT_COMPATIBLE" val="0"/>
-  <p:tag name="KSO_WM_UNIT_DIAGRAM_ISNUMVISUAL" val="0"/>
-  <p:tag name="KSO_WM_UNIT_DIAGRAM_ISREFERUNIT" val="0"/>
-  <p:tag name="KSO_WM_UNIT_ID" val="_3**"/>
-  <p:tag name="KSO_WM_UNIT_LAYERLEVEL" val="1"/>
-  <p:tag name="KSO_WM_TAG_VERSION" val="1.0"/>
-  <p:tag name="KSO_WM_BEAUTIFY_FLAG" val="#wm#"/>
-</p:tagLst>
-</file>
-
-<file path=ppt/tags/tag21.xml><?xml version="1.0" encoding="utf-8"?>
-<p:tagLst xmlns:a="http://schemas.openxmlformats.org/drawingml/2006/main" xmlns:r="http://schemas.openxmlformats.org/officeDocument/2006/relationships" xmlns:p="http://schemas.openxmlformats.org/presentationml/2006/main">
-  <p:tag name="KSO_WM_UNIT_HIGHLIGHT" val="0"/>
-  <p:tag name="KSO_WM_UNIT_COMPATIBLE" val="0"/>
-  <p:tag name="KSO_WM_UNIT_DIAGRAM_ISNUMVISUAL" val="0"/>
-  <p:tag name="KSO_WM_UNIT_DIAGRAM_ISREFERUNIT" val="0"/>
-  <p:tag name="KSO_WM_UNIT_ID" val="_3**"/>
-  <p:tag name="KSO_WM_UNIT_LAYERLEVEL" val="1"/>
-  <p:tag name="KSO_WM_TAG_VERSION" val="1.0"/>
-  <p:tag name="KSO_WM_BEAUTIFY_FLAG" val="#wm#"/>
-</p:tagLst>
-</file>
-
-<file path=ppt/tags/tag22.xml><?xml version="1.0" encoding="utf-8"?>
-<p:tagLst xmlns:a="http://schemas.openxmlformats.org/drawingml/2006/main" xmlns:r="http://schemas.openxmlformats.org/officeDocument/2006/relationships" xmlns:p="http://schemas.openxmlformats.org/presentationml/2006/main">
-  <p:tag name="KSO_WM_UNIT_HIGHLIGHT" val="0"/>
-  <p:tag name="KSO_WM_UNIT_COMPATIBLE" val="0"/>
-  <p:tag name="KSO_WM_UNIT_DIAGRAM_ISNUMVISUAL" val="0"/>
-  <p:tag name="KSO_WM_UNIT_DIAGRAM_ISREFERUNIT" val="0"/>
-  <p:tag name="KSO_WM_UNIT_ID" val="_4**"/>
-  <p:tag name="KSO_WM_UNIT_LAYERLEVEL" val="1"/>
-  <p:tag name="KSO_WM_TAG_VERSION" val="1.0"/>
-  <p:tag name="KSO_WM_BEAUTIFY_FLAG" val="#wm#"/>
-</p:tagLst>
-</file>
-
-<file path=ppt/tags/tag23.xml><?xml version="1.0" encoding="utf-8"?>
-<p:tagLst xmlns:a="http://schemas.openxmlformats.org/drawingml/2006/main" xmlns:r="http://schemas.openxmlformats.org/officeDocument/2006/relationships" xmlns:p="http://schemas.openxmlformats.org/presentationml/2006/main">
-  <p:tag name="KSO_WM_UNIT_HIGHLIGHT" val="0"/>
-  <p:tag name="KSO_WM_UNIT_COMPATIBLE" val="0"/>
-  <p:tag name="KSO_WM_UNIT_DIAGRAM_ISNUMVISUAL" val="0"/>
-  <p:tag name="KSO_WM_UNIT_DIAGRAM_ISREFERUNIT" val="0"/>
-  <p:tag name="KSO_WM_UNIT_ID" val="_4**"/>
-  <p:tag name="KSO_WM_UNIT_LAYERLEVEL" val="1"/>
-  <p:tag name="KSO_WM_TAG_VERSION" val="1.0"/>
-  <p:tag name="KSO_WM_BEAUTIFY_FLAG" val="#wm#"/>
-</p:tagLst>
-</file>
-
-<file path=ppt/tags/tag24.xml><?xml version="1.0" encoding="utf-8"?>
-<p:tagLst xmlns:a="http://schemas.openxmlformats.org/drawingml/2006/main" xmlns:r="http://schemas.openxmlformats.org/officeDocument/2006/relationships" xmlns:p="http://schemas.openxmlformats.org/presentationml/2006/main">
-  <p:tag name="KSO_WM_UNIT_HIGHLIGHT" val="0"/>
-  <p:tag name="KSO_WM_UNIT_COMPATIBLE" val="0"/>
-  <p:tag name="KSO_WM_UNIT_DIAGRAM_ISNUMVISUAL" val="0"/>
-  <p:tag name="KSO_WM_UNIT_DIAGRAM_ISREFERUNIT" val="0"/>
-  <p:tag name="KSO_WM_UNIT_ID" val="_4**"/>
-  <p:tag name="KSO_WM_UNIT_LAYERLEVEL" val="1"/>
-  <p:tag name="KSO_WM_TAG_VERSION" val="1.0"/>
-  <p:tag name="KSO_WM_BEAUTIFY_FLAG" val="#wm#"/>
-</p:tagLst>
-</file>
-
-<file path=ppt/tags/tag25.xml><?xml version="1.0" encoding="utf-8"?>
-<p:tagLst xmlns:a="http://schemas.openxmlformats.org/drawingml/2006/main" xmlns:r="http://schemas.openxmlformats.org/officeDocument/2006/relationships" xmlns:p="http://schemas.openxmlformats.org/presentationml/2006/main">
-  <p:tag name="KSO_WM_UNIT_HIGHLIGHT" val="0"/>
-  <p:tag name="KSO_WM_UNIT_COMPATIBLE" val="0"/>
-  <p:tag name="KSO_WM_UNIT_DIAGRAM_ISNUMVISUAL" val="0"/>
-  <p:tag name="KSO_WM_UNIT_DIAGRAM_ISREFERUNIT" val="0"/>
-  <p:tag name="KSO_WM_UNIT_ID" val="_4**"/>
-  <p:tag name="KSO_WM_UNIT_LAYERLEVEL" val="1"/>
-  <p:tag name="KSO_WM_TAG_VERSION" val="1.0"/>
-  <p:tag name="KSO_WM_BEAUTIFY_FLAG" val="#wm#"/>
-</p:tagLst>
-</file>
-
-<file path=ppt/tags/tag26.xml><?xml version="1.0" encoding="utf-8"?>
-<p:tagLst xmlns:a="http://schemas.openxmlformats.org/drawingml/2006/main" xmlns:r="http://schemas.openxmlformats.org/officeDocument/2006/relationships" xmlns:p="http://schemas.openxmlformats.org/presentationml/2006/main">
-  <p:tag name="KSO_WM_UNIT_HIGHLIGHT" val="0"/>
-  <p:tag name="KSO_WM_UNIT_COMPATIBLE" val="0"/>
-  <p:tag name="KSO_WM_UNIT_DIAGRAM_ISNUMVISUAL" val="0"/>
-  <p:tag name="KSO_WM_UNIT_DIAGRAM_ISREFERUNIT" val="0"/>
-  <p:tag name="KSO_WM_UNIT_ID" val="_4**"/>
-  <p:tag name="KSO_WM_UNIT_LAYERLEVEL" val="1"/>
-  <p:tag name="KSO_WM_TAG_VERSION" val="1.0"/>
-  <p:tag name="KSO_WM_BEAUTIFY_FLAG" val="#wm#"/>
-</p:tagLst>
-</file>
-
-<file path=ppt/tags/tag27.xml><?xml version="1.0" encoding="utf-8"?>
-<p:tagLst xmlns:a="http://schemas.openxmlformats.org/drawingml/2006/main" xmlns:r="http://schemas.openxmlformats.org/officeDocument/2006/relationships" xmlns:p="http://schemas.openxmlformats.org/presentationml/2006/main">
-  <p:tag name="KSO_WM_UNIT_HIGHLIGHT" val="0"/>
-  <p:tag name="KSO_WM_UNIT_COMPATIBLE" val="0"/>
-  <p:tag name="KSO_WM_UNIT_DIAGRAM_ISNUMVISUAL" val="0"/>
-  <p:tag name="KSO_WM_UNIT_DIAGRAM_ISREFERUNIT" val="0"/>
-  <p:tag name="KSO_WM_UNIT_ID" val="_4**"/>
-  <p:tag name="KSO_WM_UNIT_LAYERLEVEL" val="1"/>
-  <p:tag name="KSO_WM_TAG_VERSION" val="1.0"/>
-  <p:tag name="KSO_WM_BEAUTIFY_FLAG" val="#wm#"/>
-</p:tagLst>
-</file>
-
-<file path=ppt/tags/tag28.xml><?xml version="1.0" encoding="utf-8"?>
-<p:tagLst xmlns:a="http://schemas.openxmlformats.org/drawingml/2006/main" xmlns:r="http://schemas.openxmlformats.org/officeDocument/2006/relationships" xmlns:p="http://schemas.openxmlformats.org/presentationml/2006/main">
-  <p:tag name="KSO_WM_UNIT_HIGHLIGHT" val="0"/>
-  <p:tag name="KSO_WM_UNIT_COMPATIBLE" val="0"/>
-  <p:tag name="KSO_WM_UNIT_DIAGRAM_ISNUMVISUAL" val="0"/>
-  <p:tag name="KSO_WM_UNIT_DIAGRAM_ISREFERUNIT" val="0"/>
-  <p:tag name="KSO_WM_UNIT_ID" val="_5**"/>
-  <p:tag name="KSO_WM_UNIT_LAYERLEVEL" val="1"/>
-  <p:tag name="KSO_WM_TAG_VERSION" val="1.0"/>
-  <p:tag name="KSO_WM_BEAUTIFY_FLAG" val="#wm#"/>
-</p:tagLst>
-</file>
-
-<file path=ppt/tags/tag29.xml><?xml version="1.0" encoding="utf-8"?>
-<p:tagLst xmlns:a="http://schemas.openxmlformats.org/drawingml/2006/main" xmlns:r="http://schemas.openxmlformats.org/officeDocument/2006/relationships" xmlns:p="http://schemas.openxmlformats.org/presentationml/2006/main">
-  <p:tag name="KSO_WM_UNIT_HIGHLIGHT" val="0"/>
-  <p:tag name="KSO_WM_UNIT_COMPATIBLE" val="0"/>
-  <p:tag name="KSO_WM_UNIT_DIAGRAM_ISNUMVISUAL" val="0"/>
-  <p:tag name="KSO_WM_UNIT_DIAGRAM_ISREFERUNIT" val="0"/>
-  <p:tag name="KSO_WM_UNIT_ID" val="_5**"/>
-  <p:tag name="KSO_WM_UNIT_LAYERLEVEL" val="1"/>
-  <p:tag name="KSO_WM_TAG_VERSION" val="1.0"/>
-  <p:tag name="KSO_WM_BEAUTIFY_FLAG" val="#wm#"/>
-</p:tagLst>
-</file>
-
-<file path=ppt/tags/tag3.xml><?xml version="1.0" encoding="utf-8"?>
-<p:tagLst xmlns:a="http://schemas.openxmlformats.org/drawingml/2006/main" xmlns:r="http://schemas.openxmlformats.org/officeDocument/2006/relationships" xmlns:p="http://schemas.openxmlformats.org/presentationml/2006/main">
+<file path=ppt/tags/tag59.xml><?xml version="1.0" encoding="utf-8"?>
+<p:tagLst xmlns:p="http://schemas.openxmlformats.org/presentationml/2006/main">
   <p:tag name="KSO_WM_UNIT_HIGHLIGHT" val="0"/>
   <p:tag name="KSO_WM_UNIT_COMPATIBLE" val="0"/>
   <p:tag name="KSO_WM_UNIT_DIAGRAM_ISNUMVISUAL" val="0"/>
@@ -5749,138 +9946,21 @@
 </p:tagLst>
 </file>
 
-<file path=ppt/tags/tag30.xml><?xml version="1.0" encoding="utf-8"?>
-<p:tagLst xmlns:a="http://schemas.openxmlformats.org/drawingml/2006/main" xmlns:r="http://schemas.openxmlformats.org/officeDocument/2006/relationships" xmlns:p="http://schemas.openxmlformats.org/presentationml/2006/main">
+<file path=ppt/tags/tag6.xml><?xml version="1.0" encoding="utf-8"?>
+<p:tagLst xmlns:p="http://schemas.openxmlformats.org/presentationml/2006/main">
   <p:tag name="KSO_WM_UNIT_HIGHLIGHT" val="0"/>
   <p:tag name="KSO_WM_UNIT_COMPATIBLE" val="0"/>
   <p:tag name="KSO_WM_UNIT_DIAGRAM_ISNUMVISUAL" val="0"/>
   <p:tag name="KSO_WM_UNIT_DIAGRAM_ISREFERUNIT" val="0"/>
-  <p:tag name="KSO_WM_UNIT_ID" val="_5**"/>
+  <p:tag name="KSO_WM_UNIT_ID" val="_2**"/>
   <p:tag name="KSO_WM_UNIT_LAYERLEVEL" val="1"/>
   <p:tag name="KSO_WM_TAG_VERSION" val="1.0"/>
   <p:tag name="KSO_WM_BEAUTIFY_FLAG" val="#wm#"/>
 </p:tagLst>
 </file>
 
-<file path=ppt/tags/tag31.xml><?xml version="1.0" encoding="utf-8"?>
-<p:tagLst xmlns:a="http://schemas.openxmlformats.org/drawingml/2006/main" xmlns:r="http://schemas.openxmlformats.org/officeDocument/2006/relationships" xmlns:p="http://schemas.openxmlformats.org/presentationml/2006/main">
-  <p:tag name="KSO_WM_UNIT_HIGHLIGHT" val="0"/>
-  <p:tag name="KSO_WM_UNIT_COMPATIBLE" val="0"/>
-  <p:tag name="KSO_WM_UNIT_DIAGRAM_ISNUMVISUAL" val="0"/>
-  <p:tag name="KSO_WM_UNIT_DIAGRAM_ISREFERUNIT" val="0"/>
-  <p:tag name="KSO_WM_UNIT_ID" val="_5**"/>
-  <p:tag name="KSO_WM_UNIT_LAYERLEVEL" val="1"/>
-  <p:tag name="KSO_WM_TAG_VERSION" val="1.0"/>
-  <p:tag name="KSO_WM_BEAUTIFY_FLAG" val="#wm#"/>
-</p:tagLst>
-</file>
-
-<file path=ppt/tags/tag32.xml><?xml version="1.0" encoding="utf-8"?>
-<p:tagLst xmlns:a="http://schemas.openxmlformats.org/drawingml/2006/main" xmlns:r="http://schemas.openxmlformats.org/officeDocument/2006/relationships" xmlns:p="http://schemas.openxmlformats.org/presentationml/2006/main">
-  <p:tag name="KSO_WM_UNIT_HIGHLIGHT" val="0"/>
-  <p:tag name="KSO_WM_UNIT_COMPATIBLE" val="0"/>
-  <p:tag name="KSO_WM_UNIT_DIAGRAM_ISNUMVISUAL" val="0"/>
-  <p:tag name="KSO_WM_UNIT_DIAGRAM_ISREFERUNIT" val="0"/>
-  <p:tag name="KSO_WM_UNIT_ID" val="_5**"/>
-  <p:tag name="KSO_WM_UNIT_LAYERLEVEL" val="1"/>
-  <p:tag name="KSO_WM_TAG_VERSION" val="1.0"/>
-  <p:tag name="KSO_WM_BEAUTIFY_FLAG" val="#wm#"/>
-</p:tagLst>
-</file>
-
-<file path=ppt/tags/tag33.xml><?xml version="1.0" encoding="utf-8"?>
-<p:tagLst xmlns:a="http://schemas.openxmlformats.org/drawingml/2006/main" xmlns:r="http://schemas.openxmlformats.org/officeDocument/2006/relationships" xmlns:p="http://schemas.openxmlformats.org/presentationml/2006/main">
-  <p:tag name="KSO_WM_UNIT_HIGHLIGHT" val="0"/>
-  <p:tag name="KSO_WM_UNIT_COMPATIBLE" val="0"/>
-  <p:tag name="KSO_WM_UNIT_DIAGRAM_ISNUMVISUAL" val="0"/>
-  <p:tag name="KSO_WM_UNIT_DIAGRAM_ISREFERUNIT" val="0"/>
-  <p:tag name="KSO_WM_UNIT_ID" val="_5**"/>
-  <p:tag name="KSO_WM_UNIT_LAYERLEVEL" val="1"/>
-  <p:tag name="KSO_WM_TAG_VERSION" val="1.0"/>
-  <p:tag name="KSO_WM_BEAUTIFY_FLAG" val="#wm#"/>
-</p:tagLst>
-</file>
-
-<file path=ppt/tags/tag34.xml><?xml version="1.0" encoding="utf-8"?>
-<p:tagLst xmlns:a="http://schemas.openxmlformats.org/drawingml/2006/main" xmlns:r="http://schemas.openxmlformats.org/officeDocument/2006/relationships" xmlns:p="http://schemas.openxmlformats.org/presentationml/2006/main">
-  <p:tag name="KSO_WM_UNIT_HIGHLIGHT" val="0"/>
-  <p:tag name="KSO_WM_UNIT_COMPATIBLE" val="0"/>
-  <p:tag name="KSO_WM_UNIT_DIAGRAM_ISNUMVISUAL" val="0"/>
-  <p:tag name="KSO_WM_UNIT_DIAGRAM_ISREFERUNIT" val="0"/>
-  <p:tag name="KSO_WM_UNIT_ID" val="_5**"/>
-  <p:tag name="KSO_WM_UNIT_LAYERLEVEL" val="1"/>
-  <p:tag name="KSO_WM_TAG_VERSION" val="1.0"/>
-  <p:tag name="KSO_WM_BEAUTIFY_FLAG" val="#wm#"/>
-</p:tagLst>
-</file>
-
-<file path=ppt/tags/tag35.xml><?xml version="1.0" encoding="utf-8"?>
-<p:tagLst xmlns:a="http://schemas.openxmlformats.org/drawingml/2006/main" xmlns:r="http://schemas.openxmlformats.org/officeDocument/2006/relationships" xmlns:p="http://schemas.openxmlformats.org/presentationml/2006/main">
-  <p:tag name="KSO_WM_UNIT_HIGHLIGHT" val="0"/>
-  <p:tag name="KSO_WM_UNIT_COMPATIBLE" val="0"/>
-  <p:tag name="KSO_WM_UNIT_DIAGRAM_ISNUMVISUAL" val="0"/>
-  <p:tag name="KSO_WM_UNIT_DIAGRAM_ISREFERUNIT" val="0"/>
-  <p:tag name="KSO_WM_UNIT_ID" val="_5**"/>
-  <p:tag name="KSO_WM_UNIT_LAYERLEVEL" val="1"/>
-  <p:tag name="KSO_WM_TAG_VERSION" val="1.0"/>
-  <p:tag name="KSO_WM_BEAUTIFY_FLAG" val="#wm#"/>
-</p:tagLst>
-</file>
-
-<file path=ppt/tags/tag36.xml><?xml version="1.0" encoding="utf-8"?>
-<p:tagLst xmlns:a="http://schemas.openxmlformats.org/drawingml/2006/main" xmlns:r="http://schemas.openxmlformats.org/officeDocument/2006/relationships" xmlns:p="http://schemas.openxmlformats.org/presentationml/2006/main">
-  <p:tag name="KSO_WM_UNIT_HIGHLIGHT" val="0"/>
-  <p:tag name="KSO_WM_UNIT_COMPATIBLE" val="0"/>
-  <p:tag name="KSO_WM_UNIT_DIAGRAM_ISNUMVISUAL" val="0"/>
-  <p:tag name="KSO_WM_UNIT_DIAGRAM_ISREFERUNIT" val="0"/>
-  <p:tag name="KSO_WM_UNIT_ID" val="_6**"/>
-  <p:tag name="KSO_WM_UNIT_LAYERLEVEL" val="1"/>
-  <p:tag name="KSO_WM_TAG_VERSION" val="1.0"/>
-  <p:tag name="KSO_WM_BEAUTIFY_FLAG" val="#wm#"/>
-</p:tagLst>
-</file>
-
-<file path=ppt/tags/tag37.xml><?xml version="1.0" encoding="utf-8"?>
-<p:tagLst xmlns:a="http://schemas.openxmlformats.org/drawingml/2006/main" xmlns:r="http://schemas.openxmlformats.org/officeDocument/2006/relationships" xmlns:p="http://schemas.openxmlformats.org/presentationml/2006/main">
-  <p:tag name="KSO_WM_UNIT_HIGHLIGHT" val="0"/>
-  <p:tag name="KSO_WM_UNIT_COMPATIBLE" val="0"/>
-  <p:tag name="KSO_WM_UNIT_DIAGRAM_ISNUMVISUAL" val="0"/>
-  <p:tag name="KSO_WM_UNIT_DIAGRAM_ISREFERUNIT" val="0"/>
-  <p:tag name="KSO_WM_UNIT_ID" val="_6**"/>
-  <p:tag name="KSO_WM_UNIT_LAYERLEVEL" val="1"/>
-  <p:tag name="KSO_WM_TAG_VERSION" val="1.0"/>
-  <p:tag name="KSO_WM_BEAUTIFY_FLAG" val="#wm#"/>
-</p:tagLst>
-</file>
-
-<file path=ppt/tags/tag38.xml><?xml version="1.0" encoding="utf-8"?>
-<p:tagLst xmlns:a="http://schemas.openxmlformats.org/drawingml/2006/main" xmlns:r="http://schemas.openxmlformats.org/officeDocument/2006/relationships" xmlns:p="http://schemas.openxmlformats.org/presentationml/2006/main">
-  <p:tag name="KSO_WM_UNIT_HIGHLIGHT" val="0"/>
-  <p:tag name="KSO_WM_UNIT_COMPATIBLE" val="0"/>
-  <p:tag name="KSO_WM_UNIT_DIAGRAM_ISNUMVISUAL" val="0"/>
-  <p:tag name="KSO_WM_UNIT_DIAGRAM_ISREFERUNIT" val="0"/>
-  <p:tag name="KSO_WM_UNIT_ID" val="_6**"/>
-  <p:tag name="KSO_WM_UNIT_LAYERLEVEL" val="1"/>
-  <p:tag name="KSO_WM_TAG_VERSION" val="1.0"/>
-  <p:tag name="KSO_WM_BEAUTIFY_FLAG" val="#wm#"/>
-</p:tagLst>
-</file>
-
-<file path=ppt/tags/tag39.xml><?xml version="1.0" encoding="utf-8"?>
-<p:tagLst xmlns:a="http://schemas.openxmlformats.org/drawingml/2006/main" xmlns:r="http://schemas.openxmlformats.org/officeDocument/2006/relationships" xmlns:p="http://schemas.openxmlformats.org/presentationml/2006/main">
-  <p:tag name="KSO_WM_UNIT_HIGHLIGHT" val="0"/>
-  <p:tag name="KSO_WM_UNIT_COMPATIBLE" val="0"/>
-  <p:tag name="KSO_WM_UNIT_DIAGRAM_ISNUMVISUAL" val="0"/>
-  <p:tag name="KSO_WM_UNIT_DIAGRAM_ISREFERUNIT" val="0"/>
-  <p:tag name="KSO_WM_UNIT_ID" val="_6**"/>
-  <p:tag name="KSO_WM_UNIT_LAYERLEVEL" val="1"/>
-  <p:tag name="KSO_WM_TAG_VERSION" val="1.0"/>
-  <p:tag name="KSO_WM_BEAUTIFY_FLAG" val="#wm#"/>
-</p:tagLst>
-</file>
-
-<file path=ppt/tags/tag4.xml><?xml version="1.0" encoding="utf-8"?>
-<p:tagLst xmlns:a="http://schemas.openxmlformats.org/drawingml/2006/main" xmlns:r="http://schemas.openxmlformats.org/officeDocument/2006/relationships" xmlns:p="http://schemas.openxmlformats.org/presentationml/2006/main">
+<file path=ppt/tags/tag60.xml><?xml version="1.0" encoding="utf-8"?>
+<p:tagLst xmlns:p="http://schemas.openxmlformats.org/presentationml/2006/main">
   <p:tag name="KSO_WM_UNIT_HIGHLIGHT" val="0"/>
   <p:tag name="KSO_WM_UNIT_COMPATIBLE" val="0"/>
   <p:tag name="KSO_WM_UNIT_DIAGRAM_ISNUMVISUAL" val="0"/>
@@ -5892,138 +9972,8 @@
 </p:tagLst>
 </file>
 
-<file path=ppt/tags/tag40.xml><?xml version="1.0" encoding="utf-8"?>
-<p:tagLst xmlns:a="http://schemas.openxmlformats.org/drawingml/2006/main" xmlns:r="http://schemas.openxmlformats.org/officeDocument/2006/relationships" xmlns:p="http://schemas.openxmlformats.org/presentationml/2006/main">
-  <p:tag name="KSO_WM_UNIT_HIGHLIGHT" val="0"/>
-  <p:tag name="KSO_WM_UNIT_COMPATIBLE" val="0"/>
-  <p:tag name="KSO_WM_UNIT_DIAGRAM_ISNUMVISUAL" val="0"/>
-  <p:tag name="KSO_WM_UNIT_DIAGRAM_ISREFERUNIT" val="0"/>
-  <p:tag name="KSO_WM_UNIT_ID" val="_7**"/>
-  <p:tag name="KSO_WM_UNIT_LAYERLEVEL" val="1"/>
-  <p:tag name="KSO_WM_TAG_VERSION" val="1.0"/>
-  <p:tag name="KSO_WM_BEAUTIFY_FLAG" val="#wm#"/>
-</p:tagLst>
-</file>
-
-<file path=ppt/tags/tag41.xml><?xml version="1.0" encoding="utf-8"?>
-<p:tagLst xmlns:a="http://schemas.openxmlformats.org/drawingml/2006/main" xmlns:r="http://schemas.openxmlformats.org/officeDocument/2006/relationships" xmlns:p="http://schemas.openxmlformats.org/presentationml/2006/main">
-  <p:tag name="KSO_WM_UNIT_HIGHLIGHT" val="0"/>
-  <p:tag name="KSO_WM_UNIT_COMPATIBLE" val="0"/>
-  <p:tag name="KSO_WM_UNIT_DIAGRAM_ISNUMVISUAL" val="0"/>
-  <p:tag name="KSO_WM_UNIT_DIAGRAM_ISREFERUNIT" val="0"/>
-  <p:tag name="KSO_WM_UNIT_ID" val="_7**"/>
-  <p:tag name="KSO_WM_UNIT_LAYERLEVEL" val="1"/>
-  <p:tag name="KSO_WM_TAG_VERSION" val="1.0"/>
-  <p:tag name="KSO_WM_BEAUTIFY_FLAG" val="#wm#"/>
-</p:tagLst>
-</file>
-
-<file path=ppt/tags/tag42.xml><?xml version="1.0" encoding="utf-8"?>
-<p:tagLst xmlns:a="http://schemas.openxmlformats.org/drawingml/2006/main" xmlns:r="http://schemas.openxmlformats.org/officeDocument/2006/relationships" xmlns:p="http://schemas.openxmlformats.org/presentationml/2006/main">
-  <p:tag name="KSO_WM_UNIT_HIGHLIGHT" val="0"/>
-  <p:tag name="KSO_WM_UNIT_COMPATIBLE" val="0"/>
-  <p:tag name="KSO_WM_UNIT_DIAGRAM_ISNUMVISUAL" val="0"/>
-  <p:tag name="KSO_WM_UNIT_DIAGRAM_ISREFERUNIT" val="0"/>
-  <p:tag name="KSO_WM_UNIT_ID" val="_7**"/>
-  <p:tag name="KSO_WM_UNIT_LAYERLEVEL" val="1"/>
-  <p:tag name="KSO_WM_TAG_VERSION" val="1.0"/>
-  <p:tag name="KSO_WM_BEAUTIFY_FLAG" val="#wm#"/>
-</p:tagLst>
-</file>
-
-<file path=ppt/tags/tag43.xml><?xml version="1.0" encoding="utf-8"?>
-<p:tagLst xmlns:a="http://schemas.openxmlformats.org/drawingml/2006/main" xmlns:r="http://schemas.openxmlformats.org/officeDocument/2006/relationships" xmlns:p="http://schemas.openxmlformats.org/presentationml/2006/main">
-  <p:tag name="KSO_WM_UNIT_HIGHLIGHT" val="0"/>
-  <p:tag name="KSO_WM_UNIT_COMPATIBLE" val="0"/>
-  <p:tag name="KSO_WM_UNIT_DIAGRAM_ISNUMVISUAL" val="0"/>
-  <p:tag name="KSO_WM_UNIT_DIAGRAM_ISREFERUNIT" val="0"/>
-  <p:tag name="KSO_WM_UNIT_ID" val="_8**"/>
-  <p:tag name="KSO_WM_UNIT_LAYERLEVEL" val="1"/>
-  <p:tag name="KSO_WM_TAG_VERSION" val="1.0"/>
-  <p:tag name="KSO_WM_BEAUTIFY_FLAG" val="#wm#"/>
-</p:tagLst>
-</file>
-
-<file path=ppt/tags/tag44.xml><?xml version="1.0" encoding="utf-8"?>
-<p:tagLst xmlns:a="http://schemas.openxmlformats.org/drawingml/2006/main" xmlns:r="http://schemas.openxmlformats.org/officeDocument/2006/relationships" xmlns:p="http://schemas.openxmlformats.org/presentationml/2006/main">
-  <p:tag name="KSO_WM_UNIT_HIGHLIGHT" val="0"/>
-  <p:tag name="KSO_WM_UNIT_COMPATIBLE" val="0"/>
-  <p:tag name="KSO_WM_UNIT_DIAGRAM_ISNUMVISUAL" val="0"/>
-  <p:tag name="KSO_WM_UNIT_DIAGRAM_ISREFERUNIT" val="0"/>
-  <p:tag name="KSO_WM_UNIT_ID" val="_8**"/>
-  <p:tag name="KSO_WM_UNIT_LAYERLEVEL" val="1"/>
-  <p:tag name="KSO_WM_TAG_VERSION" val="1.0"/>
-  <p:tag name="KSO_WM_BEAUTIFY_FLAG" val="#wm#"/>
-</p:tagLst>
-</file>
-
-<file path=ppt/tags/tag45.xml><?xml version="1.0" encoding="utf-8"?>
-<p:tagLst xmlns:a="http://schemas.openxmlformats.org/drawingml/2006/main" xmlns:r="http://schemas.openxmlformats.org/officeDocument/2006/relationships" xmlns:p="http://schemas.openxmlformats.org/presentationml/2006/main">
-  <p:tag name="KSO_WM_UNIT_HIGHLIGHT" val="0"/>
-  <p:tag name="KSO_WM_UNIT_COMPATIBLE" val="0"/>
-  <p:tag name="KSO_WM_UNIT_DIAGRAM_ISNUMVISUAL" val="0"/>
-  <p:tag name="KSO_WM_UNIT_DIAGRAM_ISREFERUNIT" val="0"/>
-  <p:tag name="KSO_WM_UNIT_ID" val="_8**"/>
-  <p:tag name="KSO_WM_UNIT_LAYERLEVEL" val="1"/>
-  <p:tag name="KSO_WM_TAG_VERSION" val="1.0"/>
-  <p:tag name="KSO_WM_BEAUTIFY_FLAG" val="#wm#"/>
-</p:tagLst>
-</file>
-
-<file path=ppt/tags/tag46.xml><?xml version="1.0" encoding="utf-8"?>
-<p:tagLst xmlns:a="http://schemas.openxmlformats.org/drawingml/2006/main" xmlns:r="http://schemas.openxmlformats.org/officeDocument/2006/relationships" xmlns:p="http://schemas.openxmlformats.org/presentationml/2006/main">
-  <p:tag name="KSO_WM_UNIT_HIGHLIGHT" val="0"/>
-  <p:tag name="KSO_WM_UNIT_COMPATIBLE" val="0"/>
-  <p:tag name="KSO_WM_UNIT_DIAGRAM_ISNUMVISUAL" val="0"/>
-  <p:tag name="KSO_WM_UNIT_DIAGRAM_ISREFERUNIT" val="0"/>
-  <p:tag name="KSO_WM_UNIT_ID" val="_8**"/>
-  <p:tag name="KSO_WM_UNIT_LAYERLEVEL" val="1"/>
-  <p:tag name="KSO_WM_TAG_VERSION" val="1.0"/>
-  <p:tag name="KSO_WM_BEAUTIFY_FLAG" val="#wm#"/>
-</p:tagLst>
-</file>
-
-<file path=ppt/tags/tag47.xml><?xml version="1.0" encoding="utf-8"?>
-<p:tagLst xmlns:a="http://schemas.openxmlformats.org/drawingml/2006/main" xmlns:r="http://schemas.openxmlformats.org/officeDocument/2006/relationships" xmlns:p="http://schemas.openxmlformats.org/presentationml/2006/main">
-  <p:tag name="KSO_WM_UNIT_HIGHLIGHT" val="0"/>
-  <p:tag name="KSO_WM_UNIT_COMPATIBLE" val="0"/>
-  <p:tag name="KSO_WM_UNIT_DIAGRAM_ISNUMVISUAL" val="0"/>
-  <p:tag name="KSO_WM_UNIT_DIAGRAM_ISREFERUNIT" val="0"/>
-  <p:tag name="KSO_WM_UNIT_ID" val="_8**"/>
-  <p:tag name="KSO_WM_UNIT_LAYERLEVEL" val="1"/>
-  <p:tag name="KSO_WM_TAG_VERSION" val="1.0"/>
-  <p:tag name="KSO_WM_BEAUTIFY_FLAG" val="#wm#"/>
-</p:tagLst>
-</file>
-
-<file path=ppt/tags/tag48.xml><?xml version="1.0" encoding="utf-8"?>
-<p:tagLst xmlns:a="http://schemas.openxmlformats.org/drawingml/2006/main" xmlns:r="http://schemas.openxmlformats.org/officeDocument/2006/relationships" xmlns:p="http://schemas.openxmlformats.org/presentationml/2006/main">
-  <p:tag name="KSO_WM_UNIT_HIGHLIGHT" val="0"/>
-  <p:tag name="KSO_WM_UNIT_COMPATIBLE" val="0"/>
-  <p:tag name="KSO_WM_UNIT_DIAGRAM_ISNUMVISUAL" val="0"/>
-  <p:tag name="KSO_WM_UNIT_DIAGRAM_ISREFERUNIT" val="0"/>
-  <p:tag name="KSO_WM_UNIT_ID" val="_8**"/>
-  <p:tag name="KSO_WM_UNIT_LAYERLEVEL" val="1"/>
-  <p:tag name="KSO_WM_TAG_VERSION" val="1.0"/>
-  <p:tag name="KSO_WM_BEAUTIFY_FLAG" val="#wm#"/>
-</p:tagLst>
-</file>
-
-<file path=ppt/tags/tag49.xml><?xml version="1.0" encoding="utf-8"?>
-<p:tagLst xmlns:a="http://schemas.openxmlformats.org/drawingml/2006/main" xmlns:r="http://schemas.openxmlformats.org/officeDocument/2006/relationships" xmlns:p="http://schemas.openxmlformats.org/presentationml/2006/main">
-  <p:tag name="KSO_WM_UNIT_HIGHLIGHT" val="0"/>
-  <p:tag name="KSO_WM_UNIT_COMPATIBLE" val="0"/>
-  <p:tag name="KSO_WM_UNIT_DIAGRAM_ISNUMVISUAL" val="0"/>
-  <p:tag name="KSO_WM_UNIT_DIAGRAM_ISREFERUNIT" val="0"/>
-  <p:tag name="KSO_WM_UNIT_ID" val="_9**"/>
-  <p:tag name="KSO_WM_UNIT_LAYERLEVEL" val="1"/>
-  <p:tag name="KSO_WM_TAG_VERSION" val="1.0"/>
-  <p:tag name="KSO_WM_BEAUTIFY_FLAG" val="#wm#"/>
-</p:tagLst>
-</file>
-
-<file path=ppt/tags/tag5.xml><?xml version="1.0" encoding="utf-8"?>
-<p:tagLst xmlns:a="http://schemas.openxmlformats.org/drawingml/2006/main" xmlns:r="http://schemas.openxmlformats.org/officeDocument/2006/relationships" xmlns:p="http://schemas.openxmlformats.org/presentationml/2006/main">
+<file path=ppt/tags/tag61.xml><?xml version="1.0" encoding="utf-8"?>
+<p:tagLst xmlns:p="http://schemas.openxmlformats.org/presentationml/2006/main">
   <p:tag name="KSO_WM_UNIT_HIGHLIGHT" val="0"/>
   <p:tag name="KSO_WM_UNIT_COMPATIBLE" val="0"/>
   <p:tag name="KSO_WM_UNIT_DIAGRAM_ISNUMVISUAL" val="0"/>
@@ -6035,138 +9985,8 @@
 </p:tagLst>
 </file>
 
-<file path=ppt/tags/tag50.xml><?xml version="1.0" encoding="utf-8"?>
-<p:tagLst xmlns:a="http://schemas.openxmlformats.org/drawingml/2006/main" xmlns:r="http://schemas.openxmlformats.org/officeDocument/2006/relationships" xmlns:p="http://schemas.openxmlformats.org/presentationml/2006/main">
-  <p:tag name="KSO_WM_UNIT_HIGHLIGHT" val="0"/>
-  <p:tag name="KSO_WM_UNIT_COMPATIBLE" val="0"/>
-  <p:tag name="KSO_WM_UNIT_DIAGRAM_ISNUMVISUAL" val="0"/>
-  <p:tag name="KSO_WM_UNIT_DIAGRAM_ISREFERUNIT" val="0"/>
-  <p:tag name="KSO_WM_UNIT_ID" val="_9**"/>
-  <p:tag name="KSO_WM_UNIT_LAYERLEVEL" val="1"/>
-  <p:tag name="KSO_WM_TAG_VERSION" val="1.0"/>
-  <p:tag name="KSO_WM_BEAUTIFY_FLAG" val="#wm#"/>
-</p:tagLst>
-</file>
-
-<file path=ppt/tags/tag51.xml><?xml version="1.0" encoding="utf-8"?>
-<p:tagLst xmlns:a="http://schemas.openxmlformats.org/drawingml/2006/main" xmlns:r="http://schemas.openxmlformats.org/officeDocument/2006/relationships" xmlns:p="http://schemas.openxmlformats.org/presentationml/2006/main">
-  <p:tag name="KSO_WM_UNIT_HIGHLIGHT" val="0"/>
-  <p:tag name="KSO_WM_UNIT_COMPATIBLE" val="0"/>
-  <p:tag name="KSO_WM_UNIT_DIAGRAM_ISNUMVISUAL" val="0"/>
-  <p:tag name="KSO_WM_UNIT_DIAGRAM_ISREFERUNIT" val="0"/>
-  <p:tag name="KSO_WM_UNIT_ID" val="_9**"/>
-  <p:tag name="KSO_WM_UNIT_LAYERLEVEL" val="1"/>
-  <p:tag name="KSO_WM_TAG_VERSION" val="1.0"/>
-  <p:tag name="KSO_WM_BEAUTIFY_FLAG" val="#wm#"/>
-</p:tagLst>
-</file>
-
-<file path=ppt/tags/tag52.xml><?xml version="1.0" encoding="utf-8"?>
-<p:tagLst xmlns:a="http://schemas.openxmlformats.org/drawingml/2006/main" xmlns:r="http://schemas.openxmlformats.org/officeDocument/2006/relationships" xmlns:p="http://schemas.openxmlformats.org/presentationml/2006/main">
-  <p:tag name="KSO_WM_UNIT_HIGHLIGHT" val="0"/>
-  <p:tag name="KSO_WM_UNIT_COMPATIBLE" val="0"/>
-  <p:tag name="KSO_WM_UNIT_DIAGRAM_ISNUMVISUAL" val="0"/>
-  <p:tag name="KSO_WM_UNIT_DIAGRAM_ISREFERUNIT" val="0"/>
-  <p:tag name="KSO_WM_UNIT_ID" val="_9**"/>
-  <p:tag name="KSO_WM_UNIT_LAYERLEVEL" val="1"/>
-  <p:tag name="KSO_WM_TAG_VERSION" val="1.0"/>
-  <p:tag name="KSO_WM_BEAUTIFY_FLAG" val="#wm#"/>
-</p:tagLst>
-</file>
-
-<file path=ppt/tags/tag53.xml><?xml version="1.0" encoding="utf-8"?>
-<p:tagLst xmlns:a="http://schemas.openxmlformats.org/drawingml/2006/main" xmlns:r="http://schemas.openxmlformats.org/officeDocument/2006/relationships" xmlns:p="http://schemas.openxmlformats.org/presentationml/2006/main">
-  <p:tag name="KSO_WM_UNIT_HIGHLIGHT" val="0"/>
-  <p:tag name="KSO_WM_UNIT_COMPATIBLE" val="0"/>
-  <p:tag name="KSO_WM_UNIT_DIAGRAM_ISNUMVISUAL" val="0"/>
-  <p:tag name="KSO_WM_UNIT_DIAGRAM_ISREFERUNIT" val="0"/>
-  <p:tag name="KSO_WM_UNIT_ID" val="_9**"/>
-  <p:tag name="KSO_WM_UNIT_LAYERLEVEL" val="1"/>
-  <p:tag name="KSO_WM_TAG_VERSION" val="1.0"/>
-  <p:tag name="KSO_WM_BEAUTIFY_FLAG" val="#wm#"/>
-</p:tagLst>
-</file>
-
-<file path=ppt/tags/tag54.xml><?xml version="1.0" encoding="utf-8"?>
-<p:tagLst xmlns:a="http://schemas.openxmlformats.org/drawingml/2006/main" xmlns:r="http://schemas.openxmlformats.org/officeDocument/2006/relationships" xmlns:p="http://schemas.openxmlformats.org/presentationml/2006/main">
-  <p:tag name="KSO_WM_UNIT_HIGHLIGHT" val="0"/>
-  <p:tag name="KSO_WM_UNIT_COMPATIBLE" val="0"/>
-  <p:tag name="KSO_WM_UNIT_DIAGRAM_ISNUMVISUAL" val="0"/>
-  <p:tag name="KSO_WM_UNIT_DIAGRAM_ISREFERUNIT" val="0"/>
-  <p:tag name="KSO_WM_UNIT_ID" val="_10**"/>
-  <p:tag name="KSO_WM_UNIT_LAYERLEVEL" val="1"/>
-  <p:tag name="KSO_WM_TAG_VERSION" val="1.0"/>
-  <p:tag name="KSO_WM_BEAUTIFY_FLAG" val="#wm#"/>
-</p:tagLst>
-</file>
-
-<file path=ppt/tags/tag55.xml><?xml version="1.0" encoding="utf-8"?>
-<p:tagLst xmlns:a="http://schemas.openxmlformats.org/drawingml/2006/main" xmlns:r="http://schemas.openxmlformats.org/officeDocument/2006/relationships" xmlns:p="http://schemas.openxmlformats.org/presentationml/2006/main">
-  <p:tag name="KSO_WM_UNIT_HIGHLIGHT" val="0"/>
-  <p:tag name="KSO_WM_UNIT_COMPATIBLE" val="0"/>
-  <p:tag name="KSO_WM_UNIT_DIAGRAM_ISNUMVISUAL" val="0"/>
-  <p:tag name="KSO_WM_UNIT_DIAGRAM_ISREFERUNIT" val="0"/>
-  <p:tag name="KSO_WM_UNIT_ID" val="_10**"/>
-  <p:tag name="KSO_WM_UNIT_LAYERLEVEL" val="1"/>
-  <p:tag name="KSO_WM_TAG_VERSION" val="1.0"/>
-  <p:tag name="KSO_WM_BEAUTIFY_FLAG" val="#wm#"/>
-</p:tagLst>
-</file>
-
-<file path=ppt/tags/tag56.xml><?xml version="1.0" encoding="utf-8"?>
-<p:tagLst xmlns:a="http://schemas.openxmlformats.org/drawingml/2006/main" xmlns:r="http://schemas.openxmlformats.org/officeDocument/2006/relationships" xmlns:p="http://schemas.openxmlformats.org/presentationml/2006/main">
-  <p:tag name="KSO_WM_UNIT_HIGHLIGHT" val="0"/>
-  <p:tag name="KSO_WM_UNIT_COMPATIBLE" val="0"/>
-  <p:tag name="KSO_WM_UNIT_DIAGRAM_ISNUMVISUAL" val="0"/>
-  <p:tag name="KSO_WM_UNIT_DIAGRAM_ISREFERUNIT" val="0"/>
-  <p:tag name="KSO_WM_UNIT_ID" val="_10**"/>
-  <p:tag name="KSO_WM_UNIT_LAYERLEVEL" val="1"/>
-  <p:tag name="KSO_WM_TAG_VERSION" val="1.0"/>
-  <p:tag name="KSO_WM_BEAUTIFY_FLAG" val="#wm#"/>
-</p:tagLst>
-</file>
-
-<file path=ppt/tags/tag57.xml><?xml version="1.0" encoding="utf-8"?>
-<p:tagLst xmlns:a="http://schemas.openxmlformats.org/drawingml/2006/main" xmlns:r="http://schemas.openxmlformats.org/officeDocument/2006/relationships" xmlns:p="http://schemas.openxmlformats.org/presentationml/2006/main">
-  <p:tag name="KSO_WM_UNIT_HIGHLIGHT" val="0"/>
-  <p:tag name="KSO_WM_UNIT_COMPATIBLE" val="0"/>
-  <p:tag name="KSO_WM_UNIT_DIAGRAM_ISNUMVISUAL" val="0"/>
-  <p:tag name="KSO_WM_UNIT_DIAGRAM_ISREFERUNIT" val="0"/>
-  <p:tag name="KSO_WM_UNIT_ID" val="_10**"/>
-  <p:tag name="KSO_WM_UNIT_LAYERLEVEL" val="1"/>
-  <p:tag name="KSO_WM_TAG_VERSION" val="1.0"/>
-  <p:tag name="KSO_WM_BEAUTIFY_FLAG" val="#wm#"/>
-</p:tagLst>
-</file>
-
-<file path=ppt/tags/tag58.xml><?xml version="1.0" encoding="utf-8"?>
-<p:tagLst xmlns:a="http://schemas.openxmlformats.org/drawingml/2006/main" xmlns:r="http://schemas.openxmlformats.org/officeDocument/2006/relationships" xmlns:p="http://schemas.openxmlformats.org/presentationml/2006/main">
-  <p:tag name="KSO_WM_UNIT_HIGHLIGHT" val="0"/>
-  <p:tag name="KSO_WM_UNIT_COMPATIBLE" val="0"/>
-  <p:tag name="KSO_WM_UNIT_DIAGRAM_ISNUMVISUAL" val="0"/>
-  <p:tag name="KSO_WM_UNIT_DIAGRAM_ISREFERUNIT" val="0"/>
-  <p:tag name="KSO_WM_UNIT_ID" val="_11**"/>
-  <p:tag name="KSO_WM_UNIT_LAYERLEVEL" val="1"/>
-  <p:tag name="KSO_WM_TAG_VERSION" val="1.0"/>
-  <p:tag name="KSO_WM_BEAUTIFY_FLAG" val="#wm#"/>
-</p:tagLst>
-</file>
-
-<file path=ppt/tags/tag59.xml><?xml version="1.0" encoding="utf-8"?>
-<p:tagLst xmlns:a="http://schemas.openxmlformats.org/drawingml/2006/main" xmlns:r="http://schemas.openxmlformats.org/officeDocument/2006/relationships" xmlns:p="http://schemas.openxmlformats.org/presentationml/2006/main">
-  <p:tag name="KSO_WM_UNIT_HIGHLIGHT" val="0"/>
-  <p:tag name="KSO_WM_UNIT_COMPATIBLE" val="0"/>
-  <p:tag name="KSO_WM_UNIT_DIAGRAM_ISNUMVISUAL" val="0"/>
-  <p:tag name="KSO_WM_UNIT_DIAGRAM_ISREFERUNIT" val="0"/>
-  <p:tag name="KSO_WM_UNIT_ID" val="_11**"/>
-  <p:tag name="KSO_WM_UNIT_LAYERLEVEL" val="1"/>
-  <p:tag name="KSO_WM_TAG_VERSION" val="1.0"/>
-  <p:tag name="KSO_WM_BEAUTIFY_FLAG" val="#wm#"/>
-</p:tagLst>
-</file>
-
-<file path=ppt/tags/tag6.xml><?xml version="1.0" encoding="utf-8"?>
-<p:tagLst xmlns:a="http://schemas.openxmlformats.org/drawingml/2006/main" xmlns:r="http://schemas.openxmlformats.org/officeDocument/2006/relationships" xmlns:p="http://schemas.openxmlformats.org/presentationml/2006/main">
+<file path=ppt/tags/tag62.xml><?xml version="1.0" encoding="utf-8"?>
+<p:tagLst xmlns:p="http://schemas.openxmlformats.org/presentationml/2006/main">
   <p:tag name="KSO_WM_TEMPLATE_THUMBS_INDEX" val="1、4、7、12、13、14、15、16、17、18、20、24、25、28、33、36、40、43、44"/>
   <p:tag name="KSO_WM_TEMPLATE_SUBCATEGORY" val="19"/>
   <p:tag name="KSO_WM_TAG_VERSION" val="1.0"/>
@@ -6179,68 +9999,8 @@
 </p:tagLst>
 </file>
 
-<file path=ppt/tags/tag60.xml><?xml version="1.0" encoding="utf-8"?>
-<p:tagLst xmlns:a="http://schemas.openxmlformats.org/drawingml/2006/main" xmlns:r="http://schemas.openxmlformats.org/officeDocument/2006/relationships" xmlns:p="http://schemas.openxmlformats.org/presentationml/2006/main">
-  <p:tag name="KSO_WM_UNIT_HIGHLIGHT" val="0"/>
-  <p:tag name="KSO_WM_UNIT_COMPATIBLE" val="0"/>
-  <p:tag name="KSO_WM_UNIT_DIAGRAM_ISNUMVISUAL" val="0"/>
-  <p:tag name="KSO_WM_UNIT_DIAGRAM_ISREFERUNIT" val="0"/>
-  <p:tag name="KSO_WM_UNIT_ID" val="_11**"/>
-  <p:tag name="KSO_WM_UNIT_LAYERLEVEL" val="1"/>
-  <p:tag name="KSO_WM_TAG_VERSION" val="1.0"/>
-  <p:tag name="KSO_WM_BEAUTIFY_FLAG" val="#wm#"/>
-</p:tagLst>
-</file>
-
-<file path=ppt/tags/tag61.xml><?xml version="1.0" encoding="utf-8"?>
-<p:tagLst xmlns:a="http://schemas.openxmlformats.org/drawingml/2006/main" xmlns:r="http://schemas.openxmlformats.org/officeDocument/2006/relationships" xmlns:p="http://schemas.openxmlformats.org/presentationml/2006/main">
-  <p:tag name="KSO_WM_UNIT_HIGHLIGHT" val="0"/>
-  <p:tag name="KSO_WM_UNIT_COMPATIBLE" val="0"/>
-  <p:tag name="KSO_WM_UNIT_DIAGRAM_ISNUMVISUAL" val="0"/>
-  <p:tag name="KSO_WM_UNIT_DIAGRAM_ISREFERUNIT" val="0"/>
-  <p:tag name="KSO_WM_UNIT_ID" val="_11**"/>
-  <p:tag name="KSO_WM_UNIT_LAYERLEVEL" val="1"/>
-  <p:tag name="KSO_WM_TAG_VERSION" val="1.0"/>
-  <p:tag name="KSO_WM_BEAUTIFY_FLAG" val="#wm#"/>
-</p:tagLst>
-</file>
-
-<file path=ppt/tags/tag62.xml><?xml version="1.0" encoding="utf-8"?>
-<p:tagLst xmlns:a="http://schemas.openxmlformats.org/drawingml/2006/main" xmlns:r="http://schemas.openxmlformats.org/officeDocument/2006/relationships" xmlns:p="http://schemas.openxmlformats.org/presentationml/2006/main">
-  <p:tag name="KSO_WM_UNIT_HIGHLIGHT" val="0"/>
-  <p:tag name="KSO_WM_UNIT_COMPATIBLE" val="0"/>
-  <p:tag name="KSO_WM_UNIT_DIAGRAM_ISNUMVISUAL" val="0"/>
-  <p:tag name="KSO_WM_UNIT_DIAGRAM_ISREFERUNIT" val="0"/>
-  <p:tag name="KSO_WM_UNIT_ID" val="_11**"/>
-  <p:tag name="KSO_WM_UNIT_LAYERLEVEL" val="1"/>
-  <p:tag name="KSO_WM_TAG_VERSION" val="1.0"/>
-  <p:tag name="KSO_WM_BEAUTIFY_FLAG" val="#wm#"/>
-</p:tagLst>
-</file>
-
 <file path=ppt/tags/tag63.xml><?xml version="1.0" encoding="utf-8"?>
-<p:tagLst xmlns:a="http://schemas.openxmlformats.org/drawingml/2006/main" xmlns:r="http://schemas.openxmlformats.org/officeDocument/2006/relationships" xmlns:p="http://schemas.openxmlformats.org/presentationml/2006/main">
-  <p:tag name="KSO_WM_SLIDE_ID" val="custom20205176_1"/>
-  <p:tag name="KSO_WM_TEMPLATE_SUBCATEGORY" val="19"/>
-  <p:tag name="KSO_WM_TEMPLATE_MASTER_TYPE" val="0"/>
-  <p:tag name="KSO_WM_TEMPLATE_COLOR_TYPE" val="1"/>
-  <p:tag name="KSO_WM_SLIDE_TYPE" val="title"/>
-  <p:tag name="KSO_WM_SLIDE_SUBTYPE" val="defaultBlank"/>
-  <p:tag name="KSO_WM_SLIDE_ITEM_CNT" val="0"/>
-  <p:tag name="KSO_WM_SLIDE_INDEX" val="1"/>
-  <p:tag name="KSO_WM_TAG_VERSION" val="1.0"/>
-  <p:tag name="KSO_WM_BEAUTIFY_FLAG" val="#wm#"/>
-  <p:tag name="KSO_WM_TEMPLATE_CATEGORY" val="custom"/>
-  <p:tag name="KSO_WM_TEMPLATE_INDEX" val="20205176"/>
-  <p:tag name="KSO_WM_SLIDE_LAYOUT" val="a_b"/>
-  <p:tag name="KSO_WM_SLIDE_LAYOUT_CNT" val="1_1"/>
-  <p:tag name="KSO_WM_UNIT_SHOW_EDIT_AREA_INDICATION" val="1"/>
-  <p:tag name="KSO_WM_TEMPLATE_THUMBS_INDEX" val="1、4、7、12、13、14、15、16、17、18、20、24、25、28、33、36、40、43、44"/>
-</p:tagLst>
-</file>
-
-<file path=ppt/tags/tag64.xml><?xml version="1.0" encoding="utf-8"?>
-<p:tagLst xmlns:a="http://schemas.openxmlformats.org/drawingml/2006/main" xmlns:r="http://schemas.openxmlformats.org/officeDocument/2006/relationships" xmlns:p="http://schemas.openxmlformats.org/presentationml/2006/main">
+<p:tagLst xmlns:p="http://schemas.openxmlformats.org/presentationml/2006/main">
   <p:tag name="KSO_WM_UNIT_ISCONTENTSTITLE" val="0"/>
   <p:tag name="KSO_WM_UNIT_ISNUMDGMTITLE" val="0"/>
   <p:tag name="KSO_WM_UNIT_PRESET_TEXT" val="空白演示"/>
@@ -6262,8 +10022,8 @@
 </p:tagLst>
 </file>
 
-<file path=ppt/tags/tag65.xml><?xml version="1.0" encoding="utf-8"?>
-<p:tagLst xmlns:a="http://schemas.openxmlformats.org/drawingml/2006/main" xmlns:r="http://schemas.openxmlformats.org/officeDocument/2006/relationships" xmlns:p="http://schemas.openxmlformats.org/presentationml/2006/main">
+<file path=ppt/tags/tag64.xml><?xml version="1.0" encoding="utf-8"?>
+<p:tagLst xmlns:p="http://schemas.openxmlformats.org/presentationml/2006/main">
   <p:tag name="KSO_WM_UNIT_ISCONTENTSTITLE" val="0"/>
   <p:tag name="KSO_WM_UNIT_ISNUMDGMTITLE" val="0"/>
   <p:tag name="KSO_WM_UNIT_PRESET_TEXT" val="单击输入您的封面副标题"/>
@@ -6285,8 +10045,29 @@
 </p:tagLst>
 </file>
 
+<file path=ppt/tags/tag65.xml><?xml version="1.0" encoding="utf-8"?>
+<p:tagLst xmlns:p="http://schemas.openxmlformats.org/presentationml/2006/main">
+  <p:tag name="KSO_WM_SLIDE_ID" val="custom20205176_1"/>
+  <p:tag name="KSO_WM_TEMPLATE_SUBCATEGORY" val="19"/>
+  <p:tag name="KSO_WM_TEMPLATE_MASTER_TYPE" val="0"/>
+  <p:tag name="KSO_WM_TEMPLATE_COLOR_TYPE" val="1"/>
+  <p:tag name="KSO_WM_SLIDE_TYPE" val="title"/>
+  <p:tag name="KSO_WM_SLIDE_SUBTYPE" val="defaultBlank"/>
+  <p:tag name="KSO_WM_SLIDE_ITEM_CNT" val="0"/>
+  <p:tag name="KSO_WM_SLIDE_INDEX" val="1"/>
+  <p:tag name="KSO_WM_TAG_VERSION" val="1.0"/>
+  <p:tag name="KSO_WM_BEAUTIFY_FLAG" val="#wm#"/>
+  <p:tag name="KSO_WM_TEMPLATE_CATEGORY" val="custom"/>
+  <p:tag name="KSO_WM_TEMPLATE_INDEX" val="20205176"/>
+  <p:tag name="KSO_WM_SLIDE_LAYOUT" val="a_b"/>
+  <p:tag name="KSO_WM_SLIDE_LAYOUT_CNT" val="1_1"/>
+  <p:tag name="KSO_WM_UNIT_SHOW_EDIT_AREA_INDICATION" val="1"/>
+  <p:tag name="KSO_WM_TEMPLATE_THUMBS_INDEX" val="1、4、7、12、13、14、15、16、17、18、20、24、25、28、33、36、40、43、44"/>
+</p:tagLst>
+</file>
+
 <file path=ppt/tags/tag66.xml><?xml version="1.0" encoding="utf-8"?>
-<p:tagLst xmlns:a="http://schemas.openxmlformats.org/drawingml/2006/main" xmlns:r="http://schemas.openxmlformats.org/officeDocument/2006/relationships" xmlns:p="http://schemas.openxmlformats.org/presentationml/2006/main">
+<p:tagLst xmlns:p="http://schemas.openxmlformats.org/presentationml/2006/main">
   <p:tag name="KSO_WM_BEAUTIFY_FLAG" val="#wm#"/>
   <p:tag name="KSO_WM_TEMPLATE_CATEGORY" val="custom"/>
   <p:tag name="KSO_WM_TEMPLATE_INDEX" val="20205176"/>
@@ -6294,12 +10075,12 @@
 </file>
 
 <file path=ppt/tags/tag7.xml><?xml version="1.0" encoding="utf-8"?>
-<p:tagLst xmlns:a="http://schemas.openxmlformats.org/drawingml/2006/main" xmlns:r="http://schemas.openxmlformats.org/officeDocument/2006/relationships" xmlns:p="http://schemas.openxmlformats.org/presentationml/2006/main">
+<p:tagLst xmlns:p="http://schemas.openxmlformats.org/presentationml/2006/main">
   <p:tag name="KSO_WM_UNIT_HIGHLIGHT" val="0"/>
   <p:tag name="KSO_WM_UNIT_COMPATIBLE" val="0"/>
   <p:tag name="KSO_WM_UNIT_DIAGRAM_ISNUMVISUAL" val="0"/>
   <p:tag name="KSO_WM_UNIT_DIAGRAM_ISREFERUNIT" val="0"/>
-  <p:tag name="KSO_WM_UNIT_ID" val="_1**"/>
+  <p:tag name="KSO_WM_UNIT_ID" val="_2**"/>
   <p:tag name="KSO_WM_UNIT_LAYERLEVEL" val="1"/>
   <p:tag name="KSO_WM_TAG_VERSION" val="1.0"/>
   <p:tag name="KSO_WM_BEAUTIFY_FLAG" val="#wm#"/>
@@ -6307,12 +10088,12 @@
 </file>
 
 <file path=ppt/tags/tag8.xml><?xml version="1.0" encoding="utf-8"?>
-<p:tagLst xmlns:a="http://schemas.openxmlformats.org/drawingml/2006/main" xmlns:r="http://schemas.openxmlformats.org/officeDocument/2006/relationships" xmlns:p="http://schemas.openxmlformats.org/presentationml/2006/main">
+<p:tagLst xmlns:p="http://schemas.openxmlformats.org/presentationml/2006/main">
   <p:tag name="KSO_WM_UNIT_HIGHLIGHT" val="0"/>
   <p:tag name="KSO_WM_UNIT_COMPATIBLE" val="0"/>
   <p:tag name="KSO_WM_UNIT_DIAGRAM_ISNUMVISUAL" val="0"/>
   <p:tag name="KSO_WM_UNIT_DIAGRAM_ISREFERUNIT" val="0"/>
-  <p:tag name="KSO_WM_UNIT_ID" val="_1**"/>
+  <p:tag name="KSO_WM_UNIT_ID" val="_2**"/>
   <p:tag name="KSO_WM_UNIT_LAYERLEVEL" val="1"/>
   <p:tag name="KSO_WM_TAG_VERSION" val="1.0"/>
   <p:tag name="KSO_WM_BEAUTIFY_FLAG" val="#wm#"/>
@@ -6320,12 +10101,12 @@
 </file>
 
 <file path=ppt/tags/tag9.xml><?xml version="1.0" encoding="utf-8"?>
-<p:tagLst xmlns:a="http://schemas.openxmlformats.org/drawingml/2006/main" xmlns:r="http://schemas.openxmlformats.org/officeDocument/2006/relationships" xmlns:p="http://schemas.openxmlformats.org/presentationml/2006/main">
+<p:tagLst xmlns:p="http://schemas.openxmlformats.org/presentationml/2006/main">
   <p:tag name="KSO_WM_UNIT_HIGHLIGHT" val="0"/>
   <p:tag name="KSO_WM_UNIT_COMPATIBLE" val="0"/>
   <p:tag name="KSO_WM_UNIT_DIAGRAM_ISNUMVISUAL" val="0"/>
   <p:tag name="KSO_WM_UNIT_DIAGRAM_ISREFERUNIT" val="0"/>
-  <p:tag name="KSO_WM_UNIT_ID" val="_1**"/>
+  <p:tag name="KSO_WM_UNIT_ID" val="_2**"/>
   <p:tag name="KSO_WM_UNIT_LAYERLEVEL" val="1"/>
   <p:tag name="KSO_WM_TAG_VERSION" val="1.0"/>
   <p:tag name="KSO_WM_BEAUTIFY_FLAG" val="#wm#"/>
@@ -6523,8 +10304,6 @@
       </a:bgFillStyleLst>
     </a:fmtScheme>
   </a:themeElements>
-  <a:objectDefaults/>
-  <a:extraClrSchemeLst/>
   <a:extLst>
     <a:ext uri="{05A4C25C-085E-4340-85A3-A5531E510DB2}">
       <thm15:themeFamily xmlns:thm15="http://schemas.microsoft.com/office/thememl/2012/main" name="Office Theme" id="{62F939B6-93AF-4DB8-9C6B-D6C7DFDC589F}" vid="{4A3C46E8-61CC-4603-A589-7422A47A8E4A}"/>
@@ -6784,8 +10563,6 @@
       </a:bgFillStyleLst>
     </a:fmtScheme>
   </a:themeElements>
-  <a:objectDefaults/>
-  <a:extraClrSchemeLst/>
   <a:extLst>
     <a:ext uri="{05A4C25C-085E-4340-85A3-A5531E510DB2}">
       <thm15:themeFamily xmlns:thm15="http://schemas.microsoft.com/office/thememl/2012/main" name="Office Theme" id="{62F939B6-93AF-4DB8-9C6B-D6C7DFDC589F}" vid="{4A3C46E8-61CC-4603-A589-7422A47A8E4A}"/>
@@ -7045,8 +10822,6 @@
       </a:bgFillStyleLst>
     </a:fmtScheme>
   </a:themeElements>
-  <a:objectDefaults/>
-  <a:extraClrSchemeLst/>
   <a:extLst>
     <a:ext uri="{05A4C25C-085E-4340-85A3-A5531E510DB2}">
       <thm15:themeFamily xmlns:thm15="http://schemas.microsoft.com/office/thememl/2012/main" name="Office Theme" id="{62F939B6-93AF-4DB8-9C6B-D6C7DFDC589F}" vid="{4A3C46E8-61CC-4603-A589-7422A47A8E4A}"/>

--- a/md/软件质量保证插图集合.pptx
+++ b/md/软件质量保证插图集合.pptx
@@ -11,12 +11,13 @@
     <p:handoutMasterId r:id="rId10"/>
   </p:handoutMasterIdLst>
   <p:sldIdLst>
-    <p:sldId id="409" r:id="rId3"/>
-    <p:sldId id="410" r:id="rId4"/>
-    <p:sldId id="411" r:id="rId5"/>
-    <p:sldId id="412" r:id="rId6"/>
-    <p:sldId id="413" r:id="rId7"/>
-    <p:sldId id="416" r:id="rId8"/>
+    <p:sldId id="409" r:id="rId2"/>
+    <p:sldId id="410" r:id="rId3"/>
+    <p:sldId id="411" r:id="rId4"/>
+    <p:sldId id="412" r:id="rId5"/>
+    <p:sldId id="413" r:id="rId6"/>
+    <p:sldId id="417" r:id="rId7"/>
+    <p:sldId id="418" r:id="rId8"/>
   </p:sldIdLst>
   <p:sldSz cx="12192000" cy="6858000"/>
   <p:notesSz cx="6858000" cy="9144000"/>
@@ -115,55 +116,146 @@
       </a:defRPr>
     </a:lvl9pPr>
   </p:defaultTextStyle>
+  <p:extLst>
+    <p:ext uri="{EFAFB233-063F-42B5-8137-9DF3F51BA10A}">
+      <p15:sldGuideLst xmlns:p15="http://schemas.microsoft.com/office/powerpoint/2012/main">
+        <p15:guide id="1" orient="horz" pos="2160">
+          <p15:clr>
+            <a:srgbClr val="A4A3A4"/>
+          </p15:clr>
+        </p15:guide>
+        <p15:guide id="2" pos="3840">
+          <p15:clr>
+            <a:srgbClr val="A4A3A4"/>
+          </p15:clr>
+        </p15:guide>
+      </p15:sldGuideLst>
+    </p:ext>
+    <p:ext uri="{2D200454-40CA-4A62-9FC3-DE9A4176ACB9}">
+      <p15:notesGuideLst xmlns:p15="http://schemas.microsoft.com/office/powerpoint/2012/main"/>
+    </p:ext>
+  </p:extLst>
 </p:presentation>
 </file>
 
 <file path=ppt/diagrams/colors1.xml><?xml version="1.0" encoding="utf-8"?>
-<dgm:colorsDef xmlns:dgm="http://schemas.openxmlformats.org/drawingml/2006/diagram" xmlns:a="http://schemas.openxmlformats.org/drawingml/2006/main" uniqueId="urn:microsoft.com/office/officeart/2005/8/colors/accent1_2">
+<dgm:colorsDef xmlns:dgm="http://schemas.openxmlformats.org/drawingml/2006/diagram" xmlns:a="http://schemas.openxmlformats.org/drawingml/2006/main" uniqueId="urn:microsoft.com/office/officeart/2005/8/colors/colorful4">
   <dgm:title val=""/>
   <dgm:desc val=""/>
   <dgm:catLst>
-    <dgm:cat type="accent1" pri="11200"/>
+    <dgm:cat type="colorful" pri="10400"/>
   </dgm:catLst>
-  <dgm:styleLbl name="alignAcc1">
+  <dgm:styleLbl name="node0">
     <dgm:fillClrLst meth="repeat">
-      <a:schemeClr val="lt1">
-        <a:alpha val="90000"/>
+      <a:schemeClr val="accent3"/>
+    </dgm:fillClrLst>
+    <dgm:linClrLst meth="repeat">
+      <a:schemeClr val="lt1"/>
+    </dgm:linClrLst>
+    <dgm:effectClrLst/>
+    <dgm:txLinClrLst/>
+    <dgm:txFillClrLst/>
+    <dgm:txEffectClrLst/>
+  </dgm:styleLbl>
+  <dgm:styleLbl name="node1">
+    <dgm:fillClrLst>
+      <a:schemeClr val="accent4"/>
+      <a:schemeClr val="accent5"/>
+    </dgm:fillClrLst>
+    <dgm:linClrLst meth="repeat">
+      <a:schemeClr val="lt1"/>
+    </dgm:linClrLst>
+    <dgm:effectClrLst/>
+    <dgm:txLinClrLst/>
+    <dgm:txFillClrLst/>
+    <dgm:txEffectClrLst/>
+  </dgm:styleLbl>
+  <dgm:styleLbl name="alignNode1">
+    <dgm:fillClrLst>
+      <a:schemeClr val="accent4"/>
+      <a:schemeClr val="accent5"/>
+    </dgm:fillClrLst>
+    <dgm:linClrLst>
+      <a:schemeClr val="accent4"/>
+      <a:schemeClr val="accent5"/>
+    </dgm:linClrLst>
+    <dgm:effectClrLst/>
+    <dgm:txLinClrLst/>
+    <dgm:txFillClrLst/>
+    <dgm:txEffectClrLst/>
+  </dgm:styleLbl>
+  <dgm:styleLbl name="lnNode1">
+    <dgm:fillClrLst>
+      <a:schemeClr val="accent4"/>
+      <a:schemeClr val="accent5"/>
+    </dgm:fillClrLst>
+    <dgm:linClrLst meth="repeat">
+      <a:schemeClr val="lt1"/>
+    </dgm:linClrLst>
+    <dgm:effectClrLst/>
+    <dgm:txLinClrLst/>
+    <dgm:txFillClrLst/>
+    <dgm:txEffectClrLst/>
+  </dgm:styleLbl>
+  <dgm:styleLbl name="vennNode1">
+    <dgm:fillClrLst>
+      <a:schemeClr val="accent4">
+        <a:alpha val="50000"/>
+      </a:schemeClr>
+      <a:schemeClr val="accent5">
+        <a:alpha val="50000"/>
       </a:schemeClr>
     </dgm:fillClrLst>
     <dgm:linClrLst meth="repeat">
-      <a:schemeClr val="accent1"/>
+      <a:schemeClr val="lt1"/>
     </dgm:linClrLst>
     <dgm:effectClrLst/>
     <dgm:txLinClrLst/>
-    <dgm:txFillClrLst meth="repeat">
-      <a:schemeClr val="dk1"/>
-    </dgm:txFillClrLst>
+    <dgm:txFillClrLst/>
     <dgm:txEffectClrLst/>
   </dgm:styleLbl>
-  <dgm:styleLbl name="alignAccFollowNode1">
-    <dgm:fillClrLst meth="repeat">
-      <a:schemeClr val="accent1">
-        <a:alpha val="90000"/>
-        <a:tint val="40000"/>
-      </a:schemeClr>
+  <dgm:styleLbl name="node2">
+    <dgm:fillClrLst>
+      <a:schemeClr val="accent5"/>
     </dgm:fillClrLst>
     <dgm:linClrLst meth="repeat">
-      <a:schemeClr val="accent1">
-        <a:alpha val="90000"/>
-        <a:tint val="40000"/>
-      </a:schemeClr>
+      <a:schemeClr val="lt1"/>
     </dgm:linClrLst>
     <dgm:effectClrLst/>
     <dgm:txLinClrLst/>
-    <dgm:txFillClrLst meth="repeat">
-      <a:schemeClr val="dk1"/>
-    </dgm:txFillClrLst>
+    <dgm:txFillClrLst/>
     <dgm:txEffectClrLst/>
   </dgm:styleLbl>
-  <dgm:styleLbl name="alignImgPlace1">
-    <dgm:fillClrLst meth="repeat">
-      <a:schemeClr val="accent1">
+  <dgm:styleLbl name="node3">
+    <dgm:fillClrLst>
+      <a:schemeClr val="accent6"/>
+    </dgm:fillClrLst>
+    <dgm:linClrLst meth="repeat">
+      <a:schemeClr val="lt1"/>
+    </dgm:linClrLst>
+    <dgm:effectClrLst/>
+    <dgm:txLinClrLst/>
+    <dgm:txFillClrLst/>
+    <dgm:txEffectClrLst/>
+  </dgm:styleLbl>
+  <dgm:styleLbl name="node4">
+    <dgm:fillClrLst>
+      <a:schemeClr val="accent1"/>
+    </dgm:fillClrLst>
+    <dgm:linClrLst meth="repeat">
+      <a:schemeClr val="lt1"/>
+    </dgm:linClrLst>
+    <dgm:effectClrLst/>
+    <dgm:txLinClrLst/>
+    <dgm:txFillClrLst/>
+    <dgm:txEffectClrLst/>
+  </dgm:styleLbl>
+  <dgm:styleLbl name="fgImgPlace1">
+    <dgm:fillClrLst>
+      <a:schemeClr val="accent4">
+        <a:tint val="50000"/>
+      </a:schemeClr>
+      <a:schemeClr val="accent5">
         <a:tint val="50000"/>
       </a:schemeClr>
     </dgm:fillClrLst>
@@ -177,118 +269,13 @@
     </dgm:txFillClrLst>
     <dgm:txEffectClrLst/>
   </dgm:styleLbl>
-  <dgm:styleLbl name="alignNode1">
-    <dgm:fillClrLst meth="repeat">
-      <a:schemeClr val="accent1"/>
-    </dgm:fillClrLst>
-    <dgm:linClrLst meth="repeat">
-      <a:schemeClr val="accent1"/>
-    </dgm:linClrLst>
-    <dgm:effectClrLst/>
-    <dgm:txLinClrLst/>
-    <dgm:txFillClrLst/>
-    <dgm:txEffectClrLst/>
-  </dgm:styleLbl>
-  <dgm:styleLbl name="asst0">
-    <dgm:fillClrLst meth="repeat">
-      <a:schemeClr val="accent1"/>
-    </dgm:fillClrLst>
-    <dgm:linClrLst meth="repeat">
-      <a:schemeClr val="lt1"/>
-    </dgm:linClrLst>
-    <dgm:effectClrLst/>
-    <dgm:txLinClrLst/>
-    <dgm:txFillClrLst/>
-    <dgm:txEffectClrLst/>
-  </dgm:styleLbl>
-  <dgm:styleLbl name="asst1">
-    <dgm:fillClrLst meth="repeat">
-      <a:schemeClr val="accent1"/>
-    </dgm:fillClrLst>
-    <dgm:linClrLst meth="repeat">
-      <a:schemeClr val="lt1"/>
-    </dgm:linClrLst>
-    <dgm:effectClrLst/>
-    <dgm:txLinClrLst/>
-    <dgm:txFillClrLst/>
-    <dgm:txEffectClrLst/>
-  </dgm:styleLbl>
-  <dgm:styleLbl name="asst2">
-    <dgm:fillClrLst meth="repeat">
-      <a:schemeClr val="accent1"/>
-    </dgm:fillClrLst>
-    <dgm:linClrLst meth="repeat">
-      <a:schemeClr val="lt1"/>
-    </dgm:linClrLst>
-    <dgm:effectClrLst/>
-    <dgm:txLinClrLst/>
-    <dgm:txFillClrLst/>
-    <dgm:txEffectClrLst/>
-  </dgm:styleLbl>
-  <dgm:styleLbl name="asst3">
-    <dgm:fillClrLst meth="repeat">
-      <a:schemeClr val="accent1"/>
-    </dgm:fillClrLst>
-    <dgm:linClrLst meth="repeat">
-      <a:schemeClr val="lt1"/>
-    </dgm:linClrLst>
-    <dgm:effectClrLst/>
-    <dgm:txLinClrLst/>
-    <dgm:txFillClrLst/>
-    <dgm:txEffectClrLst/>
-  </dgm:styleLbl>
-  <dgm:styleLbl name="asst4">
-    <dgm:fillClrLst meth="repeat">
-      <a:schemeClr val="accent1"/>
-    </dgm:fillClrLst>
-    <dgm:linClrLst meth="repeat">
-      <a:schemeClr val="lt1"/>
-    </dgm:linClrLst>
-    <dgm:effectClrLst/>
-    <dgm:txLinClrLst/>
-    <dgm:txFillClrLst/>
-    <dgm:txEffectClrLst/>
-  </dgm:styleLbl>
-  <dgm:styleLbl name="bgAcc1">
-    <dgm:fillClrLst meth="repeat">
-      <a:schemeClr val="lt1">
-        <a:alpha val="90000"/>
+  <dgm:styleLbl name="alignImgPlace1">
+    <dgm:fillClrLst>
+      <a:schemeClr val="accent4">
+        <a:tint val="50000"/>
       </a:schemeClr>
-    </dgm:fillClrLst>
-    <dgm:linClrLst meth="repeat">
-      <a:schemeClr val="accent1"/>
-    </dgm:linClrLst>
-    <dgm:effectClrLst/>
-    <dgm:txLinClrLst/>
-    <dgm:txFillClrLst meth="repeat">
-      <a:schemeClr val="dk1"/>
-    </dgm:txFillClrLst>
-    <dgm:txEffectClrLst/>
-  </dgm:styleLbl>
-  <dgm:styleLbl name="bgAccFollowNode1">
-    <dgm:fillClrLst meth="repeat">
-      <a:schemeClr val="accent1">
-        <a:alpha val="90000"/>
-        <a:tint val="40000"/>
-      </a:schemeClr>
-    </dgm:fillClrLst>
-    <dgm:linClrLst meth="repeat">
-      <a:schemeClr val="accent1">
-        <a:alpha val="90000"/>
-        <a:tint val="40000"/>
-      </a:schemeClr>
-    </dgm:linClrLst>
-    <dgm:effectClrLst/>
-    <dgm:txLinClrLst/>
-    <dgm:txFillClrLst meth="repeat">
-      <a:schemeClr val="dk1"/>
-    </dgm:txFillClrLst>
-    <dgm:txEffectClrLst/>
-  </dgm:styleLbl>
-  <dgm:styleLbl name="bgImgPlace1">
-    <dgm:fillClrLst meth="repeat">
-      <a:schemeClr val="accent1">
-        <a:tint val="50000"/>
+      <a:schemeClr val="accent5">
+        <a:tint val="20000"/>
       </a:schemeClr>
     </dgm:fillClrLst>
     <dgm:linClrLst meth="repeat">
@@ -301,44 +288,87 @@
     </dgm:txFillClrLst>
     <dgm:txEffectClrLst/>
   </dgm:styleLbl>
-  <dgm:styleLbl name="bgShp">
-    <dgm:fillClrLst meth="repeat">
-      <a:schemeClr val="accent1">
-        <a:tint val="40000"/>
+  <dgm:styleLbl name="bgImgPlace1">
+    <dgm:fillClrLst>
+      <a:schemeClr val="accent4">
+        <a:tint val="50000"/>
+      </a:schemeClr>
+      <a:schemeClr val="accent5">
+        <a:tint val="20000"/>
       </a:schemeClr>
     </dgm:fillClrLst>
     <dgm:linClrLst meth="repeat">
-      <a:schemeClr val="accent1"/>
+      <a:schemeClr val="lt1"/>
     </dgm:linClrLst>
     <dgm:effectClrLst/>
     <dgm:txLinClrLst/>
     <dgm:txFillClrLst meth="repeat">
-      <a:schemeClr val="dk1"/>
+      <a:schemeClr val="lt1"/>
     </dgm:txFillClrLst>
     <dgm:txEffectClrLst/>
   </dgm:styleLbl>
-  <dgm:styleLbl name="bgSibTrans2D1">
-    <dgm:fillClrLst meth="repeat">
-      <a:schemeClr val="accent1">
-        <a:tint val="60000"/>
-      </a:schemeClr>
+  <dgm:styleLbl name="sibTrans2D1">
+    <dgm:fillClrLst>
+      <a:schemeClr val="accent4"/>
+      <a:schemeClr val="accent5"/>
     </dgm:fillClrLst>
     <dgm:linClrLst meth="repeat">
-      <a:schemeClr val="accent1">
-        <a:tint val="60000"/>
-      </a:schemeClr>
+      <a:schemeClr val="lt1"/>
     </dgm:linClrLst>
     <dgm:effectClrLst/>
     <dgm:txLinClrLst/>
     <dgm:txFillClrLst/>
     <dgm:txEffectClrLst/>
   </dgm:styleLbl>
+  <dgm:styleLbl name="fgSibTrans2D1">
+    <dgm:fillClrLst>
+      <a:schemeClr val="accent4"/>
+      <a:schemeClr val="accent5"/>
+    </dgm:fillClrLst>
+    <dgm:linClrLst meth="repeat">
+      <a:schemeClr val="lt1"/>
+    </dgm:linClrLst>
+    <dgm:effectClrLst/>
+    <dgm:txLinClrLst/>
+    <dgm:txFillClrLst meth="repeat">
+      <a:schemeClr val="lt1"/>
+    </dgm:txFillClrLst>
+    <dgm:txEffectClrLst/>
+  </dgm:styleLbl>
+  <dgm:styleLbl name="bgSibTrans2D1">
+    <dgm:fillClrLst>
+      <a:schemeClr val="accent4"/>
+      <a:schemeClr val="accent5"/>
+    </dgm:fillClrLst>
+    <dgm:linClrLst meth="repeat">
+      <a:schemeClr val="lt1"/>
+    </dgm:linClrLst>
+    <dgm:effectClrLst/>
+    <dgm:txLinClrLst/>
+    <dgm:txFillClrLst meth="repeat">
+      <a:schemeClr val="lt1"/>
+    </dgm:txFillClrLst>
+    <dgm:txEffectClrLst/>
+  </dgm:styleLbl>
+  <dgm:styleLbl name="sibTrans1D1">
+    <dgm:fillClrLst/>
+    <dgm:linClrLst>
+      <a:schemeClr val="accent4"/>
+      <a:schemeClr val="accent5"/>
+    </dgm:linClrLst>
+    <dgm:effectClrLst/>
+    <dgm:txLinClrLst/>
+    <dgm:txFillClrLst meth="repeat">
+      <a:schemeClr val="tx1"/>
+    </dgm:txFillClrLst>
+    <dgm:txEffectClrLst/>
+  </dgm:styleLbl>
   <dgm:styleLbl name="callout">
     <dgm:fillClrLst meth="repeat">
-      <a:schemeClr val="accent1"/>
+      <a:schemeClr val="accent4"/>
     </dgm:fillClrLst>
     <dgm:linClrLst meth="repeat">
-      <a:schemeClr val="accent1">
+      <a:schemeClr val="accent4">
         <a:tint val="50000"/>
       </a:schemeClr>
     </dgm:linClrLst>
@@ -349,10 +379,172 @@
     </dgm:txFillClrLst>
     <dgm:txEffectClrLst/>
   </dgm:styleLbl>
-  <dgm:styleLbl name="conFgAcc1">
+  <dgm:styleLbl name="asst0">
     <dgm:fillClrLst meth="repeat">
+      <a:schemeClr val="accent4"/>
+    </dgm:fillClrLst>
+    <dgm:linClrLst meth="repeat">
       <a:schemeClr val="lt1">
-        <a:alpha val="90000"/>
+        <a:shade val="80000"/>
+      </a:schemeClr>
+    </dgm:linClrLst>
+    <dgm:effectClrLst/>
+    <dgm:txLinClrLst/>
+    <dgm:txFillClrLst/>
+    <dgm:txEffectClrLst/>
+  </dgm:styleLbl>
+  <dgm:styleLbl name="asst1">
+    <dgm:fillClrLst meth="repeat">
+      <a:schemeClr val="accent5"/>
+    </dgm:fillClrLst>
+    <dgm:linClrLst meth="repeat">
+      <a:schemeClr val="lt1">
+        <a:shade val="80000"/>
+      </a:schemeClr>
+    </dgm:linClrLst>
+    <dgm:effectClrLst/>
+    <dgm:txLinClrLst/>
+    <dgm:txFillClrLst/>
+    <dgm:txEffectClrLst/>
+  </dgm:styleLbl>
+  <dgm:styleLbl name="asst2">
+    <dgm:fillClrLst>
+      <a:schemeClr val="accent6"/>
+    </dgm:fillClrLst>
+    <dgm:linClrLst meth="repeat">
+      <a:schemeClr val="lt1"/>
+    </dgm:linClrLst>
+    <dgm:effectClrLst/>
+    <dgm:txLinClrLst/>
+    <dgm:txFillClrLst/>
+    <dgm:txEffectClrLst/>
+  </dgm:styleLbl>
+  <dgm:styleLbl name="asst3">
+    <dgm:fillClrLst>
+      <a:schemeClr val="accent1"/>
+    </dgm:fillClrLst>
+    <dgm:linClrLst meth="repeat">
+      <a:schemeClr val="lt1"/>
+    </dgm:linClrLst>
+    <dgm:effectClrLst/>
+    <dgm:txLinClrLst/>
+    <dgm:txFillClrLst/>
+    <dgm:txEffectClrLst/>
+  </dgm:styleLbl>
+  <dgm:styleLbl name="asst4">
+    <dgm:fillClrLst>
+      <a:schemeClr val="accent2"/>
+    </dgm:fillClrLst>
+    <dgm:linClrLst meth="repeat">
+      <a:schemeClr val="lt1"/>
+    </dgm:linClrLst>
+    <dgm:effectClrLst/>
+    <dgm:txLinClrLst/>
+    <dgm:txFillClrLst/>
+    <dgm:txEffectClrLst/>
+  </dgm:styleLbl>
+  <dgm:styleLbl name="parChTrans2D1">
+    <dgm:fillClrLst meth="repeat">
+      <a:schemeClr val="accent4"/>
+    </dgm:fillClrLst>
+    <dgm:linClrLst meth="repeat">
+      <a:schemeClr val="lt1"/>
+    </dgm:linClrLst>
+    <dgm:effectClrLst/>
+    <dgm:txLinClrLst/>
+    <dgm:txFillClrLst meth="repeat">
+      <a:schemeClr val="lt1"/>
+    </dgm:txFillClrLst>
+    <dgm:txEffectClrLst/>
+  </dgm:styleLbl>
+  <dgm:styleLbl name="parChTrans2D2">
+    <dgm:fillClrLst meth="repeat">
+      <a:schemeClr val="accent5"/>
+    </dgm:fillClrLst>
+    <dgm:linClrLst meth="repeat">
+      <a:schemeClr val="lt1"/>
+    </dgm:linClrLst>
+    <dgm:effectClrLst/>
+    <dgm:txLinClrLst/>
+    <dgm:txFillClrLst/>
+    <dgm:txEffectClrLst/>
+  </dgm:styleLbl>
+  <dgm:styleLbl name="parChTrans2D3">
+    <dgm:fillClrLst meth="repeat">
+      <a:schemeClr val="accent5"/>
+    </dgm:fillClrLst>
+    <dgm:linClrLst meth="repeat">
+      <a:schemeClr val="lt1"/>
+    </dgm:linClrLst>
+    <dgm:effectClrLst/>
+    <dgm:txLinClrLst/>
+    <dgm:txFillClrLst/>
+    <dgm:txEffectClrLst/>
+  </dgm:styleLbl>
+  <dgm:styleLbl name="parChTrans2D4">
+    <dgm:fillClrLst meth="repeat">
+      <a:schemeClr val="accent6"/>
+    </dgm:fillClrLst>
+    <dgm:linClrLst meth="repeat">
+      <a:schemeClr val="lt1"/>
+    </dgm:linClrLst>
+    <dgm:effectClrLst/>
+    <dgm:txLinClrLst/>
+    <dgm:txFillClrLst meth="repeat">
+      <a:schemeClr val="lt1"/>
+    </dgm:txFillClrLst>
+    <dgm:txEffectClrLst/>
+  </dgm:styleLbl>
+  <dgm:styleLbl name="parChTrans1D1">
+    <dgm:fillClrLst meth="repeat">
+      <a:schemeClr val="accent4"/>
+    </dgm:fillClrLst>
+    <dgm:linClrLst meth="repeat">
+      <a:schemeClr val="accent4"/>
+    </dgm:linClrLst>
+    <dgm:effectClrLst/>
+    <dgm:txLinClrLst/>
+    <dgm:txFillClrLst meth="repeat">
+      <a:schemeClr val="tx1"/>
+    </dgm:txFillClrLst>
+    <dgm:txEffectClrLst/>
+  </dgm:styleLbl>
+  <dgm:styleLbl name="parChTrans1D2">
+    <dgm:fillClrLst meth="repeat">
+      <a:schemeClr val="accent4">
+        <a:tint val="90000"/>
+      </a:schemeClr>
+    </dgm:fillClrLst>
+    <dgm:linClrLst meth="repeat">
+      <a:schemeClr val="accent5"/>
+    </dgm:linClrLst>
+    <dgm:effectClrLst/>
+    <dgm:txLinClrLst/>
+    <dgm:txFillClrLst meth="repeat">
+      <a:schemeClr val="tx1"/>
+    </dgm:txFillClrLst>
+    <dgm:txEffectClrLst/>
+  </dgm:styleLbl>
+  <dgm:styleLbl name="parChTrans1D3">
+    <dgm:fillClrLst meth="repeat">
+      <a:schemeClr val="accent4">
+        <a:tint val="70000"/>
+      </a:schemeClr>
+    </dgm:fillClrLst>
+    <dgm:linClrLst meth="repeat">
+      <a:schemeClr val="accent6"/>
+    </dgm:linClrLst>
+    <dgm:effectClrLst/>
+    <dgm:txLinClrLst/>
+    <dgm:txFillClrLst meth="repeat">
+      <a:schemeClr val="tx1"/>
+    </dgm:txFillClrLst>
+    <dgm:txEffectClrLst/>
+  </dgm:styleLbl>
+  <dgm:styleLbl name="parChTrans1D4">
+    <dgm:fillClrLst meth="repeat">
+      <a:schemeClr val="accent4">
+        <a:tint val="50000"/>
       </a:schemeClr>
     </dgm:fillClrLst>
     <dgm:linClrLst meth="repeat">
@@ -361,23 +553,220 @@
     <dgm:effectClrLst/>
     <dgm:txLinClrLst/>
     <dgm:txFillClrLst meth="repeat">
+      <a:schemeClr val="tx1"/>
+    </dgm:txFillClrLst>
+    <dgm:txEffectClrLst/>
+  </dgm:styleLbl>
+  <dgm:styleLbl name="fgAcc1">
+    <dgm:fillClrLst meth="repeat">
+      <a:schemeClr val="lt1">
+        <a:alpha val="90000"/>
+      </a:schemeClr>
+    </dgm:fillClrLst>
+    <dgm:linClrLst>
+      <a:schemeClr val="accent4"/>
+      <a:schemeClr val="accent5"/>
+    </dgm:linClrLst>
+    <dgm:effectClrLst/>
+    <dgm:txLinClrLst/>
+    <dgm:txFillClrLst meth="repeat">
       <a:schemeClr val="dk1"/>
     </dgm:txFillClrLst>
     <dgm:txEffectClrLst/>
   </dgm:styleLbl>
-  <dgm:styleLbl name="dkBgShp">
+  <dgm:styleLbl name="conFgAcc1">
     <dgm:fillClrLst meth="repeat">
-      <a:schemeClr val="accent1">
-        <a:shade val="80000"/>
+      <a:schemeClr val="lt1">
+        <a:alpha val="90000"/>
       </a:schemeClr>
     </dgm:fillClrLst>
-    <dgm:linClrLst meth="repeat">
-      <a:schemeClr val="accent1"/>
+    <dgm:linClrLst>
+      <a:schemeClr val="accent4"/>
+      <a:schemeClr val="accent5"/>
     </dgm:linClrLst>
     <dgm:effectClrLst/>
     <dgm:txLinClrLst/>
     <dgm:txFillClrLst meth="repeat">
+      <a:schemeClr val="dk1"/>
+    </dgm:txFillClrLst>
+    <dgm:txEffectClrLst/>
+  </dgm:styleLbl>
+  <dgm:styleLbl name="alignAcc1">
+    <dgm:fillClrLst meth="repeat">
+      <a:schemeClr val="lt1">
+        <a:alpha val="90000"/>
+      </a:schemeClr>
+    </dgm:fillClrLst>
+    <dgm:linClrLst>
+      <a:schemeClr val="accent4"/>
+      <a:schemeClr val="accent5"/>
+    </dgm:linClrLst>
+    <dgm:effectClrLst/>
+    <dgm:txLinClrLst/>
+    <dgm:txFillClrLst meth="repeat">
+      <a:schemeClr val="dk1"/>
+    </dgm:txFillClrLst>
+    <dgm:txEffectClrLst/>
+  </dgm:styleLbl>
+  <dgm:styleLbl name="trAlignAcc1">
+    <dgm:fillClrLst meth="repeat">
+      <a:schemeClr val="lt1">
+        <a:alpha val="40000"/>
+      </a:schemeClr>
+    </dgm:fillClrLst>
+    <dgm:linClrLst meth="repeat">
+      <a:schemeClr val="accent4"/>
+    </dgm:linClrLst>
+    <dgm:effectClrLst/>
+    <dgm:txLinClrLst/>
+    <dgm:txFillClrLst meth="repeat">
+      <a:schemeClr val="dk1"/>
+    </dgm:txFillClrLst>
+    <dgm:txEffectClrLst/>
+  </dgm:styleLbl>
+  <dgm:styleLbl name="bgAcc1">
+    <dgm:fillClrLst meth="repeat">
+      <a:schemeClr val="lt1">
+        <a:alpha val="90000"/>
+      </a:schemeClr>
+    </dgm:fillClrLst>
+    <dgm:linClrLst>
+      <a:schemeClr val="accent4"/>
+      <a:schemeClr val="accent5"/>
+    </dgm:linClrLst>
+    <dgm:effectClrLst/>
+    <dgm:txLinClrLst/>
+    <dgm:txFillClrLst meth="repeat">
+      <a:schemeClr val="dk1"/>
+    </dgm:txFillClrLst>
+    <dgm:txEffectClrLst/>
+  </dgm:styleLbl>
+  <dgm:styleLbl name="solidFgAcc1">
+    <dgm:fillClrLst meth="repeat">
       <a:schemeClr val="lt1"/>
+    </dgm:fillClrLst>
+    <dgm:linClrLst>
+      <a:schemeClr val="accent4"/>
+      <a:schemeClr val="accent5"/>
+    </dgm:linClrLst>
+    <dgm:effectClrLst/>
+    <dgm:txLinClrLst/>
+    <dgm:txFillClrLst meth="repeat">
+      <a:schemeClr val="dk1"/>
+    </dgm:txFillClrLst>
+    <dgm:txEffectClrLst/>
+  </dgm:styleLbl>
+  <dgm:styleLbl name="solidAlignAcc1">
+    <dgm:fillClrLst meth="repeat">
+      <a:schemeClr val="lt1"/>
+    </dgm:fillClrLst>
+    <dgm:linClrLst>
+      <a:schemeClr val="accent4"/>
+      <a:schemeClr val="accent5"/>
+    </dgm:linClrLst>
+    <dgm:effectClrLst/>
+    <dgm:txLinClrLst/>
+    <dgm:txFillClrLst meth="repeat">
+      <a:schemeClr val="dk1"/>
+    </dgm:txFillClrLst>
+    <dgm:txEffectClrLst/>
+  </dgm:styleLbl>
+  <dgm:styleLbl name="solidBgAcc1">
+    <dgm:fillClrLst meth="repeat">
+      <a:schemeClr val="lt1"/>
+    </dgm:fillClrLst>
+    <dgm:linClrLst>
+      <a:schemeClr val="accent4"/>
+      <a:schemeClr val="accent5"/>
+    </dgm:linClrLst>
+    <dgm:effectClrLst/>
+    <dgm:txLinClrLst/>
+    <dgm:txFillClrLst meth="repeat">
+      <a:schemeClr val="dk1"/>
+    </dgm:txFillClrLst>
+    <dgm:txEffectClrLst/>
+  </dgm:styleLbl>
+  <dgm:styleLbl name="fgAccFollowNode1">
+    <dgm:fillClrLst>
+      <a:schemeClr val="accent4">
+        <a:tint val="40000"/>
+        <a:alpha val="90000"/>
+      </a:schemeClr>
+      <a:schemeClr val="accent5">
+        <a:tint val="40000"/>
+        <a:alpha val="90000"/>
+      </a:schemeClr>
+    </dgm:fillClrLst>
+    <dgm:linClrLst>
+      <a:schemeClr val="accent4">
+        <a:tint val="40000"/>
+        <a:alpha val="90000"/>
+      </a:schemeClr>
+      <a:schemeClr val="accent5">
+        <a:tint val="40000"/>
+        <a:alpha val="90000"/>
+      </a:schemeClr>
+    </dgm:linClrLst>
+    <dgm:effectClrLst/>
+    <dgm:txLinClrLst/>
+    <dgm:txFillClrLst meth="repeat">
+      <a:schemeClr val="dk1"/>
+    </dgm:txFillClrLst>
+    <dgm:txEffectClrLst/>
+  </dgm:styleLbl>
+  <dgm:styleLbl name="alignAccFollowNode1">
+    <dgm:fillClrLst>
+      <a:schemeClr val="accent4">
+        <a:tint val="40000"/>
+        <a:alpha val="90000"/>
+      </a:schemeClr>
+      <a:schemeClr val="accent5">
+        <a:tint val="40000"/>
+        <a:alpha val="90000"/>
+      </a:schemeClr>
+    </dgm:fillClrLst>
+    <dgm:linClrLst>
+      <a:schemeClr val="accent4">
+        <a:tint val="40000"/>
+        <a:alpha val="90000"/>
+      </a:schemeClr>
+      <a:schemeClr val="accent5">
+        <a:tint val="40000"/>
+        <a:alpha val="90000"/>
+      </a:schemeClr>
+    </dgm:linClrLst>
+    <dgm:effectClrLst/>
+    <dgm:txLinClrLst/>
+    <dgm:txFillClrLst meth="repeat">
+      <a:schemeClr val="dk1"/>
+    </dgm:txFillClrLst>
+    <dgm:txEffectClrLst/>
+  </dgm:styleLbl>
+  <dgm:styleLbl name="bgAccFollowNode1">
+    <dgm:fillClrLst>
+      <a:schemeClr val="accent4">
+        <a:tint val="40000"/>
+        <a:alpha val="90000"/>
+      </a:schemeClr>
+      <a:schemeClr val="accent5">
+        <a:tint val="40000"/>
+        <a:alpha val="90000"/>
+      </a:schemeClr>
+    </dgm:fillClrLst>
+    <dgm:linClrLst>
+      <a:schemeClr val="accent4">
+        <a:tint val="40000"/>
+        <a:alpha val="90000"/>
+      </a:schemeClr>
+      <a:schemeClr val="accent5">
+        <a:tint val="40000"/>
+        <a:alpha val="90000"/>
+      </a:schemeClr>
+    </dgm:linClrLst>
+    <dgm:effectClrLst/>
+    <dgm:txLinClrLst/>
+    <dgm:txFillClrLst meth="repeat">
+      <a:schemeClr val="dk1"/>
     </dgm:txFillClrLst>
     <dgm:txEffectClrLst/>
   </dgm:styleLbl>
@@ -387,24 +776,8 @@
         <a:alpha val="90000"/>
       </a:schemeClr>
     </dgm:fillClrLst>
-    <dgm:linClrLst meth="repeat">
-      <a:schemeClr val="accent1"/>
-    </dgm:linClrLst>
-    <dgm:effectClrLst/>
-    <dgm:txLinClrLst/>
-    <dgm:txFillClrLst meth="repeat">
-      <a:schemeClr val="dk1"/>
-    </dgm:txFillClrLst>
-    <dgm:txEffectClrLst/>
-  </dgm:styleLbl>
-  <dgm:styleLbl name="fgAcc1">
-    <dgm:fillClrLst meth="repeat">
-      <a:schemeClr val="lt1">
-        <a:alpha val="90000"/>
-      </a:schemeClr>
-    </dgm:fillClrLst>
-    <dgm:linClrLst meth="repeat">
-      <a:schemeClr val="accent1"/>
+    <dgm:linClrLst>
+      <a:schemeClr val="accent3"/>
     </dgm:linClrLst>
     <dgm:effectClrLst/>
     <dgm:txLinClrLst/>
@@ -419,8 +792,8 @@
         <a:alpha val="90000"/>
       </a:schemeClr>
     </dgm:fillClrLst>
-    <dgm:linClrLst meth="repeat">
-      <a:schemeClr val="accent1"/>
+    <dgm:linClrLst>
+      <a:schemeClr val="accent5"/>
     </dgm:linClrLst>
     <dgm:effectClrLst/>
     <dgm:txLinClrLst/>
@@ -435,8 +808,8 @@
         <a:alpha val="90000"/>
       </a:schemeClr>
     </dgm:fillClrLst>
-    <dgm:linClrLst meth="repeat">
-      <a:schemeClr val="accent1"/>
+    <dgm:linClrLst>
+      <a:schemeClr val="accent6"/>
     </dgm:linClrLst>
     <dgm:effectClrLst/>
     <dgm:txLinClrLst/>
@@ -451,7 +824,7 @@
         <a:alpha val="90000"/>
       </a:schemeClr>
     </dgm:fillClrLst>
-    <dgm:linClrLst meth="repeat">
+    <dgm:linClrLst>
       <a:schemeClr val="accent1"/>
     </dgm:linClrLst>
     <dgm:effectClrLst/>
@@ -461,18 +834,14 @@
     </dgm:txFillClrLst>
     <dgm:txEffectClrLst/>
   </dgm:styleLbl>
-  <dgm:styleLbl name="fgAccFollowNode1">
+  <dgm:styleLbl name="bgShp">
     <dgm:fillClrLst meth="repeat">
-      <a:schemeClr val="accent1">
-        <a:alpha val="90000"/>
+      <a:schemeClr val="accent4">
         <a:tint val="40000"/>
       </a:schemeClr>
     </dgm:fillClrLst>
     <dgm:linClrLst meth="repeat">
-      <a:schemeClr val="accent1">
-        <a:alpha val="90000"/>
-        <a:tint val="40000"/>
-      </a:schemeClr>
+      <a:schemeClr val="dk1"/>
     </dgm:linClrLst>
     <dgm:effectClrLst/>
     <dgm:txLinClrLst/>
@@ -481,14 +850,31 @@
     </dgm:txFillClrLst>
     <dgm:txEffectClrLst/>
   </dgm:styleLbl>
-  <dgm:styleLbl name="fgImgPlace1">
+  <dgm:styleLbl name="dkBgShp">
     <dgm:fillClrLst meth="repeat">
-      <a:schemeClr val="accent1">
-        <a:tint val="50000"/>
+      <a:schemeClr val="accent4">
+        <a:shade val="90000"/>
       </a:schemeClr>
     </dgm:fillClrLst>
     <dgm:linClrLst meth="repeat">
+      <a:schemeClr val="dk1"/>
+    </dgm:linClrLst>
+    <dgm:effectClrLst/>
+    <dgm:txLinClrLst/>
+    <dgm:txFillClrLst meth="repeat">
       <a:schemeClr val="lt1"/>
+    </dgm:txFillClrLst>
+    <dgm:txEffectClrLst/>
+  </dgm:styleLbl>
+  <dgm:styleLbl name="trBgShp">
+    <dgm:fillClrLst meth="repeat">
+      <a:schemeClr val="accent4">
+        <a:tint val="50000"/>
+        <a:alpha val="40000"/>
+      </a:schemeClr>
+    </dgm:fillClrLst>
+    <dgm:linClrLst meth="repeat">
+      <a:schemeClr val="accent4"/>
     </dgm:linClrLst>
     <dgm:effectClrLst/>
     <dgm:txLinClrLst/>
@@ -499,8 +885,8 @@
   </dgm:styleLbl>
   <dgm:styleLbl name="fgShp">
     <dgm:fillClrLst meth="repeat">
-      <a:schemeClr val="accent1">
-        <a:tint val="60000"/>
+      <a:schemeClr val="accent4">
+        <a:tint val="40000"/>
       </a:schemeClr>
     </dgm:fillClrLst>
     <dgm:linClrLst meth="repeat">
@@ -510,218 +896,6 @@
     <dgm:txLinClrLst/>
     <dgm:txFillClrLst meth="repeat">
       <a:schemeClr val="dk1"/>
-    </dgm:txFillClrLst>
-    <dgm:txEffectClrLst/>
-  </dgm:styleLbl>
-  <dgm:styleLbl name="fgSibTrans2D1">
-    <dgm:fillClrLst meth="repeat">
-      <a:schemeClr val="accent1">
-        <a:tint val="60000"/>
-      </a:schemeClr>
-    </dgm:fillClrLst>
-    <dgm:linClrLst meth="repeat">
-      <a:schemeClr val="accent1">
-        <a:tint val="60000"/>
-      </a:schemeClr>
-    </dgm:linClrLst>
-    <dgm:effectClrLst/>
-    <dgm:txLinClrLst/>
-    <dgm:txFillClrLst/>
-    <dgm:txEffectClrLst/>
-  </dgm:styleLbl>
-  <dgm:styleLbl name="lnNode1">
-    <dgm:fillClrLst meth="repeat">
-      <a:schemeClr val="accent1"/>
-    </dgm:fillClrLst>
-    <dgm:linClrLst meth="repeat">
-      <a:schemeClr val="lt1"/>
-    </dgm:linClrLst>
-    <dgm:effectClrLst/>
-    <dgm:txLinClrLst/>
-    <dgm:txFillClrLst/>
-    <dgm:txEffectClrLst/>
-  </dgm:styleLbl>
-  <dgm:styleLbl name="node0">
-    <dgm:fillClrLst meth="repeat">
-      <a:schemeClr val="accent1"/>
-    </dgm:fillClrLst>
-    <dgm:linClrLst meth="repeat">
-      <a:schemeClr val="lt1"/>
-    </dgm:linClrLst>
-    <dgm:effectClrLst/>
-    <dgm:txLinClrLst/>
-    <dgm:txFillClrLst/>
-    <dgm:txEffectClrLst/>
-  </dgm:styleLbl>
-  <dgm:styleLbl name="node1">
-    <dgm:fillClrLst meth="repeat">
-      <a:schemeClr val="accent1"/>
-    </dgm:fillClrLst>
-    <dgm:linClrLst meth="repeat">
-      <a:schemeClr val="lt1"/>
-    </dgm:linClrLst>
-    <dgm:effectClrLst/>
-    <dgm:txLinClrLst/>
-    <dgm:txFillClrLst/>
-    <dgm:txEffectClrLst/>
-  </dgm:styleLbl>
-  <dgm:styleLbl name="node2">
-    <dgm:fillClrLst meth="repeat">
-      <a:schemeClr val="accent1"/>
-    </dgm:fillClrLst>
-    <dgm:linClrLst meth="repeat">
-      <a:schemeClr val="lt1"/>
-    </dgm:linClrLst>
-    <dgm:effectClrLst/>
-    <dgm:txLinClrLst/>
-    <dgm:txFillClrLst/>
-    <dgm:txEffectClrLst/>
-  </dgm:styleLbl>
-  <dgm:styleLbl name="node3">
-    <dgm:fillClrLst meth="repeat">
-      <a:schemeClr val="accent1"/>
-    </dgm:fillClrLst>
-    <dgm:linClrLst meth="repeat">
-      <a:schemeClr val="lt1"/>
-    </dgm:linClrLst>
-    <dgm:effectClrLst/>
-    <dgm:txLinClrLst/>
-    <dgm:txFillClrLst/>
-    <dgm:txEffectClrLst/>
-  </dgm:styleLbl>
-  <dgm:styleLbl name="node4">
-    <dgm:fillClrLst meth="repeat">
-      <a:schemeClr val="accent1"/>
-    </dgm:fillClrLst>
-    <dgm:linClrLst meth="repeat">
-      <a:schemeClr val="lt1"/>
-    </dgm:linClrLst>
-    <dgm:effectClrLst/>
-    <dgm:txLinClrLst/>
-    <dgm:txFillClrLst/>
-    <dgm:txEffectClrLst/>
-  </dgm:styleLbl>
-  <dgm:styleLbl name="parChTrans1D1">
-    <dgm:fillClrLst meth="repeat">
-      <a:schemeClr val="accent1"/>
-    </dgm:fillClrLst>
-    <dgm:linClrLst meth="repeat">
-      <a:schemeClr val="accent1">
-        <a:shade val="60000"/>
-      </a:schemeClr>
-    </dgm:linClrLst>
-    <dgm:effectClrLst/>
-    <dgm:txLinClrLst/>
-    <dgm:txFillClrLst meth="repeat">
-      <a:schemeClr val="tx1"/>
-    </dgm:txFillClrLst>
-    <dgm:txEffectClrLst/>
-  </dgm:styleLbl>
-  <dgm:styleLbl name="parChTrans1D2">
-    <dgm:fillClrLst meth="repeat">
-      <a:schemeClr val="accent1"/>
-    </dgm:fillClrLst>
-    <dgm:linClrLst meth="repeat">
-      <a:schemeClr val="accent1">
-        <a:shade val="60000"/>
-      </a:schemeClr>
-    </dgm:linClrLst>
-    <dgm:effectClrLst/>
-    <dgm:txLinClrLst/>
-    <dgm:txFillClrLst meth="repeat">
-      <a:schemeClr val="tx1"/>
-    </dgm:txFillClrLst>
-    <dgm:txEffectClrLst/>
-  </dgm:styleLbl>
-  <dgm:styleLbl name="parChTrans1D3">
-    <dgm:fillClrLst meth="repeat">
-      <a:schemeClr val="accent1"/>
-    </dgm:fillClrLst>
-    <dgm:linClrLst meth="repeat">
-      <a:schemeClr val="accent1">
-        <a:shade val="80000"/>
-      </a:schemeClr>
-    </dgm:linClrLst>
-    <dgm:effectClrLst/>
-    <dgm:txLinClrLst/>
-    <dgm:txFillClrLst meth="repeat">
-      <a:schemeClr val="tx1"/>
-    </dgm:txFillClrLst>
-    <dgm:txEffectClrLst/>
-  </dgm:styleLbl>
-  <dgm:styleLbl name="parChTrans1D4">
-    <dgm:fillClrLst meth="repeat">
-      <a:schemeClr val="accent1"/>
-    </dgm:fillClrLst>
-    <dgm:linClrLst meth="repeat">
-      <a:schemeClr val="accent1">
-        <a:shade val="80000"/>
-      </a:schemeClr>
-    </dgm:linClrLst>
-    <dgm:effectClrLst/>
-    <dgm:txLinClrLst/>
-    <dgm:txFillClrLst meth="repeat">
-      <a:schemeClr val="tx1"/>
-    </dgm:txFillClrLst>
-    <dgm:txEffectClrLst/>
-  </dgm:styleLbl>
-  <dgm:styleLbl name="parChTrans2D1">
-    <dgm:fillClrLst meth="repeat">
-      <a:schemeClr val="accent1">
-        <a:tint val="60000"/>
-      </a:schemeClr>
-    </dgm:fillClrLst>
-    <dgm:linClrLst meth="repeat">
-      <a:schemeClr val="accent1">
-        <a:tint val="60000"/>
-      </a:schemeClr>
-    </dgm:linClrLst>
-    <dgm:effectClrLst/>
-    <dgm:txLinClrLst/>
-    <dgm:txFillClrLst meth="repeat">
-      <a:schemeClr val="lt1"/>
-    </dgm:txFillClrLst>
-    <dgm:txEffectClrLst/>
-  </dgm:styleLbl>
-  <dgm:styleLbl name="parChTrans2D2">
-    <dgm:fillClrLst meth="repeat">
-      <a:schemeClr val="accent1"/>
-    </dgm:fillClrLst>
-    <dgm:linClrLst meth="repeat">
-      <a:schemeClr val="accent1"/>
-    </dgm:linClrLst>
-    <dgm:effectClrLst/>
-    <dgm:txLinClrLst/>
-    <dgm:txFillClrLst meth="repeat">
-      <a:schemeClr val="lt1"/>
-    </dgm:txFillClrLst>
-    <dgm:txEffectClrLst/>
-  </dgm:styleLbl>
-  <dgm:styleLbl name="parChTrans2D3">
-    <dgm:fillClrLst meth="repeat">
-      <a:schemeClr val="accent1"/>
-    </dgm:fillClrLst>
-    <dgm:linClrLst meth="repeat">
-      <a:schemeClr val="accent1"/>
-    </dgm:linClrLst>
-    <dgm:effectClrLst/>
-    <dgm:txLinClrLst/>
-    <dgm:txFillClrLst meth="repeat">
-      <a:schemeClr val="lt1"/>
-    </dgm:txFillClrLst>
-    <dgm:txEffectClrLst/>
-  </dgm:styleLbl>
-  <dgm:styleLbl name="parChTrans2D4">
-    <dgm:fillClrLst meth="repeat">
-      <a:schemeClr val="accent1"/>
-    </dgm:fillClrLst>
-    <dgm:linClrLst meth="repeat">
-      <a:schemeClr val="accent1"/>
-    </dgm:linClrLst>
-    <dgm:effectClrLst/>
-    <dgm:txLinClrLst/>
-    <dgm:txFillClrLst meth="repeat">
-      <a:schemeClr val="lt1"/>
     </dgm:txFillClrLst>
     <dgm:txEffectClrLst/>
   </dgm:styleLbl>
@@ -743,639 +917,692 @@
     </dgm:txFillClrLst>
     <dgm:txEffectClrLst/>
   </dgm:styleLbl>
-  <dgm:styleLbl name="sibTrans1D1">
-    <dgm:fillClrLst meth="repeat">
-      <a:schemeClr val="accent1"/>
-    </dgm:fillClrLst>
-    <dgm:linClrLst meth="repeat">
-      <a:schemeClr val="accent1"/>
-    </dgm:linClrLst>
-    <dgm:effectClrLst/>
-    <dgm:txLinClrLst/>
-    <dgm:txFillClrLst meth="repeat">
-      <a:schemeClr val="tx1"/>
-    </dgm:txFillClrLst>
-    <dgm:txEffectClrLst/>
-  </dgm:styleLbl>
-  <dgm:styleLbl name="sibTrans2D1">
-    <dgm:fillClrLst meth="repeat">
-      <a:schemeClr val="accent1">
-        <a:tint val="60000"/>
-      </a:schemeClr>
-    </dgm:fillClrLst>
-    <dgm:linClrLst meth="repeat">
-      <a:schemeClr val="accent1">
-        <a:tint val="60000"/>
-      </a:schemeClr>
-    </dgm:linClrLst>
-    <dgm:effectClrLst/>
-    <dgm:txLinClrLst/>
-    <dgm:txFillClrLst/>
-    <dgm:txEffectClrLst/>
-  </dgm:styleLbl>
-  <dgm:styleLbl name="solidAlignAcc1">
-    <dgm:fillClrLst meth="repeat">
-      <a:schemeClr val="lt1"/>
-    </dgm:fillClrLst>
-    <dgm:linClrLst meth="repeat">
-      <a:schemeClr val="accent1"/>
-    </dgm:linClrLst>
-    <dgm:effectClrLst/>
-    <dgm:txLinClrLst/>
-    <dgm:txFillClrLst meth="repeat">
-      <a:schemeClr val="dk1"/>
-    </dgm:txFillClrLst>
-    <dgm:txEffectClrLst/>
-  </dgm:styleLbl>
-  <dgm:styleLbl name="solidBgAcc1">
-    <dgm:fillClrLst meth="repeat">
-      <a:schemeClr val="lt1"/>
-    </dgm:fillClrLst>
-    <dgm:linClrLst meth="repeat">
-      <a:schemeClr val="accent1"/>
-    </dgm:linClrLst>
-    <dgm:effectClrLst/>
-    <dgm:txLinClrLst/>
-    <dgm:txFillClrLst meth="repeat">
-      <a:schemeClr val="dk1"/>
-    </dgm:txFillClrLst>
-    <dgm:txEffectClrLst/>
-  </dgm:styleLbl>
-  <dgm:styleLbl name="solidFgAcc1">
-    <dgm:fillClrLst meth="repeat">
-      <a:schemeClr val="lt1"/>
-    </dgm:fillClrLst>
-    <dgm:linClrLst meth="repeat">
-      <a:schemeClr val="accent1"/>
-    </dgm:linClrLst>
-    <dgm:effectClrLst/>
-    <dgm:txLinClrLst/>
-    <dgm:txFillClrLst meth="repeat">
-      <a:schemeClr val="dk1"/>
-    </dgm:txFillClrLst>
-    <dgm:txEffectClrLst/>
-  </dgm:styleLbl>
-  <dgm:styleLbl name="trAlignAcc1">
-    <dgm:fillClrLst meth="repeat">
-      <a:schemeClr val="lt1">
-        <a:alpha val="40000"/>
-      </a:schemeClr>
-    </dgm:fillClrLst>
-    <dgm:linClrLst meth="repeat">
-      <a:schemeClr val="accent1"/>
-    </dgm:linClrLst>
-    <dgm:effectClrLst/>
-    <dgm:txLinClrLst/>
-    <dgm:txFillClrLst meth="repeat">
-      <a:schemeClr val="dk1"/>
-    </dgm:txFillClrLst>
-    <dgm:txEffectClrLst/>
-  </dgm:styleLbl>
-  <dgm:styleLbl name="trBgShp">
-    <dgm:fillClrLst meth="repeat">
-      <a:schemeClr val="accent1">
-        <a:tint val="50000"/>
-        <a:alpha val="40000"/>
-      </a:schemeClr>
-    </dgm:fillClrLst>
-    <dgm:linClrLst meth="repeat">
-      <a:schemeClr val="accent1"/>
-    </dgm:linClrLst>
-    <dgm:effectClrLst/>
-    <dgm:txLinClrLst/>
-    <dgm:txFillClrLst meth="repeat">
-      <a:schemeClr val="lt1"/>
-    </dgm:txFillClrLst>
-    <dgm:txEffectClrLst/>
-  </dgm:styleLbl>
-  <dgm:styleLbl name="vennNode1">
-    <dgm:fillClrLst meth="repeat">
-      <a:schemeClr val="accent1">
-        <a:alpha val="50000"/>
-      </a:schemeClr>
-    </dgm:fillClrLst>
-    <dgm:linClrLst meth="repeat">
-      <a:schemeClr val="lt1"/>
-    </dgm:linClrLst>
-    <dgm:effectClrLst/>
-    <dgm:txLinClrLst/>
-    <dgm:txFillClrLst/>
-    <dgm:txEffectClrLst/>
-  </dgm:styleLbl>
 </dgm:colorsDef>
 </file>
 
 <file path=ppt/diagrams/data1.xml><?xml version="1.0" encoding="utf-8"?>
 <dgm:dataModel xmlns:dgm="http://schemas.openxmlformats.org/drawingml/2006/diagram" xmlns:a="http://schemas.openxmlformats.org/drawingml/2006/main">
   <dgm:ptLst>
-    <dgm:pt modelId="{D9D7BF96-BE9E-46E2-8D55-6E8BDDC32DAE}" type="doc">
-      <dgm:prSet loTypeId="urn:microsoft.com/office/officeart/2005/8/layout/process3" loCatId="process" qsTypeId="urn:microsoft.com/office/officeart/2005/8/quickstyle/simple5" qsCatId="simple" csTypeId="urn:microsoft.com/office/officeart/2005/8/colors/accent1_2" csCatId="accent1" phldr="0"/>
+    <dgm:pt modelId="{C8513803-878D-4031-8FAA-6578F423B7BF}" type="doc">
+      <dgm:prSet loTypeId="urn:microsoft.com/office/officeart/2005/8/layout/hierarchy4" loCatId="hierarchy" qsTypeId="urn:microsoft.com/office/officeart/2005/8/quickstyle/simple1" qsCatId="simple" csTypeId="urn:microsoft.com/office/officeart/2005/8/colors/colorful4" csCatId="colorful" phldr="1"/>
       <dgm:spPr/>
       <dgm:t>
         <a:bodyPr/>
+        <a:lstStyle/>
         <a:p>
           <a:endParaRPr lang="zh-CN" altLang="en-US"/>
         </a:p>
       </dgm:t>
     </dgm:pt>
-    <dgm:pt modelId="{AC6B50A2-A719-40F2-A025-D428F4ED7AF7}">
-      <dgm:prSet phldrT="[文本]" phldr="1"/>
+    <dgm:pt modelId="{8CA7BF02-4ADE-426E-8CD1-F1ADC3C7113B}">
+      <dgm:prSet phldrT="[文本]"/>
       <dgm:spPr/>
       <dgm:t>
         <a:bodyPr/>
+        <a:lstStyle/>
+        <a:p>
+          <a:r>
+            <a:rPr lang="zh-CN" altLang="en-US" dirty="0" smtClean="0"/>
+            <a:t>接口自动化测试</a:t>
+          </a:r>
+          <a:endParaRPr lang="zh-CN" altLang="en-US" dirty="0"/>
+        </a:p>
+      </dgm:t>
+    </dgm:pt>
+    <dgm:pt modelId="{CC31C1F0-3C09-4FFB-A85A-6AEEAC785607}" type="parTrans" cxnId="{1AAD64A8-8C77-4A55-9ABC-196ED670EAE1}">
+      <dgm:prSet/>
+      <dgm:spPr/>
+      <dgm:t>
+        <a:bodyPr/>
+        <a:lstStyle/>
         <a:p>
           <a:endParaRPr lang="zh-CN" altLang="en-US"/>
         </a:p>
       </dgm:t>
     </dgm:pt>
-    <dgm:pt modelId="{CA8D0332-16E7-482E-9342-B84A5B6AB1E4}" cxnId="{C7F5FCA3-65B4-44C8-B7EC-6822646773B3}" type="parTrans">
+    <dgm:pt modelId="{473F6867-0806-41B7-B854-FFC91FE0BF0C}" type="sibTrans" cxnId="{1AAD64A8-8C77-4A55-9ABC-196ED670EAE1}">
       <dgm:prSet/>
       <dgm:spPr/>
       <dgm:t>
         <a:bodyPr/>
+        <a:lstStyle/>
         <a:p>
           <a:endParaRPr lang="zh-CN" altLang="en-US"/>
         </a:p>
       </dgm:t>
     </dgm:pt>
-    <dgm:pt modelId="{90A52E01-7D27-4B54-9739-4258B1F7A655}" cxnId="{C7F5FCA3-65B4-44C8-B7EC-6822646773B3}" type="sibTrans">
+    <dgm:pt modelId="{A20A9437-1BE0-40B6-8D84-195F33A9BDB1}">
+      <dgm:prSet phldrT="[文本]"/>
+      <dgm:spPr/>
+      <dgm:t>
+        <a:bodyPr/>
+        <a:lstStyle/>
+        <a:p>
+          <a:r>
+            <a:rPr lang="zh-CN" altLang="en-US" dirty="0" smtClean="0"/>
+            <a:t>测试数据</a:t>
+          </a:r>
+          <a:endParaRPr lang="zh-CN" altLang="en-US" dirty="0"/>
+        </a:p>
+      </dgm:t>
+    </dgm:pt>
+    <dgm:pt modelId="{37FB8AD8-C73A-41FA-B222-754715E715E4}" type="parTrans" cxnId="{3D083D10-FD1A-4F98-B009-C76EF2E5AAD3}">
       <dgm:prSet/>
       <dgm:spPr/>
       <dgm:t>
         <a:bodyPr/>
+        <a:lstStyle/>
         <a:p>
           <a:endParaRPr lang="zh-CN" altLang="en-US"/>
         </a:p>
       </dgm:t>
     </dgm:pt>
-    <dgm:pt modelId="{65F927D4-D7F1-4982-AC1F-B5F18269B929}">
-      <dgm:prSet phldrT="[文本]" phldr="1"/>
+    <dgm:pt modelId="{1F4F28A0-3B6E-490E-8179-BB0AF3514293}" type="sibTrans" cxnId="{3D083D10-FD1A-4F98-B009-C76EF2E5AAD3}">
+      <dgm:prSet/>
       <dgm:spPr/>
       <dgm:t>
         <a:bodyPr/>
+        <a:lstStyle/>
         <a:p>
           <a:endParaRPr lang="zh-CN" altLang="en-US"/>
         </a:p>
       </dgm:t>
     </dgm:pt>
-    <dgm:pt modelId="{C9B16F22-83D1-4297-A902-69664AD8C3E2}" cxnId="{30E1F745-0251-4AD1-BF20-B3AFCC4D5548}" type="parTrans">
+    <dgm:pt modelId="{7B60E03B-6426-4478-BB80-8B23E44A820D}">
+      <dgm:prSet phldrT="[文本]"/>
+      <dgm:spPr/>
+      <dgm:t>
+        <a:bodyPr/>
+        <a:lstStyle/>
+        <a:p>
+          <a:r>
+            <a:rPr lang="zh-CN" altLang="en-US" dirty="0" smtClean="0"/>
+            <a:t>游戏账号</a:t>
+          </a:r>
+          <a:endParaRPr lang="zh-CN" altLang="en-US" dirty="0"/>
+        </a:p>
+      </dgm:t>
+    </dgm:pt>
+    <dgm:pt modelId="{2AE6EAEF-AA17-4925-974B-8605CECB1FF6}" type="parTrans" cxnId="{BF4BC627-7F8B-455C-9955-7A219ED812EC}">
       <dgm:prSet/>
       <dgm:spPr/>
       <dgm:t>
         <a:bodyPr/>
+        <a:lstStyle/>
         <a:p>
           <a:endParaRPr lang="zh-CN" altLang="en-US"/>
         </a:p>
       </dgm:t>
     </dgm:pt>
-    <dgm:pt modelId="{05162CEF-0ED0-483E-A0C3-3EE6FC938A4C}" cxnId="{30E1F745-0251-4AD1-BF20-B3AFCC4D5548}" type="sibTrans">
+    <dgm:pt modelId="{7D74775A-CC93-4C6C-8303-1DF793EF4095}" type="sibTrans" cxnId="{BF4BC627-7F8B-455C-9955-7A219ED812EC}">
       <dgm:prSet/>
       <dgm:spPr/>
       <dgm:t>
         <a:bodyPr/>
+        <a:lstStyle/>
         <a:p>
           <a:endParaRPr lang="zh-CN" altLang="en-US"/>
         </a:p>
       </dgm:t>
     </dgm:pt>
-    <dgm:pt modelId="{FEA4C648-AE26-44E3-8030-8A6318A97E0D}">
+    <dgm:pt modelId="{EE83B8A6-63A8-4AB8-96C9-C981E03E509B}">
+      <dgm:prSet phldrT="[文本]"/>
+      <dgm:spPr/>
+      <dgm:t>
+        <a:bodyPr/>
+        <a:lstStyle/>
+        <a:p>
+          <a:r>
+            <a:rPr lang="zh-CN" altLang="en-US" dirty="0" smtClean="0"/>
+            <a:t>测试过程</a:t>
+          </a:r>
+          <a:endParaRPr lang="zh-CN" altLang="en-US" dirty="0"/>
+        </a:p>
+      </dgm:t>
+    </dgm:pt>
+    <dgm:pt modelId="{BCA94159-8B36-4D5D-B20B-BA7C9493A82D}" type="parTrans" cxnId="{CF286CA6-163F-425D-AF24-04AEE5E0EAB1}">
       <dgm:prSet/>
       <dgm:spPr/>
       <dgm:t>
         <a:bodyPr/>
-        <a:p>
-          <a:endParaRPr altLang="en-US"/>
-        </a:p>
-      </dgm:t>
-    </dgm:pt>
-    <dgm:pt modelId="{183A699C-1FE6-4F7F-BEA5-694F9A5FB223}" cxnId="{9A341219-1B25-4123-AF13-50D40ABC0612}" type="parTrans">
-      <dgm:prSet/>
-      <dgm:spPr/>
-    </dgm:pt>
-    <dgm:pt modelId="{F0F01A1D-4ECF-49FD-B5BB-2AF20CDE48D6}" cxnId="{9A341219-1B25-4123-AF13-50D40ABC0612}" type="sibTrans">
-      <dgm:prSet/>
-      <dgm:spPr/>
-    </dgm:pt>
-    <dgm:pt modelId="{0FF6E3F7-391B-475F-A4CD-F3EA4F638F0C}">
-      <dgm:prSet/>
-      <dgm:spPr/>
-      <dgm:t>
-        <a:bodyPr/>
-        <a:p>
-          <a:endParaRPr altLang="en-US"/>
-        </a:p>
-      </dgm:t>
-    </dgm:pt>
-    <dgm:pt modelId="{D766262E-7910-4298-AF39-DDD8B78F588E}" cxnId="{A7B68F58-2E98-4911-9B60-3AD24F600D92}" type="parTrans">
-      <dgm:prSet/>
-      <dgm:spPr/>
-    </dgm:pt>
-    <dgm:pt modelId="{80C5992B-CC70-4950-A7BB-562ED5F8613D}" cxnId="{A7B68F58-2E98-4911-9B60-3AD24F600D92}" type="sibTrans">
-      <dgm:prSet/>
-      <dgm:spPr/>
-    </dgm:pt>
-    <dgm:pt modelId="{4063E92F-EF63-4941-A01A-382F576CE1C0}">
-      <dgm:prSet phldrT="[文本]" phldr="1"/>
-      <dgm:spPr/>
-      <dgm:t>
-        <a:bodyPr/>
+        <a:lstStyle/>
         <a:p>
           <a:endParaRPr lang="zh-CN" altLang="en-US"/>
         </a:p>
       </dgm:t>
     </dgm:pt>
-    <dgm:pt modelId="{A5CA5D61-00C1-4E45-8F42-D1FDF0647EC5}" cxnId="{FD3223E4-158F-491C-B951-81FB507B3F68}" type="parTrans">
+    <dgm:pt modelId="{62CD9C23-AB88-43E6-9BCA-B9D51C1B9CD9}" type="sibTrans" cxnId="{CF286CA6-163F-425D-AF24-04AEE5E0EAB1}">
       <dgm:prSet/>
       <dgm:spPr/>
       <dgm:t>
         <a:bodyPr/>
+        <a:lstStyle/>
         <a:p>
           <a:endParaRPr lang="zh-CN" altLang="en-US"/>
         </a:p>
       </dgm:t>
     </dgm:pt>
-    <dgm:pt modelId="{805FEA0E-556F-4342-BBA0-B0908DC92DA2}" cxnId="{FD3223E4-158F-491C-B951-81FB507B3F68}" type="sibTrans">
+    <dgm:pt modelId="{B4563FB1-53CF-4CF4-873C-3803E0FC285E}">
+      <dgm:prSet phldrT="[文本]"/>
+      <dgm:spPr/>
+      <dgm:t>
+        <a:bodyPr/>
+        <a:lstStyle/>
+        <a:p>
+          <a:r>
+            <a:rPr lang="zh-CN" altLang="en-US" dirty="0" smtClean="0"/>
+            <a:t>收发数据</a:t>
+          </a:r>
+          <a:endParaRPr lang="zh-CN" altLang="en-US" dirty="0"/>
+        </a:p>
+      </dgm:t>
+    </dgm:pt>
+    <dgm:pt modelId="{E3DAA416-1CE2-4302-BD55-E4C5FA60AD3E}" type="parTrans" cxnId="{69149032-8EB4-4580-B024-7AD4C5833224}">
       <dgm:prSet/>
       <dgm:spPr/>
       <dgm:t>
         <a:bodyPr/>
+        <a:lstStyle/>
         <a:p>
           <a:endParaRPr lang="zh-CN" altLang="en-US"/>
         </a:p>
       </dgm:t>
     </dgm:pt>
-    <dgm:pt modelId="{9F90E17E-D5B8-4493-81C7-6BA6A294E0F3}">
-      <dgm:prSet phldrT="[文本]" phldr="1"/>
+    <dgm:pt modelId="{F050EFDB-3D14-4C95-BAC6-30D927384EA7}" type="sibTrans" cxnId="{69149032-8EB4-4580-B024-7AD4C5833224}">
+      <dgm:prSet/>
       <dgm:spPr/>
       <dgm:t>
         <a:bodyPr/>
+        <a:lstStyle/>
         <a:p>
           <a:endParaRPr lang="zh-CN" altLang="en-US"/>
         </a:p>
       </dgm:t>
     </dgm:pt>
-    <dgm:pt modelId="{DA9881DA-8597-4D4C-984B-159444123D63}" cxnId="{B8BDA5CE-CB54-40BB-B202-37EDA7AA6EFC}" type="parTrans">
+    <dgm:pt modelId="{8603B0FA-6F59-439B-91B1-AF4623B2DDEA}">
+      <dgm:prSet phldrT="[文本]"/>
+      <dgm:spPr/>
+      <dgm:t>
+        <a:bodyPr/>
+        <a:lstStyle/>
+        <a:p>
+          <a:r>
+            <a:rPr lang="zh-CN" altLang="en-US" dirty="0" smtClean="0"/>
+            <a:t>测试结果</a:t>
+          </a:r>
+          <a:endParaRPr lang="zh-CN" altLang="en-US" dirty="0"/>
+        </a:p>
+      </dgm:t>
+    </dgm:pt>
+    <dgm:pt modelId="{5EFCC5FF-80FB-45B7-81CA-0321F267A217}" type="parTrans" cxnId="{7CD39A77-1015-48D4-86DE-03296879D31E}">
       <dgm:prSet/>
       <dgm:spPr/>
       <dgm:t>
         <a:bodyPr/>
+        <a:lstStyle/>
         <a:p>
           <a:endParaRPr lang="zh-CN" altLang="en-US"/>
         </a:p>
       </dgm:t>
     </dgm:pt>
-    <dgm:pt modelId="{E43E321E-C2A1-4DAD-9F35-C04C232EC0A3}" cxnId="{B8BDA5CE-CB54-40BB-B202-37EDA7AA6EFC}" type="sibTrans">
+    <dgm:pt modelId="{D4A388F2-366E-454F-B25E-BD84ED6D055C}" type="sibTrans" cxnId="{7CD39A77-1015-48D4-86DE-03296879D31E}">
       <dgm:prSet/>
       <dgm:spPr/>
       <dgm:t>
         <a:bodyPr/>
+        <a:lstStyle/>
         <a:p>
           <a:endParaRPr lang="zh-CN" altLang="en-US"/>
         </a:p>
       </dgm:t>
     </dgm:pt>
-    <dgm:pt modelId="{17FA48D7-57D5-4407-BDCA-3A8744ACC348}">
-      <dgm:prSet phldrT="[文本]" phldr="1"/>
+    <dgm:pt modelId="{6FF6014A-C347-46DF-A5DF-F7AE2C8058E4}">
+      <dgm:prSet phldrT="[文本]"/>
       <dgm:spPr/>
       <dgm:t>
         <a:bodyPr/>
+        <a:lstStyle/>
+        <a:p>
+          <a:r>
+            <a:rPr lang="zh-CN" altLang="en-US" dirty="0" smtClean="0"/>
+            <a:t>测试报告</a:t>
+          </a:r>
+          <a:endParaRPr lang="zh-CN" altLang="en-US" dirty="0"/>
+        </a:p>
+      </dgm:t>
+    </dgm:pt>
+    <dgm:pt modelId="{70FD322A-48C3-4B1F-9A92-B578A934E2DA}" type="parTrans" cxnId="{24788374-ADF1-4A5F-8E19-D2B357E296E7}">
+      <dgm:prSet/>
+      <dgm:spPr/>
+      <dgm:t>
+        <a:bodyPr/>
+        <a:lstStyle/>
         <a:p>
           <a:endParaRPr lang="zh-CN" altLang="en-US"/>
         </a:p>
       </dgm:t>
     </dgm:pt>
-    <dgm:pt modelId="{2A089BA2-5E83-43ED-9D96-11C83CD15C65}" cxnId="{CAEB17AA-4365-4292-8EDB-8628862E7759}" type="parTrans">
+    <dgm:pt modelId="{50F36ACD-B390-4521-9EB9-DBD09B24342B}" type="sibTrans" cxnId="{24788374-ADF1-4A5F-8E19-D2B357E296E7}">
       <dgm:prSet/>
       <dgm:spPr/>
       <dgm:t>
         <a:bodyPr/>
+        <a:lstStyle/>
         <a:p>
           <a:endParaRPr lang="zh-CN" altLang="en-US"/>
         </a:p>
       </dgm:t>
     </dgm:pt>
-    <dgm:pt modelId="{4383F0BC-0D83-48CE-B1F6-711566ABE98F}" cxnId="{CAEB17AA-4365-4292-8EDB-8628862E7759}" type="sibTrans">
+    <dgm:pt modelId="{EA23282B-011D-47FB-97FA-06F233B06110}">
+      <dgm:prSet phldrT="[文本]"/>
+      <dgm:spPr/>
+      <dgm:t>
+        <a:bodyPr/>
+        <a:lstStyle/>
+        <a:p>
+          <a:r>
+            <a:rPr lang="zh-CN" altLang="en-US" dirty="0" smtClean="0"/>
+            <a:t>数据验证</a:t>
+          </a:r>
+          <a:endParaRPr lang="zh-CN" altLang="en-US" dirty="0"/>
+        </a:p>
+      </dgm:t>
+    </dgm:pt>
+    <dgm:pt modelId="{C3B7397D-0C12-4F4A-B995-A4FB145A6039}" type="parTrans" cxnId="{6BF48E2F-154B-401B-85B1-642AA36769AA}">
       <dgm:prSet/>
       <dgm:spPr/>
       <dgm:t>
         <a:bodyPr/>
+        <a:lstStyle/>
         <a:p>
           <a:endParaRPr lang="zh-CN" altLang="en-US"/>
         </a:p>
       </dgm:t>
     </dgm:pt>
-    <dgm:pt modelId="{60A5E316-DBCD-46FA-A96F-5F85A99184D7}">
-      <dgm:prSet phldrT="[文本]" phldr="1"/>
+    <dgm:pt modelId="{C17A5EA8-E74F-40DE-A7FB-9024D9E14908}" type="sibTrans" cxnId="{6BF48E2F-154B-401B-85B1-642AA36769AA}">
+      <dgm:prSet/>
       <dgm:spPr/>
       <dgm:t>
         <a:bodyPr/>
+        <a:lstStyle/>
         <a:p>
           <a:endParaRPr lang="zh-CN" altLang="en-US"/>
         </a:p>
       </dgm:t>
     </dgm:pt>
-    <dgm:pt modelId="{F0E5B90A-FF5C-4AA9-B7DF-2EDF2654CFB9}" cxnId="{98448F52-5679-4EAB-8446-D036B4E14D7D}" type="parTrans">
+    <dgm:pt modelId="{8551CA77-D605-4A46-B10C-2D98D1CC0394}">
+      <dgm:prSet phldrT="[文本]"/>
+      <dgm:spPr/>
+      <dgm:t>
+        <a:bodyPr/>
+        <a:lstStyle/>
+        <a:p>
+          <a:r>
+            <a:rPr lang="zh-CN" altLang="en-US" dirty="0" smtClean="0"/>
+            <a:t>日志记录</a:t>
+          </a:r>
+          <a:endParaRPr lang="zh-CN" altLang="en-US" dirty="0"/>
+        </a:p>
+      </dgm:t>
+    </dgm:pt>
+    <dgm:pt modelId="{A4CC2FDD-8482-47BF-A91A-303EFA490A9D}" type="parTrans" cxnId="{84BF758A-A7D3-4AA7-97CF-1580A719F6C6}">
       <dgm:prSet/>
       <dgm:spPr/>
       <dgm:t>
         <a:bodyPr/>
+        <a:lstStyle/>
         <a:p>
           <a:endParaRPr lang="zh-CN" altLang="en-US"/>
         </a:p>
       </dgm:t>
     </dgm:pt>
-    <dgm:pt modelId="{B0B06B31-636B-447E-A647-C07BB9602269}" cxnId="{98448F52-5679-4EAB-8446-D036B4E14D7D}" type="sibTrans">
+    <dgm:pt modelId="{1CAD78EA-CB2E-4900-9439-C3D47564FAE3}" type="sibTrans" cxnId="{84BF758A-A7D3-4AA7-97CF-1580A719F6C6}">
       <dgm:prSet/>
       <dgm:spPr/>
       <dgm:t>
         <a:bodyPr/>
+        <a:lstStyle/>
         <a:p>
           <a:endParaRPr lang="zh-CN" altLang="en-US"/>
         </a:p>
       </dgm:t>
     </dgm:pt>
-    <dgm:pt modelId="{F3555292-3C89-4C4F-B4D0-0FA2ACFFACE8}" type="pres">
-      <dgm:prSet presAssocID="{D9D7BF96-BE9E-46E2-8D55-6E8BDDC32DAE}" presName="linearFlow" presStyleCnt="0">
+    <dgm:pt modelId="{8D0B5F32-5505-4F65-A579-176547FF8A9D}" type="pres">
+      <dgm:prSet presAssocID="{C8513803-878D-4031-8FAA-6578F423B7BF}" presName="Name0" presStyleCnt="0">
         <dgm:presLayoutVars>
+          <dgm:chPref val="1"/>
           <dgm:dir/>
+          <dgm:animOne val="branch"/>
           <dgm:animLvl val="lvl"/>
-          <dgm:resizeHandles val="exact"/>
+          <dgm:resizeHandles/>
         </dgm:presLayoutVars>
       </dgm:prSet>
       <dgm:spPr/>
     </dgm:pt>
-    <dgm:pt modelId="{79D35C4A-2DDE-4255-A36A-ADCDCA47CC6C}" type="pres">
-      <dgm:prSet presAssocID="{AC6B50A2-A719-40F2-A025-D428F4ED7AF7}" presName="composite" presStyleCnt="0"/>
+    <dgm:pt modelId="{F7976CE6-B912-4932-9062-8BBB5A1CC600}" type="pres">
+      <dgm:prSet presAssocID="{8CA7BF02-4ADE-426E-8CD1-F1ADC3C7113B}" presName="vertOne" presStyleCnt="0"/>
       <dgm:spPr/>
     </dgm:pt>
-    <dgm:pt modelId="{B86100E6-FA30-4C22-BB39-BB56D8302BB8}" type="pres">
-      <dgm:prSet presAssocID="{AC6B50A2-A719-40F2-A025-D428F4ED7AF7}" presName="parTx" presStyleCnt="0">
+    <dgm:pt modelId="{D6A0A599-9F35-4ACA-A29E-B5BACF0D67DC}" type="pres">
+      <dgm:prSet presAssocID="{8CA7BF02-4ADE-426E-8CD1-F1ADC3C7113B}" presName="txOne" presStyleLbl="node0" presStyleIdx="0" presStyleCnt="1">
         <dgm:presLayoutVars>
-          <dgm:chMax val="0"/>
-          <dgm:chPref val="0"/>
-          <dgm:bulletEnabled val="1"/>
+          <dgm:chPref val="3"/>
+        </dgm:presLayoutVars>
+      </dgm:prSet>
+      <dgm:spPr/>
+      <dgm:t>
+        <a:bodyPr/>
+        <a:lstStyle/>
+        <a:p>
+          <a:endParaRPr lang="zh-CN" altLang="en-US"/>
+        </a:p>
+      </dgm:t>
+    </dgm:pt>
+    <dgm:pt modelId="{34C25E86-5B05-49AE-8B50-DFD0528C8051}" type="pres">
+      <dgm:prSet presAssocID="{8CA7BF02-4ADE-426E-8CD1-F1ADC3C7113B}" presName="parTransOne" presStyleCnt="0"/>
+      <dgm:spPr/>
+    </dgm:pt>
+    <dgm:pt modelId="{5D77ED90-7BFE-4465-98D6-02B78EB7001E}" type="pres">
+      <dgm:prSet presAssocID="{8CA7BF02-4ADE-426E-8CD1-F1ADC3C7113B}" presName="horzOne" presStyleCnt="0"/>
+      <dgm:spPr/>
+    </dgm:pt>
+    <dgm:pt modelId="{6D0A435C-92FE-4C6E-A2B3-32161069A1AA}" type="pres">
+      <dgm:prSet presAssocID="{A20A9437-1BE0-40B6-8D84-195F33A9BDB1}" presName="vertTwo" presStyleCnt="0"/>
+      <dgm:spPr/>
+    </dgm:pt>
+    <dgm:pt modelId="{88762BC2-CE17-4296-8D69-627F1CC6B320}" type="pres">
+      <dgm:prSet presAssocID="{A20A9437-1BE0-40B6-8D84-195F33A9BDB1}" presName="txTwo" presStyleLbl="node2" presStyleIdx="0" presStyleCnt="3">
+        <dgm:presLayoutVars>
+          <dgm:chPref val="3"/>
         </dgm:presLayoutVars>
       </dgm:prSet>
       <dgm:spPr/>
     </dgm:pt>
-    <dgm:pt modelId="{E74B0135-3D37-42AD-9C7C-5E6A5C184B2C}" type="pres">
-      <dgm:prSet presAssocID="{AC6B50A2-A719-40F2-A025-D428F4ED7AF7}" presName="parSh" presStyleLbl="node1" presStyleIdx="0" presStyleCnt="5"/>
+    <dgm:pt modelId="{092D3639-6678-497B-8B46-863E03F24DDA}" type="pres">
+      <dgm:prSet presAssocID="{A20A9437-1BE0-40B6-8D84-195F33A9BDB1}" presName="parTransTwo" presStyleCnt="0"/>
       <dgm:spPr/>
     </dgm:pt>
-    <dgm:pt modelId="{001A35F5-21FE-42CC-AB17-5CF1D5339814}" type="pres">
-      <dgm:prSet presAssocID="{AC6B50A2-A719-40F2-A025-D428F4ED7AF7}" presName="desTx" presStyleLbl="fgAcc1" presStyleIdx="0" presStyleCnt="5">
+    <dgm:pt modelId="{E9873186-2F25-4A3A-864F-BA4F87D91EEB}" type="pres">
+      <dgm:prSet presAssocID="{A20A9437-1BE0-40B6-8D84-195F33A9BDB1}" presName="horzTwo" presStyleCnt="0"/>
+      <dgm:spPr/>
+    </dgm:pt>
+    <dgm:pt modelId="{A9AEB5F1-F1DF-4619-971B-E5233140FBB9}" type="pres">
+      <dgm:prSet presAssocID="{7B60E03B-6426-4478-BB80-8B23E44A820D}" presName="vertThree" presStyleCnt="0"/>
+      <dgm:spPr/>
+    </dgm:pt>
+    <dgm:pt modelId="{55E92CA7-EEFB-4CA4-AF8F-3F562BE9164F}" type="pres">
+      <dgm:prSet presAssocID="{7B60E03B-6426-4478-BB80-8B23E44A820D}" presName="txThree" presStyleLbl="node3" presStyleIdx="0" presStyleCnt="5">
         <dgm:presLayoutVars>
-          <dgm:bulletEnabled val="1"/>
+          <dgm:chPref val="3"/>
         </dgm:presLayoutVars>
       </dgm:prSet>
       <dgm:spPr/>
     </dgm:pt>
-    <dgm:pt modelId="{B6B4705E-C06A-4375-BD9F-C3441DAF21BE}" type="pres">
-      <dgm:prSet presAssocID="{90A52E01-7D27-4B54-9739-4258B1F7A655}" presName="sibTrans" presStyleLbl="sibTrans2D1" presStyleIdx="0" presStyleCnt="4"/>
+    <dgm:pt modelId="{A017BA8B-6EAD-4BEE-B204-2940B4CE77AB}" type="pres">
+      <dgm:prSet presAssocID="{7B60E03B-6426-4478-BB80-8B23E44A820D}" presName="horzThree" presStyleCnt="0"/>
       <dgm:spPr/>
     </dgm:pt>
-    <dgm:pt modelId="{ED62B532-DB81-4F8C-8542-7A394D40EFE0}" type="pres">
-      <dgm:prSet presAssocID="{90A52E01-7D27-4B54-9739-4258B1F7A655}" presName="connTx" presStyleCnt="0"/>
+    <dgm:pt modelId="{CBFA8BEA-FE6F-4535-92A5-BDA1ECF268A2}" type="pres">
+      <dgm:prSet presAssocID="{1F4F28A0-3B6E-490E-8179-BB0AF3514293}" presName="sibSpaceTwo" presStyleCnt="0"/>
       <dgm:spPr/>
     </dgm:pt>
-    <dgm:pt modelId="{77936D2B-F822-4CF4-B3B7-1F68E98413EB}" type="pres">
-      <dgm:prSet presAssocID="{FEA4C648-AE26-44E3-8030-8A6318A97E0D}" presName="composite" presStyleCnt="0"/>
+    <dgm:pt modelId="{DE379510-A400-4A74-8033-10A9FDF87D57}" type="pres">
+      <dgm:prSet presAssocID="{EE83B8A6-63A8-4AB8-96C9-C981E03E509B}" presName="vertTwo" presStyleCnt="0"/>
       <dgm:spPr/>
     </dgm:pt>
-    <dgm:pt modelId="{6E36B0E0-5FA2-4B4B-8D8C-172BAF32CF88}" type="pres">
-      <dgm:prSet presAssocID="{FEA4C648-AE26-44E3-8030-8A6318A97E0D}" presName="parTx" presStyleCnt="0">
+    <dgm:pt modelId="{D4A7A214-7C50-41E2-A93E-3EE3B47B079E}" type="pres">
+      <dgm:prSet presAssocID="{EE83B8A6-63A8-4AB8-96C9-C981E03E509B}" presName="txTwo" presStyleLbl="node2" presStyleIdx="1" presStyleCnt="3">
         <dgm:presLayoutVars>
-          <dgm:chMax val="0"/>
-          <dgm:chPref val="0"/>
-          <dgm:bulletEnabled val="1"/>
+          <dgm:chPref val="3"/>
         </dgm:presLayoutVars>
       </dgm:prSet>
       <dgm:spPr/>
     </dgm:pt>
-    <dgm:pt modelId="{20A85413-374F-4D92-A239-7120C71CE18B}" type="pres">
-      <dgm:prSet presAssocID="{FEA4C648-AE26-44E3-8030-8A6318A97E0D}" presName="parSh" presStyleLbl="node1" presStyleIdx="1" presStyleCnt="5"/>
+    <dgm:pt modelId="{877D592D-086C-4FC9-B9DD-717CAC495BE0}" type="pres">
+      <dgm:prSet presAssocID="{EE83B8A6-63A8-4AB8-96C9-C981E03E509B}" presName="parTransTwo" presStyleCnt="0"/>
       <dgm:spPr/>
     </dgm:pt>
-    <dgm:pt modelId="{9833AEF3-844F-474A-B479-91C89ACE8135}" type="pres">
-      <dgm:prSet presAssocID="{FEA4C648-AE26-44E3-8030-8A6318A97E0D}" presName="desTx" presStyleLbl="fgAcc1" presStyleIdx="1" presStyleCnt="5">
+    <dgm:pt modelId="{DF62FA19-3631-41A2-9166-641CBA65F0BB}" type="pres">
+      <dgm:prSet presAssocID="{EE83B8A6-63A8-4AB8-96C9-C981E03E509B}" presName="horzTwo" presStyleCnt="0"/>
+      <dgm:spPr/>
+    </dgm:pt>
+    <dgm:pt modelId="{03E584EF-640B-44F4-BE96-37EBD4BE7F57}" type="pres">
+      <dgm:prSet presAssocID="{B4563FB1-53CF-4CF4-873C-3803E0FC285E}" presName="vertThree" presStyleCnt="0"/>
+      <dgm:spPr/>
+    </dgm:pt>
+    <dgm:pt modelId="{DD6CCC0D-2465-40EF-8237-4B98B4358EB6}" type="pres">
+      <dgm:prSet presAssocID="{B4563FB1-53CF-4CF4-873C-3803E0FC285E}" presName="txThree" presStyleLbl="node3" presStyleIdx="1" presStyleCnt="5">
         <dgm:presLayoutVars>
-          <dgm:bulletEnabled val="1"/>
+          <dgm:chPref val="3"/>
+        </dgm:presLayoutVars>
+      </dgm:prSet>
+      <dgm:spPr/>
+      <dgm:t>
+        <a:bodyPr/>
+        <a:lstStyle/>
+        <a:p>
+          <a:endParaRPr lang="zh-CN" altLang="en-US"/>
+        </a:p>
+      </dgm:t>
+    </dgm:pt>
+    <dgm:pt modelId="{8986A7A8-B8D4-4051-BB1C-1A70FC4591CD}" type="pres">
+      <dgm:prSet presAssocID="{B4563FB1-53CF-4CF4-873C-3803E0FC285E}" presName="horzThree" presStyleCnt="0"/>
+      <dgm:spPr/>
+    </dgm:pt>
+    <dgm:pt modelId="{E8A9A4A8-B5E2-41D5-9089-9AD2C0396529}" type="pres">
+      <dgm:prSet presAssocID="{F050EFDB-3D14-4C95-BAC6-30D927384EA7}" presName="sibSpaceThree" presStyleCnt="0"/>
+      <dgm:spPr/>
+    </dgm:pt>
+    <dgm:pt modelId="{10CAC278-B704-4B36-BB25-5D84894B048D}" type="pres">
+      <dgm:prSet presAssocID="{EA23282B-011D-47FB-97FA-06F233B06110}" presName="vertThree" presStyleCnt="0"/>
+      <dgm:spPr/>
+    </dgm:pt>
+    <dgm:pt modelId="{E1D191CF-7B2A-4E81-8F9B-57C1DF678934}" type="pres">
+      <dgm:prSet presAssocID="{EA23282B-011D-47FB-97FA-06F233B06110}" presName="txThree" presStyleLbl="node3" presStyleIdx="2" presStyleCnt="5">
+        <dgm:presLayoutVars>
+          <dgm:chPref val="3"/>
         </dgm:presLayoutVars>
       </dgm:prSet>
       <dgm:spPr/>
     </dgm:pt>
-    <dgm:pt modelId="{4017AD73-4953-4B56-B4E2-5D84909840A5}" type="pres">
-      <dgm:prSet presAssocID="{F0F01A1D-4ECF-49FD-B5BB-2AF20CDE48D6}" presName="sibTrans" presStyleLbl="sibTrans2D1" presStyleIdx="1" presStyleCnt="4"/>
+    <dgm:pt modelId="{3EC9291C-2610-4320-9975-FEB569A380FF}" type="pres">
+      <dgm:prSet presAssocID="{EA23282B-011D-47FB-97FA-06F233B06110}" presName="horzThree" presStyleCnt="0"/>
       <dgm:spPr/>
     </dgm:pt>
-    <dgm:pt modelId="{82B65FD7-D5E2-48A9-AE65-CCFF26922388}" type="pres">
-      <dgm:prSet presAssocID="{F0F01A1D-4ECF-49FD-B5BB-2AF20CDE48D6}" presName="connTx" presStyleCnt="0"/>
+    <dgm:pt modelId="{632F0D95-1FBD-4E0B-B851-04DC07E3571D}" type="pres">
+      <dgm:prSet presAssocID="{C17A5EA8-E74F-40DE-A7FB-9024D9E14908}" presName="sibSpaceThree" presStyleCnt="0"/>
       <dgm:spPr/>
     </dgm:pt>
-    <dgm:pt modelId="{18AC7C55-1CDC-4D68-AD99-9BB4A09A2A3B}" type="pres">
-      <dgm:prSet presAssocID="{0FF6E3F7-391B-475F-A4CD-F3EA4F638F0C}" presName="composite" presStyleCnt="0"/>
+    <dgm:pt modelId="{2489600F-E7C6-49F7-802C-A03A868E76AA}" type="pres">
+      <dgm:prSet presAssocID="{8551CA77-D605-4A46-B10C-2D98D1CC0394}" presName="vertThree" presStyleCnt="0"/>
       <dgm:spPr/>
     </dgm:pt>
-    <dgm:pt modelId="{51DEFA8D-339C-431C-9A60-2DA3C0EB7865}" type="pres">
-      <dgm:prSet presAssocID="{0FF6E3F7-391B-475F-A4CD-F3EA4F638F0C}" presName="parTx" presStyleCnt="0">
+    <dgm:pt modelId="{733A17C4-8762-4DF8-9419-4F74CB5818D4}" type="pres">
+      <dgm:prSet presAssocID="{8551CA77-D605-4A46-B10C-2D98D1CC0394}" presName="txThree" presStyleLbl="node3" presStyleIdx="3" presStyleCnt="5">
         <dgm:presLayoutVars>
-          <dgm:chMax val="0"/>
-          <dgm:chPref val="0"/>
-          <dgm:bulletEnabled val="1"/>
+          <dgm:chPref val="3"/>
+        </dgm:presLayoutVars>
+      </dgm:prSet>
+      <dgm:spPr/>
+      <dgm:t>
+        <a:bodyPr/>
+        <a:lstStyle/>
+        <a:p>
+          <a:endParaRPr lang="zh-CN" altLang="en-US"/>
+        </a:p>
+      </dgm:t>
+    </dgm:pt>
+    <dgm:pt modelId="{1D9AE1CD-DEE0-47A8-B0AA-46AB9FE171BA}" type="pres">
+      <dgm:prSet presAssocID="{8551CA77-D605-4A46-B10C-2D98D1CC0394}" presName="horzThree" presStyleCnt="0"/>
+      <dgm:spPr/>
+    </dgm:pt>
+    <dgm:pt modelId="{939CE7C4-CB35-441C-995E-49902D17DA6C}" type="pres">
+      <dgm:prSet presAssocID="{62CD9C23-AB88-43E6-9BCA-B9D51C1B9CD9}" presName="sibSpaceTwo" presStyleCnt="0"/>
+      <dgm:spPr/>
+    </dgm:pt>
+    <dgm:pt modelId="{323D5E4C-D458-4D2C-8626-88C47DA85D7D}" type="pres">
+      <dgm:prSet presAssocID="{8603B0FA-6F59-439B-91B1-AF4623B2DDEA}" presName="vertTwo" presStyleCnt="0"/>
+      <dgm:spPr/>
+    </dgm:pt>
+    <dgm:pt modelId="{EB0E2488-FA8B-44A4-B3AD-61E4BE0CBBE1}" type="pres">
+      <dgm:prSet presAssocID="{8603B0FA-6F59-439B-91B1-AF4623B2DDEA}" presName="txTwo" presStyleLbl="node2" presStyleIdx="2" presStyleCnt="3">
+        <dgm:presLayoutVars>
+          <dgm:chPref val="3"/>
         </dgm:presLayoutVars>
       </dgm:prSet>
       <dgm:spPr/>
     </dgm:pt>
-    <dgm:pt modelId="{042C6248-CE99-4BA6-9E51-916D6C326D82}" type="pres">
-      <dgm:prSet presAssocID="{0FF6E3F7-391B-475F-A4CD-F3EA4F638F0C}" presName="parSh" presStyleLbl="node1" presStyleIdx="2" presStyleCnt="5"/>
+    <dgm:pt modelId="{CFF188F0-D8E0-48DE-9DB9-5E0D10123429}" type="pres">
+      <dgm:prSet presAssocID="{8603B0FA-6F59-439B-91B1-AF4623B2DDEA}" presName="parTransTwo" presStyleCnt="0"/>
       <dgm:spPr/>
     </dgm:pt>
-    <dgm:pt modelId="{65E624B5-1EC2-4B65-8B9C-D4056951DD37}" type="pres">
-      <dgm:prSet presAssocID="{0FF6E3F7-391B-475F-A4CD-F3EA4F638F0C}" presName="desTx" presStyleLbl="fgAcc1" presStyleIdx="2" presStyleCnt="5">
+    <dgm:pt modelId="{A2DFA67B-BDF5-460F-A33E-E0C4B1CBB08A}" type="pres">
+      <dgm:prSet presAssocID="{8603B0FA-6F59-439B-91B1-AF4623B2DDEA}" presName="horzTwo" presStyleCnt="0"/>
+      <dgm:spPr/>
+    </dgm:pt>
+    <dgm:pt modelId="{96C168F2-0368-4FD5-B70F-4CA47BCD8B6A}" type="pres">
+      <dgm:prSet presAssocID="{6FF6014A-C347-46DF-A5DF-F7AE2C8058E4}" presName="vertThree" presStyleCnt="0"/>
+      <dgm:spPr/>
+    </dgm:pt>
+    <dgm:pt modelId="{E32B45D9-A9C4-4E8D-9BD0-04E8CD541A40}" type="pres">
+      <dgm:prSet presAssocID="{6FF6014A-C347-46DF-A5DF-F7AE2C8058E4}" presName="txThree" presStyleLbl="node3" presStyleIdx="4" presStyleCnt="5">
         <dgm:presLayoutVars>
-          <dgm:bulletEnabled val="1"/>
+          <dgm:chPref val="3"/>
         </dgm:presLayoutVars>
       </dgm:prSet>
       <dgm:spPr/>
+      <dgm:t>
+        <a:bodyPr/>
+        <a:lstStyle/>
+        <a:p>
+          <a:endParaRPr lang="zh-CN" altLang="en-US"/>
+        </a:p>
+      </dgm:t>
     </dgm:pt>
-    <dgm:pt modelId="{58274EFC-9E5F-49BA-8F2E-4ACC8DD1481D}" type="pres">
-      <dgm:prSet presAssocID="{80C5992B-CC70-4950-A7BB-562ED5F8613D}" presName="sibTrans" presStyleLbl="sibTrans2D1" presStyleIdx="2" presStyleCnt="4"/>
-      <dgm:spPr/>
-    </dgm:pt>
-    <dgm:pt modelId="{5E5292D6-53AC-4AC8-A009-0FD87AC64CD6}" type="pres">
-      <dgm:prSet presAssocID="{80C5992B-CC70-4950-A7BB-562ED5F8613D}" presName="connTx" presStyleCnt="0"/>
-      <dgm:spPr/>
-    </dgm:pt>
-    <dgm:pt modelId="{67D84011-3E5C-4961-AC6D-73EE4C0D9D9E}" type="pres">
-      <dgm:prSet presAssocID="{4063E92F-EF63-4941-A01A-382F576CE1C0}" presName="composite" presStyleCnt="0"/>
-      <dgm:spPr/>
-    </dgm:pt>
-    <dgm:pt modelId="{94A44E30-95D2-471A-A75E-32D090A8680F}" type="pres">
-      <dgm:prSet presAssocID="{4063E92F-EF63-4941-A01A-382F576CE1C0}" presName="parTx" presStyleCnt="0">
-        <dgm:presLayoutVars>
-          <dgm:chMax val="0"/>
-          <dgm:chPref val="0"/>
-          <dgm:bulletEnabled val="1"/>
-        </dgm:presLayoutVars>
-      </dgm:prSet>
-      <dgm:spPr/>
-    </dgm:pt>
-    <dgm:pt modelId="{BC9164B6-8CF0-4879-A265-B22456BE4CF2}" type="pres">
-      <dgm:prSet presAssocID="{4063E92F-EF63-4941-A01A-382F576CE1C0}" presName="parSh" presStyleLbl="node1" presStyleIdx="3" presStyleCnt="5"/>
-      <dgm:spPr/>
-    </dgm:pt>
-    <dgm:pt modelId="{178AD051-CF63-4F1B-9A8E-BC50021CDB7D}" type="pres">
-      <dgm:prSet presAssocID="{4063E92F-EF63-4941-A01A-382F576CE1C0}" presName="desTx" presStyleLbl="fgAcc1" presStyleIdx="3" presStyleCnt="5">
-        <dgm:presLayoutVars>
-          <dgm:bulletEnabled val="1"/>
-        </dgm:presLayoutVars>
-      </dgm:prSet>
-      <dgm:spPr/>
-    </dgm:pt>
-    <dgm:pt modelId="{0399D8D5-1252-4D85-9101-B99A296595E1}" type="pres">
-      <dgm:prSet presAssocID="{805FEA0E-556F-4342-BBA0-B0908DC92DA2}" presName="sibTrans" presStyleLbl="sibTrans2D1" presStyleIdx="3" presStyleCnt="4"/>
-      <dgm:spPr/>
-    </dgm:pt>
-    <dgm:pt modelId="{BCFE3D79-E4D8-4EBE-AED5-0EB76B28E72B}" type="pres">
-      <dgm:prSet presAssocID="{805FEA0E-556F-4342-BBA0-B0908DC92DA2}" presName="connTx" presStyleCnt="0"/>
-      <dgm:spPr/>
-    </dgm:pt>
-    <dgm:pt modelId="{6724A8C1-637F-4638-A7B5-5DD808170576}" type="pres">
-      <dgm:prSet presAssocID="{17FA48D7-57D5-4407-BDCA-3A8744ACC348}" presName="composite" presStyleCnt="0"/>
-      <dgm:spPr/>
-    </dgm:pt>
-    <dgm:pt modelId="{EC30A750-D082-471F-8BF1-F23E72F32805}" type="pres">
-      <dgm:prSet presAssocID="{17FA48D7-57D5-4407-BDCA-3A8744ACC348}" presName="parTx" presStyleCnt="0">
-        <dgm:presLayoutVars>
-          <dgm:chMax val="0"/>
-          <dgm:chPref val="0"/>
-          <dgm:bulletEnabled val="1"/>
-        </dgm:presLayoutVars>
-      </dgm:prSet>
-      <dgm:spPr/>
-    </dgm:pt>
-    <dgm:pt modelId="{11B51A25-BC1E-4A01-8D9E-AE2F8BBE02A0}" type="pres">
-      <dgm:prSet presAssocID="{17FA48D7-57D5-4407-BDCA-3A8744ACC348}" presName="parSh" presStyleLbl="node1" presStyleIdx="4" presStyleCnt="5"/>
-      <dgm:spPr/>
-    </dgm:pt>
-    <dgm:pt modelId="{A049FDA1-9B71-4C54-9B2E-EB8FFCDFB2F4}" type="pres">
-      <dgm:prSet presAssocID="{17FA48D7-57D5-4407-BDCA-3A8744ACC348}" presName="desTx" presStyleLbl="fgAcc1" presStyleIdx="4" presStyleCnt="5">
-        <dgm:presLayoutVars>
-          <dgm:bulletEnabled val="1"/>
-        </dgm:presLayoutVars>
-      </dgm:prSet>
+    <dgm:pt modelId="{F8F342F2-9AD5-4960-A74E-A8DDFDEDE547}" type="pres">
+      <dgm:prSet presAssocID="{6FF6014A-C347-46DF-A5DF-F7AE2C8058E4}" presName="horzThree" presStyleCnt="0"/>
       <dgm:spPr/>
     </dgm:pt>
   </dgm:ptLst>
   <dgm:cxnLst>
-    <dgm:cxn modelId="{C7F5FCA3-65B4-44C8-B7EC-6822646773B3}" srcId="{D9D7BF96-BE9E-46E2-8D55-6E8BDDC32DAE}" destId="{AC6B50A2-A719-40F2-A025-D428F4ED7AF7}" srcOrd="0" destOrd="0" parTransId="{CA8D0332-16E7-482E-9342-B84A5B6AB1E4}" sibTransId="{90A52E01-7D27-4B54-9739-4258B1F7A655}"/>
-    <dgm:cxn modelId="{30E1F745-0251-4AD1-BF20-B3AFCC4D5548}" srcId="{AC6B50A2-A719-40F2-A025-D428F4ED7AF7}" destId="{65F927D4-D7F1-4982-AC1F-B5F18269B929}" srcOrd="0" destOrd="0" parTransId="{C9B16F22-83D1-4297-A902-69664AD8C3E2}" sibTransId="{05162CEF-0ED0-483E-A0C3-3EE6FC938A4C}"/>
-    <dgm:cxn modelId="{9A341219-1B25-4123-AF13-50D40ABC0612}" srcId="{D9D7BF96-BE9E-46E2-8D55-6E8BDDC32DAE}" destId="{FEA4C648-AE26-44E3-8030-8A6318A97E0D}" srcOrd="1" destOrd="0" parTransId="{183A699C-1FE6-4F7F-BEA5-694F9A5FB223}" sibTransId="{F0F01A1D-4ECF-49FD-B5BB-2AF20CDE48D6}"/>
-    <dgm:cxn modelId="{A7B68F58-2E98-4911-9B60-3AD24F600D92}" srcId="{D9D7BF96-BE9E-46E2-8D55-6E8BDDC32DAE}" destId="{0FF6E3F7-391B-475F-A4CD-F3EA4F638F0C}" srcOrd="2" destOrd="0" parTransId="{D766262E-7910-4298-AF39-DDD8B78F588E}" sibTransId="{80C5992B-CC70-4950-A7BB-562ED5F8613D}"/>
-    <dgm:cxn modelId="{FD3223E4-158F-491C-B951-81FB507B3F68}" srcId="{D9D7BF96-BE9E-46E2-8D55-6E8BDDC32DAE}" destId="{4063E92F-EF63-4941-A01A-382F576CE1C0}" srcOrd="3" destOrd="0" parTransId="{A5CA5D61-00C1-4E45-8F42-D1FDF0647EC5}" sibTransId="{805FEA0E-556F-4342-BBA0-B0908DC92DA2}"/>
-    <dgm:cxn modelId="{B8BDA5CE-CB54-40BB-B202-37EDA7AA6EFC}" srcId="{4063E92F-EF63-4941-A01A-382F576CE1C0}" destId="{9F90E17E-D5B8-4493-81C7-6BA6A294E0F3}" srcOrd="0" destOrd="3" parTransId="{DA9881DA-8597-4D4C-984B-159444123D63}" sibTransId="{E43E321E-C2A1-4DAD-9F35-C04C232EC0A3}"/>
-    <dgm:cxn modelId="{CAEB17AA-4365-4292-8EDB-8628862E7759}" srcId="{D9D7BF96-BE9E-46E2-8D55-6E8BDDC32DAE}" destId="{17FA48D7-57D5-4407-BDCA-3A8744ACC348}" srcOrd="4" destOrd="0" parTransId="{2A089BA2-5E83-43ED-9D96-11C83CD15C65}" sibTransId="{4383F0BC-0D83-48CE-B1F6-711566ABE98F}"/>
-    <dgm:cxn modelId="{98448F52-5679-4EAB-8446-D036B4E14D7D}" srcId="{17FA48D7-57D5-4407-BDCA-3A8744ACC348}" destId="{60A5E316-DBCD-46FA-A96F-5F85A99184D7}" srcOrd="0" destOrd="4" parTransId="{F0E5B90A-FF5C-4AA9-B7DF-2EDF2654CFB9}" sibTransId="{B0B06B31-636B-447E-A647-C07BB9602269}"/>
-    <dgm:cxn modelId="{9995ED8B-92E7-4741-A26E-9A2E6BEE1E85}" type="presOf" srcId="{D9D7BF96-BE9E-46E2-8D55-6E8BDDC32DAE}" destId="{F3555292-3C89-4C4F-B4D0-0FA2ACFFACE8}" srcOrd="0" destOrd="0" presId="urn:microsoft.com/office/officeart/2005/8/layout/process3"/>
-    <dgm:cxn modelId="{0BEC8ACD-B1FC-4917-B276-25816433434E}" type="presParOf" srcId="{F3555292-3C89-4C4F-B4D0-0FA2ACFFACE8}" destId="{79D35C4A-2DDE-4255-A36A-ADCDCA47CC6C}" srcOrd="0" destOrd="0" presId="urn:microsoft.com/office/officeart/2005/8/layout/process3"/>
-    <dgm:cxn modelId="{4DF5C736-13CB-484D-930B-3A731B82E515}" type="presParOf" srcId="{79D35C4A-2DDE-4255-A36A-ADCDCA47CC6C}" destId="{B86100E6-FA30-4C22-BB39-BB56D8302BB8}" srcOrd="0" destOrd="0" presId="urn:microsoft.com/office/officeart/2005/8/layout/process3"/>
-    <dgm:cxn modelId="{BE3B58B4-356C-4118-8693-3B1D0881971F}" type="presOf" srcId="{AC6B50A2-A719-40F2-A025-D428F4ED7AF7}" destId="{B86100E6-FA30-4C22-BB39-BB56D8302BB8}" srcOrd="1" destOrd="0" presId="urn:microsoft.com/office/officeart/2005/8/layout/process3"/>
-    <dgm:cxn modelId="{B4EDE5D8-6CA0-424F-A004-6ABBEEB6A895}" type="presParOf" srcId="{79D35C4A-2DDE-4255-A36A-ADCDCA47CC6C}" destId="{E74B0135-3D37-42AD-9C7C-5E6A5C184B2C}" srcOrd="1" destOrd="0" presId="urn:microsoft.com/office/officeart/2005/8/layout/process3"/>
-    <dgm:cxn modelId="{9FBA0B78-8FFC-4CAD-B703-6E8F9D1F1B43}" type="presOf" srcId="{AC6B50A2-A719-40F2-A025-D428F4ED7AF7}" destId="{E74B0135-3D37-42AD-9C7C-5E6A5C184B2C}" srcOrd="0" destOrd="0" presId="urn:microsoft.com/office/officeart/2005/8/layout/process3"/>
-    <dgm:cxn modelId="{0C29DBCA-AB00-43DE-89AA-69CCEC4BC866}" type="presParOf" srcId="{79D35C4A-2DDE-4255-A36A-ADCDCA47CC6C}" destId="{001A35F5-21FE-42CC-AB17-5CF1D5339814}" srcOrd="2" destOrd="0" presId="urn:microsoft.com/office/officeart/2005/8/layout/process3"/>
-    <dgm:cxn modelId="{46CC5952-5DB9-440F-B0B2-B85533CBA59B}" type="presOf" srcId="{65F927D4-D7F1-4982-AC1F-B5F18269B929}" destId="{001A35F5-21FE-42CC-AB17-5CF1D5339814}" srcOrd="0" destOrd="0" presId="urn:microsoft.com/office/officeart/2005/8/layout/process3"/>
-    <dgm:cxn modelId="{BB69DAE8-F70E-488C-A1EB-37F1D5FE2A0A}" type="presParOf" srcId="{F3555292-3C89-4C4F-B4D0-0FA2ACFFACE8}" destId="{B6B4705E-C06A-4375-BD9F-C3441DAF21BE}" srcOrd="1" destOrd="0" presId="urn:microsoft.com/office/officeart/2005/8/layout/process3"/>
-    <dgm:cxn modelId="{50739C0A-B022-4F22-9CF6-09011C74BAC2}" type="presOf" srcId="{90A52E01-7D27-4B54-9739-4258B1F7A655}" destId="{B6B4705E-C06A-4375-BD9F-C3441DAF21BE}" srcOrd="0" destOrd="0" presId="urn:microsoft.com/office/officeart/2005/8/layout/process3"/>
-    <dgm:cxn modelId="{7238B0D8-F5E1-48CD-B2C4-5EB86990B619}" type="presParOf" srcId="{B6B4705E-C06A-4375-BD9F-C3441DAF21BE}" destId="{ED62B532-DB81-4F8C-8542-7A394D40EFE0}" srcOrd="0" destOrd="1" presId="urn:microsoft.com/office/officeart/2005/8/layout/process3"/>
-    <dgm:cxn modelId="{BB85A8AD-419C-430E-B0C9-8E99C1995C27}" type="presOf" srcId="{90A52E01-7D27-4B54-9739-4258B1F7A655}" destId="{ED62B532-DB81-4F8C-8542-7A394D40EFE0}" srcOrd="1" destOrd="0" presId="urn:microsoft.com/office/officeart/2005/8/layout/process3"/>
-    <dgm:cxn modelId="{43FF5606-4E0B-4DA2-8FEF-EDF501824BC1}" type="presParOf" srcId="{F3555292-3C89-4C4F-B4D0-0FA2ACFFACE8}" destId="{77936D2B-F822-4CF4-B3B7-1F68E98413EB}" srcOrd="2" destOrd="0" presId="urn:microsoft.com/office/officeart/2005/8/layout/process3"/>
-    <dgm:cxn modelId="{70FE9151-AF15-4BDA-ADEE-15D03B117287}" type="presParOf" srcId="{77936D2B-F822-4CF4-B3B7-1F68E98413EB}" destId="{6E36B0E0-5FA2-4B4B-8D8C-172BAF32CF88}" srcOrd="0" destOrd="2" presId="urn:microsoft.com/office/officeart/2005/8/layout/process3"/>
-    <dgm:cxn modelId="{91AA8D84-0048-4010-B132-EC5168EDCAD5}" type="presOf" srcId="{FEA4C648-AE26-44E3-8030-8A6318A97E0D}" destId="{6E36B0E0-5FA2-4B4B-8D8C-172BAF32CF88}" srcOrd="1" destOrd="0" presId="urn:microsoft.com/office/officeart/2005/8/layout/process3"/>
-    <dgm:cxn modelId="{55F3AAA4-54A0-4F9B-9279-7BD10852027B}" type="presParOf" srcId="{77936D2B-F822-4CF4-B3B7-1F68E98413EB}" destId="{20A85413-374F-4D92-A239-7120C71CE18B}" srcOrd="1" destOrd="2" presId="urn:microsoft.com/office/officeart/2005/8/layout/process3"/>
-    <dgm:cxn modelId="{E59AAC5D-32D8-4167-82AC-E6498489A324}" type="presOf" srcId="{FEA4C648-AE26-44E3-8030-8A6318A97E0D}" destId="{20A85413-374F-4D92-A239-7120C71CE18B}" srcOrd="0" destOrd="0" presId="urn:microsoft.com/office/officeart/2005/8/layout/process3"/>
-    <dgm:cxn modelId="{27079315-C67F-4D80-AF2D-C3E36904B846}" type="presParOf" srcId="{77936D2B-F822-4CF4-B3B7-1F68E98413EB}" destId="{9833AEF3-844F-474A-B479-91C89ACE8135}" srcOrd="2" destOrd="2" presId="urn:microsoft.com/office/officeart/2005/8/layout/process3"/>
-    <dgm:cxn modelId="{AB2E6092-DB6B-4824-988E-FC9C611C76AA}" type="presParOf" srcId="{F3555292-3C89-4C4F-B4D0-0FA2ACFFACE8}" destId="{4017AD73-4953-4B56-B4E2-5D84909840A5}" srcOrd="3" destOrd="0" presId="urn:microsoft.com/office/officeart/2005/8/layout/process3"/>
-    <dgm:cxn modelId="{11145866-5370-462B-B617-F4BC38390A86}" type="presOf" srcId="{F0F01A1D-4ECF-49FD-B5BB-2AF20CDE48D6}" destId="{4017AD73-4953-4B56-B4E2-5D84909840A5}" srcOrd="0" destOrd="0" presId="urn:microsoft.com/office/officeart/2005/8/layout/process3"/>
-    <dgm:cxn modelId="{F9A57884-6946-41E4-ACE1-3714006C624A}" type="presParOf" srcId="{4017AD73-4953-4B56-B4E2-5D84909840A5}" destId="{82B65FD7-D5E2-48A9-AE65-CCFF26922388}" srcOrd="0" destOrd="3" presId="urn:microsoft.com/office/officeart/2005/8/layout/process3"/>
-    <dgm:cxn modelId="{DADA68BB-43BC-430C-928B-CEA1CF2990E1}" type="presOf" srcId="{F0F01A1D-4ECF-49FD-B5BB-2AF20CDE48D6}" destId="{82B65FD7-D5E2-48A9-AE65-CCFF26922388}" srcOrd="1" destOrd="0" presId="urn:microsoft.com/office/officeart/2005/8/layout/process3"/>
-    <dgm:cxn modelId="{E33F390F-E9A4-4B66-834A-B0637CC6181E}" type="presParOf" srcId="{F3555292-3C89-4C4F-B4D0-0FA2ACFFACE8}" destId="{18AC7C55-1CDC-4D68-AD99-9BB4A09A2A3B}" srcOrd="4" destOrd="0" presId="urn:microsoft.com/office/officeart/2005/8/layout/process3"/>
-    <dgm:cxn modelId="{9929A965-1A76-4549-BCD0-27D512EEA4B7}" type="presParOf" srcId="{18AC7C55-1CDC-4D68-AD99-9BB4A09A2A3B}" destId="{51DEFA8D-339C-431C-9A60-2DA3C0EB7865}" srcOrd="0" destOrd="4" presId="urn:microsoft.com/office/officeart/2005/8/layout/process3"/>
-    <dgm:cxn modelId="{DF916EF4-1A03-4F07-961A-B59B98344B0A}" type="presOf" srcId="{0FF6E3F7-391B-475F-A4CD-F3EA4F638F0C}" destId="{51DEFA8D-339C-431C-9A60-2DA3C0EB7865}" srcOrd="1" destOrd="0" presId="urn:microsoft.com/office/officeart/2005/8/layout/process3"/>
-    <dgm:cxn modelId="{209B8FB8-31E9-4BCB-BEB7-D4165E87AB80}" type="presParOf" srcId="{18AC7C55-1CDC-4D68-AD99-9BB4A09A2A3B}" destId="{042C6248-CE99-4BA6-9E51-916D6C326D82}" srcOrd="1" destOrd="4" presId="urn:microsoft.com/office/officeart/2005/8/layout/process3"/>
-    <dgm:cxn modelId="{EBDCA16B-9BBA-4F20-81B9-DB48E4BC15A0}" type="presOf" srcId="{0FF6E3F7-391B-475F-A4CD-F3EA4F638F0C}" destId="{042C6248-CE99-4BA6-9E51-916D6C326D82}" srcOrd="0" destOrd="0" presId="urn:microsoft.com/office/officeart/2005/8/layout/process3"/>
-    <dgm:cxn modelId="{9B169762-4B56-4B21-AD42-BCA9D9EAFBC0}" type="presParOf" srcId="{18AC7C55-1CDC-4D68-AD99-9BB4A09A2A3B}" destId="{65E624B5-1EC2-4B65-8B9C-D4056951DD37}" srcOrd="2" destOrd="4" presId="urn:microsoft.com/office/officeart/2005/8/layout/process3"/>
-    <dgm:cxn modelId="{426E0821-1615-4064-8B12-4769FE4EF324}" type="presParOf" srcId="{F3555292-3C89-4C4F-B4D0-0FA2ACFFACE8}" destId="{58274EFC-9E5F-49BA-8F2E-4ACC8DD1481D}" srcOrd="5" destOrd="0" presId="urn:microsoft.com/office/officeart/2005/8/layout/process3"/>
-    <dgm:cxn modelId="{8DFC4E29-AD10-4685-B2B7-B821933E32F3}" type="presOf" srcId="{80C5992B-CC70-4950-A7BB-562ED5F8613D}" destId="{58274EFC-9E5F-49BA-8F2E-4ACC8DD1481D}" srcOrd="0" destOrd="0" presId="urn:microsoft.com/office/officeart/2005/8/layout/process3"/>
-    <dgm:cxn modelId="{51ABD2A0-8DDA-4E8D-810C-B62DBE51CA7E}" type="presParOf" srcId="{58274EFC-9E5F-49BA-8F2E-4ACC8DD1481D}" destId="{5E5292D6-53AC-4AC8-A009-0FD87AC64CD6}" srcOrd="0" destOrd="5" presId="urn:microsoft.com/office/officeart/2005/8/layout/process3"/>
-    <dgm:cxn modelId="{83598D55-5D47-454B-80A7-73A06587E0EB}" type="presOf" srcId="{80C5992B-CC70-4950-A7BB-562ED5F8613D}" destId="{5E5292D6-53AC-4AC8-A009-0FD87AC64CD6}" srcOrd="1" destOrd="0" presId="urn:microsoft.com/office/officeart/2005/8/layout/process3"/>
-    <dgm:cxn modelId="{C21946E2-EC8F-46BA-BA6E-F61E1E6C13C5}" type="presParOf" srcId="{F3555292-3C89-4C4F-B4D0-0FA2ACFFACE8}" destId="{67D84011-3E5C-4961-AC6D-73EE4C0D9D9E}" srcOrd="6" destOrd="0" presId="urn:microsoft.com/office/officeart/2005/8/layout/process3"/>
-    <dgm:cxn modelId="{C18C0D41-BD48-4987-92AB-A4FB6D33417C}" type="presParOf" srcId="{67D84011-3E5C-4961-AC6D-73EE4C0D9D9E}" destId="{94A44E30-95D2-471A-A75E-32D090A8680F}" srcOrd="0" destOrd="6" presId="urn:microsoft.com/office/officeart/2005/8/layout/process3"/>
-    <dgm:cxn modelId="{426D5718-A74F-4858-B093-B9FF9025EF6A}" type="presOf" srcId="{4063E92F-EF63-4941-A01A-382F576CE1C0}" destId="{94A44E30-95D2-471A-A75E-32D090A8680F}" srcOrd="1" destOrd="0" presId="urn:microsoft.com/office/officeart/2005/8/layout/process3"/>
-    <dgm:cxn modelId="{D135B4FD-CFCE-4E62-951B-571277F783A8}" type="presParOf" srcId="{67D84011-3E5C-4961-AC6D-73EE4C0D9D9E}" destId="{BC9164B6-8CF0-4879-A265-B22456BE4CF2}" srcOrd="1" destOrd="6" presId="urn:microsoft.com/office/officeart/2005/8/layout/process3"/>
-    <dgm:cxn modelId="{66877975-EA84-418A-8451-618CCBD03F2F}" type="presOf" srcId="{4063E92F-EF63-4941-A01A-382F576CE1C0}" destId="{BC9164B6-8CF0-4879-A265-B22456BE4CF2}" srcOrd="0" destOrd="0" presId="urn:microsoft.com/office/officeart/2005/8/layout/process3"/>
-    <dgm:cxn modelId="{671E24CC-25B0-4C2E-A607-D7AC55EFE386}" type="presParOf" srcId="{67D84011-3E5C-4961-AC6D-73EE4C0D9D9E}" destId="{178AD051-CF63-4F1B-9A8E-BC50021CDB7D}" srcOrd="2" destOrd="6" presId="urn:microsoft.com/office/officeart/2005/8/layout/process3"/>
-    <dgm:cxn modelId="{EA1331CE-49C4-4173-A267-63D22759B5B6}" type="presOf" srcId="{9F90E17E-D5B8-4493-81C7-6BA6A294E0F3}" destId="{178AD051-CF63-4F1B-9A8E-BC50021CDB7D}" srcOrd="0" destOrd="0" presId="urn:microsoft.com/office/officeart/2005/8/layout/process3"/>
-    <dgm:cxn modelId="{10A6C700-2334-4FA9-8201-E2FA7D2C2D28}" type="presParOf" srcId="{F3555292-3C89-4C4F-B4D0-0FA2ACFFACE8}" destId="{0399D8D5-1252-4D85-9101-B99A296595E1}" srcOrd="7" destOrd="0" presId="urn:microsoft.com/office/officeart/2005/8/layout/process3"/>
-    <dgm:cxn modelId="{D3180A2F-42A7-457A-AFDD-8172E5F67406}" type="presOf" srcId="{805FEA0E-556F-4342-BBA0-B0908DC92DA2}" destId="{0399D8D5-1252-4D85-9101-B99A296595E1}" srcOrd="0" destOrd="0" presId="urn:microsoft.com/office/officeart/2005/8/layout/process3"/>
-    <dgm:cxn modelId="{C5361A56-F713-4E80-9F30-07B653AEF0F4}" type="presParOf" srcId="{0399D8D5-1252-4D85-9101-B99A296595E1}" destId="{BCFE3D79-E4D8-4EBE-AED5-0EB76B28E72B}" srcOrd="0" destOrd="7" presId="urn:microsoft.com/office/officeart/2005/8/layout/process3"/>
-    <dgm:cxn modelId="{8B61402E-E681-4237-B983-C677D00BC466}" type="presOf" srcId="{805FEA0E-556F-4342-BBA0-B0908DC92DA2}" destId="{BCFE3D79-E4D8-4EBE-AED5-0EB76B28E72B}" srcOrd="1" destOrd="0" presId="urn:microsoft.com/office/officeart/2005/8/layout/process3"/>
-    <dgm:cxn modelId="{EBAE3022-9A03-4FFE-9B5B-B59539647CBA}" type="presParOf" srcId="{F3555292-3C89-4C4F-B4D0-0FA2ACFFACE8}" destId="{6724A8C1-637F-4638-A7B5-5DD808170576}" srcOrd="8" destOrd="0" presId="urn:microsoft.com/office/officeart/2005/8/layout/process3"/>
-    <dgm:cxn modelId="{83ECEF22-91A7-440B-B784-4271E999DAEA}" type="presParOf" srcId="{6724A8C1-637F-4638-A7B5-5DD808170576}" destId="{EC30A750-D082-471F-8BF1-F23E72F32805}" srcOrd="0" destOrd="8" presId="urn:microsoft.com/office/officeart/2005/8/layout/process3"/>
-    <dgm:cxn modelId="{E3AA6324-E171-4D2D-BCF8-2111F3D73395}" type="presOf" srcId="{17FA48D7-57D5-4407-BDCA-3A8744ACC348}" destId="{EC30A750-D082-471F-8BF1-F23E72F32805}" srcOrd="1" destOrd="0" presId="urn:microsoft.com/office/officeart/2005/8/layout/process3"/>
-    <dgm:cxn modelId="{5B98B482-3C90-4F73-BA58-742D741007A5}" type="presParOf" srcId="{6724A8C1-637F-4638-A7B5-5DD808170576}" destId="{11B51A25-BC1E-4A01-8D9E-AE2F8BBE02A0}" srcOrd="1" destOrd="8" presId="urn:microsoft.com/office/officeart/2005/8/layout/process3"/>
-    <dgm:cxn modelId="{AFC010E8-7AB0-4B39-BE2F-774EBDC7F9CA}" type="presOf" srcId="{17FA48D7-57D5-4407-BDCA-3A8744ACC348}" destId="{11B51A25-BC1E-4A01-8D9E-AE2F8BBE02A0}" srcOrd="0" destOrd="0" presId="urn:microsoft.com/office/officeart/2005/8/layout/process3"/>
-    <dgm:cxn modelId="{6F952B6D-2991-4DDA-A8D6-3420EBAFB570}" type="presParOf" srcId="{6724A8C1-637F-4638-A7B5-5DD808170576}" destId="{A049FDA1-9B71-4C54-9B2E-EB8FFCDFB2F4}" srcOrd="2" destOrd="8" presId="urn:microsoft.com/office/officeart/2005/8/layout/process3"/>
-    <dgm:cxn modelId="{157313ED-579C-4206-ADF6-7D2397FC9946}" type="presOf" srcId="{60A5E316-DBCD-46FA-A96F-5F85A99184D7}" destId="{A049FDA1-9B71-4C54-9B2E-EB8FFCDFB2F4}" srcOrd="0" destOrd="0" presId="urn:microsoft.com/office/officeart/2005/8/layout/process3"/>
+    <dgm:cxn modelId="{7CD39A77-1015-48D4-86DE-03296879D31E}" srcId="{8CA7BF02-4ADE-426E-8CD1-F1ADC3C7113B}" destId="{8603B0FA-6F59-439B-91B1-AF4623B2DDEA}" srcOrd="2" destOrd="0" parTransId="{5EFCC5FF-80FB-45B7-81CA-0321F267A217}" sibTransId="{D4A388F2-366E-454F-B25E-BD84ED6D055C}"/>
+    <dgm:cxn modelId="{671BD4F9-730A-48E5-A190-84CB2E10AD27}" type="presOf" srcId="{6FF6014A-C347-46DF-A5DF-F7AE2C8058E4}" destId="{E32B45D9-A9C4-4E8D-9BD0-04E8CD541A40}" srcOrd="0" destOrd="0" presId="urn:microsoft.com/office/officeart/2005/8/layout/hierarchy4"/>
+    <dgm:cxn modelId="{6B635ADD-3CBE-4884-BD12-8002A4521500}" type="presOf" srcId="{A20A9437-1BE0-40B6-8D84-195F33A9BDB1}" destId="{88762BC2-CE17-4296-8D69-627F1CC6B320}" srcOrd="0" destOrd="0" presId="urn:microsoft.com/office/officeart/2005/8/layout/hierarchy4"/>
+    <dgm:cxn modelId="{2D62D635-2614-4212-9924-CF2F10CA7FB8}" type="presOf" srcId="{EE83B8A6-63A8-4AB8-96C9-C981E03E509B}" destId="{D4A7A214-7C50-41E2-A93E-3EE3B47B079E}" srcOrd="0" destOrd="0" presId="urn:microsoft.com/office/officeart/2005/8/layout/hierarchy4"/>
+    <dgm:cxn modelId="{3D083D10-FD1A-4F98-B009-C76EF2E5AAD3}" srcId="{8CA7BF02-4ADE-426E-8CD1-F1ADC3C7113B}" destId="{A20A9437-1BE0-40B6-8D84-195F33A9BDB1}" srcOrd="0" destOrd="0" parTransId="{37FB8AD8-C73A-41FA-B222-754715E715E4}" sibTransId="{1F4F28A0-3B6E-490E-8179-BB0AF3514293}"/>
+    <dgm:cxn modelId="{6BF48E2F-154B-401B-85B1-642AA36769AA}" srcId="{EE83B8A6-63A8-4AB8-96C9-C981E03E509B}" destId="{EA23282B-011D-47FB-97FA-06F233B06110}" srcOrd="1" destOrd="0" parTransId="{C3B7397D-0C12-4F4A-B995-A4FB145A6039}" sibTransId="{C17A5EA8-E74F-40DE-A7FB-9024D9E14908}"/>
+    <dgm:cxn modelId="{24788374-ADF1-4A5F-8E19-D2B357E296E7}" srcId="{8603B0FA-6F59-439B-91B1-AF4623B2DDEA}" destId="{6FF6014A-C347-46DF-A5DF-F7AE2C8058E4}" srcOrd="0" destOrd="0" parTransId="{70FD322A-48C3-4B1F-9A92-B578A934E2DA}" sibTransId="{50F36ACD-B390-4521-9EB9-DBD09B24342B}"/>
+    <dgm:cxn modelId="{1AAD64A8-8C77-4A55-9ABC-196ED670EAE1}" srcId="{C8513803-878D-4031-8FAA-6578F423B7BF}" destId="{8CA7BF02-4ADE-426E-8CD1-F1ADC3C7113B}" srcOrd="0" destOrd="0" parTransId="{CC31C1F0-3C09-4FFB-A85A-6AEEAC785607}" sibTransId="{473F6867-0806-41B7-B854-FFC91FE0BF0C}"/>
+    <dgm:cxn modelId="{1CD502AC-7954-4EA6-ABA3-85510021E251}" type="presOf" srcId="{8CA7BF02-4ADE-426E-8CD1-F1ADC3C7113B}" destId="{D6A0A599-9F35-4ACA-A29E-B5BACF0D67DC}" srcOrd="0" destOrd="0" presId="urn:microsoft.com/office/officeart/2005/8/layout/hierarchy4"/>
+    <dgm:cxn modelId="{CF286CA6-163F-425D-AF24-04AEE5E0EAB1}" srcId="{8CA7BF02-4ADE-426E-8CD1-F1ADC3C7113B}" destId="{EE83B8A6-63A8-4AB8-96C9-C981E03E509B}" srcOrd="1" destOrd="0" parTransId="{BCA94159-8B36-4D5D-B20B-BA7C9493A82D}" sibTransId="{62CD9C23-AB88-43E6-9BCA-B9D51C1B9CD9}"/>
+    <dgm:cxn modelId="{69149032-8EB4-4580-B024-7AD4C5833224}" srcId="{EE83B8A6-63A8-4AB8-96C9-C981E03E509B}" destId="{B4563FB1-53CF-4CF4-873C-3803E0FC285E}" srcOrd="0" destOrd="0" parTransId="{E3DAA416-1CE2-4302-BD55-E4C5FA60AD3E}" sibTransId="{F050EFDB-3D14-4C95-BAC6-30D927384EA7}"/>
+    <dgm:cxn modelId="{7612E0C6-A28E-4645-AC28-91E23722F909}" type="presOf" srcId="{8603B0FA-6F59-439B-91B1-AF4623B2DDEA}" destId="{EB0E2488-FA8B-44A4-B3AD-61E4BE0CBBE1}" srcOrd="0" destOrd="0" presId="urn:microsoft.com/office/officeart/2005/8/layout/hierarchy4"/>
+    <dgm:cxn modelId="{BF4BC627-7F8B-455C-9955-7A219ED812EC}" srcId="{A20A9437-1BE0-40B6-8D84-195F33A9BDB1}" destId="{7B60E03B-6426-4478-BB80-8B23E44A820D}" srcOrd="0" destOrd="0" parTransId="{2AE6EAEF-AA17-4925-974B-8605CECB1FF6}" sibTransId="{7D74775A-CC93-4C6C-8303-1DF793EF4095}"/>
+    <dgm:cxn modelId="{84BF758A-A7D3-4AA7-97CF-1580A719F6C6}" srcId="{EE83B8A6-63A8-4AB8-96C9-C981E03E509B}" destId="{8551CA77-D605-4A46-B10C-2D98D1CC0394}" srcOrd="2" destOrd="0" parTransId="{A4CC2FDD-8482-47BF-A91A-303EFA490A9D}" sibTransId="{1CAD78EA-CB2E-4900-9439-C3D47564FAE3}"/>
+    <dgm:cxn modelId="{949CEF26-DA94-4341-ADA6-44A83D835B6E}" type="presOf" srcId="{7B60E03B-6426-4478-BB80-8B23E44A820D}" destId="{55E92CA7-EEFB-4CA4-AF8F-3F562BE9164F}" srcOrd="0" destOrd="0" presId="urn:microsoft.com/office/officeart/2005/8/layout/hierarchy4"/>
+    <dgm:cxn modelId="{119BA0AF-3A0C-4D93-97C5-F567947A66EF}" type="presOf" srcId="{B4563FB1-53CF-4CF4-873C-3803E0FC285E}" destId="{DD6CCC0D-2465-40EF-8237-4B98B4358EB6}" srcOrd="0" destOrd="0" presId="urn:microsoft.com/office/officeart/2005/8/layout/hierarchy4"/>
+    <dgm:cxn modelId="{56980B6C-B2B0-4983-AED7-17F817520EC1}" type="presOf" srcId="{8551CA77-D605-4A46-B10C-2D98D1CC0394}" destId="{733A17C4-8762-4DF8-9419-4F74CB5818D4}" srcOrd="0" destOrd="0" presId="urn:microsoft.com/office/officeart/2005/8/layout/hierarchy4"/>
+    <dgm:cxn modelId="{4F565557-7A5C-4180-9571-54DEA8C64606}" type="presOf" srcId="{C8513803-878D-4031-8FAA-6578F423B7BF}" destId="{8D0B5F32-5505-4F65-A579-176547FF8A9D}" srcOrd="0" destOrd="0" presId="urn:microsoft.com/office/officeart/2005/8/layout/hierarchy4"/>
+    <dgm:cxn modelId="{2054F9AD-BA2D-4EA6-B468-899B6BB4CB04}" type="presOf" srcId="{EA23282B-011D-47FB-97FA-06F233B06110}" destId="{E1D191CF-7B2A-4E81-8F9B-57C1DF678934}" srcOrd="0" destOrd="0" presId="urn:microsoft.com/office/officeart/2005/8/layout/hierarchy4"/>
+    <dgm:cxn modelId="{54824A58-6263-4B2E-B31D-CA649DEC0597}" type="presParOf" srcId="{8D0B5F32-5505-4F65-A579-176547FF8A9D}" destId="{F7976CE6-B912-4932-9062-8BBB5A1CC600}" srcOrd="0" destOrd="0" presId="urn:microsoft.com/office/officeart/2005/8/layout/hierarchy4"/>
+    <dgm:cxn modelId="{8E3D2881-0764-4FEC-A287-0203173A711D}" type="presParOf" srcId="{F7976CE6-B912-4932-9062-8BBB5A1CC600}" destId="{D6A0A599-9F35-4ACA-A29E-B5BACF0D67DC}" srcOrd="0" destOrd="0" presId="urn:microsoft.com/office/officeart/2005/8/layout/hierarchy4"/>
+    <dgm:cxn modelId="{FF2083A1-1D95-416F-BDDF-A89E0177330A}" type="presParOf" srcId="{F7976CE6-B912-4932-9062-8BBB5A1CC600}" destId="{34C25E86-5B05-49AE-8B50-DFD0528C8051}" srcOrd="1" destOrd="0" presId="urn:microsoft.com/office/officeart/2005/8/layout/hierarchy4"/>
+    <dgm:cxn modelId="{E83B99BE-CFC3-44B1-8265-FC05FD7DBF39}" type="presParOf" srcId="{F7976CE6-B912-4932-9062-8BBB5A1CC600}" destId="{5D77ED90-7BFE-4465-98D6-02B78EB7001E}" srcOrd="2" destOrd="0" presId="urn:microsoft.com/office/officeart/2005/8/layout/hierarchy4"/>
+    <dgm:cxn modelId="{31F1C59E-EC1D-45CB-B751-AE84DAC37F34}" type="presParOf" srcId="{5D77ED90-7BFE-4465-98D6-02B78EB7001E}" destId="{6D0A435C-92FE-4C6E-A2B3-32161069A1AA}" srcOrd="0" destOrd="0" presId="urn:microsoft.com/office/officeart/2005/8/layout/hierarchy4"/>
+    <dgm:cxn modelId="{59E1A732-5ED7-460E-95DA-ECBCE89E89D1}" type="presParOf" srcId="{6D0A435C-92FE-4C6E-A2B3-32161069A1AA}" destId="{88762BC2-CE17-4296-8D69-627F1CC6B320}" srcOrd="0" destOrd="0" presId="urn:microsoft.com/office/officeart/2005/8/layout/hierarchy4"/>
+    <dgm:cxn modelId="{B1916BCB-EBA7-4379-A517-9523B101F733}" type="presParOf" srcId="{6D0A435C-92FE-4C6E-A2B3-32161069A1AA}" destId="{092D3639-6678-497B-8B46-863E03F24DDA}" srcOrd="1" destOrd="0" presId="urn:microsoft.com/office/officeart/2005/8/layout/hierarchy4"/>
+    <dgm:cxn modelId="{8F0BAD93-417F-45A0-8B24-2ED4030AAA13}" type="presParOf" srcId="{6D0A435C-92FE-4C6E-A2B3-32161069A1AA}" destId="{E9873186-2F25-4A3A-864F-BA4F87D91EEB}" srcOrd="2" destOrd="0" presId="urn:microsoft.com/office/officeart/2005/8/layout/hierarchy4"/>
+    <dgm:cxn modelId="{E1948EEB-5D04-4D63-A52D-0D3838D7B343}" type="presParOf" srcId="{E9873186-2F25-4A3A-864F-BA4F87D91EEB}" destId="{A9AEB5F1-F1DF-4619-971B-E5233140FBB9}" srcOrd="0" destOrd="0" presId="urn:microsoft.com/office/officeart/2005/8/layout/hierarchy4"/>
+    <dgm:cxn modelId="{8A28825C-7314-4DE6-8A9E-F877E74D2CB9}" type="presParOf" srcId="{A9AEB5F1-F1DF-4619-971B-E5233140FBB9}" destId="{55E92CA7-EEFB-4CA4-AF8F-3F562BE9164F}" srcOrd="0" destOrd="0" presId="urn:microsoft.com/office/officeart/2005/8/layout/hierarchy4"/>
+    <dgm:cxn modelId="{47898A27-B5AD-4581-80DA-1E73A3FDDE5D}" type="presParOf" srcId="{A9AEB5F1-F1DF-4619-971B-E5233140FBB9}" destId="{A017BA8B-6EAD-4BEE-B204-2940B4CE77AB}" srcOrd="1" destOrd="0" presId="urn:microsoft.com/office/officeart/2005/8/layout/hierarchy4"/>
+    <dgm:cxn modelId="{1EABDBB6-2188-4AFD-B5A3-CDE751E202D7}" type="presParOf" srcId="{5D77ED90-7BFE-4465-98D6-02B78EB7001E}" destId="{CBFA8BEA-FE6F-4535-92A5-BDA1ECF268A2}" srcOrd="1" destOrd="0" presId="urn:microsoft.com/office/officeart/2005/8/layout/hierarchy4"/>
+    <dgm:cxn modelId="{293C46B9-4593-4D5F-8B4F-2207EA212A34}" type="presParOf" srcId="{5D77ED90-7BFE-4465-98D6-02B78EB7001E}" destId="{DE379510-A400-4A74-8033-10A9FDF87D57}" srcOrd="2" destOrd="0" presId="urn:microsoft.com/office/officeart/2005/8/layout/hierarchy4"/>
+    <dgm:cxn modelId="{D4BDA12C-4D0B-4AA4-8610-C9C1AF541E5D}" type="presParOf" srcId="{DE379510-A400-4A74-8033-10A9FDF87D57}" destId="{D4A7A214-7C50-41E2-A93E-3EE3B47B079E}" srcOrd="0" destOrd="0" presId="urn:microsoft.com/office/officeart/2005/8/layout/hierarchy4"/>
+    <dgm:cxn modelId="{7E4E271C-11C9-43B6-820D-718DC063790C}" type="presParOf" srcId="{DE379510-A400-4A74-8033-10A9FDF87D57}" destId="{877D592D-086C-4FC9-B9DD-717CAC495BE0}" srcOrd="1" destOrd="0" presId="urn:microsoft.com/office/officeart/2005/8/layout/hierarchy4"/>
+    <dgm:cxn modelId="{98274164-FD13-49F6-A8A2-36F3207BF05B}" type="presParOf" srcId="{DE379510-A400-4A74-8033-10A9FDF87D57}" destId="{DF62FA19-3631-41A2-9166-641CBA65F0BB}" srcOrd="2" destOrd="0" presId="urn:microsoft.com/office/officeart/2005/8/layout/hierarchy4"/>
+    <dgm:cxn modelId="{07EB6C8C-87E6-468E-A2D7-41D3A6E18F84}" type="presParOf" srcId="{DF62FA19-3631-41A2-9166-641CBA65F0BB}" destId="{03E584EF-640B-44F4-BE96-37EBD4BE7F57}" srcOrd="0" destOrd="0" presId="urn:microsoft.com/office/officeart/2005/8/layout/hierarchy4"/>
+    <dgm:cxn modelId="{E670AFF6-4024-4F27-AE30-9C4ADEB8F3E0}" type="presParOf" srcId="{03E584EF-640B-44F4-BE96-37EBD4BE7F57}" destId="{DD6CCC0D-2465-40EF-8237-4B98B4358EB6}" srcOrd="0" destOrd="0" presId="urn:microsoft.com/office/officeart/2005/8/layout/hierarchy4"/>
+    <dgm:cxn modelId="{37E6ACDE-536D-49B7-A06F-640659999167}" type="presParOf" srcId="{03E584EF-640B-44F4-BE96-37EBD4BE7F57}" destId="{8986A7A8-B8D4-4051-BB1C-1A70FC4591CD}" srcOrd="1" destOrd="0" presId="urn:microsoft.com/office/officeart/2005/8/layout/hierarchy4"/>
+    <dgm:cxn modelId="{E6C8ADE1-6035-47F7-B10C-343F8C3DB56B}" type="presParOf" srcId="{DF62FA19-3631-41A2-9166-641CBA65F0BB}" destId="{E8A9A4A8-B5E2-41D5-9089-9AD2C0396529}" srcOrd="1" destOrd="0" presId="urn:microsoft.com/office/officeart/2005/8/layout/hierarchy4"/>
+    <dgm:cxn modelId="{E80B0554-5371-437B-B941-CF5A1DB2B600}" type="presParOf" srcId="{DF62FA19-3631-41A2-9166-641CBA65F0BB}" destId="{10CAC278-B704-4B36-BB25-5D84894B048D}" srcOrd="2" destOrd="0" presId="urn:microsoft.com/office/officeart/2005/8/layout/hierarchy4"/>
+    <dgm:cxn modelId="{9F428436-3F1D-414F-828A-50B6B97EDEAB}" type="presParOf" srcId="{10CAC278-B704-4B36-BB25-5D84894B048D}" destId="{E1D191CF-7B2A-4E81-8F9B-57C1DF678934}" srcOrd="0" destOrd="0" presId="urn:microsoft.com/office/officeart/2005/8/layout/hierarchy4"/>
+    <dgm:cxn modelId="{9C6D1212-A3C5-433D-A525-966D6F9BE3D3}" type="presParOf" srcId="{10CAC278-B704-4B36-BB25-5D84894B048D}" destId="{3EC9291C-2610-4320-9975-FEB569A380FF}" srcOrd="1" destOrd="0" presId="urn:microsoft.com/office/officeart/2005/8/layout/hierarchy4"/>
+    <dgm:cxn modelId="{298580BD-050E-479A-8FAF-B0A21FCDF605}" type="presParOf" srcId="{DF62FA19-3631-41A2-9166-641CBA65F0BB}" destId="{632F0D95-1FBD-4E0B-B851-04DC07E3571D}" srcOrd="3" destOrd="0" presId="urn:microsoft.com/office/officeart/2005/8/layout/hierarchy4"/>
+    <dgm:cxn modelId="{60003EB4-36EA-4C07-9300-C76EF9D89010}" type="presParOf" srcId="{DF62FA19-3631-41A2-9166-641CBA65F0BB}" destId="{2489600F-E7C6-49F7-802C-A03A868E76AA}" srcOrd="4" destOrd="0" presId="urn:microsoft.com/office/officeart/2005/8/layout/hierarchy4"/>
+    <dgm:cxn modelId="{B29BC64E-2C41-4F4C-9239-F53B22E7B9C0}" type="presParOf" srcId="{2489600F-E7C6-49F7-802C-A03A868E76AA}" destId="{733A17C4-8762-4DF8-9419-4F74CB5818D4}" srcOrd="0" destOrd="0" presId="urn:microsoft.com/office/officeart/2005/8/layout/hierarchy4"/>
+    <dgm:cxn modelId="{928391D3-6BCF-473C-8C70-BFB76632562E}" type="presParOf" srcId="{2489600F-E7C6-49F7-802C-A03A868E76AA}" destId="{1D9AE1CD-DEE0-47A8-B0AA-46AB9FE171BA}" srcOrd="1" destOrd="0" presId="urn:microsoft.com/office/officeart/2005/8/layout/hierarchy4"/>
+    <dgm:cxn modelId="{1AF6962F-34F2-4F61-A34F-DED849356D97}" type="presParOf" srcId="{5D77ED90-7BFE-4465-98D6-02B78EB7001E}" destId="{939CE7C4-CB35-441C-995E-49902D17DA6C}" srcOrd="3" destOrd="0" presId="urn:microsoft.com/office/officeart/2005/8/layout/hierarchy4"/>
+    <dgm:cxn modelId="{874F3C9F-348C-4028-9461-A7DEAE9E5727}" type="presParOf" srcId="{5D77ED90-7BFE-4465-98D6-02B78EB7001E}" destId="{323D5E4C-D458-4D2C-8626-88C47DA85D7D}" srcOrd="4" destOrd="0" presId="urn:microsoft.com/office/officeart/2005/8/layout/hierarchy4"/>
+    <dgm:cxn modelId="{331A3BDD-4232-44B0-914E-E397DBC69AD0}" type="presParOf" srcId="{323D5E4C-D458-4D2C-8626-88C47DA85D7D}" destId="{EB0E2488-FA8B-44A4-B3AD-61E4BE0CBBE1}" srcOrd="0" destOrd="0" presId="urn:microsoft.com/office/officeart/2005/8/layout/hierarchy4"/>
+    <dgm:cxn modelId="{88FB64A5-F846-4560-97C8-A2D32CBAFBEE}" type="presParOf" srcId="{323D5E4C-D458-4D2C-8626-88C47DA85D7D}" destId="{CFF188F0-D8E0-48DE-9DB9-5E0D10123429}" srcOrd="1" destOrd="0" presId="urn:microsoft.com/office/officeart/2005/8/layout/hierarchy4"/>
+    <dgm:cxn modelId="{DBBB5981-FF52-4CF0-A1BA-492585485678}" type="presParOf" srcId="{323D5E4C-D458-4D2C-8626-88C47DA85D7D}" destId="{A2DFA67B-BDF5-460F-A33E-E0C4B1CBB08A}" srcOrd="2" destOrd="0" presId="urn:microsoft.com/office/officeart/2005/8/layout/hierarchy4"/>
+    <dgm:cxn modelId="{9BC96F83-DCC4-47E2-953D-2112773A3957}" type="presParOf" srcId="{A2DFA67B-BDF5-460F-A33E-E0C4B1CBB08A}" destId="{96C168F2-0368-4FD5-B70F-4CA47BCD8B6A}" srcOrd="0" destOrd="0" presId="urn:microsoft.com/office/officeart/2005/8/layout/hierarchy4"/>
+    <dgm:cxn modelId="{8DA360A1-9207-4B40-AB1F-683040E8B96D}" type="presParOf" srcId="{96C168F2-0368-4FD5-B70F-4CA47BCD8B6A}" destId="{E32B45D9-A9C4-4E8D-9BD0-04E8CD541A40}" srcOrd="0" destOrd="0" presId="urn:microsoft.com/office/officeart/2005/8/layout/hierarchy4"/>
+    <dgm:cxn modelId="{64E670AB-A465-4A93-90C5-8B0D4D63F9D0}" type="presParOf" srcId="{96C168F2-0368-4FD5-B70F-4CA47BCD8B6A}" destId="{F8F342F2-9AD5-4960-A74E-A8DDFDEDE547}" srcOrd="1" destOrd="0" presId="urn:microsoft.com/office/officeart/2005/8/layout/hierarchy4"/>
   </dgm:cxnLst>
   <dgm:bg/>
   <dgm:whole/>
   <dgm:extLst>
     <a:ext uri="http://schemas.microsoft.com/office/drawing/2008/diagram">
-      <dsp:dataModelExt xmlns:dsp="http://schemas.microsoft.com/office/drawing/2008/diagram" relId="rId5" minVer="http://schemas.openxmlformats.org/drawingml/2006/diagram"/>
+      <dsp:dataModelExt xmlns:dsp="http://schemas.microsoft.com/office/drawing/2008/diagram" relId="rId6" minVer="http://schemas.openxmlformats.org/drawingml/2006/diagram"/>
     </a:ext>
   </dgm:extLst>
 </dgm:dataModel>
 </file>
 
 <file path=ppt/diagrams/drawing1.xml><?xml version="1.0" encoding="utf-8"?>
-<dsp:drawing xmlns:dgm="http://schemas.openxmlformats.org/drawingml/2006/diagram" xmlns:dsp="http://schemas.microsoft.com/office/drawing/2008/diagram" xmlns:a="http://schemas.openxmlformats.org/drawingml/2006/main" xmlns:r="http://schemas.openxmlformats.org/officeDocument/2006/relationships">
+<dsp:drawing xmlns:dgm="http://schemas.openxmlformats.org/drawingml/2006/diagram" xmlns:dsp="http://schemas.microsoft.com/office/drawing/2008/diagram" xmlns:a="http://schemas.openxmlformats.org/drawingml/2006/main">
   <dsp:spTree>
     <dsp:nvGrpSpPr>
-      <dsp:cNvPr id="2" name="组合 1"/>
+      <dsp:cNvPr id="0" name=""/>
       <dsp:cNvGrpSpPr/>
     </dsp:nvGrpSpPr>
-    <dsp:grpSpPr>
-      <a:xfrm>
-        <a:off x="0" y="0"/>
-        <a:ext cx="10706735" cy="4525010"/>
-        <a:chOff x="0" y="0"/>
-        <a:chExt cx="10706735" cy="4525010"/>
-      </a:xfrm>
-    </dsp:grpSpPr>
-    <dsp:sp modelId="{E74B0135-3D37-42AD-9C7C-5E6A5C184B2C}">
+    <dsp:grpSpPr/>
+    <dsp:sp modelId="{D6A0A599-9F35-4ACA-A29E-B5BACF0D67DC}">
       <dsp:nvSpPr>
-        <dsp:cNvPr id="3" name="圆角矩形 2"/>
+        <dsp:cNvPr id="0" name=""/>
         <dsp:cNvSpPr/>
       </dsp:nvSpPr>
-      <dsp:spPr bwMode="white">
+      <dsp:spPr>
         <a:xfrm>
-          <a:off x="0" y="1405870"/>
-          <a:ext cx="1403175" cy="864000"/>
+          <a:off x="6282" y="2189"/>
+          <a:ext cx="10957059" cy="1459402"/>
         </a:xfrm>
         <a:prstGeom prst="roundRect">
           <a:avLst>
             <a:gd name="adj" fmla="val 10000"/>
           </a:avLst>
         </a:prstGeom>
+        <a:solidFill>
+          <a:schemeClr val="accent3">
+            <a:hueOff val="0"/>
+            <a:satOff val="0"/>
+            <a:lumOff val="0"/>
+            <a:alphaOff val="0"/>
+          </a:schemeClr>
+        </a:solidFill>
+        <a:ln w="12700" cap="flat" cmpd="sng" algn="ctr">
+          <a:solidFill>
+            <a:schemeClr val="lt1">
+              <a:hueOff val="0"/>
+              <a:satOff val="0"/>
+              <a:lumOff val="0"/>
+              <a:alphaOff val="0"/>
+            </a:schemeClr>
+          </a:solidFill>
+          <a:prstDash val="solid"/>
+          <a:miter lim="800000"/>
+        </a:ln>
+        <a:effectLst/>
       </dsp:spPr>
       <dsp:style>
-        <a:lnRef idx="0">
-          <a:schemeClr val="lt1"/>
+        <a:lnRef idx="2">
+          <a:scrgbClr r="0" g="0" b="0"/>
         </a:lnRef>
-        <a:fillRef idx="3">
-          <a:schemeClr val="accent1"/>
+        <a:fillRef idx="1">
+          <a:scrgbClr r="0" g="0" b="0"/>
         </a:fillRef>
-        <a:effectRef idx="3">
+        <a:effectRef idx="0">
           <a:scrgbClr r="0" g="0" b="0"/>
         </a:effectRef>
         <a:fontRef idx="minor">
@@ -1383,40 +1610,14 @@
         </a:fontRef>
       </dsp:style>
       <dsp:txBody>
-        <a:bodyPr lIns="142240" tIns="142240" rIns="142240" bIns="76200" anchor="t"/>
-        <a:lstStyle>
-          <a:lvl1pPr algn="l">
-            <a:defRPr sz="2000"/>
-          </a:lvl1pPr>
-          <a:lvl2pPr marL="114300" indent="-114300" algn="l">
-            <a:defRPr sz="1500"/>
-          </a:lvl2pPr>
-          <a:lvl3pPr marL="228600" indent="-114300" algn="l">
-            <a:defRPr sz="1500"/>
-          </a:lvl3pPr>
-          <a:lvl4pPr marL="342900" indent="-114300" algn="l">
-            <a:defRPr sz="1500"/>
-          </a:lvl4pPr>
-          <a:lvl5pPr marL="457200" indent="-114300" algn="l">
-            <a:defRPr sz="1500"/>
-          </a:lvl5pPr>
-          <a:lvl6pPr marL="571500" indent="-114300" algn="l">
-            <a:defRPr sz="1500"/>
-          </a:lvl6pPr>
-          <a:lvl7pPr marL="685800" indent="-114300" algn="l">
-            <a:defRPr sz="1500"/>
-          </a:lvl7pPr>
-          <a:lvl8pPr marL="800100" indent="-114300" algn="l">
-            <a:defRPr sz="1500"/>
-          </a:lvl8pPr>
-          <a:lvl9pPr marL="914400" indent="-114300" algn="l">
-            <a:defRPr sz="1500"/>
-          </a:lvl9pPr>
-        </a:lstStyle>
+        <a:bodyPr spcFirstLastPara="0" vert="horz" wrap="square" lIns="186690" tIns="186690" rIns="186690" bIns="186690" numCol="1" spcCol="1270" anchor="ctr" anchorCtr="0">
+          <a:noAutofit/>
+        </a:bodyPr>
+        <a:lstStyle/>
         <a:p>
-          <a:pPr lvl="0">
+          <a:pPr lvl="0" algn="ctr" defTabSz="2178050">
             <a:lnSpc>
-              <a:spcPct val="100000"/>
+              <a:spcPct val="90000"/>
             </a:lnSpc>
             <a:spcBef>
               <a:spcPct val="0"/>
@@ -1425,129 +1626,63 @@
               <a:spcPct val="35000"/>
             </a:spcAft>
           </a:pPr>
-          <a:endParaRPr lang="zh-CN" altLang="en-US"/>
+          <a:r>
+            <a:rPr lang="zh-CN" altLang="en-US" sz="4900" kern="1200" dirty="0" smtClean="0"/>
+            <a:t>接口自动化测试</a:t>
+          </a:r>
+          <a:endParaRPr lang="zh-CN" altLang="en-US" sz="4900" kern="1200" dirty="0"/>
         </a:p>
       </dsp:txBody>
       <dsp:txXfrm>
-        <a:off x="0" y="1405870"/>
-        <a:ext cx="1403175" cy="864000"/>
+        <a:off x="49026" y="44933"/>
+        <a:ext cx="10871571" cy="1373914"/>
       </dsp:txXfrm>
     </dsp:sp>
-    <dsp:sp modelId="{001A35F5-21FE-42CC-AB17-5CF1D5339814}">
+    <dsp:sp modelId="{88762BC2-CE17-4296-8D69-627F1CC6B320}">
       <dsp:nvSpPr>
-        <dsp:cNvPr id="4" name="圆角矩形 3"/>
+        <dsp:cNvPr id="0" name=""/>
         <dsp:cNvSpPr/>
       </dsp:nvSpPr>
-      <dsp:spPr bwMode="white">
+      <dsp:spPr>
         <a:xfrm>
-          <a:off x="287397" y="1967140"/>
-          <a:ext cx="1403175" cy="1152000"/>
+          <a:off x="6282" y="1649961"/>
+          <a:ext cx="2086264" cy="1459402"/>
         </a:xfrm>
         <a:prstGeom prst="roundRect">
           <a:avLst>
             <a:gd name="adj" fmla="val 10000"/>
           </a:avLst>
         </a:prstGeom>
+        <a:solidFill>
+          <a:schemeClr val="accent5">
+            <a:hueOff val="0"/>
+            <a:satOff val="0"/>
+            <a:lumOff val="0"/>
+            <a:alphaOff val="0"/>
+          </a:schemeClr>
+        </a:solidFill>
+        <a:ln w="12700" cap="flat" cmpd="sng" algn="ctr">
+          <a:solidFill>
+            <a:schemeClr val="lt1">
+              <a:hueOff val="0"/>
+              <a:satOff val="0"/>
+              <a:lumOff val="0"/>
+              <a:alphaOff val="0"/>
+            </a:schemeClr>
+          </a:solidFill>
+          <a:prstDash val="solid"/>
+          <a:miter lim="800000"/>
+        </a:ln>
+        <a:effectLst/>
       </dsp:spPr>
       <dsp:style>
-        <a:lnRef idx="1">
-          <a:schemeClr val="accent1"/>
+        <a:lnRef idx="2">
+          <a:scrgbClr r="0" g="0" b="0"/>
         </a:lnRef>
         <a:fillRef idx="1">
-          <a:schemeClr val="lt1">
-            <a:alpha val="90000"/>
-          </a:schemeClr>
+          <a:scrgbClr r="0" g="0" b="0"/>
         </a:fillRef>
-        <a:effectRef idx="2">
-          <a:scrgbClr r="0" g="0" b="0"/>
-        </a:effectRef>
-        <a:fontRef idx="minor"/>
-      </dsp:style>
-      <dsp:txBody>
-        <a:bodyPr lIns="142240" tIns="142240" rIns="142240" bIns="142240" anchor="t"/>
-        <a:lstStyle>
-          <a:lvl1pPr algn="l">
-            <a:defRPr sz="2000"/>
-          </a:lvl1pPr>
-          <a:lvl2pPr marL="228600" indent="-228600" algn="l">
-            <a:defRPr sz="2000"/>
-          </a:lvl2pPr>
-          <a:lvl3pPr marL="457200" indent="-228600" algn="l">
-            <a:defRPr sz="2000"/>
-          </a:lvl3pPr>
-          <a:lvl4pPr marL="685800" indent="-228600" algn="l">
-            <a:defRPr sz="2000"/>
-          </a:lvl4pPr>
-          <a:lvl5pPr marL="914400" indent="-228600" algn="l">
-            <a:defRPr sz="2000"/>
-          </a:lvl5pPr>
-          <a:lvl6pPr marL="1143000" indent="-228600" algn="l">
-            <a:defRPr sz="2000"/>
-          </a:lvl6pPr>
-          <a:lvl7pPr marL="1371600" indent="-228600" algn="l">
-            <a:defRPr sz="2000"/>
-          </a:lvl7pPr>
-          <a:lvl8pPr marL="1600200" indent="-228600" algn="l">
-            <a:defRPr sz="2000"/>
-          </a:lvl8pPr>
-          <a:lvl9pPr marL="1828800" indent="-228600" algn="l">
-            <a:defRPr sz="2000"/>
-          </a:lvl9pPr>
-        </a:lstStyle>
-        <a:p>
-          <a:pPr lvl="1">
-            <a:lnSpc>
-              <a:spcPct val="100000"/>
-            </a:lnSpc>
-            <a:spcBef>
-              <a:spcPct val="0"/>
-            </a:spcBef>
-            <a:spcAft>
-              <a:spcPct val="15000"/>
-            </a:spcAft>
-            <a:buChar char="•"/>
-          </a:pPr>
-          <a:endParaRPr lang="zh-CN" altLang="en-US">
-            <a:solidFill>
-              <a:schemeClr val="dk1"/>
-            </a:solidFill>
-          </a:endParaRPr>
-        </a:p>
-      </dsp:txBody>
-      <dsp:txXfrm>
-        <a:off x="287397" y="1967140"/>
-        <a:ext cx="1403175" cy="1152000"/>
-      </dsp:txXfrm>
-    </dsp:sp>
-    <dsp:sp modelId="{B6B4705E-C06A-4375-BD9F-C3441DAF21BE}">
-      <dsp:nvSpPr>
-        <dsp:cNvPr id="5" name="右箭头 4"/>
-        <dsp:cNvSpPr/>
-      </dsp:nvSpPr>
-      <dsp:spPr bwMode="white">
-        <a:xfrm>
-          <a:off x="1603129" y="1511830"/>
-          <a:ext cx="450959" cy="349350"/>
-        </a:xfrm>
-        <a:prstGeom prst="rightArrow">
-          <a:avLst>
-            <a:gd name="adj1" fmla="val 60000"/>
-            <a:gd name="adj2" fmla="val 50000"/>
-          </a:avLst>
-        </a:prstGeom>
-      </dsp:spPr>
-      <dsp:style>
-        <a:lnRef idx="0">
-          <a:schemeClr val="accent1">
-            <a:tint val="60000"/>
-          </a:schemeClr>
-        </a:lnRef>
-        <a:fillRef idx="3">
-          <a:schemeClr val="accent1">
-            <a:tint val="60000"/>
-          </a:schemeClr>
-        </a:fillRef>
-        <a:effectRef idx="3">
+        <a:effectRef idx="0">
           <a:scrgbClr r="0" g="0" b="0"/>
         </a:effectRef>
         <a:fontRef idx="minor">
@@ -1555,40 +1690,14 @@
         </a:fontRef>
       </dsp:style>
       <dsp:txBody>
-        <a:bodyPr lIns="0" tIns="0" rIns="0" bIns="0" anchor="ctr"/>
-        <a:lstStyle>
-          <a:lvl1pPr algn="ctr">
-            <a:defRPr sz="1300"/>
-          </a:lvl1pPr>
-          <a:lvl2pPr marL="57150" indent="-57150" algn="ctr">
-            <a:defRPr sz="1000"/>
-          </a:lvl2pPr>
-          <a:lvl3pPr marL="114300" indent="-57150" algn="ctr">
-            <a:defRPr sz="1000"/>
-          </a:lvl3pPr>
-          <a:lvl4pPr marL="171450" indent="-57150" algn="ctr">
-            <a:defRPr sz="1000"/>
-          </a:lvl4pPr>
-          <a:lvl5pPr marL="228600" indent="-57150" algn="ctr">
-            <a:defRPr sz="1000"/>
-          </a:lvl5pPr>
-          <a:lvl6pPr marL="285750" indent="-57150" algn="ctr">
-            <a:defRPr sz="1000"/>
-          </a:lvl6pPr>
-          <a:lvl7pPr marL="342900" indent="-57150" algn="ctr">
-            <a:defRPr sz="1000"/>
-          </a:lvl7pPr>
-          <a:lvl8pPr marL="400050" indent="-57150" algn="ctr">
-            <a:defRPr sz="1000"/>
-          </a:lvl8pPr>
-          <a:lvl9pPr marL="457200" indent="-57150" algn="ctr">
-            <a:defRPr sz="1000"/>
-          </a:lvl9pPr>
-        </a:lstStyle>
+        <a:bodyPr spcFirstLastPara="0" vert="horz" wrap="square" lIns="129540" tIns="129540" rIns="129540" bIns="129540" numCol="1" spcCol="1270" anchor="ctr" anchorCtr="0">
+          <a:noAutofit/>
+        </a:bodyPr>
+        <a:lstStyle/>
         <a:p>
-          <a:pPr lvl="0">
+          <a:pPr lvl="0" algn="ctr" defTabSz="1511300">
             <a:lnSpc>
-              <a:spcPct val="100000"/>
+              <a:spcPct val="90000"/>
             </a:lnSpc>
             <a:spcBef>
               <a:spcPct val="0"/>
@@ -1597,38 +1706,63 @@
               <a:spcPct val="35000"/>
             </a:spcAft>
           </a:pPr>
-          <a:endParaRPr lang="zh-CN" altLang="en-US"/>
+          <a:r>
+            <a:rPr lang="zh-CN" altLang="en-US" sz="3400" kern="1200" dirty="0" smtClean="0"/>
+            <a:t>测试数据</a:t>
+          </a:r>
+          <a:endParaRPr lang="zh-CN" altLang="en-US" sz="3400" kern="1200" dirty="0"/>
         </a:p>
       </dsp:txBody>
       <dsp:txXfrm>
-        <a:off x="1603129" y="1511830"/>
-        <a:ext cx="450959" cy="349350"/>
+        <a:off x="49026" y="1692705"/>
+        <a:ext cx="2000776" cy="1373914"/>
       </dsp:txXfrm>
     </dsp:sp>
-    <dsp:sp modelId="{20A85413-374F-4D92-A239-7120C71CE18B}">
+    <dsp:sp modelId="{55E92CA7-EEFB-4CA4-AF8F-3F562BE9164F}">
       <dsp:nvSpPr>
-        <dsp:cNvPr id="11" name="圆角矩形 10"/>
+        <dsp:cNvPr id="0" name=""/>
         <dsp:cNvSpPr/>
       </dsp:nvSpPr>
-      <dsp:spPr bwMode="white">
+      <dsp:spPr>
         <a:xfrm>
-          <a:off x="2254041" y="1405870"/>
-          <a:ext cx="1403175" cy="864000"/>
+          <a:off x="6282" y="3297732"/>
+          <a:ext cx="2086264" cy="1459402"/>
         </a:xfrm>
         <a:prstGeom prst="roundRect">
           <a:avLst>
             <a:gd name="adj" fmla="val 10000"/>
           </a:avLst>
         </a:prstGeom>
+        <a:solidFill>
+          <a:schemeClr val="accent6">
+            <a:hueOff val="0"/>
+            <a:satOff val="0"/>
+            <a:lumOff val="0"/>
+            <a:alphaOff val="0"/>
+          </a:schemeClr>
+        </a:solidFill>
+        <a:ln w="12700" cap="flat" cmpd="sng" algn="ctr">
+          <a:solidFill>
+            <a:schemeClr val="lt1">
+              <a:hueOff val="0"/>
+              <a:satOff val="0"/>
+              <a:lumOff val="0"/>
+              <a:alphaOff val="0"/>
+            </a:schemeClr>
+          </a:solidFill>
+          <a:prstDash val="solid"/>
+          <a:miter lim="800000"/>
+        </a:ln>
+        <a:effectLst/>
       </dsp:spPr>
       <dsp:style>
-        <a:lnRef idx="0">
-          <a:schemeClr val="lt1"/>
+        <a:lnRef idx="2">
+          <a:scrgbClr r="0" g="0" b="0"/>
         </a:lnRef>
-        <a:fillRef idx="3">
-          <a:schemeClr val="accent1"/>
+        <a:fillRef idx="1">
+          <a:scrgbClr r="0" g="0" b="0"/>
         </a:fillRef>
-        <a:effectRef idx="3">
+        <a:effectRef idx="0">
           <a:scrgbClr r="0" g="0" b="0"/>
         </a:effectRef>
         <a:fontRef idx="minor">
@@ -1636,40 +1770,14 @@
         </a:fontRef>
       </dsp:style>
       <dsp:txBody>
-        <a:bodyPr lIns="142240" tIns="142240" rIns="142240" bIns="76200" anchor="t"/>
-        <a:lstStyle>
-          <a:lvl1pPr algn="l">
-            <a:defRPr sz="2000"/>
-          </a:lvl1pPr>
-          <a:lvl2pPr marL="171450" indent="-171450" algn="l">
-            <a:defRPr sz="1600"/>
-          </a:lvl2pPr>
-          <a:lvl3pPr marL="342900" indent="-171450" algn="l">
-            <a:defRPr sz="1600"/>
-          </a:lvl3pPr>
-          <a:lvl4pPr marL="514350" indent="-171450" algn="l">
-            <a:defRPr sz="1600"/>
-          </a:lvl4pPr>
-          <a:lvl5pPr marL="685800" indent="-171450" algn="l">
-            <a:defRPr sz="1600"/>
-          </a:lvl5pPr>
-          <a:lvl6pPr marL="857250" indent="-171450" algn="l">
-            <a:defRPr sz="1600"/>
-          </a:lvl6pPr>
-          <a:lvl7pPr marL="1028700" indent="-171450" algn="l">
-            <a:defRPr sz="1600"/>
-          </a:lvl7pPr>
-          <a:lvl8pPr marL="1200150" indent="-171450" algn="l">
-            <a:defRPr sz="1600"/>
-          </a:lvl8pPr>
-          <a:lvl9pPr marL="1371600" indent="-171450" algn="l">
-            <a:defRPr sz="1600"/>
-          </a:lvl9pPr>
-        </a:lstStyle>
+        <a:bodyPr spcFirstLastPara="0" vert="horz" wrap="square" lIns="129540" tIns="129540" rIns="129540" bIns="129540" numCol="1" spcCol="1270" anchor="ctr" anchorCtr="0">
+          <a:noAutofit/>
+        </a:bodyPr>
+        <a:lstStyle/>
         <a:p>
-          <a:pPr lvl="0">
+          <a:pPr lvl="0" algn="ctr" defTabSz="1511300">
             <a:lnSpc>
-              <a:spcPct val="100000"/>
+              <a:spcPct val="90000"/>
             </a:lnSpc>
             <a:spcBef>
               <a:spcPct val="0"/>
@@ -1678,117 +1786,63 @@
               <a:spcPct val="35000"/>
             </a:spcAft>
           </a:pPr>
-          <a:endParaRPr altLang="en-US"/>
+          <a:r>
+            <a:rPr lang="zh-CN" altLang="en-US" sz="3400" kern="1200" dirty="0" smtClean="0"/>
+            <a:t>游戏账号</a:t>
+          </a:r>
+          <a:endParaRPr lang="zh-CN" altLang="en-US" sz="3400" kern="1200" dirty="0"/>
         </a:p>
       </dsp:txBody>
       <dsp:txXfrm>
-        <a:off x="2254041" y="1405870"/>
-        <a:ext cx="1403175" cy="864000"/>
+        <a:off x="49026" y="3340476"/>
+        <a:ext cx="2000776" cy="1373914"/>
       </dsp:txXfrm>
     </dsp:sp>
-    <dsp:sp modelId="{9833AEF3-844F-474A-B479-91C89ACE8135}">
+    <dsp:sp modelId="{D4A7A214-7C50-41E2-A93E-3EE3B47B079E}">
       <dsp:nvSpPr>
-        <dsp:cNvPr id="12" name="圆角矩形 11"/>
+        <dsp:cNvPr id="0" name=""/>
         <dsp:cNvSpPr/>
       </dsp:nvSpPr>
-      <dsp:spPr bwMode="white">
+      <dsp:spPr>
         <a:xfrm>
-          <a:off x="2541438" y="1967140"/>
-          <a:ext cx="1403175" cy="1152000"/>
+          <a:off x="2267793" y="1649961"/>
+          <a:ext cx="6434038" cy="1459402"/>
         </a:xfrm>
         <a:prstGeom prst="roundRect">
           <a:avLst>
             <a:gd name="adj" fmla="val 10000"/>
           </a:avLst>
         </a:prstGeom>
+        <a:solidFill>
+          <a:schemeClr val="accent5">
+            <a:hueOff val="0"/>
+            <a:satOff val="0"/>
+            <a:lumOff val="0"/>
+            <a:alphaOff val="0"/>
+          </a:schemeClr>
+        </a:solidFill>
+        <a:ln w="12700" cap="flat" cmpd="sng" algn="ctr">
+          <a:solidFill>
+            <a:schemeClr val="lt1">
+              <a:hueOff val="0"/>
+              <a:satOff val="0"/>
+              <a:lumOff val="0"/>
+              <a:alphaOff val="0"/>
+            </a:schemeClr>
+          </a:solidFill>
+          <a:prstDash val="solid"/>
+          <a:miter lim="800000"/>
+        </a:ln>
+        <a:effectLst/>
       </dsp:spPr>
       <dsp:style>
-        <a:lnRef idx="1">
-          <a:schemeClr val="accent1"/>
+        <a:lnRef idx="2">
+          <a:scrgbClr r="0" g="0" b="0"/>
         </a:lnRef>
         <a:fillRef idx="1">
-          <a:schemeClr val="lt1">
-            <a:alpha val="90000"/>
-          </a:schemeClr>
+          <a:scrgbClr r="0" g="0" b="0"/>
         </a:fillRef>
-        <a:effectRef idx="2">
-          <a:scrgbClr r="0" g="0" b="0"/>
-        </a:effectRef>
-        <a:fontRef idx="minor"/>
-      </dsp:style>
-      <dsp:txBody>
-        <a:bodyPr lIns="142240" tIns="142240" rIns="142240" bIns="142240" anchor="t"/>
-        <a:lstStyle>
-          <a:lvl1pPr algn="l">
-            <a:defRPr sz="2000"/>
-          </a:lvl1pPr>
-          <a:lvl2pPr marL="171450" indent="-171450" algn="l">
-            <a:defRPr sz="1600"/>
-          </a:lvl2pPr>
-          <a:lvl3pPr marL="342900" indent="-171450" algn="l">
-            <a:defRPr sz="1600"/>
-          </a:lvl3pPr>
-          <a:lvl4pPr marL="514350" indent="-171450" algn="l">
-            <a:defRPr sz="1600"/>
-          </a:lvl4pPr>
-          <a:lvl5pPr marL="685800" indent="-171450" algn="l">
-            <a:defRPr sz="1600"/>
-          </a:lvl5pPr>
-          <a:lvl6pPr marL="857250" indent="-171450" algn="l">
-            <a:defRPr sz="1600"/>
-          </a:lvl6pPr>
-          <a:lvl7pPr marL="1028700" indent="-171450" algn="l">
-            <a:defRPr sz="1600"/>
-          </a:lvl7pPr>
-          <a:lvl8pPr marL="1200150" indent="-171450" algn="l">
-            <a:defRPr sz="1600"/>
-          </a:lvl8pPr>
-          <a:lvl9pPr marL="1371600" indent="-171450" algn="l">
-            <a:defRPr sz="1600"/>
-          </a:lvl9pPr>
-        </a:lstStyle>
-        <a:p>
-          <a:endParaRPr>
-            <a:solidFill>
-              <a:schemeClr val="dk1"/>
-            </a:solidFill>
-          </a:endParaRPr>
-        </a:p>
-      </dsp:txBody>
-      <dsp:txXfrm>
-        <a:off x="2541438" y="1967140"/>
-        <a:ext cx="1403175" cy="1152000"/>
-      </dsp:txXfrm>
-    </dsp:sp>
-    <dsp:sp modelId="{4017AD73-4953-4B56-B4E2-5D84909840A5}">
-      <dsp:nvSpPr>
-        <dsp:cNvPr id="13" name="右箭头 12"/>
-        <dsp:cNvSpPr/>
-      </dsp:nvSpPr>
-      <dsp:spPr bwMode="white">
-        <a:xfrm>
-          <a:off x="3857169" y="1511830"/>
-          <a:ext cx="450959" cy="349350"/>
-        </a:xfrm>
-        <a:prstGeom prst="rightArrow">
-          <a:avLst>
-            <a:gd name="adj1" fmla="val 60000"/>
-            <a:gd name="adj2" fmla="val 50000"/>
-          </a:avLst>
-        </a:prstGeom>
-      </dsp:spPr>
-      <dsp:style>
-        <a:lnRef idx="0">
-          <a:schemeClr val="accent1">
-            <a:tint val="60000"/>
-          </a:schemeClr>
-        </a:lnRef>
-        <a:fillRef idx="3">
-          <a:schemeClr val="accent1">
-            <a:tint val="60000"/>
-          </a:schemeClr>
-        </a:fillRef>
-        <a:effectRef idx="3">
+        <a:effectRef idx="0">
           <a:scrgbClr r="0" g="0" b="0"/>
         </a:effectRef>
         <a:fontRef idx="minor">
@@ -1796,40 +1850,14 @@
         </a:fontRef>
       </dsp:style>
       <dsp:txBody>
-        <a:bodyPr lIns="0" tIns="0" rIns="0" bIns="0" anchor="ctr"/>
-        <a:lstStyle>
-          <a:lvl1pPr algn="ctr">
-            <a:defRPr sz="1300"/>
-          </a:lvl1pPr>
-          <a:lvl2pPr marL="57150" indent="-57150" algn="ctr">
-            <a:defRPr sz="1000"/>
-          </a:lvl2pPr>
-          <a:lvl3pPr marL="114300" indent="-57150" algn="ctr">
-            <a:defRPr sz="1000"/>
-          </a:lvl3pPr>
-          <a:lvl4pPr marL="171450" indent="-57150" algn="ctr">
-            <a:defRPr sz="1000"/>
-          </a:lvl4pPr>
-          <a:lvl5pPr marL="228600" indent="-57150" algn="ctr">
-            <a:defRPr sz="1000"/>
-          </a:lvl5pPr>
-          <a:lvl6pPr marL="285750" indent="-57150" algn="ctr">
-            <a:defRPr sz="1000"/>
-          </a:lvl6pPr>
-          <a:lvl7pPr marL="342900" indent="-57150" algn="ctr">
-            <a:defRPr sz="1000"/>
-          </a:lvl7pPr>
-          <a:lvl8pPr marL="400050" indent="-57150" algn="ctr">
-            <a:defRPr sz="1000"/>
-          </a:lvl8pPr>
-          <a:lvl9pPr marL="457200" indent="-57150" algn="ctr">
-            <a:defRPr sz="1000"/>
-          </a:lvl9pPr>
-        </a:lstStyle>
+        <a:bodyPr spcFirstLastPara="0" vert="horz" wrap="square" lIns="129540" tIns="129540" rIns="129540" bIns="129540" numCol="1" spcCol="1270" anchor="ctr" anchorCtr="0">
+          <a:noAutofit/>
+        </a:bodyPr>
+        <a:lstStyle/>
         <a:p>
-          <a:pPr lvl="0">
+          <a:pPr lvl="0" algn="ctr" defTabSz="1511300">
             <a:lnSpc>
-              <a:spcPct val="100000"/>
+              <a:spcPct val="90000"/>
             </a:lnSpc>
             <a:spcBef>
               <a:spcPct val="0"/>
@@ -1838,37 +1866,63 @@
               <a:spcPct val="35000"/>
             </a:spcAft>
           </a:pPr>
+          <a:r>
+            <a:rPr lang="zh-CN" altLang="en-US" sz="3400" kern="1200" dirty="0" smtClean="0"/>
+            <a:t>测试过程</a:t>
+          </a:r>
+          <a:endParaRPr lang="zh-CN" altLang="en-US" sz="3400" kern="1200" dirty="0"/>
         </a:p>
       </dsp:txBody>
       <dsp:txXfrm>
-        <a:off x="3857169" y="1511830"/>
-        <a:ext cx="450959" cy="349350"/>
+        <a:off x="2310537" y="1692705"/>
+        <a:ext cx="6348550" cy="1373914"/>
       </dsp:txXfrm>
     </dsp:sp>
-    <dsp:sp modelId="{042C6248-CE99-4BA6-9E51-916D6C326D82}">
+    <dsp:sp modelId="{DD6CCC0D-2465-40EF-8237-4B98B4358EB6}">
       <dsp:nvSpPr>
-        <dsp:cNvPr id="14" name="圆角矩形 13"/>
+        <dsp:cNvPr id="0" name=""/>
         <dsp:cNvSpPr/>
       </dsp:nvSpPr>
-      <dsp:spPr bwMode="white">
+      <dsp:spPr>
         <a:xfrm>
-          <a:off x="4508081" y="1405870"/>
-          <a:ext cx="1403175" cy="864000"/>
+          <a:off x="2267793" y="3297732"/>
+          <a:ext cx="2086264" cy="1459402"/>
         </a:xfrm>
         <a:prstGeom prst="roundRect">
           <a:avLst>
             <a:gd name="adj" fmla="val 10000"/>
           </a:avLst>
         </a:prstGeom>
+        <a:solidFill>
+          <a:schemeClr val="accent6">
+            <a:hueOff val="0"/>
+            <a:satOff val="0"/>
+            <a:lumOff val="0"/>
+            <a:alphaOff val="0"/>
+          </a:schemeClr>
+        </a:solidFill>
+        <a:ln w="12700" cap="flat" cmpd="sng" algn="ctr">
+          <a:solidFill>
+            <a:schemeClr val="lt1">
+              <a:hueOff val="0"/>
+              <a:satOff val="0"/>
+              <a:lumOff val="0"/>
+              <a:alphaOff val="0"/>
+            </a:schemeClr>
+          </a:solidFill>
+          <a:prstDash val="solid"/>
+          <a:miter lim="800000"/>
+        </a:ln>
+        <a:effectLst/>
       </dsp:spPr>
       <dsp:style>
-        <a:lnRef idx="0">
-          <a:schemeClr val="lt1"/>
+        <a:lnRef idx="2">
+          <a:scrgbClr r="0" g="0" b="0"/>
         </a:lnRef>
-        <a:fillRef idx="3">
-          <a:schemeClr val="accent1"/>
+        <a:fillRef idx="1">
+          <a:scrgbClr r="0" g="0" b="0"/>
         </a:fillRef>
-        <a:effectRef idx="3">
+        <a:effectRef idx="0">
           <a:scrgbClr r="0" g="0" b="0"/>
         </a:effectRef>
         <a:fontRef idx="minor">
@@ -1876,40 +1930,14 @@
         </a:fontRef>
       </dsp:style>
       <dsp:txBody>
-        <a:bodyPr lIns="142240" tIns="142240" rIns="142240" bIns="76200" anchor="t"/>
-        <a:lstStyle>
-          <a:lvl1pPr algn="l">
-            <a:defRPr sz="2000"/>
-          </a:lvl1pPr>
-          <a:lvl2pPr marL="171450" indent="-171450" algn="l">
-            <a:defRPr sz="1600"/>
-          </a:lvl2pPr>
-          <a:lvl3pPr marL="342900" indent="-171450" algn="l">
-            <a:defRPr sz="1600"/>
-          </a:lvl3pPr>
-          <a:lvl4pPr marL="514350" indent="-171450" algn="l">
-            <a:defRPr sz="1600"/>
-          </a:lvl4pPr>
-          <a:lvl5pPr marL="685800" indent="-171450" algn="l">
-            <a:defRPr sz="1600"/>
-          </a:lvl5pPr>
-          <a:lvl6pPr marL="857250" indent="-171450" algn="l">
-            <a:defRPr sz="1600"/>
-          </a:lvl6pPr>
-          <a:lvl7pPr marL="1028700" indent="-171450" algn="l">
-            <a:defRPr sz="1600"/>
-          </a:lvl7pPr>
-          <a:lvl8pPr marL="1200150" indent="-171450" algn="l">
-            <a:defRPr sz="1600"/>
-          </a:lvl8pPr>
-          <a:lvl9pPr marL="1371600" indent="-171450" algn="l">
-            <a:defRPr sz="1600"/>
-          </a:lvl9pPr>
-        </a:lstStyle>
+        <a:bodyPr spcFirstLastPara="0" vert="horz" wrap="square" lIns="129540" tIns="129540" rIns="129540" bIns="129540" numCol="1" spcCol="1270" anchor="ctr" anchorCtr="0">
+          <a:noAutofit/>
+        </a:bodyPr>
+        <a:lstStyle/>
         <a:p>
-          <a:pPr lvl="0">
+          <a:pPr lvl="0" algn="ctr" defTabSz="1511300">
             <a:lnSpc>
-              <a:spcPct val="100000"/>
+              <a:spcPct val="90000"/>
             </a:lnSpc>
             <a:spcBef>
               <a:spcPct val="0"/>
@@ -1918,117 +1946,63 @@
               <a:spcPct val="35000"/>
             </a:spcAft>
           </a:pPr>
-          <a:endParaRPr altLang="en-US"/>
+          <a:r>
+            <a:rPr lang="zh-CN" altLang="en-US" sz="3400" kern="1200" dirty="0" smtClean="0"/>
+            <a:t>收发数据</a:t>
+          </a:r>
+          <a:endParaRPr lang="zh-CN" altLang="en-US" sz="3400" kern="1200" dirty="0"/>
         </a:p>
       </dsp:txBody>
       <dsp:txXfrm>
-        <a:off x="4508081" y="1405870"/>
-        <a:ext cx="1403175" cy="864000"/>
+        <a:off x="2310537" y="3340476"/>
+        <a:ext cx="2000776" cy="1373914"/>
       </dsp:txXfrm>
     </dsp:sp>
-    <dsp:sp modelId="{65E624B5-1EC2-4B65-8B9C-D4056951DD37}">
+    <dsp:sp modelId="{E1D191CF-7B2A-4E81-8F9B-57C1DF678934}">
       <dsp:nvSpPr>
-        <dsp:cNvPr id="15" name="圆角矩形 14"/>
+        <dsp:cNvPr id="0" name=""/>
         <dsp:cNvSpPr/>
       </dsp:nvSpPr>
-      <dsp:spPr bwMode="white">
+      <dsp:spPr>
         <a:xfrm>
-          <a:off x="4795479" y="1967140"/>
-          <a:ext cx="1403175" cy="1152000"/>
+          <a:off x="4441680" y="3297732"/>
+          <a:ext cx="2086264" cy="1459402"/>
         </a:xfrm>
         <a:prstGeom prst="roundRect">
           <a:avLst>
             <a:gd name="adj" fmla="val 10000"/>
           </a:avLst>
         </a:prstGeom>
+        <a:solidFill>
+          <a:schemeClr val="accent6">
+            <a:hueOff val="0"/>
+            <a:satOff val="0"/>
+            <a:lumOff val="0"/>
+            <a:alphaOff val="0"/>
+          </a:schemeClr>
+        </a:solidFill>
+        <a:ln w="12700" cap="flat" cmpd="sng" algn="ctr">
+          <a:solidFill>
+            <a:schemeClr val="lt1">
+              <a:hueOff val="0"/>
+              <a:satOff val="0"/>
+              <a:lumOff val="0"/>
+              <a:alphaOff val="0"/>
+            </a:schemeClr>
+          </a:solidFill>
+          <a:prstDash val="solid"/>
+          <a:miter lim="800000"/>
+        </a:ln>
+        <a:effectLst/>
       </dsp:spPr>
       <dsp:style>
-        <a:lnRef idx="1">
-          <a:schemeClr val="accent1"/>
+        <a:lnRef idx="2">
+          <a:scrgbClr r="0" g="0" b="0"/>
         </a:lnRef>
         <a:fillRef idx="1">
-          <a:schemeClr val="lt1">
-            <a:alpha val="90000"/>
-          </a:schemeClr>
+          <a:scrgbClr r="0" g="0" b="0"/>
         </a:fillRef>
-        <a:effectRef idx="2">
-          <a:scrgbClr r="0" g="0" b="0"/>
-        </a:effectRef>
-        <a:fontRef idx="minor"/>
-      </dsp:style>
-      <dsp:txBody>
-        <a:bodyPr lIns="142240" tIns="142240" rIns="142240" bIns="142240" anchor="t"/>
-        <a:lstStyle>
-          <a:lvl1pPr algn="l">
-            <a:defRPr sz="2000"/>
-          </a:lvl1pPr>
-          <a:lvl2pPr marL="171450" indent="-171450" algn="l">
-            <a:defRPr sz="1600"/>
-          </a:lvl2pPr>
-          <a:lvl3pPr marL="342900" indent="-171450" algn="l">
-            <a:defRPr sz="1600"/>
-          </a:lvl3pPr>
-          <a:lvl4pPr marL="514350" indent="-171450" algn="l">
-            <a:defRPr sz="1600"/>
-          </a:lvl4pPr>
-          <a:lvl5pPr marL="685800" indent="-171450" algn="l">
-            <a:defRPr sz="1600"/>
-          </a:lvl5pPr>
-          <a:lvl6pPr marL="857250" indent="-171450" algn="l">
-            <a:defRPr sz="1600"/>
-          </a:lvl6pPr>
-          <a:lvl7pPr marL="1028700" indent="-171450" algn="l">
-            <a:defRPr sz="1600"/>
-          </a:lvl7pPr>
-          <a:lvl8pPr marL="1200150" indent="-171450" algn="l">
-            <a:defRPr sz="1600"/>
-          </a:lvl8pPr>
-          <a:lvl9pPr marL="1371600" indent="-171450" algn="l">
-            <a:defRPr sz="1600"/>
-          </a:lvl9pPr>
-        </a:lstStyle>
-        <a:p>
-          <a:endParaRPr>
-            <a:solidFill>
-              <a:schemeClr val="dk1"/>
-            </a:solidFill>
-          </a:endParaRPr>
-        </a:p>
-      </dsp:txBody>
-      <dsp:txXfrm>
-        <a:off x="4795479" y="1967140"/>
-        <a:ext cx="1403175" cy="1152000"/>
-      </dsp:txXfrm>
-    </dsp:sp>
-    <dsp:sp modelId="{58274EFC-9E5F-49BA-8F2E-4ACC8DD1481D}">
-      <dsp:nvSpPr>
-        <dsp:cNvPr id="16" name="右箭头 15"/>
-        <dsp:cNvSpPr/>
-      </dsp:nvSpPr>
-      <dsp:spPr bwMode="white">
-        <a:xfrm>
-          <a:off x="6111210" y="1511830"/>
-          <a:ext cx="450959" cy="349350"/>
-        </a:xfrm>
-        <a:prstGeom prst="rightArrow">
-          <a:avLst>
-            <a:gd name="adj1" fmla="val 60000"/>
-            <a:gd name="adj2" fmla="val 50000"/>
-          </a:avLst>
-        </a:prstGeom>
-      </dsp:spPr>
-      <dsp:style>
-        <a:lnRef idx="0">
-          <a:schemeClr val="accent1">
-            <a:tint val="60000"/>
-          </a:schemeClr>
-        </a:lnRef>
-        <a:fillRef idx="3">
-          <a:schemeClr val="accent1">
-            <a:tint val="60000"/>
-          </a:schemeClr>
-        </a:fillRef>
-        <a:effectRef idx="3">
+        <a:effectRef idx="0">
           <a:scrgbClr r="0" g="0" b="0"/>
         </a:effectRef>
         <a:fontRef idx="minor">
@@ -2036,40 +2010,14 @@
         </a:fontRef>
       </dsp:style>
       <dsp:txBody>
-        <a:bodyPr lIns="0" tIns="0" rIns="0" bIns="0" anchor="ctr"/>
-        <a:lstStyle>
-          <a:lvl1pPr algn="ctr">
-            <a:defRPr sz="1300"/>
-          </a:lvl1pPr>
-          <a:lvl2pPr marL="57150" indent="-57150" algn="ctr">
-            <a:defRPr sz="1000"/>
-          </a:lvl2pPr>
-          <a:lvl3pPr marL="114300" indent="-57150" algn="ctr">
-            <a:defRPr sz="1000"/>
-          </a:lvl3pPr>
-          <a:lvl4pPr marL="171450" indent="-57150" algn="ctr">
-            <a:defRPr sz="1000"/>
-          </a:lvl4pPr>
-          <a:lvl5pPr marL="228600" indent="-57150" algn="ctr">
-            <a:defRPr sz="1000"/>
-          </a:lvl5pPr>
-          <a:lvl6pPr marL="285750" indent="-57150" algn="ctr">
-            <a:defRPr sz="1000"/>
-          </a:lvl6pPr>
-          <a:lvl7pPr marL="342900" indent="-57150" algn="ctr">
-            <a:defRPr sz="1000"/>
-          </a:lvl7pPr>
-          <a:lvl8pPr marL="400050" indent="-57150" algn="ctr">
-            <a:defRPr sz="1000"/>
-          </a:lvl8pPr>
-          <a:lvl9pPr marL="457200" indent="-57150" algn="ctr">
-            <a:defRPr sz="1000"/>
-          </a:lvl9pPr>
-        </a:lstStyle>
+        <a:bodyPr spcFirstLastPara="0" vert="horz" wrap="square" lIns="129540" tIns="129540" rIns="129540" bIns="129540" numCol="1" spcCol="1270" anchor="ctr" anchorCtr="0">
+          <a:noAutofit/>
+        </a:bodyPr>
+        <a:lstStyle/>
         <a:p>
-          <a:pPr lvl="0">
+          <a:pPr lvl="0" algn="ctr" defTabSz="1511300">
             <a:lnSpc>
-              <a:spcPct val="100000"/>
+              <a:spcPct val="90000"/>
             </a:lnSpc>
             <a:spcBef>
               <a:spcPct val="0"/>
@@ -2078,37 +2026,63 @@
               <a:spcPct val="35000"/>
             </a:spcAft>
           </a:pPr>
+          <a:r>
+            <a:rPr lang="zh-CN" altLang="en-US" sz="3400" kern="1200" dirty="0" smtClean="0"/>
+            <a:t>数据验证</a:t>
+          </a:r>
+          <a:endParaRPr lang="zh-CN" altLang="en-US" sz="3400" kern="1200" dirty="0"/>
         </a:p>
       </dsp:txBody>
       <dsp:txXfrm>
-        <a:off x="6111210" y="1511830"/>
-        <a:ext cx="450959" cy="349350"/>
+        <a:off x="4484424" y="3340476"/>
+        <a:ext cx="2000776" cy="1373914"/>
       </dsp:txXfrm>
     </dsp:sp>
-    <dsp:sp modelId="{BC9164B6-8CF0-4879-A265-B22456BE4CF2}">
+    <dsp:sp modelId="{733A17C4-8762-4DF8-9419-4F74CB5818D4}">
       <dsp:nvSpPr>
-        <dsp:cNvPr id="6" name="圆角矩形 5"/>
+        <dsp:cNvPr id="0" name=""/>
         <dsp:cNvSpPr/>
       </dsp:nvSpPr>
-      <dsp:spPr bwMode="white">
+      <dsp:spPr>
         <a:xfrm>
-          <a:off x="6762122" y="1405870"/>
-          <a:ext cx="1403175" cy="864000"/>
+          <a:off x="6615567" y="3297732"/>
+          <a:ext cx="2086264" cy="1459402"/>
         </a:xfrm>
         <a:prstGeom prst="roundRect">
           <a:avLst>
             <a:gd name="adj" fmla="val 10000"/>
           </a:avLst>
         </a:prstGeom>
+        <a:solidFill>
+          <a:schemeClr val="accent6">
+            <a:hueOff val="0"/>
+            <a:satOff val="0"/>
+            <a:lumOff val="0"/>
+            <a:alphaOff val="0"/>
+          </a:schemeClr>
+        </a:solidFill>
+        <a:ln w="12700" cap="flat" cmpd="sng" algn="ctr">
+          <a:solidFill>
+            <a:schemeClr val="lt1">
+              <a:hueOff val="0"/>
+              <a:satOff val="0"/>
+              <a:lumOff val="0"/>
+              <a:alphaOff val="0"/>
+            </a:schemeClr>
+          </a:solidFill>
+          <a:prstDash val="solid"/>
+          <a:miter lim="800000"/>
+        </a:ln>
+        <a:effectLst/>
       </dsp:spPr>
       <dsp:style>
-        <a:lnRef idx="0">
-          <a:schemeClr val="lt1"/>
+        <a:lnRef idx="2">
+          <a:scrgbClr r="0" g="0" b="0"/>
         </a:lnRef>
-        <a:fillRef idx="3">
-          <a:schemeClr val="accent1"/>
+        <a:fillRef idx="1">
+          <a:scrgbClr r="0" g="0" b="0"/>
         </a:fillRef>
-        <a:effectRef idx="3">
+        <a:effectRef idx="0">
           <a:scrgbClr r="0" g="0" b="0"/>
         </a:effectRef>
         <a:fontRef idx="minor">
@@ -2116,40 +2090,14 @@
         </a:fontRef>
       </dsp:style>
       <dsp:txBody>
-        <a:bodyPr lIns="142240" tIns="142240" rIns="142240" bIns="76200" anchor="t"/>
-        <a:lstStyle>
-          <a:lvl1pPr algn="l">
-            <a:defRPr sz="2000"/>
-          </a:lvl1pPr>
-          <a:lvl2pPr marL="114300" indent="-114300" algn="l">
-            <a:defRPr sz="1500"/>
-          </a:lvl2pPr>
-          <a:lvl3pPr marL="228600" indent="-114300" algn="l">
-            <a:defRPr sz="1500"/>
-          </a:lvl3pPr>
-          <a:lvl4pPr marL="342900" indent="-114300" algn="l">
-            <a:defRPr sz="1500"/>
-          </a:lvl4pPr>
-          <a:lvl5pPr marL="457200" indent="-114300" algn="l">
-            <a:defRPr sz="1500"/>
-          </a:lvl5pPr>
-          <a:lvl6pPr marL="571500" indent="-114300" algn="l">
-            <a:defRPr sz="1500"/>
-          </a:lvl6pPr>
-          <a:lvl7pPr marL="685800" indent="-114300" algn="l">
-            <a:defRPr sz="1500"/>
-          </a:lvl7pPr>
-          <a:lvl8pPr marL="800100" indent="-114300" algn="l">
-            <a:defRPr sz="1500"/>
-          </a:lvl8pPr>
-          <a:lvl9pPr marL="914400" indent="-114300" algn="l">
-            <a:defRPr sz="1500"/>
-          </a:lvl9pPr>
-        </a:lstStyle>
+        <a:bodyPr spcFirstLastPara="0" vert="horz" wrap="square" lIns="129540" tIns="129540" rIns="129540" bIns="129540" numCol="1" spcCol="1270" anchor="ctr" anchorCtr="0">
+          <a:noAutofit/>
+        </a:bodyPr>
+        <a:lstStyle/>
         <a:p>
-          <a:pPr lvl="0">
+          <a:pPr lvl="0" algn="ctr" defTabSz="1511300">
             <a:lnSpc>
-              <a:spcPct val="100000"/>
+              <a:spcPct val="90000"/>
             </a:lnSpc>
             <a:spcBef>
               <a:spcPct val="0"/>
@@ -2158,129 +2106,63 @@
               <a:spcPct val="35000"/>
             </a:spcAft>
           </a:pPr>
-          <a:endParaRPr lang="zh-CN" altLang="en-US"/>
+          <a:r>
+            <a:rPr lang="zh-CN" altLang="en-US" sz="3400" kern="1200" dirty="0" smtClean="0"/>
+            <a:t>日志记录</a:t>
+          </a:r>
+          <a:endParaRPr lang="zh-CN" altLang="en-US" sz="3400" kern="1200" dirty="0"/>
         </a:p>
       </dsp:txBody>
       <dsp:txXfrm>
-        <a:off x="6762122" y="1405870"/>
-        <a:ext cx="1403175" cy="864000"/>
+        <a:off x="6658311" y="3340476"/>
+        <a:ext cx="2000776" cy="1373914"/>
       </dsp:txXfrm>
     </dsp:sp>
-    <dsp:sp modelId="{178AD051-CF63-4F1B-9A8E-BC50021CDB7D}">
+    <dsp:sp modelId="{EB0E2488-FA8B-44A4-B3AD-61E4BE0CBBE1}">
       <dsp:nvSpPr>
-        <dsp:cNvPr id="7" name="圆角矩形 6"/>
+        <dsp:cNvPr id="0" name=""/>
         <dsp:cNvSpPr/>
       </dsp:nvSpPr>
-      <dsp:spPr bwMode="white">
+      <dsp:spPr>
         <a:xfrm>
-          <a:off x="7049519" y="1967140"/>
-          <a:ext cx="1403175" cy="1152000"/>
+          <a:off x="8877077" y="1649961"/>
+          <a:ext cx="2086264" cy="1459402"/>
         </a:xfrm>
         <a:prstGeom prst="roundRect">
           <a:avLst>
             <a:gd name="adj" fmla="val 10000"/>
           </a:avLst>
         </a:prstGeom>
+        <a:solidFill>
+          <a:schemeClr val="accent5">
+            <a:hueOff val="0"/>
+            <a:satOff val="0"/>
+            <a:lumOff val="0"/>
+            <a:alphaOff val="0"/>
+          </a:schemeClr>
+        </a:solidFill>
+        <a:ln w="12700" cap="flat" cmpd="sng" algn="ctr">
+          <a:solidFill>
+            <a:schemeClr val="lt1">
+              <a:hueOff val="0"/>
+              <a:satOff val="0"/>
+              <a:lumOff val="0"/>
+              <a:alphaOff val="0"/>
+            </a:schemeClr>
+          </a:solidFill>
+          <a:prstDash val="solid"/>
+          <a:miter lim="800000"/>
+        </a:ln>
+        <a:effectLst/>
       </dsp:spPr>
       <dsp:style>
-        <a:lnRef idx="1">
-          <a:schemeClr val="accent1"/>
+        <a:lnRef idx="2">
+          <a:scrgbClr r="0" g="0" b="0"/>
         </a:lnRef>
         <a:fillRef idx="1">
-          <a:schemeClr val="lt1">
-            <a:alpha val="90000"/>
-          </a:schemeClr>
+          <a:scrgbClr r="0" g="0" b="0"/>
         </a:fillRef>
-        <a:effectRef idx="2">
-          <a:scrgbClr r="0" g="0" b="0"/>
-        </a:effectRef>
-        <a:fontRef idx="minor"/>
-      </dsp:style>
-      <dsp:txBody>
-        <a:bodyPr lIns="142240" tIns="142240" rIns="142240" bIns="142240" anchor="t"/>
-        <a:lstStyle>
-          <a:lvl1pPr algn="l">
-            <a:defRPr sz="2000"/>
-          </a:lvl1pPr>
-          <a:lvl2pPr marL="228600" indent="-228600" algn="l">
-            <a:defRPr sz="2000"/>
-          </a:lvl2pPr>
-          <a:lvl3pPr marL="457200" indent="-228600" algn="l">
-            <a:defRPr sz="2000"/>
-          </a:lvl3pPr>
-          <a:lvl4pPr marL="685800" indent="-228600" algn="l">
-            <a:defRPr sz="2000"/>
-          </a:lvl4pPr>
-          <a:lvl5pPr marL="914400" indent="-228600" algn="l">
-            <a:defRPr sz="2000"/>
-          </a:lvl5pPr>
-          <a:lvl6pPr marL="1143000" indent="-228600" algn="l">
-            <a:defRPr sz="2000"/>
-          </a:lvl6pPr>
-          <a:lvl7pPr marL="1371600" indent="-228600" algn="l">
-            <a:defRPr sz="2000"/>
-          </a:lvl7pPr>
-          <a:lvl8pPr marL="1600200" indent="-228600" algn="l">
-            <a:defRPr sz="2000"/>
-          </a:lvl8pPr>
-          <a:lvl9pPr marL="1828800" indent="-228600" algn="l">
-            <a:defRPr sz="2000"/>
-          </a:lvl9pPr>
-        </a:lstStyle>
-        <a:p>
-          <a:pPr lvl="1">
-            <a:lnSpc>
-              <a:spcPct val="100000"/>
-            </a:lnSpc>
-            <a:spcBef>
-              <a:spcPct val="0"/>
-            </a:spcBef>
-            <a:spcAft>
-              <a:spcPct val="15000"/>
-            </a:spcAft>
-            <a:buChar char="•"/>
-          </a:pPr>
-          <a:endParaRPr lang="zh-CN" altLang="en-US">
-            <a:solidFill>
-              <a:schemeClr val="dk1"/>
-            </a:solidFill>
-          </a:endParaRPr>
-        </a:p>
-      </dsp:txBody>
-      <dsp:txXfrm>
-        <a:off x="7049519" y="1967140"/>
-        <a:ext cx="1403175" cy="1152000"/>
-      </dsp:txXfrm>
-    </dsp:sp>
-    <dsp:sp modelId="{0399D8D5-1252-4D85-9101-B99A296595E1}">
-      <dsp:nvSpPr>
-        <dsp:cNvPr id="8" name="右箭头 7"/>
-        <dsp:cNvSpPr/>
-      </dsp:nvSpPr>
-      <dsp:spPr bwMode="white">
-        <a:xfrm>
-          <a:off x="8365250" y="1511830"/>
-          <a:ext cx="450959" cy="349350"/>
-        </a:xfrm>
-        <a:prstGeom prst="rightArrow">
-          <a:avLst>
-            <a:gd name="adj1" fmla="val 60000"/>
-            <a:gd name="adj2" fmla="val 50000"/>
-          </a:avLst>
-        </a:prstGeom>
-      </dsp:spPr>
-      <dsp:style>
-        <a:lnRef idx="0">
-          <a:schemeClr val="accent1">
-            <a:tint val="60000"/>
-          </a:schemeClr>
-        </a:lnRef>
-        <a:fillRef idx="3">
-          <a:schemeClr val="accent1">
-            <a:tint val="60000"/>
-          </a:schemeClr>
-        </a:fillRef>
-        <a:effectRef idx="3">
+        <a:effectRef idx="0">
           <a:scrgbClr r="0" g="0" b="0"/>
         </a:effectRef>
         <a:fontRef idx="minor">
@@ -2288,40 +2170,14 @@
         </a:fontRef>
       </dsp:style>
       <dsp:txBody>
-        <a:bodyPr lIns="0" tIns="0" rIns="0" bIns="0" anchor="ctr"/>
-        <a:lstStyle>
-          <a:lvl1pPr algn="ctr">
-            <a:defRPr sz="1300"/>
-          </a:lvl1pPr>
-          <a:lvl2pPr marL="57150" indent="-57150" algn="ctr">
-            <a:defRPr sz="1000"/>
-          </a:lvl2pPr>
-          <a:lvl3pPr marL="114300" indent="-57150" algn="ctr">
-            <a:defRPr sz="1000"/>
-          </a:lvl3pPr>
-          <a:lvl4pPr marL="171450" indent="-57150" algn="ctr">
-            <a:defRPr sz="1000"/>
-          </a:lvl4pPr>
-          <a:lvl5pPr marL="228600" indent="-57150" algn="ctr">
-            <a:defRPr sz="1000"/>
-          </a:lvl5pPr>
-          <a:lvl6pPr marL="285750" indent="-57150" algn="ctr">
-            <a:defRPr sz="1000"/>
-          </a:lvl6pPr>
-          <a:lvl7pPr marL="342900" indent="-57150" algn="ctr">
-            <a:defRPr sz="1000"/>
-          </a:lvl7pPr>
-          <a:lvl8pPr marL="400050" indent="-57150" algn="ctr">
-            <a:defRPr sz="1000"/>
-          </a:lvl8pPr>
-          <a:lvl9pPr marL="457200" indent="-57150" algn="ctr">
-            <a:defRPr sz="1000"/>
-          </a:lvl9pPr>
-        </a:lstStyle>
+        <a:bodyPr spcFirstLastPara="0" vert="horz" wrap="square" lIns="129540" tIns="129540" rIns="129540" bIns="129540" numCol="1" spcCol="1270" anchor="ctr" anchorCtr="0">
+          <a:noAutofit/>
+        </a:bodyPr>
+        <a:lstStyle/>
         <a:p>
-          <a:pPr lvl="0">
+          <a:pPr lvl="0" algn="ctr" defTabSz="1511300">
             <a:lnSpc>
-              <a:spcPct val="100000"/>
+              <a:spcPct val="90000"/>
             </a:lnSpc>
             <a:spcBef>
               <a:spcPct val="0"/>
@@ -2330,38 +2186,63 @@
               <a:spcPct val="35000"/>
             </a:spcAft>
           </a:pPr>
-          <a:endParaRPr lang="zh-CN" altLang="en-US"/>
+          <a:r>
+            <a:rPr lang="zh-CN" altLang="en-US" sz="3400" kern="1200" dirty="0" smtClean="0"/>
+            <a:t>测试结果</a:t>
+          </a:r>
+          <a:endParaRPr lang="zh-CN" altLang="en-US" sz="3400" kern="1200" dirty="0"/>
         </a:p>
       </dsp:txBody>
       <dsp:txXfrm>
-        <a:off x="8365250" y="1511830"/>
-        <a:ext cx="450959" cy="349350"/>
+        <a:off x="8919821" y="1692705"/>
+        <a:ext cx="2000776" cy="1373914"/>
       </dsp:txXfrm>
     </dsp:sp>
-    <dsp:sp modelId="{11B51A25-BC1E-4A01-8D9E-AE2F8BBE02A0}">
+    <dsp:sp modelId="{E32B45D9-A9C4-4E8D-9BD0-04E8CD541A40}">
       <dsp:nvSpPr>
-        <dsp:cNvPr id="9" name="圆角矩形 8"/>
+        <dsp:cNvPr id="0" name=""/>
         <dsp:cNvSpPr/>
       </dsp:nvSpPr>
-      <dsp:spPr bwMode="white">
+      <dsp:spPr>
         <a:xfrm>
-          <a:off x="9016162" y="1405870"/>
-          <a:ext cx="1403175" cy="864000"/>
+          <a:off x="8877077" y="3297732"/>
+          <a:ext cx="2086264" cy="1459402"/>
         </a:xfrm>
         <a:prstGeom prst="roundRect">
           <a:avLst>
             <a:gd name="adj" fmla="val 10000"/>
           </a:avLst>
         </a:prstGeom>
+        <a:solidFill>
+          <a:schemeClr val="accent6">
+            <a:hueOff val="0"/>
+            <a:satOff val="0"/>
+            <a:lumOff val="0"/>
+            <a:alphaOff val="0"/>
+          </a:schemeClr>
+        </a:solidFill>
+        <a:ln w="12700" cap="flat" cmpd="sng" algn="ctr">
+          <a:solidFill>
+            <a:schemeClr val="lt1">
+              <a:hueOff val="0"/>
+              <a:satOff val="0"/>
+              <a:lumOff val="0"/>
+              <a:alphaOff val="0"/>
+            </a:schemeClr>
+          </a:solidFill>
+          <a:prstDash val="solid"/>
+          <a:miter lim="800000"/>
+        </a:ln>
+        <a:effectLst/>
       </dsp:spPr>
       <dsp:style>
-        <a:lnRef idx="0">
-          <a:schemeClr val="lt1"/>
+        <a:lnRef idx="2">
+          <a:scrgbClr r="0" g="0" b="0"/>
         </a:lnRef>
-        <a:fillRef idx="3">
-          <a:schemeClr val="accent1"/>
+        <a:fillRef idx="1">
+          <a:scrgbClr r="0" g="0" b="0"/>
         </a:fillRef>
-        <a:effectRef idx="3">
+        <a:effectRef idx="0">
           <a:scrgbClr r="0" g="0" b="0"/>
         </a:effectRef>
         <a:fontRef idx="minor">
@@ -2369,40 +2250,14 @@
         </a:fontRef>
       </dsp:style>
       <dsp:txBody>
-        <a:bodyPr lIns="142240" tIns="142240" rIns="142240" bIns="76200" anchor="t"/>
-        <a:lstStyle>
-          <a:lvl1pPr algn="l">
-            <a:defRPr sz="2000"/>
-          </a:lvl1pPr>
-          <a:lvl2pPr marL="114300" indent="-114300" algn="l">
-            <a:defRPr sz="1500"/>
-          </a:lvl2pPr>
-          <a:lvl3pPr marL="228600" indent="-114300" algn="l">
-            <a:defRPr sz="1500"/>
-          </a:lvl3pPr>
-          <a:lvl4pPr marL="342900" indent="-114300" algn="l">
-            <a:defRPr sz="1500"/>
-          </a:lvl4pPr>
-          <a:lvl5pPr marL="457200" indent="-114300" algn="l">
-            <a:defRPr sz="1500"/>
-          </a:lvl5pPr>
-          <a:lvl6pPr marL="571500" indent="-114300" algn="l">
-            <a:defRPr sz="1500"/>
-          </a:lvl6pPr>
-          <a:lvl7pPr marL="685800" indent="-114300" algn="l">
-            <a:defRPr sz="1500"/>
-          </a:lvl7pPr>
-          <a:lvl8pPr marL="800100" indent="-114300" algn="l">
-            <a:defRPr sz="1500"/>
-          </a:lvl8pPr>
-          <a:lvl9pPr marL="914400" indent="-114300" algn="l">
-            <a:defRPr sz="1500"/>
-          </a:lvl9pPr>
-        </a:lstStyle>
+        <a:bodyPr spcFirstLastPara="0" vert="horz" wrap="square" lIns="129540" tIns="129540" rIns="129540" bIns="129540" numCol="1" spcCol="1270" anchor="ctr" anchorCtr="0">
+          <a:noAutofit/>
+        </a:bodyPr>
+        <a:lstStyle/>
         <a:p>
-          <a:pPr lvl="0">
+          <a:pPr lvl="0" algn="ctr" defTabSz="1511300">
             <a:lnSpc>
-              <a:spcPct val="100000"/>
+              <a:spcPct val="90000"/>
             </a:lnSpc>
             <a:spcBef>
               <a:spcPct val="0"/>
@@ -2411,98 +2266,16 @@
               <a:spcPct val="35000"/>
             </a:spcAft>
           </a:pPr>
-          <a:endParaRPr lang="zh-CN" altLang="en-US"/>
+          <a:r>
+            <a:rPr lang="zh-CN" altLang="en-US" sz="3400" kern="1200" dirty="0" smtClean="0"/>
+            <a:t>测试报告</a:t>
+          </a:r>
+          <a:endParaRPr lang="zh-CN" altLang="en-US" sz="3400" kern="1200" dirty="0"/>
         </a:p>
       </dsp:txBody>
       <dsp:txXfrm>
-        <a:off x="9016162" y="1405870"/>
-        <a:ext cx="1403175" cy="864000"/>
-      </dsp:txXfrm>
-    </dsp:sp>
-    <dsp:sp modelId="{A049FDA1-9B71-4C54-9B2E-EB8FFCDFB2F4}">
-      <dsp:nvSpPr>
-        <dsp:cNvPr id="10" name="圆角矩形 9"/>
-        <dsp:cNvSpPr/>
-      </dsp:nvSpPr>
-      <dsp:spPr bwMode="white">
-        <a:xfrm>
-          <a:off x="9303560" y="1967140"/>
-          <a:ext cx="1403175" cy="1152000"/>
-        </a:xfrm>
-        <a:prstGeom prst="roundRect">
-          <a:avLst>
-            <a:gd name="adj" fmla="val 10000"/>
-          </a:avLst>
-        </a:prstGeom>
-      </dsp:spPr>
-      <dsp:style>
-        <a:lnRef idx="1">
-          <a:schemeClr val="accent1"/>
-        </a:lnRef>
-        <a:fillRef idx="1">
-          <a:schemeClr val="lt1">
-            <a:alpha val="90000"/>
-          </a:schemeClr>
-        </a:fillRef>
-        <a:effectRef idx="2">
-          <a:scrgbClr r="0" g="0" b="0"/>
-        </a:effectRef>
-        <a:fontRef idx="minor"/>
-      </dsp:style>
-      <dsp:txBody>
-        <a:bodyPr lIns="142240" tIns="142240" rIns="142240" bIns="142240" anchor="t"/>
-        <a:lstStyle>
-          <a:lvl1pPr algn="l">
-            <a:defRPr sz="2000"/>
-          </a:lvl1pPr>
-          <a:lvl2pPr marL="228600" indent="-228600" algn="l">
-            <a:defRPr sz="2000"/>
-          </a:lvl2pPr>
-          <a:lvl3pPr marL="457200" indent="-228600" algn="l">
-            <a:defRPr sz="2000"/>
-          </a:lvl3pPr>
-          <a:lvl4pPr marL="685800" indent="-228600" algn="l">
-            <a:defRPr sz="2000"/>
-          </a:lvl4pPr>
-          <a:lvl5pPr marL="914400" indent="-228600" algn="l">
-            <a:defRPr sz="2000"/>
-          </a:lvl5pPr>
-          <a:lvl6pPr marL="1143000" indent="-228600" algn="l">
-            <a:defRPr sz="2000"/>
-          </a:lvl6pPr>
-          <a:lvl7pPr marL="1371600" indent="-228600" algn="l">
-            <a:defRPr sz="2000"/>
-          </a:lvl7pPr>
-          <a:lvl8pPr marL="1600200" indent="-228600" algn="l">
-            <a:defRPr sz="2000"/>
-          </a:lvl8pPr>
-          <a:lvl9pPr marL="1828800" indent="-228600" algn="l">
-            <a:defRPr sz="2000"/>
-          </a:lvl9pPr>
-        </a:lstStyle>
-        <a:p>
-          <a:pPr lvl="1">
-            <a:lnSpc>
-              <a:spcPct val="100000"/>
-            </a:lnSpc>
-            <a:spcBef>
-              <a:spcPct val="0"/>
-            </a:spcBef>
-            <a:spcAft>
-              <a:spcPct val="15000"/>
-            </a:spcAft>
-            <a:buChar char="•"/>
-          </a:pPr>
-          <a:endParaRPr lang="zh-CN" altLang="en-US">
-            <a:solidFill>
-              <a:schemeClr val="dk1"/>
-            </a:solidFill>
-          </a:endParaRPr>
-        </a:p>
-      </dsp:txBody>
-      <dsp:txXfrm>
-        <a:off x="9303560" y="1967140"/>
-        <a:ext cx="1403175" cy="1152000"/>
+        <a:off x="8919821" y="3340476"/>
+        <a:ext cx="2000776" cy="1373914"/>
       </dsp:txXfrm>
     </dsp:sp>
   </dsp:spTree>
@@ -2510,11 +2283,13 @@
 </file>
 
 <file path=ppt/diagrams/layout1.xml><?xml version="1.0" encoding="utf-8"?>
-<dgm:layoutDef xmlns:dgm="http://schemas.openxmlformats.org/drawingml/2006/diagram" xmlns:a="http://schemas.openxmlformats.org/drawingml/2006/main" uniqueId="urn:microsoft.com/office/officeart/2005/8/layout/process3">
+<dgm:layoutDef xmlns:dgm="http://schemas.openxmlformats.org/drawingml/2006/diagram" xmlns:a="http://schemas.openxmlformats.org/drawingml/2006/main" uniqueId="urn:microsoft.com/office/officeart/2005/8/layout/hierarchy4">
   <dgm:title val=""/>
   <dgm:desc val=""/>
   <dgm:catLst>
-    <dgm:cat type="process" pri="2000"/>
+    <dgm:cat type="hierarchy" pri="4000"/>
+    <dgm:cat type="list" pri="24000"/>
+    <dgm:cat type="relationship" pri="10000"/>
   </dgm:catLst>
   <dgm:sampData>
     <dgm:dataModel>
@@ -2523,13 +2298,13 @@
         <dgm:pt modelId="1">
           <dgm:prSet phldr="1"/>
         </dgm:pt>
-        <dgm:pt modelId="11">
-          <dgm:prSet phldr="1"/>
-        </dgm:pt>
         <dgm:pt modelId="2">
           <dgm:prSet phldr="1"/>
         </dgm:pt>
         <dgm:pt modelId="21">
+          <dgm:prSet phldr="1"/>
+        </dgm:pt>
+        <dgm:pt modelId="22">
           <dgm:prSet phldr="1"/>
         </dgm:pt>
         <dgm:pt modelId="3">
@@ -2541,11 +2316,11 @@
       </dgm:ptLst>
       <dgm:cxnLst>
         <dgm:cxn modelId="4" srcId="0" destId="1" srcOrd="0" destOrd="0"/>
-        <dgm:cxn modelId="5" srcId="0" destId="2" srcOrd="1" destOrd="0"/>
-        <dgm:cxn modelId="6" srcId="0" destId="3" srcOrd="3" destOrd="0"/>
-        <dgm:cxn modelId="12" srcId="1" destId="11" srcOrd="0" destOrd="0"/>
+        <dgm:cxn modelId="5" srcId="1" destId="2" srcOrd="0" destOrd="0"/>
+        <dgm:cxn modelId="6" srcId="1" destId="3" srcOrd="1" destOrd="0"/>
         <dgm:cxn modelId="23" srcId="2" destId="21" srcOrd="0" destOrd="0"/>
-        <dgm:cxn modelId="34" srcId="3" destId="31" srcOrd="0" destOrd="0"/>
+        <dgm:cxn modelId="24" srcId="2" destId="22" srcOrd="1" destOrd="0"/>
+        <dgm:cxn modelId="33" srcId="3" destId="31" srcOrd="0" destOrd="0"/>
       </dgm:cxnLst>
       <dgm:bg/>
       <dgm:whole/>
@@ -2554,27 +2329,15 @@
   <dgm:styleData>
     <dgm:dataModel>
       <dgm:ptLst>
-        <dgm:pt modelId="0" type="doc">
-          <dgm:prSet qsTypeId="urn:microsoft.com/office/officeart/2005/8/quickstyle/simple5"/>
-        </dgm:pt>
-        <dgm:pt modelId="1">
-          <dgm:prSet phldr="1"/>
-        </dgm:pt>
-        <dgm:pt modelId="11">
-          <dgm:prSet phldr="1"/>
-        </dgm:pt>
-        <dgm:pt modelId="2">
-          <dgm:prSet phldr="1"/>
-        </dgm:pt>
-        <dgm:pt modelId="21">
-          <dgm:prSet phldr="1"/>
-        </dgm:pt>
+        <dgm:pt modelId="0" type="doc"/>
+        <dgm:pt modelId="1"/>
+        <dgm:pt modelId="11"/>
+        <dgm:pt modelId="12"/>
       </dgm:ptLst>
       <dgm:cxnLst>
-        <dgm:cxn modelId="4" srcId="0" destId="1" srcOrd="0" destOrd="0"/>
-        <dgm:cxn modelId="5" srcId="0" destId="2" srcOrd="1" destOrd="0"/>
+        <dgm:cxn modelId="2" srcId="0" destId="1" srcOrd="0" destOrd="0"/>
         <dgm:cxn modelId="13" srcId="1" destId="11" srcOrd="0" destOrd="0"/>
-        <dgm:cxn modelId="23" srcId="2" destId="21" srcOrd="0" destOrd="0"/>
+        <dgm:cxn modelId="14" srcId="1" destId="12" srcOrd="1" destOrd="0"/>
       </dgm:cxnLst>
       <dgm:bg/>
       <dgm:whole/>
@@ -2584,58 +2347,46 @@
     <dgm:dataModel>
       <dgm:ptLst>
         <dgm:pt modelId="0" type="doc"/>
-        <dgm:pt modelId="1">
-          <dgm:prSet phldr="1"/>
-        </dgm:pt>
-        <dgm:pt modelId="11">
-          <dgm:prSet phldr="1"/>
-        </dgm:pt>
-        <dgm:pt modelId="2">
-          <dgm:prSet phldr="1"/>
-        </dgm:pt>
-        <dgm:pt modelId="21">
-          <dgm:prSet phldr="1"/>
-        </dgm:pt>
-        <dgm:pt modelId="3">
-          <dgm:prSet phldr="1"/>
-        </dgm:pt>
-        <dgm:pt modelId="31">
-          <dgm:prSet phldr="1"/>
-        </dgm:pt>
-        <dgm:pt modelId="4">
-          <dgm:prSet phldr="1"/>
-        </dgm:pt>
-        <dgm:pt modelId="41">
-          <dgm:prSet phldr="1"/>
-        </dgm:pt>
+        <dgm:pt modelId="1"/>
+        <dgm:pt modelId="2"/>
+        <dgm:pt modelId="21"/>
+        <dgm:pt modelId="211"/>
+        <dgm:pt modelId="3"/>
+        <dgm:pt modelId="31"/>
+        <dgm:pt modelId="311"/>
       </dgm:ptLst>
       <dgm:cxnLst>
-        <dgm:cxn modelId="5" srcId="0" destId="1" srcOrd="0" destOrd="0"/>
-        <dgm:cxn modelId="6" srcId="0" destId="2" srcOrd="1" destOrd="0"/>
-        <dgm:cxn modelId="7" srcId="0" destId="3" srcOrd="2" destOrd="0"/>
-        <dgm:cxn modelId="8" srcId="0" destId="4" srcOrd="3" destOrd="0"/>
-        <dgm:cxn modelId="13" srcId="1" destId="11" srcOrd="0" destOrd="0"/>
+        <dgm:cxn modelId="4" srcId="0" destId="1" srcOrd="0" destOrd="0"/>
+        <dgm:cxn modelId="5" srcId="1" destId="2" srcOrd="0" destOrd="0"/>
+        <dgm:cxn modelId="6" srcId="1" destId="3" srcOrd="1" destOrd="0"/>
         <dgm:cxn modelId="23" srcId="2" destId="21" srcOrd="0" destOrd="0"/>
+        <dgm:cxn modelId="24" srcId="21" destId="211" srcOrd="0" destOrd="0"/>
         <dgm:cxn modelId="33" srcId="3" destId="31" srcOrd="0" destOrd="0"/>
-        <dgm:cxn modelId="43" srcId="4" destId="41" srcOrd="0" destOrd="0"/>
+        <dgm:cxn modelId="34" srcId="31" destId="311" srcOrd="0" destOrd="0"/>
       </dgm:cxnLst>
       <dgm:bg/>
       <dgm:whole/>
     </dgm:dataModel>
   </dgm:clrData>
-  <dgm:layoutNode name="linearFlow">
+  <dgm:layoutNode name="Name0">
     <dgm:varLst>
+      <dgm:chPref val="1"/>
       <dgm:dir/>
+      <dgm:animOne val="branch"/>
       <dgm:animLvl val="lvl"/>
-      <dgm:resizeHandles val="exact"/>
+      <dgm:resizeHandles/>
     </dgm:varLst>
-    <dgm:choose name="Name0">
-      <dgm:if name="Name1" func="var" arg="dir" op="equ" val="norm">
-        <dgm:alg type="lin"/>
+    <dgm:choose name="Name1">
+      <dgm:if name="Name2" func="var" arg="dir" op="equ" val="norm">
+        <dgm:alg type="lin">
+          <dgm:param type="linDir" val="fromL"/>
+          <dgm:param type="nodeVertAlign" val="t"/>
+        </dgm:alg>
       </dgm:if>
-      <dgm:else name="Name2">
+      <dgm:else name="Name3">
         <dgm:alg type="lin">
           <dgm:param type="linDir" val="fromR"/>
+          <dgm:param type="nodeVertAlign" val="t"/>
         </dgm:alg>
       </dgm:else>
     </dgm:choose>
@@ -2644,218 +2395,617 @@
     </dgm:shape>
     <dgm:presOf/>
     <dgm:constrLst>
-      <dgm:constr type="w" for="ch" forName="composite" refType="w"/>
-      <dgm:constr type="w" for="ch" ptType="sibTrans" refType="w" refFor="ch" refForName="composite" fact="0.3333"/>
-      <dgm:constr type="w" for="des" forName="parTx"/>
-      <dgm:constr type="h" for="des" forName="parTx" op="equ"/>
-      <dgm:constr type="h" for="des" forName="parSh" op="equ"/>
-      <dgm:constr type="w" for="des" forName="desTx"/>
-      <dgm:constr type="h" for="des" forName="desTx" op="equ"/>
-      <dgm:constr type="w" for="des" forName="parSh"/>
-      <dgm:constr type="primFontSz" for="des" forName="parTx" val="65"/>
-      <dgm:constr type="secFontSz" for="des" forName="desTx" refType="primFontSz" refFor="des" refForName="parTx" op="equ"/>
-      <dgm:constr type="primFontSz" for="des" forName="connTx" refType="primFontSz" refFor="des" refForName="parTx" fact="0.8"/>
-      <dgm:constr type="primFontSz" for="des" forName="connTx" refType="primFontSz" refFor="des" refForName="parTx" op="lte" fact="0.8"/>
-      <dgm:constr type="h" for="des" forName="parTx" refType="primFontSz" refFor="des" refForName="parTx" fact="0.8"/>
-      <dgm:constr type="h" for="des" forName="parSh" refType="primFontSz" refFor="des" refForName="parTx" fact="1.2"/>
-      <dgm:constr type="h" for="des" forName="desTx" refType="primFontSz" refFor="des" refForName="parTx" fact="1.6"/>
-      <dgm:constr type="h" for="des" forName="parSh" refType="h" refFor="des" refForName="parTx" op="lte" fact="1.5"/>
-      <dgm:constr type="h" for="des" forName="parSh" refType="h" refFor="des" refForName="parTx" op="gte" fact="1.5"/>
+      <dgm:constr type="w" for="ch" forName="vertOne" refType="w"/>
+      <dgm:constr type="w" for="des" forName="horzOne" refType="w"/>
+      <dgm:constr type="w" for="des" forName="txOne" refType="w"/>
+      <dgm:constr type="w" for="des" forName="vertTwo" refType="w"/>
+      <dgm:constr type="w" for="des" forName="horzTwo" refType="w"/>
+      <dgm:constr type="w" for="des" forName="txTwo" refType="w"/>
+      <dgm:constr type="w" for="des" forName="vertThree" refType="w"/>
+      <dgm:constr type="w" for="des" forName="horzThree" refType="w"/>
+      <dgm:constr type="w" for="des" forName="txThree" refType="w"/>
+      <dgm:constr type="w" for="des" forName="vertFour" refType="w"/>
+      <dgm:constr type="w" for="des" forName="horzFour" refType="w"/>
+      <dgm:constr type="w" for="des" forName="txFour" refType="w"/>
+      <dgm:constr type="h" for="des" ptType="node" op="equ"/>
+      <dgm:constr type="h" for="des" forName="txOne" refType="h"/>
+      <dgm:constr type="userH" for="des" ptType="node" refType="h" refFor="des" refForName="txOne"/>
+      <dgm:constr type="primFontSz" for="des" forName="txOne" val="65"/>
+      <dgm:constr type="primFontSz" for="des" forName="txTwo" val="65"/>
+      <dgm:constr type="primFontSz" for="des" forName="txTwo" refType="primFontSz" refFor="des" refForName="txOne" op="lte"/>
+      <dgm:constr type="primFontSz" for="des" forName="txThree" val="65"/>
+      <dgm:constr type="primFontSz" for="des" forName="txThree" refType="primFontSz" refFor="des" refForName="txOne" op="lte"/>
+      <dgm:constr type="primFontSz" for="des" forName="txThree" refType="primFontSz" refFor="des" refForName="txTwo" op="lte"/>
+      <dgm:constr type="primFontSz" for="des" forName="txFour" val="65"/>
+      <dgm:constr type="primFontSz" for="des" forName="txFour" refType="primFontSz" refFor="des" refForName="txOne" op="lte"/>
+      <dgm:constr type="primFontSz" for="des" forName="txFour" refType="primFontSz" refFor="des" refForName="txTwo" op="lte"/>
+      <dgm:constr type="primFontSz" for="des" forName="txFour" refType="primFontSz" refFor="des" refForName="txThree" op="lte"/>
+      <dgm:constr type="w" for="des" forName="sibSpaceOne" refType="w" fact="0.168"/>
+      <dgm:constr type="w" for="des" forName="sibSpaceTwo" refType="w" refFor="des" refForName="sibSpaceOne" op="equ" fact="0.5"/>
+      <dgm:constr type="w" for="des" forName="sibSpaceThree" refType="w" refFor="des" refForName="sibSpaceTwo" op="equ" fact="0.5"/>
+      <dgm:constr type="w" for="des" forName="sibSpaceFour" refType="w" refFor="des" refForName="sibSpaceThree" op="equ" fact="0.5"/>
+      <dgm:constr type="h" for="des" forName="parTransOne" refType="w" fact="0.056"/>
+      <dgm:constr type="h" for="des" forName="parTransTwo" refType="h" refFor="des" refForName="parTransOne" op="equ"/>
+      <dgm:constr type="h" for="des" forName="parTransThree" refType="h" refFor="des" refForName="parTransTwo" op="equ"/>
+      <dgm:constr type="h" for="des" forName="parTransFour" refType="h" refFor="des" refForName="parTransThree" op="equ"/>
     </dgm:constrLst>
-    <dgm:ruleLst>
-      <dgm:rule type="w" for="ch" forName="composite" val="0" fact="NaN" max="NaN"/>
-      <dgm:rule type="primFontSz" for="des" forName="parTx" val="5" fact="NaN" max="NaN"/>
-    </dgm:ruleLst>
-    <dgm:forEach name="Name3" axis="ch" ptType="node">
-      <dgm:layoutNode name="composite">
-        <dgm:alg type="composite"/>
+    <dgm:ruleLst/>
+    <dgm:forEach name="Name4" axis="ch" ptType="node">
+      <dgm:layoutNode name="vertOne">
+        <dgm:alg type="lin">
+          <dgm:param type="linDir" val="fromT"/>
+        </dgm:alg>
         <dgm:shape xmlns:r="http://schemas.openxmlformats.org/officeDocument/2006/relationships" r:blip="">
           <dgm:adjLst/>
         </dgm:shape>
         <dgm:presOf/>
-        <dgm:choose name="Name4">
-          <dgm:if name="Name5" func="var" arg="dir" op="equ" val="norm">
-            <dgm:constrLst>
-              <dgm:constr type="h" refType="w" fact="1000"/>
-              <dgm:constr type="l" for="ch" forName="parTx"/>
-              <dgm:constr type="w" for="ch" forName="parTx" refType="w" fact="0.83"/>
-              <dgm:constr type="t" for="ch" forName="parTx"/>
-              <dgm:constr type="l" for="ch" forName="parSh"/>
-              <dgm:constr type="w" for="ch" forName="parSh" refType="w" refFor="ch" refForName="parTx"/>
-              <dgm:constr type="t" for="ch" forName="parSh"/>
-              <dgm:constr type="l" for="ch" forName="desTx" refType="w" fact="0.17"/>
-              <dgm:constr type="w" for="ch" forName="desTx" refType="w" refFor="ch" refForName="parTx"/>
-              <dgm:constr type="t" for="ch" forName="desTx" refType="h" refFor="ch" refForName="parTx"/>
-            </dgm:constrLst>
-          </dgm:if>
-          <dgm:else name="Name6">
-            <dgm:constrLst>
-              <dgm:constr type="h" refType="w" fact="1000"/>
-              <dgm:constr type="l" for="ch" forName="parTx" refType="w" fact="0.17"/>
-              <dgm:constr type="w" for="ch" forName="parTx" refType="w" fact="0.83"/>
-              <dgm:constr type="t" for="ch" forName="parTx"/>
-              <dgm:constr type="l" for="ch" forName="parSh" refType="w" fact="0.15"/>
-              <dgm:constr type="w" for="ch" forName="parSh" refType="w" refFor="ch" refForName="parTx"/>
-              <dgm:constr type="t" for="ch" forName="parSh"/>
-              <dgm:constr type="l" for="ch" forName="desTx"/>
-              <dgm:constr type="w" for="ch" forName="desTx" refType="w" refFor="ch" refForName="parTx"/>
-              <dgm:constr type="t" for="ch" forName="desTx" refType="h" refFor="ch" refForName="parTx"/>
-            </dgm:constrLst>
-          </dgm:else>
-        </dgm:choose>
-        <dgm:ruleLst>
-          <dgm:rule type="h" val="INF" fact="NaN" max="NaN"/>
-        </dgm:ruleLst>
-        <dgm:layoutNode name="parTx">
+        <dgm:constrLst>
+          <dgm:constr type="w" for="ch" forName="txOne" refType="w" refFor="ch" refForName="horzOne" op="gte"/>
+        </dgm:constrLst>
+        <dgm:ruleLst/>
+        <dgm:layoutNode name="txOne" styleLbl="node0">
           <dgm:varLst>
-            <dgm:chMax val="0"/>
-            <dgm:chPref val="0"/>
-            <dgm:bulletEnabled val="1"/>
+            <dgm:chPref val="3"/>
           </dgm:varLst>
-          <dgm:alg type="tx">
-            <dgm:param type="parTxLTRAlign" val="l"/>
-            <dgm:param type="parTxRTLAlign" val="r"/>
-            <dgm:param type="txAnchorVert" val="t"/>
-          </dgm:alg>
-          <dgm:shape xmlns:r="http://schemas.openxmlformats.org/officeDocument/2006/relationships" type="rect" r:blip="" zOrderOff="1" hideGeom="1">
-            <dgm:adjLst>
-              <dgm:adj idx="1" val="0.1"/>
-            </dgm:adjLst>
-          </dgm:shape>
-          <dgm:presOf axis="self" ptType="node"/>
-          <dgm:constrLst>
-            <dgm:constr type="h" refType="w" op="lte" fact="0.4"/>
-            <dgm:constr type="bMarg" refType="primFontSz" fact="0.3"/>
-            <dgm:constr type="h"/>
-          </dgm:constrLst>
-          <dgm:ruleLst>
-            <dgm:rule type="h" val="INF" fact="NaN" max="NaN"/>
-          </dgm:ruleLst>
-        </dgm:layoutNode>
-        <dgm:layoutNode name="parSh">
-          <dgm:alg type="sp"/>
+          <dgm:alg type="tx"/>
           <dgm:shape xmlns:r="http://schemas.openxmlformats.org/officeDocument/2006/relationships" type="roundRect" r:blip="">
             <dgm:adjLst>
               <dgm:adj idx="1" val="0.1"/>
             </dgm:adjLst>
           </dgm:shape>
-          <dgm:presOf axis="self" ptType="node"/>
+          <dgm:presOf axis="self"/>
           <dgm:constrLst>
-            <dgm:constr type="h"/>
-          </dgm:constrLst>
-          <dgm:ruleLst/>
-        </dgm:layoutNode>
-        <dgm:layoutNode name="desTx" styleLbl="fgAcc1">
-          <dgm:varLst>
-            <dgm:bulletEnabled val="1"/>
-          </dgm:varLst>
-          <dgm:alg type="tx">
-            <dgm:param type="stBulletLvl" val="1"/>
-          </dgm:alg>
-          <dgm:shape xmlns:r="http://schemas.openxmlformats.org/officeDocument/2006/relationships" type="roundRect" r:blip="">
-            <dgm:adjLst>
-              <dgm:adj idx="1" val="0.1"/>
-            </dgm:adjLst>
-          </dgm:shape>
-          <dgm:presOf axis="des" ptType="node"/>
-          <dgm:constrLst>
-            <dgm:constr type="secFontSz" val="65"/>
-            <dgm:constr type="primFontSz" refType="secFontSz"/>
-            <dgm:constr type="h"/>
+            <dgm:constr type="tMarg" refType="primFontSz" fact="0.3"/>
+            <dgm:constr type="bMarg" refType="primFontSz" fact="0.3"/>
+            <dgm:constr type="lMarg" refType="primFontSz" fact="0.3"/>
+            <dgm:constr type="rMarg" refType="primFontSz" fact="0.3"/>
           </dgm:constrLst>
           <dgm:ruleLst>
-            <dgm:rule type="h" val="INF" fact="NaN" max="NaN"/>
+            <dgm:rule type="primFontSz" val="5" fact="NaN" max="NaN"/>
           </dgm:ruleLst>
         </dgm:layoutNode>
-      </dgm:layoutNode>
-      <dgm:forEach name="sibTransForEach" axis="followSib" ptType="sibTrans" cnt="1">
-        <dgm:layoutNode name="sibTrans">
-          <dgm:alg type="conn">
-            <dgm:param type="srcNode" val="parTx"/>
-            <dgm:param type="dstNode" val="parTx"/>
-            <dgm:param type="begPts" val="auto"/>
-            <dgm:param type="endPts" val="auto"/>
-          </dgm:alg>
-          <dgm:shape xmlns:r="http://schemas.openxmlformats.org/officeDocument/2006/relationships" type="conn" r:blip="">
+        <dgm:choose name="Name5">
+          <dgm:if name="Name6" axis="des" ptType="node" func="cnt" op="gt" val="0">
+            <dgm:layoutNode name="parTransOne">
+              <dgm:alg type="sp"/>
+              <dgm:shape xmlns:r="http://schemas.openxmlformats.org/officeDocument/2006/relationships" r:blip="">
+                <dgm:adjLst/>
+              </dgm:shape>
+              <dgm:presOf/>
+              <dgm:constrLst/>
+              <dgm:ruleLst/>
+            </dgm:layoutNode>
+          </dgm:if>
+          <dgm:else name="Name7"/>
+        </dgm:choose>
+        <dgm:layoutNode name="horzOne">
+          <dgm:choose name="Name8">
+            <dgm:if name="Name9" func="var" arg="dir" op="equ" val="norm">
+              <dgm:alg type="lin">
+                <dgm:param type="linDir" val="fromL"/>
+                <dgm:param type="nodeVertAlign" val="t"/>
+              </dgm:alg>
+            </dgm:if>
+            <dgm:else name="Name10">
+              <dgm:alg type="lin">
+                <dgm:param type="linDir" val="fromR"/>
+                <dgm:param type="nodeVertAlign" val="t"/>
+              </dgm:alg>
+            </dgm:else>
+          </dgm:choose>
+          <dgm:shape xmlns:r="http://schemas.openxmlformats.org/officeDocument/2006/relationships" r:blip="">
             <dgm:adjLst/>
           </dgm:shape>
-          <dgm:presOf axis="self"/>
-          <dgm:constrLst>
-            <dgm:constr type="h" refType="w" fact="0.62"/>
-            <dgm:constr type="connDist"/>
-            <dgm:constr type="begPad" refType="connDist" fact="0.25"/>
-            <dgm:constr type="endPad" refType="connDist" fact="0.22"/>
-          </dgm:constrLst>
-          <dgm:ruleLst/>
-          <dgm:layoutNode name="connTx">
-            <dgm:alg type="tx">
-              <dgm:param type="autoTxRot" val="grav"/>
-            </dgm:alg>
-            <dgm:shape xmlns:r="http://schemas.openxmlformats.org/officeDocument/2006/relationships" type="conn" r:blip="" hideGeom="1">
-              <dgm:adjLst/>
-            </dgm:shape>
-            <dgm:presOf axis="self"/>
-            <dgm:constrLst>
-              <dgm:constr type="lMarg"/>
-              <dgm:constr type="rMarg"/>
-              <dgm:constr type="tMarg"/>
-              <dgm:constr type="bMarg"/>
-            </dgm:constrLst>
-            <dgm:ruleLst>
-              <dgm:rule type="primFontSz" val="5" fact="NaN" max="NaN"/>
-            </dgm:ruleLst>
-          </dgm:layoutNode>
+          <dgm:presOf/>
+          <dgm:constrLst/>
+          <dgm:ruleLst>
+            <dgm:rule type="w" val="INF" fact="NaN" max="NaN"/>
+          </dgm:ruleLst>
+          <dgm:forEach name="Name11" axis="ch" ptType="node">
+            <dgm:layoutNode name="vertTwo">
+              <dgm:alg type="lin">
+                <dgm:param type="linDir" val="fromT"/>
+              </dgm:alg>
+              <dgm:shape xmlns:r="http://schemas.openxmlformats.org/officeDocument/2006/relationships" r:blip="">
+                <dgm:adjLst/>
+              </dgm:shape>
+              <dgm:presOf/>
+              <dgm:constrLst>
+                <dgm:constr type="w" for="ch" forName="txTwo" refType="w" refFor="ch" refForName="horzTwo" op="gte"/>
+              </dgm:constrLst>
+              <dgm:ruleLst/>
+              <dgm:layoutNode name="txTwo">
+                <dgm:varLst>
+                  <dgm:chPref val="3"/>
+                </dgm:varLst>
+                <dgm:alg type="tx"/>
+                <dgm:shape xmlns:r="http://schemas.openxmlformats.org/officeDocument/2006/relationships" type="roundRect" r:blip="">
+                  <dgm:adjLst>
+                    <dgm:adj idx="1" val="0.1"/>
+                  </dgm:adjLst>
+                </dgm:shape>
+                <dgm:presOf axis="self"/>
+                <dgm:constrLst>
+                  <dgm:constr type="userH"/>
+                  <dgm:constr type="h" refType="userH"/>
+                  <dgm:constr type="tMarg" refType="primFontSz" fact="0.3"/>
+                  <dgm:constr type="bMarg" refType="primFontSz" fact="0.3"/>
+                  <dgm:constr type="lMarg" refType="primFontSz" fact="0.3"/>
+                  <dgm:constr type="rMarg" refType="primFontSz" fact="0.3"/>
+                </dgm:constrLst>
+                <dgm:ruleLst>
+                  <dgm:rule type="primFontSz" val="5" fact="NaN" max="NaN"/>
+                </dgm:ruleLst>
+              </dgm:layoutNode>
+              <dgm:choose name="Name12">
+                <dgm:if name="Name13" axis="des" ptType="node" func="cnt" op="gt" val="0">
+                  <dgm:layoutNode name="parTransTwo">
+                    <dgm:alg type="sp"/>
+                    <dgm:shape xmlns:r="http://schemas.openxmlformats.org/officeDocument/2006/relationships" r:blip="">
+                      <dgm:adjLst/>
+                    </dgm:shape>
+                    <dgm:presOf/>
+                    <dgm:constrLst/>
+                    <dgm:ruleLst/>
+                  </dgm:layoutNode>
+                </dgm:if>
+                <dgm:else name="Name14"/>
+              </dgm:choose>
+              <dgm:layoutNode name="horzTwo">
+                <dgm:choose name="Name15">
+                  <dgm:if name="Name16" func="var" arg="dir" op="equ" val="norm">
+                    <dgm:alg type="lin">
+                      <dgm:param type="linDir" val="fromL"/>
+                      <dgm:param type="nodeVertAlign" val="t"/>
+                    </dgm:alg>
+                  </dgm:if>
+                  <dgm:else name="Name17">
+                    <dgm:alg type="lin">
+                      <dgm:param type="linDir" val="fromR"/>
+                      <dgm:param type="nodeVertAlign" val="t"/>
+                    </dgm:alg>
+                  </dgm:else>
+                </dgm:choose>
+                <dgm:shape xmlns:r="http://schemas.openxmlformats.org/officeDocument/2006/relationships" r:blip="">
+                  <dgm:adjLst/>
+                </dgm:shape>
+                <dgm:presOf/>
+                <dgm:constrLst/>
+                <dgm:ruleLst>
+                  <dgm:rule type="w" val="INF" fact="NaN" max="NaN"/>
+                </dgm:ruleLst>
+                <dgm:forEach name="Name18" axis="ch" ptType="node">
+                  <dgm:layoutNode name="vertThree">
+                    <dgm:alg type="lin">
+                      <dgm:param type="linDir" val="fromT"/>
+                    </dgm:alg>
+                    <dgm:shape xmlns:r="http://schemas.openxmlformats.org/officeDocument/2006/relationships" r:blip="">
+                      <dgm:adjLst/>
+                    </dgm:shape>
+                    <dgm:presOf/>
+                    <dgm:constrLst>
+                      <dgm:constr type="w" for="ch" forName="txThree" refType="w" refFor="ch" refForName="horzThree" op="gte"/>
+                    </dgm:constrLst>
+                    <dgm:ruleLst/>
+                    <dgm:layoutNode name="txThree">
+                      <dgm:varLst>
+                        <dgm:chPref val="3"/>
+                      </dgm:varLst>
+                      <dgm:alg type="tx"/>
+                      <dgm:shape xmlns:r="http://schemas.openxmlformats.org/officeDocument/2006/relationships" type="roundRect" r:blip="">
+                        <dgm:adjLst>
+                          <dgm:adj idx="1" val="0.1"/>
+                        </dgm:adjLst>
+                      </dgm:shape>
+                      <dgm:presOf axis="self"/>
+                      <dgm:constrLst>
+                        <dgm:constr type="userH"/>
+                        <dgm:constr type="h" refType="userH"/>
+                        <dgm:constr type="tMarg" refType="primFontSz" fact="0.3"/>
+                        <dgm:constr type="bMarg" refType="primFontSz" fact="0.3"/>
+                        <dgm:constr type="lMarg" refType="primFontSz" fact="0.3"/>
+                        <dgm:constr type="rMarg" refType="primFontSz" fact="0.3"/>
+                      </dgm:constrLst>
+                      <dgm:ruleLst>
+                        <dgm:rule type="primFontSz" val="5" fact="NaN" max="NaN"/>
+                      </dgm:ruleLst>
+                    </dgm:layoutNode>
+                    <dgm:choose name="Name19">
+                      <dgm:if name="Name20" axis="des" ptType="node" func="cnt" op="gt" val="0">
+                        <dgm:layoutNode name="parTransThree">
+                          <dgm:alg type="sp"/>
+                          <dgm:shape xmlns:r="http://schemas.openxmlformats.org/officeDocument/2006/relationships" r:blip="">
+                            <dgm:adjLst/>
+                          </dgm:shape>
+                          <dgm:presOf/>
+                          <dgm:constrLst/>
+                          <dgm:ruleLst/>
+                        </dgm:layoutNode>
+                      </dgm:if>
+                      <dgm:else name="Name21"/>
+                    </dgm:choose>
+                    <dgm:layoutNode name="horzThree">
+                      <dgm:choose name="Name22">
+                        <dgm:if name="Name23" func="var" arg="dir" op="equ" val="norm">
+                          <dgm:alg type="lin">
+                            <dgm:param type="linDir" val="fromL"/>
+                            <dgm:param type="nodeVertAlign" val="t"/>
+                          </dgm:alg>
+                        </dgm:if>
+                        <dgm:else name="Name24">
+                          <dgm:alg type="lin">
+                            <dgm:param type="linDir" val="fromR"/>
+                            <dgm:param type="nodeVertAlign" val="t"/>
+                          </dgm:alg>
+                        </dgm:else>
+                      </dgm:choose>
+                      <dgm:shape xmlns:r="http://schemas.openxmlformats.org/officeDocument/2006/relationships" r:blip="">
+                        <dgm:adjLst/>
+                      </dgm:shape>
+                      <dgm:presOf/>
+                      <dgm:constrLst/>
+                      <dgm:ruleLst>
+                        <dgm:rule type="w" val="INF" fact="NaN" max="NaN"/>
+                      </dgm:ruleLst>
+                      <dgm:forEach name="repeat" axis="ch" ptType="node">
+                        <dgm:layoutNode name="vertFour">
+                          <dgm:varLst>
+                            <dgm:chPref val="3"/>
+                          </dgm:varLst>
+                          <dgm:alg type="lin">
+                            <dgm:param type="linDir" val="fromT"/>
+                          </dgm:alg>
+                          <dgm:shape xmlns:r="http://schemas.openxmlformats.org/officeDocument/2006/relationships" r:blip="">
+                            <dgm:adjLst/>
+                          </dgm:shape>
+                          <dgm:presOf/>
+                          <dgm:constrLst>
+                            <dgm:constr type="w" for="ch" forName="txFour" refType="w" refFor="ch" refForName="horzFour" op="gte"/>
+                          </dgm:constrLst>
+                          <dgm:ruleLst/>
+                          <dgm:layoutNode name="txFour">
+                            <dgm:varLst>
+                              <dgm:chPref val="3"/>
+                            </dgm:varLst>
+                            <dgm:alg type="tx"/>
+                            <dgm:shape xmlns:r="http://schemas.openxmlformats.org/officeDocument/2006/relationships" type="roundRect" r:blip="">
+                              <dgm:adjLst>
+                                <dgm:adj idx="1" val="0.1"/>
+                              </dgm:adjLst>
+                            </dgm:shape>
+                            <dgm:presOf axis="self"/>
+                            <dgm:constrLst>
+                              <dgm:constr type="userH"/>
+                              <dgm:constr type="h" refType="userH"/>
+                              <dgm:constr type="tMarg" refType="primFontSz" fact="0.3"/>
+                              <dgm:constr type="bMarg" refType="primFontSz" fact="0.3"/>
+                              <dgm:constr type="lMarg" refType="primFontSz" fact="0.3"/>
+                              <dgm:constr type="rMarg" refType="primFontSz" fact="0.3"/>
+                            </dgm:constrLst>
+                            <dgm:ruleLst>
+                              <dgm:rule type="primFontSz" val="5" fact="NaN" max="NaN"/>
+                            </dgm:ruleLst>
+                          </dgm:layoutNode>
+                          <dgm:choose name="Name25">
+                            <dgm:if name="Name26" axis="des" ptType="node" func="cnt" op="gt" val="0">
+                              <dgm:layoutNode name="parTransFour">
+                                <dgm:alg type="sp"/>
+                                <dgm:shape xmlns:r="http://schemas.openxmlformats.org/officeDocument/2006/relationships" r:blip="">
+                                  <dgm:adjLst/>
+                                </dgm:shape>
+                                <dgm:presOf/>
+                                <dgm:constrLst/>
+                                <dgm:ruleLst/>
+                              </dgm:layoutNode>
+                            </dgm:if>
+                            <dgm:else name="Name27"/>
+                          </dgm:choose>
+                          <dgm:layoutNode name="horzFour">
+                            <dgm:choose name="Name28">
+                              <dgm:if name="Name29" func="var" arg="dir" op="equ" val="norm">
+                                <dgm:alg type="lin">
+                                  <dgm:param type="linDir" val="fromL"/>
+                                  <dgm:param type="nodeVertAlign" val="t"/>
+                                </dgm:alg>
+                              </dgm:if>
+                              <dgm:else name="Name30">
+                                <dgm:alg type="lin">
+                                  <dgm:param type="linDir" val="fromR"/>
+                                  <dgm:param type="nodeVertAlign" val="t"/>
+                                </dgm:alg>
+                              </dgm:else>
+                            </dgm:choose>
+                            <dgm:shape xmlns:r="http://schemas.openxmlformats.org/officeDocument/2006/relationships" r:blip="">
+                              <dgm:adjLst/>
+                            </dgm:shape>
+                            <dgm:presOf/>
+                            <dgm:constrLst/>
+                            <dgm:ruleLst>
+                              <dgm:rule type="w" val="INF" fact="NaN" max="NaN"/>
+                            </dgm:ruleLst>
+                            <dgm:forEach name="Name31" ref="repeat"/>
+                          </dgm:layoutNode>
+                        </dgm:layoutNode>
+                        <dgm:choose name="Name32">
+                          <dgm:if name="Name33" axis="self" ptType="node" func="revPos" op="gte" val="2">
+                            <dgm:forEach name="Name34" axis="followSib" ptType="sibTrans" cnt="1">
+                              <dgm:layoutNode name="sibSpaceFour">
+                                <dgm:alg type="sp"/>
+                                <dgm:shape xmlns:r="http://schemas.openxmlformats.org/officeDocument/2006/relationships" r:blip="">
+                                  <dgm:adjLst/>
+                                </dgm:shape>
+                                <dgm:presOf/>
+                                <dgm:constrLst/>
+                                <dgm:ruleLst/>
+                              </dgm:layoutNode>
+                            </dgm:forEach>
+                          </dgm:if>
+                          <dgm:else name="Name35"/>
+                        </dgm:choose>
+                      </dgm:forEach>
+                    </dgm:layoutNode>
+                  </dgm:layoutNode>
+                  <dgm:choose name="Name36">
+                    <dgm:if name="Name37" axis="self" ptType="node" func="revPos" op="gte" val="2">
+                      <dgm:forEach name="Name38" axis="followSib" ptType="sibTrans" cnt="1">
+                        <dgm:layoutNode name="sibSpaceThree">
+                          <dgm:alg type="sp"/>
+                          <dgm:shape xmlns:r="http://schemas.openxmlformats.org/officeDocument/2006/relationships" r:blip="">
+                            <dgm:adjLst/>
+                          </dgm:shape>
+                          <dgm:presOf/>
+                          <dgm:constrLst/>
+                          <dgm:ruleLst/>
+                        </dgm:layoutNode>
+                      </dgm:forEach>
+                    </dgm:if>
+                    <dgm:else name="Name39"/>
+                  </dgm:choose>
+                </dgm:forEach>
+              </dgm:layoutNode>
+            </dgm:layoutNode>
+            <dgm:choose name="Name40">
+              <dgm:if name="Name41" axis="self" ptType="node" func="revPos" op="gte" val="2">
+                <dgm:forEach name="Name42" axis="followSib" ptType="sibTrans" cnt="1">
+                  <dgm:layoutNode name="sibSpaceTwo">
+                    <dgm:alg type="sp"/>
+                    <dgm:shape xmlns:r="http://schemas.openxmlformats.org/officeDocument/2006/relationships" r:blip="">
+                      <dgm:adjLst/>
+                    </dgm:shape>
+                    <dgm:presOf/>
+                    <dgm:constrLst/>
+                    <dgm:ruleLst/>
+                  </dgm:layoutNode>
+                </dgm:forEach>
+              </dgm:if>
+              <dgm:else name="Name43"/>
+            </dgm:choose>
+          </dgm:forEach>
         </dgm:layoutNode>
-      </dgm:forEach>
+      </dgm:layoutNode>
+      <dgm:choose name="Name44">
+        <dgm:if name="Name45" axis="self" ptType="node" func="revPos" op="gte" val="2">
+          <dgm:forEach name="Name46" axis="followSib" ptType="sibTrans" cnt="1">
+            <dgm:layoutNode name="sibSpaceOne">
+              <dgm:alg type="sp"/>
+              <dgm:shape xmlns:r="http://schemas.openxmlformats.org/officeDocument/2006/relationships" r:blip="">
+                <dgm:adjLst/>
+              </dgm:shape>
+              <dgm:presOf/>
+              <dgm:constrLst/>
+              <dgm:ruleLst/>
+            </dgm:layoutNode>
+          </dgm:forEach>
+        </dgm:if>
+        <dgm:else name="Name47"/>
+      </dgm:choose>
     </dgm:forEach>
   </dgm:layoutNode>
 </dgm:layoutDef>
 </file>
 
 <file path=ppt/diagrams/quickStyle1.xml><?xml version="1.0" encoding="utf-8"?>
-<dgm:styleDef xmlns:dgm="http://schemas.openxmlformats.org/drawingml/2006/diagram" xmlns:a="http://schemas.openxmlformats.org/drawingml/2006/main" uniqueId="urn:microsoft.com/office/officeart/2005/8/quickstyle/simple5">
+<dgm:styleDef xmlns:dgm="http://schemas.openxmlformats.org/drawingml/2006/diagram" xmlns:a="http://schemas.openxmlformats.org/drawingml/2006/main" uniqueId="urn:microsoft.com/office/officeart/2005/8/quickstyle/simple1">
   <dgm:title val=""/>
   <dgm:desc val=""/>
   <dgm:catLst>
-    <dgm:cat type="simple" pri="10500"/>
+    <dgm:cat type="simple" pri="10100"/>
   </dgm:catLst>
   <dgm:scene3d>
     <a:camera prst="orthographicFront"/>
     <a:lightRig rig="threePt" dir="t"/>
   </dgm:scene3d>
-  <dgm:styleLbl name="alignAcc1">
+  <dgm:styleLbl name="node0">
     <dgm:scene3d>
       <a:camera prst="orthographicFront"/>
       <a:lightRig rig="threePt" dir="t"/>
     </dgm:scene3d>
+    <dgm:sp3d/>
     <dgm:txPr/>
     <dgm:style>
-      <a:lnRef idx="1">
+      <a:lnRef idx="2">
         <a:scrgbClr r="0" g="0" b="0"/>
       </a:lnRef>
       <a:fillRef idx="1">
         <a:scrgbClr r="0" g="0" b="0"/>
       </a:fillRef>
-      <a:effectRef idx="2">
+      <a:effectRef idx="0">
         <a:scrgbClr r="0" g="0" b="0"/>
       </a:effectRef>
-      <a:fontRef idx="minor"/>
+      <a:fontRef idx="minor">
+        <a:schemeClr val="lt1"/>
+      </a:fontRef>
     </dgm:style>
   </dgm:styleLbl>
-  <dgm:styleLbl name="alignAccFollowNode1">
+  <dgm:styleLbl name="lnNode1">
     <dgm:scene3d>
       <a:camera prst="orthographicFront"/>
       <a:lightRig rig="threePt" dir="t"/>
     </dgm:scene3d>
+    <dgm:sp3d/>
     <dgm:txPr/>
     <dgm:style>
-      <a:lnRef idx="1">
+      <a:lnRef idx="2">
         <a:scrgbClr r="0" g="0" b="0"/>
       </a:lnRef>
       <a:fillRef idx="1">
         <a:scrgbClr r="0" g="0" b="0"/>
       </a:fillRef>
-      <a:effectRef idx="2">
+      <a:effectRef idx="0">
+        <a:scrgbClr r="0" g="0" b="0"/>
+      </a:effectRef>
+      <a:fontRef idx="minor">
+        <a:schemeClr val="lt1"/>
+      </a:fontRef>
+    </dgm:style>
+  </dgm:styleLbl>
+  <dgm:styleLbl name="vennNode1">
+    <dgm:scene3d>
+      <a:camera prst="orthographicFront"/>
+      <a:lightRig rig="threePt" dir="t"/>
+    </dgm:scene3d>
+    <dgm:sp3d/>
+    <dgm:txPr/>
+    <dgm:style>
+      <a:lnRef idx="2">
+        <a:scrgbClr r="0" g="0" b="0"/>
+      </a:lnRef>
+      <a:fillRef idx="1">
+        <a:scrgbClr r="0" g="0" b="0"/>
+      </a:fillRef>
+      <a:effectRef idx="0">
+        <a:scrgbClr r="0" g="0" b="0"/>
+      </a:effectRef>
+      <a:fontRef idx="minor">
+        <a:schemeClr val="tx1"/>
+      </a:fontRef>
+    </dgm:style>
+  </dgm:styleLbl>
+  <dgm:styleLbl name="alignNode1">
+    <dgm:scene3d>
+      <a:camera prst="orthographicFront"/>
+      <a:lightRig rig="threePt" dir="t"/>
+    </dgm:scene3d>
+    <dgm:sp3d/>
+    <dgm:txPr/>
+    <dgm:style>
+      <a:lnRef idx="2">
+        <a:scrgbClr r="0" g="0" b="0"/>
+      </a:lnRef>
+      <a:fillRef idx="1">
+        <a:scrgbClr r="0" g="0" b="0"/>
+      </a:fillRef>
+      <a:effectRef idx="0">
+        <a:scrgbClr r="0" g="0" b="0"/>
+      </a:effectRef>
+      <a:fontRef idx="minor">
+        <a:schemeClr val="lt1"/>
+      </a:fontRef>
+    </dgm:style>
+  </dgm:styleLbl>
+  <dgm:styleLbl name="node1">
+    <dgm:scene3d>
+      <a:camera prst="orthographicFront"/>
+      <a:lightRig rig="threePt" dir="t"/>
+    </dgm:scene3d>
+    <dgm:sp3d/>
+    <dgm:txPr/>
+    <dgm:style>
+      <a:lnRef idx="2">
+        <a:scrgbClr r="0" g="0" b="0"/>
+      </a:lnRef>
+      <a:fillRef idx="1">
+        <a:scrgbClr r="0" g="0" b="0"/>
+      </a:fillRef>
+      <a:effectRef idx="0">
+        <a:scrgbClr r="0" g="0" b="0"/>
+      </a:effectRef>
+      <a:fontRef idx="minor">
+        <a:schemeClr val="lt1"/>
+      </a:fontRef>
+    </dgm:style>
+  </dgm:styleLbl>
+  <dgm:styleLbl name="node2">
+    <dgm:scene3d>
+      <a:camera prst="orthographicFront"/>
+      <a:lightRig rig="threePt" dir="t"/>
+    </dgm:scene3d>
+    <dgm:sp3d/>
+    <dgm:txPr/>
+    <dgm:style>
+      <a:lnRef idx="2">
+        <a:scrgbClr r="0" g="0" b="0"/>
+      </a:lnRef>
+      <a:fillRef idx="1">
+        <a:scrgbClr r="0" g="0" b="0"/>
+      </a:fillRef>
+      <a:effectRef idx="0">
+        <a:scrgbClr r="0" g="0" b="0"/>
+      </a:effectRef>
+      <a:fontRef idx="minor">
+        <a:schemeClr val="lt1"/>
+      </a:fontRef>
+    </dgm:style>
+  </dgm:styleLbl>
+  <dgm:styleLbl name="node3">
+    <dgm:scene3d>
+      <a:camera prst="orthographicFront"/>
+      <a:lightRig rig="threePt" dir="t"/>
+    </dgm:scene3d>
+    <dgm:sp3d/>
+    <dgm:txPr/>
+    <dgm:style>
+      <a:lnRef idx="2">
+        <a:scrgbClr r="0" g="0" b="0"/>
+      </a:lnRef>
+      <a:fillRef idx="1">
+        <a:scrgbClr r="0" g="0" b="0"/>
+      </a:fillRef>
+      <a:effectRef idx="0">
+        <a:scrgbClr r="0" g="0" b="0"/>
+      </a:effectRef>
+      <a:fontRef idx="minor">
+        <a:schemeClr val="lt1"/>
+      </a:fontRef>
+    </dgm:style>
+  </dgm:styleLbl>
+  <dgm:styleLbl name="node4">
+    <dgm:scene3d>
+      <a:camera prst="orthographicFront"/>
+      <a:lightRig rig="threePt" dir="t"/>
+    </dgm:scene3d>
+    <dgm:sp3d/>
+    <dgm:txPr/>
+    <dgm:style>
+      <a:lnRef idx="2">
+        <a:scrgbClr r="0" g="0" b="0"/>
+      </a:lnRef>
+      <a:fillRef idx="1">
+        <a:scrgbClr r="0" g="0" b="0"/>
+      </a:fillRef>
+      <a:effectRef idx="0">
+        <a:scrgbClr r="0" g="0" b="0"/>
+      </a:effectRef>
+      <a:fontRef idx="minor">
+        <a:schemeClr val="lt1"/>
+      </a:fontRef>
+    </dgm:style>
+  </dgm:styleLbl>
+  <dgm:styleLbl name="fgImgPlace1">
+    <dgm:scene3d>
+      <a:camera prst="orthographicFront"/>
+      <a:lightRig rig="threePt" dir="t"/>
+    </dgm:scene3d>
+    <dgm:sp3d/>
+    <dgm:txPr/>
+    <dgm:style>
+      <a:lnRef idx="2">
+        <a:scrgbClr r="0" g="0" b="0"/>
+      </a:lnRef>
+      <a:fillRef idx="1">
+        <a:scrgbClr r="0" g="0" b="0"/>
+      </a:fillRef>
+      <a:effectRef idx="0">
         <a:scrgbClr r="0" g="0" b="0"/>
       </a:effectRef>
       <a:fontRef idx="minor"/>
@@ -2866,39 +3016,145 @@
       <a:camera prst="orthographicFront"/>
       <a:lightRig rig="threePt" dir="t"/>
     </dgm:scene3d>
+    <dgm:sp3d/>
     <dgm:txPr/>
     <dgm:style>
-      <a:lnRef idx="0">
+      <a:lnRef idx="2">
         <a:scrgbClr r="0" g="0" b="0"/>
       </a:lnRef>
       <a:fillRef idx="1">
         <a:scrgbClr r="0" g="0" b="0"/>
       </a:fillRef>
-      <a:effectRef idx="3">
+      <a:effectRef idx="0">
         <a:scrgbClr r="0" g="0" b="0"/>
       </a:effectRef>
       <a:fontRef idx="minor"/>
     </dgm:style>
   </dgm:styleLbl>
-  <dgm:styleLbl name="alignNode1">
+  <dgm:styleLbl name="bgImgPlace1">
     <dgm:scene3d>
       <a:camera prst="orthographicFront"/>
       <a:lightRig rig="threePt" dir="t"/>
     </dgm:scene3d>
+    <dgm:sp3d/>
     <dgm:txPr/>
     <dgm:style>
-      <a:lnRef idx="1">
+      <a:lnRef idx="2">
         <a:scrgbClr r="0" g="0" b="0"/>
       </a:lnRef>
-      <a:fillRef idx="3">
+      <a:fillRef idx="1">
         <a:scrgbClr r="0" g="0" b="0"/>
       </a:fillRef>
-      <a:effectRef idx="3">
+      <a:effectRef idx="0">
+        <a:scrgbClr r="0" g="0" b="0"/>
+      </a:effectRef>
+      <a:fontRef idx="minor"/>
+    </dgm:style>
+  </dgm:styleLbl>
+  <dgm:styleLbl name="sibTrans2D1">
+    <dgm:scene3d>
+      <a:camera prst="orthographicFront"/>
+      <a:lightRig rig="threePt" dir="t"/>
+    </dgm:scene3d>
+    <dgm:sp3d/>
+    <dgm:txPr/>
+    <dgm:style>
+      <a:lnRef idx="0">
+        <a:scrgbClr r="0" g="0" b="0"/>
+      </a:lnRef>
+      <a:fillRef idx="1">
+        <a:scrgbClr r="0" g="0" b="0"/>
+      </a:fillRef>
+      <a:effectRef idx="0">
         <a:scrgbClr r="0" g="0" b="0"/>
       </a:effectRef>
       <a:fontRef idx="minor">
         <a:schemeClr val="lt1"/>
       </a:fontRef>
+    </dgm:style>
+  </dgm:styleLbl>
+  <dgm:styleLbl name="fgSibTrans2D1">
+    <dgm:scene3d>
+      <a:camera prst="orthographicFront"/>
+      <a:lightRig rig="threePt" dir="t"/>
+    </dgm:scene3d>
+    <dgm:sp3d/>
+    <dgm:txPr/>
+    <dgm:style>
+      <a:lnRef idx="0">
+        <a:scrgbClr r="0" g="0" b="0"/>
+      </a:lnRef>
+      <a:fillRef idx="1">
+        <a:scrgbClr r="0" g="0" b="0"/>
+      </a:fillRef>
+      <a:effectRef idx="0">
+        <a:scrgbClr r="0" g="0" b="0"/>
+      </a:effectRef>
+      <a:fontRef idx="minor">
+        <a:schemeClr val="lt1"/>
+      </a:fontRef>
+    </dgm:style>
+  </dgm:styleLbl>
+  <dgm:styleLbl name="bgSibTrans2D1">
+    <dgm:scene3d>
+      <a:camera prst="orthographicFront"/>
+      <a:lightRig rig="threePt" dir="t"/>
+    </dgm:scene3d>
+    <dgm:sp3d/>
+    <dgm:txPr/>
+    <dgm:style>
+      <a:lnRef idx="0">
+        <a:scrgbClr r="0" g="0" b="0"/>
+      </a:lnRef>
+      <a:fillRef idx="1">
+        <a:scrgbClr r="0" g="0" b="0"/>
+      </a:fillRef>
+      <a:effectRef idx="0">
+        <a:scrgbClr r="0" g="0" b="0"/>
+      </a:effectRef>
+      <a:fontRef idx="minor">
+        <a:schemeClr val="lt1"/>
+      </a:fontRef>
+    </dgm:style>
+  </dgm:styleLbl>
+  <dgm:styleLbl name="sibTrans1D1">
+    <dgm:scene3d>
+      <a:camera prst="orthographicFront"/>
+      <a:lightRig rig="threePt" dir="t"/>
+    </dgm:scene3d>
+    <dgm:sp3d/>
+    <dgm:txPr/>
+    <dgm:style>
+      <a:lnRef idx="1">
+        <a:scrgbClr r="0" g="0" b="0"/>
+      </a:lnRef>
+      <a:fillRef idx="0">
+        <a:scrgbClr r="0" g="0" b="0"/>
+      </a:fillRef>
+      <a:effectRef idx="0">
+        <a:scrgbClr r="0" g="0" b="0"/>
+      </a:effectRef>
+      <a:fontRef idx="minor"/>
+    </dgm:style>
+  </dgm:styleLbl>
+  <dgm:styleLbl name="callout">
+    <dgm:scene3d>
+      <a:camera prst="orthographicFront"/>
+      <a:lightRig rig="threePt" dir="t"/>
+    </dgm:scene3d>
+    <dgm:sp3d/>
+    <dgm:txPr/>
+    <dgm:style>
+      <a:lnRef idx="2">
+        <a:scrgbClr r="0" g="0" b="0"/>
+      </a:lnRef>
+      <a:fillRef idx="1">
+        <a:scrgbClr r="0" g="0" b="0"/>
+      </a:fillRef>
+      <a:effectRef idx="0">
+        <a:scrgbClr r="0" g="0" b="0"/>
+      </a:effectRef>
+      <a:fontRef idx="minor"/>
     </dgm:style>
   </dgm:styleLbl>
   <dgm:styleLbl name="asst0">
@@ -2906,15 +3162,16 @@
       <a:camera prst="orthographicFront"/>
       <a:lightRig rig="threePt" dir="t"/>
     </dgm:scene3d>
+    <dgm:sp3d/>
     <dgm:txPr/>
     <dgm:style>
-      <a:lnRef idx="0">
+      <a:lnRef idx="2">
         <a:scrgbClr r="0" g="0" b="0"/>
       </a:lnRef>
-      <a:fillRef idx="3">
+      <a:fillRef idx="1">
         <a:scrgbClr r="0" g="0" b="0"/>
       </a:fillRef>
-      <a:effectRef idx="3">
+      <a:effectRef idx="0">
         <a:scrgbClr r="0" g="0" b="0"/>
       </a:effectRef>
       <a:fontRef idx="minor">
@@ -2927,15 +3184,16 @@
       <a:camera prst="orthographicFront"/>
       <a:lightRig rig="threePt" dir="t"/>
     </dgm:scene3d>
+    <dgm:sp3d/>
     <dgm:txPr/>
     <dgm:style>
-      <a:lnRef idx="0">
+      <a:lnRef idx="2">
         <a:scrgbClr r="0" g="0" b="0"/>
       </a:lnRef>
-      <a:fillRef idx="3">
+      <a:fillRef idx="1">
         <a:scrgbClr r="0" g="0" b="0"/>
       </a:fillRef>
-      <a:effectRef idx="3">
+      <a:effectRef idx="0">
         <a:scrgbClr r="0" g="0" b="0"/>
       </a:effectRef>
       <a:fontRef idx="minor">
@@ -2948,15 +3206,16 @@
       <a:camera prst="orthographicFront"/>
       <a:lightRig rig="threePt" dir="t"/>
     </dgm:scene3d>
+    <dgm:sp3d/>
     <dgm:txPr/>
     <dgm:style>
-      <a:lnRef idx="0">
+      <a:lnRef idx="2">
         <a:scrgbClr r="0" g="0" b="0"/>
       </a:lnRef>
-      <a:fillRef idx="3">
+      <a:fillRef idx="1">
         <a:scrgbClr r="0" g="0" b="0"/>
       </a:fillRef>
-      <a:effectRef idx="3">
+      <a:effectRef idx="0">
         <a:scrgbClr r="0" g="0" b="0"/>
       </a:effectRef>
       <a:fontRef idx="minor">
@@ -2969,15 +3228,16 @@
       <a:camera prst="orthographicFront"/>
       <a:lightRig rig="threePt" dir="t"/>
     </dgm:scene3d>
+    <dgm:sp3d/>
     <dgm:txPr/>
     <dgm:style>
-      <a:lnRef idx="0">
+      <a:lnRef idx="2">
         <a:scrgbClr r="0" g="0" b="0"/>
       </a:lnRef>
-      <a:fillRef idx="3">
+      <a:fillRef idx="1">
         <a:scrgbClr r="0" g="0" b="0"/>
       </a:fillRef>
-      <a:effectRef idx="3">
+      <a:effectRef idx="0">
         <a:scrgbClr r="0" g="0" b="0"/>
       </a:effectRef>
       <a:fontRef idx="minor">
@@ -2990,15 +3250,16 @@
       <a:camera prst="orthographicFront"/>
       <a:lightRig rig="threePt" dir="t"/>
     </dgm:scene3d>
+    <dgm:sp3d/>
     <dgm:txPr/>
     <dgm:style>
-      <a:lnRef idx="0">
+      <a:lnRef idx="2">
         <a:scrgbClr r="0" g="0" b="0"/>
       </a:lnRef>
-      <a:fillRef idx="3">
+      <a:fillRef idx="1">
         <a:scrgbClr r="0" g="0" b="0"/>
       </a:fillRef>
-      <a:effectRef idx="3">
+      <a:effectRef idx="0">
         <a:scrgbClr r="0" g="0" b="0"/>
       </a:effectRef>
       <a:fontRef idx="minor">
@@ -3006,96 +3267,21 @@
       </a:fontRef>
     </dgm:style>
   </dgm:styleLbl>
-  <dgm:styleLbl name="bgAcc1">
+  <dgm:styleLbl name="parChTrans2D1">
     <dgm:scene3d>
       <a:camera prst="orthographicFront"/>
       <a:lightRig rig="threePt" dir="t"/>
     </dgm:scene3d>
+    <dgm:sp3d/>
     <dgm:txPr/>
     <dgm:style>
-      <a:lnRef idx="1">
+      <a:lnRef idx="2">
         <a:scrgbClr r="0" g="0" b="0"/>
       </a:lnRef>
       <a:fillRef idx="1">
         <a:scrgbClr r="0" g="0" b="0"/>
       </a:fillRef>
-      <a:effectRef idx="2">
-        <a:scrgbClr r="0" g="0" b="0"/>
-      </a:effectRef>
-      <a:fontRef idx="minor"/>
-    </dgm:style>
-  </dgm:styleLbl>
-  <dgm:styleLbl name="bgAccFollowNode1">
-    <dgm:scene3d>
-      <a:camera prst="orthographicFront"/>
-      <a:lightRig rig="threePt" dir="t"/>
-    </dgm:scene3d>
-    <dgm:txPr/>
-    <dgm:style>
-      <a:lnRef idx="1">
-        <a:scrgbClr r="0" g="0" b="0"/>
-      </a:lnRef>
-      <a:fillRef idx="1">
-        <a:scrgbClr r="0" g="0" b="0"/>
-      </a:fillRef>
-      <a:effectRef idx="2">
-        <a:scrgbClr r="0" g="0" b="0"/>
-      </a:effectRef>
-      <a:fontRef idx="minor"/>
-    </dgm:style>
-  </dgm:styleLbl>
-  <dgm:styleLbl name="bgImgPlace1">
-    <dgm:scene3d>
-      <a:camera prst="orthographicFront"/>
-      <a:lightRig rig="threePt" dir="t"/>
-    </dgm:scene3d>
-    <dgm:txPr/>
-    <dgm:style>
-      <a:lnRef idx="0">
-        <a:scrgbClr r="0" g="0" b="0"/>
-      </a:lnRef>
-      <a:fillRef idx="1">
-        <a:scrgbClr r="0" g="0" b="0"/>
-      </a:fillRef>
-      <a:effectRef idx="3">
-        <a:scrgbClr r="0" g="0" b="0"/>
-      </a:effectRef>
-      <a:fontRef idx="minor"/>
-    </dgm:style>
-  </dgm:styleLbl>
-  <dgm:styleLbl name="bgShp">
-    <dgm:scene3d>
-      <a:camera prst="orthographicFront"/>
-      <a:lightRig rig="threePt" dir="t"/>
-    </dgm:scene3d>
-    <dgm:txPr/>
-    <dgm:style>
-      <a:lnRef idx="0">
-        <a:scrgbClr r="0" g="0" b="0"/>
-      </a:lnRef>
-      <a:fillRef idx="1">
-        <a:scrgbClr r="0" g="0" b="0"/>
-      </a:fillRef>
-      <a:effectRef idx="2">
-        <a:scrgbClr r="0" g="0" b="0"/>
-      </a:effectRef>
-      <a:fontRef idx="minor"/>
-    </dgm:style>
-  </dgm:styleLbl>
-  <dgm:styleLbl name="bgSibTrans2D1">
-    <dgm:scene3d>
-      <a:camera prst="orthographicFront"/>
-      <a:lightRig rig="threePt" dir="t"/>
-    </dgm:scene3d>
-    <dgm:txPr/>
-    <dgm:style>
-      <a:lnRef idx="0">
-        <a:scrgbClr r="0" g="0" b="0"/>
-      </a:lnRef>
-      <a:fillRef idx="3">
-        <a:scrgbClr r="0" g="0" b="0"/>
-      </a:fillRef>
-      <a:effectRef idx="3">
+      <a:effectRef idx="0">
         <a:scrgbClr r="0" g="0" b="0"/>
       </a:effectRef>
       <a:fontRef idx="minor">
@@ -3103,229 +3289,21 @@
       </a:fontRef>
     </dgm:style>
   </dgm:styleLbl>
-  <dgm:styleLbl name="callout">
+  <dgm:styleLbl name="parChTrans2D2">
     <dgm:scene3d>
       <a:camera prst="orthographicFront"/>
       <a:lightRig rig="threePt" dir="t"/>
     </dgm:scene3d>
+    <dgm:sp3d/>
     <dgm:txPr/>
     <dgm:style>
-      <a:lnRef idx="1">
-        <a:scrgbClr r="0" g="0" b="0"/>
-      </a:lnRef>
-      <a:fillRef idx="0">
-        <a:scrgbClr r="0" g="0" b="0"/>
-      </a:fillRef>
-      <a:effectRef idx="1">
-        <a:scrgbClr r="0" g="0" b="0"/>
-      </a:effectRef>
-      <a:fontRef idx="minor"/>
-    </dgm:style>
-  </dgm:styleLbl>
-  <dgm:styleLbl name="conFgAcc1">
-    <dgm:scene3d>
-      <a:camera prst="orthographicFront"/>
-      <a:lightRig rig="threePt" dir="t"/>
-    </dgm:scene3d>
-    <dgm:txPr/>
-    <dgm:style>
-      <a:lnRef idx="1">
+      <a:lnRef idx="2">
         <a:scrgbClr r="0" g="0" b="0"/>
       </a:lnRef>
       <a:fillRef idx="1">
         <a:scrgbClr r="0" g="0" b="0"/>
       </a:fillRef>
-      <a:effectRef idx="2">
-        <a:scrgbClr r="0" g="0" b="0"/>
-      </a:effectRef>
-      <a:fontRef idx="minor"/>
-    </dgm:style>
-  </dgm:styleLbl>
-  <dgm:styleLbl name="dkBgShp">
-    <dgm:scene3d>
-      <a:camera prst="orthographicFront"/>
-      <a:lightRig rig="threePt" dir="t"/>
-    </dgm:scene3d>
-    <dgm:txPr/>
-    <dgm:style>
-      <a:lnRef idx="0">
-        <a:scrgbClr r="0" g="0" b="0"/>
-      </a:lnRef>
-      <a:fillRef idx="1">
-        <a:scrgbClr r="0" g="0" b="0"/>
-      </a:fillRef>
-      <a:effectRef idx="3">
-        <a:scrgbClr r="0" g="0" b="0"/>
-      </a:effectRef>
-      <a:fontRef idx="minor"/>
-    </dgm:style>
-  </dgm:styleLbl>
-  <dgm:styleLbl name="fgAcc0">
-    <dgm:scene3d>
-      <a:camera prst="orthographicFront"/>
-      <a:lightRig rig="threePt" dir="t"/>
-    </dgm:scene3d>
-    <dgm:txPr/>
-    <dgm:style>
-      <a:lnRef idx="1">
-        <a:scrgbClr r="0" g="0" b="0"/>
-      </a:lnRef>
-      <a:fillRef idx="1">
-        <a:scrgbClr r="0" g="0" b="0"/>
-      </a:fillRef>
-      <a:effectRef idx="2">
-        <a:scrgbClr r="0" g="0" b="0"/>
-      </a:effectRef>
-      <a:fontRef idx="minor"/>
-    </dgm:style>
-  </dgm:styleLbl>
-  <dgm:styleLbl name="fgAcc1">
-    <dgm:scene3d>
-      <a:camera prst="orthographicFront"/>
-      <a:lightRig rig="threePt" dir="t"/>
-    </dgm:scene3d>
-    <dgm:txPr/>
-    <dgm:style>
-      <a:lnRef idx="1">
-        <a:scrgbClr r="0" g="0" b="0"/>
-      </a:lnRef>
-      <a:fillRef idx="1">
-        <a:scrgbClr r="0" g="0" b="0"/>
-      </a:fillRef>
-      <a:effectRef idx="2">
-        <a:scrgbClr r="0" g="0" b="0"/>
-      </a:effectRef>
-      <a:fontRef idx="minor"/>
-    </dgm:style>
-  </dgm:styleLbl>
-  <dgm:styleLbl name="fgAcc2">
-    <dgm:scene3d>
-      <a:camera prst="orthographicFront"/>
-      <a:lightRig rig="threePt" dir="t"/>
-    </dgm:scene3d>
-    <dgm:txPr/>
-    <dgm:style>
-      <a:lnRef idx="1">
-        <a:scrgbClr r="0" g="0" b="0"/>
-      </a:lnRef>
-      <a:fillRef idx="1">
-        <a:scrgbClr r="0" g="0" b="0"/>
-      </a:fillRef>
-      <a:effectRef idx="2">
-        <a:scrgbClr r="0" g="0" b="0"/>
-      </a:effectRef>
-      <a:fontRef idx="minor"/>
-    </dgm:style>
-  </dgm:styleLbl>
-  <dgm:styleLbl name="fgAcc3">
-    <dgm:scene3d>
-      <a:camera prst="orthographicFront"/>
-      <a:lightRig rig="threePt" dir="t"/>
-    </dgm:scene3d>
-    <dgm:txPr/>
-    <dgm:style>
-      <a:lnRef idx="1">
-        <a:scrgbClr r="0" g="0" b="0"/>
-      </a:lnRef>
-      <a:fillRef idx="1">
-        <a:scrgbClr r="0" g="0" b="0"/>
-      </a:fillRef>
-      <a:effectRef idx="2">
-        <a:scrgbClr r="0" g="0" b="0"/>
-      </a:effectRef>
-      <a:fontRef idx="minor"/>
-    </dgm:style>
-  </dgm:styleLbl>
-  <dgm:styleLbl name="fgAcc4">
-    <dgm:scene3d>
-      <a:camera prst="orthographicFront"/>
-      <a:lightRig rig="threePt" dir="t"/>
-    </dgm:scene3d>
-    <dgm:txPr/>
-    <dgm:style>
-      <a:lnRef idx="1">
-        <a:scrgbClr r="0" g="0" b="0"/>
-      </a:lnRef>
-      <a:fillRef idx="1">
-        <a:scrgbClr r="0" g="0" b="0"/>
-      </a:fillRef>
-      <a:effectRef idx="2">
-        <a:scrgbClr r="0" g="0" b="0"/>
-      </a:effectRef>
-      <a:fontRef idx="minor"/>
-    </dgm:style>
-  </dgm:styleLbl>
-  <dgm:styleLbl name="fgAccFollowNode1">
-    <dgm:scene3d>
-      <a:camera prst="orthographicFront"/>
-      <a:lightRig rig="threePt" dir="t"/>
-    </dgm:scene3d>
-    <dgm:txPr/>
-    <dgm:style>
-      <a:lnRef idx="1">
-        <a:scrgbClr r="0" g="0" b="0"/>
-      </a:lnRef>
-      <a:fillRef idx="1">
-        <a:scrgbClr r="0" g="0" b="0"/>
-      </a:fillRef>
-      <a:effectRef idx="2">
-        <a:scrgbClr r="0" g="0" b="0"/>
-      </a:effectRef>
-      <a:fontRef idx="minor"/>
-    </dgm:style>
-  </dgm:styleLbl>
-  <dgm:styleLbl name="fgImgPlace1">
-    <dgm:scene3d>
-      <a:camera prst="orthographicFront"/>
-      <a:lightRig rig="threePt" dir="t"/>
-    </dgm:scene3d>
-    <dgm:txPr/>
-    <dgm:style>
-      <a:lnRef idx="0">
-        <a:scrgbClr r="0" g="0" b="0"/>
-      </a:lnRef>
-      <a:fillRef idx="1">
-        <a:scrgbClr r="0" g="0" b="0"/>
-      </a:fillRef>
-      <a:effectRef idx="3">
-        <a:scrgbClr r="0" g="0" b="0"/>
-      </a:effectRef>
-      <a:fontRef idx="minor"/>
-    </dgm:style>
-  </dgm:styleLbl>
-  <dgm:styleLbl name="fgShp">
-    <dgm:scene3d>
-      <a:camera prst="orthographicFront"/>
-      <a:lightRig rig="threePt" dir="t"/>
-    </dgm:scene3d>
-    <dgm:txPr/>
-    <dgm:style>
-      <a:lnRef idx="0">
-        <a:scrgbClr r="0" g="0" b="0"/>
-      </a:lnRef>
-      <a:fillRef idx="3">
-        <a:scrgbClr r="0" g="0" b="0"/>
-      </a:fillRef>
-      <a:effectRef idx="3">
-        <a:scrgbClr r="0" g="0" b="0"/>
-      </a:effectRef>
-      <a:fontRef idx="minor"/>
-    </dgm:style>
-  </dgm:styleLbl>
-  <dgm:styleLbl name="fgSibTrans2D1">
-    <dgm:scene3d>
-      <a:camera prst="orthographicFront"/>
-      <a:lightRig rig="threePt" dir="t"/>
-    </dgm:scene3d>
-    <dgm:txPr/>
-    <dgm:style>
-      <a:lnRef idx="0">
-        <a:scrgbClr r="0" g="0" b="0"/>
-      </a:lnRef>
-      <a:fillRef idx="3">
-        <a:scrgbClr r="0" g="0" b="0"/>
-      </a:fillRef>
-      <a:effectRef idx="3">
+      <a:effectRef idx="0">
         <a:scrgbClr r="0" g="0" b="0"/>
       </a:effectRef>
       <a:fontRef idx="minor">
@@ -3333,20 +3311,21 @@
       </a:fontRef>
     </dgm:style>
   </dgm:styleLbl>
-  <dgm:styleLbl name="lnNode1">
+  <dgm:styleLbl name="parChTrans2D3">
     <dgm:scene3d>
       <a:camera prst="orthographicFront"/>
       <a:lightRig rig="threePt" dir="t"/>
     </dgm:scene3d>
+    <dgm:sp3d/>
     <dgm:txPr/>
     <dgm:style>
-      <a:lnRef idx="0">
+      <a:lnRef idx="2">
         <a:scrgbClr r="0" g="0" b="0"/>
       </a:lnRef>
-      <a:fillRef idx="3">
+      <a:fillRef idx="1">
         <a:scrgbClr r="0" g="0" b="0"/>
       </a:fillRef>
-      <a:effectRef idx="3">
+      <a:effectRef idx="0">
         <a:scrgbClr r="0" g="0" b="0"/>
       </a:effectRef>
       <a:fontRef idx="minor">
@@ -3354,104 +3333,21 @@
       </a:fontRef>
     </dgm:style>
   </dgm:styleLbl>
-  <dgm:styleLbl name="node0">
+  <dgm:styleLbl name="parChTrans2D4">
     <dgm:scene3d>
       <a:camera prst="orthographicFront"/>
       <a:lightRig rig="threePt" dir="t"/>
     </dgm:scene3d>
+    <dgm:sp3d/>
     <dgm:txPr/>
     <dgm:style>
-      <a:lnRef idx="0">
+      <a:lnRef idx="2">
         <a:scrgbClr r="0" g="0" b="0"/>
       </a:lnRef>
-      <a:fillRef idx="3">
+      <a:fillRef idx="1">
         <a:scrgbClr r="0" g="0" b="0"/>
       </a:fillRef>
-      <a:effectRef idx="3">
-        <a:scrgbClr r="0" g="0" b="0"/>
-      </a:effectRef>
-      <a:fontRef idx="minor">
-        <a:schemeClr val="lt1"/>
-      </a:fontRef>
-    </dgm:style>
-  </dgm:styleLbl>
-  <dgm:styleLbl name="node1">
-    <dgm:scene3d>
-      <a:camera prst="orthographicFront"/>
-      <a:lightRig rig="threePt" dir="t"/>
-    </dgm:scene3d>
-    <dgm:txPr/>
-    <dgm:style>
-      <a:lnRef idx="0">
-        <a:scrgbClr r="0" g="0" b="0"/>
-      </a:lnRef>
-      <a:fillRef idx="3">
-        <a:scrgbClr r="0" g="0" b="0"/>
-      </a:fillRef>
-      <a:effectRef idx="3">
-        <a:scrgbClr r="0" g="0" b="0"/>
-      </a:effectRef>
-      <a:fontRef idx="minor">
-        <a:schemeClr val="lt1"/>
-      </a:fontRef>
-    </dgm:style>
-  </dgm:styleLbl>
-  <dgm:styleLbl name="node2">
-    <dgm:scene3d>
-      <a:camera prst="orthographicFront"/>
-      <a:lightRig rig="threePt" dir="t"/>
-    </dgm:scene3d>
-    <dgm:txPr/>
-    <dgm:style>
-      <a:lnRef idx="0">
-        <a:scrgbClr r="0" g="0" b="0"/>
-      </a:lnRef>
-      <a:fillRef idx="3">
-        <a:scrgbClr r="0" g="0" b="0"/>
-      </a:fillRef>
-      <a:effectRef idx="3">
-        <a:scrgbClr r="0" g="0" b="0"/>
-      </a:effectRef>
-      <a:fontRef idx="minor">
-        <a:schemeClr val="lt1"/>
-      </a:fontRef>
-    </dgm:style>
-  </dgm:styleLbl>
-  <dgm:styleLbl name="node3">
-    <dgm:scene3d>
-      <a:camera prst="orthographicFront"/>
-      <a:lightRig rig="threePt" dir="t"/>
-    </dgm:scene3d>
-    <dgm:txPr/>
-    <dgm:style>
-      <a:lnRef idx="0">
-        <a:scrgbClr r="0" g="0" b="0"/>
-      </a:lnRef>
-      <a:fillRef idx="3">
-        <a:scrgbClr r="0" g="0" b="0"/>
-      </a:fillRef>
-      <a:effectRef idx="3">
-        <a:scrgbClr r="0" g="0" b="0"/>
-      </a:effectRef>
-      <a:fontRef idx="minor">
-        <a:schemeClr val="lt1"/>
-      </a:fontRef>
-    </dgm:style>
-  </dgm:styleLbl>
-  <dgm:styleLbl name="node4">
-    <dgm:scene3d>
-      <a:camera prst="orthographicFront"/>
-      <a:lightRig rig="threePt" dir="t"/>
-    </dgm:scene3d>
-    <dgm:txPr/>
-    <dgm:style>
-      <a:lnRef idx="0">
-        <a:scrgbClr r="0" g="0" b="0"/>
-      </a:lnRef>
-      <a:fillRef idx="3">
-        <a:scrgbClr r="0" g="0" b="0"/>
-      </a:fillRef>
-      <a:effectRef idx="3">
+      <a:effectRef idx="0">
         <a:scrgbClr r="0" g="0" b="0"/>
       </a:effectRef>
       <a:fontRef idx="minor">
@@ -3464,6 +3360,7 @@
       <a:camera prst="orthographicFront"/>
       <a:lightRig rig="threePt" dir="t"/>
     </dgm:scene3d>
+    <dgm:sp3d/>
     <dgm:txPr/>
     <dgm:style>
       <a:lnRef idx="2">
@@ -3483,6 +3380,7 @@
       <a:camera prst="orthographicFront"/>
       <a:lightRig rig="threePt" dir="t"/>
     </dgm:scene3d>
+    <dgm:sp3d/>
     <dgm:txPr/>
     <dgm:style>
       <a:lnRef idx="2">
@@ -3502,6 +3400,7 @@
       <a:camera prst="orthographicFront"/>
       <a:lightRig rig="threePt" dir="t"/>
     </dgm:scene3d>
+    <dgm:sp3d/>
     <dgm:txPr/>
     <dgm:style>
       <a:lnRef idx="2">
@@ -3521,6 +3420,7 @@
       <a:camera prst="orthographicFront"/>
       <a:lightRig rig="threePt" dir="t"/>
     </dgm:scene3d>
+    <dgm:sp3d/>
     <dgm:txPr/>
     <dgm:style>
       <a:lnRef idx="2">
@@ -3535,101 +3435,98 @@
       <a:fontRef idx="minor"/>
     </dgm:style>
   </dgm:styleLbl>
-  <dgm:styleLbl name="parChTrans2D1">
+  <dgm:styleLbl name="fgAcc1">
     <dgm:scene3d>
       <a:camera prst="orthographicFront"/>
       <a:lightRig rig="threePt" dir="t"/>
     </dgm:scene3d>
+    <dgm:sp3d/>
     <dgm:txPr/>
     <dgm:style>
-      <a:lnRef idx="0">
+      <a:lnRef idx="2">
         <a:scrgbClr r="0" g="0" b="0"/>
       </a:lnRef>
-      <a:fillRef idx="3">
+      <a:fillRef idx="1">
         <a:scrgbClr r="0" g="0" b="0"/>
       </a:fillRef>
-      <a:effectRef idx="3">
+      <a:effectRef idx="0">
         <a:scrgbClr r="0" g="0" b="0"/>
       </a:effectRef>
-      <a:fontRef idx="minor">
-        <a:schemeClr val="lt1"/>
-      </a:fontRef>
+      <a:fontRef idx="minor"/>
     </dgm:style>
   </dgm:styleLbl>
-  <dgm:styleLbl name="parChTrans2D2">
+  <dgm:styleLbl name="conFgAcc1">
     <dgm:scene3d>
       <a:camera prst="orthographicFront"/>
       <a:lightRig rig="threePt" dir="t"/>
     </dgm:scene3d>
+    <dgm:sp3d/>
     <dgm:txPr/>
     <dgm:style>
-      <a:lnRef idx="0">
+      <a:lnRef idx="2">
         <a:scrgbClr r="0" g="0" b="0"/>
       </a:lnRef>
-      <a:fillRef idx="3">
+      <a:fillRef idx="1">
         <a:scrgbClr r="0" g="0" b="0"/>
       </a:fillRef>
-      <a:effectRef idx="3">
+      <a:effectRef idx="0">
         <a:scrgbClr r="0" g="0" b="0"/>
       </a:effectRef>
-      <a:fontRef idx="minor">
-        <a:schemeClr val="lt1"/>
-      </a:fontRef>
+      <a:fontRef idx="minor"/>
     </dgm:style>
   </dgm:styleLbl>
-  <dgm:styleLbl name="parChTrans2D3">
+  <dgm:styleLbl name="alignAcc1">
     <dgm:scene3d>
       <a:camera prst="orthographicFront"/>
       <a:lightRig rig="threePt" dir="t"/>
     </dgm:scene3d>
+    <dgm:sp3d/>
     <dgm:txPr/>
     <dgm:style>
-      <a:lnRef idx="0">
+      <a:lnRef idx="2">
         <a:scrgbClr r="0" g="0" b="0"/>
       </a:lnRef>
-      <a:fillRef idx="3">
+      <a:fillRef idx="1">
         <a:scrgbClr r="0" g="0" b="0"/>
       </a:fillRef>
-      <a:effectRef idx="3">
+      <a:effectRef idx="0">
         <a:scrgbClr r="0" g="0" b="0"/>
       </a:effectRef>
-      <a:fontRef idx="minor">
-        <a:schemeClr val="lt1"/>
-      </a:fontRef>
+      <a:fontRef idx="minor"/>
     </dgm:style>
   </dgm:styleLbl>
-  <dgm:styleLbl name="parChTrans2D4">
+  <dgm:styleLbl name="trAlignAcc1">
     <dgm:scene3d>
       <a:camera prst="orthographicFront"/>
       <a:lightRig rig="threePt" dir="t"/>
     </dgm:scene3d>
+    <dgm:sp3d/>
     <dgm:txPr/>
     <dgm:style>
-      <a:lnRef idx="0">
+      <a:lnRef idx="1">
         <a:scrgbClr r="0" g="0" b="0"/>
       </a:lnRef>
-      <a:fillRef idx="3">
+      <a:fillRef idx="1">
         <a:scrgbClr r="0" g="0" b="0"/>
       </a:fillRef>
-      <a:effectRef idx="3">
+      <a:effectRef idx="0">
         <a:scrgbClr r="0" g="0" b="0"/>
       </a:effectRef>
-      <a:fontRef idx="minor">
-        <a:schemeClr val="lt1"/>
-      </a:fontRef>
+      <a:fontRef idx="minor"/>
     </dgm:style>
   </dgm:styleLbl>
-  <dgm:styleLbl name="revTx">
+  <dgm:styleLbl name="bgAcc1">
     <dgm:scene3d>
       <a:camera prst="orthographicFront"/>
       <a:lightRig rig="threePt" dir="t"/>
     </dgm:scene3d>
+    <dgm:sp3d/>
     <dgm:txPr/>
     <dgm:style>
-      <a:lnRef idx="0">
+      <a:lnRef idx="2">
         <a:scrgbClr r="0" g="0" b="0"/>
       </a:lnRef>
-      <a:fillRef idx="0">
+      <a:fillRef idx="1">
         <a:scrgbClr r="0" g="0" b="0"/>
       </a:fillRef>
       <a:effectRef idx="0">
@@ -3638,44 +3535,24 @@
       <a:fontRef idx="minor"/>
     </dgm:style>
   </dgm:styleLbl>
-  <dgm:styleLbl name="sibTrans1D1">
+  <dgm:styleLbl name="solidFgAcc1">
     <dgm:scene3d>
       <a:camera prst="orthographicFront"/>
       <a:lightRig rig="threePt" dir="t"/>
     </dgm:scene3d>
+    <dgm:sp3d/>
     <dgm:txPr/>
     <dgm:style>
-      <a:lnRef idx="1">
+      <a:lnRef idx="2">
         <a:scrgbClr r="0" g="0" b="0"/>
       </a:lnRef>
-      <a:fillRef idx="0">
+      <a:fillRef idx="1">
         <a:scrgbClr r="0" g="0" b="0"/>
       </a:fillRef>
       <a:effectRef idx="0">
         <a:scrgbClr r="0" g="0" b="0"/>
       </a:effectRef>
       <a:fontRef idx="minor"/>
-    </dgm:style>
-  </dgm:styleLbl>
-  <dgm:styleLbl name="sibTrans2D1">
-    <dgm:scene3d>
-      <a:camera prst="orthographicFront"/>
-      <a:lightRig rig="threePt" dir="t"/>
-    </dgm:scene3d>
-    <dgm:txPr/>
-    <dgm:style>
-      <a:lnRef idx="0">
-        <a:scrgbClr r="0" g="0" b="0"/>
-      </a:lnRef>
-      <a:fillRef idx="3">
-        <a:scrgbClr r="0" g="0" b="0"/>
-      </a:fillRef>
-      <a:effectRef idx="3">
-        <a:scrgbClr r="0" g="0" b="0"/>
-      </a:effectRef>
-      <a:fontRef idx="minor">
-        <a:schemeClr val="lt1"/>
-      </a:fontRef>
     </dgm:style>
   </dgm:styleLbl>
   <dgm:styleLbl name="solidAlignAcc1">
@@ -3683,15 +3560,16 @@
       <a:camera prst="orthographicFront"/>
       <a:lightRig rig="threePt" dir="t"/>
     </dgm:scene3d>
+    <dgm:sp3d/>
     <dgm:txPr/>
     <dgm:style>
-      <a:lnRef idx="1">
+      <a:lnRef idx="2">
         <a:scrgbClr r="0" g="0" b="0"/>
       </a:lnRef>
       <a:fillRef idx="1">
         <a:scrgbClr r="0" g="0" b="0"/>
       </a:fillRef>
-      <a:effectRef idx="3">
+      <a:effectRef idx="0">
         <a:scrgbClr r="0" g="0" b="0"/>
       </a:effectRef>
       <a:fontRef idx="minor"/>
@@ -3702,47 +3580,190 @@
       <a:camera prst="orthographicFront"/>
       <a:lightRig rig="threePt" dir="t"/>
     </dgm:scene3d>
+    <dgm:sp3d/>
     <dgm:txPr/>
     <dgm:style>
-      <a:lnRef idx="1">
+      <a:lnRef idx="2">
         <a:scrgbClr r="0" g="0" b="0"/>
       </a:lnRef>
       <a:fillRef idx="1">
         <a:scrgbClr r="0" g="0" b="0"/>
       </a:fillRef>
-      <a:effectRef idx="3">
+      <a:effectRef idx="0">
         <a:scrgbClr r="0" g="0" b="0"/>
       </a:effectRef>
       <a:fontRef idx="minor"/>
     </dgm:style>
   </dgm:styleLbl>
-  <dgm:styleLbl name="solidFgAcc1">
+  <dgm:styleLbl name="fgAccFollowNode1">
     <dgm:scene3d>
       <a:camera prst="orthographicFront"/>
       <a:lightRig rig="threePt" dir="t"/>
     </dgm:scene3d>
+    <dgm:sp3d/>
     <dgm:txPr/>
     <dgm:style>
-      <a:lnRef idx="1">
+      <a:lnRef idx="2">
         <a:scrgbClr r="0" g="0" b="0"/>
       </a:lnRef>
       <a:fillRef idx="1">
         <a:scrgbClr r="0" g="0" b="0"/>
       </a:fillRef>
-      <a:effectRef idx="2">
+      <a:effectRef idx="0">
         <a:scrgbClr r="0" g="0" b="0"/>
       </a:effectRef>
       <a:fontRef idx="minor"/>
     </dgm:style>
   </dgm:styleLbl>
-  <dgm:styleLbl name="trAlignAcc1">
+  <dgm:styleLbl name="alignAccFollowNode1">
     <dgm:scene3d>
       <a:camera prst="orthographicFront"/>
       <a:lightRig rig="threePt" dir="t"/>
     </dgm:scene3d>
+    <dgm:sp3d/>
     <dgm:txPr/>
     <dgm:style>
-      <a:lnRef idx="1">
+      <a:lnRef idx="2">
+        <a:scrgbClr r="0" g="0" b="0"/>
+      </a:lnRef>
+      <a:fillRef idx="1">
+        <a:scrgbClr r="0" g="0" b="0"/>
+      </a:fillRef>
+      <a:effectRef idx="0">
+        <a:scrgbClr r="0" g="0" b="0"/>
+      </a:effectRef>
+      <a:fontRef idx="minor"/>
+    </dgm:style>
+  </dgm:styleLbl>
+  <dgm:styleLbl name="bgAccFollowNode1">
+    <dgm:scene3d>
+      <a:camera prst="orthographicFront"/>
+      <a:lightRig rig="threePt" dir="t"/>
+    </dgm:scene3d>
+    <dgm:sp3d/>
+    <dgm:txPr/>
+    <dgm:style>
+      <a:lnRef idx="2">
+        <a:scrgbClr r="0" g="0" b="0"/>
+      </a:lnRef>
+      <a:fillRef idx="1">
+        <a:scrgbClr r="0" g="0" b="0"/>
+      </a:fillRef>
+      <a:effectRef idx="0">
+        <a:scrgbClr r="0" g="0" b="0"/>
+      </a:effectRef>
+      <a:fontRef idx="minor"/>
+    </dgm:style>
+  </dgm:styleLbl>
+  <dgm:styleLbl name="fgAcc0">
+    <dgm:scene3d>
+      <a:camera prst="orthographicFront"/>
+      <a:lightRig rig="threePt" dir="t"/>
+    </dgm:scene3d>
+    <dgm:sp3d/>
+    <dgm:txPr/>
+    <dgm:style>
+      <a:lnRef idx="2">
+        <a:scrgbClr r="0" g="0" b="0"/>
+      </a:lnRef>
+      <a:fillRef idx="1">
+        <a:scrgbClr r="0" g="0" b="0"/>
+      </a:fillRef>
+      <a:effectRef idx="0">
+        <a:scrgbClr r="0" g="0" b="0"/>
+      </a:effectRef>
+      <a:fontRef idx="minor"/>
+    </dgm:style>
+  </dgm:styleLbl>
+  <dgm:styleLbl name="fgAcc2">
+    <dgm:scene3d>
+      <a:camera prst="orthographicFront"/>
+      <a:lightRig rig="threePt" dir="t"/>
+    </dgm:scene3d>
+    <dgm:sp3d/>
+    <dgm:txPr/>
+    <dgm:style>
+      <a:lnRef idx="2">
+        <a:scrgbClr r="0" g="0" b="0"/>
+      </a:lnRef>
+      <a:fillRef idx="1">
+        <a:scrgbClr r="0" g="0" b="0"/>
+      </a:fillRef>
+      <a:effectRef idx="0">
+        <a:scrgbClr r="0" g="0" b="0"/>
+      </a:effectRef>
+      <a:fontRef idx="minor"/>
+    </dgm:style>
+  </dgm:styleLbl>
+  <dgm:styleLbl name="fgAcc3">
+    <dgm:scene3d>
+      <a:camera prst="orthographicFront"/>
+      <a:lightRig rig="threePt" dir="t"/>
+    </dgm:scene3d>
+    <dgm:sp3d/>
+    <dgm:txPr/>
+    <dgm:style>
+      <a:lnRef idx="2">
+        <a:scrgbClr r="0" g="0" b="0"/>
+      </a:lnRef>
+      <a:fillRef idx="1">
+        <a:scrgbClr r="0" g="0" b="0"/>
+      </a:fillRef>
+      <a:effectRef idx="0">
+        <a:scrgbClr r="0" g="0" b="0"/>
+      </a:effectRef>
+      <a:fontRef idx="minor"/>
+    </dgm:style>
+  </dgm:styleLbl>
+  <dgm:styleLbl name="fgAcc4">
+    <dgm:scene3d>
+      <a:camera prst="orthographicFront"/>
+      <a:lightRig rig="threePt" dir="t"/>
+    </dgm:scene3d>
+    <dgm:sp3d/>
+    <dgm:txPr/>
+    <dgm:style>
+      <a:lnRef idx="2">
+        <a:scrgbClr r="0" g="0" b="0"/>
+      </a:lnRef>
+      <a:fillRef idx="1">
+        <a:scrgbClr r="0" g="0" b="0"/>
+      </a:fillRef>
+      <a:effectRef idx="0">
+        <a:scrgbClr r="0" g="0" b="0"/>
+      </a:effectRef>
+      <a:fontRef idx="minor"/>
+    </dgm:style>
+  </dgm:styleLbl>
+  <dgm:styleLbl name="bgShp">
+    <dgm:scene3d>
+      <a:camera prst="orthographicFront"/>
+      <a:lightRig rig="threePt" dir="t"/>
+    </dgm:scene3d>
+    <dgm:sp3d/>
+    <dgm:txPr/>
+    <dgm:style>
+      <a:lnRef idx="0">
+        <a:scrgbClr r="0" g="0" b="0"/>
+      </a:lnRef>
+      <a:fillRef idx="1">
+        <a:scrgbClr r="0" g="0" b="0"/>
+      </a:fillRef>
+      <a:effectRef idx="0">
+        <a:scrgbClr r="0" g="0" b="0"/>
+      </a:effectRef>
+      <a:fontRef idx="minor"/>
+    </dgm:style>
+  </dgm:styleLbl>
+  <dgm:styleLbl name="dkBgShp">
+    <dgm:scene3d>
+      <a:camera prst="orthographicFront"/>
+      <a:lightRig rig="threePt" dir="t"/>
+    </dgm:scene3d>
+    <dgm:sp3d/>
+    <dgm:txPr/>
+    <dgm:style>
+      <a:lnRef idx="0">
         <a:scrgbClr r="0" g="0" b="0"/>
       </a:lnRef>
       <a:fillRef idx="1">
@@ -3759,6 +3780,7 @@
       <a:camera prst="orthographicFront"/>
       <a:lightRig rig="threePt" dir="t"/>
     </dgm:scene3d>
+    <dgm:sp3d/>
     <dgm:txPr/>
     <dgm:style>
       <a:lnRef idx="0">
@@ -3773,25 +3795,44 @@
       <a:fontRef idx="minor"/>
     </dgm:style>
   </dgm:styleLbl>
-  <dgm:styleLbl name="vennNode1">
+  <dgm:styleLbl name="fgShp">
     <dgm:scene3d>
       <a:camera prst="orthographicFront"/>
       <a:lightRig rig="threePt" dir="t"/>
     </dgm:scene3d>
+    <dgm:sp3d/>
+    <dgm:txPr/>
+    <dgm:style>
+      <a:lnRef idx="2">
+        <a:scrgbClr r="0" g="0" b="0"/>
+      </a:lnRef>
+      <a:fillRef idx="1">
+        <a:scrgbClr r="0" g="0" b="0"/>
+      </a:fillRef>
+      <a:effectRef idx="0">
+        <a:scrgbClr r="0" g="0" b="0"/>
+      </a:effectRef>
+      <a:fontRef idx="minor"/>
+    </dgm:style>
+  </dgm:styleLbl>
+  <dgm:styleLbl name="revTx">
+    <dgm:scene3d>
+      <a:camera prst="orthographicFront"/>
+      <a:lightRig rig="threePt" dir="t"/>
+    </dgm:scene3d>
+    <dgm:sp3d/>
     <dgm:txPr/>
     <dgm:style>
       <a:lnRef idx="0">
         <a:scrgbClr r="0" g="0" b="0"/>
       </a:lnRef>
-      <a:fillRef idx="3">
+      <a:fillRef idx="0">
         <a:scrgbClr r="0" g="0" b="0"/>
       </a:fillRef>
-      <a:effectRef idx="3">
+      <a:effectRef idx="0">
         <a:scrgbClr r="0" g="0" b="0"/>
       </a:effectRef>
-      <a:fontRef idx="minor">
-        <a:schemeClr val="tx1"/>
-      </a:fontRef>
+      <a:fontRef idx="minor"/>
     </dgm:style>
   </dgm:styleLbl>
 </dgm:styleDef>
@@ -3885,6 +3926,7 @@
                 <a:latin typeface="微软雅黑" panose="020B0503020204020204" pitchFamily="34" charset="-122"/>
                 <a:ea typeface="微软雅黑" panose="020B0503020204020204" pitchFamily="34" charset="-122"/>
               </a:rPr>
+              <a:t>2020/6/11</a:t>
             </a:fld>
             <a:endParaRPr lang="zh-CN" altLang="en-US">
               <a:latin typeface="微软雅黑" panose="020B0503020204020204" pitchFamily="34" charset="-122"/>
@@ -3959,6 +4001,7 @@
                 <a:latin typeface="微软雅黑" panose="020B0503020204020204" pitchFamily="34" charset="-122"/>
                 <a:ea typeface="微软雅黑" panose="020B0503020204020204" pitchFamily="34" charset="-122"/>
               </a:rPr>
+              <a:t>‹#›</a:t>
             </a:fld>
             <a:endParaRPr lang="zh-CN" altLang="en-US">
               <a:latin typeface="微软雅黑" panose="020B0503020204020204" pitchFamily="34" charset="-122"/>
@@ -3968,6 +4011,11 @@
         </p:txBody>
       </p:sp>
     </p:spTree>
+    <p:extLst>
+      <p:ext uri="{BB962C8B-B14F-4D97-AF65-F5344CB8AC3E}">
+        <p14:creationId xmlns:p14="http://schemas.microsoft.com/office/powerpoint/2010/main" val="2563870765"/>
+      </p:ext>
+    </p:extLst>
   </p:cSld>
   <p:clrMap bg1="lt1" tx1="dk1" bg2="lt2" tx2="dk2" accent1="accent1" accent2="accent2" accent3="accent3" accent4="accent4" accent5="accent5" accent6="accent6" hlink="hlink" folHlink="folHlink"/>
 </p:handoutMaster>
@@ -4061,6 +4109,7 @@
           <a:p>
             <a:fld id="{1AC49D05-6128-4D0D-A32A-06A5E73B386C}" type="datetimeFigureOut">
               <a:rPr lang="zh-CN" altLang="en-US" smtClean="0"/>
+              <a:t>2020/6/11</a:t>
             </a:fld>
             <a:endParaRPr lang="zh-CN" altLang="en-US"/>
           </a:p>
@@ -4127,7 +4176,6 @@
               <a:rPr lang="zh-CN" altLang="en-US"/>
               <a:t>单击此处编辑母版文本样式</a:t>
             </a:r>
-            <a:endParaRPr lang="zh-CN" altLang="en-US"/>
           </a:p>
           <a:p>
             <a:pPr lvl="1"/>
@@ -4135,7 +4183,6 @@
               <a:rPr lang="zh-CN" altLang="en-US"/>
               <a:t>第二级</a:t>
             </a:r>
-            <a:endParaRPr lang="zh-CN" altLang="en-US"/>
           </a:p>
           <a:p>
             <a:pPr lvl="2"/>
@@ -4143,7 +4190,6 @@
               <a:rPr lang="zh-CN" altLang="en-US"/>
               <a:t>第三级</a:t>
             </a:r>
-            <a:endParaRPr lang="zh-CN" altLang="en-US"/>
           </a:p>
           <a:p>
             <a:pPr lvl="3"/>
@@ -4151,7 +4197,6 @@
               <a:rPr lang="zh-CN" altLang="en-US"/>
               <a:t>第四级</a:t>
             </a:r>
-            <a:endParaRPr lang="zh-CN" altLang="en-US"/>
           </a:p>
           <a:p>
             <a:pPr lvl="4"/>
@@ -4159,7 +4204,6 @@
               <a:rPr lang="zh-CN" altLang="en-US"/>
               <a:t>第五级</a:t>
             </a:r>
-            <a:endParaRPr lang="zh-CN" altLang="en-US"/>
           </a:p>
         </p:txBody>
       </p:sp>
@@ -4229,12 +4273,18 @@
           <a:p>
             <a:fld id="{5849F42C-2DAE-424C-A4B8-3140182C3E9F}" type="slidenum">
               <a:rPr lang="zh-CN" altLang="en-US" smtClean="0"/>
+              <a:t>‹#›</a:t>
             </a:fld>
             <a:endParaRPr lang="zh-CN" altLang="en-US"/>
           </a:p>
         </p:txBody>
       </p:sp>
     </p:spTree>
+    <p:extLst>
+      <p:ext uri="{BB962C8B-B14F-4D97-AF65-F5344CB8AC3E}">
+        <p14:creationId xmlns:p14="http://schemas.microsoft.com/office/powerpoint/2010/main" val="2751609471"/>
+      </p:ext>
+    </p:extLst>
   </p:cSld>
   <p:clrMap bg1="lt1" tx1="dk1" bg2="lt2" tx2="dk2" accent1="accent1" accent2="accent2" accent3="accent3" accent4="accent4" accent5="accent5" accent6="accent6" hlink="hlink" folHlink="folHlink"/>
   <p:notesStyle>
@@ -4358,7 +4408,7 @@
           <p:nvPr>
             <p:ph type="ctrTitle" hasCustomPrompt="1"/>
             <p:custDataLst>
-              <p:tags r:id="rId2"/>
+              <p:tags r:id="rId1"/>
             </p:custDataLst>
           </p:nvPr>
         </p:nvSpPr>
@@ -4390,7 +4440,6 @@
               <a:rPr lang="zh-CN" altLang="en-US" dirty="0"/>
               <a:t>单击此处编辑标题</a:t>
             </a:r>
-            <a:endParaRPr lang="zh-CN" altLang="en-US" dirty="0"/>
           </a:p>
         </p:txBody>
       </p:sp>
@@ -4403,7 +4452,7 @@
           <p:nvPr>
             <p:ph type="subTitle" idx="1" hasCustomPrompt="1"/>
             <p:custDataLst>
-              <p:tags r:id="rId3"/>
+              <p:tags r:id="rId2"/>
             </p:custDataLst>
           </p:nvPr>
         </p:nvSpPr>
@@ -4471,7 +4520,6 @@
               <a:rPr lang="zh-CN" altLang="en-US" dirty="0"/>
               <a:t>单击此处编辑副标题</a:t>
             </a:r>
-            <a:endParaRPr lang="zh-CN" altLang="en-US" dirty="0"/>
           </a:p>
         </p:txBody>
       </p:sp>
@@ -4484,7 +4532,7 @@
           <p:nvPr>
             <p:ph type="dt" sz="half" idx="10"/>
             <p:custDataLst>
-              <p:tags r:id="rId4"/>
+              <p:tags r:id="rId3"/>
             </p:custDataLst>
           </p:nvPr>
         </p:nvSpPr>
@@ -4495,6 +4543,7 @@
           <a:p>
             <a:fld id="{760FBDFE-C587-4B4C-A407-44438C67B59E}" type="datetimeFigureOut">
               <a:rPr lang="zh-CN" altLang="en-US" smtClean="0"/>
+              <a:t>2020/6/11</a:t>
             </a:fld>
             <a:endParaRPr lang="zh-CN" altLang="en-US"/>
           </a:p>
@@ -4509,7 +4558,7 @@
           <p:nvPr>
             <p:ph type="ftr" sz="quarter" idx="11"/>
             <p:custDataLst>
-              <p:tags r:id="rId5"/>
+              <p:tags r:id="rId4"/>
             </p:custDataLst>
           </p:nvPr>
         </p:nvSpPr>
@@ -4531,7 +4580,7 @@
           <p:nvPr>
             <p:ph type="sldNum" sz="quarter" idx="12"/>
             <p:custDataLst>
-              <p:tags r:id="rId6"/>
+              <p:tags r:id="rId5"/>
             </p:custDataLst>
           </p:nvPr>
         </p:nvSpPr>
@@ -4542,6 +4591,7 @@
           <a:p>
             <a:fld id="{49AE70B2-8BF9-45C0-BB95-33D1B9D3A854}" type="slidenum">
               <a:rPr lang="zh-CN" altLang="en-US" smtClean="0"/>
+              <a:t>‹#›</a:t>
             </a:fld>
             <a:endParaRPr lang="zh-CN" altLang="en-US" dirty="0"/>
           </a:p>
@@ -4581,7 +4631,7 @@
           <p:nvPr>
             <p:ph type="dt" sz="half" idx="10"/>
             <p:custDataLst>
-              <p:tags r:id="rId2"/>
+              <p:tags r:id="rId1"/>
             </p:custDataLst>
           </p:nvPr>
         </p:nvSpPr>
@@ -4592,6 +4642,7 @@
           <a:p>
             <a:fld id="{760FBDFE-C587-4B4C-A407-44438C67B59E}" type="datetimeFigureOut">
               <a:rPr lang="zh-CN" altLang="en-US" smtClean="0"/>
+              <a:t>2020/6/11</a:t>
             </a:fld>
             <a:endParaRPr lang="zh-CN" altLang="en-US"/>
           </a:p>
@@ -4606,7 +4657,7 @@
           <p:nvPr>
             <p:ph type="ftr" sz="quarter" idx="11"/>
             <p:custDataLst>
-              <p:tags r:id="rId3"/>
+              <p:tags r:id="rId2"/>
             </p:custDataLst>
           </p:nvPr>
         </p:nvSpPr>
@@ -4628,7 +4679,7 @@
           <p:nvPr>
             <p:ph type="sldNum" sz="quarter" idx="12"/>
             <p:custDataLst>
-              <p:tags r:id="rId4"/>
+              <p:tags r:id="rId3"/>
             </p:custDataLst>
           </p:nvPr>
         </p:nvSpPr>
@@ -4639,6 +4690,7 @@
           <a:p>
             <a:fld id="{49AE70B2-8BF9-45C0-BB95-33D1B9D3A854}" type="slidenum">
               <a:rPr lang="zh-CN" altLang="en-US" smtClean="0"/>
+              <a:t>‹#›</a:t>
             </a:fld>
             <a:endParaRPr lang="zh-CN" altLang="en-US"/>
           </a:p>
@@ -4653,7 +4705,7 @@
           <p:nvPr>
             <p:ph sz="quarter" idx="13"/>
             <p:custDataLst>
-              <p:tags r:id="rId5"/>
+              <p:tags r:id="rId4"/>
             </p:custDataLst>
           </p:nvPr>
         </p:nvSpPr>
@@ -4748,7 +4800,6 @@
               <a:rPr lang="zh-CN" altLang="en-US" dirty="0"/>
               <a:t>单击此处编辑母版文本样式</a:t>
             </a:r>
-            <a:endParaRPr lang="zh-CN" altLang="en-US" dirty="0"/>
           </a:p>
           <a:p>
             <a:pPr lvl="1"/>
@@ -4756,7 +4807,6 @@
               <a:rPr lang="zh-CN" altLang="en-US" dirty="0"/>
               <a:t>第二级</a:t>
             </a:r>
-            <a:endParaRPr lang="zh-CN" altLang="en-US" dirty="0"/>
           </a:p>
           <a:p>
             <a:pPr lvl="2"/>
@@ -4764,7 +4814,6 @@
               <a:rPr lang="zh-CN" altLang="en-US" dirty="0"/>
               <a:t>第三级</a:t>
             </a:r>
-            <a:endParaRPr lang="zh-CN" altLang="en-US" dirty="0"/>
           </a:p>
           <a:p>
             <a:pPr lvl="3"/>
@@ -4772,7 +4821,6 @@
               <a:rPr lang="zh-CN" altLang="en-US" dirty="0"/>
               <a:t>第四级</a:t>
             </a:r>
-            <a:endParaRPr lang="zh-CN" altLang="en-US" dirty="0"/>
           </a:p>
           <a:p>
             <a:pPr lvl="4"/>
@@ -4780,7 +4828,6 @@
               <a:rPr lang="zh-CN" altLang="en-US" dirty="0"/>
               <a:t>第五级</a:t>
             </a:r>
-            <a:endParaRPr lang="zh-CN" altLang="en-US" dirty="0"/>
           </a:p>
         </p:txBody>
       </p:sp>
@@ -4818,7 +4865,7 @@
           <p:nvPr>
             <p:ph type="dt" sz="half" idx="10"/>
             <p:custDataLst>
-              <p:tags r:id="rId2"/>
+              <p:tags r:id="rId1"/>
             </p:custDataLst>
           </p:nvPr>
         </p:nvSpPr>
@@ -4829,6 +4876,7 @@
           <a:p>
             <a:fld id="{760FBDFE-C587-4B4C-A407-44438C67B59E}" type="datetimeFigureOut">
               <a:rPr lang="zh-CN" altLang="en-US" smtClean="0"/>
+              <a:t>2020/6/11</a:t>
             </a:fld>
             <a:endParaRPr lang="zh-CN" altLang="en-US"/>
           </a:p>
@@ -4843,7 +4891,7 @@
           <p:nvPr>
             <p:ph type="ftr" sz="quarter" idx="11"/>
             <p:custDataLst>
-              <p:tags r:id="rId3"/>
+              <p:tags r:id="rId2"/>
             </p:custDataLst>
           </p:nvPr>
         </p:nvSpPr>
@@ -4865,7 +4913,7 @@
           <p:nvPr>
             <p:ph type="sldNum" sz="quarter" idx="12"/>
             <p:custDataLst>
-              <p:tags r:id="rId4"/>
+              <p:tags r:id="rId3"/>
             </p:custDataLst>
           </p:nvPr>
         </p:nvSpPr>
@@ -4876,6 +4924,7 @@
           <a:p>
             <a:fld id="{49AE70B2-8BF9-45C0-BB95-33D1B9D3A854}" type="slidenum">
               <a:rPr lang="zh-CN" altLang="en-US" smtClean="0"/>
+              <a:t>‹#›</a:t>
             </a:fld>
             <a:endParaRPr lang="zh-CN" altLang="en-US"/>
           </a:p>
@@ -4890,7 +4939,7 @@
           <p:nvPr>
             <p:ph type="title" hasCustomPrompt="1"/>
             <p:custDataLst>
-              <p:tags r:id="rId5"/>
+              <p:tags r:id="rId4"/>
             </p:custDataLst>
           </p:nvPr>
         </p:nvSpPr>
@@ -4934,9 +4983,6 @@
               </a:rPr>
               <a:t>单击此处编辑标题</a:t>
             </a:r>
-            <a:endParaRPr>
-              <a:sym typeface="+mn-ea"/>
-            </a:endParaRPr>
           </a:p>
         </p:txBody>
       </p:sp>
@@ -4949,7 +4995,7 @@
           <p:nvPr>
             <p:ph type="body" sz="quarter" idx="13"/>
             <p:custDataLst>
-              <p:tags r:id="rId6"/>
+              <p:tags r:id="rId5"/>
             </p:custDataLst>
           </p:nvPr>
         </p:nvSpPr>
@@ -4985,7 +5031,6 @@
               <a:rPr lang="zh-CN" altLang="en-US" dirty="0"/>
               <a:t>单击此处编辑母版文本样式</a:t>
             </a:r>
-            <a:endParaRPr lang="zh-CN" altLang="en-US" dirty="0"/>
           </a:p>
         </p:txBody>
       </p:sp>
@@ -5023,7 +5068,7 @@
           <p:nvPr>
             <p:ph type="title"/>
             <p:custDataLst>
-              <p:tags r:id="rId2"/>
+              <p:tags r:id="rId1"/>
             </p:custDataLst>
           </p:nvPr>
         </p:nvSpPr>
@@ -5066,9 +5111,6 @@
               </a:rPr>
               <a:t>单击此处编辑母版标题样式</a:t>
             </a:r>
-            <a:endParaRPr dirty="0">
-              <a:sym typeface="+mn-ea"/>
-            </a:endParaRPr>
           </a:p>
         </p:txBody>
       </p:sp>
@@ -5081,7 +5123,7 @@
           <p:nvPr>
             <p:ph idx="1"/>
             <p:custDataLst>
-              <p:tags r:id="rId3"/>
+              <p:tags r:id="rId2"/>
             </p:custDataLst>
           </p:nvPr>
         </p:nvSpPr>
@@ -5238,9 +5280,6 @@
               </a:rPr>
               <a:t>单击此处编辑母版文本样式</a:t>
             </a:r>
-            <a:endParaRPr dirty="0">
-              <a:sym typeface="+mn-ea"/>
-            </a:endParaRPr>
           </a:p>
         </p:txBody>
       </p:sp>
@@ -5253,7 +5292,7 @@
           <p:nvPr>
             <p:ph type="dt" sz="half" idx="10"/>
             <p:custDataLst>
-              <p:tags r:id="rId4"/>
+              <p:tags r:id="rId3"/>
             </p:custDataLst>
           </p:nvPr>
         </p:nvSpPr>
@@ -5264,6 +5303,7 @@
           <a:p>
             <a:fld id="{760FBDFE-C587-4B4C-A407-44438C67B59E}" type="datetimeFigureOut">
               <a:rPr lang="zh-CN" altLang="en-US" smtClean="0"/>
+              <a:t>2020/6/11</a:t>
             </a:fld>
             <a:endParaRPr lang="zh-CN" altLang="en-US"/>
           </a:p>
@@ -5278,7 +5318,7 @@
           <p:nvPr>
             <p:ph type="ftr" sz="quarter" idx="11"/>
             <p:custDataLst>
-              <p:tags r:id="rId5"/>
+              <p:tags r:id="rId4"/>
             </p:custDataLst>
           </p:nvPr>
         </p:nvSpPr>
@@ -5300,7 +5340,7 @@
           <p:nvPr>
             <p:ph type="sldNum" sz="quarter" idx="12"/>
             <p:custDataLst>
-              <p:tags r:id="rId6"/>
+              <p:tags r:id="rId5"/>
             </p:custDataLst>
           </p:nvPr>
         </p:nvSpPr>
@@ -5311,6 +5351,7 @@
           <a:p>
             <a:fld id="{49AE70B2-8BF9-45C0-BB95-33D1B9D3A854}" type="slidenum">
               <a:rPr lang="zh-CN" altLang="en-US" smtClean="0"/>
+              <a:t>‹#›</a:t>
             </a:fld>
             <a:endParaRPr lang="zh-CN" altLang="en-US"/>
           </a:p>
@@ -5350,7 +5391,7 @@
           <p:nvPr>
             <p:ph type="title" hasCustomPrompt="1"/>
             <p:custDataLst>
-              <p:tags r:id="rId2"/>
+              <p:tags r:id="rId1"/>
             </p:custDataLst>
           </p:nvPr>
         </p:nvSpPr>
@@ -5383,7 +5424,6 @@
               <a:rPr lang="zh-CN" altLang="en-US" dirty="0"/>
               <a:t>单击此处编辑标题</a:t>
             </a:r>
-            <a:endParaRPr lang="zh-CN" altLang="en-US" dirty="0"/>
           </a:p>
         </p:txBody>
       </p:sp>
@@ -5396,7 +5436,7 @@
           <p:nvPr>
             <p:ph type="body" idx="1" hasCustomPrompt="1"/>
             <p:custDataLst>
-              <p:tags r:id="rId3"/>
+              <p:tags r:id="rId2"/>
             </p:custDataLst>
           </p:nvPr>
         </p:nvSpPr>
@@ -5517,7 +5557,6 @@
               <a:rPr lang="zh-CN" altLang="en-US" dirty="0"/>
               <a:t>单击此处编辑文本</a:t>
             </a:r>
-            <a:endParaRPr lang="zh-CN" altLang="en-US" dirty="0"/>
           </a:p>
         </p:txBody>
       </p:sp>
@@ -5530,7 +5569,7 @@
           <p:nvPr>
             <p:ph type="dt" sz="half" idx="10"/>
             <p:custDataLst>
-              <p:tags r:id="rId4"/>
+              <p:tags r:id="rId3"/>
             </p:custDataLst>
           </p:nvPr>
         </p:nvSpPr>
@@ -5541,6 +5580,7 @@
           <a:p>
             <a:fld id="{760FBDFE-C587-4B4C-A407-44438C67B59E}" type="datetimeFigureOut">
               <a:rPr lang="zh-CN" altLang="en-US" smtClean="0"/>
+              <a:t>2020/6/11</a:t>
             </a:fld>
             <a:endParaRPr lang="zh-CN" altLang="en-US"/>
           </a:p>
@@ -5555,7 +5595,7 @@
           <p:nvPr>
             <p:ph type="ftr" sz="quarter" idx="11"/>
             <p:custDataLst>
-              <p:tags r:id="rId5"/>
+              <p:tags r:id="rId4"/>
             </p:custDataLst>
           </p:nvPr>
         </p:nvSpPr>
@@ -5577,7 +5617,7 @@
           <p:nvPr>
             <p:ph type="sldNum" sz="quarter" idx="12"/>
             <p:custDataLst>
-              <p:tags r:id="rId6"/>
+              <p:tags r:id="rId5"/>
             </p:custDataLst>
           </p:nvPr>
         </p:nvSpPr>
@@ -5588,6 +5628,7 @@
           <a:p>
             <a:fld id="{49AE70B2-8BF9-45C0-BB95-33D1B9D3A854}" type="slidenum">
               <a:rPr lang="zh-CN" altLang="en-US" smtClean="0"/>
+              <a:t>‹#›</a:t>
             </a:fld>
             <a:endParaRPr lang="zh-CN" altLang="en-US"/>
           </a:p>
@@ -5627,7 +5668,7 @@
           <p:nvPr>
             <p:ph type="title"/>
             <p:custDataLst>
-              <p:tags r:id="rId2"/>
+              <p:tags r:id="rId1"/>
             </p:custDataLst>
           </p:nvPr>
         </p:nvSpPr>
@@ -5670,9 +5711,6 @@
               </a:rPr>
               <a:t>单击此处编辑母版标题样式</a:t>
             </a:r>
-            <a:endParaRPr dirty="0">
-              <a:sym typeface="+mn-ea"/>
-            </a:endParaRPr>
           </a:p>
         </p:txBody>
       </p:sp>
@@ -5685,7 +5723,7 @@
           <p:nvPr>
             <p:ph sz="half" idx="1"/>
             <p:custDataLst>
-              <p:tags r:id="rId3"/>
+              <p:tags r:id="rId2"/>
             </p:custDataLst>
           </p:nvPr>
         </p:nvSpPr>
@@ -5842,9 +5880,6 @@
               </a:rPr>
               <a:t>单击此处编辑母版文本样式</a:t>
             </a:r>
-            <a:endParaRPr dirty="0">
-              <a:sym typeface="+mn-ea"/>
-            </a:endParaRPr>
           </a:p>
           <a:p>
             <a:pPr lvl="1"/>
@@ -5854,9 +5889,6 @@
               </a:rPr>
               <a:t>第二级</a:t>
             </a:r>
-            <a:endParaRPr dirty="0">
-              <a:sym typeface="+mn-ea"/>
-            </a:endParaRPr>
           </a:p>
           <a:p>
             <a:pPr lvl="2"/>
@@ -5866,9 +5898,6 @@
               </a:rPr>
               <a:t>第三级</a:t>
             </a:r>
-            <a:endParaRPr dirty="0">
-              <a:sym typeface="+mn-ea"/>
-            </a:endParaRPr>
           </a:p>
           <a:p>
             <a:pPr lvl="3"/>
@@ -5878,9 +5907,6 @@
               </a:rPr>
               <a:t>第四级</a:t>
             </a:r>
-            <a:endParaRPr dirty="0">
-              <a:sym typeface="+mn-ea"/>
-            </a:endParaRPr>
           </a:p>
         </p:txBody>
       </p:sp>
@@ -5893,7 +5919,7 @@
           <p:nvPr>
             <p:ph sz="half" idx="2"/>
             <p:custDataLst>
-              <p:tags r:id="rId4"/>
+              <p:tags r:id="rId3"/>
             </p:custDataLst>
           </p:nvPr>
         </p:nvSpPr>
@@ -5996,7 +6022,6 @@
               <a:rPr lang="zh-CN" altLang="en-US" dirty="0"/>
               <a:t>单击此处编辑母版文本样式</a:t>
             </a:r>
-            <a:endParaRPr lang="zh-CN" altLang="en-US" dirty="0"/>
           </a:p>
           <a:p>
             <a:pPr lvl="1"/>
@@ -6004,7 +6029,6 @@
               <a:rPr lang="zh-CN" altLang="en-US" dirty="0"/>
               <a:t>第二级</a:t>
             </a:r>
-            <a:endParaRPr lang="zh-CN" altLang="en-US" dirty="0"/>
           </a:p>
           <a:p>
             <a:pPr lvl="2"/>
@@ -6012,7 +6036,6 @@
               <a:rPr lang="zh-CN" altLang="en-US" dirty="0"/>
               <a:t>第三级</a:t>
             </a:r>
-            <a:endParaRPr lang="zh-CN" altLang="en-US" dirty="0"/>
           </a:p>
           <a:p>
             <a:pPr lvl="3"/>
@@ -6020,7 +6043,6 @@
               <a:rPr lang="zh-CN" altLang="en-US" dirty="0"/>
               <a:t>第四级</a:t>
             </a:r>
-            <a:endParaRPr lang="zh-CN" altLang="en-US" dirty="0"/>
           </a:p>
         </p:txBody>
       </p:sp>
@@ -6033,7 +6055,7 @@
           <p:nvPr>
             <p:ph type="dt" sz="half" idx="10"/>
             <p:custDataLst>
-              <p:tags r:id="rId5"/>
+              <p:tags r:id="rId4"/>
             </p:custDataLst>
           </p:nvPr>
         </p:nvSpPr>
@@ -6044,6 +6066,7 @@
           <a:p>
             <a:fld id="{760FBDFE-C587-4B4C-A407-44438C67B59E}" type="datetimeFigureOut">
               <a:rPr lang="zh-CN" altLang="en-US" smtClean="0"/>
+              <a:t>2020/6/11</a:t>
             </a:fld>
             <a:endParaRPr lang="zh-CN" altLang="en-US"/>
           </a:p>
@@ -6058,7 +6081,7 @@
           <p:nvPr>
             <p:ph type="ftr" sz="quarter" idx="11"/>
             <p:custDataLst>
-              <p:tags r:id="rId6"/>
+              <p:tags r:id="rId5"/>
             </p:custDataLst>
           </p:nvPr>
         </p:nvSpPr>
@@ -6080,7 +6103,7 @@
           <p:nvPr>
             <p:ph type="sldNum" sz="quarter" idx="12"/>
             <p:custDataLst>
-              <p:tags r:id="rId7"/>
+              <p:tags r:id="rId6"/>
             </p:custDataLst>
           </p:nvPr>
         </p:nvSpPr>
@@ -6091,6 +6114,7 @@
           <a:p>
             <a:fld id="{49AE70B2-8BF9-45C0-BB95-33D1B9D3A854}" type="slidenum">
               <a:rPr lang="zh-CN" altLang="en-US" smtClean="0"/>
+              <a:t>‹#›</a:t>
             </a:fld>
             <a:endParaRPr lang="zh-CN" altLang="en-US"/>
           </a:p>
@@ -6130,7 +6154,7 @@
           <p:nvPr>
             <p:ph type="title"/>
             <p:custDataLst>
-              <p:tags r:id="rId2"/>
+              <p:tags r:id="rId1"/>
             </p:custDataLst>
           </p:nvPr>
         </p:nvSpPr>
@@ -6173,9 +6197,6 @@
               </a:rPr>
               <a:t>单击此处编辑母版标题样式</a:t>
             </a:r>
-            <a:endParaRPr dirty="0">
-              <a:sym typeface="+mn-ea"/>
-            </a:endParaRPr>
           </a:p>
         </p:txBody>
       </p:sp>
@@ -6188,7 +6209,7 @@
           <p:nvPr>
             <p:ph type="body" idx="1" hasCustomPrompt="1"/>
             <p:custDataLst>
-              <p:tags r:id="rId3"/>
+              <p:tags r:id="rId2"/>
             </p:custDataLst>
           </p:nvPr>
         </p:nvSpPr>
@@ -6262,7 +6283,6 @@
               <a:rPr lang="zh-CN" altLang="en-US" dirty="0"/>
               <a:t>单击此处编辑文本</a:t>
             </a:r>
-            <a:endParaRPr lang="zh-CN" altLang="en-US" dirty="0"/>
           </a:p>
         </p:txBody>
       </p:sp>
@@ -6275,7 +6295,7 @@
           <p:nvPr>
             <p:ph sz="half" idx="2"/>
             <p:custDataLst>
-              <p:tags r:id="rId4"/>
+              <p:tags r:id="rId3"/>
             </p:custDataLst>
           </p:nvPr>
         </p:nvSpPr>
@@ -6432,9 +6452,6 @@
               </a:rPr>
               <a:t>单击此处编辑母版文本样式</a:t>
             </a:r>
-            <a:endParaRPr dirty="0">
-              <a:sym typeface="+mn-ea"/>
-            </a:endParaRPr>
           </a:p>
           <a:p>
             <a:pPr lvl="1"/>
@@ -6444,9 +6461,6 @@
               </a:rPr>
               <a:t>第二级</a:t>
             </a:r>
-            <a:endParaRPr dirty="0">
-              <a:sym typeface="+mn-ea"/>
-            </a:endParaRPr>
           </a:p>
           <a:p>
             <a:pPr lvl="2"/>
@@ -6456,9 +6470,6 @@
               </a:rPr>
               <a:t>第三级</a:t>
             </a:r>
-            <a:endParaRPr dirty="0">
-              <a:sym typeface="+mn-ea"/>
-            </a:endParaRPr>
           </a:p>
           <a:p>
             <a:pPr lvl="3"/>
@@ -6468,9 +6479,6 @@
               </a:rPr>
               <a:t>第四级</a:t>
             </a:r>
-            <a:endParaRPr dirty="0">
-              <a:sym typeface="+mn-ea"/>
-            </a:endParaRPr>
           </a:p>
         </p:txBody>
       </p:sp>
@@ -6483,7 +6491,7 @@
           <p:nvPr>
             <p:ph type="body" sz="quarter" idx="3" hasCustomPrompt="1"/>
             <p:custDataLst>
-              <p:tags r:id="rId5"/>
+              <p:tags r:id="rId4"/>
             </p:custDataLst>
           </p:nvPr>
         </p:nvSpPr>
@@ -6565,9 +6573,6 @@
               </a:rPr>
               <a:t>单击此处编辑文本</a:t>
             </a:r>
-            <a:endParaRPr>
-              <a:sym typeface="+mn-ea"/>
-            </a:endParaRPr>
           </a:p>
         </p:txBody>
       </p:sp>
@@ -6580,7 +6585,7 @@
           <p:nvPr>
             <p:ph sz="quarter" idx="4"/>
             <p:custDataLst>
-              <p:tags r:id="rId6"/>
+              <p:tags r:id="rId5"/>
             </p:custDataLst>
           </p:nvPr>
         </p:nvSpPr>
@@ -6737,9 +6742,6 @@
               </a:rPr>
               <a:t>单击此处编辑母版文本样式</a:t>
             </a:r>
-            <a:endParaRPr dirty="0">
-              <a:sym typeface="+mn-ea"/>
-            </a:endParaRPr>
           </a:p>
           <a:p>
             <a:pPr lvl="1"/>
@@ -6749,9 +6751,6 @@
               </a:rPr>
               <a:t>第二级</a:t>
             </a:r>
-            <a:endParaRPr dirty="0">
-              <a:sym typeface="+mn-ea"/>
-            </a:endParaRPr>
           </a:p>
           <a:p>
             <a:pPr lvl="2"/>
@@ -6761,9 +6760,6 @@
               </a:rPr>
               <a:t>第三级</a:t>
             </a:r>
-            <a:endParaRPr dirty="0">
-              <a:sym typeface="+mn-ea"/>
-            </a:endParaRPr>
           </a:p>
           <a:p>
             <a:pPr lvl="3"/>
@@ -6773,9 +6769,6 @@
               </a:rPr>
               <a:t>第四级</a:t>
             </a:r>
-            <a:endParaRPr dirty="0">
-              <a:sym typeface="+mn-ea"/>
-            </a:endParaRPr>
           </a:p>
         </p:txBody>
       </p:sp>
@@ -6788,7 +6781,7 @@
           <p:nvPr>
             <p:ph type="dt" sz="half" idx="10"/>
             <p:custDataLst>
-              <p:tags r:id="rId7"/>
+              <p:tags r:id="rId6"/>
             </p:custDataLst>
           </p:nvPr>
         </p:nvSpPr>
@@ -6799,6 +6792,7 @@
           <a:p>
             <a:fld id="{760FBDFE-C587-4B4C-A407-44438C67B59E}" type="datetimeFigureOut">
               <a:rPr lang="zh-CN" altLang="en-US" smtClean="0"/>
+              <a:t>2020/6/11</a:t>
             </a:fld>
             <a:endParaRPr lang="zh-CN" altLang="en-US"/>
           </a:p>
@@ -6813,7 +6807,7 @@
           <p:nvPr>
             <p:ph type="ftr" sz="quarter" idx="11"/>
             <p:custDataLst>
-              <p:tags r:id="rId8"/>
+              <p:tags r:id="rId7"/>
             </p:custDataLst>
           </p:nvPr>
         </p:nvSpPr>
@@ -6835,7 +6829,7 @@
           <p:nvPr>
             <p:ph type="sldNum" sz="quarter" idx="12"/>
             <p:custDataLst>
-              <p:tags r:id="rId9"/>
+              <p:tags r:id="rId8"/>
             </p:custDataLst>
           </p:nvPr>
         </p:nvSpPr>
@@ -6846,6 +6840,7 @@
           <a:p>
             <a:fld id="{49AE70B2-8BF9-45C0-BB95-33D1B9D3A854}" type="slidenum">
               <a:rPr lang="zh-CN" altLang="en-US" smtClean="0"/>
+              <a:t>‹#›</a:t>
             </a:fld>
             <a:endParaRPr lang="zh-CN" altLang="en-US"/>
           </a:p>
@@ -6885,7 +6880,7 @@
           <p:nvPr>
             <p:ph type="title"/>
             <p:custDataLst>
-              <p:tags r:id="rId2"/>
+              <p:tags r:id="rId1"/>
             </p:custDataLst>
           </p:nvPr>
         </p:nvSpPr>
@@ -6928,9 +6923,6 @@
               </a:rPr>
               <a:t>单击此处编辑母版标题样式</a:t>
             </a:r>
-            <a:endParaRPr>
-              <a:sym typeface="+mn-ea"/>
-            </a:endParaRPr>
           </a:p>
         </p:txBody>
       </p:sp>
@@ -6943,7 +6935,7 @@
           <p:nvPr>
             <p:ph type="dt" sz="half" idx="10"/>
             <p:custDataLst>
-              <p:tags r:id="rId3"/>
+              <p:tags r:id="rId2"/>
             </p:custDataLst>
           </p:nvPr>
         </p:nvSpPr>
@@ -6954,6 +6946,7 @@
           <a:p>
             <a:fld id="{760FBDFE-C587-4B4C-A407-44438C67B59E}" type="datetimeFigureOut">
               <a:rPr lang="zh-CN" altLang="en-US" smtClean="0"/>
+              <a:t>2020/6/11</a:t>
             </a:fld>
             <a:endParaRPr lang="zh-CN" altLang="en-US"/>
           </a:p>
@@ -6968,7 +6961,7 @@
           <p:nvPr>
             <p:ph type="ftr" sz="quarter" idx="11"/>
             <p:custDataLst>
-              <p:tags r:id="rId4"/>
+              <p:tags r:id="rId3"/>
             </p:custDataLst>
           </p:nvPr>
         </p:nvSpPr>
@@ -6990,7 +6983,7 @@
           <p:nvPr>
             <p:ph type="sldNum" sz="quarter" idx="12"/>
             <p:custDataLst>
-              <p:tags r:id="rId5"/>
+              <p:tags r:id="rId4"/>
             </p:custDataLst>
           </p:nvPr>
         </p:nvSpPr>
@@ -7001,6 +6994,7 @@
           <a:p>
             <a:fld id="{49AE70B2-8BF9-45C0-BB95-33D1B9D3A854}" type="slidenum">
               <a:rPr lang="zh-CN" altLang="en-US" smtClean="0"/>
+              <a:t>‹#›</a:t>
             </a:fld>
             <a:endParaRPr lang="zh-CN" altLang="en-US"/>
           </a:p>
@@ -7040,7 +7034,7 @@
           <p:nvPr>
             <p:ph type="dt" sz="half" idx="10"/>
             <p:custDataLst>
-              <p:tags r:id="rId2"/>
+              <p:tags r:id="rId1"/>
             </p:custDataLst>
           </p:nvPr>
         </p:nvSpPr>
@@ -7051,6 +7045,7 @@
           <a:p>
             <a:fld id="{760FBDFE-C587-4B4C-A407-44438C67B59E}" type="datetimeFigureOut">
               <a:rPr lang="zh-CN" altLang="en-US" smtClean="0"/>
+              <a:t>2020/6/11</a:t>
             </a:fld>
             <a:endParaRPr lang="zh-CN" altLang="en-US"/>
           </a:p>
@@ -7065,7 +7060,7 @@
           <p:nvPr>
             <p:ph type="ftr" sz="quarter" idx="11"/>
             <p:custDataLst>
-              <p:tags r:id="rId3"/>
+              <p:tags r:id="rId2"/>
             </p:custDataLst>
           </p:nvPr>
         </p:nvSpPr>
@@ -7087,7 +7082,7 @@
           <p:nvPr>
             <p:ph type="sldNum" sz="quarter" idx="12"/>
             <p:custDataLst>
-              <p:tags r:id="rId4"/>
+              <p:tags r:id="rId3"/>
             </p:custDataLst>
           </p:nvPr>
         </p:nvSpPr>
@@ -7098,6 +7093,7 @@
           <a:p>
             <a:fld id="{49AE70B2-8BF9-45C0-BB95-33D1B9D3A854}" type="slidenum">
               <a:rPr lang="zh-CN" altLang="en-US" smtClean="0"/>
+              <a:t>‹#›</a:t>
             </a:fld>
             <a:endParaRPr lang="zh-CN" altLang="en-US"/>
           </a:p>
@@ -7137,7 +7133,7 @@
           <p:nvPr>
             <p:ph type="pic" idx="1"/>
             <p:custDataLst>
-              <p:tags r:id="rId2"/>
+              <p:tags r:id="rId1"/>
             </p:custDataLst>
           </p:nvPr>
         </p:nvSpPr>
@@ -7291,7 +7287,7 @@
           <p:nvPr>
             <p:ph type="body" sz="half" idx="2" hasCustomPrompt="1"/>
             <p:custDataLst>
-              <p:tags r:id="rId3"/>
+              <p:tags r:id="rId2"/>
             </p:custDataLst>
           </p:nvPr>
         </p:nvSpPr>
@@ -7341,9 +7337,6 @@
               </a:rPr>
               <a:t>单击此处编辑文本</a:t>
             </a:r>
-            <a:endParaRPr dirty="0">
-              <a:sym typeface="+mn-ea"/>
-            </a:endParaRPr>
           </a:p>
         </p:txBody>
       </p:sp>
@@ -7356,7 +7349,7 @@
           <p:nvPr>
             <p:ph type="dt" sz="half" idx="10"/>
             <p:custDataLst>
-              <p:tags r:id="rId4"/>
+              <p:tags r:id="rId3"/>
             </p:custDataLst>
           </p:nvPr>
         </p:nvSpPr>
@@ -7367,6 +7360,7 @@
           <a:p>
             <a:fld id="{9EFD9D74-47D9-4702-A33C-335B63B48DBF}" type="datetimeFigureOut">
               <a:rPr lang="zh-CN" altLang="en-US" smtClean="0"/>
+              <a:t>2020/6/11</a:t>
             </a:fld>
             <a:endParaRPr lang="zh-CN" altLang="en-US" dirty="0"/>
           </a:p>
@@ -7381,7 +7375,7 @@
           <p:nvPr>
             <p:ph type="ftr" sz="quarter" idx="11"/>
             <p:custDataLst>
-              <p:tags r:id="rId5"/>
+              <p:tags r:id="rId4"/>
             </p:custDataLst>
           </p:nvPr>
         </p:nvSpPr>
@@ -7403,7 +7397,7 @@
           <p:nvPr>
             <p:ph type="sldNum" sz="quarter" idx="12"/>
             <p:custDataLst>
-              <p:tags r:id="rId6"/>
+              <p:tags r:id="rId5"/>
             </p:custDataLst>
           </p:nvPr>
         </p:nvSpPr>
@@ -7414,6 +7408,7 @@
           <a:p>
             <a:fld id="{FABC47A4-756D-490B-A52F-7D9E2C9FC05F}" type="slidenum">
               <a:rPr lang="zh-CN" altLang="en-US" smtClean="0"/>
+              <a:t>‹#›</a:t>
             </a:fld>
             <a:endParaRPr lang="zh-CN" altLang="en-US"/>
           </a:p>
@@ -7428,7 +7423,7 @@
           <p:nvPr>
             <p:ph type="title"/>
             <p:custDataLst>
-              <p:tags r:id="rId7"/>
+              <p:tags r:id="rId6"/>
             </p:custDataLst>
           </p:nvPr>
         </p:nvSpPr>
@@ -7445,7 +7440,6 @@
               <a:rPr lang="zh-CN" altLang="en-US"/>
               <a:t>单击此处编辑母版标题样式</a:t>
             </a:r>
-            <a:endParaRPr lang="zh-CN" altLang="en-US"/>
           </a:p>
         </p:txBody>
       </p:sp>
@@ -7483,7 +7477,7 @@
           <p:nvPr>
             <p:ph type="title" orient="vert" hasCustomPrompt="1"/>
             <p:custDataLst>
-              <p:tags r:id="rId2"/>
+              <p:tags r:id="rId1"/>
             </p:custDataLst>
           </p:nvPr>
         </p:nvSpPr>
@@ -7529,9 +7523,6 @@
               </a:rPr>
               <a:t>单击此处编辑标题</a:t>
             </a:r>
-            <a:endParaRPr dirty="0">
-              <a:sym typeface="+mn-ea"/>
-            </a:endParaRPr>
           </a:p>
         </p:txBody>
       </p:sp>
@@ -7544,7 +7535,7 @@
           <p:nvPr>
             <p:ph type="body" orient="vert" idx="1" hasCustomPrompt="1"/>
             <p:custDataLst>
-              <p:tags r:id="rId3"/>
+              <p:tags r:id="rId2"/>
             </p:custDataLst>
           </p:nvPr>
         </p:nvSpPr>
@@ -7649,7 +7640,6 @@
               <a:rPr lang="zh-CN" altLang="en-US" dirty="0"/>
               <a:t>单击此处编辑文本</a:t>
             </a:r>
-            <a:endParaRPr lang="zh-CN" altLang="en-US" dirty="0"/>
           </a:p>
           <a:p>
             <a:pPr lvl="1"/>
@@ -7657,7 +7647,6 @@
               <a:rPr lang="zh-CN" altLang="en-US" dirty="0"/>
               <a:t>第二级</a:t>
             </a:r>
-            <a:endParaRPr lang="zh-CN" altLang="en-US" dirty="0"/>
           </a:p>
           <a:p>
             <a:pPr lvl="2"/>
@@ -7665,7 +7654,6 @@
               <a:rPr lang="zh-CN" altLang="en-US" dirty="0"/>
               <a:t>第三级</a:t>
             </a:r>
-            <a:endParaRPr lang="zh-CN" altLang="en-US" dirty="0"/>
           </a:p>
           <a:p>
             <a:pPr lvl="3"/>
@@ -7673,7 +7661,6 @@
               <a:rPr lang="zh-CN" altLang="en-US" dirty="0"/>
               <a:t>第四级</a:t>
             </a:r>
-            <a:endParaRPr lang="zh-CN" altLang="en-US" dirty="0"/>
           </a:p>
           <a:p>
             <a:pPr lvl="4"/>
@@ -7681,7 +7668,6 @@
               <a:rPr lang="zh-CN" altLang="en-US" dirty="0"/>
               <a:t>第五级</a:t>
             </a:r>
-            <a:endParaRPr lang="zh-CN" altLang="en-US" dirty="0"/>
           </a:p>
         </p:txBody>
       </p:sp>
@@ -7694,7 +7680,7 @@
           <p:nvPr>
             <p:ph type="dt" sz="half" idx="10"/>
             <p:custDataLst>
-              <p:tags r:id="rId4"/>
+              <p:tags r:id="rId3"/>
             </p:custDataLst>
           </p:nvPr>
         </p:nvSpPr>
@@ -7705,6 +7691,7 @@
           <a:p>
             <a:fld id="{760FBDFE-C587-4B4C-A407-44438C67B59E}" type="datetimeFigureOut">
               <a:rPr lang="zh-CN" altLang="en-US" smtClean="0"/>
+              <a:t>2020/6/11</a:t>
             </a:fld>
             <a:endParaRPr lang="zh-CN" altLang="en-US"/>
           </a:p>
@@ -7719,7 +7706,7 @@
           <p:nvPr>
             <p:ph type="ftr" sz="quarter" idx="11"/>
             <p:custDataLst>
-              <p:tags r:id="rId5"/>
+              <p:tags r:id="rId4"/>
             </p:custDataLst>
           </p:nvPr>
         </p:nvSpPr>
@@ -7741,7 +7728,7 @@
           <p:nvPr>
             <p:ph type="sldNum" sz="quarter" idx="12"/>
             <p:custDataLst>
-              <p:tags r:id="rId6"/>
+              <p:tags r:id="rId5"/>
             </p:custDataLst>
           </p:nvPr>
         </p:nvSpPr>
@@ -7752,6 +7739,7 @@
           <a:p>
             <a:fld id="{49AE70B2-8BF9-45C0-BB95-33D1B9D3A854}" type="slidenum">
               <a:rPr lang="zh-CN" altLang="en-US" smtClean="0"/>
+              <a:t>‹#›</a:t>
             </a:fld>
             <a:endParaRPr lang="zh-CN" altLang="en-US"/>
           </a:p>
@@ -7809,7 +7797,7 @@
           <p:nvPr>
             <p:ph type="title"/>
             <p:custDataLst>
-              <p:tags r:id="rId12"/>
+              <p:tags r:id="rId13"/>
             </p:custDataLst>
           </p:nvPr>
         </p:nvSpPr>
@@ -7832,7 +7820,6 @@
               <a:rPr lang="zh-CN" altLang="en-US" dirty="0"/>
               <a:t>单击此处编辑母版标题样式</a:t>
             </a:r>
-            <a:endParaRPr lang="zh-CN" altLang="en-US" dirty="0"/>
           </a:p>
         </p:txBody>
       </p:sp>
@@ -7845,7 +7832,7 @@
           <p:nvPr>
             <p:ph type="body" idx="1"/>
             <p:custDataLst>
-              <p:tags r:id="rId13"/>
+              <p:tags r:id="rId14"/>
             </p:custDataLst>
           </p:nvPr>
         </p:nvSpPr>
@@ -7869,7 +7856,6 @@
               <a:rPr lang="zh-CN" altLang="en-US" dirty="0"/>
               <a:t>单击此处编辑母版文本样式</a:t>
             </a:r>
-            <a:endParaRPr lang="zh-CN" altLang="en-US" dirty="0"/>
           </a:p>
           <a:p>
             <a:pPr lvl="1"/>
@@ -7877,7 +7863,6 @@
               <a:rPr lang="zh-CN" altLang="en-US" dirty="0"/>
               <a:t>第二级</a:t>
             </a:r>
-            <a:endParaRPr lang="zh-CN" altLang="en-US" dirty="0"/>
           </a:p>
           <a:p>
             <a:pPr lvl="2"/>
@@ -7885,7 +7870,6 @@
               <a:rPr lang="zh-CN" altLang="en-US" dirty="0"/>
               <a:t>第三级</a:t>
             </a:r>
-            <a:endParaRPr lang="zh-CN" altLang="en-US" dirty="0"/>
           </a:p>
           <a:p>
             <a:pPr lvl="3"/>
@@ -7893,7 +7877,6 @@
               <a:rPr lang="zh-CN" altLang="en-US" dirty="0"/>
               <a:t>第四级</a:t>
             </a:r>
-            <a:endParaRPr lang="zh-CN" altLang="en-US" dirty="0"/>
           </a:p>
           <a:p>
             <a:pPr lvl="4"/>
@@ -7901,7 +7884,6 @@
               <a:rPr lang="zh-CN" altLang="en-US" dirty="0"/>
               <a:t>第五级</a:t>
             </a:r>
-            <a:endParaRPr lang="zh-CN" altLang="en-US" dirty="0"/>
           </a:p>
         </p:txBody>
       </p:sp>
@@ -7914,7 +7896,7 @@
           <p:nvPr>
             <p:ph type="dt" sz="half" idx="2"/>
             <p:custDataLst>
-              <p:tags r:id="rId14"/>
+              <p:tags r:id="rId15"/>
             </p:custDataLst>
           </p:nvPr>
         </p:nvSpPr>
@@ -7947,6 +7929,7 @@
           <a:p>
             <a:fld id="{760FBDFE-C587-4B4C-A407-44438C67B59E}" type="datetimeFigureOut">
               <a:rPr lang="zh-CN" altLang="en-US" smtClean="0"/>
+              <a:t>2020/6/11</a:t>
             </a:fld>
             <a:endParaRPr lang="zh-CN" altLang="en-US"/>
           </a:p>
@@ -7961,7 +7944,7 @@
           <p:nvPr>
             <p:ph type="ftr" sz="quarter" idx="3"/>
             <p:custDataLst>
-              <p:tags r:id="rId15"/>
+              <p:tags r:id="rId16"/>
             </p:custDataLst>
           </p:nvPr>
         </p:nvSpPr>
@@ -8005,7 +7988,7 @@
           <p:nvPr>
             <p:ph type="sldNum" sz="quarter" idx="4"/>
             <p:custDataLst>
-              <p:tags r:id="rId16"/>
+              <p:tags r:id="rId17"/>
             </p:custDataLst>
           </p:nvPr>
         </p:nvSpPr>
@@ -8038,6 +8021,7 @@
           <a:p>
             <a:fld id="{49AE70B2-8BF9-45C0-BB95-33D1B9D3A854}" type="slidenum">
               <a:rPr lang="zh-CN" altLang="en-US" smtClean="0"/>
+              <a:t>‹#›</a:t>
             </a:fld>
             <a:endParaRPr lang="zh-CN" altLang="en-US" dirty="0"/>
           </a:p>
@@ -8049,7 +8033,7 @@
           <p:cNvSpPr/>
           <p:nvPr>
             <p:custDataLst>
-              <p:tags r:id="rId17"/>
+              <p:tags r:id="rId18"/>
             </p:custDataLst>
           </p:nvPr>
         </p:nvSpPr>
@@ -8454,7 +8438,7 @@
           <p:nvPr>
             <p:ph type="ctrTitle"/>
             <p:custDataLst>
-              <p:tags r:id="rId1"/>
+              <p:tags r:id="rId2"/>
             </p:custDataLst>
           </p:nvPr>
         </p:nvSpPr>
@@ -8472,7 +8456,6 @@
               <a:rPr lang="zh-CN" altLang="zh-CN"/>
               <a:t>软件质量保证插图集合</a:t>
             </a:r>
-            <a:endParaRPr lang="zh-CN" altLang="zh-CN"/>
           </a:p>
         </p:txBody>
       </p:sp>
@@ -8485,7 +8468,7 @@
           <p:nvPr>
             <p:ph type="subTitle" idx="1"/>
             <p:custDataLst>
-              <p:tags r:id="rId2"/>
+              <p:tags r:id="rId3"/>
             </p:custDataLst>
           </p:nvPr>
         </p:nvSpPr>
@@ -8502,13 +8485,12 @@
               <a:rPr lang="en-US" altLang="zh-CN"/>
               <a:t>2020/05/26</a:t>
             </a:r>
-            <a:endParaRPr lang="en-US" altLang="zh-CN"/>
           </a:p>
         </p:txBody>
       </p:sp>
     </p:spTree>
     <p:custDataLst>
-      <p:tags r:id="rId3"/>
+      <p:tags r:id="rId1"/>
     </p:custDataLst>
   </p:cSld>
   <p:clrMapOvr>
@@ -8715,7 +8697,6 @@
               <a:rPr lang="zh-CN" altLang="en-US"/>
               <a:t>开发进度</a:t>
             </a:r>
-            <a:endParaRPr lang="zh-CN" altLang="en-US"/>
           </a:p>
         </p:txBody>
       </p:sp>
@@ -8745,7 +8726,6 @@
               <a:rPr lang="zh-CN" altLang="en-US"/>
               <a:t>修复成本</a:t>
             </a:r>
-            <a:endParaRPr lang="zh-CN" altLang="en-US"/>
           </a:p>
         </p:txBody>
       </p:sp>
@@ -8775,7 +8755,6 @@
               <a:rPr lang="zh-CN" altLang="en-US"/>
               <a:t>需求设计</a:t>
             </a:r>
-            <a:endParaRPr lang="zh-CN" altLang="en-US"/>
           </a:p>
         </p:txBody>
       </p:sp>
@@ -8805,7 +8784,6 @@
               <a:rPr lang="zh-CN" altLang="en-US"/>
               <a:t>编码</a:t>
             </a:r>
-            <a:endParaRPr lang="zh-CN" altLang="en-US"/>
           </a:p>
         </p:txBody>
       </p:sp>
@@ -8835,7 +8813,6 @@
               <a:rPr lang="zh-CN" altLang="en-US"/>
               <a:t>验收</a:t>
             </a:r>
-            <a:endParaRPr lang="zh-CN" altLang="en-US"/>
           </a:p>
         </p:txBody>
       </p:sp>
@@ -8865,7 +8842,6 @@
               <a:rPr lang="zh-CN" altLang="en-US"/>
               <a:t>交付</a:t>
             </a:r>
-            <a:endParaRPr lang="zh-CN" altLang="en-US"/>
           </a:p>
         </p:txBody>
       </p:sp>
@@ -8931,7 +8907,7 @@
           </p:nvPr>
         </p:nvPicPr>
         <p:blipFill>
-          <a:blip r:embed="rId1">
+          <a:blip r:embed="rId2">
             <a:extLst>
               <a:ext uri="{28A0092B-C50C-407E-A947-70E740481C1C}">
                 <a14:useLocalDpi xmlns:a14="http://schemas.microsoft.com/office/drawing/2010/main" val="0"/>
@@ -9024,7 +9000,7 @@
           </p:nvPr>
         </p:nvPicPr>
         <p:blipFill>
-          <a:blip r:embed="rId1">
+          <a:blip r:embed="rId2">
             <a:extLst>
               <a:ext uri="{28A0092B-C50C-407E-A947-70E740481C1C}">
                 <a14:useLocalDpi xmlns:a14="http://schemas.microsoft.com/office/drawing/2010/main" val="0"/>
@@ -9117,7 +9093,7 @@
           </p:nvPr>
         </p:nvPicPr>
         <p:blipFill>
-          <a:blip r:embed="rId1">
+          <a:blip r:embed="rId2">
             <a:extLst>
               <a:ext uri="{28A0092B-C50C-407E-A947-70E740481C1C}">
                 <a14:useLocalDpi xmlns:a14="http://schemas.microsoft.com/office/drawing/2010/main" val="0"/>
@@ -9166,7 +9142,669 @@
         <p:cNvGrpSpPr/>
         <p:nvPr/>
       </p:nvGrpSpPr>
-      <p:grpSpPr/>
+      <p:grpSpPr>
+        <a:xfrm>
+          <a:off x="0" y="0"/>
+          <a:ext cx="0" cy="0"/>
+          <a:chOff x="0" y="0"/>
+          <a:chExt cx="0" cy="0"/>
+        </a:xfrm>
+      </p:grpSpPr>
+      <p:sp>
+        <p:nvSpPr>
+          <p:cNvPr id="7" name="矩形 6"/>
+          <p:cNvSpPr/>
+          <p:nvPr/>
+        </p:nvSpPr>
+        <p:spPr>
+          <a:xfrm>
+            <a:off x="1549400" y="625473"/>
+            <a:ext cx="9023350" cy="5905500"/>
+          </a:xfrm>
+          <a:prstGeom prst="rect">
+            <a:avLst/>
+          </a:prstGeom>
+          <a:solidFill>
+            <a:schemeClr val="bg1"/>
+          </a:solidFill>
+        </p:spPr>
+        <p:style>
+          <a:lnRef idx="2">
+            <a:schemeClr val="accent1">
+              <a:shade val="50000"/>
+            </a:schemeClr>
+          </a:lnRef>
+          <a:fillRef idx="1">
+            <a:schemeClr val="accent1"/>
+          </a:fillRef>
+          <a:effectRef idx="0">
+            <a:schemeClr val="accent1"/>
+          </a:effectRef>
+          <a:fontRef idx="minor">
+            <a:schemeClr val="lt1"/>
+          </a:fontRef>
+        </p:style>
+        <p:txBody>
+          <a:bodyPr rtlCol="0" anchor="ctr"/>
+          <a:lstStyle/>
+          <a:p>
+            <a:pPr algn="ctr"/>
+            <a:endParaRPr lang="zh-CN" altLang="en-US" dirty="0"/>
+          </a:p>
+        </p:txBody>
+      </p:sp>
+      <p:sp>
+        <p:nvSpPr>
+          <p:cNvPr id="4" name="圆角矩形 3"/>
+          <p:cNvSpPr/>
+          <p:nvPr/>
+        </p:nvSpPr>
+        <p:spPr>
+          <a:xfrm>
+            <a:off x="4057650" y="4505324"/>
+            <a:ext cx="2705100" cy="1730375"/>
+          </a:xfrm>
+          <a:prstGeom prst="roundRect">
+            <a:avLst/>
+          </a:prstGeom>
+        </p:spPr>
+        <p:style>
+          <a:lnRef idx="2">
+            <a:schemeClr val="accent3">
+              <a:shade val="50000"/>
+            </a:schemeClr>
+          </a:lnRef>
+          <a:fillRef idx="1">
+            <a:schemeClr val="accent3"/>
+          </a:fillRef>
+          <a:effectRef idx="0">
+            <a:schemeClr val="accent3"/>
+          </a:effectRef>
+          <a:fontRef idx="minor">
+            <a:schemeClr val="lt1"/>
+          </a:fontRef>
+        </p:style>
+        <p:txBody>
+          <a:bodyPr rtlCol="0" anchor="ctr"/>
+          <a:lstStyle/>
+          <a:p>
+            <a:pPr algn="ctr"/>
+            <a:r>
+              <a:rPr lang="en-US" altLang="zh-CN" dirty="0" smtClean="0"/>
+              <a:t>Socket</a:t>
+            </a:r>
+            <a:r>
+              <a:rPr lang="zh-CN" altLang="en-US" dirty="0" smtClean="0"/>
+              <a:t>客户端</a:t>
+            </a:r>
+            <a:endParaRPr lang="zh-CN" altLang="en-US" dirty="0"/>
+          </a:p>
+        </p:txBody>
+      </p:sp>
+      <p:sp>
+        <p:nvSpPr>
+          <p:cNvPr id="5" name="圆角矩形 4"/>
+          <p:cNvSpPr/>
+          <p:nvPr/>
+        </p:nvSpPr>
+        <p:spPr>
+          <a:xfrm>
+            <a:off x="4057650" y="3086100"/>
+            <a:ext cx="2705100" cy="1162048"/>
+          </a:xfrm>
+          <a:prstGeom prst="roundRect">
+            <a:avLst/>
+          </a:prstGeom>
+        </p:spPr>
+        <p:style>
+          <a:lnRef idx="2">
+            <a:schemeClr val="accent4">
+              <a:shade val="50000"/>
+            </a:schemeClr>
+          </a:lnRef>
+          <a:fillRef idx="1">
+            <a:schemeClr val="accent4"/>
+          </a:fillRef>
+          <a:effectRef idx="0">
+            <a:schemeClr val="accent4"/>
+          </a:effectRef>
+          <a:fontRef idx="minor">
+            <a:schemeClr val="lt1"/>
+          </a:fontRef>
+        </p:style>
+        <p:txBody>
+          <a:bodyPr rtlCol="0" anchor="ctr"/>
+          <a:lstStyle/>
+          <a:p>
+            <a:pPr algn="ctr"/>
+            <a:r>
+              <a:rPr lang="zh-CN" altLang="en-US" dirty="0" smtClean="0"/>
+              <a:t>接口层</a:t>
+            </a:r>
+            <a:endParaRPr lang="zh-CN" altLang="en-US" dirty="0"/>
+          </a:p>
+        </p:txBody>
+      </p:sp>
+      <p:sp>
+        <p:nvSpPr>
+          <p:cNvPr id="6" name="圆角矩形 5"/>
+          <p:cNvSpPr/>
+          <p:nvPr/>
+        </p:nvSpPr>
+        <p:spPr>
+          <a:xfrm>
+            <a:off x="4057650" y="1071566"/>
+            <a:ext cx="2705100" cy="1690684"/>
+          </a:xfrm>
+          <a:prstGeom prst="roundRect">
+            <a:avLst/>
+          </a:prstGeom>
+        </p:spPr>
+        <p:style>
+          <a:lnRef idx="2">
+            <a:schemeClr val="accent5">
+              <a:shade val="50000"/>
+            </a:schemeClr>
+          </a:lnRef>
+          <a:fillRef idx="1">
+            <a:schemeClr val="accent5"/>
+          </a:fillRef>
+          <a:effectRef idx="0">
+            <a:schemeClr val="accent5"/>
+          </a:effectRef>
+          <a:fontRef idx="minor">
+            <a:schemeClr val="lt1"/>
+          </a:fontRef>
+        </p:style>
+        <p:txBody>
+          <a:bodyPr rtlCol="0" anchor="ctr"/>
+          <a:lstStyle/>
+          <a:p>
+            <a:pPr algn="ctr"/>
+            <a:r>
+              <a:rPr lang="zh-CN" altLang="en-US" dirty="0" smtClean="0"/>
+              <a:t>接口处理层</a:t>
+            </a:r>
+            <a:endParaRPr lang="zh-CN" altLang="en-US" dirty="0"/>
+          </a:p>
+        </p:txBody>
+      </p:sp>
+      <p:sp>
+        <p:nvSpPr>
+          <p:cNvPr id="9" name="圆角矩形 8"/>
+          <p:cNvSpPr/>
+          <p:nvPr/>
+        </p:nvSpPr>
+        <p:spPr>
+          <a:xfrm>
+            <a:off x="7073900" y="4505325"/>
+            <a:ext cx="2895600" cy="358779"/>
+          </a:xfrm>
+          <a:prstGeom prst="roundRect">
+            <a:avLst/>
+          </a:prstGeom>
+        </p:spPr>
+        <p:style>
+          <a:lnRef idx="3">
+            <a:schemeClr val="lt1"/>
+          </a:lnRef>
+          <a:fillRef idx="1">
+            <a:schemeClr val="accent3"/>
+          </a:fillRef>
+          <a:effectRef idx="1">
+            <a:schemeClr val="accent3"/>
+          </a:effectRef>
+          <a:fontRef idx="minor">
+            <a:schemeClr val="lt1"/>
+          </a:fontRef>
+        </p:style>
+        <p:txBody>
+          <a:bodyPr rtlCol="0" anchor="ctr"/>
+          <a:lstStyle/>
+          <a:p>
+            <a:pPr algn="ctr"/>
+            <a:r>
+              <a:rPr lang="zh-CN" altLang="en-US" dirty="0"/>
+              <a:t>数</a:t>
+            </a:r>
+            <a:r>
+              <a:rPr lang="zh-CN" altLang="en-US" dirty="0" smtClean="0"/>
+              <a:t>据收发</a:t>
+            </a:r>
+            <a:endParaRPr lang="en-US" altLang="zh-CN" dirty="0" smtClean="0"/>
+          </a:p>
+        </p:txBody>
+      </p:sp>
+      <p:sp>
+        <p:nvSpPr>
+          <p:cNvPr id="10" name="圆角矩形 9"/>
+          <p:cNvSpPr/>
+          <p:nvPr/>
+        </p:nvSpPr>
+        <p:spPr>
+          <a:xfrm>
+            <a:off x="7073900" y="5387977"/>
+            <a:ext cx="2895600" cy="393700"/>
+          </a:xfrm>
+          <a:prstGeom prst="roundRect">
+            <a:avLst/>
+          </a:prstGeom>
+        </p:spPr>
+        <p:style>
+          <a:lnRef idx="3">
+            <a:schemeClr val="lt1"/>
+          </a:lnRef>
+          <a:fillRef idx="1">
+            <a:schemeClr val="accent3"/>
+          </a:fillRef>
+          <a:effectRef idx="1">
+            <a:schemeClr val="accent3"/>
+          </a:effectRef>
+          <a:fontRef idx="minor">
+            <a:schemeClr val="lt1"/>
+          </a:fontRef>
+        </p:style>
+        <p:txBody>
+          <a:bodyPr rtlCol="0" anchor="ctr"/>
+          <a:lstStyle/>
+          <a:p>
+            <a:pPr algn="ctr"/>
+            <a:r>
+              <a:rPr lang="zh-CN" altLang="en-US" dirty="0" smtClean="0"/>
+              <a:t>数据加密解密</a:t>
+            </a:r>
+            <a:endParaRPr lang="zh-CN" altLang="en-US" dirty="0"/>
+          </a:p>
+        </p:txBody>
+      </p:sp>
+      <p:sp>
+        <p:nvSpPr>
+          <p:cNvPr id="11" name="圆角矩形 10"/>
+          <p:cNvSpPr/>
+          <p:nvPr/>
+        </p:nvSpPr>
+        <p:spPr>
+          <a:xfrm>
+            <a:off x="7073900" y="5880100"/>
+            <a:ext cx="2895600" cy="355600"/>
+          </a:xfrm>
+          <a:prstGeom prst="roundRect">
+            <a:avLst/>
+          </a:prstGeom>
+        </p:spPr>
+        <p:style>
+          <a:lnRef idx="3">
+            <a:schemeClr val="lt1"/>
+          </a:lnRef>
+          <a:fillRef idx="1">
+            <a:schemeClr val="accent3"/>
+          </a:fillRef>
+          <a:effectRef idx="1">
+            <a:schemeClr val="accent3"/>
+          </a:effectRef>
+          <a:fontRef idx="minor">
+            <a:schemeClr val="lt1"/>
+          </a:fontRef>
+        </p:style>
+        <p:txBody>
+          <a:bodyPr rtlCol="0" anchor="ctr"/>
+          <a:lstStyle/>
+          <a:p>
+            <a:pPr algn="ctr"/>
+            <a:r>
+              <a:rPr lang="zh-CN" altLang="en-US" dirty="0"/>
+              <a:t>数</a:t>
+            </a:r>
+            <a:r>
+              <a:rPr lang="zh-CN" altLang="en-US" dirty="0" smtClean="0"/>
+              <a:t>据压缩解压缩</a:t>
+            </a:r>
+            <a:endParaRPr lang="zh-CN" altLang="en-US" dirty="0"/>
+          </a:p>
+        </p:txBody>
+      </p:sp>
+      <p:sp>
+        <p:nvSpPr>
+          <p:cNvPr id="12" name="圆角矩形 11"/>
+          <p:cNvSpPr/>
+          <p:nvPr/>
+        </p:nvSpPr>
+        <p:spPr>
+          <a:xfrm>
+            <a:off x="7073900" y="3086100"/>
+            <a:ext cx="2895600" cy="492123"/>
+          </a:xfrm>
+          <a:prstGeom prst="roundRect">
+            <a:avLst/>
+          </a:prstGeom>
+        </p:spPr>
+        <p:style>
+          <a:lnRef idx="3">
+            <a:schemeClr val="lt1"/>
+          </a:lnRef>
+          <a:fillRef idx="1">
+            <a:schemeClr val="accent4"/>
+          </a:fillRef>
+          <a:effectRef idx="1">
+            <a:schemeClr val="accent4"/>
+          </a:effectRef>
+          <a:fontRef idx="minor">
+            <a:schemeClr val="lt1"/>
+          </a:fontRef>
+        </p:style>
+        <p:txBody>
+          <a:bodyPr rtlCol="0" anchor="ctr"/>
+          <a:lstStyle/>
+          <a:p>
+            <a:pPr algn="ctr"/>
+            <a:r>
+              <a:rPr lang="zh-CN" altLang="en-US" dirty="0" smtClean="0"/>
+              <a:t>接口注册</a:t>
+            </a:r>
+            <a:endParaRPr lang="zh-CN" altLang="en-US" dirty="0"/>
+          </a:p>
+        </p:txBody>
+      </p:sp>
+      <p:sp>
+        <p:nvSpPr>
+          <p:cNvPr id="13" name="圆角矩形 12"/>
+          <p:cNvSpPr/>
+          <p:nvPr/>
+        </p:nvSpPr>
+        <p:spPr>
+          <a:xfrm>
+            <a:off x="7073900" y="3751261"/>
+            <a:ext cx="2895600" cy="493714"/>
+          </a:xfrm>
+          <a:prstGeom prst="roundRect">
+            <a:avLst/>
+          </a:prstGeom>
+        </p:spPr>
+        <p:style>
+          <a:lnRef idx="3">
+            <a:schemeClr val="lt1"/>
+          </a:lnRef>
+          <a:fillRef idx="1">
+            <a:schemeClr val="accent4"/>
+          </a:fillRef>
+          <a:effectRef idx="1">
+            <a:schemeClr val="accent4"/>
+          </a:effectRef>
+          <a:fontRef idx="minor">
+            <a:schemeClr val="lt1"/>
+          </a:fontRef>
+        </p:style>
+        <p:txBody>
+          <a:bodyPr rtlCol="0" anchor="ctr"/>
+          <a:lstStyle/>
+          <a:p>
+            <a:pPr algn="ctr"/>
+            <a:r>
+              <a:rPr lang="zh-CN" altLang="en-US" dirty="0" smtClean="0"/>
+              <a:t>各接口逻辑</a:t>
+            </a:r>
+            <a:endParaRPr lang="zh-CN" altLang="en-US" dirty="0"/>
+          </a:p>
+        </p:txBody>
+      </p:sp>
+      <p:sp>
+        <p:nvSpPr>
+          <p:cNvPr id="14" name="圆角矩形 13"/>
+          <p:cNvSpPr/>
+          <p:nvPr/>
+        </p:nvSpPr>
+        <p:spPr>
+          <a:xfrm>
+            <a:off x="7073900" y="1071566"/>
+            <a:ext cx="2895600" cy="411162"/>
+          </a:xfrm>
+          <a:prstGeom prst="roundRect">
+            <a:avLst/>
+          </a:prstGeom>
+        </p:spPr>
+        <p:style>
+          <a:lnRef idx="3">
+            <a:schemeClr val="lt1"/>
+          </a:lnRef>
+          <a:fillRef idx="1">
+            <a:schemeClr val="accent5"/>
+          </a:fillRef>
+          <a:effectRef idx="1">
+            <a:schemeClr val="accent5"/>
+          </a:effectRef>
+          <a:fontRef idx="minor">
+            <a:schemeClr val="lt1"/>
+          </a:fontRef>
+        </p:style>
+        <p:txBody>
+          <a:bodyPr rtlCol="0" anchor="ctr"/>
+          <a:lstStyle/>
+          <a:p>
+            <a:pPr algn="ctr"/>
+            <a:r>
+              <a:rPr lang="zh-CN" altLang="en-US" dirty="0" smtClean="0"/>
+              <a:t>消</a:t>
+            </a:r>
+            <a:r>
+              <a:rPr lang="zh-CN" altLang="en-US" dirty="0" smtClean="0"/>
+              <a:t>息</a:t>
+            </a:r>
+            <a:r>
+              <a:rPr lang="zh-CN" altLang="en-US" dirty="0"/>
+              <a:t>调度</a:t>
+            </a:r>
+            <a:endParaRPr lang="zh-CN" altLang="en-US" dirty="0"/>
+          </a:p>
+        </p:txBody>
+      </p:sp>
+      <p:sp>
+        <p:nvSpPr>
+          <p:cNvPr id="15" name="圆角矩形 14"/>
+          <p:cNvSpPr/>
+          <p:nvPr/>
+        </p:nvSpPr>
+        <p:spPr>
+          <a:xfrm>
+            <a:off x="7073900" y="1708151"/>
+            <a:ext cx="2895600" cy="419100"/>
+          </a:xfrm>
+          <a:prstGeom prst="roundRect">
+            <a:avLst/>
+          </a:prstGeom>
+        </p:spPr>
+        <p:style>
+          <a:lnRef idx="3">
+            <a:schemeClr val="lt1"/>
+          </a:lnRef>
+          <a:fillRef idx="1">
+            <a:schemeClr val="accent5"/>
+          </a:fillRef>
+          <a:effectRef idx="1">
+            <a:schemeClr val="accent5"/>
+          </a:effectRef>
+          <a:fontRef idx="minor">
+            <a:schemeClr val="lt1"/>
+          </a:fontRef>
+        </p:style>
+        <p:txBody>
+          <a:bodyPr rtlCol="0" anchor="ctr"/>
+          <a:lstStyle/>
+          <a:p>
+            <a:pPr algn="ctr"/>
+            <a:r>
+              <a:rPr lang="zh-CN" altLang="en-US" dirty="0" smtClean="0"/>
+              <a:t>各接口处理逻辑</a:t>
+            </a:r>
+            <a:endParaRPr lang="zh-CN" altLang="en-US" dirty="0"/>
+          </a:p>
+        </p:txBody>
+      </p:sp>
+      <p:sp>
+        <p:nvSpPr>
+          <p:cNvPr id="16" name="圆角矩形 15"/>
+          <p:cNvSpPr/>
+          <p:nvPr/>
+        </p:nvSpPr>
+        <p:spPr>
+          <a:xfrm>
+            <a:off x="7073900" y="2330451"/>
+            <a:ext cx="2895600" cy="431799"/>
+          </a:xfrm>
+          <a:prstGeom prst="roundRect">
+            <a:avLst/>
+          </a:prstGeom>
+        </p:spPr>
+        <p:style>
+          <a:lnRef idx="3">
+            <a:schemeClr val="lt1"/>
+          </a:lnRef>
+          <a:fillRef idx="1">
+            <a:schemeClr val="accent5"/>
+          </a:fillRef>
+          <a:effectRef idx="1">
+            <a:schemeClr val="accent5"/>
+          </a:effectRef>
+          <a:fontRef idx="minor">
+            <a:schemeClr val="lt1"/>
+          </a:fontRef>
+        </p:style>
+        <p:txBody>
+          <a:bodyPr rtlCol="0" anchor="ctr"/>
+          <a:lstStyle/>
+          <a:p>
+            <a:pPr algn="ctr"/>
+            <a:r>
+              <a:rPr lang="zh-CN" altLang="en-US" dirty="0"/>
+              <a:t>客户</a:t>
+            </a:r>
+            <a:r>
+              <a:rPr lang="zh-CN" altLang="en-US" dirty="0" smtClean="0"/>
+              <a:t>端数据</a:t>
+            </a:r>
+            <a:endParaRPr lang="zh-CN" altLang="en-US" dirty="0"/>
+          </a:p>
+        </p:txBody>
+      </p:sp>
+      <p:sp>
+        <p:nvSpPr>
+          <p:cNvPr id="17" name="圆角矩形 16"/>
+          <p:cNvSpPr/>
+          <p:nvPr/>
+        </p:nvSpPr>
+        <p:spPr>
+          <a:xfrm>
+            <a:off x="1765300" y="1071566"/>
+            <a:ext cx="2044700" cy="5164133"/>
+          </a:xfrm>
+          <a:prstGeom prst="roundRect">
+            <a:avLst/>
+          </a:prstGeom>
+        </p:spPr>
+        <p:style>
+          <a:lnRef idx="2">
+            <a:schemeClr val="accent1">
+              <a:shade val="50000"/>
+            </a:schemeClr>
+          </a:lnRef>
+          <a:fillRef idx="1">
+            <a:schemeClr val="accent1"/>
+          </a:fillRef>
+          <a:effectRef idx="0">
+            <a:schemeClr val="accent1"/>
+          </a:effectRef>
+          <a:fontRef idx="minor">
+            <a:schemeClr val="lt1"/>
+          </a:fontRef>
+        </p:style>
+        <p:txBody>
+          <a:bodyPr rtlCol="0" anchor="ctr"/>
+          <a:lstStyle/>
+          <a:p>
+            <a:pPr algn="ctr"/>
+            <a:r>
+              <a:rPr lang="zh-CN" altLang="en-US" dirty="0" smtClean="0"/>
+              <a:t>游戏客户端</a:t>
+            </a:r>
+            <a:endParaRPr lang="zh-CN" altLang="en-US" dirty="0"/>
+          </a:p>
+        </p:txBody>
+      </p:sp>
+      <p:sp>
+        <p:nvSpPr>
+          <p:cNvPr id="2" name="圆角矩形 1"/>
+          <p:cNvSpPr/>
+          <p:nvPr/>
+        </p:nvSpPr>
+        <p:spPr>
+          <a:xfrm>
+            <a:off x="7073900" y="4962527"/>
+            <a:ext cx="2895600" cy="358779"/>
+          </a:xfrm>
+          <a:prstGeom prst="roundRect">
+            <a:avLst/>
+          </a:prstGeom>
+        </p:spPr>
+        <p:style>
+          <a:lnRef idx="3">
+            <a:schemeClr val="lt1"/>
+          </a:lnRef>
+          <a:fillRef idx="1">
+            <a:schemeClr val="accent3"/>
+          </a:fillRef>
+          <a:effectRef idx="1">
+            <a:schemeClr val="accent3"/>
+          </a:effectRef>
+          <a:fontRef idx="minor">
+            <a:schemeClr val="lt1"/>
+          </a:fontRef>
+        </p:style>
+        <p:txBody>
+          <a:bodyPr rtlCol="0" anchor="ctr"/>
+          <a:lstStyle/>
+          <a:p>
+            <a:pPr algn="ctr"/>
+            <a:r>
+              <a:rPr lang="zh-CN" altLang="en-US" dirty="0"/>
+              <a:t>数</a:t>
+            </a:r>
+            <a:r>
+              <a:rPr lang="zh-CN" altLang="en-US" dirty="0" smtClean="0"/>
+              <a:t>据封装</a:t>
+            </a:r>
+            <a:endParaRPr lang="zh-CN" altLang="en-US" dirty="0"/>
+          </a:p>
+        </p:txBody>
+      </p:sp>
+    </p:spTree>
+    <p:extLst>
+      <p:ext uri="{BB962C8B-B14F-4D97-AF65-F5344CB8AC3E}">
+        <p14:creationId xmlns:p14="http://schemas.microsoft.com/office/powerpoint/2010/main" val="3373686690"/>
+      </p:ext>
+    </p:extLst>
+  </p:cSld>
+  <p:clrMapOvr>
+    <a:masterClrMapping/>
+  </p:clrMapOvr>
+</p:sld>
+</file>
+
+<file path=ppt/slides/slide7.xml><?xml version="1.0" encoding="utf-8"?>
+<p:sld xmlns:a="http://schemas.openxmlformats.org/drawingml/2006/main" xmlns:r="http://schemas.openxmlformats.org/officeDocument/2006/relationships" xmlns:p="http://schemas.openxmlformats.org/presentationml/2006/main">
+  <p:cSld>
+    <p:spTree>
+      <p:nvGrpSpPr>
+        <p:cNvPr id="1" name=""/>
+        <p:cNvGrpSpPr/>
+        <p:nvPr/>
+      </p:nvGrpSpPr>
+      <p:grpSpPr>
+        <a:xfrm>
+          <a:off x="0" y="0"/>
+          <a:ext cx="0" cy="0"/>
+          <a:chOff x="0" y="0"/>
+          <a:chExt cx="0" cy="0"/>
+        </a:xfrm>
+      </p:grpSpPr>
       <p:sp>
         <p:nvSpPr>
           <p:cNvPr id="2" name="标题 1"/>
@@ -9180,46 +9818,43 @@
         <p:spPr/>
         <p:txBody>
           <a:bodyPr/>
-          <a:p>
-            <a:endParaRPr lang="zh-CN" altLang="en-US"/>
-          </a:p>
-        </p:txBody>
-      </p:sp>
-      <p:sp>
-        <p:nvSpPr>
-          <p:cNvPr id="3" name="内容占位符 2"/>
-          <p:cNvSpPr>
-            <a:spLocks noGrp="1"/>
-          </p:cNvSpPr>
-          <p:nvPr>
-            <p:ph idx="1"/>
-          </p:nvPr>
-        </p:nvSpPr>
-        <p:spPr/>
-        <p:txBody>
-          <a:bodyPr/>
-          <a:p>
-            <a:endParaRPr lang="zh-CN" altLang="en-US"/>
+          <a:lstStyle/>
+          <a:p>
+            <a:endParaRPr lang="zh-CN" altLang="en-US" dirty="0"/>
           </a:p>
         </p:txBody>
       </p:sp>
       <p:graphicFrame>
         <p:nvGraphicFramePr>
-          <p:cNvPr id="4" name="图示 3"/>
-          <p:cNvGraphicFramePr/>
-          <p:nvPr/>
+          <p:cNvPr id="4" name="内容占位符 3"/>
+          <p:cNvGraphicFramePr>
+            <a:graphicFrameLocks noGrp="1"/>
+          </p:cNvGraphicFramePr>
+          <p:nvPr>
+            <p:ph idx="1"/>
+            <p:extLst>
+              <p:ext uri="{D42A27DB-BD31-4B8C-83A1-F6EECF244321}">
+                <p14:modId xmlns:p14="http://schemas.microsoft.com/office/powerpoint/2010/main" val="4154447714"/>
+              </p:ext>
+            </p:extLst>
+          </p:nvPr>
         </p:nvGraphicFramePr>
         <p:xfrm>
-          <a:off x="798195" y="1607820"/>
-          <a:ext cx="10706735" cy="4525010"/>
+          <a:off x="608013" y="1490663"/>
+          <a:ext cx="10969625" cy="4759325"/>
         </p:xfrm>
         <a:graphic>
           <a:graphicData uri="http://schemas.openxmlformats.org/drawingml/2006/diagram">
-            <dgm:relIds xmlns:dgm="http://schemas.openxmlformats.org/drawingml/2006/diagram" xmlns:r="http://schemas.openxmlformats.org/officeDocument/2006/relationships" r:dm="rId1" r:lo="rId2" r:qs="rId3" r:cs="rId4"/>
+            <dgm:relIds xmlns:dgm="http://schemas.openxmlformats.org/drawingml/2006/diagram" xmlns:r="http://schemas.openxmlformats.org/officeDocument/2006/relationships" r:dm="rId2" r:lo="rId3" r:qs="rId4" r:cs="rId5"/>
           </a:graphicData>
         </a:graphic>
       </p:graphicFrame>
     </p:spTree>
+    <p:extLst>
+      <p:ext uri="{BB962C8B-B14F-4D97-AF65-F5344CB8AC3E}">
+        <p14:creationId xmlns:p14="http://schemas.microsoft.com/office/powerpoint/2010/main" val="1615301740"/>
+      </p:ext>
+    </p:extLst>
   </p:cSld>
   <p:clrMapOvr>
     <a:masterClrMapping/>
@@ -9228,683 +9863,7 @@
 </file>
 
 <file path=ppt/tags/tag1.xml><?xml version="1.0" encoding="utf-8"?>
-<p:tagLst xmlns:p="http://schemas.openxmlformats.org/presentationml/2006/main">
-  <p:tag name="KSO_WM_UNIT_HIGHLIGHT" val="0"/>
-  <p:tag name="KSO_WM_UNIT_COMPATIBLE" val="0"/>
-  <p:tag name="KSO_WM_UNIT_DIAGRAM_ISNUMVISUAL" val="0"/>
-  <p:tag name="KSO_WM_UNIT_DIAGRAM_ISREFERUNIT" val="0"/>
-  <p:tag name="KSO_WM_UNIT_ID" val="_1**"/>
-  <p:tag name="KSO_WM_UNIT_LAYERLEVEL" val="1"/>
-  <p:tag name="KSO_WM_TAG_VERSION" val="1.0"/>
-  <p:tag name="KSO_WM_BEAUTIFY_FLAG" val="#wm#"/>
-</p:tagLst>
-</file>
-
-<file path=ppt/tags/tag10.xml><?xml version="1.0" encoding="utf-8"?>
-<p:tagLst xmlns:p="http://schemas.openxmlformats.org/presentationml/2006/main">
-  <p:tag name="KSO_WM_UNIT_HIGHLIGHT" val="0"/>
-  <p:tag name="KSO_WM_UNIT_COMPATIBLE" val="0"/>
-  <p:tag name="KSO_WM_UNIT_DIAGRAM_ISNUMVISUAL" val="0"/>
-  <p:tag name="KSO_WM_UNIT_DIAGRAM_ISREFERUNIT" val="0"/>
-  <p:tag name="KSO_WM_UNIT_ID" val="_2**"/>
-  <p:tag name="KSO_WM_UNIT_LAYERLEVEL" val="1"/>
-  <p:tag name="KSO_WM_TAG_VERSION" val="1.0"/>
-  <p:tag name="KSO_WM_BEAUTIFY_FLAG" val="#wm#"/>
-</p:tagLst>
-</file>
-
-<file path=ppt/tags/tag11.xml><?xml version="1.0" encoding="utf-8"?>
-<p:tagLst xmlns:p="http://schemas.openxmlformats.org/presentationml/2006/main">
-  <p:tag name="KSO_WM_UNIT_HIGHLIGHT" val="0"/>
-  <p:tag name="KSO_WM_UNIT_COMPATIBLE" val="0"/>
-  <p:tag name="KSO_WM_UNIT_DIAGRAM_ISNUMVISUAL" val="0"/>
-  <p:tag name="KSO_WM_UNIT_DIAGRAM_ISREFERUNIT" val="0"/>
-  <p:tag name="KSO_WM_UNIT_ID" val="_3**"/>
-  <p:tag name="KSO_WM_UNIT_LAYERLEVEL" val="1"/>
-  <p:tag name="KSO_WM_TAG_VERSION" val="1.0"/>
-  <p:tag name="KSO_WM_BEAUTIFY_FLAG" val="#wm#"/>
-</p:tagLst>
-</file>
-
-<file path=ppt/tags/tag12.xml><?xml version="1.0" encoding="utf-8"?>
-<p:tagLst xmlns:p="http://schemas.openxmlformats.org/presentationml/2006/main">
-  <p:tag name="KSO_WM_UNIT_HIGHLIGHT" val="0"/>
-  <p:tag name="KSO_WM_UNIT_COMPATIBLE" val="0"/>
-  <p:tag name="KSO_WM_UNIT_DIAGRAM_ISNUMVISUAL" val="0"/>
-  <p:tag name="KSO_WM_UNIT_DIAGRAM_ISREFERUNIT" val="0"/>
-  <p:tag name="KSO_WM_UNIT_ID" val="_3**"/>
-  <p:tag name="KSO_WM_UNIT_LAYERLEVEL" val="1"/>
-  <p:tag name="KSO_WM_TAG_VERSION" val="1.0"/>
-  <p:tag name="KSO_WM_BEAUTIFY_FLAG" val="#wm#"/>
-</p:tagLst>
-</file>
-
-<file path=ppt/tags/tag13.xml><?xml version="1.0" encoding="utf-8"?>
-<p:tagLst xmlns:p="http://schemas.openxmlformats.org/presentationml/2006/main">
-  <p:tag name="KSO_WM_UNIT_HIGHLIGHT" val="0"/>
-  <p:tag name="KSO_WM_UNIT_COMPATIBLE" val="0"/>
-  <p:tag name="KSO_WM_UNIT_DIAGRAM_ISNUMVISUAL" val="0"/>
-  <p:tag name="KSO_WM_UNIT_DIAGRAM_ISREFERUNIT" val="0"/>
-  <p:tag name="KSO_WM_UNIT_ID" val="_3**"/>
-  <p:tag name="KSO_WM_UNIT_LAYERLEVEL" val="1"/>
-  <p:tag name="KSO_WM_TAG_VERSION" val="1.0"/>
-  <p:tag name="KSO_WM_BEAUTIFY_FLAG" val="#wm#"/>
-</p:tagLst>
-</file>
-
-<file path=ppt/tags/tag14.xml><?xml version="1.0" encoding="utf-8"?>
-<p:tagLst xmlns:p="http://schemas.openxmlformats.org/presentationml/2006/main">
-  <p:tag name="KSO_WM_UNIT_HIGHLIGHT" val="0"/>
-  <p:tag name="KSO_WM_UNIT_COMPATIBLE" val="0"/>
-  <p:tag name="KSO_WM_UNIT_DIAGRAM_ISNUMVISUAL" val="0"/>
-  <p:tag name="KSO_WM_UNIT_DIAGRAM_ISREFERUNIT" val="0"/>
-  <p:tag name="KSO_WM_UNIT_ID" val="_3**"/>
-  <p:tag name="KSO_WM_UNIT_LAYERLEVEL" val="1"/>
-  <p:tag name="KSO_WM_TAG_VERSION" val="1.0"/>
-  <p:tag name="KSO_WM_BEAUTIFY_FLAG" val="#wm#"/>
-</p:tagLst>
-</file>
-
-<file path=ppt/tags/tag15.xml><?xml version="1.0" encoding="utf-8"?>
-<p:tagLst xmlns:p="http://schemas.openxmlformats.org/presentationml/2006/main">
-  <p:tag name="KSO_WM_UNIT_HIGHLIGHT" val="0"/>
-  <p:tag name="KSO_WM_UNIT_COMPATIBLE" val="0"/>
-  <p:tag name="KSO_WM_UNIT_DIAGRAM_ISNUMVISUAL" val="0"/>
-  <p:tag name="KSO_WM_UNIT_DIAGRAM_ISREFERUNIT" val="0"/>
-  <p:tag name="KSO_WM_UNIT_ID" val="_3**"/>
-  <p:tag name="KSO_WM_UNIT_LAYERLEVEL" val="1"/>
-  <p:tag name="KSO_WM_TAG_VERSION" val="1.0"/>
-  <p:tag name="KSO_WM_BEAUTIFY_FLAG" val="#wm#"/>
-</p:tagLst>
-</file>
-
-<file path=ppt/tags/tag16.xml><?xml version="1.0" encoding="utf-8"?>
-<p:tagLst xmlns:p="http://schemas.openxmlformats.org/presentationml/2006/main">
-  <p:tag name="KSO_WM_UNIT_HIGHLIGHT" val="0"/>
-  <p:tag name="KSO_WM_UNIT_COMPATIBLE" val="0"/>
-  <p:tag name="KSO_WM_UNIT_DIAGRAM_ISNUMVISUAL" val="0"/>
-  <p:tag name="KSO_WM_UNIT_DIAGRAM_ISREFERUNIT" val="0"/>
-  <p:tag name="KSO_WM_UNIT_ID" val="_4**"/>
-  <p:tag name="KSO_WM_UNIT_LAYERLEVEL" val="1"/>
-  <p:tag name="KSO_WM_TAG_VERSION" val="1.0"/>
-  <p:tag name="KSO_WM_BEAUTIFY_FLAG" val="#wm#"/>
-</p:tagLst>
-</file>
-
-<file path=ppt/tags/tag17.xml><?xml version="1.0" encoding="utf-8"?>
-<p:tagLst xmlns:p="http://schemas.openxmlformats.org/presentationml/2006/main">
-  <p:tag name="KSO_WM_UNIT_HIGHLIGHT" val="0"/>
-  <p:tag name="KSO_WM_UNIT_COMPATIBLE" val="0"/>
-  <p:tag name="KSO_WM_UNIT_DIAGRAM_ISNUMVISUAL" val="0"/>
-  <p:tag name="KSO_WM_UNIT_DIAGRAM_ISREFERUNIT" val="0"/>
-  <p:tag name="KSO_WM_UNIT_ID" val="_4**"/>
-  <p:tag name="KSO_WM_UNIT_LAYERLEVEL" val="1"/>
-  <p:tag name="KSO_WM_TAG_VERSION" val="1.0"/>
-  <p:tag name="KSO_WM_BEAUTIFY_FLAG" val="#wm#"/>
-</p:tagLst>
-</file>
-
-<file path=ppt/tags/tag18.xml><?xml version="1.0" encoding="utf-8"?>
-<p:tagLst xmlns:p="http://schemas.openxmlformats.org/presentationml/2006/main">
-  <p:tag name="KSO_WM_UNIT_HIGHLIGHT" val="0"/>
-  <p:tag name="KSO_WM_UNIT_COMPATIBLE" val="0"/>
-  <p:tag name="KSO_WM_UNIT_DIAGRAM_ISNUMVISUAL" val="0"/>
-  <p:tag name="KSO_WM_UNIT_DIAGRAM_ISREFERUNIT" val="0"/>
-  <p:tag name="KSO_WM_UNIT_ID" val="_4**"/>
-  <p:tag name="KSO_WM_UNIT_LAYERLEVEL" val="1"/>
-  <p:tag name="KSO_WM_TAG_VERSION" val="1.0"/>
-  <p:tag name="KSO_WM_BEAUTIFY_FLAG" val="#wm#"/>
-</p:tagLst>
-</file>
-
-<file path=ppt/tags/tag19.xml><?xml version="1.0" encoding="utf-8"?>
-<p:tagLst xmlns:p="http://schemas.openxmlformats.org/presentationml/2006/main">
-  <p:tag name="KSO_WM_UNIT_HIGHLIGHT" val="0"/>
-  <p:tag name="KSO_WM_UNIT_COMPATIBLE" val="0"/>
-  <p:tag name="KSO_WM_UNIT_DIAGRAM_ISNUMVISUAL" val="0"/>
-  <p:tag name="KSO_WM_UNIT_DIAGRAM_ISREFERUNIT" val="0"/>
-  <p:tag name="KSO_WM_UNIT_ID" val="_4**"/>
-  <p:tag name="KSO_WM_UNIT_LAYERLEVEL" val="1"/>
-  <p:tag name="KSO_WM_TAG_VERSION" val="1.0"/>
-  <p:tag name="KSO_WM_BEAUTIFY_FLAG" val="#wm#"/>
-</p:tagLst>
-</file>
-
-<file path=ppt/tags/tag2.xml><?xml version="1.0" encoding="utf-8"?>
-<p:tagLst xmlns:p="http://schemas.openxmlformats.org/presentationml/2006/main">
-  <p:tag name="KSO_WM_UNIT_HIGHLIGHT" val="0"/>
-  <p:tag name="KSO_WM_UNIT_COMPATIBLE" val="0"/>
-  <p:tag name="KSO_WM_UNIT_DIAGRAM_ISNUMVISUAL" val="0"/>
-  <p:tag name="KSO_WM_UNIT_DIAGRAM_ISREFERUNIT" val="0"/>
-  <p:tag name="KSO_WM_UNIT_ID" val="_1**"/>
-  <p:tag name="KSO_WM_UNIT_LAYERLEVEL" val="1"/>
-  <p:tag name="KSO_WM_TAG_VERSION" val="1.0"/>
-  <p:tag name="KSO_WM_BEAUTIFY_FLAG" val="#wm#"/>
-</p:tagLst>
-</file>
-
-<file path=ppt/tags/tag20.xml><?xml version="1.0" encoding="utf-8"?>
-<p:tagLst xmlns:p="http://schemas.openxmlformats.org/presentationml/2006/main">
-  <p:tag name="KSO_WM_UNIT_HIGHLIGHT" val="0"/>
-  <p:tag name="KSO_WM_UNIT_COMPATIBLE" val="0"/>
-  <p:tag name="KSO_WM_UNIT_DIAGRAM_ISNUMVISUAL" val="0"/>
-  <p:tag name="KSO_WM_UNIT_DIAGRAM_ISREFERUNIT" val="0"/>
-  <p:tag name="KSO_WM_UNIT_ID" val="_4**"/>
-  <p:tag name="KSO_WM_UNIT_LAYERLEVEL" val="1"/>
-  <p:tag name="KSO_WM_TAG_VERSION" val="1.0"/>
-  <p:tag name="KSO_WM_BEAUTIFY_FLAG" val="#wm#"/>
-</p:tagLst>
-</file>
-
-<file path=ppt/tags/tag21.xml><?xml version="1.0" encoding="utf-8"?>
-<p:tagLst xmlns:p="http://schemas.openxmlformats.org/presentationml/2006/main">
-  <p:tag name="KSO_WM_UNIT_HIGHLIGHT" val="0"/>
-  <p:tag name="KSO_WM_UNIT_COMPATIBLE" val="0"/>
-  <p:tag name="KSO_WM_UNIT_DIAGRAM_ISNUMVISUAL" val="0"/>
-  <p:tag name="KSO_WM_UNIT_DIAGRAM_ISREFERUNIT" val="0"/>
-  <p:tag name="KSO_WM_UNIT_ID" val="_4**"/>
-  <p:tag name="KSO_WM_UNIT_LAYERLEVEL" val="1"/>
-  <p:tag name="KSO_WM_TAG_VERSION" val="1.0"/>
-  <p:tag name="KSO_WM_BEAUTIFY_FLAG" val="#wm#"/>
-</p:tagLst>
-</file>
-
-<file path=ppt/tags/tag22.xml><?xml version="1.0" encoding="utf-8"?>
-<p:tagLst xmlns:p="http://schemas.openxmlformats.org/presentationml/2006/main">
-  <p:tag name="KSO_WM_UNIT_HIGHLIGHT" val="0"/>
-  <p:tag name="KSO_WM_UNIT_COMPATIBLE" val="0"/>
-  <p:tag name="KSO_WM_UNIT_DIAGRAM_ISNUMVISUAL" val="0"/>
-  <p:tag name="KSO_WM_UNIT_DIAGRAM_ISREFERUNIT" val="0"/>
-  <p:tag name="KSO_WM_UNIT_ID" val="_5**"/>
-  <p:tag name="KSO_WM_UNIT_LAYERLEVEL" val="1"/>
-  <p:tag name="KSO_WM_TAG_VERSION" val="1.0"/>
-  <p:tag name="KSO_WM_BEAUTIFY_FLAG" val="#wm#"/>
-</p:tagLst>
-</file>
-
-<file path=ppt/tags/tag23.xml><?xml version="1.0" encoding="utf-8"?>
-<p:tagLst xmlns:p="http://schemas.openxmlformats.org/presentationml/2006/main">
-  <p:tag name="KSO_WM_UNIT_HIGHLIGHT" val="0"/>
-  <p:tag name="KSO_WM_UNIT_COMPATIBLE" val="0"/>
-  <p:tag name="KSO_WM_UNIT_DIAGRAM_ISNUMVISUAL" val="0"/>
-  <p:tag name="KSO_WM_UNIT_DIAGRAM_ISREFERUNIT" val="0"/>
-  <p:tag name="KSO_WM_UNIT_ID" val="_5**"/>
-  <p:tag name="KSO_WM_UNIT_LAYERLEVEL" val="1"/>
-  <p:tag name="KSO_WM_TAG_VERSION" val="1.0"/>
-  <p:tag name="KSO_WM_BEAUTIFY_FLAG" val="#wm#"/>
-</p:tagLst>
-</file>
-
-<file path=ppt/tags/tag24.xml><?xml version="1.0" encoding="utf-8"?>
-<p:tagLst xmlns:p="http://schemas.openxmlformats.org/presentationml/2006/main">
-  <p:tag name="KSO_WM_UNIT_HIGHLIGHT" val="0"/>
-  <p:tag name="KSO_WM_UNIT_COMPATIBLE" val="0"/>
-  <p:tag name="KSO_WM_UNIT_DIAGRAM_ISNUMVISUAL" val="0"/>
-  <p:tag name="KSO_WM_UNIT_DIAGRAM_ISREFERUNIT" val="0"/>
-  <p:tag name="KSO_WM_UNIT_ID" val="_5**"/>
-  <p:tag name="KSO_WM_UNIT_LAYERLEVEL" val="1"/>
-  <p:tag name="KSO_WM_TAG_VERSION" val="1.0"/>
-  <p:tag name="KSO_WM_BEAUTIFY_FLAG" val="#wm#"/>
-</p:tagLst>
-</file>
-
-<file path=ppt/tags/tag25.xml><?xml version="1.0" encoding="utf-8"?>
-<p:tagLst xmlns:p="http://schemas.openxmlformats.org/presentationml/2006/main">
-  <p:tag name="KSO_WM_UNIT_HIGHLIGHT" val="0"/>
-  <p:tag name="KSO_WM_UNIT_COMPATIBLE" val="0"/>
-  <p:tag name="KSO_WM_UNIT_DIAGRAM_ISNUMVISUAL" val="0"/>
-  <p:tag name="KSO_WM_UNIT_DIAGRAM_ISREFERUNIT" val="0"/>
-  <p:tag name="KSO_WM_UNIT_ID" val="_5**"/>
-  <p:tag name="KSO_WM_UNIT_LAYERLEVEL" val="1"/>
-  <p:tag name="KSO_WM_TAG_VERSION" val="1.0"/>
-  <p:tag name="KSO_WM_BEAUTIFY_FLAG" val="#wm#"/>
-</p:tagLst>
-</file>
-
-<file path=ppt/tags/tag26.xml><?xml version="1.0" encoding="utf-8"?>
-<p:tagLst xmlns:p="http://schemas.openxmlformats.org/presentationml/2006/main">
-  <p:tag name="KSO_WM_UNIT_HIGHLIGHT" val="0"/>
-  <p:tag name="KSO_WM_UNIT_COMPATIBLE" val="0"/>
-  <p:tag name="KSO_WM_UNIT_DIAGRAM_ISNUMVISUAL" val="0"/>
-  <p:tag name="KSO_WM_UNIT_DIAGRAM_ISREFERUNIT" val="0"/>
-  <p:tag name="KSO_WM_UNIT_ID" val="_5**"/>
-  <p:tag name="KSO_WM_UNIT_LAYERLEVEL" val="1"/>
-  <p:tag name="KSO_WM_TAG_VERSION" val="1.0"/>
-  <p:tag name="KSO_WM_BEAUTIFY_FLAG" val="#wm#"/>
-</p:tagLst>
-</file>
-
-<file path=ppt/tags/tag27.xml><?xml version="1.0" encoding="utf-8"?>
-<p:tagLst xmlns:p="http://schemas.openxmlformats.org/presentationml/2006/main">
-  <p:tag name="KSO_WM_UNIT_HIGHLIGHT" val="0"/>
-  <p:tag name="KSO_WM_UNIT_COMPATIBLE" val="0"/>
-  <p:tag name="KSO_WM_UNIT_DIAGRAM_ISNUMVISUAL" val="0"/>
-  <p:tag name="KSO_WM_UNIT_DIAGRAM_ISREFERUNIT" val="0"/>
-  <p:tag name="KSO_WM_UNIT_ID" val="_5**"/>
-  <p:tag name="KSO_WM_UNIT_LAYERLEVEL" val="1"/>
-  <p:tag name="KSO_WM_TAG_VERSION" val="1.0"/>
-  <p:tag name="KSO_WM_BEAUTIFY_FLAG" val="#wm#"/>
-</p:tagLst>
-</file>
-
-<file path=ppt/tags/tag28.xml><?xml version="1.0" encoding="utf-8"?>
-<p:tagLst xmlns:p="http://schemas.openxmlformats.org/presentationml/2006/main">
-  <p:tag name="KSO_WM_UNIT_HIGHLIGHT" val="0"/>
-  <p:tag name="KSO_WM_UNIT_COMPATIBLE" val="0"/>
-  <p:tag name="KSO_WM_UNIT_DIAGRAM_ISNUMVISUAL" val="0"/>
-  <p:tag name="KSO_WM_UNIT_DIAGRAM_ISREFERUNIT" val="0"/>
-  <p:tag name="KSO_WM_UNIT_ID" val="_5**"/>
-  <p:tag name="KSO_WM_UNIT_LAYERLEVEL" val="1"/>
-  <p:tag name="KSO_WM_TAG_VERSION" val="1.0"/>
-  <p:tag name="KSO_WM_BEAUTIFY_FLAG" val="#wm#"/>
-</p:tagLst>
-</file>
-
-<file path=ppt/tags/tag29.xml><?xml version="1.0" encoding="utf-8"?>
-<p:tagLst xmlns:p="http://schemas.openxmlformats.org/presentationml/2006/main">
-  <p:tag name="KSO_WM_UNIT_HIGHLIGHT" val="0"/>
-  <p:tag name="KSO_WM_UNIT_COMPATIBLE" val="0"/>
-  <p:tag name="KSO_WM_UNIT_DIAGRAM_ISNUMVISUAL" val="0"/>
-  <p:tag name="KSO_WM_UNIT_DIAGRAM_ISREFERUNIT" val="0"/>
-  <p:tag name="KSO_WM_UNIT_ID" val="_5**"/>
-  <p:tag name="KSO_WM_UNIT_LAYERLEVEL" val="1"/>
-  <p:tag name="KSO_WM_TAG_VERSION" val="1.0"/>
-  <p:tag name="KSO_WM_BEAUTIFY_FLAG" val="#wm#"/>
-</p:tagLst>
-</file>
-
-<file path=ppt/tags/tag3.xml><?xml version="1.0" encoding="utf-8"?>
-<p:tagLst xmlns:p="http://schemas.openxmlformats.org/presentationml/2006/main">
-  <p:tag name="KSO_WM_UNIT_HIGHLIGHT" val="0"/>
-  <p:tag name="KSO_WM_UNIT_COMPATIBLE" val="0"/>
-  <p:tag name="KSO_WM_UNIT_DIAGRAM_ISNUMVISUAL" val="0"/>
-  <p:tag name="KSO_WM_UNIT_DIAGRAM_ISREFERUNIT" val="0"/>
-  <p:tag name="KSO_WM_UNIT_ID" val="_1**"/>
-  <p:tag name="KSO_WM_UNIT_LAYERLEVEL" val="1"/>
-  <p:tag name="KSO_WM_TAG_VERSION" val="1.0"/>
-  <p:tag name="KSO_WM_BEAUTIFY_FLAG" val="#wm#"/>
-</p:tagLst>
-</file>
-
-<file path=ppt/tags/tag30.xml><?xml version="1.0" encoding="utf-8"?>
-<p:tagLst xmlns:p="http://schemas.openxmlformats.org/presentationml/2006/main">
-  <p:tag name="KSO_WM_UNIT_HIGHLIGHT" val="0"/>
-  <p:tag name="KSO_WM_UNIT_COMPATIBLE" val="0"/>
-  <p:tag name="KSO_WM_UNIT_DIAGRAM_ISNUMVISUAL" val="0"/>
-  <p:tag name="KSO_WM_UNIT_DIAGRAM_ISREFERUNIT" val="0"/>
-  <p:tag name="KSO_WM_UNIT_ID" val="_6**"/>
-  <p:tag name="KSO_WM_UNIT_LAYERLEVEL" val="1"/>
-  <p:tag name="KSO_WM_TAG_VERSION" val="1.0"/>
-  <p:tag name="KSO_WM_BEAUTIFY_FLAG" val="#wm#"/>
-</p:tagLst>
-</file>
-
-<file path=ppt/tags/tag31.xml><?xml version="1.0" encoding="utf-8"?>
-<p:tagLst xmlns:p="http://schemas.openxmlformats.org/presentationml/2006/main">
-  <p:tag name="KSO_WM_UNIT_HIGHLIGHT" val="0"/>
-  <p:tag name="KSO_WM_UNIT_COMPATIBLE" val="0"/>
-  <p:tag name="KSO_WM_UNIT_DIAGRAM_ISNUMVISUAL" val="0"/>
-  <p:tag name="KSO_WM_UNIT_DIAGRAM_ISREFERUNIT" val="0"/>
-  <p:tag name="KSO_WM_UNIT_ID" val="_6**"/>
-  <p:tag name="KSO_WM_UNIT_LAYERLEVEL" val="1"/>
-  <p:tag name="KSO_WM_TAG_VERSION" val="1.0"/>
-  <p:tag name="KSO_WM_BEAUTIFY_FLAG" val="#wm#"/>
-</p:tagLst>
-</file>
-
-<file path=ppt/tags/tag32.xml><?xml version="1.0" encoding="utf-8"?>
-<p:tagLst xmlns:p="http://schemas.openxmlformats.org/presentationml/2006/main">
-  <p:tag name="KSO_WM_UNIT_HIGHLIGHT" val="0"/>
-  <p:tag name="KSO_WM_UNIT_COMPATIBLE" val="0"/>
-  <p:tag name="KSO_WM_UNIT_DIAGRAM_ISNUMVISUAL" val="0"/>
-  <p:tag name="KSO_WM_UNIT_DIAGRAM_ISREFERUNIT" val="0"/>
-  <p:tag name="KSO_WM_UNIT_ID" val="_6**"/>
-  <p:tag name="KSO_WM_UNIT_LAYERLEVEL" val="1"/>
-  <p:tag name="KSO_WM_TAG_VERSION" val="1.0"/>
-  <p:tag name="KSO_WM_BEAUTIFY_FLAG" val="#wm#"/>
-</p:tagLst>
-</file>
-
-<file path=ppt/tags/tag33.xml><?xml version="1.0" encoding="utf-8"?>
-<p:tagLst xmlns:p="http://schemas.openxmlformats.org/presentationml/2006/main">
-  <p:tag name="KSO_WM_UNIT_HIGHLIGHT" val="0"/>
-  <p:tag name="KSO_WM_UNIT_COMPATIBLE" val="0"/>
-  <p:tag name="KSO_WM_UNIT_DIAGRAM_ISNUMVISUAL" val="0"/>
-  <p:tag name="KSO_WM_UNIT_DIAGRAM_ISREFERUNIT" val="0"/>
-  <p:tag name="KSO_WM_UNIT_ID" val="_6**"/>
-  <p:tag name="KSO_WM_UNIT_LAYERLEVEL" val="1"/>
-  <p:tag name="KSO_WM_TAG_VERSION" val="1.0"/>
-  <p:tag name="KSO_WM_BEAUTIFY_FLAG" val="#wm#"/>
-</p:tagLst>
-</file>
-
-<file path=ppt/tags/tag34.xml><?xml version="1.0" encoding="utf-8"?>
-<p:tagLst xmlns:p="http://schemas.openxmlformats.org/presentationml/2006/main">
-  <p:tag name="KSO_WM_UNIT_HIGHLIGHT" val="0"/>
-  <p:tag name="KSO_WM_UNIT_COMPATIBLE" val="0"/>
-  <p:tag name="KSO_WM_UNIT_DIAGRAM_ISNUMVISUAL" val="0"/>
-  <p:tag name="KSO_WM_UNIT_DIAGRAM_ISREFERUNIT" val="0"/>
-  <p:tag name="KSO_WM_UNIT_ID" val="_7**"/>
-  <p:tag name="KSO_WM_UNIT_LAYERLEVEL" val="1"/>
-  <p:tag name="KSO_WM_TAG_VERSION" val="1.0"/>
-  <p:tag name="KSO_WM_BEAUTIFY_FLAG" val="#wm#"/>
-</p:tagLst>
-</file>
-
-<file path=ppt/tags/tag35.xml><?xml version="1.0" encoding="utf-8"?>
-<p:tagLst xmlns:p="http://schemas.openxmlformats.org/presentationml/2006/main">
-  <p:tag name="KSO_WM_UNIT_HIGHLIGHT" val="0"/>
-  <p:tag name="KSO_WM_UNIT_COMPATIBLE" val="0"/>
-  <p:tag name="KSO_WM_UNIT_DIAGRAM_ISNUMVISUAL" val="0"/>
-  <p:tag name="KSO_WM_UNIT_DIAGRAM_ISREFERUNIT" val="0"/>
-  <p:tag name="KSO_WM_UNIT_ID" val="_7**"/>
-  <p:tag name="KSO_WM_UNIT_LAYERLEVEL" val="1"/>
-  <p:tag name="KSO_WM_TAG_VERSION" val="1.0"/>
-  <p:tag name="KSO_WM_BEAUTIFY_FLAG" val="#wm#"/>
-</p:tagLst>
-</file>
-
-<file path=ppt/tags/tag36.xml><?xml version="1.0" encoding="utf-8"?>
-<p:tagLst xmlns:p="http://schemas.openxmlformats.org/presentationml/2006/main">
-  <p:tag name="KSO_WM_UNIT_HIGHLIGHT" val="0"/>
-  <p:tag name="KSO_WM_UNIT_COMPATIBLE" val="0"/>
-  <p:tag name="KSO_WM_UNIT_DIAGRAM_ISNUMVISUAL" val="0"/>
-  <p:tag name="KSO_WM_UNIT_DIAGRAM_ISREFERUNIT" val="0"/>
-  <p:tag name="KSO_WM_UNIT_ID" val="_7**"/>
-  <p:tag name="KSO_WM_UNIT_LAYERLEVEL" val="1"/>
-  <p:tag name="KSO_WM_TAG_VERSION" val="1.0"/>
-  <p:tag name="KSO_WM_BEAUTIFY_FLAG" val="#wm#"/>
-</p:tagLst>
-</file>
-
-<file path=ppt/tags/tag37.xml><?xml version="1.0" encoding="utf-8"?>
-<p:tagLst xmlns:p="http://schemas.openxmlformats.org/presentationml/2006/main">
-  <p:tag name="KSO_WM_UNIT_HIGHLIGHT" val="0"/>
-  <p:tag name="KSO_WM_UNIT_COMPATIBLE" val="0"/>
-  <p:tag name="KSO_WM_UNIT_DIAGRAM_ISNUMVISUAL" val="0"/>
-  <p:tag name="KSO_WM_UNIT_DIAGRAM_ISREFERUNIT" val="0"/>
-  <p:tag name="KSO_WM_UNIT_ID" val="_8**"/>
-  <p:tag name="KSO_WM_UNIT_LAYERLEVEL" val="1"/>
-  <p:tag name="KSO_WM_TAG_VERSION" val="1.0"/>
-  <p:tag name="KSO_WM_BEAUTIFY_FLAG" val="#wm#"/>
-</p:tagLst>
-</file>
-
-<file path=ppt/tags/tag38.xml><?xml version="1.0" encoding="utf-8"?>
-<p:tagLst xmlns:p="http://schemas.openxmlformats.org/presentationml/2006/main">
-  <p:tag name="KSO_WM_UNIT_HIGHLIGHT" val="0"/>
-  <p:tag name="KSO_WM_UNIT_COMPATIBLE" val="0"/>
-  <p:tag name="KSO_WM_UNIT_DIAGRAM_ISNUMVISUAL" val="0"/>
-  <p:tag name="KSO_WM_UNIT_DIAGRAM_ISREFERUNIT" val="0"/>
-  <p:tag name="KSO_WM_UNIT_ID" val="_8**"/>
-  <p:tag name="KSO_WM_UNIT_LAYERLEVEL" val="1"/>
-  <p:tag name="KSO_WM_TAG_VERSION" val="1.0"/>
-  <p:tag name="KSO_WM_BEAUTIFY_FLAG" val="#wm#"/>
-</p:tagLst>
-</file>
-
-<file path=ppt/tags/tag39.xml><?xml version="1.0" encoding="utf-8"?>
-<p:tagLst xmlns:p="http://schemas.openxmlformats.org/presentationml/2006/main">
-  <p:tag name="KSO_WM_UNIT_HIGHLIGHT" val="0"/>
-  <p:tag name="KSO_WM_UNIT_COMPATIBLE" val="0"/>
-  <p:tag name="KSO_WM_UNIT_DIAGRAM_ISNUMVISUAL" val="0"/>
-  <p:tag name="KSO_WM_UNIT_DIAGRAM_ISREFERUNIT" val="0"/>
-  <p:tag name="KSO_WM_UNIT_ID" val="_8**"/>
-  <p:tag name="KSO_WM_UNIT_LAYERLEVEL" val="1"/>
-  <p:tag name="KSO_WM_TAG_VERSION" val="1.0"/>
-  <p:tag name="KSO_WM_BEAUTIFY_FLAG" val="#wm#"/>
-</p:tagLst>
-</file>
-
-<file path=ppt/tags/tag4.xml><?xml version="1.0" encoding="utf-8"?>
-<p:tagLst xmlns:p="http://schemas.openxmlformats.org/presentationml/2006/main">
-  <p:tag name="KSO_WM_UNIT_HIGHLIGHT" val="0"/>
-  <p:tag name="KSO_WM_UNIT_COMPATIBLE" val="0"/>
-  <p:tag name="KSO_WM_UNIT_DIAGRAM_ISNUMVISUAL" val="0"/>
-  <p:tag name="KSO_WM_UNIT_DIAGRAM_ISREFERUNIT" val="0"/>
-  <p:tag name="KSO_WM_UNIT_ID" val="_1**"/>
-  <p:tag name="KSO_WM_UNIT_LAYERLEVEL" val="1"/>
-  <p:tag name="KSO_WM_TAG_VERSION" val="1.0"/>
-  <p:tag name="KSO_WM_BEAUTIFY_FLAG" val="#wm#"/>
-</p:tagLst>
-</file>
-
-<file path=ppt/tags/tag40.xml><?xml version="1.0" encoding="utf-8"?>
-<p:tagLst xmlns:p="http://schemas.openxmlformats.org/presentationml/2006/main">
-  <p:tag name="KSO_WM_UNIT_HIGHLIGHT" val="0"/>
-  <p:tag name="KSO_WM_UNIT_COMPATIBLE" val="0"/>
-  <p:tag name="KSO_WM_UNIT_DIAGRAM_ISNUMVISUAL" val="0"/>
-  <p:tag name="KSO_WM_UNIT_DIAGRAM_ISREFERUNIT" val="0"/>
-  <p:tag name="KSO_WM_UNIT_ID" val="_8**"/>
-  <p:tag name="KSO_WM_UNIT_LAYERLEVEL" val="1"/>
-  <p:tag name="KSO_WM_TAG_VERSION" val="1.0"/>
-  <p:tag name="KSO_WM_BEAUTIFY_FLAG" val="#wm#"/>
-</p:tagLst>
-</file>
-
-<file path=ppt/tags/tag41.xml><?xml version="1.0" encoding="utf-8"?>
-<p:tagLst xmlns:p="http://schemas.openxmlformats.org/presentationml/2006/main">
-  <p:tag name="KSO_WM_UNIT_HIGHLIGHT" val="0"/>
-  <p:tag name="KSO_WM_UNIT_COMPATIBLE" val="0"/>
-  <p:tag name="KSO_WM_UNIT_DIAGRAM_ISNUMVISUAL" val="0"/>
-  <p:tag name="KSO_WM_UNIT_DIAGRAM_ISREFERUNIT" val="0"/>
-  <p:tag name="KSO_WM_UNIT_ID" val="_8**"/>
-  <p:tag name="KSO_WM_UNIT_LAYERLEVEL" val="1"/>
-  <p:tag name="KSO_WM_TAG_VERSION" val="1.0"/>
-  <p:tag name="KSO_WM_BEAUTIFY_FLAG" val="#wm#"/>
-</p:tagLst>
-</file>
-
-<file path=ppt/tags/tag42.xml><?xml version="1.0" encoding="utf-8"?>
-<p:tagLst xmlns:p="http://schemas.openxmlformats.org/presentationml/2006/main">
-  <p:tag name="KSO_WM_UNIT_HIGHLIGHT" val="0"/>
-  <p:tag name="KSO_WM_UNIT_COMPATIBLE" val="0"/>
-  <p:tag name="KSO_WM_UNIT_DIAGRAM_ISNUMVISUAL" val="0"/>
-  <p:tag name="KSO_WM_UNIT_DIAGRAM_ISREFERUNIT" val="0"/>
-  <p:tag name="KSO_WM_UNIT_ID" val="_8**"/>
-  <p:tag name="KSO_WM_UNIT_LAYERLEVEL" val="1"/>
-  <p:tag name="KSO_WM_TAG_VERSION" val="1.0"/>
-  <p:tag name="KSO_WM_BEAUTIFY_FLAG" val="#wm#"/>
-</p:tagLst>
-</file>
-
-<file path=ppt/tags/tag43.xml><?xml version="1.0" encoding="utf-8"?>
-<p:tagLst xmlns:p="http://schemas.openxmlformats.org/presentationml/2006/main">
-  <p:tag name="KSO_WM_UNIT_HIGHLIGHT" val="0"/>
-  <p:tag name="KSO_WM_UNIT_COMPATIBLE" val="0"/>
-  <p:tag name="KSO_WM_UNIT_DIAGRAM_ISNUMVISUAL" val="0"/>
-  <p:tag name="KSO_WM_UNIT_DIAGRAM_ISREFERUNIT" val="0"/>
-  <p:tag name="KSO_WM_UNIT_ID" val="_9**"/>
-  <p:tag name="KSO_WM_UNIT_LAYERLEVEL" val="1"/>
-  <p:tag name="KSO_WM_TAG_VERSION" val="1.0"/>
-  <p:tag name="KSO_WM_BEAUTIFY_FLAG" val="#wm#"/>
-</p:tagLst>
-</file>
-
-<file path=ppt/tags/tag44.xml><?xml version="1.0" encoding="utf-8"?>
-<p:tagLst xmlns:p="http://schemas.openxmlformats.org/presentationml/2006/main">
-  <p:tag name="KSO_WM_UNIT_HIGHLIGHT" val="0"/>
-  <p:tag name="KSO_WM_UNIT_COMPATIBLE" val="0"/>
-  <p:tag name="KSO_WM_UNIT_DIAGRAM_ISNUMVISUAL" val="0"/>
-  <p:tag name="KSO_WM_UNIT_DIAGRAM_ISREFERUNIT" val="0"/>
-  <p:tag name="KSO_WM_UNIT_ID" val="_9**"/>
-  <p:tag name="KSO_WM_UNIT_LAYERLEVEL" val="1"/>
-  <p:tag name="KSO_WM_TAG_VERSION" val="1.0"/>
-  <p:tag name="KSO_WM_BEAUTIFY_FLAG" val="#wm#"/>
-</p:tagLst>
-</file>
-
-<file path=ppt/tags/tag45.xml><?xml version="1.0" encoding="utf-8"?>
-<p:tagLst xmlns:p="http://schemas.openxmlformats.org/presentationml/2006/main">
-  <p:tag name="KSO_WM_UNIT_HIGHLIGHT" val="0"/>
-  <p:tag name="KSO_WM_UNIT_COMPATIBLE" val="0"/>
-  <p:tag name="KSO_WM_UNIT_DIAGRAM_ISNUMVISUAL" val="0"/>
-  <p:tag name="KSO_WM_UNIT_DIAGRAM_ISREFERUNIT" val="0"/>
-  <p:tag name="KSO_WM_UNIT_ID" val="_9**"/>
-  <p:tag name="KSO_WM_UNIT_LAYERLEVEL" val="1"/>
-  <p:tag name="KSO_WM_TAG_VERSION" val="1.0"/>
-  <p:tag name="KSO_WM_BEAUTIFY_FLAG" val="#wm#"/>
-</p:tagLst>
-</file>
-
-<file path=ppt/tags/tag46.xml><?xml version="1.0" encoding="utf-8"?>
-<p:tagLst xmlns:p="http://schemas.openxmlformats.org/presentationml/2006/main">
-  <p:tag name="KSO_WM_UNIT_HIGHLIGHT" val="0"/>
-  <p:tag name="KSO_WM_UNIT_COMPATIBLE" val="0"/>
-  <p:tag name="KSO_WM_UNIT_DIAGRAM_ISNUMVISUAL" val="0"/>
-  <p:tag name="KSO_WM_UNIT_DIAGRAM_ISREFERUNIT" val="0"/>
-  <p:tag name="KSO_WM_UNIT_ID" val="_9**"/>
-  <p:tag name="KSO_WM_UNIT_LAYERLEVEL" val="1"/>
-  <p:tag name="KSO_WM_TAG_VERSION" val="1.0"/>
-  <p:tag name="KSO_WM_BEAUTIFY_FLAG" val="#wm#"/>
-</p:tagLst>
-</file>
-
-<file path=ppt/tags/tag47.xml><?xml version="1.0" encoding="utf-8"?>
-<p:tagLst xmlns:p="http://schemas.openxmlformats.org/presentationml/2006/main">
-  <p:tag name="KSO_WM_UNIT_HIGHLIGHT" val="0"/>
-  <p:tag name="KSO_WM_UNIT_COMPATIBLE" val="0"/>
-  <p:tag name="KSO_WM_UNIT_DIAGRAM_ISNUMVISUAL" val="0"/>
-  <p:tag name="KSO_WM_UNIT_DIAGRAM_ISREFERUNIT" val="0"/>
-  <p:tag name="KSO_WM_UNIT_ID" val="_9**"/>
-  <p:tag name="KSO_WM_UNIT_LAYERLEVEL" val="1"/>
-  <p:tag name="KSO_WM_TAG_VERSION" val="1.0"/>
-  <p:tag name="KSO_WM_BEAUTIFY_FLAG" val="#wm#"/>
-</p:tagLst>
-</file>
-
-<file path=ppt/tags/tag48.xml><?xml version="1.0" encoding="utf-8"?>
-<p:tagLst xmlns:p="http://schemas.openxmlformats.org/presentationml/2006/main">
-  <p:tag name="KSO_WM_UNIT_HIGHLIGHT" val="0"/>
-  <p:tag name="KSO_WM_UNIT_COMPATIBLE" val="0"/>
-  <p:tag name="KSO_WM_UNIT_DIAGRAM_ISNUMVISUAL" val="0"/>
-  <p:tag name="KSO_WM_UNIT_DIAGRAM_ISREFERUNIT" val="0"/>
-  <p:tag name="KSO_WM_UNIT_ID" val="_10**"/>
-  <p:tag name="KSO_WM_UNIT_LAYERLEVEL" val="1"/>
-  <p:tag name="KSO_WM_TAG_VERSION" val="1.0"/>
-  <p:tag name="KSO_WM_BEAUTIFY_FLAG" val="#wm#"/>
-</p:tagLst>
-</file>
-
-<file path=ppt/tags/tag49.xml><?xml version="1.0" encoding="utf-8"?>
-<p:tagLst xmlns:p="http://schemas.openxmlformats.org/presentationml/2006/main">
-  <p:tag name="KSO_WM_UNIT_HIGHLIGHT" val="0"/>
-  <p:tag name="KSO_WM_UNIT_COMPATIBLE" val="0"/>
-  <p:tag name="KSO_WM_UNIT_DIAGRAM_ISNUMVISUAL" val="0"/>
-  <p:tag name="KSO_WM_UNIT_DIAGRAM_ISREFERUNIT" val="0"/>
-  <p:tag name="KSO_WM_UNIT_ID" val="_10**"/>
-  <p:tag name="KSO_WM_UNIT_LAYERLEVEL" val="1"/>
-  <p:tag name="KSO_WM_TAG_VERSION" val="1.0"/>
-  <p:tag name="KSO_WM_BEAUTIFY_FLAG" val="#wm#"/>
-</p:tagLst>
-</file>
-
-<file path=ppt/tags/tag5.xml><?xml version="1.0" encoding="utf-8"?>
-<p:tagLst xmlns:p="http://schemas.openxmlformats.org/presentationml/2006/main">
-  <p:tag name="KSO_WM_UNIT_HIGHLIGHT" val="0"/>
-  <p:tag name="KSO_WM_UNIT_COMPATIBLE" val="0"/>
-  <p:tag name="KSO_WM_UNIT_DIAGRAM_ISNUMVISUAL" val="0"/>
-  <p:tag name="KSO_WM_UNIT_DIAGRAM_ISREFERUNIT" val="0"/>
-  <p:tag name="KSO_WM_UNIT_ID" val="_1**"/>
-  <p:tag name="KSO_WM_UNIT_LAYERLEVEL" val="1"/>
-  <p:tag name="KSO_WM_TAG_VERSION" val="1.0"/>
-  <p:tag name="KSO_WM_BEAUTIFY_FLAG" val="#wm#"/>
-</p:tagLst>
-</file>
-
-<file path=ppt/tags/tag50.xml><?xml version="1.0" encoding="utf-8"?>
-<p:tagLst xmlns:p="http://schemas.openxmlformats.org/presentationml/2006/main">
-  <p:tag name="KSO_WM_UNIT_HIGHLIGHT" val="0"/>
-  <p:tag name="KSO_WM_UNIT_COMPATIBLE" val="0"/>
-  <p:tag name="KSO_WM_UNIT_DIAGRAM_ISNUMVISUAL" val="0"/>
-  <p:tag name="KSO_WM_UNIT_DIAGRAM_ISREFERUNIT" val="0"/>
-  <p:tag name="KSO_WM_UNIT_ID" val="_10**"/>
-  <p:tag name="KSO_WM_UNIT_LAYERLEVEL" val="1"/>
-  <p:tag name="KSO_WM_TAG_VERSION" val="1.0"/>
-  <p:tag name="KSO_WM_BEAUTIFY_FLAG" val="#wm#"/>
-</p:tagLst>
-</file>
-
-<file path=ppt/tags/tag51.xml><?xml version="1.0" encoding="utf-8"?>
-<p:tagLst xmlns:p="http://schemas.openxmlformats.org/presentationml/2006/main">
-  <p:tag name="KSO_WM_UNIT_HIGHLIGHT" val="0"/>
-  <p:tag name="KSO_WM_UNIT_COMPATIBLE" val="0"/>
-  <p:tag name="KSO_WM_UNIT_DIAGRAM_ISNUMVISUAL" val="0"/>
-  <p:tag name="KSO_WM_UNIT_DIAGRAM_ISREFERUNIT" val="0"/>
-  <p:tag name="KSO_WM_UNIT_ID" val="_10**"/>
-  <p:tag name="KSO_WM_UNIT_LAYERLEVEL" val="1"/>
-  <p:tag name="KSO_WM_TAG_VERSION" val="1.0"/>
-  <p:tag name="KSO_WM_BEAUTIFY_FLAG" val="#wm#"/>
-</p:tagLst>
-</file>
-
-<file path=ppt/tags/tag52.xml><?xml version="1.0" encoding="utf-8"?>
-<p:tagLst xmlns:p="http://schemas.openxmlformats.org/presentationml/2006/main">
-  <p:tag name="KSO_WM_UNIT_HIGHLIGHT" val="0"/>
-  <p:tag name="KSO_WM_UNIT_COMPATIBLE" val="0"/>
-  <p:tag name="KSO_WM_UNIT_DIAGRAM_ISNUMVISUAL" val="0"/>
-  <p:tag name="KSO_WM_UNIT_DIAGRAM_ISREFERUNIT" val="0"/>
-  <p:tag name="KSO_WM_UNIT_ID" val="_11**"/>
-  <p:tag name="KSO_WM_UNIT_LAYERLEVEL" val="1"/>
-  <p:tag name="KSO_WM_TAG_VERSION" val="1.0"/>
-  <p:tag name="KSO_WM_BEAUTIFY_FLAG" val="#wm#"/>
-</p:tagLst>
-</file>
-
-<file path=ppt/tags/tag53.xml><?xml version="1.0" encoding="utf-8"?>
-<p:tagLst xmlns:p="http://schemas.openxmlformats.org/presentationml/2006/main">
-  <p:tag name="KSO_WM_UNIT_HIGHLIGHT" val="0"/>
-  <p:tag name="KSO_WM_UNIT_COMPATIBLE" val="0"/>
-  <p:tag name="KSO_WM_UNIT_DIAGRAM_ISNUMVISUAL" val="0"/>
-  <p:tag name="KSO_WM_UNIT_DIAGRAM_ISREFERUNIT" val="0"/>
-  <p:tag name="KSO_WM_UNIT_ID" val="_11**"/>
-  <p:tag name="KSO_WM_UNIT_LAYERLEVEL" val="1"/>
-  <p:tag name="KSO_WM_TAG_VERSION" val="1.0"/>
-  <p:tag name="KSO_WM_BEAUTIFY_FLAG" val="#wm#"/>
-</p:tagLst>
-</file>
-
-<file path=ppt/tags/tag54.xml><?xml version="1.0" encoding="utf-8"?>
-<p:tagLst xmlns:p="http://schemas.openxmlformats.org/presentationml/2006/main">
-  <p:tag name="KSO_WM_UNIT_HIGHLIGHT" val="0"/>
-  <p:tag name="KSO_WM_UNIT_COMPATIBLE" val="0"/>
-  <p:tag name="KSO_WM_UNIT_DIAGRAM_ISNUMVISUAL" val="0"/>
-  <p:tag name="KSO_WM_UNIT_DIAGRAM_ISREFERUNIT" val="0"/>
-  <p:tag name="KSO_WM_UNIT_ID" val="_11**"/>
-  <p:tag name="KSO_WM_UNIT_LAYERLEVEL" val="1"/>
-  <p:tag name="KSO_WM_TAG_VERSION" val="1.0"/>
-  <p:tag name="KSO_WM_BEAUTIFY_FLAG" val="#wm#"/>
-</p:tagLst>
-</file>
-
-<file path=ppt/tags/tag55.xml><?xml version="1.0" encoding="utf-8"?>
-<p:tagLst xmlns:p="http://schemas.openxmlformats.org/presentationml/2006/main">
-  <p:tag name="KSO_WM_UNIT_HIGHLIGHT" val="0"/>
-  <p:tag name="KSO_WM_UNIT_COMPATIBLE" val="0"/>
-  <p:tag name="KSO_WM_UNIT_DIAGRAM_ISNUMVISUAL" val="0"/>
-  <p:tag name="KSO_WM_UNIT_DIAGRAM_ISREFERUNIT" val="0"/>
-  <p:tag name="KSO_WM_UNIT_ID" val="_11**"/>
-  <p:tag name="KSO_WM_UNIT_LAYERLEVEL" val="1"/>
-  <p:tag name="KSO_WM_TAG_VERSION" val="1.0"/>
-  <p:tag name="KSO_WM_BEAUTIFY_FLAG" val="#wm#"/>
-</p:tagLst>
-</file>
-
-<file path=ppt/tags/tag56.xml><?xml version="1.0" encoding="utf-8"?>
-<p:tagLst xmlns:p="http://schemas.openxmlformats.org/presentationml/2006/main">
-  <p:tag name="KSO_WM_UNIT_HIGHLIGHT" val="0"/>
-  <p:tag name="KSO_WM_UNIT_COMPATIBLE" val="0"/>
-  <p:tag name="KSO_WM_UNIT_DIAGRAM_ISNUMVISUAL" val="0"/>
-  <p:tag name="KSO_WM_UNIT_DIAGRAM_ISREFERUNIT" val="0"/>
-  <p:tag name="KSO_WM_UNIT_ID" val="_11**"/>
-  <p:tag name="KSO_WM_UNIT_LAYERLEVEL" val="1"/>
-  <p:tag name="KSO_WM_TAG_VERSION" val="1.0"/>
-  <p:tag name="KSO_WM_BEAUTIFY_FLAG" val="#wm#"/>
-</p:tagLst>
-</file>
-
-<file path=ppt/tags/tag57.xml><?xml version="1.0" encoding="utf-8"?>
-<p:tagLst xmlns:p="http://schemas.openxmlformats.org/presentationml/2006/main">
+<p:tagLst xmlns:a="http://schemas.openxmlformats.org/drawingml/2006/main" xmlns:r="http://schemas.openxmlformats.org/officeDocument/2006/relationships" xmlns:p="http://schemas.openxmlformats.org/presentationml/2006/main">
   <p:tag name="KSO_WM_UNIT_HIGHLIGHT" val="0"/>
   <p:tag name="KSO_WM_UNIT_COMPATIBLE" val="0"/>
   <p:tag name="KSO_WM_UNIT_DIAGRAM_ISNUMVISUAL" val="0"/>
@@ -9918,8 +9877,138 @@
 </p:tagLst>
 </file>
 
-<file path=ppt/tags/tag58.xml><?xml version="1.0" encoding="utf-8"?>
-<p:tagLst xmlns:p="http://schemas.openxmlformats.org/presentationml/2006/main">
+<file path=ppt/tags/tag10.xml><?xml version="1.0" encoding="utf-8"?>
+<p:tagLst xmlns:a="http://schemas.openxmlformats.org/drawingml/2006/main" xmlns:r="http://schemas.openxmlformats.org/officeDocument/2006/relationships" xmlns:p="http://schemas.openxmlformats.org/presentationml/2006/main">
+  <p:tag name="KSO_WM_UNIT_HIGHLIGHT" val="0"/>
+  <p:tag name="KSO_WM_UNIT_COMPATIBLE" val="0"/>
+  <p:tag name="KSO_WM_UNIT_DIAGRAM_ISNUMVISUAL" val="0"/>
+  <p:tag name="KSO_WM_UNIT_DIAGRAM_ISREFERUNIT" val="0"/>
+  <p:tag name="KSO_WM_UNIT_ID" val="_1**"/>
+  <p:tag name="KSO_WM_UNIT_LAYERLEVEL" val="1"/>
+  <p:tag name="KSO_WM_TAG_VERSION" val="1.0"/>
+  <p:tag name="KSO_WM_BEAUTIFY_FLAG" val="#wm#"/>
+</p:tagLst>
+</file>
+
+<file path=ppt/tags/tag11.xml><?xml version="1.0" encoding="utf-8"?>
+<p:tagLst xmlns:a="http://schemas.openxmlformats.org/drawingml/2006/main" xmlns:r="http://schemas.openxmlformats.org/officeDocument/2006/relationships" xmlns:p="http://schemas.openxmlformats.org/presentationml/2006/main">
+  <p:tag name="KSO_WM_UNIT_HIGHLIGHT" val="0"/>
+  <p:tag name="KSO_WM_UNIT_COMPATIBLE" val="0"/>
+  <p:tag name="KSO_WM_UNIT_DIAGRAM_ISNUMVISUAL" val="0"/>
+  <p:tag name="KSO_WM_UNIT_DIAGRAM_ISREFERUNIT" val="0"/>
+  <p:tag name="KSO_WM_UNIT_ID" val="_1**"/>
+  <p:tag name="KSO_WM_UNIT_LAYERLEVEL" val="1"/>
+  <p:tag name="KSO_WM_TAG_VERSION" val="1.0"/>
+  <p:tag name="KSO_WM_BEAUTIFY_FLAG" val="#wm#"/>
+</p:tagLst>
+</file>
+
+<file path=ppt/tags/tag12.xml><?xml version="1.0" encoding="utf-8"?>
+<p:tagLst xmlns:a="http://schemas.openxmlformats.org/drawingml/2006/main" xmlns:r="http://schemas.openxmlformats.org/officeDocument/2006/relationships" xmlns:p="http://schemas.openxmlformats.org/presentationml/2006/main">
+  <p:tag name="KSO_WM_UNIT_HIGHLIGHT" val="0"/>
+  <p:tag name="KSO_WM_UNIT_COMPATIBLE" val="0"/>
+  <p:tag name="KSO_WM_UNIT_DIAGRAM_ISNUMVISUAL" val="0"/>
+  <p:tag name="KSO_WM_UNIT_DIAGRAM_ISREFERUNIT" val="0"/>
+  <p:tag name="KSO_WM_UNIT_ID" val="_2**"/>
+  <p:tag name="KSO_WM_UNIT_LAYERLEVEL" val="1"/>
+  <p:tag name="KSO_WM_TAG_VERSION" val="1.0"/>
+  <p:tag name="KSO_WM_BEAUTIFY_FLAG" val="#wm#"/>
+</p:tagLst>
+</file>
+
+<file path=ppt/tags/tag13.xml><?xml version="1.0" encoding="utf-8"?>
+<p:tagLst xmlns:a="http://schemas.openxmlformats.org/drawingml/2006/main" xmlns:r="http://schemas.openxmlformats.org/officeDocument/2006/relationships" xmlns:p="http://schemas.openxmlformats.org/presentationml/2006/main">
+  <p:tag name="KSO_WM_UNIT_HIGHLIGHT" val="0"/>
+  <p:tag name="KSO_WM_UNIT_COMPATIBLE" val="0"/>
+  <p:tag name="KSO_WM_UNIT_DIAGRAM_ISNUMVISUAL" val="0"/>
+  <p:tag name="KSO_WM_UNIT_DIAGRAM_ISREFERUNIT" val="0"/>
+  <p:tag name="KSO_WM_UNIT_ID" val="_2**"/>
+  <p:tag name="KSO_WM_UNIT_LAYERLEVEL" val="1"/>
+  <p:tag name="KSO_WM_TAG_VERSION" val="1.0"/>
+  <p:tag name="KSO_WM_BEAUTIFY_FLAG" val="#wm#"/>
+</p:tagLst>
+</file>
+
+<file path=ppt/tags/tag14.xml><?xml version="1.0" encoding="utf-8"?>
+<p:tagLst xmlns:a="http://schemas.openxmlformats.org/drawingml/2006/main" xmlns:r="http://schemas.openxmlformats.org/officeDocument/2006/relationships" xmlns:p="http://schemas.openxmlformats.org/presentationml/2006/main">
+  <p:tag name="KSO_WM_UNIT_HIGHLIGHT" val="0"/>
+  <p:tag name="KSO_WM_UNIT_COMPATIBLE" val="0"/>
+  <p:tag name="KSO_WM_UNIT_DIAGRAM_ISNUMVISUAL" val="0"/>
+  <p:tag name="KSO_WM_UNIT_DIAGRAM_ISREFERUNIT" val="0"/>
+  <p:tag name="KSO_WM_UNIT_ID" val="_2**"/>
+  <p:tag name="KSO_WM_UNIT_LAYERLEVEL" val="1"/>
+  <p:tag name="KSO_WM_TAG_VERSION" val="1.0"/>
+  <p:tag name="KSO_WM_BEAUTIFY_FLAG" val="#wm#"/>
+</p:tagLst>
+</file>
+
+<file path=ppt/tags/tag15.xml><?xml version="1.0" encoding="utf-8"?>
+<p:tagLst xmlns:a="http://schemas.openxmlformats.org/drawingml/2006/main" xmlns:r="http://schemas.openxmlformats.org/officeDocument/2006/relationships" xmlns:p="http://schemas.openxmlformats.org/presentationml/2006/main">
+  <p:tag name="KSO_WM_UNIT_HIGHLIGHT" val="0"/>
+  <p:tag name="KSO_WM_UNIT_COMPATIBLE" val="0"/>
+  <p:tag name="KSO_WM_UNIT_DIAGRAM_ISNUMVISUAL" val="0"/>
+  <p:tag name="KSO_WM_UNIT_DIAGRAM_ISREFERUNIT" val="0"/>
+  <p:tag name="KSO_WM_UNIT_ID" val="_2**"/>
+  <p:tag name="KSO_WM_UNIT_LAYERLEVEL" val="1"/>
+  <p:tag name="KSO_WM_TAG_VERSION" val="1.0"/>
+  <p:tag name="KSO_WM_BEAUTIFY_FLAG" val="#wm#"/>
+</p:tagLst>
+</file>
+
+<file path=ppt/tags/tag16.xml><?xml version="1.0" encoding="utf-8"?>
+<p:tagLst xmlns:a="http://schemas.openxmlformats.org/drawingml/2006/main" xmlns:r="http://schemas.openxmlformats.org/officeDocument/2006/relationships" xmlns:p="http://schemas.openxmlformats.org/presentationml/2006/main">
+  <p:tag name="KSO_WM_UNIT_HIGHLIGHT" val="0"/>
+  <p:tag name="KSO_WM_UNIT_COMPATIBLE" val="0"/>
+  <p:tag name="KSO_WM_UNIT_DIAGRAM_ISNUMVISUAL" val="0"/>
+  <p:tag name="KSO_WM_UNIT_DIAGRAM_ISREFERUNIT" val="0"/>
+  <p:tag name="KSO_WM_UNIT_ID" val="_2**"/>
+  <p:tag name="KSO_WM_UNIT_LAYERLEVEL" val="1"/>
+  <p:tag name="KSO_WM_TAG_VERSION" val="1.0"/>
+  <p:tag name="KSO_WM_BEAUTIFY_FLAG" val="#wm#"/>
+</p:tagLst>
+</file>
+
+<file path=ppt/tags/tag17.xml><?xml version="1.0" encoding="utf-8"?>
+<p:tagLst xmlns:a="http://schemas.openxmlformats.org/drawingml/2006/main" xmlns:r="http://schemas.openxmlformats.org/officeDocument/2006/relationships" xmlns:p="http://schemas.openxmlformats.org/presentationml/2006/main">
+  <p:tag name="KSO_WM_UNIT_HIGHLIGHT" val="0"/>
+  <p:tag name="KSO_WM_UNIT_COMPATIBLE" val="0"/>
+  <p:tag name="KSO_WM_UNIT_DIAGRAM_ISNUMVISUAL" val="0"/>
+  <p:tag name="KSO_WM_UNIT_DIAGRAM_ISREFERUNIT" val="0"/>
+  <p:tag name="KSO_WM_UNIT_ID" val="_3**"/>
+  <p:tag name="KSO_WM_UNIT_LAYERLEVEL" val="1"/>
+  <p:tag name="KSO_WM_TAG_VERSION" val="1.0"/>
+  <p:tag name="KSO_WM_BEAUTIFY_FLAG" val="#wm#"/>
+</p:tagLst>
+</file>
+
+<file path=ppt/tags/tag18.xml><?xml version="1.0" encoding="utf-8"?>
+<p:tagLst xmlns:a="http://schemas.openxmlformats.org/drawingml/2006/main" xmlns:r="http://schemas.openxmlformats.org/officeDocument/2006/relationships" xmlns:p="http://schemas.openxmlformats.org/presentationml/2006/main">
+  <p:tag name="KSO_WM_UNIT_HIGHLIGHT" val="0"/>
+  <p:tag name="KSO_WM_UNIT_COMPATIBLE" val="0"/>
+  <p:tag name="KSO_WM_UNIT_DIAGRAM_ISNUMVISUAL" val="0"/>
+  <p:tag name="KSO_WM_UNIT_DIAGRAM_ISREFERUNIT" val="0"/>
+  <p:tag name="KSO_WM_UNIT_ID" val="_3**"/>
+  <p:tag name="KSO_WM_UNIT_LAYERLEVEL" val="1"/>
+  <p:tag name="KSO_WM_TAG_VERSION" val="1.0"/>
+  <p:tag name="KSO_WM_BEAUTIFY_FLAG" val="#wm#"/>
+</p:tagLst>
+</file>
+
+<file path=ppt/tags/tag19.xml><?xml version="1.0" encoding="utf-8"?>
+<p:tagLst xmlns:a="http://schemas.openxmlformats.org/drawingml/2006/main" xmlns:r="http://schemas.openxmlformats.org/officeDocument/2006/relationships" xmlns:p="http://schemas.openxmlformats.org/presentationml/2006/main">
+  <p:tag name="KSO_WM_UNIT_HIGHLIGHT" val="0"/>
+  <p:tag name="KSO_WM_UNIT_COMPATIBLE" val="0"/>
+  <p:tag name="KSO_WM_UNIT_DIAGRAM_ISNUMVISUAL" val="0"/>
+  <p:tag name="KSO_WM_UNIT_DIAGRAM_ISREFERUNIT" val="0"/>
+  <p:tag name="KSO_WM_UNIT_ID" val="_3**"/>
+  <p:tag name="KSO_WM_UNIT_LAYERLEVEL" val="1"/>
+  <p:tag name="KSO_WM_TAG_VERSION" val="1.0"/>
+  <p:tag name="KSO_WM_BEAUTIFY_FLAG" val="#wm#"/>
+</p:tagLst>
+</file>
+
+<file path=ppt/tags/tag2.xml><?xml version="1.0" encoding="utf-8"?>
+<p:tagLst xmlns:a="http://schemas.openxmlformats.org/drawingml/2006/main" xmlns:r="http://schemas.openxmlformats.org/officeDocument/2006/relationships" xmlns:p="http://schemas.openxmlformats.org/presentationml/2006/main">
   <p:tag name="KSO_WM_UNIT_HIGHLIGHT" val="0"/>
   <p:tag name="KSO_WM_UNIT_COMPATIBLE" val="0"/>
   <p:tag name="KSO_WM_UNIT_DIAGRAM_ISNUMVISUAL" val="0"/>
@@ -9933,8 +10022,138 @@
 </p:tagLst>
 </file>
 
-<file path=ppt/tags/tag59.xml><?xml version="1.0" encoding="utf-8"?>
-<p:tagLst xmlns:p="http://schemas.openxmlformats.org/presentationml/2006/main">
+<file path=ppt/tags/tag20.xml><?xml version="1.0" encoding="utf-8"?>
+<p:tagLst xmlns:a="http://schemas.openxmlformats.org/drawingml/2006/main" xmlns:r="http://schemas.openxmlformats.org/officeDocument/2006/relationships" xmlns:p="http://schemas.openxmlformats.org/presentationml/2006/main">
+  <p:tag name="KSO_WM_UNIT_HIGHLIGHT" val="0"/>
+  <p:tag name="KSO_WM_UNIT_COMPATIBLE" val="0"/>
+  <p:tag name="KSO_WM_UNIT_DIAGRAM_ISNUMVISUAL" val="0"/>
+  <p:tag name="KSO_WM_UNIT_DIAGRAM_ISREFERUNIT" val="0"/>
+  <p:tag name="KSO_WM_UNIT_ID" val="_3**"/>
+  <p:tag name="KSO_WM_UNIT_LAYERLEVEL" val="1"/>
+  <p:tag name="KSO_WM_TAG_VERSION" val="1.0"/>
+  <p:tag name="KSO_WM_BEAUTIFY_FLAG" val="#wm#"/>
+</p:tagLst>
+</file>
+
+<file path=ppt/tags/tag21.xml><?xml version="1.0" encoding="utf-8"?>
+<p:tagLst xmlns:a="http://schemas.openxmlformats.org/drawingml/2006/main" xmlns:r="http://schemas.openxmlformats.org/officeDocument/2006/relationships" xmlns:p="http://schemas.openxmlformats.org/presentationml/2006/main">
+  <p:tag name="KSO_WM_UNIT_HIGHLIGHT" val="0"/>
+  <p:tag name="KSO_WM_UNIT_COMPATIBLE" val="0"/>
+  <p:tag name="KSO_WM_UNIT_DIAGRAM_ISNUMVISUAL" val="0"/>
+  <p:tag name="KSO_WM_UNIT_DIAGRAM_ISREFERUNIT" val="0"/>
+  <p:tag name="KSO_WM_UNIT_ID" val="_3**"/>
+  <p:tag name="KSO_WM_UNIT_LAYERLEVEL" val="1"/>
+  <p:tag name="KSO_WM_TAG_VERSION" val="1.0"/>
+  <p:tag name="KSO_WM_BEAUTIFY_FLAG" val="#wm#"/>
+</p:tagLst>
+</file>
+
+<file path=ppt/tags/tag22.xml><?xml version="1.0" encoding="utf-8"?>
+<p:tagLst xmlns:a="http://schemas.openxmlformats.org/drawingml/2006/main" xmlns:r="http://schemas.openxmlformats.org/officeDocument/2006/relationships" xmlns:p="http://schemas.openxmlformats.org/presentationml/2006/main">
+  <p:tag name="KSO_WM_UNIT_HIGHLIGHT" val="0"/>
+  <p:tag name="KSO_WM_UNIT_COMPATIBLE" val="0"/>
+  <p:tag name="KSO_WM_UNIT_DIAGRAM_ISNUMVISUAL" val="0"/>
+  <p:tag name="KSO_WM_UNIT_DIAGRAM_ISREFERUNIT" val="0"/>
+  <p:tag name="KSO_WM_UNIT_ID" val="_4**"/>
+  <p:tag name="KSO_WM_UNIT_LAYERLEVEL" val="1"/>
+  <p:tag name="KSO_WM_TAG_VERSION" val="1.0"/>
+  <p:tag name="KSO_WM_BEAUTIFY_FLAG" val="#wm#"/>
+</p:tagLst>
+</file>
+
+<file path=ppt/tags/tag23.xml><?xml version="1.0" encoding="utf-8"?>
+<p:tagLst xmlns:a="http://schemas.openxmlformats.org/drawingml/2006/main" xmlns:r="http://schemas.openxmlformats.org/officeDocument/2006/relationships" xmlns:p="http://schemas.openxmlformats.org/presentationml/2006/main">
+  <p:tag name="KSO_WM_UNIT_HIGHLIGHT" val="0"/>
+  <p:tag name="KSO_WM_UNIT_COMPATIBLE" val="0"/>
+  <p:tag name="KSO_WM_UNIT_DIAGRAM_ISNUMVISUAL" val="0"/>
+  <p:tag name="KSO_WM_UNIT_DIAGRAM_ISREFERUNIT" val="0"/>
+  <p:tag name="KSO_WM_UNIT_ID" val="_4**"/>
+  <p:tag name="KSO_WM_UNIT_LAYERLEVEL" val="1"/>
+  <p:tag name="KSO_WM_TAG_VERSION" val="1.0"/>
+  <p:tag name="KSO_WM_BEAUTIFY_FLAG" val="#wm#"/>
+</p:tagLst>
+</file>
+
+<file path=ppt/tags/tag24.xml><?xml version="1.0" encoding="utf-8"?>
+<p:tagLst xmlns:a="http://schemas.openxmlformats.org/drawingml/2006/main" xmlns:r="http://schemas.openxmlformats.org/officeDocument/2006/relationships" xmlns:p="http://schemas.openxmlformats.org/presentationml/2006/main">
+  <p:tag name="KSO_WM_UNIT_HIGHLIGHT" val="0"/>
+  <p:tag name="KSO_WM_UNIT_COMPATIBLE" val="0"/>
+  <p:tag name="KSO_WM_UNIT_DIAGRAM_ISNUMVISUAL" val="0"/>
+  <p:tag name="KSO_WM_UNIT_DIAGRAM_ISREFERUNIT" val="0"/>
+  <p:tag name="KSO_WM_UNIT_ID" val="_4**"/>
+  <p:tag name="KSO_WM_UNIT_LAYERLEVEL" val="1"/>
+  <p:tag name="KSO_WM_TAG_VERSION" val="1.0"/>
+  <p:tag name="KSO_WM_BEAUTIFY_FLAG" val="#wm#"/>
+</p:tagLst>
+</file>
+
+<file path=ppt/tags/tag25.xml><?xml version="1.0" encoding="utf-8"?>
+<p:tagLst xmlns:a="http://schemas.openxmlformats.org/drawingml/2006/main" xmlns:r="http://schemas.openxmlformats.org/officeDocument/2006/relationships" xmlns:p="http://schemas.openxmlformats.org/presentationml/2006/main">
+  <p:tag name="KSO_WM_UNIT_HIGHLIGHT" val="0"/>
+  <p:tag name="KSO_WM_UNIT_COMPATIBLE" val="0"/>
+  <p:tag name="KSO_WM_UNIT_DIAGRAM_ISNUMVISUAL" val="0"/>
+  <p:tag name="KSO_WM_UNIT_DIAGRAM_ISREFERUNIT" val="0"/>
+  <p:tag name="KSO_WM_UNIT_ID" val="_4**"/>
+  <p:tag name="KSO_WM_UNIT_LAYERLEVEL" val="1"/>
+  <p:tag name="KSO_WM_TAG_VERSION" val="1.0"/>
+  <p:tag name="KSO_WM_BEAUTIFY_FLAG" val="#wm#"/>
+</p:tagLst>
+</file>
+
+<file path=ppt/tags/tag26.xml><?xml version="1.0" encoding="utf-8"?>
+<p:tagLst xmlns:a="http://schemas.openxmlformats.org/drawingml/2006/main" xmlns:r="http://schemas.openxmlformats.org/officeDocument/2006/relationships" xmlns:p="http://schemas.openxmlformats.org/presentationml/2006/main">
+  <p:tag name="KSO_WM_UNIT_HIGHLIGHT" val="0"/>
+  <p:tag name="KSO_WM_UNIT_COMPATIBLE" val="0"/>
+  <p:tag name="KSO_WM_UNIT_DIAGRAM_ISNUMVISUAL" val="0"/>
+  <p:tag name="KSO_WM_UNIT_DIAGRAM_ISREFERUNIT" val="0"/>
+  <p:tag name="KSO_WM_UNIT_ID" val="_4**"/>
+  <p:tag name="KSO_WM_UNIT_LAYERLEVEL" val="1"/>
+  <p:tag name="KSO_WM_TAG_VERSION" val="1.0"/>
+  <p:tag name="KSO_WM_BEAUTIFY_FLAG" val="#wm#"/>
+</p:tagLst>
+</file>
+
+<file path=ppt/tags/tag27.xml><?xml version="1.0" encoding="utf-8"?>
+<p:tagLst xmlns:a="http://schemas.openxmlformats.org/drawingml/2006/main" xmlns:r="http://schemas.openxmlformats.org/officeDocument/2006/relationships" xmlns:p="http://schemas.openxmlformats.org/presentationml/2006/main">
+  <p:tag name="KSO_WM_UNIT_HIGHLIGHT" val="0"/>
+  <p:tag name="KSO_WM_UNIT_COMPATIBLE" val="0"/>
+  <p:tag name="KSO_WM_UNIT_DIAGRAM_ISNUMVISUAL" val="0"/>
+  <p:tag name="KSO_WM_UNIT_DIAGRAM_ISREFERUNIT" val="0"/>
+  <p:tag name="KSO_WM_UNIT_ID" val="_4**"/>
+  <p:tag name="KSO_WM_UNIT_LAYERLEVEL" val="1"/>
+  <p:tag name="KSO_WM_TAG_VERSION" val="1.0"/>
+  <p:tag name="KSO_WM_BEAUTIFY_FLAG" val="#wm#"/>
+</p:tagLst>
+</file>
+
+<file path=ppt/tags/tag28.xml><?xml version="1.0" encoding="utf-8"?>
+<p:tagLst xmlns:a="http://schemas.openxmlformats.org/drawingml/2006/main" xmlns:r="http://schemas.openxmlformats.org/officeDocument/2006/relationships" xmlns:p="http://schemas.openxmlformats.org/presentationml/2006/main">
+  <p:tag name="KSO_WM_UNIT_HIGHLIGHT" val="0"/>
+  <p:tag name="KSO_WM_UNIT_COMPATIBLE" val="0"/>
+  <p:tag name="KSO_WM_UNIT_DIAGRAM_ISNUMVISUAL" val="0"/>
+  <p:tag name="KSO_WM_UNIT_DIAGRAM_ISREFERUNIT" val="0"/>
+  <p:tag name="KSO_WM_UNIT_ID" val="_5**"/>
+  <p:tag name="KSO_WM_UNIT_LAYERLEVEL" val="1"/>
+  <p:tag name="KSO_WM_TAG_VERSION" val="1.0"/>
+  <p:tag name="KSO_WM_BEAUTIFY_FLAG" val="#wm#"/>
+</p:tagLst>
+</file>
+
+<file path=ppt/tags/tag29.xml><?xml version="1.0" encoding="utf-8"?>
+<p:tagLst xmlns:a="http://schemas.openxmlformats.org/drawingml/2006/main" xmlns:r="http://schemas.openxmlformats.org/officeDocument/2006/relationships" xmlns:p="http://schemas.openxmlformats.org/presentationml/2006/main">
+  <p:tag name="KSO_WM_UNIT_HIGHLIGHT" val="0"/>
+  <p:tag name="KSO_WM_UNIT_COMPATIBLE" val="0"/>
+  <p:tag name="KSO_WM_UNIT_DIAGRAM_ISNUMVISUAL" val="0"/>
+  <p:tag name="KSO_WM_UNIT_DIAGRAM_ISREFERUNIT" val="0"/>
+  <p:tag name="KSO_WM_UNIT_ID" val="_5**"/>
+  <p:tag name="KSO_WM_UNIT_LAYERLEVEL" val="1"/>
+  <p:tag name="KSO_WM_TAG_VERSION" val="1.0"/>
+  <p:tag name="KSO_WM_BEAUTIFY_FLAG" val="#wm#"/>
+</p:tagLst>
+</file>
+
+<file path=ppt/tags/tag3.xml><?xml version="1.0" encoding="utf-8"?>
+<p:tagLst xmlns:a="http://schemas.openxmlformats.org/drawingml/2006/main" xmlns:r="http://schemas.openxmlformats.org/officeDocument/2006/relationships" xmlns:p="http://schemas.openxmlformats.org/presentationml/2006/main">
   <p:tag name="KSO_WM_UNIT_HIGHLIGHT" val="0"/>
   <p:tag name="KSO_WM_UNIT_COMPATIBLE" val="0"/>
   <p:tag name="KSO_WM_UNIT_DIAGRAM_ISNUMVISUAL" val="0"/>
@@ -9946,21 +10165,138 @@
 </p:tagLst>
 </file>
 
-<file path=ppt/tags/tag6.xml><?xml version="1.0" encoding="utf-8"?>
-<p:tagLst xmlns:p="http://schemas.openxmlformats.org/presentationml/2006/main">
+<file path=ppt/tags/tag30.xml><?xml version="1.0" encoding="utf-8"?>
+<p:tagLst xmlns:a="http://schemas.openxmlformats.org/drawingml/2006/main" xmlns:r="http://schemas.openxmlformats.org/officeDocument/2006/relationships" xmlns:p="http://schemas.openxmlformats.org/presentationml/2006/main">
   <p:tag name="KSO_WM_UNIT_HIGHLIGHT" val="0"/>
   <p:tag name="KSO_WM_UNIT_COMPATIBLE" val="0"/>
   <p:tag name="KSO_WM_UNIT_DIAGRAM_ISNUMVISUAL" val="0"/>
   <p:tag name="KSO_WM_UNIT_DIAGRAM_ISREFERUNIT" val="0"/>
-  <p:tag name="KSO_WM_UNIT_ID" val="_2**"/>
+  <p:tag name="KSO_WM_UNIT_ID" val="_5**"/>
   <p:tag name="KSO_WM_UNIT_LAYERLEVEL" val="1"/>
   <p:tag name="KSO_WM_TAG_VERSION" val="1.0"/>
   <p:tag name="KSO_WM_BEAUTIFY_FLAG" val="#wm#"/>
 </p:tagLst>
 </file>
 
-<file path=ppt/tags/tag60.xml><?xml version="1.0" encoding="utf-8"?>
-<p:tagLst xmlns:p="http://schemas.openxmlformats.org/presentationml/2006/main">
+<file path=ppt/tags/tag31.xml><?xml version="1.0" encoding="utf-8"?>
+<p:tagLst xmlns:a="http://schemas.openxmlformats.org/drawingml/2006/main" xmlns:r="http://schemas.openxmlformats.org/officeDocument/2006/relationships" xmlns:p="http://schemas.openxmlformats.org/presentationml/2006/main">
+  <p:tag name="KSO_WM_UNIT_HIGHLIGHT" val="0"/>
+  <p:tag name="KSO_WM_UNIT_COMPATIBLE" val="0"/>
+  <p:tag name="KSO_WM_UNIT_DIAGRAM_ISNUMVISUAL" val="0"/>
+  <p:tag name="KSO_WM_UNIT_DIAGRAM_ISREFERUNIT" val="0"/>
+  <p:tag name="KSO_WM_UNIT_ID" val="_5**"/>
+  <p:tag name="KSO_WM_UNIT_LAYERLEVEL" val="1"/>
+  <p:tag name="KSO_WM_TAG_VERSION" val="1.0"/>
+  <p:tag name="KSO_WM_BEAUTIFY_FLAG" val="#wm#"/>
+</p:tagLst>
+</file>
+
+<file path=ppt/tags/tag32.xml><?xml version="1.0" encoding="utf-8"?>
+<p:tagLst xmlns:a="http://schemas.openxmlformats.org/drawingml/2006/main" xmlns:r="http://schemas.openxmlformats.org/officeDocument/2006/relationships" xmlns:p="http://schemas.openxmlformats.org/presentationml/2006/main">
+  <p:tag name="KSO_WM_UNIT_HIGHLIGHT" val="0"/>
+  <p:tag name="KSO_WM_UNIT_COMPATIBLE" val="0"/>
+  <p:tag name="KSO_WM_UNIT_DIAGRAM_ISNUMVISUAL" val="0"/>
+  <p:tag name="KSO_WM_UNIT_DIAGRAM_ISREFERUNIT" val="0"/>
+  <p:tag name="KSO_WM_UNIT_ID" val="_5**"/>
+  <p:tag name="KSO_WM_UNIT_LAYERLEVEL" val="1"/>
+  <p:tag name="KSO_WM_TAG_VERSION" val="1.0"/>
+  <p:tag name="KSO_WM_BEAUTIFY_FLAG" val="#wm#"/>
+</p:tagLst>
+</file>
+
+<file path=ppt/tags/tag33.xml><?xml version="1.0" encoding="utf-8"?>
+<p:tagLst xmlns:a="http://schemas.openxmlformats.org/drawingml/2006/main" xmlns:r="http://schemas.openxmlformats.org/officeDocument/2006/relationships" xmlns:p="http://schemas.openxmlformats.org/presentationml/2006/main">
+  <p:tag name="KSO_WM_UNIT_HIGHLIGHT" val="0"/>
+  <p:tag name="KSO_WM_UNIT_COMPATIBLE" val="0"/>
+  <p:tag name="KSO_WM_UNIT_DIAGRAM_ISNUMVISUAL" val="0"/>
+  <p:tag name="KSO_WM_UNIT_DIAGRAM_ISREFERUNIT" val="0"/>
+  <p:tag name="KSO_WM_UNIT_ID" val="_5**"/>
+  <p:tag name="KSO_WM_UNIT_LAYERLEVEL" val="1"/>
+  <p:tag name="KSO_WM_TAG_VERSION" val="1.0"/>
+  <p:tag name="KSO_WM_BEAUTIFY_FLAG" val="#wm#"/>
+</p:tagLst>
+</file>
+
+<file path=ppt/tags/tag34.xml><?xml version="1.0" encoding="utf-8"?>
+<p:tagLst xmlns:a="http://schemas.openxmlformats.org/drawingml/2006/main" xmlns:r="http://schemas.openxmlformats.org/officeDocument/2006/relationships" xmlns:p="http://schemas.openxmlformats.org/presentationml/2006/main">
+  <p:tag name="KSO_WM_UNIT_HIGHLIGHT" val="0"/>
+  <p:tag name="KSO_WM_UNIT_COMPATIBLE" val="0"/>
+  <p:tag name="KSO_WM_UNIT_DIAGRAM_ISNUMVISUAL" val="0"/>
+  <p:tag name="KSO_WM_UNIT_DIAGRAM_ISREFERUNIT" val="0"/>
+  <p:tag name="KSO_WM_UNIT_ID" val="_5**"/>
+  <p:tag name="KSO_WM_UNIT_LAYERLEVEL" val="1"/>
+  <p:tag name="KSO_WM_TAG_VERSION" val="1.0"/>
+  <p:tag name="KSO_WM_BEAUTIFY_FLAG" val="#wm#"/>
+</p:tagLst>
+</file>
+
+<file path=ppt/tags/tag35.xml><?xml version="1.0" encoding="utf-8"?>
+<p:tagLst xmlns:a="http://schemas.openxmlformats.org/drawingml/2006/main" xmlns:r="http://schemas.openxmlformats.org/officeDocument/2006/relationships" xmlns:p="http://schemas.openxmlformats.org/presentationml/2006/main">
+  <p:tag name="KSO_WM_UNIT_HIGHLIGHT" val="0"/>
+  <p:tag name="KSO_WM_UNIT_COMPATIBLE" val="0"/>
+  <p:tag name="KSO_WM_UNIT_DIAGRAM_ISNUMVISUAL" val="0"/>
+  <p:tag name="KSO_WM_UNIT_DIAGRAM_ISREFERUNIT" val="0"/>
+  <p:tag name="KSO_WM_UNIT_ID" val="_5**"/>
+  <p:tag name="KSO_WM_UNIT_LAYERLEVEL" val="1"/>
+  <p:tag name="KSO_WM_TAG_VERSION" val="1.0"/>
+  <p:tag name="KSO_WM_BEAUTIFY_FLAG" val="#wm#"/>
+</p:tagLst>
+</file>
+
+<file path=ppt/tags/tag36.xml><?xml version="1.0" encoding="utf-8"?>
+<p:tagLst xmlns:a="http://schemas.openxmlformats.org/drawingml/2006/main" xmlns:r="http://schemas.openxmlformats.org/officeDocument/2006/relationships" xmlns:p="http://schemas.openxmlformats.org/presentationml/2006/main">
+  <p:tag name="KSO_WM_UNIT_HIGHLIGHT" val="0"/>
+  <p:tag name="KSO_WM_UNIT_COMPATIBLE" val="0"/>
+  <p:tag name="KSO_WM_UNIT_DIAGRAM_ISNUMVISUAL" val="0"/>
+  <p:tag name="KSO_WM_UNIT_DIAGRAM_ISREFERUNIT" val="0"/>
+  <p:tag name="KSO_WM_UNIT_ID" val="_6**"/>
+  <p:tag name="KSO_WM_UNIT_LAYERLEVEL" val="1"/>
+  <p:tag name="KSO_WM_TAG_VERSION" val="1.0"/>
+  <p:tag name="KSO_WM_BEAUTIFY_FLAG" val="#wm#"/>
+</p:tagLst>
+</file>
+
+<file path=ppt/tags/tag37.xml><?xml version="1.0" encoding="utf-8"?>
+<p:tagLst xmlns:a="http://schemas.openxmlformats.org/drawingml/2006/main" xmlns:r="http://schemas.openxmlformats.org/officeDocument/2006/relationships" xmlns:p="http://schemas.openxmlformats.org/presentationml/2006/main">
+  <p:tag name="KSO_WM_UNIT_HIGHLIGHT" val="0"/>
+  <p:tag name="KSO_WM_UNIT_COMPATIBLE" val="0"/>
+  <p:tag name="KSO_WM_UNIT_DIAGRAM_ISNUMVISUAL" val="0"/>
+  <p:tag name="KSO_WM_UNIT_DIAGRAM_ISREFERUNIT" val="0"/>
+  <p:tag name="KSO_WM_UNIT_ID" val="_6**"/>
+  <p:tag name="KSO_WM_UNIT_LAYERLEVEL" val="1"/>
+  <p:tag name="KSO_WM_TAG_VERSION" val="1.0"/>
+  <p:tag name="KSO_WM_BEAUTIFY_FLAG" val="#wm#"/>
+</p:tagLst>
+</file>
+
+<file path=ppt/tags/tag38.xml><?xml version="1.0" encoding="utf-8"?>
+<p:tagLst xmlns:a="http://schemas.openxmlformats.org/drawingml/2006/main" xmlns:r="http://schemas.openxmlformats.org/officeDocument/2006/relationships" xmlns:p="http://schemas.openxmlformats.org/presentationml/2006/main">
+  <p:tag name="KSO_WM_UNIT_HIGHLIGHT" val="0"/>
+  <p:tag name="KSO_WM_UNIT_COMPATIBLE" val="0"/>
+  <p:tag name="KSO_WM_UNIT_DIAGRAM_ISNUMVISUAL" val="0"/>
+  <p:tag name="KSO_WM_UNIT_DIAGRAM_ISREFERUNIT" val="0"/>
+  <p:tag name="KSO_WM_UNIT_ID" val="_6**"/>
+  <p:tag name="KSO_WM_UNIT_LAYERLEVEL" val="1"/>
+  <p:tag name="KSO_WM_TAG_VERSION" val="1.0"/>
+  <p:tag name="KSO_WM_BEAUTIFY_FLAG" val="#wm#"/>
+</p:tagLst>
+</file>
+
+<file path=ppt/tags/tag39.xml><?xml version="1.0" encoding="utf-8"?>
+<p:tagLst xmlns:a="http://schemas.openxmlformats.org/drawingml/2006/main" xmlns:r="http://schemas.openxmlformats.org/officeDocument/2006/relationships" xmlns:p="http://schemas.openxmlformats.org/presentationml/2006/main">
+  <p:tag name="KSO_WM_UNIT_HIGHLIGHT" val="0"/>
+  <p:tag name="KSO_WM_UNIT_COMPATIBLE" val="0"/>
+  <p:tag name="KSO_WM_UNIT_DIAGRAM_ISNUMVISUAL" val="0"/>
+  <p:tag name="KSO_WM_UNIT_DIAGRAM_ISREFERUNIT" val="0"/>
+  <p:tag name="KSO_WM_UNIT_ID" val="_6**"/>
+  <p:tag name="KSO_WM_UNIT_LAYERLEVEL" val="1"/>
+  <p:tag name="KSO_WM_TAG_VERSION" val="1.0"/>
+  <p:tag name="KSO_WM_BEAUTIFY_FLAG" val="#wm#"/>
+</p:tagLst>
+</file>
+
+<file path=ppt/tags/tag4.xml><?xml version="1.0" encoding="utf-8"?>
+<p:tagLst xmlns:a="http://schemas.openxmlformats.org/drawingml/2006/main" xmlns:r="http://schemas.openxmlformats.org/officeDocument/2006/relationships" xmlns:p="http://schemas.openxmlformats.org/presentationml/2006/main">
   <p:tag name="KSO_WM_UNIT_HIGHLIGHT" val="0"/>
   <p:tag name="KSO_WM_UNIT_COMPATIBLE" val="0"/>
   <p:tag name="KSO_WM_UNIT_DIAGRAM_ISNUMVISUAL" val="0"/>
@@ -9972,8 +10308,138 @@
 </p:tagLst>
 </file>
 
-<file path=ppt/tags/tag61.xml><?xml version="1.0" encoding="utf-8"?>
-<p:tagLst xmlns:p="http://schemas.openxmlformats.org/presentationml/2006/main">
+<file path=ppt/tags/tag40.xml><?xml version="1.0" encoding="utf-8"?>
+<p:tagLst xmlns:a="http://schemas.openxmlformats.org/drawingml/2006/main" xmlns:r="http://schemas.openxmlformats.org/officeDocument/2006/relationships" xmlns:p="http://schemas.openxmlformats.org/presentationml/2006/main">
+  <p:tag name="KSO_WM_UNIT_HIGHLIGHT" val="0"/>
+  <p:tag name="KSO_WM_UNIT_COMPATIBLE" val="0"/>
+  <p:tag name="KSO_WM_UNIT_DIAGRAM_ISNUMVISUAL" val="0"/>
+  <p:tag name="KSO_WM_UNIT_DIAGRAM_ISREFERUNIT" val="0"/>
+  <p:tag name="KSO_WM_UNIT_ID" val="_7**"/>
+  <p:tag name="KSO_WM_UNIT_LAYERLEVEL" val="1"/>
+  <p:tag name="KSO_WM_TAG_VERSION" val="1.0"/>
+  <p:tag name="KSO_WM_BEAUTIFY_FLAG" val="#wm#"/>
+</p:tagLst>
+</file>
+
+<file path=ppt/tags/tag41.xml><?xml version="1.0" encoding="utf-8"?>
+<p:tagLst xmlns:a="http://schemas.openxmlformats.org/drawingml/2006/main" xmlns:r="http://schemas.openxmlformats.org/officeDocument/2006/relationships" xmlns:p="http://schemas.openxmlformats.org/presentationml/2006/main">
+  <p:tag name="KSO_WM_UNIT_HIGHLIGHT" val="0"/>
+  <p:tag name="KSO_WM_UNIT_COMPATIBLE" val="0"/>
+  <p:tag name="KSO_WM_UNIT_DIAGRAM_ISNUMVISUAL" val="0"/>
+  <p:tag name="KSO_WM_UNIT_DIAGRAM_ISREFERUNIT" val="0"/>
+  <p:tag name="KSO_WM_UNIT_ID" val="_7**"/>
+  <p:tag name="KSO_WM_UNIT_LAYERLEVEL" val="1"/>
+  <p:tag name="KSO_WM_TAG_VERSION" val="1.0"/>
+  <p:tag name="KSO_WM_BEAUTIFY_FLAG" val="#wm#"/>
+</p:tagLst>
+</file>
+
+<file path=ppt/tags/tag42.xml><?xml version="1.0" encoding="utf-8"?>
+<p:tagLst xmlns:a="http://schemas.openxmlformats.org/drawingml/2006/main" xmlns:r="http://schemas.openxmlformats.org/officeDocument/2006/relationships" xmlns:p="http://schemas.openxmlformats.org/presentationml/2006/main">
+  <p:tag name="KSO_WM_UNIT_HIGHLIGHT" val="0"/>
+  <p:tag name="KSO_WM_UNIT_COMPATIBLE" val="0"/>
+  <p:tag name="KSO_WM_UNIT_DIAGRAM_ISNUMVISUAL" val="0"/>
+  <p:tag name="KSO_WM_UNIT_DIAGRAM_ISREFERUNIT" val="0"/>
+  <p:tag name="KSO_WM_UNIT_ID" val="_7**"/>
+  <p:tag name="KSO_WM_UNIT_LAYERLEVEL" val="1"/>
+  <p:tag name="KSO_WM_TAG_VERSION" val="1.0"/>
+  <p:tag name="KSO_WM_BEAUTIFY_FLAG" val="#wm#"/>
+</p:tagLst>
+</file>
+
+<file path=ppt/tags/tag43.xml><?xml version="1.0" encoding="utf-8"?>
+<p:tagLst xmlns:a="http://schemas.openxmlformats.org/drawingml/2006/main" xmlns:r="http://schemas.openxmlformats.org/officeDocument/2006/relationships" xmlns:p="http://schemas.openxmlformats.org/presentationml/2006/main">
+  <p:tag name="KSO_WM_UNIT_HIGHLIGHT" val="0"/>
+  <p:tag name="KSO_WM_UNIT_COMPATIBLE" val="0"/>
+  <p:tag name="KSO_WM_UNIT_DIAGRAM_ISNUMVISUAL" val="0"/>
+  <p:tag name="KSO_WM_UNIT_DIAGRAM_ISREFERUNIT" val="0"/>
+  <p:tag name="KSO_WM_UNIT_ID" val="_8**"/>
+  <p:tag name="KSO_WM_UNIT_LAYERLEVEL" val="1"/>
+  <p:tag name="KSO_WM_TAG_VERSION" val="1.0"/>
+  <p:tag name="KSO_WM_BEAUTIFY_FLAG" val="#wm#"/>
+</p:tagLst>
+</file>
+
+<file path=ppt/tags/tag44.xml><?xml version="1.0" encoding="utf-8"?>
+<p:tagLst xmlns:a="http://schemas.openxmlformats.org/drawingml/2006/main" xmlns:r="http://schemas.openxmlformats.org/officeDocument/2006/relationships" xmlns:p="http://schemas.openxmlformats.org/presentationml/2006/main">
+  <p:tag name="KSO_WM_UNIT_HIGHLIGHT" val="0"/>
+  <p:tag name="KSO_WM_UNIT_COMPATIBLE" val="0"/>
+  <p:tag name="KSO_WM_UNIT_DIAGRAM_ISNUMVISUAL" val="0"/>
+  <p:tag name="KSO_WM_UNIT_DIAGRAM_ISREFERUNIT" val="0"/>
+  <p:tag name="KSO_WM_UNIT_ID" val="_8**"/>
+  <p:tag name="KSO_WM_UNIT_LAYERLEVEL" val="1"/>
+  <p:tag name="KSO_WM_TAG_VERSION" val="1.0"/>
+  <p:tag name="KSO_WM_BEAUTIFY_FLAG" val="#wm#"/>
+</p:tagLst>
+</file>
+
+<file path=ppt/tags/tag45.xml><?xml version="1.0" encoding="utf-8"?>
+<p:tagLst xmlns:a="http://schemas.openxmlformats.org/drawingml/2006/main" xmlns:r="http://schemas.openxmlformats.org/officeDocument/2006/relationships" xmlns:p="http://schemas.openxmlformats.org/presentationml/2006/main">
+  <p:tag name="KSO_WM_UNIT_HIGHLIGHT" val="0"/>
+  <p:tag name="KSO_WM_UNIT_COMPATIBLE" val="0"/>
+  <p:tag name="KSO_WM_UNIT_DIAGRAM_ISNUMVISUAL" val="0"/>
+  <p:tag name="KSO_WM_UNIT_DIAGRAM_ISREFERUNIT" val="0"/>
+  <p:tag name="KSO_WM_UNIT_ID" val="_8**"/>
+  <p:tag name="KSO_WM_UNIT_LAYERLEVEL" val="1"/>
+  <p:tag name="KSO_WM_TAG_VERSION" val="1.0"/>
+  <p:tag name="KSO_WM_BEAUTIFY_FLAG" val="#wm#"/>
+</p:tagLst>
+</file>
+
+<file path=ppt/tags/tag46.xml><?xml version="1.0" encoding="utf-8"?>
+<p:tagLst xmlns:a="http://schemas.openxmlformats.org/drawingml/2006/main" xmlns:r="http://schemas.openxmlformats.org/officeDocument/2006/relationships" xmlns:p="http://schemas.openxmlformats.org/presentationml/2006/main">
+  <p:tag name="KSO_WM_UNIT_HIGHLIGHT" val="0"/>
+  <p:tag name="KSO_WM_UNIT_COMPATIBLE" val="0"/>
+  <p:tag name="KSO_WM_UNIT_DIAGRAM_ISNUMVISUAL" val="0"/>
+  <p:tag name="KSO_WM_UNIT_DIAGRAM_ISREFERUNIT" val="0"/>
+  <p:tag name="KSO_WM_UNIT_ID" val="_8**"/>
+  <p:tag name="KSO_WM_UNIT_LAYERLEVEL" val="1"/>
+  <p:tag name="KSO_WM_TAG_VERSION" val="1.0"/>
+  <p:tag name="KSO_WM_BEAUTIFY_FLAG" val="#wm#"/>
+</p:tagLst>
+</file>
+
+<file path=ppt/tags/tag47.xml><?xml version="1.0" encoding="utf-8"?>
+<p:tagLst xmlns:a="http://schemas.openxmlformats.org/drawingml/2006/main" xmlns:r="http://schemas.openxmlformats.org/officeDocument/2006/relationships" xmlns:p="http://schemas.openxmlformats.org/presentationml/2006/main">
+  <p:tag name="KSO_WM_UNIT_HIGHLIGHT" val="0"/>
+  <p:tag name="KSO_WM_UNIT_COMPATIBLE" val="0"/>
+  <p:tag name="KSO_WM_UNIT_DIAGRAM_ISNUMVISUAL" val="0"/>
+  <p:tag name="KSO_WM_UNIT_DIAGRAM_ISREFERUNIT" val="0"/>
+  <p:tag name="KSO_WM_UNIT_ID" val="_8**"/>
+  <p:tag name="KSO_WM_UNIT_LAYERLEVEL" val="1"/>
+  <p:tag name="KSO_WM_TAG_VERSION" val="1.0"/>
+  <p:tag name="KSO_WM_BEAUTIFY_FLAG" val="#wm#"/>
+</p:tagLst>
+</file>
+
+<file path=ppt/tags/tag48.xml><?xml version="1.0" encoding="utf-8"?>
+<p:tagLst xmlns:a="http://schemas.openxmlformats.org/drawingml/2006/main" xmlns:r="http://schemas.openxmlformats.org/officeDocument/2006/relationships" xmlns:p="http://schemas.openxmlformats.org/presentationml/2006/main">
+  <p:tag name="KSO_WM_UNIT_HIGHLIGHT" val="0"/>
+  <p:tag name="KSO_WM_UNIT_COMPATIBLE" val="0"/>
+  <p:tag name="KSO_WM_UNIT_DIAGRAM_ISNUMVISUAL" val="0"/>
+  <p:tag name="KSO_WM_UNIT_DIAGRAM_ISREFERUNIT" val="0"/>
+  <p:tag name="KSO_WM_UNIT_ID" val="_8**"/>
+  <p:tag name="KSO_WM_UNIT_LAYERLEVEL" val="1"/>
+  <p:tag name="KSO_WM_TAG_VERSION" val="1.0"/>
+  <p:tag name="KSO_WM_BEAUTIFY_FLAG" val="#wm#"/>
+</p:tagLst>
+</file>
+
+<file path=ppt/tags/tag49.xml><?xml version="1.0" encoding="utf-8"?>
+<p:tagLst xmlns:a="http://schemas.openxmlformats.org/drawingml/2006/main" xmlns:r="http://schemas.openxmlformats.org/officeDocument/2006/relationships" xmlns:p="http://schemas.openxmlformats.org/presentationml/2006/main">
+  <p:tag name="KSO_WM_UNIT_HIGHLIGHT" val="0"/>
+  <p:tag name="KSO_WM_UNIT_COMPATIBLE" val="0"/>
+  <p:tag name="KSO_WM_UNIT_DIAGRAM_ISNUMVISUAL" val="0"/>
+  <p:tag name="KSO_WM_UNIT_DIAGRAM_ISREFERUNIT" val="0"/>
+  <p:tag name="KSO_WM_UNIT_ID" val="_9**"/>
+  <p:tag name="KSO_WM_UNIT_LAYERLEVEL" val="1"/>
+  <p:tag name="KSO_WM_TAG_VERSION" val="1.0"/>
+  <p:tag name="KSO_WM_BEAUTIFY_FLAG" val="#wm#"/>
+</p:tagLst>
+</file>
+
+<file path=ppt/tags/tag5.xml><?xml version="1.0" encoding="utf-8"?>
+<p:tagLst xmlns:a="http://schemas.openxmlformats.org/drawingml/2006/main" xmlns:r="http://schemas.openxmlformats.org/officeDocument/2006/relationships" xmlns:p="http://schemas.openxmlformats.org/presentationml/2006/main">
   <p:tag name="KSO_WM_UNIT_HIGHLIGHT" val="0"/>
   <p:tag name="KSO_WM_UNIT_COMPATIBLE" val="0"/>
   <p:tag name="KSO_WM_UNIT_DIAGRAM_ISNUMVISUAL" val="0"/>
@@ -9985,8 +10451,138 @@
 </p:tagLst>
 </file>
 
-<file path=ppt/tags/tag62.xml><?xml version="1.0" encoding="utf-8"?>
-<p:tagLst xmlns:p="http://schemas.openxmlformats.org/presentationml/2006/main">
+<file path=ppt/tags/tag50.xml><?xml version="1.0" encoding="utf-8"?>
+<p:tagLst xmlns:a="http://schemas.openxmlformats.org/drawingml/2006/main" xmlns:r="http://schemas.openxmlformats.org/officeDocument/2006/relationships" xmlns:p="http://schemas.openxmlformats.org/presentationml/2006/main">
+  <p:tag name="KSO_WM_UNIT_HIGHLIGHT" val="0"/>
+  <p:tag name="KSO_WM_UNIT_COMPATIBLE" val="0"/>
+  <p:tag name="KSO_WM_UNIT_DIAGRAM_ISNUMVISUAL" val="0"/>
+  <p:tag name="KSO_WM_UNIT_DIAGRAM_ISREFERUNIT" val="0"/>
+  <p:tag name="KSO_WM_UNIT_ID" val="_9**"/>
+  <p:tag name="KSO_WM_UNIT_LAYERLEVEL" val="1"/>
+  <p:tag name="KSO_WM_TAG_VERSION" val="1.0"/>
+  <p:tag name="KSO_WM_BEAUTIFY_FLAG" val="#wm#"/>
+</p:tagLst>
+</file>
+
+<file path=ppt/tags/tag51.xml><?xml version="1.0" encoding="utf-8"?>
+<p:tagLst xmlns:a="http://schemas.openxmlformats.org/drawingml/2006/main" xmlns:r="http://schemas.openxmlformats.org/officeDocument/2006/relationships" xmlns:p="http://schemas.openxmlformats.org/presentationml/2006/main">
+  <p:tag name="KSO_WM_UNIT_HIGHLIGHT" val="0"/>
+  <p:tag name="KSO_WM_UNIT_COMPATIBLE" val="0"/>
+  <p:tag name="KSO_WM_UNIT_DIAGRAM_ISNUMVISUAL" val="0"/>
+  <p:tag name="KSO_WM_UNIT_DIAGRAM_ISREFERUNIT" val="0"/>
+  <p:tag name="KSO_WM_UNIT_ID" val="_9**"/>
+  <p:tag name="KSO_WM_UNIT_LAYERLEVEL" val="1"/>
+  <p:tag name="KSO_WM_TAG_VERSION" val="1.0"/>
+  <p:tag name="KSO_WM_BEAUTIFY_FLAG" val="#wm#"/>
+</p:tagLst>
+</file>
+
+<file path=ppt/tags/tag52.xml><?xml version="1.0" encoding="utf-8"?>
+<p:tagLst xmlns:a="http://schemas.openxmlformats.org/drawingml/2006/main" xmlns:r="http://schemas.openxmlformats.org/officeDocument/2006/relationships" xmlns:p="http://schemas.openxmlformats.org/presentationml/2006/main">
+  <p:tag name="KSO_WM_UNIT_HIGHLIGHT" val="0"/>
+  <p:tag name="KSO_WM_UNIT_COMPATIBLE" val="0"/>
+  <p:tag name="KSO_WM_UNIT_DIAGRAM_ISNUMVISUAL" val="0"/>
+  <p:tag name="KSO_WM_UNIT_DIAGRAM_ISREFERUNIT" val="0"/>
+  <p:tag name="KSO_WM_UNIT_ID" val="_9**"/>
+  <p:tag name="KSO_WM_UNIT_LAYERLEVEL" val="1"/>
+  <p:tag name="KSO_WM_TAG_VERSION" val="1.0"/>
+  <p:tag name="KSO_WM_BEAUTIFY_FLAG" val="#wm#"/>
+</p:tagLst>
+</file>
+
+<file path=ppt/tags/tag53.xml><?xml version="1.0" encoding="utf-8"?>
+<p:tagLst xmlns:a="http://schemas.openxmlformats.org/drawingml/2006/main" xmlns:r="http://schemas.openxmlformats.org/officeDocument/2006/relationships" xmlns:p="http://schemas.openxmlformats.org/presentationml/2006/main">
+  <p:tag name="KSO_WM_UNIT_HIGHLIGHT" val="0"/>
+  <p:tag name="KSO_WM_UNIT_COMPATIBLE" val="0"/>
+  <p:tag name="KSO_WM_UNIT_DIAGRAM_ISNUMVISUAL" val="0"/>
+  <p:tag name="KSO_WM_UNIT_DIAGRAM_ISREFERUNIT" val="0"/>
+  <p:tag name="KSO_WM_UNIT_ID" val="_9**"/>
+  <p:tag name="KSO_WM_UNIT_LAYERLEVEL" val="1"/>
+  <p:tag name="KSO_WM_TAG_VERSION" val="1.0"/>
+  <p:tag name="KSO_WM_BEAUTIFY_FLAG" val="#wm#"/>
+</p:tagLst>
+</file>
+
+<file path=ppt/tags/tag54.xml><?xml version="1.0" encoding="utf-8"?>
+<p:tagLst xmlns:a="http://schemas.openxmlformats.org/drawingml/2006/main" xmlns:r="http://schemas.openxmlformats.org/officeDocument/2006/relationships" xmlns:p="http://schemas.openxmlformats.org/presentationml/2006/main">
+  <p:tag name="KSO_WM_UNIT_HIGHLIGHT" val="0"/>
+  <p:tag name="KSO_WM_UNIT_COMPATIBLE" val="0"/>
+  <p:tag name="KSO_WM_UNIT_DIAGRAM_ISNUMVISUAL" val="0"/>
+  <p:tag name="KSO_WM_UNIT_DIAGRAM_ISREFERUNIT" val="0"/>
+  <p:tag name="KSO_WM_UNIT_ID" val="_10**"/>
+  <p:tag name="KSO_WM_UNIT_LAYERLEVEL" val="1"/>
+  <p:tag name="KSO_WM_TAG_VERSION" val="1.0"/>
+  <p:tag name="KSO_WM_BEAUTIFY_FLAG" val="#wm#"/>
+</p:tagLst>
+</file>
+
+<file path=ppt/tags/tag55.xml><?xml version="1.0" encoding="utf-8"?>
+<p:tagLst xmlns:a="http://schemas.openxmlformats.org/drawingml/2006/main" xmlns:r="http://schemas.openxmlformats.org/officeDocument/2006/relationships" xmlns:p="http://schemas.openxmlformats.org/presentationml/2006/main">
+  <p:tag name="KSO_WM_UNIT_HIGHLIGHT" val="0"/>
+  <p:tag name="KSO_WM_UNIT_COMPATIBLE" val="0"/>
+  <p:tag name="KSO_WM_UNIT_DIAGRAM_ISNUMVISUAL" val="0"/>
+  <p:tag name="KSO_WM_UNIT_DIAGRAM_ISREFERUNIT" val="0"/>
+  <p:tag name="KSO_WM_UNIT_ID" val="_10**"/>
+  <p:tag name="KSO_WM_UNIT_LAYERLEVEL" val="1"/>
+  <p:tag name="KSO_WM_TAG_VERSION" val="1.0"/>
+  <p:tag name="KSO_WM_BEAUTIFY_FLAG" val="#wm#"/>
+</p:tagLst>
+</file>
+
+<file path=ppt/tags/tag56.xml><?xml version="1.0" encoding="utf-8"?>
+<p:tagLst xmlns:a="http://schemas.openxmlformats.org/drawingml/2006/main" xmlns:r="http://schemas.openxmlformats.org/officeDocument/2006/relationships" xmlns:p="http://schemas.openxmlformats.org/presentationml/2006/main">
+  <p:tag name="KSO_WM_UNIT_HIGHLIGHT" val="0"/>
+  <p:tag name="KSO_WM_UNIT_COMPATIBLE" val="0"/>
+  <p:tag name="KSO_WM_UNIT_DIAGRAM_ISNUMVISUAL" val="0"/>
+  <p:tag name="KSO_WM_UNIT_DIAGRAM_ISREFERUNIT" val="0"/>
+  <p:tag name="KSO_WM_UNIT_ID" val="_10**"/>
+  <p:tag name="KSO_WM_UNIT_LAYERLEVEL" val="1"/>
+  <p:tag name="KSO_WM_TAG_VERSION" val="1.0"/>
+  <p:tag name="KSO_WM_BEAUTIFY_FLAG" val="#wm#"/>
+</p:tagLst>
+</file>
+
+<file path=ppt/tags/tag57.xml><?xml version="1.0" encoding="utf-8"?>
+<p:tagLst xmlns:a="http://schemas.openxmlformats.org/drawingml/2006/main" xmlns:r="http://schemas.openxmlformats.org/officeDocument/2006/relationships" xmlns:p="http://schemas.openxmlformats.org/presentationml/2006/main">
+  <p:tag name="KSO_WM_UNIT_HIGHLIGHT" val="0"/>
+  <p:tag name="KSO_WM_UNIT_COMPATIBLE" val="0"/>
+  <p:tag name="KSO_WM_UNIT_DIAGRAM_ISNUMVISUAL" val="0"/>
+  <p:tag name="KSO_WM_UNIT_DIAGRAM_ISREFERUNIT" val="0"/>
+  <p:tag name="KSO_WM_UNIT_ID" val="_10**"/>
+  <p:tag name="KSO_WM_UNIT_LAYERLEVEL" val="1"/>
+  <p:tag name="KSO_WM_TAG_VERSION" val="1.0"/>
+  <p:tag name="KSO_WM_BEAUTIFY_FLAG" val="#wm#"/>
+</p:tagLst>
+</file>
+
+<file path=ppt/tags/tag58.xml><?xml version="1.0" encoding="utf-8"?>
+<p:tagLst xmlns:a="http://schemas.openxmlformats.org/drawingml/2006/main" xmlns:r="http://schemas.openxmlformats.org/officeDocument/2006/relationships" xmlns:p="http://schemas.openxmlformats.org/presentationml/2006/main">
+  <p:tag name="KSO_WM_UNIT_HIGHLIGHT" val="0"/>
+  <p:tag name="KSO_WM_UNIT_COMPATIBLE" val="0"/>
+  <p:tag name="KSO_WM_UNIT_DIAGRAM_ISNUMVISUAL" val="0"/>
+  <p:tag name="KSO_WM_UNIT_DIAGRAM_ISREFERUNIT" val="0"/>
+  <p:tag name="KSO_WM_UNIT_ID" val="_11**"/>
+  <p:tag name="KSO_WM_UNIT_LAYERLEVEL" val="1"/>
+  <p:tag name="KSO_WM_TAG_VERSION" val="1.0"/>
+  <p:tag name="KSO_WM_BEAUTIFY_FLAG" val="#wm#"/>
+</p:tagLst>
+</file>
+
+<file path=ppt/tags/tag59.xml><?xml version="1.0" encoding="utf-8"?>
+<p:tagLst xmlns:a="http://schemas.openxmlformats.org/drawingml/2006/main" xmlns:r="http://schemas.openxmlformats.org/officeDocument/2006/relationships" xmlns:p="http://schemas.openxmlformats.org/presentationml/2006/main">
+  <p:tag name="KSO_WM_UNIT_HIGHLIGHT" val="0"/>
+  <p:tag name="KSO_WM_UNIT_COMPATIBLE" val="0"/>
+  <p:tag name="KSO_WM_UNIT_DIAGRAM_ISNUMVISUAL" val="0"/>
+  <p:tag name="KSO_WM_UNIT_DIAGRAM_ISREFERUNIT" val="0"/>
+  <p:tag name="KSO_WM_UNIT_ID" val="_11**"/>
+  <p:tag name="KSO_WM_UNIT_LAYERLEVEL" val="1"/>
+  <p:tag name="KSO_WM_TAG_VERSION" val="1.0"/>
+  <p:tag name="KSO_WM_BEAUTIFY_FLAG" val="#wm#"/>
+</p:tagLst>
+</file>
+
+<file path=ppt/tags/tag6.xml><?xml version="1.0" encoding="utf-8"?>
+<p:tagLst xmlns:a="http://schemas.openxmlformats.org/drawingml/2006/main" xmlns:r="http://schemas.openxmlformats.org/officeDocument/2006/relationships" xmlns:p="http://schemas.openxmlformats.org/presentationml/2006/main">
   <p:tag name="KSO_WM_TEMPLATE_THUMBS_INDEX" val="1、4、7、12、13、14、15、16、17、18、20、24、25、28、33、36、40、43、44"/>
   <p:tag name="KSO_WM_TEMPLATE_SUBCATEGORY" val="19"/>
   <p:tag name="KSO_WM_TAG_VERSION" val="1.0"/>
@@ -9999,8 +10595,68 @@
 </p:tagLst>
 </file>
 
+<file path=ppt/tags/tag60.xml><?xml version="1.0" encoding="utf-8"?>
+<p:tagLst xmlns:a="http://schemas.openxmlformats.org/drawingml/2006/main" xmlns:r="http://schemas.openxmlformats.org/officeDocument/2006/relationships" xmlns:p="http://schemas.openxmlformats.org/presentationml/2006/main">
+  <p:tag name="KSO_WM_UNIT_HIGHLIGHT" val="0"/>
+  <p:tag name="KSO_WM_UNIT_COMPATIBLE" val="0"/>
+  <p:tag name="KSO_WM_UNIT_DIAGRAM_ISNUMVISUAL" val="0"/>
+  <p:tag name="KSO_WM_UNIT_DIAGRAM_ISREFERUNIT" val="0"/>
+  <p:tag name="KSO_WM_UNIT_ID" val="_11**"/>
+  <p:tag name="KSO_WM_UNIT_LAYERLEVEL" val="1"/>
+  <p:tag name="KSO_WM_TAG_VERSION" val="1.0"/>
+  <p:tag name="KSO_WM_BEAUTIFY_FLAG" val="#wm#"/>
+</p:tagLst>
+</file>
+
+<file path=ppt/tags/tag61.xml><?xml version="1.0" encoding="utf-8"?>
+<p:tagLst xmlns:a="http://schemas.openxmlformats.org/drawingml/2006/main" xmlns:r="http://schemas.openxmlformats.org/officeDocument/2006/relationships" xmlns:p="http://schemas.openxmlformats.org/presentationml/2006/main">
+  <p:tag name="KSO_WM_UNIT_HIGHLIGHT" val="0"/>
+  <p:tag name="KSO_WM_UNIT_COMPATIBLE" val="0"/>
+  <p:tag name="KSO_WM_UNIT_DIAGRAM_ISNUMVISUAL" val="0"/>
+  <p:tag name="KSO_WM_UNIT_DIAGRAM_ISREFERUNIT" val="0"/>
+  <p:tag name="KSO_WM_UNIT_ID" val="_11**"/>
+  <p:tag name="KSO_WM_UNIT_LAYERLEVEL" val="1"/>
+  <p:tag name="KSO_WM_TAG_VERSION" val="1.0"/>
+  <p:tag name="KSO_WM_BEAUTIFY_FLAG" val="#wm#"/>
+</p:tagLst>
+</file>
+
+<file path=ppt/tags/tag62.xml><?xml version="1.0" encoding="utf-8"?>
+<p:tagLst xmlns:a="http://schemas.openxmlformats.org/drawingml/2006/main" xmlns:r="http://schemas.openxmlformats.org/officeDocument/2006/relationships" xmlns:p="http://schemas.openxmlformats.org/presentationml/2006/main">
+  <p:tag name="KSO_WM_UNIT_HIGHLIGHT" val="0"/>
+  <p:tag name="KSO_WM_UNIT_COMPATIBLE" val="0"/>
+  <p:tag name="KSO_WM_UNIT_DIAGRAM_ISNUMVISUAL" val="0"/>
+  <p:tag name="KSO_WM_UNIT_DIAGRAM_ISREFERUNIT" val="0"/>
+  <p:tag name="KSO_WM_UNIT_ID" val="_11**"/>
+  <p:tag name="KSO_WM_UNIT_LAYERLEVEL" val="1"/>
+  <p:tag name="KSO_WM_TAG_VERSION" val="1.0"/>
+  <p:tag name="KSO_WM_BEAUTIFY_FLAG" val="#wm#"/>
+</p:tagLst>
+</file>
+
 <file path=ppt/tags/tag63.xml><?xml version="1.0" encoding="utf-8"?>
-<p:tagLst xmlns:p="http://schemas.openxmlformats.org/presentationml/2006/main">
+<p:tagLst xmlns:a="http://schemas.openxmlformats.org/drawingml/2006/main" xmlns:r="http://schemas.openxmlformats.org/officeDocument/2006/relationships" xmlns:p="http://schemas.openxmlformats.org/presentationml/2006/main">
+  <p:tag name="KSO_WM_SLIDE_ID" val="custom20205176_1"/>
+  <p:tag name="KSO_WM_TEMPLATE_SUBCATEGORY" val="19"/>
+  <p:tag name="KSO_WM_TEMPLATE_MASTER_TYPE" val="0"/>
+  <p:tag name="KSO_WM_TEMPLATE_COLOR_TYPE" val="1"/>
+  <p:tag name="KSO_WM_SLIDE_TYPE" val="title"/>
+  <p:tag name="KSO_WM_SLIDE_SUBTYPE" val="defaultBlank"/>
+  <p:tag name="KSO_WM_SLIDE_ITEM_CNT" val="0"/>
+  <p:tag name="KSO_WM_SLIDE_INDEX" val="1"/>
+  <p:tag name="KSO_WM_TAG_VERSION" val="1.0"/>
+  <p:tag name="KSO_WM_BEAUTIFY_FLAG" val="#wm#"/>
+  <p:tag name="KSO_WM_TEMPLATE_CATEGORY" val="custom"/>
+  <p:tag name="KSO_WM_TEMPLATE_INDEX" val="20205176"/>
+  <p:tag name="KSO_WM_SLIDE_LAYOUT" val="a_b"/>
+  <p:tag name="KSO_WM_SLIDE_LAYOUT_CNT" val="1_1"/>
+  <p:tag name="KSO_WM_UNIT_SHOW_EDIT_AREA_INDICATION" val="1"/>
+  <p:tag name="KSO_WM_TEMPLATE_THUMBS_INDEX" val="1、4、7、12、13、14、15、16、17、18、20、24、25、28、33、36、40、43、44"/>
+</p:tagLst>
+</file>
+
+<file path=ppt/tags/tag64.xml><?xml version="1.0" encoding="utf-8"?>
+<p:tagLst xmlns:a="http://schemas.openxmlformats.org/drawingml/2006/main" xmlns:r="http://schemas.openxmlformats.org/officeDocument/2006/relationships" xmlns:p="http://schemas.openxmlformats.org/presentationml/2006/main">
   <p:tag name="KSO_WM_UNIT_ISCONTENTSTITLE" val="0"/>
   <p:tag name="KSO_WM_UNIT_ISNUMDGMTITLE" val="0"/>
   <p:tag name="KSO_WM_UNIT_PRESET_TEXT" val="空白演示"/>
@@ -10022,8 +10678,8 @@
 </p:tagLst>
 </file>
 
-<file path=ppt/tags/tag64.xml><?xml version="1.0" encoding="utf-8"?>
-<p:tagLst xmlns:p="http://schemas.openxmlformats.org/presentationml/2006/main">
+<file path=ppt/tags/tag65.xml><?xml version="1.0" encoding="utf-8"?>
+<p:tagLst xmlns:a="http://schemas.openxmlformats.org/drawingml/2006/main" xmlns:r="http://schemas.openxmlformats.org/officeDocument/2006/relationships" xmlns:p="http://schemas.openxmlformats.org/presentationml/2006/main">
   <p:tag name="KSO_WM_UNIT_ISCONTENTSTITLE" val="0"/>
   <p:tag name="KSO_WM_UNIT_ISNUMDGMTITLE" val="0"/>
   <p:tag name="KSO_WM_UNIT_PRESET_TEXT" val="单击输入您的封面副标题"/>
@@ -10045,29 +10701,8 @@
 </p:tagLst>
 </file>
 
-<file path=ppt/tags/tag65.xml><?xml version="1.0" encoding="utf-8"?>
-<p:tagLst xmlns:p="http://schemas.openxmlformats.org/presentationml/2006/main">
-  <p:tag name="KSO_WM_SLIDE_ID" val="custom20205176_1"/>
-  <p:tag name="KSO_WM_TEMPLATE_SUBCATEGORY" val="19"/>
-  <p:tag name="KSO_WM_TEMPLATE_MASTER_TYPE" val="0"/>
-  <p:tag name="KSO_WM_TEMPLATE_COLOR_TYPE" val="1"/>
-  <p:tag name="KSO_WM_SLIDE_TYPE" val="title"/>
-  <p:tag name="KSO_WM_SLIDE_SUBTYPE" val="defaultBlank"/>
-  <p:tag name="KSO_WM_SLIDE_ITEM_CNT" val="0"/>
-  <p:tag name="KSO_WM_SLIDE_INDEX" val="1"/>
-  <p:tag name="KSO_WM_TAG_VERSION" val="1.0"/>
-  <p:tag name="KSO_WM_BEAUTIFY_FLAG" val="#wm#"/>
-  <p:tag name="KSO_WM_TEMPLATE_CATEGORY" val="custom"/>
-  <p:tag name="KSO_WM_TEMPLATE_INDEX" val="20205176"/>
-  <p:tag name="KSO_WM_SLIDE_LAYOUT" val="a_b"/>
-  <p:tag name="KSO_WM_SLIDE_LAYOUT_CNT" val="1_1"/>
-  <p:tag name="KSO_WM_UNIT_SHOW_EDIT_AREA_INDICATION" val="1"/>
-  <p:tag name="KSO_WM_TEMPLATE_THUMBS_INDEX" val="1、4、7、12、13、14、15、16、17、18、20、24、25、28、33、36、40、43、44"/>
-</p:tagLst>
-</file>
-
 <file path=ppt/tags/tag66.xml><?xml version="1.0" encoding="utf-8"?>
-<p:tagLst xmlns:p="http://schemas.openxmlformats.org/presentationml/2006/main">
+<p:tagLst xmlns:a="http://schemas.openxmlformats.org/drawingml/2006/main" xmlns:r="http://schemas.openxmlformats.org/officeDocument/2006/relationships" xmlns:p="http://schemas.openxmlformats.org/presentationml/2006/main">
   <p:tag name="KSO_WM_BEAUTIFY_FLAG" val="#wm#"/>
   <p:tag name="KSO_WM_TEMPLATE_CATEGORY" val="custom"/>
   <p:tag name="KSO_WM_TEMPLATE_INDEX" val="20205176"/>
@@ -10075,12 +10710,12 @@
 </file>
 
 <file path=ppt/tags/tag7.xml><?xml version="1.0" encoding="utf-8"?>
-<p:tagLst xmlns:p="http://schemas.openxmlformats.org/presentationml/2006/main">
+<p:tagLst xmlns:a="http://schemas.openxmlformats.org/drawingml/2006/main" xmlns:r="http://schemas.openxmlformats.org/officeDocument/2006/relationships" xmlns:p="http://schemas.openxmlformats.org/presentationml/2006/main">
   <p:tag name="KSO_WM_UNIT_HIGHLIGHT" val="0"/>
   <p:tag name="KSO_WM_UNIT_COMPATIBLE" val="0"/>
   <p:tag name="KSO_WM_UNIT_DIAGRAM_ISNUMVISUAL" val="0"/>
   <p:tag name="KSO_WM_UNIT_DIAGRAM_ISREFERUNIT" val="0"/>
-  <p:tag name="KSO_WM_UNIT_ID" val="_2**"/>
+  <p:tag name="KSO_WM_UNIT_ID" val="_1**"/>
   <p:tag name="KSO_WM_UNIT_LAYERLEVEL" val="1"/>
   <p:tag name="KSO_WM_TAG_VERSION" val="1.0"/>
   <p:tag name="KSO_WM_BEAUTIFY_FLAG" val="#wm#"/>
@@ -10088,12 +10723,12 @@
 </file>
 
 <file path=ppt/tags/tag8.xml><?xml version="1.0" encoding="utf-8"?>
-<p:tagLst xmlns:p="http://schemas.openxmlformats.org/presentationml/2006/main">
+<p:tagLst xmlns:a="http://schemas.openxmlformats.org/drawingml/2006/main" xmlns:r="http://schemas.openxmlformats.org/officeDocument/2006/relationships" xmlns:p="http://schemas.openxmlformats.org/presentationml/2006/main">
   <p:tag name="KSO_WM_UNIT_HIGHLIGHT" val="0"/>
   <p:tag name="KSO_WM_UNIT_COMPATIBLE" val="0"/>
   <p:tag name="KSO_WM_UNIT_DIAGRAM_ISNUMVISUAL" val="0"/>
   <p:tag name="KSO_WM_UNIT_DIAGRAM_ISREFERUNIT" val="0"/>
-  <p:tag name="KSO_WM_UNIT_ID" val="_2**"/>
+  <p:tag name="KSO_WM_UNIT_ID" val="_1**"/>
   <p:tag name="KSO_WM_UNIT_LAYERLEVEL" val="1"/>
   <p:tag name="KSO_WM_TAG_VERSION" val="1.0"/>
   <p:tag name="KSO_WM_BEAUTIFY_FLAG" val="#wm#"/>
@@ -10101,12 +10736,12 @@
 </file>
 
 <file path=ppt/tags/tag9.xml><?xml version="1.0" encoding="utf-8"?>
-<p:tagLst xmlns:p="http://schemas.openxmlformats.org/presentationml/2006/main">
+<p:tagLst xmlns:a="http://schemas.openxmlformats.org/drawingml/2006/main" xmlns:r="http://schemas.openxmlformats.org/officeDocument/2006/relationships" xmlns:p="http://schemas.openxmlformats.org/presentationml/2006/main">
   <p:tag name="KSO_WM_UNIT_HIGHLIGHT" val="0"/>
   <p:tag name="KSO_WM_UNIT_COMPATIBLE" val="0"/>
   <p:tag name="KSO_WM_UNIT_DIAGRAM_ISNUMVISUAL" val="0"/>
   <p:tag name="KSO_WM_UNIT_DIAGRAM_ISREFERUNIT" val="0"/>
-  <p:tag name="KSO_WM_UNIT_ID" val="_2**"/>
+  <p:tag name="KSO_WM_UNIT_ID" val="_1**"/>
   <p:tag name="KSO_WM_UNIT_LAYERLEVEL" val="1"/>
   <p:tag name="KSO_WM_TAG_VERSION" val="1.0"/>
   <p:tag name="KSO_WM_BEAUTIFY_FLAG" val="#wm#"/>
@@ -10304,6 +10939,8 @@
       </a:bgFillStyleLst>
     </a:fmtScheme>
   </a:themeElements>
+  <a:objectDefaults/>
+  <a:extraClrSchemeLst/>
   <a:extLst>
     <a:ext uri="{05A4C25C-085E-4340-85A3-A5531E510DB2}">
       <thm15:themeFamily xmlns:thm15="http://schemas.microsoft.com/office/thememl/2012/main" name="Office Theme" id="{62F939B6-93AF-4DB8-9C6B-D6C7DFDC589F}" vid="{4A3C46E8-61CC-4603-A589-7422A47A8E4A}"/>
@@ -10563,6 +11200,8 @@
       </a:bgFillStyleLst>
     </a:fmtScheme>
   </a:themeElements>
+  <a:objectDefaults/>
+  <a:extraClrSchemeLst/>
   <a:extLst>
     <a:ext uri="{05A4C25C-085E-4340-85A3-A5531E510DB2}">
       <thm15:themeFamily xmlns:thm15="http://schemas.microsoft.com/office/thememl/2012/main" name="Office Theme" id="{62F939B6-93AF-4DB8-9C6B-D6C7DFDC589F}" vid="{4A3C46E8-61CC-4603-A589-7422A47A8E4A}"/>
@@ -10822,6 +11461,8 @@
       </a:bgFillStyleLst>
     </a:fmtScheme>
   </a:themeElements>
+  <a:objectDefaults/>
+  <a:extraClrSchemeLst/>
   <a:extLst>
     <a:ext uri="{05A4C25C-085E-4340-85A3-A5531E510DB2}">
       <thm15:themeFamily xmlns:thm15="http://schemas.microsoft.com/office/thememl/2012/main" name="Office Theme" id="{62F939B6-93AF-4DB8-9C6B-D6C7DFDC589F}" vid="{4A3C46E8-61CC-4603-A589-7422A47A8E4A}"/>

--- a/md/软件质量保证插图集合.pptx
+++ b/md/软件质量保证插图集合.pptx
@@ -5,10 +5,10 @@
     <p:sldMasterId id="2147483648" r:id="rId1"/>
   </p:sldMasterIdLst>
   <p:notesMasterIdLst>
-    <p:notesMasterId r:id="rId9"/>
+    <p:notesMasterId r:id="rId10"/>
   </p:notesMasterIdLst>
   <p:handoutMasterIdLst>
-    <p:handoutMasterId r:id="rId10"/>
+    <p:handoutMasterId r:id="rId11"/>
   </p:handoutMasterIdLst>
   <p:sldIdLst>
     <p:sldId id="409" r:id="rId2"/>
@@ -18,6 +18,7 @@
     <p:sldId id="413" r:id="rId6"/>
     <p:sldId id="417" r:id="rId7"/>
     <p:sldId id="418" r:id="rId8"/>
+    <p:sldId id="419" r:id="rId9"/>
   </p:sldIdLst>
   <p:sldSz cx="12192000" cy="6858000"/>
   <p:notesSz cx="6858000" cy="9144000"/>
@@ -1278,6 +1279,13 @@
         </dgm:presLayoutVars>
       </dgm:prSet>
       <dgm:spPr/>
+      <dgm:t>
+        <a:bodyPr/>
+        <a:lstStyle/>
+        <a:p>
+          <a:endParaRPr lang="zh-CN" altLang="en-US"/>
+        </a:p>
+      </dgm:t>
     </dgm:pt>
     <dgm:pt modelId="{F7976CE6-B912-4932-9062-8BBB5A1CC600}" type="pres">
       <dgm:prSet presAssocID="{8CA7BF02-4ADE-426E-8CD1-F1ADC3C7113B}" presName="vertOne" presStyleCnt="0"/>
@@ -1317,6 +1325,13 @@
         </dgm:presLayoutVars>
       </dgm:prSet>
       <dgm:spPr/>
+      <dgm:t>
+        <a:bodyPr/>
+        <a:lstStyle/>
+        <a:p>
+          <a:endParaRPr lang="zh-CN" altLang="en-US"/>
+        </a:p>
+      </dgm:t>
     </dgm:pt>
     <dgm:pt modelId="{092D3639-6678-497B-8B46-863E03F24DDA}" type="pres">
       <dgm:prSet presAssocID="{A20A9437-1BE0-40B6-8D84-195F33A9BDB1}" presName="parTransTwo" presStyleCnt="0"/>
@@ -1337,6 +1352,13 @@
         </dgm:presLayoutVars>
       </dgm:prSet>
       <dgm:spPr/>
+      <dgm:t>
+        <a:bodyPr/>
+        <a:lstStyle/>
+        <a:p>
+          <a:endParaRPr lang="zh-CN" altLang="en-US"/>
+        </a:p>
+      </dgm:t>
     </dgm:pt>
     <dgm:pt modelId="{A017BA8B-6EAD-4BEE-B204-2940B4CE77AB}" type="pres">
       <dgm:prSet presAssocID="{7B60E03B-6426-4478-BB80-8B23E44A820D}" presName="horzThree" presStyleCnt="0"/>
@@ -1357,6 +1379,13 @@
         </dgm:presLayoutVars>
       </dgm:prSet>
       <dgm:spPr/>
+      <dgm:t>
+        <a:bodyPr/>
+        <a:lstStyle/>
+        <a:p>
+          <a:endParaRPr lang="zh-CN" altLang="en-US"/>
+        </a:p>
+      </dgm:t>
     </dgm:pt>
     <dgm:pt modelId="{877D592D-086C-4FC9-B9DD-717CAC495BE0}" type="pres">
       <dgm:prSet presAssocID="{EE83B8A6-63A8-4AB8-96C9-C981E03E509B}" presName="parTransTwo" presStyleCnt="0"/>
@@ -1404,6 +1433,13 @@
         </dgm:presLayoutVars>
       </dgm:prSet>
       <dgm:spPr/>
+      <dgm:t>
+        <a:bodyPr/>
+        <a:lstStyle/>
+        <a:p>
+          <a:endParaRPr lang="zh-CN" altLang="en-US"/>
+        </a:p>
+      </dgm:t>
     </dgm:pt>
     <dgm:pt modelId="{3EC9291C-2610-4320-9975-FEB569A380FF}" type="pres">
       <dgm:prSet presAssocID="{EA23282B-011D-47FB-97FA-06F233B06110}" presName="horzThree" presStyleCnt="0"/>
@@ -1451,6 +1487,13 @@
         </dgm:presLayoutVars>
       </dgm:prSet>
       <dgm:spPr/>
+      <dgm:t>
+        <a:bodyPr/>
+        <a:lstStyle/>
+        <a:p>
+          <a:endParaRPr lang="zh-CN" altLang="en-US"/>
+        </a:p>
+      </dgm:t>
     </dgm:pt>
     <dgm:pt modelId="{CFF188F0-D8E0-48DE-9DB9-5E0D10123429}" type="pres">
       <dgm:prSet presAssocID="{8603B0FA-6F59-439B-91B1-AF4623B2DDEA}" presName="parTransTwo" presStyleCnt="0"/>
@@ -3926,7 +3969,7 @@
                 <a:latin typeface="微软雅黑" panose="020B0503020204020204" pitchFamily="34" charset="-122"/>
                 <a:ea typeface="微软雅黑" panose="020B0503020204020204" pitchFamily="34" charset="-122"/>
               </a:rPr>
-              <a:t>2020/6/11</a:t>
+              <a:t>2020/6/12</a:t>
             </a:fld>
             <a:endParaRPr lang="zh-CN" altLang="en-US">
               <a:latin typeface="微软雅黑" panose="020B0503020204020204" pitchFamily="34" charset="-122"/>
@@ -4109,7 +4152,7 @@
           <a:p>
             <a:fld id="{1AC49D05-6128-4D0D-A32A-06A5E73B386C}" type="datetimeFigureOut">
               <a:rPr lang="zh-CN" altLang="en-US" smtClean="0"/>
-              <a:t>2020/6/11</a:t>
+              <a:t>2020/6/12</a:t>
             </a:fld>
             <a:endParaRPr lang="zh-CN" altLang="en-US"/>
           </a:p>
@@ -4543,7 +4586,7 @@
           <a:p>
             <a:fld id="{760FBDFE-C587-4B4C-A407-44438C67B59E}" type="datetimeFigureOut">
               <a:rPr lang="zh-CN" altLang="en-US" smtClean="0"/>
-              <a:t>2020/6/11</a:t>
+              <a:t>2020/6/12</a:t>
             </a:fld>
             <a:endParaRPr lang="zh-CN" altLang="en-US"/>
           </a:p>
@@ -4642,7 +4685,7 @@
           <a:p>
             <a:fld id="{760FBDFE-C587-4B4C-A407-44438C67B59E}" type="datetimeFigureOut">
               <a:rPr lang="zh-CN" altLang="en-US" smtClean="0"/>
-              <a:t>2020/6/11</a:t>
+              <a:t>2020/6/12</a:t>
             </a:fld>
             <a:endParaRPr lang="zh-CN" altLang="en-US"/>
           </a:p>
@@ -4876,7 +4919,7 @@
           <a:p>
             <a:fld id="{760FBDFE-C587-4B4C-A407-44438C67B59E}" type="datetimeFigureOut">
               <a:rPr lang="zh-CN" altLang="en-US" smtClean="0"/>
-              <a:t>2020/6/11</a:t>
+              <a:t>2020/6/12</a:t>
             </a:fld>
             <a:endParaRPr lang="zh-CN" altLang="en-US"/>
           </a:p>
@@ -5303,7 +5346,7 @@
           <a:p>
             <a:fld id="{760FBDFE-C587-4B4C-A407-44438C67B59E}" type="datetimeFigureOut">
               <a:rPr lang="zh-CN" altLang="en-US" smtClean="0"/>
-              <a:t>2020/6/11</a:t>
+              <a:t>2020/6/12</a:t>
             </a:fld>
             <a:endParaRPr lang="zh-CN" altLang="en-US"/>
           </a:p>
@@ -5580,7 +5623,7 @@
           <a:p>
             <a:fld id="{760FBDFE-C587-4B4C-A407-44438C67B59E}" type="datetimeFigureOut">
               <a:rPr lang="zh-CN" altLang="en-US" smtClean="0"/>
-              <a:t>2020/6/11</a:t>
+              <a:t>2020/6/12</a:t>
             </a:fld>
             <a:endParaRPr lang="zh-CN" altLang="en-US"/>
           </a:p>
@@ -6066,7 +6109,7 @@
           <a:p>
             <a:fld id="{760FBDFE-C587-4B4C-A407-44438C67B59E}" type="datetimeFigureOut">
               <a:rPr lang="zh-CN" altLang="en-US" smtClean="0"/>
-              <a:t>2020/6/11</a:t>
+              <a:t>2020/6/12</a:t>
             </a:fld>
             <a:endParaRPr lang="zh-CN" altLang="en-US"/>
           </a:p>
@@ -6792,7 +6835,7 @@
           <a:p>
             <a:fld id="{760FBDFE-C587-4B4C-A407-44438C67B59E}" type="datetimeFigureOut">
               <a:rPr lang="zh-CN" altLang="en-US" smtClean="0"/>
-              <a:t>2020/6/11</a:t>
+              <a:t>2020/6/12</a:t>
             </a:fld>
             <a:endParaRPr lang="zh-CN" altLang="en-US"/>
           </a:p>
@@ -6946,7 +6989,7 @@
           <a:p>
             <a:fld id="{760FBDFE-C587-4B4C-A407-44438C67B59E}" type="datetimeFigureOut">
               <a:rPr lang="zh-CN" altLang="en-US" smtClean="0"/>
-              <a:t>2020/6/11</a:t>
+              <a:t>2020/6/12</a:t>
             </a:fld>
             <a:endParaRPr lang="zh-CN" altLang="en-US"/>
           </a:p>
@@ -7045,7 +7088,7 @@
           <a:p>
             <a:fld id="{760FBDFE-C587-4B4C-A407-44438C67B59E}" type="datetimeFigureOut">
               <a:rPr lang="zh-CN" altLang="en-US" smtClean="0"/>
-              <a:t>2020/6/11</a:t>
+              <a:t>2020/6/12</a:t>
             </a:fld>
             <a:endParaRPr lang="zh-CN" altLang="en-US"/>
           </a:p>
@@ -7360,7 +7403,7 @@
           <a:p>
             <a:fld id="{9EFD9D74-47D9-4702-A33C-335B63B48DBF}" type="datetimeFigureOut">
               <a:rPr lang="zh-CN" altLang="en-US" smtClean="0"/>
-              <a:t>2020/6/11</a:t>
+              <a:t>2020/6/12</a:t>
             </a:fld>
             <a:endParaRPr lang="zh-CN" altLang="en-US" dirty="0"/>
           </a:p>
@@ -7691,7 +7734,7 @@
           <a:p>
             <a:fld id="{760FBDFE-C587-4B4C-A407-44438C67B59E}" type="datetimeFigureOut">
               <a:rPr lang="zh-CN" altLang="en-US" smtClean="0"/>
-              <a:t>2020/6/11</a:t>
+              <a:t>2020/6/12</a:t>
             </a:fld>
             <a:endParaRPr lang="zh-CN" altLang="en-US"/>
           </a:p>
@@ -7929,7 +7972,7 @@
           <a:p>
             <a:fld id="{760FBDFE-C587-4B4C-A407-44438C67B59E}" type="datetimeFigureOut">
               <a:rPr lang="zh-CN" altLang="en-US" smtClean="0"/>
-              <a:t>2020/6/11</a:t>
+              <a:t>2020/6/12</a:t>
             </a:fld>
             <a:endParaRPr lang="zh-CN" altLang="en-US"/>
           </a:p>
@@ -9583,17 +9626,12 @@
             <a:pPr algn="ctr"/>
             <a:r>
               <a:rPr lang="zh-CN" altLang="en-US" dirty="0" smtClean="0"/>
-              <a:t>消</a:t>
-            </a:r>
-            <a:r>
-              <a:rPr lang="zh-CN" altLang="en-US" dirty="0" smtClean="0"/>
-              <a:t>息</a:t>
+              <a:t>消息</a:t>
             </a:r>
             <a:r>
               <a:rPr lang="zh-CN" altLang="en-US" dirty="0"/>
               <a:t>调度</a:t>
             </a:r>
-            <a:endParaRPr lang="zh-CN" altLang="en-US" dirty="0"/>
           </a:p>
         </p:txBody>
       </p:sp>
@@ -9859,6 +9897,1053 @@
   <p:clrMapOvr>
     <a:masterClrMapping/>
   </p:clrMapOvr>
+</p:sld>
+</file>
+
+<file path=ppt/slides/slide8.xml><?xml version="1.0" encoding="utf-8"?>
+<p:sld xmlns:a="http://schemas.openxmlformats.org/drawingml/2006/main" xmlns:r="http://schemas.openxmlformats.org/officeDocument/2006/relationships" xmlns:p="http://schemas.openxmlformats.org/presentationml/2006/main">
+  <p:cSld>
+    <p:spTree>
+      <p:nvGrpSpPr>
+        <p:cNvPr id="1" name=""/>
+        <p:cNvGrpSpPr/>
+        <p:nvPr/>
+      </p:nvGrpSpPr>
+      <p:grpSpPr>
+        <a:xfrm>
+          <a:off x="0" y="0"/>
+          <a:ext cx="0" cy="0"/>
+          <a:chOff x="0" y="0"/>
+          <a:chExt cx="0" cy="0"/>
+        </a:xfrm>
+      </p:grpSpPr>
+      <p:sp>
+        <p:nvSpPr>
+          <p:cNvPr id="9" name="矩形 8"/>
+          <p:cNvSpPr/>
+          <p:nvPr/>
+        </p:nvSpPr>
+        <p:spPr>
+          <a:xfrm>
+            <a:off x="3200401" y="1113692"/>
+            <a:ext cx="3259014" cy="3417277"/>
+          </a:xfrm>
+          <a:prstGeom prst="rect">
+            <a:avLst/>
+          </a:prstGeom>
+          <a:solidFill>
+            <a:schemeClr val="bg1"/>
+          </a:solidFill>
+        </p:spPr>
+        <p:style>
+          <a:lnRef idx="2">
+            <a:schemeClr val="accent1">
+              <a:shade val="50000"/>
+            </a:schemeClr>
+          </a:lnRef>
+          <a:fillRef idx="1">
+            <a:schemeClr val="accent1"/>
+          </a:fillRef>
+          <a:effectRef idx="0">
+            <a:schemeClr val="accent1"/>
+          </a:effectRef>
+          <a:fontRef idx="minor">
+            <a:schemeClr val="lt1"/>
+          </a:fontRef>
+        </p:style>
+        <p:txBody>
+          <a:bodyPr rtlCol="0" anchor="ctr"/>
+          <a:lstStyle/>
+          <a:p>
+            <a:pPr algn="ctr"/>
+            <a:endParaRPr lang="zh-CN" altLang="en-US"/>
+          </a:p>
+        </p:txBody>
+      </p:sp>
+      <p:sp>
+        <p:nvSpPr>
+          <p:cNvPr id="10" name="矩形 9"/>
+          <p:cNvSpPr/>
+          <p:nvPr/>
+        </p:nvSpPr>
+        <p:spPr>
+          <a:xfrm>
+            <a:off x="3200401" y="1113692"/>
+            <a:ext cx="3259014" cy="367352"/>
+          </a:xfrm>
+          <a:prstGeom prst="rect">
+            <a:avLst/>
+          </a:prstGeom>
+          <a:solidFill>
+            <a:schemeClr val="bg1"/>
+          </a:solidFill>
+        </p:spPr>
+        <p:style>
+          <a:lnRef idx="2">
+            <a:schemeClr val="accent1">
+              <a:shade val="50000"/>
+            </a:schemeClr>
+          </a:lnRef>
+          <a:fillRef idx="1">
+            <a:schemeClr val="accent1"/>
+          </a:fillRef>
+          <a:effectRef idx="0">
+            <a:schemeClr val="accent1"/>
+          </a:effectRef>
+          <a:fontRef idx="minor">
+            <a:schemeClr val="lt1"/>
+          </a:fontRef>
+        </p:style>
+        <p:txBody>
+          <a:bodyPr rtlCol="0" anchor="ctr"/>
+          <a:lstStyle/>
+          <a:p>
+            <a:pPr algn="ctr"/>
+            <a:r>
+              <a:rPr lang="zh-CN" altLang="en-US" dirty="0" smtClean="0">
+                <a:solidFill>
+                  <a:schemeClr val="tx1"/>
+                </a:solidFill>
+              </a:rPr>
+              <a:t>发送的数据包</a:t>
+            </a:r>
+            <a:endParaRPr lang="zh-CN" altLang="en-US" dirty="0">
+              <a:solidFill>
+                <a:schemeClr val="tx1"/>
+              </a:solidFill>
+            </a:endParaRPr>
+          </a:p>
+        </p:txBody>
+      </p:sp>
+      <p:sp>
+        <p:nvSpPr>
+          <p:cNvPr id="11" name="矩形 10"/>
+          <p:cNvSpPr/>
+          <p:nvPr/>
+        </p:nvSpPr>
+        <p:spPr>
+          <a:xfrm>
+            <a:off x="3200401" y="1481044"/>
+            <a:ext cx="3259014" cy="367352"/>
+          </a:xfrm>
+          <a:prstGeom prst="rect">
+            <a:avLst/>
+          </a:prstGeom>
+          <a:solidFill>
+            <a:schemeClr val="bg1"/>
+          </a:solidFill>
+        </p:spPr>
+        <p:style>
+          <a:lnRef idx="2">
+            <a:schemeClr val="accent1">
+              <a:shade val="50000"/>
+            </a:schemeClr>
+          </a:lnRef>
+          <a:fillRef idx="1">
+            <a:schemeClr val="accent1"/>
+          </a:fillRef>
+          <a:effectRef idx="0">
+            <a:schemeClr val="accent1"/>
+          </a:effectRef>
+          <a:fontRef idx="minor">
+            <a:schemeClr val="lt1"/>
+          </a:fontRef>
+        </p:style>
+        <p:txBody>
+          <a:bodyPr rtlCol="0" anchor="ctr"/>
+          <a:lstStyle/>
+          <a:p>
+            <a:pPr algn="ctr"/>
+            <a:r>
+              <a:rPr lang="zh-CN" altLang="en-US" dirty="0" smtClean="0">
+                <a:solidFill>
+                  <a:schemeClr val="tx1"/>
+                </a:solidFill>
+              </a:rPr>
+              <a:t>头部</a:t>
+            </a:r>
+            <a:endParaRPr lang="zh-CN" altLang="en-US" dirty="0">
+              <a:solidFill>
+                <a:schemeClr val="tx1"/>
+              </a:solidFill>
+            </a:endParaRPr>
+          </a:p>
+        </p:txBody>
+      </p:sp>
+      <p:sp>
+        <p:nvSpPr>
+          <p:cNvPr id="2" name="圆角矩形 1"/>
+          <p:cNvSpPr/>
+          <p:nvPr/>
+        </p:nvSpPr>
+        <p:spPr>
+          <a:xfrm>
+            <a:off x="3461243" y="1947002"/>
+            <a:ext cx="1302560" cy="366850"/>
+          </a:xfrm>
+          <a:prstGeom prst="roundRect">
+            <a:avLst/>
+          </a:prstGeom>
+        </p:spPr>
+        <p:style>
+          <a:lnRef idx="3">
+            <a:schemeClr val="lt1"/>
+          </a:lnRef>
+          <a:fillRef idx="1">
+            <a:schemeClr val="accent3"/>
+          </a:fillRef>
+          <a:effectRef idx="1">
+            <a:schemeClr val="accent3"/>
+          </a:effectRef>
+          <a:fontRef idx="minor">
+            <a:schemeClr val="lt1"/>
+          </a:fontRef>
+        </p:style>
+        <p:txBody>
+          <a:bodyPr rtlCol="0" anchor="ctr"/>
+          <a:lstStyle/>
+          <a:p>
+            <a:pPr algn="ctr"/>
+            <a:r>
+              <a:rPr lang="zh-CN" altLang="en-US" sz="1000" dirty="0" smtClean="0"/>
+              <a:t>报文长度</a:t>
+            </a:r>
+            <a:endParaRPr lang="en-US" altLang="zh-CN" sz="1000" dirty="0" smtClean="0"/>
+          </a:p>
+          <a:p>
+            <a:pPr algn="ctr"/>
+            <a:r>
+              <a:rPr lang="zh-CN" altLang="en-US" sz="800" dirty="0" smtClean="0"/>
+              <a:t>（</a:t>
+            </a:r>
+            <a:r>
+              <a:rPr lang="en-US" altLang="zh-CN" sz="800" dirty="0" smtClean="0"/>
+              <a:t>4 bytes</a:t>
+            </a:r>
+            <a:r>
+              <a:rPr lang="zh-CN" altLang="en-US" sz="800" dirty="0" smtClean="0"/>
+              <a:t>）</a:t>
+            </a:r>
+            <a:endParaRPr lang="zh-CN" altLang="en-US" sz="800" dirty="0"/>
+          </a:p>
+        </p:txBody>
+      </p:sp>
+      <p:sp>
+        <p:nvSpPr>
+          <p:cNvPr id="3" name="圆角矩形 2"/>
+          <p:cNvSpPr/>
+          <p:nvPr/>
+        </p:nvSpPr>
+        <p:spPr>
+          <a:xfrm>
+            <a:off x="4896013" y="1943552"/>
+            <a:ext cx="1302560" cy="366850"/>
+          </a:xfrm>
+          <a:prstGeom prst="roundRect">
+            <a:avLst/>
+          </a:prstGeom>
+        </p:spPr>
+        <p:style>
+          <a:lnRef idx="3">
+            <a:schemeClr val="lt1"/>
+          </a:lnRef>
+          <a:fillRef idx="1">
+            <a:schemeClr val="accent3"/>
+          </a:fillRef>
+          <a:effectRef idx="1">
+            <a:schemeClr val="accent3"/>
+          </a:effectRef>
+          <a:fontRef idx="minor">
+            <a:schemeClr val="lt1"/>
+          </a:fontRef>
+        </p:style>
+        <p:txBody>
+          <a:bodyPr rtlCol="0" anchor="ctr"/>
+          <a:lstStyle/>
+          <a:p>
+            <a:pPr algn="ctr"/>
+            <a:r>
+              <a:rPr lang="zh-CN" altLang="en-US" sz="1000" dirty="0" smtClean="0"/>
+              <a:t>目标服务器</a:t>
+            </a:r>
+            <a:r>
+              <a:rPr lang="en-US" altLang="zh-CN" sz="1000" dirty="0" smtClean="0"/>
+              <a:t>ID</a:t>
+            </a:r>
+          </a:p>
+          <a:p>
+            <a:pPr algn="ctr"/>
+            <a:r>
+              <a:rPr lang="zh-CN" altLang="en-US" sz="800" dirty="0" smtClean="0"/>
+              <a:t>（</a:t>
+            </a:r>
+            <a:r>
+              <a:rPr lang="en-US" altLang="zh-CN" sz="800" dirty="0" smtClean="0"/>
+              <a:t>4 bytes</a:t>
+            </a:r>
+            <a:r>
+              <a:rPr lang="zh-CN" altLang="en-US" sz="800" dirty="0" smtClean="0"/>
+              <a:t>）</a:t>
+            </a:r>
+            <a:endParaRPr lang="en-US" altLang="zh-CN" sz="800" dirty="0" smtClean="0"/>
+          </a:p>
+        </p:txBody>
+      </p:sp>
+      <p:sp>
+        <p:nvSpPr>
+          <p:cNvPr id="5" name="圆角矩形 4"/>
+          <p:cNvSpPr/>
+          <p:nvPr/>
+        </p:nvSpPr>
+        <p:spPr>
+          <a:xfrm>
+            <a:off x="3461243" y="2477402"/>
+            <a:ext cx="1302560" cy="367352"/>
+          </a:xfrm>
+          <a:prstGeom prst="roundRect">
+            <a:avLst/>
+          </a:prstGeom>
+        </p:spPr>
+        <p:style>
+          <a:lnRef idx="3">
+            <a:schemeClr val="lt1"/>
+          </a:lnRef>
+          <a:fillRef idx="1">
+            <a:schemeClr val="accent3"/>
+          </a:fillRef>
+          <a:effectRef idx="1">
+            <a:schemeClr val="accent3"/>
+          </a:effectRef>
+          <a:fontRef idx="minor">
+            <a:schemeClr val="lt1"/>
+          </a:fontRef>
+        </p:style>
+        <p:txBody>
+          <a:bodyPr rtlCol="0" anchor="ctr"/>
+          <a:lstStyle/>
+          <a:p>
+            <a:pPr algn="ctr"/>
+            <a:r>
+              <a:rPr lang="zh-CN" altLang="en-US" sz="1000" dirty="0" smtClean="0"/>
+              <a:t>接口名称</a:t>
+            </a:r>
+            <a:endParaRPr lang="en-US" altLang="zh-CN" sz="1000" dirty="0" smtClean="0"/>
+          </a:p>
+          <a:p>
+            <a:pPr algn="ctr"/>
+            <a:r>
+              <a:rPr lang="zh-CN" altLang="en-US" sz="800" dirty="0" smtClean="0"/>
+              <a:t>（</a:t>
+            </a:r>
+            <a:r>
+              <a:rPr lang="en-US" altLang="zh-CN" sz="800" dirty="0" smtClean="0"/>
+              <a:t>32 bytes</a:t>
+            </a:r>
+            <a:r>
+              <a:rPr lang="zh-CN" altLang="en-US" sz="800" dirty="0" smtClean="0"/>
+              <a:t>）</a:t>
+            </a:r>
+            <a:endParaRPr lang="zh-CN" altLang="en-US" sz="800" dirty="0"/>
+          </a:p>
+        </p:txBody>
+      </p:sp>
+      <p:sp>
+        <p:nvSpPr>
+          <p:cNvPr id="6" name="圆角矩形 5"/>
+          <p:cNvSpPr/>
+          <p:nvPr/>
+        </p:nvSpPr>
+        <p:spPr>
+          <a:xfrm>
+            <a:off x="4896013" y="2477402"/>
+            <a:ext cx="1302560" cy="366850"/>
+          </a:xfrm>
+          <a:prstGeom prst="roundRect">
+            <a:avLst/>
+          </a:prstGeom>
+        </p:spPr>
+        <p:style>
+          <a:lnRef idx="3">
+            <a:schemeClr val="lt1"/>
+          </a:lnRef>
+          <a:fillRef idx="1">
+            <a:schemeClr val="accent3"/>
+          </a:fillRef>
+          <a:effectRef idx="1">
+            <a:schemeClr val="accent3"/>
+          </a:effectRef>
+          <a:fontRef idx="minor">
+            <a:schemeClr val="lt1"/>
+          </a:fontRef>
+        </p:style>
+        <p:txBody>
+          <a:bodyPr rtlCol="0" anchor="ctr"/>
+          <a:lstStyle/>
+          <a:p>
+            <a:pPr algn="ctr"/>
+            <a:r>
+              <a:rPr lang="zh-CN" altLang="en-US" sz="1000" dirty="0" smtClean="0"/>
+              <a:t>数据包</a:t>
+            </a:r>
+            <a:r>
+              <a:rPr lang="en-US" altLang="zh-CN" sz="1000" dirty="0"/>
+              <a:t>ID</a:t>
+            </a:r>
+            <a:endParaRPr lang="en-US" altLang="zh-CN" sz="1000" dirty="0" smtClean="0"/>
+          </a:p>
+          <a:p>
+            <a:pPr algn="ctr"/>
+            <a:r>
+              <a:rPr lang="zh-CN" altLang="en-US" sz="800" dirty="0" smtClean="0"/>
+              <a:t>（</a:t>
+            </a:r>
+            <a:r>
+              <a:rPr lang="en-US" altLang="zh-CN" sz="800" dirty="0" smtClean="0"/>
+              <a:t>4 bytes</a:t>
+            </a:r>
+            <a:r>
+              <a:rPr lang="zh-CN" altLang="en-US" sz="800" dirty="0" smtClean="0"/>
+              <a:t>）</a:t>
+            </a:r>
+            <a:endParaRPr lang="zh-CN" altLang="en-US" sz="800" dirty="0"/>
+          </a:p>
+        </p:txBody>
+      </p:sp>
+      <p:sp>
+        <p:nvSpPr>
+          <p:cNvPr id="8" name="圆角矩形 7"/>
+          <p:cNvSpPr/>
+          <p:nvPr/>
+        </p:nvSpPr>
+        <p:spPr>
+          <a:xfrm>
+            <a:off x="3461243" y="3479890"/>
+            <a:ext cx="2737330" cy="892818"/>
+          </a:xfrm>
+          <a:prstGeom prst="roundRect">
+            <a:avLst/>
+          </a:prstGeom>
+        </p:spPr>
+        <p:style>
+          <a:lnRef idx="3">
+            <a:schemeClr val="lt1"/>
+          </a:lnRef>
+          <a:fillRef idx="1">
+            <a:schemeClr val="accent2"/>
+          </a:fillRef>
+          <a:effectRef idx="1">
+            <a:schemeClr val="accent2"/>
+          </a:effectRef>
+          <a:fontRef idx="minor">
+            <a:schemeClr val="lt1"/>
+          </a:fontRef>
+        </p:style>
+        <p:txBody>
+          <a:bodyPr rtlCol="0" anchor="ctr"/>
+          <a:lstStyle/>
+          <a:p>
+            <a:pPr algn="ctr"/>
+            <a:r>
+              <a:rPr lang="zh-CN" altLang="en-US" sz="1400" dirty="0" smtClean="0"/>
+              <a:t>报文数据</a:t>
+            </a:r>
+            <a:endParaRPr lang="en-US" altLang="zh-CN" sz="1400" dirty="0" smtClean="0"/>
+          </a:p>
+          <a:p>
+            <a:pPr algn="ctr"/>
+            <a:r>
+              <a:rPr lang="zh-CN" altLang="en-US" sz="1000" dirty="0" smtClean="0"/>
+              <a:t>（长度由报文长度决定）</a:t>
+            </a:r>
+            <a:endParaRPr lang="zh-CN" altLang="en-US" sz="1000" dirty="0"/>
+          </a:p>
+        </p:txBody>
+      </p:sp>
+      <p:sp>
+        <p:nvSpPr>
+          <p:cNvPr id="12" name="矩形 11"/>
+          <p:cNvSpPr/>
+          <p:nvPr/>
+        </p:nvSpPr>
+        <p:spPr>
+          <a:xfrm>
+            <a:off x="3200401" y="2949490"/>
+            <a:ext cx="3259014" cy="367352"/>
+          </a:xfrm>
+          <a:prstGeom prst="rect">
+            <a:avLst/>
+          </a:prstGeom>
+          <a:solidFill>
+            <a:schemeClr val="bg1"/>
+          </a:solidFill>
+        </p:spPr>
+        <p:style>
+          <a:lnRef idx="2">
+            <a:schemeClr val="accent1">
+              <a:shade val="50000"/>
+            </a:schemeClr>
+          </a:lnRef>
+          <a:fillRef idx="1">
+            <a:schemeClr val="accent1"/>
+          </a:fillRef>
+          <a:effectRef idx="0">
+            <a:schemeClr val="accent1"/>
+          </a:effectRef>
+          <a:fontRef idx="minor">
+            <a:schemeClr val="lt1"/>
+          </a:fontRef>
+        </p:style>
+        <p:txBody>
+          <a:bodyPr rtlCol="0" anchor="ctr"/>
+          <a:lstStyle/>
+          <a:p>
+            <a:pPr algn="ctr"/>
+            <a:r>
+              <a:rPr lang="zh-CN" altLang="en-US" dirty="0">
+                <a:solidFill>
+                  <a:schemeClr val="tx1"/>
+                </a:solidFill>
+              </a:rPr>
+              <a:t>包</a:t>
+            </a:r>
+            <a:r>
+              <a:rPr lang="zh-CN" altLang="en-US" dirty="0" smtClean="0">
+                <a:solidFill>
+                  <a:schemeClr val="tx1"/>
+                </a:solidFill>
+              </a:rPr>
+              <a:t>体</a:t>
+            </a:r>
+            <a:endParaRPr lang="zh-CN" altLang="en-US" dirty="0">
+              <a:solidFill>
+                <a:schemeClr val="tx1"/>
+              </a:solidFill>
+            </a:endParaRPr>
+          </a:p>
+        </p:txBody>
+      </p:sp>
+      <p:sp>
+        <p:nvSpPr>
+          <p:cNvPr id="13" name="矩形 12"/>
+          <p:cNvSpPr/>
+          <p:nvPr/>
+        </p:nvSpPr>
+        <p:spPr>
+          <a:xfrm>
+            <a:off x="6787661" y="1113692"/>
+            <a:ext cx="3259014" cy="3417277"/>
+          </a:xfrm>
+          <a:prstGeom prst="rect">
+            <a:avLst/>
+          </a:prstGeom>
+          <a:solidFill>
+            <a:schemeClr val="bg1"/>
+          </a:solidFill>
+        </p:spPr>
+        <p:style>
+          <a:lnRef idx="2">
+            <a:schemeClr val="accent1">
+              <a:shade val="50000"/>
+            </a:schemeClr>
+          </a:lnRef>
+          <a:fillRef idx="1">
+            <a:schemeClr val="accent1"/>
+          </a:fillRef>
+          <a:effectRef idx="0">
+            <a:schemeClr val="accent1"/>
+          </a:effectRef>
+          <a:fontRef idx="minor">
+            <a:schemeClr val="lt1"/>
+          </a:fontRef>
+        </p:style>
+        <p:txBody>
+          <a:bodyPr rtlCol="0" anchor="ctr"/>
+          <a:lstStyle/>
+          <a:p>
+            <a:pPr algn="ctr"/>
+            <a:endParaRPr lang="zh-CN" altLang="en-US"/>
+          </a:p>
+        </p:txBody>
+      </p:sp>
+      <p:sp>
+        <p:nvSpPr>
+          <p:cNvPr id="14" name="矩形 13"/>
+          <p:cNvSpPr/>
+          <p:nvPr/>
+        </p:nvSpPr>
+        <p:spPr>
+          <a:xfrm>
+            <a:off x="6787661" y="1113692"/>
+            <a:ext cx="3259014" cy="367352"/>
+          </a:xfrm>
+          <a:prstGeom prst="rect">
+            <a:avLst/>
+          </a:prstGeom>
+          <a:solidFill>
+            <a:schemeClr val="bg1"/>
+          </a:solidFill>
+        </p:spPr>
+        <p:style>
+          <a:lnRef idx="2">
+            <a:schemeClr val="accent1">
+              <a:shade val="50000"/>
+            </a:schemeClr>
+          </a:lnRef>
+          <a:fillRef idx="1">
+            <a:schemeClr val="accent1"/>
+          </a:fillRef>
+          <a:effectRef idx="0">
+            <a:schemeClr val="accent1"/>
+          </a:effectRef>
+          <a:fontRef idx="minor">
+            <a:schemeClr val="lt1"/>
+          </a:fontRef>
+        </p:style>
+        <p:txBody>
+          <a:bodyPr rtlCol="0" anchor="ctr"/>
+          <a:lstStyle/>
+          <a:p>
+            <a:pPr algn="ctr"/>
+            <a:r>
+              <a:rPr lang="zh-CN" altLang="en-US" dirty="0" smtClean="0">
+                <a:solidFill>
+                  <a:schemeClr val="tx1"/>
+                </a:solidFill>
+              </a:rPr>
+              <a:t>接收的数据包</a:t>
+            </a:r>
+            <a:endParaRPr lang="zh-CN" altLang="en-US" dirty="0">
+              <a:solidFill>
+                <a:schemeClr val="tx1"/>
+              </a:solidFill>
+            </a:endParaRPr>
+          </a:p>
+        </p:txBody>
+      </p:sp>
+      <p:sp>
+        <p:nvSpPr>
+          <p:cNvPr id="15" name="矩形 14"/>
+          <p:cNvSpPr/>
+          <p:nvPr/>
+        </p:nvSpPr>
+        <p:spPr>
+          <a:xfrm>
+            <a:off x="6787661" y="1481044"/>
+            <a:ext cx="3259014" cy="367352"/>
+          </a:xfrm>
+          <a:prstGeom prst="rect">
+            <a:avLst/>
+          </a:prstGeom>
+          <a:solidFill>
+            <a:schemeClr val="bg1"/>
+          </a:solidFill>
+        </p:spPr>
+        <p:style>
+          <a:lnRef idx="2">
+            <a:schemeClr val="accent1">
+              <a:shade val="50000"/>
+            </a:schemeClr>
+          </a:lnRef>
+          <a:fillRef idx="1">
+            <a:schemeClr val="accent1"/>
+          </a:fillRef>
+          <a:effectRef idx="0">
+            <a:schemeClr val="accent1"/>
+          </a:effectRef>
+          <a:fontRef idx="minor">
+            <a:schemeClr val="lt1"/>
+          </a:fontRef>
+        </p:style>
+        <p:txBody>
+          <a:bodyPr rtlCol="0" anchor="ctr"/>
+          <a:lstStyle/>
+          <a:p>
+            <a:pPr algn="ctr"/>
+            <a:r>
+              <a:rPr lang="zh-CN" altLang="en-US" dirty="0" smtClean="0">
+                <a:solidFill>
+                  <a:schemeClr val="tx1"/>
+                </a:solidFill>
+              </a:rPr>
+              <a:t>头部</a:t>
+            </a:r>
+            <a:endParaRPr lang="zh-CN" altLang="en-US" dirty="0">
+              <a:solidFill>
+                <a:schemeClr val="tx1"/>
+              </a:solidFill>
+            </a:endParaRPr>
+          </a:p>
+        </p:txBody>
+      </p:sp>
+      <p:sp>
+        <p:nvSpPr>
+          <p:cNvPr id="16" name="圆角矩形 15"/>
+          <p:cNvSpPr/>
+          <p:nvPr/>
+        </p:nvSpPr>
+        <p:spPr>
+          <a:xfrm>
+            <a:off x="7048503" y="1947002"/>
+            <a:ext cx="1302560" cy="366850"/>
+          </a:xfrm>
+          <a:prstGeom prst="roundRect">
+            <a:avLst/>
+          </a:prstGeom>
+        </p:spPr>
+        <p:style>
+          <a:lnRef idx="3">
+            <a:schemeClr val="lt1"/>
+          </a:lnRef>
+          <a:fillRef idx="1">
+            <a:schemeClr val="accent3"/>
+          </a:fillRef>
+          <a:effectRef idx="1">
+            <a:schemeClr val="accent3"/>
+          </a:effectRef>
+          <a:fontRef idx="minor">
+            <a:schemeClr val="lt1"/>
+          </a:fontRef>
+        </p:style>
+        <p:txBody>
+          <a:bodyPr rtlCol="0" anchor="ctr"/>
+          <a:lstStyle/>
+          <a:p>
+            <a:pPr algn="ctr"/>
+            <a:r>
+              <a:rPr lang="zh-CN" altLang="en-US" sz="1000" dirty="0" smtClean="0"/>
+              <a:t>报文长度</a:t>
+            </a:r>
+            <a:endParaRPr lang="en-US" altLang="zh-CN" sz="1000" dirty="0" smtClean="0"/>
+          </a:p>
+          <a:p>
+            <a:pPr algn="ctr"/>
+            <a:r>
+              <a:rPr lang="zh-CN" altLang="en-US" sz="800" dirty="0" smtClean="0"/>
+              <a:t>（</a:t>
+            </a:r>
+            <a:r>
+              <a:rPr lang="en-US" altLang="zh-CN" sz="800" dirty="0" smtClean="0"/>
+              <a:t>4 bytes</a:t>
+            </a:r>
+            <a:r>
+              <a:rPr lang="zh-CN" altLang="en-US" sz="800" dirty="0" smtClean="0"/>
+              <a:t>）</a:t>
+            </a:r>
+            <a:endParaRPr lang="zh-CN" altLang="en-US" sz="800" dirty="0"/>
+          </a:p>
+        </p:txBody>
+      </p:sp>
+      <p:sp>
+        <p:nvSpPr>
+          <p:cNvPr id="17" name="圆角矩形 16"/>
+          <p:cNvSpPr/>
+          <p:nvPr/>
+        </p:nvSpPr>
+        <p:spPr>
+          <a:xfrm>
+            <a:off x="8483273" y="1943552"/>
+            <a:ext cx="1302560" cy="366850"/>
+          </a:xfrm>
+          <a:prstGeom prst="roundRect">
+            <a:avLst/>
+          </a:prstGeom>
+        </p:spPr>
+        <p:style>
+          <a:lnRef idx="3">
+            <a:schemeClr val="lt1"/>
+          </a:lnRef>
+          <a:fillRef idx="1">
+            <a:schemeClr val="accent3"/>
+          </a:fillRef>
+          <a:effectRef idx="1">
+            <a:schemeClr val="accent3"/>
+          </a:effectRef>
+          <a:fontRef idx="minor">
+            <a:schemeClr val="lt1"/>
+          </a:fontRef>
+        </p:style>
+        <p:txBody>
+          <a:bodyPr rtlCol="0" anchor="ctr"/>
+          <a:lstStyle/>
+          <a:p>
+            <a:pPr algn="ctr"/>
+            <a:r>
+              <a:rPr lang="zh-CN" altLang="en-US" sz="1000" dirty="0" smtClean="0"/>
+              <a:t>接口名称</a:t>
+            </a:r>
+            <a:endParaRPr lang="en-US" altLang="zh-CN" sz="1000" dirty="0" smtClean="0"/>
+          </a:p>
+          <a:p>
+            <a:pPr algn="ctr"/>
+            <a:r>
+              <a:rPr lang="zh-CN" altLang="en-US" sz="800" dirty="0" smtClean="0"/>
+              <a:t>（</a:t>
+            </a:r>
+            <a:r>
+              <a:rPr lang="en-US" altLang="zh-CN" sz="800" dirty="0" smtClean="0"/>
+              <a:t>32 bytes</a:t>
+            </a:r>
+            <a:r>
+              <a:rPr lang="zh-CN" altLang="en-US" sz="800" dirty="0" smtClean="0"/>
+              <a:t>）</a:t>
+            </a:r>
+            <a:endParaRPr lang="en-US" altLang="zh-CN" sz="800" dirty="0" smtClean="0"/>
+          </a:p>
+        </p:txBody>
+      </p:sp>
+      <p:sp>
+        <p:nvSpPr>
+          <p:cNvPr id="18" name="圆角矩形 17"/>
+          <p:cNvSpPr/>
+          <p:nvPr/>
+        </p:nvSpPr>
+        <p:spPr>
+          <a:xfrm>
+            <a:off x="7048503" y="2477402"/>
+            <a:ext cx="1302560" cy="367352"/>
+          </a:xfrm>
+          <a:prstGeom prst="roundRect">
+            <a:avLst/>
+          </a:prstGeom>
+        </p:spPr>
+        <p:style>
+          <a:lnRef idx="3">
+            <a:schemeClr val="lt1"/>
+          </a:lnRef>
+          <a:fillRef idx="1">
+            <a:schemeClr val="accent3"/>
+          </a:fillRef>
+          <a:effectRef idx="1">
+            <a:schemeClr val="accent3"/>
+          </a:effectRef>
+          <a:fontRef idx="minor">
+            <a:schemeClr val="lt1"/>
+          </a:fontRef>
+        </p:style>
+        <p:txBody>
+          <a:bodyPr rtlCol="0" anchor="ctr"/>
+          <a:lstStyle/>
+          <a:p>
+            <a:pPr algn="ctr"/>
+            <a:r>
+              <a:rPr lang="zh-CN" altLang="en-US" sz="1000" dirty="0" smtClean="0"/>
+              <a:t>数据包</a:t>
+            </a:r>
+            <a:r>
+              <a:rPr lang="en-US" altLang="zh-CN" sz="1000" dirty="0" smtClean="0"/>
+              <a:t>ID</a:t>
+            </a:r>
+          </a:p>
+          <a:p>
+            <a:pPr algn="ctr"/>
+            <a:r>
+              <a:rPr lang="zh-CN" altLang="en-US" sz="800" dirty="0" smtClean="0"/>
+              <a:t>（</a:t>
+            </a:r>
+            <a:r>
+              <a:rPr lang="en-US" altLang="zh-CN" sz="800" dirty="0"/>
+              <a:t>4</a:t>
+            </a:r>
+            <a:r>
+              <a:rPr lang="en-US" altLang="zh-CN" sz="800" dirty="0" smtClean="0"/>
+              <a:t> bytes</a:t>
+            </a:r>
+            <a:r>
+              <a:rPr lang="zh-CN" altLang="en-US" sz="800" dirty="0" smtClean="0"/>
+              <a:t>）</a:t>
+            </a:r>
+            <a:endParaRPr lang="zh-CN" altLang="en-US" sz="800" dirty="0"/>
+          </a:p>
+        </p:txBody>
+      </p:sp>
+      <p:sp>
+        <p:nvSpPr>
+          <p:cNvPr id="19" name="圆角矩形 18"/>
+          <p:cNvSpPr/>
+          <p:nvPr/>
+        </p:nvSpPr>
+        <p:spPr>
+          <a:xfrm>
+            <a:off x="8483273" y="2477402"/>
+            <a:ext cx="1302560" cy="366850"/>
+          </a:xfrm>
+          <a:prstGeom prst="roundRect">
+            <a:avLst/>
+          </a:prstGeom>
+        </p:spPr>
+        <p:style>
+          <a:lnRef idx="3">
+            <a:schemeClr val="lt1"/>
+          </a:lnRef>
+          <a:fillRef idx="1">
+            <a:schemeClr val="accent3"/>
+          </a:fillRef>
+          <a:effectRef idx="1">
+            <a:schemeClr val="accent3"/>
+          </a:effectRef>
+          <a:fontRef idx="minor">
+            <a:schemeClr val="lt1"/>
+          </a:fontRef>
+        </p:style>
+        <p:txBody>
+          <a:bodyPr rtlCol="0" anchor="ctr"/>
+          <a:lstStyle/>
+          <a:p>
+            <a:pPr algn="ctr"/>
+            <a:r>
+              <a:rPr lang="zh-CN" altLang="en-US" sz="1000" dirty="0" smtClean="0"/>
+              <a:t>状态码</a:t>
+            </a:r>
+            <a:endParaRPr lang="en-US" altLang="zh-CN" sz="1000" dirty="0" smtClean="0"/>
+          </a:p>
+          <a:p>
+            <a:pPr algn="ctr"/>
+            <a:r>
+              <a:rPr lang="zh-CN" altLang="en-US" sz="800" dirty="0" smtClean="0"/>
+              <a:t>（</a:t>
+            </a:r>
+            <a:r>
+              <a:rPr lang="en-US" altLang="zh-CN" sz="800" dirty="0" smtClean="0"/>
+              <a:t>4 bytes</a:t>
+            </a:r>
+            <a:r>
+              <a:rPr lang="zh-CN" altLang="en-US" sz="800" dirty="0" smtClean="0"/>
+              <a:t>）</a:t>
+            </a:r>
+            <a:endParaRPr lang="zh-CN" altLang="en-US" sz="800" dirty="0"/>
+          </a:p>
+        </p:txBody>
+      </p:sp>
+      <p:sp>
+        <p:nvSpPr>
+          <p:cNvPr id="20" name="圆角矩形 19"/>
+          <p:cNvSpPr/>
+          <p:nvPr/>
+        </p:nvSpPr>
+        <p:spPr>
+          <a:xfrm>
+            <a:off x="7048503" y="3479890"/>
+            <a:ext cx="2737330" cy="892818"/>
+          </a:xfrm>
+          <a:prstGeom prst="roundRect">
+            <a:avLst/>
+          </a:prstGeom>
+        </p:spPr>
+        <p:style>
+          <a:lnRef idx="3">
+            <a:schemeClr val="lt1"/>
+          </a:lnRef>
+          <a:fillRef idx="1">
+            <a:schemeClr val="accent2"/>
+          </a:fillRef>
+          <a:effectRef idx="1">
+            <a:schemeClr val="accent2"/>
+          </a:effectRef>
+          <a:fontRef idx="minor">
+            <a:schemeClr val="lt1"/>
+          </a:fontRef>
+        </p:style>
+        <p:txBody>
+          <a:bodyPr rtlCol="0" anchor="ctr"/>
+          <a:lstStyle/>
+          <a:p>
+            <a:pPr algn="ctr"/>
+            <a:r>
+              <a:rPr lang="zh-CN" altLang="en-US" sz="1400" dirty="0" smtClean="0"/>
+              <a:t>报文数据</a:t>
+            </a:r>
+            <a:endParaRPr lang="en-US" altLang="zh-CN" sz="1400" dirty="0" smtClean="0"/>
+          </a:p>
+          <a:p>
+            <a:pPr algn="ctr"/>
+            <a:r>
+              <a:rPr lang="zh-CN" altLang="en-US" sz="1000" dirty="0" smtClean="0"/>
+              <a:t>（长度由报文长度决定）</a:t>
+            </a:r>
+            <a:endParaRPr lang="zh-CN" altLang="en-US" sz="1000" dirty="0"/>
+          </a:p>
+        </p:txBody>
+      </p:sp>
+      <p:sp>
+        <p:nvSpPr>
+          <p:cNvPr id="21" name="矩形 20"/>
+          <p:cNvSpPr/>
+          <p:nvPr/>
+        </p:nvSpPr>
+        <p:spPr>
+          <a:xfrm>
+            <a:off x="6787661" y="2949490"/>
+            <a:ext cx="3259014" cy="367352"/>
+          </a:xfrm>
+          <a:prstGeom prst="rect">
+            <a:avLst/>
+          </a:prstGeom>
+          <a:solidFill>
+            <a:schemeClr val="bg1"/>
+          </a:solidFill>
+        </p:spPr>
+        <p:style>
+          <a:lnRef idx="2">
+            <a:schemeClr val="accent1">
+              <a:shade val="50000"/>
+            </a:schemeClr>
+          </a:lnRef>
+          <a:fillRef idx="1">
+            <a:schemeClr val="accent1"/>
+          </a:fillRef>
+          <a:effectRef idx="0">
+            <a:schemeClr val="accent1"/>
+          </a:effectRef>
+          <a:fontRef idx="minor">
+            <a:schemeClr val="lt1"/>
+          </a:fontRef>
+        </p:style>
+        <p:txBody>
+          <a:bodyPr rtlCol="0" anchor="ctr"/>
+          <a:lstStyle/>
+          <a:p>
+            <a:pPr algn="ctr"/>
+            <a:r>
+              <a:rPr lang="zh-CN" altLang="en-US" dirty="0">
+                <a:solidFill>
+                  <a:schemeClr val="tx1"/>
+                </a:solidFill>
+              </a:rPr>
+              <a:t>包</a:t>
+            </a:r>
+            <a:r>
+              <a:rPr lang="zh-CN" altLang="en-US" dirty="0" smtClean="0">
+                <a:solidFill>
+                  <a:schemeClr val="tx1"/>
+                </a:solidFill>
+              </a:rPr>
+              <a:t>体</a:t>
+            </a:r>
+            <a:endParaRPr lang="zh-CN" altLang="en-US" dirty="0">
+              <a:solidFill>
+                <a:schemeClr val="tx1"/>
+              </a:solidFill>
+            </a:endParaRPr>
+          </a:p>
+        </p:txBody>
+      </p:sp>
+    </p:spTree>
+    <p:extLst>
+      <p:ext uri="{BB962C8B-B14F-4D97-AF65-F5344CB8AC3E}">
+        <p14:creationId xmlns:p14="http://schemas.microsoft.com/office/powerpoint/2010/main" val="3307993352"/>
+      </p:ext>
+    </p:extLst>
+  </p:cSld>
+  <p:clrMapOvr>
+    <a:masterClrMapping/>
+  </p:clrMapOvr>
+  <p:timing>
+    <p:tnLst>
+      <p:par>
+        <p:cTn id="1" dur="indefinite" restart="never" nodeType="tmRoot"/>
+      </p:par>
+    </p:tnLst>
+  </p:timing>
 </p:sld>
 </file>
 

--- a/md/软件质量保证插图集合.pptx
+++ b/md/软件质量保证插图集合.pptx
@@ -10236,8 +10236,16 @@
               <a:t>（</a:t>
             </a:r>
             <a:r>
+              <a:rPr lang="en-US" altLang="zh-CN" sz="800" dirty="0"/>
+              <a:t>8</a:t>
+            </a:r>
+            <a:r>
               <a:rPr lang="en-US" altLang="zh-CN" sz="800" dirty="0" smtClean="0"/>
-              <a:t>32 bytes</a:t>
+              <a:t> </a:t>
+            </a:r>
+            <a:r>
+              <a:rPr lang="en-US" altLang="zh-CN" sz="800" dirty="0" smtClean="0"/>
+              <a:t>bytes</a:t>
             </a:r>
             <a:r>
               <a:rPr lang="zh-CN" altLang="en-US" sz="800" dirty="0" smtClean="0"/>
@@ -10680,8 +10688,16 @@
               <a:t>（</a:t>
             </a:r>
             <a:r>
+              <a:rPr lang="en-US" altLang="zh-CN" sz="800" dirty="0"/>
+              <a:t>8</a:t>
+            </a:r>
+            <a:r>
               <a:rPr lang="en-US" altLang="zh-CN" sz="800" dirty="0" smtClean="0"/>
-              <a:t>32 bytes</a:t>
+              <a:t> </a:t>
+            </a:r>
+            <a:r>
+              <a:rPr lang="en-US" altLang="zh-CN" sz="800" dirty="0" smtClean="0"/>
+              <a:t>bytes</a:t>
             </a:r>
             <a:r>
               <a:rPr lang="zh-CN" altLang="en-US" sz="800" dirty="0" smtClean="0"/>

--- a/md/软件质量保证插图集合.pptx
+++ b/md/软件质量保证插图集合.pptx
@@ -981,7 +981,7 @@
         <a:p>
           <a:r>
             <a:rPr lang="zh-CN" altLang="en-US" dirty="0" smtClean="0"/>
-            <a:t>测试数据</a:t>
+            <a:t>测试用例</a:t>
           </a:r>
           <a:endParaRPr lang="zh-CN" altLang="en-US" dirty="0"/>
         </a:p>
@@ -1018,7 +1018,14 @@
         <a:p>
           <a:r>
             <a:rPr lang="zh-CN" altLang="en-US" dirty="0" smtClean="0"/>
-            <a:t>游戏账号</a:t>
+            <a:t>测试</a:t>
+          </a:r>
+          <a:endParaRPr lang="en-US" altLang="zh-CN" dirty="0" smtClean="0"/>
+        </a:p>
+        <a:p>
+          <a:r>
+            <a:rPr lang="zh-CN" altLang="en-US" dirty="0" smtClean="0"/>
+            <a:t>逻辑</a:t>
           </a:r>
           <a:endParaRPr lang="zh-CN" altLang="en-US" dirty="0"/>
         </a:p>
@@ -1092,7 +1099,14 @@
         <a:p>
           <a:r>
             <a:rPr lang="zh-CN" altLang="en-US" dirty="0" smtClean="0"/>
-            <a:t>收发数据</a:t>
+            <a:t>数据</a:t>
+          </a:r>
+          <a:endParaRPr lang="en-US" altLang="zh-CN" dirty="0" smtClean="0"/>
+        </a:p>
+        <a:p>
+          <a:r>
+            <a:rPr lang="zh-CN" altLang="en-US" dirty="0" smtClean="0"/>
+            <a:t>验证</a:t>
           </a:r>
           <a:endParaRPr lang="zh-CN" altLang="en-US" dirty="0"/>
         </a:p>
@@ -1129,7 +1143,14 @@
         <a:p>
           <a:r>
             <a:rPr lang="zh-CN" altLang="en-US" dirty="0" smtClean="0"/>
-            <a:t>测试结果</a:t>
+            <a:t>测试</a:t>
+          </a:r>
+          <a:endParaRPr lang="en-US" altLang="zh-CN" dirty="0" smtClean="0"/>
+        </a:p>
+        <a:p>
+          <a:r>
+            <a:rPr lang="zh-CN" altLang="en-US" dirty="0" smtClean="0"/>
+            <a:t>结果</a:t>
           </a:r>
           <a:endParaRPr lang="zh-CN" altLang="en-US" dirty="0"/>
         </a:p>
@@ -1166,7 +1187,14 @@
         <a:p>
           <a:r>
             <a:rPr lang="zh-CN" altLang="en-US" dirty="0" smtClean="0"/>
-            <a:t>测试报告</a:t>
+            <a:t>测试</a:t>
+          </a:r>
+          <a:endParaRPr lang="en-US" altLang="zh-CN" dirty="0" smtClean="0"/>
+        </a:p>
+        <a:p>
+          <a:r>
+            <a:rPr lang="zh-CN" altLang="en-US" dirty="0" smtClean="0"/>
+            <a:t>报告</a:t>
           </a:r>
           <a:endParaRPr lang="zh-CN" altLang="en-US" dirty="0"/>
         </a:p>
@@ -1194,43 +1222,6 @@
         </a:p>
       </dgm:t>
     </dgm:pt>
-    <dgm:pt modelId="{EA23282B-011D-47FB-97FA-06F233B06110}">
-      <dgm:prSet phldrT="[文本]"/>
-      <dgm:spPr/>
-      <dgm:t>
-        <a:bodyPr/>
-        <a:lstStyle/>
-        <a:p>
-          <a:r>
-            <a:rPr lang="zh-CN" altLang="en-US" dirty="0" smtClean="0"/>
-            <a:t>数据验证</a:t>
-          </a:r>
-          <a:endParaRPr lang="zh-CN" altLang="en-US" dirty="0"/>
-        </a:p>
-      </dgm:t>
-    </dgm:pt>
-    <dgm:pt modelId="{C3B7397D-0C12-4F4A-B995-A4FB145A6039}" type="parTrans" cxnId="{6BF48E2F-154B-401B-85B1-642AA36769AA}">
-      <dgm:prSet/>
-      <dgm:spPr/>
-      <dgm:t>
-        <a:bodyPr/>
-        <a:lstStyle/>
-        <a:p>
-          <a:endParaRPr lang="zh-CN" altLang="en-US"/>
-        </a:p>
-      </dgm:t>
-    </dgm:pt>
-    <dgm:pt modelId="{C17A5EA8-E74F-40DE-A7FB-9024D9E14908}" type="sibTrans" cxnId="{6BF48E2F-154B-401B-85B1-642AA36769AA}">
-      <dgm:prSet/>
-      <dgm:spPr/>
-      <dgm:t>
-        <a:bodyPr/>
-        <a:lstStyle/>
-        <a:p>
-          <a:endParaRPr lang="zh-CN" altLang="en-US"/>
-        </a:p>
-      </dgm:t>
-    </dgm:pt>
     <dgm:pt modelId="{8551CA77-D605-4A46-B10C-2D98D1CC0394}">
       <dgm:prSet phldrT="[文本]"/>
       <dgm:spPr/>
@@ -1240,7 +1231,14 @@
         <a:p>
           <a:r>
             <a:rPr lang="zh-CN" altLang="en-US" dirty="0" smtClean="0"/>
-            <a:t>日志记录</a:t>
+            <a:t>日志</a:t>
+          </a:r>
+          <a:endParaRPr lang="en-US" altLang="zh-CN" dirty="0" smtClean="0"/>
+        </a:p>
+        <a:p>
+          <a:r>
+            <a:rPr lang="zh-CN" altLang="en-US" dirty="0" smtClean="0"/>
+            <a:t>记录</a:t>
           </a:r>
           <a:endParaRPr lang="zh-CN" altLang="en-US" dirty="0"/>
         </a:p>
@@ -1258,6 +1256,175 @@
       </dgm:t>
     </dgm:pt>
     <dgm:pt modelId="{1CAD78EA-CB2E-4900-9439-C3D47564FAE3}" type="sibTrans" cxnId="{84BF758A-A7D3-4AA7-97CF-1580A719F6C6}">
+      <dgm:prSet/>
+      <dgm:spPr/>
+      <dgm:t>
+        <a:bodyPr/>
+        <a:lstStyle/>
+        <a:p>
+          <a:endParaRPr lang="zh-CN" altLang="en-US"/>
+        </a:p>
+      </dgm:t>
+    </dgm:pt>
+    <dgm:pt modelId="{296DDF2B-D700-45BC-8ABB-4B8AB6D9D7FE}">
+      <dgm:prSet phldrT="[文本]"/>
+      <dgm:spPr/>
+      <dgm:t>
+        <a:bodyPr/>
+        <a:lstStyle/>
+        <a:p>
+          <a:r>
+            <a:rPr lang="zh-CN" altLang="en-US" dirty="0" smtClean="0"/>
+            <a:t>测试</a:t>
+          </a:r>
+          <a:endParaRPr lang="en-US" altLang="zh-CN" dirty="0" smtClean="0"/>
+        </a:p>
+        <a:p>
+          <a:r>
+            <a:rPr lang="zh-CN" altLang="en-US" dirty="0" smtClean="0"/>
+            <a:t>数据</a:t>
+          </a:r>
+          <a:endParaRPr lang="zh-CN" altLang="en-US" dirty="0"/>
+        </a:p>
+      </dgm:t>
+    </dgm:pt>
+    <dgm:pt modelId="{EDF3CC76-A7E4-440A-A169-E830788A1A68}" type="parTrans" cxnId="{A2CF7475-1E00-4685-9D3A-F492EB1A5A77}">
+      <dgm:prSet/>
+      <dgm:spPr/>
+      <dgm:t>
+        <a:bodyPr/>
+        <a:lstStyle/>
+        <a:p>
+          <a:endParaRPr lang="zh-CN" altLang="en-US"/>
+        </a:p>
+      </dgm:t>
+    </dgm:pt>
+    <dgm:pt modelId="{6F534139-589D-411B-A995-EA29A59CB117}" type="sibTrans" cxnId="{A2CF7475-1E00-4685-9D3A-F492EB1A5A77}">
+      <dgm:prSet/>
+      <dgm:spPr/>
+      <dgm:t>
+        <a:bodyPr/>
+        <a:lstStyle/>
+        <a:p>
+          <a:endParaRPr lang="zh-CN" altLang="en-US"/>
+        </a:p>
+      </dgm:t>
+    </dgm:pt>
+    <dgm:pt modelId="{0361E560-A2E9-434D-8F63-53C0DBB3139C}">
+      <dgm:prSet phldrT="[文本]"/>
+      <dgm:spPr/>
+      <dgm:t>
+        <a:bodyPr/>
+        <a:lstStyle/>
+        <a:p>
+          <a:r>
+            <a:rPr lang="zh-CN" altLang="en-US" dirty="0" smtClean="0"/>
+            <a:t>测试</a:t>
+          </a:r>
+          <a:endParaRPr lang="en-US" altLang="zh-CN" dirty="0" smtClean="0"/>
+        </a:p>
+        <a:p>
+          <a:r>
+            <a:rPr lang="zh-CN" altLang="en-US" dirty="0" smtClean="0"/>
+            <a:t>执行</a:t>
+          </a:r>
+          <a:endParaRPr lang="zh-CN" altLang="en-US" dirty="0"/>
+        </a:p>
+      </dgm:t>
+    </dgm:pt>
+    <dgm:pt modelId="{EF065485-ACEF-47C0-8A93-E9D26B18A5A1}" type="parTrans" cxnId="{8C96547A-89CF-41BB-A7ED-6676C8DC4C78}">
+      <dgm:prSet/>
+      <dgm:spPr/>
+      <dgm:t>
+        <a:bodyPr/>
+        <a:lstStyle/>
+        <a:p>
+          <a:endParaRPr lang="zh-CN" altLang="en-US"/>
+        </a:p>
+      </dgm:t>
+    </dgm:pt>
+    <dgm:pt modelId="{2800AF75-EC0E-43D9-9D25-5C42BA2E99DC}" type="sibTrans" cxnId="{8C96547A-89CF-41BB-A7ED-6676C8DC4C78}">
+      <dgm:prSet/>
+      <dgm:spPr/>
+      <dgm:t>
+        <a:bodyPr/>
+        <a:lstStyle/>
+        <a:p>
+          <a:endParaRPr lang="zh-CN" altLang="en-US"/>
+        </a:p>
+      </dgm:t>
+    </dgm:pt>
+    <dgm:pt modelId="{3A7AEBD3-8914-4E5F-AAE4-A974AB171B44}">
+      <dgm:prSet phldrT="[文本]"/>
+      <dgm:spPr/>
+      <dgm:t>
+        <a:bodyPr/>
+        <a:lstStyle/>
+        <a:p>
+          <a:r>
+            <a:rPr lang="zh-CN" altLang="en-US" dirty="0" smtClean="0"/>
+            <a:t>持续</a:t>
+          </a:r>
+          <a:endParaRPr lang="en-US" altLang="zh-CN" dirty="0" smtClean="0"/>
+        </a:p>
+        <a:p>
+          <a:r>
+            <a:rPr lang="zh-CN" altLang="en-US" dirty="0" smtClean="0"/>
+            <a:t>集成</a:t>
+          </a:r>
+          <a:endParaRPr lang="zh-CN" altLang="en-US" dirty="0"/>
+        </a:p>
+      </dgm:t>
+    </dgm:pt>
+    <dgm:pt modelId="{E9D3A774-E0DA-4D99-8B9D-A0133193D42D}" type="parTrans" cxnId="{33EB4A21-C1D3-412E-AA71-EDE23C2EAA42}">
+      <dgm:prSet/>
+      <dgm:spPr/>
+      <dgm:t>
+        <a:bodyPr/>
+        <a:lstStyle/>
+        <a:p>
+          <a:endParaRPr lang="zh-CN" altLang="en-US"/>
+        </a:p>
+      </dgm:t>
+    </dgm:pt>
+    <dgm:pt modelId="{FB1481A5-74A2-49C4-B16F-E20E475A2F14}" type="sibTrans" cxnId="{33EB4A21-C1D3-412E-AA71-EDE23C2EAA42}">
+      <dgm:prSet/>
+      <dgm:spPr/>
+      <dgm:t>
+        <a:bodyPr/>
+        <a:lstStyle/>
+        <a:p>
+          <a:endParaRPr lang="zh-CN" altLang="en-US"/>
+        </a:p>
+      </dgm:t>
+    </dgm:pt>
+    <dgm:pt modelId="{BE6CECCF-2E63-4C2C-803F-829D3BD15010}">
+      <dgm:prSet phldrT="[文本]"/>
+      <dgm:spPr/>
+      <dgm:t>
+        <a:bodyPr/>
+        <a:lstStyle/>
+        <a:p>
+          <a:r>
+            <a:rPr lang="en-US" altLang="zh-CN" dirty="0" smtClean="0"/>
+            <a:t>Jenkins</a:t>
+          </a:r>
+          <a:endParaRPr lang="zh-CN" altLang="en-US" dirty="0"/>
+        </a:p>
+      </dgm:t>
+    </dgm:pt>
+    <dgm:pt modelId="{284D5431-DECD-4608-9140-687BF3DC2A2A}" type="parTrans" cxnId="{8C64BE21-8BE6-4431-B23B-0F6C714EDAE5}">
+      <dgm:prSet/>
+      <dgm:spPr/>
+      <dgm:t>
+        <a:bodyPr/>
+        <a:lstStyle/>
+        <a:p>
+          <a:endParaRPr lang="zh-CN" altLang="en-US"/>
+        </a:p>
+      </dgm:t>
+    </dgm:pt>
+    <dgm:pt modelId="{321B3E8B-EEC9-45A0-B3CB-05097CD13ED5}" type="sibTrans" cxnId="{8C64BE21-8BE6-4431-B23B-0F6C714EDAE5}">
       <dgm:prSet/>
       <dgm:spPr/>
       <dgm:t>
@@ -1319,7 +1486,7 @@
       <dgm:spPr/>
     </dgm:pt>
     <dgm:pt modelId="{88762BC2-CE17-4296-8D69-627F1CC6B320}" type="pres">
-      <dgm:prSet presAssocID="{A20A9437-1BE0-40B6-8D84-195F33A9BDB1}" presName="txTwo" presStyleLbl="node2" presStyleIdx="0" presStyleCnt="3">
+      <dgm:prSet presAssocID="{A20A9437-1BE0-40B6-8D84-195F33A9BDB1}" presName="txTwo" presStyleLbl="node2" presStyleIdx="0" presStyleCnt="4">
         <dgm:presLayoutVars>
           <dgm:chPref val="3"/>
         </dgm:presLayoutVars>
@@ -1346,7 +1513,7 @@
       <dgm:spPr/>
     </dgm:pt>
     <dgm:pt modelId="{55E92CA7-EEFB-4CA4-AF8F-3F562BE9164F}" type="pres">
-      <dgm:prSet presAssocID="{7B60E03B-6426-4478-BB80-8B23E44A820D}" presName="txThree" presStyleLbl="node3" presStyleIdx="0" presStyleCnt="5">
+      <dgm:prSet presAssocID="{7B60E03B-6426-4478-BB80-8B23E44A820D}" presName="txThree" presStyleLbl="node3" presStyleIdx="0" presStyleCnt="7">
         <dgm:presLayoutVars>
           <dgm:chPref val="3"/>
         </dgm:presLayoutVars>
@@ -1364,6 +1531,33 @@
       <dgm:prSet presAssocID="{7B60E03B-6426-4478-BB80-8B23E44A820D}" presName="horzThree" presStyleCnt="0"/>
       <dgm:spPr/>
     </dgm:pt>
+    <dgm:pt modelId="{F83AAEC4-8DC1-4ECA-8848-1BCE7EEA175C}" type="pres">
+      <dgm:prSet presAssocID="{7D74775A-CC93-4C6C-8303-1DF793EF4095}" presName="sibSpaceThree" presStyleCnt="0"/>
+      <dgm:spPr/>
+    </dgm:pt>
+    <dgm:pt modelId="{C63CBCDB-FBFC-4CCD-B4DB-6C54E08DEB66}" type="pres">
+      <dgm:prSet presAssocID="{296DDF2B-D700-45BC-8ABB-4B8AB6D9D7FE}" presName="vertThree" presStyleCnt="0"/>
+      <dgm:spPr/>
+    </dgm:pt>
+    <dgm:pt modelId="{E4B05D9C-F90A-4D33-B9F5-DF252F976796}" type="pres">
+      <dgm:prSet presAssocID="{296DDF2B-D700-45BC-8ABB-4B8AB6D9D7FE}" presName="txThree" presStyleLbl="node3" presStyleIdx="1" presStyleCnt="7">
+        <dgm:presLayoutVars>
+          <dgm:chPref val="3"/>
+        </dgm:presLayoutVars>
+      </dgm:prSet>
+      <dgm:spPr/>
+      <dgm:t>
+        <a:bodyPr/>
+        <a:lstStyle/>
+        <a:p>
+          <a:endParaRPr lang="zh-CN" altLang="en-US"/>
+        </a:p>
+      </dgm:t>
+    </dgm:pt>
+    <dgm:pt modelId="{6EABB571-4AFD-4E61-AC92-C2C4AB439DB7}" type="pres">
+      <dgm:prSet presAssocID="{296DDF2B-D700-45BC-8ABB-4B8AB6D9D7FE}" presName="horzThree" presStyleCnt="0"/>
+      <dgm:spPr/>
+    </dgm:pt>
     <dgm:pt modelId="{CBFA8BEA-FE6F-4535-92A5-BDA1ECF268A2}" type="pres">
       <dgm:prSet presAssocID="{1F4F28A0-3B6E-490E-8179-BB0AF3514293}" presName="sibSpaceTwo" presStyleCnt="0"/>
       <dgm:spPr/>
@@ -1373,7 +1567,7 @@
       <dgm:spPr/>
     </dgm:pt>
     <dgm:pt modelId="{D4A7A214-7C50-41E2-A93E-3EE3B47B079E}" type="pres">
-      <dgm:prSet presAssocID="{EE83B8A6-63A8-4AB8-96C9-C981E03E509B}" presName="txTwo" presStyleLbl="node2" presStyleIdx="1" presStyleCnt="3">
+      <dgm:prSet presAssocID="{EE83B8A6-63A8-4AB8-96C9-C981E03E509B}" presName="txTwo" presStyleLbl="node2" presStyleIdx="1" presStyleCnt="4">
         <dgm:presLayoutVars>
           <dgm:chPref val="3"/>
         </dgm:presLayoutVars>
@@ -1395,12 +1589,39 @@
       <dgm:prSet presAssocID="{EE83B8A6-63A8-4AB8-96C9-C981E03E509B}" presName="horzTwo" presStyleCnt="0"/>
       <dgm:spPr/>
     </dgm:pt>
+    <dgm:pt modelId="{17EF17C0-6BD6-4DBD-BB95-F556B50D3F01}" type="pres">
+      <dgm:prSet presAssocID="{0361E560-A2E9-434D-8F63-53C0DBB3139C}" presName="vertThree" presStyleCnt="0"/>
+      <dgm:spPr/>
+    </dgm:pt>
+    <dgm:pt modelId="{04495235-ADE6-4CAA-B604-F17293788D26}" type="pres">
+      <dgm:prSet presAssocID="{0361E560-A2E9-434D-8F63-53C0DBB3139C}" presName="txThree" presStyleLbl="node3" presStyleIdx="2" presStyleCnt="7">
+        <dgm:presLayoutVars>
+          <dgm:chPref val="3"/>
+        </dgm:presLayoutVars>
+      </dgm:prSet>
+      <dgm:spPr/>
+      <dgm:t>
+        <a:bodyPr/>
+        <a:lstStyle/>
+        <a:p>
+          <a:endParaRPr lang="zh-CN" altLang="en-US"/>
+        </a:p>
+      </dgm:t>
+    </dgm:pt>
+    <dgm:pt modelId="{C19402BB-0F32-4856-93E8-B93305749BEE}" type="pres">
+      <dgm:prSet presAssocID="{0361E560-A2E9-434D-8F63-53C0DBB3139C}" presName="horzThree" presStyleCnt="0"/>
+      <dgm:spPr/>
+    </dgm:pt>
+    <dgm:pt modelId="{FE7F9C44-1674-4C6C-9F9B-BD17C944117F}" type="pres">
+      <dgm:prSet presAssocID="{2800AF75-EC0E-43D9-9D25-5C42BA2E99DC}" presName="sibSpaceThree" presStyleCnt="0"/>
+      <dgm:spPr/>
+    </dgm:pt>
     <dgm:pt modelId="{03E584EF-640B-44F4-BE96-37EBD4BE7F57}" type="pres">
       <dgm:prSet presAssocID="{B4563FB1-53CF-4CF4-873C-3803E0FC285E}" presName="vertThree" presStyleCnt="0"/>
       <dgm:spPr/>
     </dgm:pt>
     <dgm:pt modelId="{DD6CCC0D-2465-40EF-8237-4B98B4358EB6}" type="pres">
-      <dgm:prSet presAssocID="{B4563FB1-53CF-4CF4-873C-3803E0FC285E}" presName="txThree" presStyleLbl="node3" presStyleIdx="1" presStyleCnt="5">
+      <dgm:prSet presAssocID="{B4563FB1-53CF-4CF4-873C-3803E0FC285E}" presName="txThree" presStyleLbl="node3" presStyleIdx="3" presStyleCnt="7">
         <dgm:presLayoutVars>
           <dgm:chPref val="3"/>
         </dgm:presLayoutVars>
@@ -1422,39 +1643,12 @@
       <dgm:prSet presAssocID="{F050EFDB-3D14-4C95-BAC6-30D927384EA7}" presName="sibSpaceThree" presStyleCnt="0"/>
       <dgm:spPr/>
     </dgm:pt>
-    <dgm:pt modelId="{10CAC278-B704-4B36-BB25-5D84894B048D}" type="pres">
-      <dgm:prSet presAssocID="{EA23282B-011D-47FB-97FA-06F233B06110}" presName="vertThree" presStyleCnt="0"/>
-      <dgm:spPr/>
-    </dgm:pt>
-    <dgm:pt modelId="{E1D191CF-7B2A-4E81-8F9B-57C1DF678934}" type="pres">
-      <dgm:prSet presAssocID="{EA23282B-011D-47FB-97FA-06F233B06110}" presName="txThree" presStyleLbl="node3" presStyleIdx="2" presStyleCnt="5">
-        <dgm:presLayoutVars>
-          <dgm:chPref val="3"/>
-        </dgm:presLayoutVars>
-      </dgm:prSet>
-      <dgm:spPr/>
-      <dgm:t>
-        <a:bodyPr/>
-        <a:lstStyle/>
-        <a:p>
-          <a:endParaRPr lang="zh-CN" altLang="en-US"/>
-        </a:p>
-      </dgm:t>
-    </dgm:pt>
-    <dgm:pt modelId="{3EC9291C-2610-4320-9975-FEB569A380FF}" type="pres">
-      <dgm:prSet presAssocID="{EA23282B-011D-47FB-97FA-06F233B06110}" presName="horzThree" presStyleCnt="0"/>
-      <dgm:spPr/>
-    </dgm:pt>
-    <dgm:pt modelId="{632F0D95-1FBD-4E0B-B851-04DC07E3571D}" type="pres">
-      <dgm:prSet presAssocID="{C17A5EA8-E74F-40DE-A7FB-9024D9E14908}" presName="sibSpaceThree" presStyleCnt="0"/>
-      <dgm:spPr/>
-    </dgm:pt>
     <dgm:pt modelId="{2489600F-E7C6-49F7-802C-A03A868E76AA}" type="pres">
       <dgm:prSet presAssocID="{8551CA77-D605-4A46-B10C-2D98D1CC0394}" presName="vertThree" presStyleCnt="0"/>
       <dgm:spPr/>
     </dgm:pt>
     <dgm:pt modelId="{733A17C4-8762-4DF8-9419-4F74CB5818D4}" type="pres">
-      <dgm:prSet presAssocID="{8551CA77-D605-4A46-B10C-2D98D1CC0394}" presName="txThree" presStyleLbl="node3" presStyleIdx="3" presStyleCnt="5">
+      <dgm:prSet presAssocID="{8551CA77-D605-4A46-B10C-2D98D1CC0394}" presName="txThree" presStyleLbl="node3" presStyleIdx="4" presStyleCnt="7">
         <dgm:presLayoutVars>
           <dgm:chPref val="3"/>
         </dgm:presLayoutVars>
@@ -1481,7 +1675,7 @@
       <dgm:spPr/>
     </dgm:pt>
     <dgm:pt modelId="{EB0E2488-FA8B-44A4-B3AD-61E4BE0CBBE1}" type="pres">
-      <dgm:prSet presAssocID="{8603B0FA-6F59-439B-91B1-AF4623B2DDEA}" presName="txTwo" presStyleLbl="node2" presStyleIdx="2" presStyleCnt="3">
+      <dgm:prSet presAssocID="{8603B0FA-6F59-439B-91B1-AF4623B2DDEA}" presName="txTwo" presStyleLbl="node2" presStyleIdx="2" presStyleCnt="4">
         <dgm:presLayoutVars>
           <dgm:chPref val="3"/>
         </dgm:presLayoutVars>
@@ -1508,7 +1702,7 @@
       <dgm:spPr/>
     </dgm:pt>
     <dgm:pt modelId="{E32B45D9-A9C4-4E8D-9BD0-04E8CD541A40}" type="pres">
-      <dgm:prSet presAssocID="{6FF6014A-C347-46DF-A5DF-F7AE2C8058E4}" presName="txThree" presStyleLbl="node3" presStyleIdx="4" presStyleCnt="5">
+      <dgm:prSet presAssocID="{6FF6014A-C347-46DF-A5DF-F7AE2C8058E4}" presName="txThree" presStyleLbl="node3" presStyleIdx="5" presStyleCnt="7">
         <dgm:presLayoutVars>
           <dgm:chPref val="3"/>
         </dgm:presLayoutVars>
@@ -1526,27 +1720,87 @@
       <dgm:prSet presAssocID="{6FF6014A-C347-46DF-A5DF-F7AE2C8058E4}" presName="horzThree" presStyleCnt="0"/>
       <dgm:spPr/>
     </dgm:pt>
+    <dgm:pt modelId="{96C866E2-E49C-4ED4-AEE9-CF2E1EFCDF3C}" type="pres">
+      <dgm:prSet presAssocID="{D4A388F2-366E-454F-B25E-BD84ED6D055C}" presName="sibSpaceTwo" presStyleCnt="0"/>
+      <dgm:spPr/>
+    </dgm:pt>
+    <dgm:pt modelId="{D9EDA951-BA93-4ECF-9BFA-04EC5B75905D}" type="pres">
+      <dgm:prSet presAssocID="{3A7AEBD3-8914-4E5F-AAE4-A974AB171B44}" presName="vertTwo" presStyleCnt="0"/>
+      <dgm:spPr/>
+    </dgm:pt>
+    <dgm:pt modelId="{F413ED24-2DCA-413C-A851-2483905C8BE4}" type="pres">
+      <dgm:prSet presAssocID="{3A7AEBD3-8914-4E5F-AAE4-A974AB171B44}" presName="txTwo" presStyleLbl="node2" presStyleIdx="3" presStyleCnt="4">
+        <dgm:presLayoutVars>
+          <dgm:chPref val="3"/>
+        </dgm:presLayoutVars>
+      </dgm:prSet>
+      <dgm:spPr/>
+      <dgm:t>
+        <a:bodyPr/>
+        <a:lstStyle/>
+        <a:p>
+          <a:endParaRPr lang="zh-CN" altLang="en-US"/>
+        </a:p>
+      </dgm:t>
+    </dgm:pt>
+    <dgm:pt modelId="{D90CD89E-702B-4EF1-944B-6735329B67CC}" type="pres">
+      <dgm:prSet presAssocID="{3A7AEBD3-8914-4E5F-AAE4-A974AB171B44}" presName="parTransTwo" presStyleCnt="0"/>
+      <dgm:spPr/>
+    </dgm:pt>
+    <dgm:pt modelId="{60C84CCF-ED10-48ED-B63E-8E7E0842C5B8}" type="pres">
+      <dgm:prSet presAssocID="{3A7AEBD3-8914-4E5F-AAE4-A974AB171B44}" presName="horzTwo" presStyleCnt="0"/>
+      <dgm:spPr/>
+    </dgm:pt>
+    <dgm:pt modelId="{953E2AA3-1AE7-4B9B-BE59-F6D4E5CBD0B2}" type="pres">
+      <dgm:prSet presAssocID="{BE6CECCF-2E63-4C2C-803F-829D3BD15010}" presName="vertThree" presStyleCnt="0"/>
+      <dgm:spPr/>
+    </dgm:pt>
+    <dgm:pt modelId="{215C4592-758F-43E0-9BC9-7B8ED09814FE}" type="pres">
+      <dgm:prSet presAssocID="{BE6CECCF-2E63-4C2C-803F-829D3BD15010}" presName="txThree" presStyleLbl="node3" presStyleIdx="6" presStyleCnt="7">
+        <dgm:presLayoutVars>
+          <dgm:chPref val="3"/>
+        </dgm:presLayoutVars>
+      </dgm:prSet>
+      <dgm:spPr/>
+      <dgm:t>
+        <a:bodyPr/>
+        <a:lstStyle/>
+        <a:p>
+          <a:endParaRPr lang="zh-CN" altLang="en-US"/>
+        </a:p>
+      </dgm:t>
+    </dgm:pt>
+    <dgm:pt modelId="{024DF420-B734-4521-B1E5-1FD38B8FC137}" type="pres">
+      <dgm:prSet presAssocID="{BE6CECCF-2E63-4C2C-803F-829D3BD15010}" presName="horzThree" presStyleCnt="0"/>
+      <dgm:spPr/>
+    </dgm:pt>
   </dgm:ptLst>
   <dgm:cxnLst>
+    <dgm:cxn modelId="{4DDA6EF1-75C0-4B2E-BBF2-93EB627EA22D}" type="presOf" srcId="{8603B0FA-6F59-439B-91B1-AF4623B2DDEA}" destId="{EB0E2488-FA8B-44A4-B3AD-61E4BE0CBBE1}" srcOrd="0" destOrd="0" presId="urn:microsoft.com/office/officeart/2005/8/layout/hierarchy4"/>
+    <dgm:cxn modelId="{8C64BE21-8BE6-4431-B23B-0F6C714EDAE5}" srcId="{3A7AEBD3-8914-4E5F-AAE4-A974AB171B44}" destId="{BE6CECCF-2E63-4C2C-803F-829D3BD15010}" srcOrd="0" destOrd="0" parTransId="{284D5431-DECD-4608-9140-687BF3DC2A2A}" sibTransId="{321B3E8B-EEC9-45A0-B3CB-05097CD13ED5}"/>
+    <dgm:cxn modelId="{3D083D10-FD1A-4F98-B009-C76EF2E5AAD3}" srcId="{8CA7BF02-4ADE-426E-8CD1-F1ADC3C7113B}" destId="{A20A9437-1BE0-40B6-8D84-195F33A9BDB1}" srcOrd="0" destOrd="0" parTransId="{37FB8AD8-C73A-41FA-B222-754715E715E4}" sibTransId="{1F4F28A0-3B6E-490E-8179-BB0AF3514293}"/>
+    <dgm:cxn modelId="{BF4BC627-7F8B-455C-9955-7A219ED812EC}" srcId="{A20A9437-1BE0-40B6-8D84-195F33A9BDB1}" destId="{7B60E03B-6426-4478-BB80-8B23E44A820D}" srcOrd="0" destOrd="0" parTransId="{2AE6EAEF-AA17-4925-974B-8605CECB1FF6}" sibTransId="{7D74775A-CC93-4C6C-8303-1DF793EF4095}"/>
     <dgm:cxn modelId="{7CD39A77-1015-48D4-86DE-03296879D31E}" srcId="{8CA7BF02-4ADE-426E-8CD1-F1ADC3C7113B}" destId="{8603B0FA-6F59-439B-91B1-AF4623B2DDEA}" srcOrd="2" destOrd="0" parTransId="{5EFCC5FF-80FB-45B7-81CA-0321F267A217}" sibTransId="{D4A388F2-366E-454F-B25E-BD84ED6D055C}"/>
-    <dgm:cxn modelId="{671BD4F9-730A-48E5-A190-84CB2E10AD27}" type="presOf" srcId="{6FF6014A-C347-46DF-A5DF-F7AE2C8058E4}" destId="{E32B45D9-A9C4-4E8D-9BD0-04E8CD541A40}" srcOrd="0" destOrd="0" presId="urn:microsoft.com/office/officeart/2005/8/layout/hierarchy4"/>
+    <dgm:cxn modelId="{171FDAE7-7A67-4649-8C09-D00B5FCA344F}" type="presOf" srcId="{B4563FB1-53CF-4CF4-873C-3803E0FC285E}" destId="{DD6CCC0D-2465-40EF-8237-4B98B4358EB6}" srcOrd="0" destOrd="0" presId="urn:microsoft.com/office/officeart/2005/8/layout/hierarchy4"/>
+    <dgm:cxn modelId="{84BF758A-A7D3-4AA7-97CF-1580A719F6C6}" srcId="{EE83B8A6-63A8-4AB8-96C9-C981E03E509B}" destId="{8551CA77-D605-4A46-B10C-2D98D1CC0394}" srcOrd="2" destOrd="0" parTransId="{A4CC2FDD-8482-47BF-A91A-303EFA490A9D}" sibTransId="{1CAD78EA-CB2E-4900-9439-C3D47564FAE3}"/>
+    <dgm:cxn modelId="{6309EF2F-1073-4B46-B53B-7CCB632DC197}" type="presOf" srcId="{0361E560-A2E9-434D-8F63-53C0DBB3139C}" destId="{04495235-ADE6-4CAA-B604-F17293788D26}" srcOrd="0" destOrd="0" presId="urn:microsoft.com/office/officeart/2005/8/layout/hierarchy4"/>
+    <dgm:cxn modelId="{1CD502AC-7954-4EA6-ABA3-85510021E251}" type="presOf" srcId="{8CA7BF02-4ADE-426E-8CD1-F1ADC3C7113B}" destId="{D6A0A599-9F35-4ACA-A29E-B5BACF0D67DC}" srcOrd="0" destOrd="0" presId="urn:microsoft.com/office/officeart/2005/8/layout/hierarchy4"/>
+    <dgm:cxn modelId="{F99287E1-C32E-4F95-B26A-596EAABA06F1}" type="presOf" srcId="{BE6CECCF-2E63-4C2C-803F-829D3BD15010}" destId="{215C4592-758F-43E0-9BC9-7B8ED09814FE}" srcOrd="0" destOrd="0" presId="urn:microsoft.com/office/officeart/2005/8/layout/hierarchy4"/>
+    <dgm:cxn modelId="{4F565557-7A5C-4180-9571-54DEA8C64606}" type="presOf" srcId="{C8513803-878D-4031-8FAA-6578F423B7BF}" destId="{8D0B5F32-5505-4F65-A579-176547FF8A9D}" srcOrd="0" destOrd="0" presId="urn:microsoft.com/office/officeart/2005/8/layout/hierarchy4"/>
+    <dgm:cxn modelId="{C0A3577B-B141-4861-BC0D-39E2983E42B9}" type="presOf" srcId="{8551CA77-D605-4A46-B10C-2D98D1CC0394}" destId="{733A17C4-8762-4DF8-9419-4F74CB5818D4}" srcOrd="0" destOrd="0" presId="urn:microsoft.com/office/officeart/2005/8/layout/hierarchy4"/>
+    <dgm:cxn modelId="{77A1BC37-AFAF-4ABC-AE51-F43F2B612527}" type="presOf" srcId="{6FF6014A-C347-46DF-A5DF-F7AE2C8058E4}" destId="{E32B45D9-A9C4-4E8D-9BD0-04E8CD541A40}" srcOrd="0" destOrd="0" presId="urn:microsoft.com/office/officeart/2005/8/layout/hierarchy4"/>
     <dgm:cxn modelId="{6B635ADD-3CBE-4884-BD12-8002A4521500}" type="presOf" srcId="{A20A9437-1BE0-40B6-8D84-195F33A9BDB1}" destId="{88762BC2-CE17-4296-8D69-627F1CC6B320}" srcOrd="0" destOrd="0" presId="urn:microsoft.com/office/officeart/2005/8/layout/hierarchy4"/>
+    <dgm:cxn modelId="{CF286CA6-163F-425D-AF24-04AEE5E0EAB1}" srcId="{8CA7BF02-4ADE-426E-8CD1-F1ADC3C7113B}" destId="{EE83B8A6-63A8-4AB8-96C9-C981E03E509B}" srcOrd="1" destOrd="0" parTransId="{BCA94159-8B36-4D5D-B20B-BA7C9493A82D}" sibTransId="{62CD9C23-AB88-43E6-9BCA-B9D51C1B9CD9}"/>
+    <dgm:cxn modelId="{33EB4A21-C1D3-412E-AA71-EDE23C2EAA42}" srcId="{8CA7BF02-4ADE-426E-8CD1-F1ADC3C7113B}" destId="{3A7AEBD3-8914-4E5F-AAE4-A974AB171B44}" srcOrd="3" destOrd="0" parTransId="{E9D3A774-E0DA-4D99-8B9D-A0133193D42D}" sibTransId="{FB1481A5-74A2-49C4-B16F-E20E475A2F14}"/>
+    <dgm:cxn modelId="{8C96547A-89CF-41BB-A7ED-6676C8DC4C78}" srcId="{EE83B8A6-63A8-4AB8-96C9-C981E03E509B}" destId="{0361E560-A2E9-434D-8F63-53C0DBB3139C}" srcOrd="0" destOrd="0" parTransId="{EF065485-ACEF-47C0-8A93-E9D26B18A5A1}" sibTransId="{2800AF75-EC0E-43D9-9D25-5C42BA2E99DC}"/>
+    <dgm:cxn modelId="{1AAD64A8-8C77-4A55-9ABC-196ED670EAE1}" srcId="{C8513803-878D-4031-8FAA-6578F423B7BF}" destId="{8CA7BF02-4ADE-426E-8CD1-F1ADC3C7113B}" srcOrd="0" destOrd="0" parTransId="{CC31C1F0-3C09-4FFB-A85A-6AEEAC785607}" sibTransId="{473F6867-0806-41B7-B854-FFC91FE0BF0C}"/>
     <dgm:cxn modelId="{2D62D635-2614-4212-9924-CF2F10CA7FB8}" type="presOf" srcId="{EE83B8A6-63A8-4AB8-96C9-C981E03E509B}" destId="{D4A7A214-7C50-41E2-A93E-3EE3B47B079E}" srcOrd="0" destOrd="0" presId="urn:microsoft.com/office/officeart/2005/8/layout/hierarchy4"/>
-    <dgm:cxn modelId="{3D083D10-FD1A-4F98-B009-C76EF2E5AAD3}" srcId="{8CA7BF02-4ADE-426E-8CD1-F1ADC3C7113B}" destId="{A20A9437-1BE0-40B6-8D84-195F33A9BDB1}" srcOrd="0" destOrd="0" parTransId="{37FB8AD8-C73A-41FA-B222-754715E715E4}" sibTransId="{1F4F28A0-3B6E-490E-8179-BB0AF3514293}"/>
-    <dgm:cxn modelId="{6BF48E2F-154B-401B-85B1-642AA36769AA}" srcId="{EE83B8A6-63A8-4AB8-96C9-C981E03E509B}" destId="{EA23282B-011D-47FB-97FA-06F233B06110}" srcOrd="1" destOrd="0" parTransId="{C3B7397D-0C12-4F4A-B995-A4FB145A6039}" sibTransId="{C17A5EA8-E74F-40DE-A7FB-9024D9E14908}"/>
     <dgm:cxn modelId="{24788374-ADF1-4A5F-8E19-D2B357E296E7}" srcId="{8603B0FA-6F59-439B-91B1-AF4623B2DDEA}" destId="{6FF6014A-C347-46DF-A5DF-F7AE2C8058E4}" srcOrd="0" destOrd="0" parTransId="{70FD322A-48C3-4B1F-9A92-B578A934E2DA}" sibTransId="{50F36ACD-B390-4521-9EB9-DBD09B24342B}"/>
-    <dgm:cxn modelId="{1AAD64A8-8C77-4A55-9ABC-196ED670EAE1}" srcId="{C8513803-878D-4031-8FAA-6578F423B7BF}" destId="{8CA7BF02-4ADE-426E-8CD1-F1ADC3C7113B}" srcOrd="0" destOrd="0" parTransId="{CC31C1F0-3C09-4FFB-A85A-6AEEAC785607}" sibTransId="{473F6867-0806-41B7-B854-FFC91FE0BF0C}"/>
-    <dgm:cxn modelId="{1CD502AC-7954-4EA6-ABA3-85510021E251}" type="presOf" srcId="{8CA7BF02-4ADE-426E-8CD1-F1ADC3C7113B}" destId="{D6A0A599-9F35-4ACA-A29E-B5BACF0D67DC}" srcOrd="0" destOrd="0" presId="urn:microsoft.com/office/officeart/2005/8/layout/hierarchy4"/>
-    <dgm:cxn modelId="{CF286CA6-163F-425D-AF24-04AEE5E0EAB1}" srcId="{8CA7BF02-4ADE-426E-8CD1-F1ADC3C7113B}" destId="{EE83B8A6-63A8-4AB8-96C9-C981E03E509B}" srcOrd="1" destOrd="0" parTransId="{BCA94159-8B36-4D5D-B20B-BA7C9493A82D}" sibTransId="{62CD9C23-AB88-43E6-9BCA-B9D51C1B9CD9}"/>
-    <dgm:cxn modelId="{69149032-8EB4-4580-B024-7AD4C5833224}" srcId="{EE83B8A6-63A8-4AB8-96C9-C981E03E509B}" destId="{B4563FB1-53CF-4CF4-873C-3803E0FC285E}" srcOrd="0" destOrd="0" parTransId="{E3DAA416-1CE2-4302-BD55-E4C5FA60AD3E}" sibTransId="{F050EFDB-3D14-4C95-BAC6-30D927384EA7}"/>
-    <dgm:cxn modelId="{7612E0C6-A28E-4645-AC28-91E23722F909}" type="presOf" srcId="{8603B0FA-6F59-439B-91B1-AF4623B2DDEA}" destId="{EB0E2488-FA8B-44A4-B3AD-61E4BE0CBBE1}" srcOrd="0" destOrd="0" presId="urn:microsoft.com/office/officeart/2005/8/layout/hierarchy4"/>
-    <dgm:cxn modelId="{BF4BC627-7F8B-455C-9955-7A219ED812EC}" srcId="{A20A9437-1BE0-40B6-8D84-195F33A9BDB1}" destId="{7B60E03B-6426-4478-BB80-8B23E44A820D}" srcOrd="0" destOrd="0" parTransId="{2AE6EAEF-AA17-4925-974B-8605CECB1FF6}" sibTransId="{7D74775A-CC93-4C6C-8303-1DF793EF4095}"/>
-    <dgm:cxn modelId="{84BF758A-A7D3-4AA7-97CF-1580A719F6C6}" srcId="{EE83B8A6-63A8-4AB8-96C9-C981E03E509B}" destId="{8551CA77-D605-4A46-B10C-2D98D1CC0394}" srcOrd="2" destOrd="0" parTransId="{A4CC2FDD-8482-47BF-A91A-303EFA490A9D}" sibTransId="{1CAD78EA-CB2E-4900-9439-C3D47564FAE3}"/>
+    <dgm:cxn modelId="{5014BA6D-33F6-4910-8FB3-4270249A215E}" type="presOf" srcId="{3A7AEBD3-8914-4E5F-AAE4-A974AB171B44}" destId="{F413ED24-2DCA-413C-A851-2483905C8BE4}" srcOrd="0" destOrd="0" presId="urn:microsoft.com/office/officeart/2005/8/layout/hierarchy4"/>
     <dgm:cxn modelId="{949CEF26-DA94-4341-ADA6-44A83D835B6E}" type="presOf" srcId="{7B60E03B-6426-4478-BB80-8B23E44A820D}" destId="{55E92CA7-EEFB-4CA4-AF8F-3F562BE9164F}" srcOrd="0" destOrd="0" presId="urn:microsoft.com/office/officeart/2005/8/layout/hierarchy4"/>
-    <dgm:cxn modelId="{119BA0AF-3A0C-4D93-97C5-F567947A66EF}" type="presOf" srcId="{B4563FB1-53CF-4CF4-873C-3803E0FC285E}" destId="{DD6CCC0D-2465-40EF-8237-4B98B4358EB6}" srcOrd="0" destOrd="0" presId="urn:microsoft.com/office/officeart/2005/8/layout/hierarchy4"/>
-    <dgm:cxn modelId="{56980B6C-B2B0-4983-AED7-17F817520EC1}" type="presOf" srcId="{8551CA77-D605-4A46-B10C-2D98D1CC0394}" destId="{733A17C4-8762-4DF8-9419-4F74CB5818D4}" srcOrd="0" destOrd="0" presId="urn:microsoft.com/office/officeart/2005/8/layout/hierarchy4"/>
-    <dgm:cxn modelId="{4F565557-7A5C-4180-9571-54DEA8C64606}" type="presOf" srcId="{C8513803-878D-4031-8FAA-6578F423B7BF}" destId="{8D0B5F32-5505-4F65-A579-176547FF8A9D}" srcOrd="0" destOrd="0" presId="urn:microsoft.com/office/officeart/2005/8/layout/hierarchy4"/>
-    <dgm:cxn modelId="{2054F9AD-BA2D-4EA6-B468-899B6BB4CB04}" type="presOf" srcId="{EA23282B-011D-47FB-97FA-06F233B06110}" destId="{E1D191CF-7B2A-4E81-8F9B-57C1DF678934}" srcOrd="0" destOrd="0" presId="urn:microsoft.com/office/officeart/2005/8/layout/hierarchy4"/>
+    <dgm:cxn modelId="{A2CF7475-1E00-4685-9D3A-F492EB1A5A77}" srcId="{A20A9437-1BE0-40B6-8D84-195F33A9BDB1}" destId="{296DDF2B-D700-45BC-8ABB-4B8AB6D9D7FE}" srcOrd="1" destOrd="0" parTransId="{EDF3CC76-A7E4-440A-A169-E830788A1A68}" sibTransId="{6F534139-589D-411B-A995-EA29A59CB117}"/>
+    <dgm:cxn modelId="{69149032-8EB4-4580-B024-7AD4C5833224}" srcId="{EE83B8A6-63A8-4AB8-96C9-C981E03E509B}" destId="{B4563FB1-53CF-4CF4-873C-3803E0FC285E}" srcOrd="1" destOrd="0" parTransId="{E3DAA416-1CE2-4302-BD55-E4C5FA60AD3E}" sibTransId="{F050EFDB-3D14-4C95-BAC6-30D927384EA7}"/>
+    <dgm:cxn modelId="{FACF082F-AF9D-436A-9AD0-22DE294A5B27}" type="presOf" srcId="{296DDF2B-D700-45BC-8ABB-4B8AB6D9D7FE}" destId="{E4B05D9C-F90A-4D33-B9F5-DF252F976796}" srcOrd="0" destOrd="0" presId="urn:microsoft.com/office/officeart/2005/8/layout/hierarchy4"/>
     <dgm:cxn modelId="{54824A58-6263-4B2E-B31D-CA649DEC0597}" type="presParOf" srcId="{8D0B5F32-5505-4F65-A579-176547FF8A9D}" destId="{F7976CE6-B912-4932-9062-8BBB5A1CC600}" srcOrd="0" destOrd="0" presId="urn:microsoft.com/office/officeart/2005/8/layout/hierarchy4"/>
     <dgm:cxn modelId="{8E3D2881-0764-4FEC-A287-0203173A711D}" type="presParOf" srcId="{F7976CE6-B912-4932-9062-8BBB5A1CC600}" destId="{D6A0A599-9F35-4ACA-A29E-B5BACF0D67DC}" srcOrd="0" destOrd="0" presId="urn:microsoft.com/office/officeart/2005/8/layout/hierarchy4"/>
     <dgm:cxn modelId="{FF2083A1-1D95-416F-BDDF-A89E0177330A}" type="presParOf" srcId="{F7976CE6-B912-4932-9062-8BBB5A1CC600}" destId="{34C25E86-5B05-49AE-8B50-DFD0528C8051}" srcOrd="1" destOrd="0" presId="urn:microsoft.com/office/officeart/2005/8/layout/hierarchy4"/>
@@ -1558,30 +1812,42 @@
     <dgm:cxn modelId="{E1948EEB-5D04-4D63-A52D-0D3838D7B343}" type="presParOf" srcId="{E9873186-2F25-4A3A-864F-BA4F87D91EEB}" destId="{A9AEB5F1-F1DF-4619-971B-E5233140FBB9}" srcOrd="0" destOrd="0" presId="urn:microsoft.com/office/officeart/2005/8/layout/hierarchy4"/>
     <dgm:cxn modelId="{8A28825C-7314-4DE6-8A9E-F877E74D2CB9}" type="presParOf" srcId="{A9AEB5F1-F1DF-4619-971B-E5233140FBB9}" destId="{55E92CA7-EEFB-4CA4-AF8F-3F562BE9164F}" srcOrd="0" destOrd="0" presId="urn:microsoft.com/office/officeart/2005/8/layout/hierarchy4"/>
     <dgm:cxn modelId="{47898A27-B5AD-4581-80DA-1E73A3FDDE5D}" type="presParOf" srcId="{A9AEB5F1-F1DF-4619-971B-E5233140FBB9}" destId="{A017BA8B-6EAD-4BEE-B204-2940B4CE77AB}" srcOrd="1" destOrd="0" presId="urn:microsoft.com/office/officeart/2005/8/layout/hierarchy4"/>
+    <dgm:cxn modelId="{A1346535-35F6-4EA0-8FCC-66B08584C686}" type="presParOf" srcId="{E9873186-2F25-4A3A-864F-BA4F87D91EEB}" destId="{F83AAEC4-8DC1-4ECA-8848-1BCE7EEA175C}" srcOrd="1" destOrd="0" presId="urn:microsoft.com/office/officeart/2005/8/layout/hierarchy4"/>
+    <dgm:cxn modelId="{C91909AF-5193-4315-B715-DC99652589B6}" type="presParOf" srcId="{E9873186-2F25-4A3A-864F-BA4F87D91EEB}" destId="{C63CBCDB-FBFC-4CCD-B4DB-6C54E08DEB66}" srcOrd="2" destOrd="0" presId="urn:microsoft.com/office/officeart/2005/8/layout/hierarchy4"/>
+    <dgm:cxn modelId="{E691FDF6-82F3-46B3-BF7A-7D25B0C122AB}" type="presParOf" srcId="{C63CBCDB-FBFC-4CCD-B4DB-6C54E08DEB66}" destId="{E4B05D9C-F90A-4D33-B9F5-DF252F976796}" srcOrd="0" destOrd="0" presId="urn:microsoft.com/office/officeart/2005/8/layout/hierarchy4"/>
+    <dgm:cxn modelId="{77D021BE-0D37-4245-86FA-83315ABDFCA5}" type="presParOf" srcId="{C63CBCDB-FBFC-4CCD-B4DB-6C54E08DEB66}" destId="{6EABB571-4AFD-4E61-AC92-C2C4AB439DB7}" srcOrd="1" destOrd="0" presId="urn:microsoft.com/office/officeart/2005/8/layout/hierarchy4"/>
     <dgm:cxn modelId="{1EABDBB6-2188-4AFD-B5A3-CDE751E202D7}" type="presParOf" srcId="{5D77ED90-7BFE-4465-98D6-02B78EB7001E}" destId="{CBFA8BEA-FE6F-4535-92A5-BDA1ECF268A2}" srcOrd="1" destOrd="0" presId="urn:microsoft.com/office/officeart/2005/8/layout/hierarchy4"/>
     <dgm:cxn modelId="{293C46B9-4593-4D5F-8B4F-2207EA212A34}" type="presParOf" srcId="{5D77ED90-7BFE-4465-98D6-02B78EB7001E}" destId="{DE379510-A400-4A74-8033-10A9FDF87D57}" srcOrd="2" destOrd="0" presId="urn:microsoft.com/office/officeart/2005/8/layout/hierarchy4"/>
     <dgm:cxn modelId="{D4BDA12C-4D0B-4AA4-8610-C9C1AF541E5D}" type="presParOf" srcId="{DE379510-A400-4A74-8033-10A9FDF87D57}" destId="{D4A7A214-7C50-41E2-A93E-3EE3B47B079E}" srcOrd="0" destOrd="0" presId="urn:microsoft.com/office/officeart/2005/8/layout/hierarchy4"/>
-    <dgm:cxn modelId="{7E4E271C-11C9-43B6-820D-718DC063790C}" type="presParOf" srcId="{DE379510-A400-4A74-8033-10A9FDF87D57}" destId="{877D592D-086C-4FC9-B9DD-717CAC495BE0}" srcOrd="1" destOrd="0" presId="urn:microsoft.com/office/officeart/2005/8/layout/hierarchy4"/>
+    <dgm:cxn modelId="{917C9F89-4C93-411B-8E99-BA5BC08E1493}" type="presParOf" srcId="{DE379510-A400-4A74-8033-10A9FDF87D57}" destId="{877D592D-086C-4FC9-B9DD-717CAC495BE0}" srcOrd="1" destOrd="0" presId="urn:microsoft.com/office/officeart/2005/8/layout/hierarchy4"/>
     <dgm:cxn modelId="{98274164-FD13-49F6-A8A2-36F3207BF05B}" type="presParOf" srcId="{DE379510-A400-4A74-8033-10A9FDF87D57}" destId="{DF62FA19-3631-41A2-9166-641CBA65F0BB}" srcOrd="2" destOrd="0" presId="urn:microsoft.com/office/officeart/2005/8/layout/hierarchy4"/>
-    <dgm:cxn modelId="{07EB6C8C-87E6-468E-A2D7-41D3A6E18F84}" type="presParOf" srcId="{DF62FA19-3631-41A2-9166-641CBA65F0BB}" destId="{03E584EF-640B-44F4-BE96-37EBD4BE7F57}" srcOrd="0" destOrd="0" presId="urn:microsoft.com/office/officeart/2005/8/layout/hierarchy4"/>
-    <dgm:cxn modelId="{E670AFF6-4024-4F27-AE30-9C4ADEB8F3E0}" type="presParOf" srcId="{03E584EF-640B-44F4-BE96-37EBD4BE7F57}" destId="{DD6CCC0D-2465-40EF-8237-4B98B4358EB6}" srcOrd="0" destOrd="0" presId="urn:microsoft.com/office/officeart/2005/8/layout/hierarchy4"/>
-    <dgm:cxn modelId="{37E6ACDE-536D-49B7-A06F-640659999167}" type="presParOf" srcId="{03E584EF-640B-44F4-BE96-37EBD4BE7F57}" destId="{8986A7A8-B8D4-4051-BB1C-1A70FC4591CD}" srcOrd="1" destOrd="0" presId="urn:microsoft.com/office/officeart/2005/8/layout/hierarchy4"/>
-    <dgm:cxn modelId="{E6C8ADE1-6035-47F7-B10C-343F8C3DB56B}" type="presParOf" srcId="{DF62FA19-3631-41A2-9166-641CBA65F0BB}" destId="{E8A9A4A8-B5E2-41D5-9089-9AD2C0396529}" srcOrd="1" destOrd="0" presId="urn:microsoft.com/office/officeart/2005/8/layout/hierarchy4"/>
-    <dgm:cxn modelId="{E80B0554-5371-437B-B941-CF5A1DB2B600}" type="presParOf" srcId="{DF62FA19-3631-41A2-9166-641CBA65F0BB}" destId="{10CAC278-B704-4B36-BB25-5D84894B048D}" srcOrd="2" destOrd="0" presId="urn:microsoft.com/office/officeart/2005/8/layout/hierarchy4"/>
-    <dgm:cxn modelId="{9F428436-3F1D-414F-828A-50B6B97EDEAB}" type="presParOf" srcId="{10CAC278-B704-4B36-BB25-5D84894B048D}" destId="{E1D191CF-7B2A-4E81-8F9B-57C1DF678934}" srcOrd="0" destOrd="0" presId="urn:microsoft.com/office/officeart/2005/8/layout/hierarchy4"/>
-    <dgm:cxn modelId="{9C6D1212-A3C5-433D-A525-966D6F9BE3D3}" type="presParOf" srcId="{10CAC278-B704-4B36-BB25-5D84894B048D}" destId="{3EC9291C-2610-4320-9975-FEB569A380FF}" srcOrd="1" destOrd="0" presId="urn:microsoft.com/office/officeart/2005/8/layout/hierarchy4"/>
-    <dgm:cxn modelId="{298580BD-050E-479A-8FAF-B0A21FCDF605}" type="presParOf" srcId="{DF62FA19-3631-41A2-9166-641CBA65F0BB}" destId="{632F0D95-1FBD-4E0B-B851-04DC07E3571D}" srcOrd="3" destOrd="0" presId="urn:microsoft.com/office/officeart/2005/8/layout/hierarchy4"/>
-    <dgm:cxn modelId="{60003EB4-36EA-4C07-9300-C76EF9D89010}" type="presParOf" srcId="{DF62FA19-3631-41A2-9166-641CBA65F0BB}" destId="{2489600F-E7C6-49F7-802C-A03A868E76AA}" srcOrd="4" destOrd="0" presId="urn:microsoft.com/office/officeart/2005/8/layout/hierarchy4"/>
-    <dgm:cxn modelId="{B29BC64E-2C41-4F4C-9239-F53B22E7B9C0}" type="presParOf" srcId="{2489600F-E7C6-49F7-802C-A03A868E76AA}" destId="{733A17C4-8762-4DF8-9419-4F74CB5818D4}" srcOrd="0" destOrd="0" presId="urn:microsoft.com/office/officeart/2005/8/layout/hierarchy4"/>
-    <dgm:cxn modelId="{928391D3-6BCF-473C-8C70-BFB76632562E}" type="presParOf" srcId="{2489600F-E7C6-49F7-802C-A03A868E76AA}" destId="{1D9AE1CD-DEE0-47A8-B0AA-46AB9FE171BA}" srcOrd="1" destOrd="0" presId="urn:microsoft.com/office/officeart/2005/8/layout/hierarchy4"/>
-    <dgm:cxn modelId="{1AF6962F-34F2-4F61-A34F-DED849356D97}" type="presParOf" srcId="{5D77ED90-7BFE-4465-98D6-02B78EB7001E}" destId="{939CE7C4-CB35-441C-995E-49902D17DA6C}" srcOrd="3" destOrd="0" presId="urn:microsoft.com/office/officeart/2005/8/layout/hierarchy4"/>
-    <dgm:cxn modelId="{874F3C9F-348C-4028-9461-A7DEAE9E5727}" type="presParOf" srcId="{5D77ED90-7BFE-4465-98D6-02B78EB7001E}" destId="{323D5E4C-D458-4D2C-8626-88C47DA85D7D}" srcOrd="4" destOrd="0" presId="urn:microsoft.com/office/officeart/2005/8/layout/hierarchy4"/>
-    <dgm:cxn modelId="{331A3BDD-4232-44B0-914E-E397DBC69AD0}" type="presParOf" srcId="{323D5E4C-D458-4D2C-8626-88C47DA85D7D}" destId="{EB0E2488-FA8B-44A4-B3AD-61E4BE0CBBE1}" srcOrd="0" destOrd="0" presId="urn:microsoft.com/office/officeart/2005/8/layout/hierarchy4"/>
-    <dgm:cxn modelId="{88FB64A5-F846-4560-97C8-A2D32CBAFBEE}" type="presParOf" srcId="{323D5E4C-D458-4D2C-8626-88C47DA85D7D}" destId="{CFF188F0-D8E0-48DE-9DB9-5E0D10123429}" srcOrd="1" destOrd="0" presId="urn:microsoft.com/office/officeart/2005/8/layout/hierarchy4"/>
-    <dgm:cxn modelId="{DBBB5981-FF52-4CF0-A1BA-492585485678}" type="presParOf" srcId="{323D5E4C-D458-4D2C-8626-88C47DA85D7D}" destId="{A2DFA67B-BDF5-460F-A33E-E0C4B1CBB08A}" srcOrd="2" destOrd="0" presId="urn:microsoft.com/office/officeart/2005/8/layout/hierarchy4"/>
-    <dgm:cxn modelId="{9BC96F83-DCC4-47E2-953D-2112773A3957}" type="presParOf" srcId="{A2DFA67B-BDF5-460F-A33E-E0C4B1CBB08A}" destId="{96C168F2-0368-4FD5-B70F-4CA47BCD8B6A}" srcOrd="0" destOrd="0" presId="urn:microsoft.com/office/officeart/2005/8/layout/hierarchy4"/>
-    <dgm:cxn modelId="{8DA360A1-9207-4B40-AB1F-683040E8B96D}" type="presParOf" srcId="{96C168F2-0368-4FD5-B70F-4CA47BCD8B6A}" destId="{E32B45D9-A9C4-4E8D-9BD0-04E8CD541A40}" srcOrd="0" destOrd="0" presId="urn:microsoft.com/office/officeart/2005/8/layout/hierarchy4"/>
-    <dgm:cxn modelId="{64E670AB-A465-4A93-90C5-8B0D4D63F9D0}" type="presParOf" srcId="{96C168F2-0368-4FD5-B70F-4CA47BCD8B6A}" destId="{F8F342F2-9AD5-4960-A74E-A8DDFDEDE547}" srcOrd="1" destOrd="0" presId="urn:microsoft.com/office/officeart/2005/8/layout/hierarchy4"/>
+    <dgm:cxn modelId="{27BEE5F7-3F66-425E-B9A5-CFE2163AF692}" type="presParOf" srcId="{DF62FA19-3631-41A2-9166-641CBA65F0BB}" destId="{17EF17C0-6BD6-4DBD-BB95-F556B50D3F01}" srcOrd="0" destOrd="0" presId="urn:microsoft.com/office/officeart/2005/8/layout/hierarchy4"/>
+    <dgm:cxn modelId="{358603D6-D9DC-4DF9-8F6E-C79F9A244505}" type="presParOf" srcId="{17EF17C0-6BD6-4DBD-BB95-F556B50D3F01}" destId="{04495235-ADE6-4CAA-B604-F17293788D26}" srcOrd="0" destOrd="0" presId="urn:microsoft.com/office/officeart/2005/8/layout/hierarchy4"/>
+    <dgm:cxn modelId="{B6C85C8A-0535-440A-835C-9B5F86CD67C9}" type="presParOf" srcId="{17EF17C0-6BD6-4DBD-BB95-F556B50D3F01}" destId="{C19402BB-0F32-4856-93E8-B93305749BEE}" srcOrd="1" destOrd="0" presId="urn:microsoft.com/office/officeart/2005/8/layout/hierarchy4"/>
+    <dgm:cxn modelId="{ABADE084-AB49-4BA1-855B-6D5A88DEC0C1}" type="presParOf" srcId="{DF62FA19-3631-41A2-9166-641CBA65F0BB}" destId="{FE7F9C44-1674-4C6C-9F9B-BD17C944117F}" srcOrd="1" destOrd="0" presId="urn:microsoft.com/office/officeart/2005/8/layout/hierarchy4"/>
+    <dgm:cxn modelId="{FF6F0652-25C7-46E5-85A2-B0AD483C382B}" type="presParOf" srcId="{DF62FA19-3631-41A2-9166-641CBA65F0BB}" destId="{03E584EF-640B-44F4-BE96-37EBD4BE7F57}" srcOrd="2" destOrd="0" presId="urn:microsoft.com/office/officeart/2005/8/layout/hierarchy4"/>
+    <dgm:cxn modelId="{4150CF4A-9993-47B4-9CE7-25DBEE37BAE3}" type="presParOf" srcId="{03E584EF-640B-44F4-BE96-37EBD4BE7F57}" destId="{DD6CCC0D-2465-40EF-8237-4B98B4358EB6}" srcOrd="0" destOrd="0" presId="urn:microsoft.com/office/officeart/2005/8/layout/hierarchy4"/>
+    <dgm:cxn modelId="{68321EFE-70C4-42B3-BFCD-C142789D6465}" type="presParOf" srcId="{03E584EF-640B-44F4-BE96-37EBD4BE7F57}" destId="{8986A7A8-B8D4-4051-BB1C-1A70FC4591CD}" srcOrd="1" destOrd="0" presId="urn:microsoft.com/office/officeart/2005/8/layout/hierarchy4"/>
+    <dgm:cxn modelId="{621095AF-1596-4BB6-BBC4-162315943564}" type="presParOf" srcId="{DF62FA19-3631-41A2-9166-641CBA65F0BB}" destId="{E8A9A4A8-B5E2-41D5-9089-9AD2C0396529}" srcOrd="3" destOrd="0" presId="urn:microsoft.com/office/officeart/2005/8/layout/hierarchy4"/>
+    <dgm:cxn modelId="{BC3566A0-0D4C-4AF8-95A4-4FC0FF245A7D}" type="presParOf" srcId="{DF62FA19-3631-41A2-9166-641CBA65F0BB}" destId="{2489600F-E7C6-49F7-802C-A03A868E76AA}" srcOrd="4" destOrd="0" presId="urn:microsoft.com/office/officeart/2005/8/layout/hierarchy4"/>
+    <dgm:cxn modelId="{9F3168BC-3E8E-4BEC-959A-72F01E4C325B}" type="presParOf" srcId="{2489600F-E7C6-49F7-802C-A03A868E76AA}" destId="{733A17C4-8762-4DF8-9419-4F74CB5818D4}" srcOrd="0" destOrd="0" presId="urn:microsoft.com/office/officeart/2005/8/layout/hierarchy4"/>
+    <dgm:cxn modelId="{4839B7AC-2815-496C-AE7A-315C1539CAA6}" type="presParOf" srcId="{2489600F-E7C6-49F7-802C-A03A868E76AA}" destId="{1D9AE1CD-DEE0-47A8-B0AA-46AB9FE171BA}" srcOrd="1" destOrd="0" presId="urn:microsoft.com/office/officeart/2005/8/layout/hierarchy4"/>
+    <dgm:cxn modelId="{CA2CC64C-C51A-48B5-93D4-D146572EAF9B}" type="presParOf" srcId="{5D77ED90-7BFE-4465-98D6-02B78EB7001E}" destId="{939CE7C4-CB35-441C-995E-49902D17DA6C}" srcOrd="3" destOrd="0" presId="urn:microsoft.com/office/officeart/2005/8/layout/hierarchy4"/>
+    <dgm:cxn modelId="{AC7FE75B-5A4A-4EDB-907C-58F48E11D724}" type="presParOf" srcId="{5D77ED90-7BFE-4465-98D6-02B78EB7001E}" destId="{323D5E4C-D458-4D2C-8626-88C47DA85D7D}" srcOrd="4" destOrd="0" presId="urn:microsoft.com/office/officeart/2005/8/layout/hierarchy4"/>
+    <dgm:cxn modelId="{41992C0E-06B0-442B-A564-4B427A87588E}" type="presParOf" srcId="{323D5E4C-D458-4D2C-8626-88C47DA85D7D}" destId="{EB0E2488-FA8B-44A4-B3AD-61E4BE0CBBE1}" srcOrd="0" destOrd="0" presId="urn:microsoft.com/office/officeart/2005/8/layout/hierarchy4"/>
+    <dgm:cxn modelId="{26270230-9270-4349-8034-7B5352F8D923}" type="presParOf" srcId="{323D5E4C-D458-4D2C-8626-88C47DA85D7D}" destId="{CFF188F0-D8E0-48DE-9DB9-5E0D10123429}" srcOrd="1" destOrd="0" presId="urn:microsoft.com/office/officeart/2005/8/layout/hierarchy4"/>
+    <dgm:cxn modelId="{FDEE219C-640A-457F-8EF7-B24E408EB0F2}" type="presParOf" srcId="{323D5E4C-D458-4D2C-8626-88C47DA85D7D}" destId="{A2DFA67B-BDF5-460F-A33E-E0C4B1CBB08A}" srcOrd="2" destOrd="0" presId="urn:microsoft.com/office/officeart/2005/8/layout/hierarchy4"/>
+    <dgm:cxn modelId="{B89DA072-C653-48E5-9CD0-3DD1564E9B31}" type="presParOf" srcId="{A2DFA67B-BDF5-460F-A33E-E0C4B1CBB08A}" destId="{96C168F2-0368-4FD5-B70F-4CA47BCD8B6A}" srcOrd="0" destOrd="0" presId="urn:microsoft.com/office/officeart/2005/8/layout/hierarchy4"/>
+    <dgm:cxn modelId="{FCD9450A-4082-4635-886F-4E9A0C9F1E8B}" type="presParOf" srcId="{96C168F2-0368-4FD5-B70F-4CA47BCD8B6A}" destId="{E32B45D9-A9C4-4E8D-9BD0-04E8CD541A40}" srcOrd="0" destOrd="0" presId="urn:microsoft.com/office/officeart/2005/8/layout/hierarchy4"/>
+    <dgm:cxn modelId="{2D75FCF0-D78E-4DC7-A12C-C58934580242}" type="presParOf" srcId="{96C168F2-0368-4FD5-B70F-4CA47BCD8B6A}" destId="{F8F342F2-9AD5-4960-A74E-A8DDFDEDE547}" srcOrd="1" destOrd="0" presId="urn:microsoft.com/office/officeart/2005/8/layout/hierarchy4"/>
+    <dgm:cxn modelId="{0B19D92C-D738-4315-A3F9-459015812DC7}" type="presParOf" srcId="{5D77ED90-7BFE-4465-98D6-02B78EB7001E}" destId="{96C866E2-E49C-4ED4-AEE9-CF2E1EFCDF3C}" srcOrd="5" destOrd="0" presId="urn:microsoft.com/office/officeart/2005/8/layout/hierarchy4"/>
+    <dgm:cxn modelId="{07B2C21D-75F3-4782-8BC3-BE5781ADFF92}" type="presParOf" srcId="{5D77ED90-7BFE-4465-98D6-02B78EB7001E}" destId="{D9EDA951-BA93-4ECF-9BFA-04EC5B75905D}" srcOrd="6" destOrd="0" presId="urn:microsoft.com/office/officeart/2005/8/layout/hierarchy4"/>
+    <dgm:cxn modelId="{544481E8-60DD-4CA9-8B0E-2A668281A524}" type="presParOf" srcId="{D9EDA951-BA93-4ECF-9BFA-04EC5B75905D}" destId="{F413ED24-2DCA-413C-A851-2483905C8BE4}" srcOrd="0" destOrd="0" presId="urn:microsoft.com/office/officeart/2005/8/layout/hierarchy4"/>
+    <dgm:cxn modelId="{957069EC-5217-4F6E-BEAB-AE9297B25837}" type="presParOf" srcId="{D9EDA951-BA93-4ECF-9BFA-04EC5B75905D}" destId="{D90CD89E-702B-4EF1-944B-6735329B67CC}" srcOrd="1" destOrd="0" presId="urn:microsoft.com/office/officeart/2005/8/layout/hierarchy4"/>
+    <dgm:cxn modelId="{10C4FAE0-1C2A-4CBB-9DEF-245E4B3237F9}" type="presParOf" srcId="{D9EDA951-BA93-4ECF-9BFA-04EC5B75905D}" destId="{60C84CCF-ED10-48ED-B63E-8E7E0842C5B8}" srcOrd="2" destOrd="0" presId="urn:microsoft.com/office/officeart/2005/8/layout/hierarchy4"/>
+    <dgm:cxn modelId="{E7E03A11-E603-4AC2-A3DD-89AEA92CAD65}" type="presParOf" srcId="{60C84CCF-ED10-48ED-B63E-8E7E0842C5B8}" destId="{953E2AA3-1AE7-4B9B-BE59-F6D4E5CBD0B2}" srcOrd="0" destOrd="0" presId="urn:microsoft.com/office/officeart/2005/8/layout/hierarchy4"/>
+    <dgm:cxn modelId="{74C5D7C1-C9DF-442F-B8D9-66A406FC2731}" type="presParOf" srcId="{953E2AA3-1AE7-4B9B-BE59-F6D4E5CBD0B2}" destId="{215C4592-758F-43E0-9BC9-7B8ED09814FE}" srcOrd="0" destOrd="0" presId="urn:microsoft.com/office/officeart/2005/8/layout/hierarchy4"/>
+    <dgm:cxn modelId="{79E8E534-6A1B-43F6-99D2-9B5CAEB30F31}" type="presParOf" srcId="{953E2AA3-1AE7-4B9B-BE59-F6D4E5CBD0B2}" destId="{024DF420-B734-4521-B1E5-1FD38B8FC137}" srcOrd="1" destOrd="0" presId="urn:microsoft.com/office/officeart/2005/8/layout/hierarchy4"/>
   </dgm:cxnLst>
   <dgm:bg/>
   <dgm:whole/>
@@ -1608,8 +1874,8 @@
       </dsp:nvSpPr>
       <dsp:spPr>
         <a:xfrm>
-          <a:off x="6282" y="2189"/>
-          <a:ext cx="10957059" cy="1459402"/>
+          <a:off x="1620" y="1411"/>
+          <a:ext cx="10966384" cy="1364742"/>
         </a:xfrm>
         <a:prstGeom prst="roundRect">
           <a:avLst>
@@ -1653,12 +1919,12 @@
         </a:fontRef>
       </dsp:style>
       <dsp:txBody>
-        <a:bodyPr spcFirstLastPara="0" vert="horz" wrap="square" lIns="186690" tIns="186690" rIns="186690" bIns="186690" numCol="1" spcCol="1270" anchor="ctr" anchorCtr="0">
+        <a:bodyPr spcFirstLastPara="0" vert="horz" wrap="square" lIns="175260" tIns="175260" rIns="175260" bIns="175260" numCol="1" spcCol="1270" anchor="ctr" anchorCtr="0">
           <a:noAutofit/>
         </a:bodyPr>
         <a:lstStyle/>
         <a:p>
-          <a:pPr lvl="0" algn="ctr" defTabSz="2178050">
+          <a:pPr lvl="0" algn="ctr" defTabSz="2044700">
             <a:lnSpc>
               <a:spcPct val="90000"/>
             </a:lnSpc>
@@ -1670,15 +1936,15 @@
             </a:spcAft>
           </a:pPr>
           <a:r>
-            <a:rPr lang="zh-CN" altLang="en-US" sz="4900" kern="1200" dirty="0" smtClean="0"/>
+            <a:rPr lang="zh-CN" altLang="en-US" sz="4600" kern="1200" dirty="0" smtClean="0"/>
             <a:t>接口自动化测试</a:t>
           </a:r>
-          <a:endParaRPr lang="zh-CN" altLang="en-US" sz="4900" kern="1200" dirty="0"/>
+          <a:endParaRPr lang="zh-CN" altLang="en-US" sz="4600" kern="1200" dirty="0"/>
         </a:p>
       </dsp:txBody>
       <dsp:txXfrm>
-        <a:off x="49026" y="44933"/>
-        <a:ext cx="10871571" cy="1373914"/>
+        <a:off x="41592" y="41383"/>
+        <a:ext cx="10886440" cy="1284798"/>
       </dsp:txXfrm>
     </dsp:sp>
     <dsp:sp modelId="{88762BC2-CE17-4296-8D69-627F1CC6B320}">
@@ -1688,8 +1954,8 @@
       </dsp:nvSpPr>
       <dsp:spPr>
         <a:xfrm>
-          <a:off x="6282" y="1649961"/>
-          <a:ext cx="2086264" cy="1459402"/>
+          <a:off x="1620" y="1553622"/>
+          <a:ext cx="3035152" cy="1364742"/>
         </a:xfrm>
         <a:prstGeom prst="roundRect">
           <a:avLst>
@@ -1733,12 +1999,12 @@
         </a:fontRef>
       </dsp:style>
       <dsp:txBody>
-        <a:bodyPr spcFirstLastPara="0" vert="horz" wrap="square" lIns="129540" tIns="129540" rIns="129540" bIns="129540" numCol="1" spcCol="1270" anchor="ctr" anchorCtr="0">
+        <a:bodyPr spcFirstLastPara="0" vert="horz" wrap="square" lIns="87630" tIns="87630" rIns="87630" bIns="87630" numCol="1" spcCol="1270" anchor="ctr" anchorCtr="0">
           <a:noAutofit/>
         </a:bodyPr>
         <a:lstStyle/>
         <a:p>
-          <a:pPr lvl="0" algn="ctr" defTabSz="1511300">
+          <a:pPr lvl="0" algn="ctr" defTabSz="1022350">
             <a:lnSpc>
               <a:spcPct val="90000"/>
             </a:lnSpc>
@@ -1750,15 +2016,15 @@
             </a:spcAft>
           </a:pPr>
           <a:r>
-            <a:rPr lang="zh-CN" altLang="en-US" sz="3400" kern="1200" dirty="0" smtClean="0"/>
-            <a:t>测试数据</a:t>
+            <a:rPr lang="zh-CN" altLang="en-US" sz="2300" kern="1200" dirty="0" smtClean="0"/>
+            <a:t>测试用例</a:t>
           </a:r>
-          <a:endParaRPr lang="zh-CN" altLang="en-US" sz="3400" kern="1200" dirty="0"/>
+          <a:endParaRPr lang="zh-CN" altLang="en-US" sz="2300" kern="1200" dirty="0"/>
         </a:p>
       </dsp:txBody>
       <dsp:txXfrm>
-        <a:off x="49026" y="1692705"/>
-        <a:ext cx="2000776" cy="1373914"/>
+        <a:off x="41592" y="1593594"/>
+        <a:ext cx="2955208" cy="1284798"/>
       </dsp:txXfrm>
     </dsp:sp>
     <dsp:sp modelId="{55E92CA7-EEFB-4CA4-AF8F-3F562BE9164F}">
@@ -1768,8 +2034,8 @@
       </dsp:nvSpPr>
       <dsp:spPr>
         <a:xfrm>
-          <a:off x="6282" y="3297732"/>
-          <a:ext cx="2086264" cy="1459402"/>
+          <a:off x="1620" y="3105834"/>
+          <a:ext cx="1486362" cy="1364742"/>
         </a:xfrm>
         <a:prstGeom prst="roundRect">
           <a:avLst>
@@ -1813,12 +2079,12 @@
         </a:fontRef>
       </dsp:style>
       <dsp:txBody>
-        <a:bodyPr spcFirstLastPara="0" vert="horz" wrap="square" lIns="129540" tIns="129540" rIns="129540" bIns="129540" numCol="1" spcCol="1270" anchor="ctr" anchorCtr="0">
+        <a:bodyPr spcFirstLastPara="0" vert="horz" wrap="square" lIns="87630" tIns="87630" rIns="87630" bIns="87630" numCol="1" spcCol="1270" anchor="ctr" anchorCtr="0">
           <a:noAutofit/>
         </a:bodyPr>
         <a:lstStyle/>
         <a:p>
-          <a:pPr lvl="0" algn="ctr" defTabSz="1511300">
+          <a:pPr lvl="0" algn="ctr" defTabSz="1022350">
             <a:lnSpc>
               <a:spcPct val="90000"/>
             </a:lnSpc>
@@ -1830,15 +2096,131 @@
             </a:spcAft>
           </a:pPr>
           <a:r>
-            <a:rPr lang="zh-CN" altLang="en-US" sz="3400" kern="1200" dirty="0" smtClean="0"/>
-            <a:t>游戏账号</a:t>
+            <a:rPr lang="zh-CN" altLang="en-US" sz="2300" kern="1200" dirty="0" smtClean="0"/>
+            <a:t>测试</a:t>
           </a:r>
-          <a:endParaRPr lang="zh-CN" altLang="en-US" sz="3400" kern="1200" dirty="0"/>
+          <a:endParaRPr lang="en-US" altLang="zh-CN" sz="2300" kern="1200" dirty="0" smtClean="0"/>
+        </a:p>
+        <a:p>
+          <a:pPr lvl="0" algn="ctr" defTabSz="1022350">
+            <a:lnSpc>
+              <a:spcPct val="90000"/>
+            </a:lnSpc>
+            <a:spcBef>
+              <a:spcPct val="0"/>
+            </a:spcBef>
+            <a:spcAft>
+              <a:spcPct val="35000"/>
+            </a:spcAft>
+          </a:pPr>
+          <a:r>
+            <a:rPr lang="zh-CN" altLang="en-US" sz="2300" kern="1200" dirty="0" smtClean="0"/>
+            <a:t>逻辑</a:t>
+          </a:r>
+          <a:endParaRPr lang="zh-CN" altLang="en-US" sz="2300" kern="1200" dirty="0"/>
         </a:p>
       </dsp:txBody>
       <dsp:txXfrm>
-        <a:off x="49026" y="3340476"/>
-        <a:ext cx="2000776" cy="1373914"/>
+        <a:off x="41592" y="3145806"/>
+        <a:ext cx="1406418" cy="1284798"/>
+      </dsp:txXfrm>
+    </dsp:sp>
+    <dsp:sp modelId="{E4B05D9C-F90A-4D33-B9F5-DF252F976796}">
+      <dsp:nvSpPr>
+        <dsp:cNvPr id="0" name=""/>
+        <dsp:cNvSpPr/>
+      </dsp:nvSpPr>
+      <dsp:spPr>
+        <a:xfrm>
+          <a:off x="1550410" y="3105834"/>
+          <a:ext cx="1486362" cy="1364742"/>
+        </a:xfrm>
+        <a:prstGeom prst="roundRect">
+          <a:avLst>
+            <a:gd name="adj" fmla="val 10000"/>
+          </a:avLst>
+        </a:prstGeom>
+        <a:solidFill>
+          <a:schemeClr val="accent6">
+            <a:hueOff val="0"/>
+            <a:satOff val="0"/>
+            <a:lumOff val="0"/>
+            <a:alphaOff val="0"/>
+          </a:schemeClr>
+        </a:solidFill>
+        <a:ln w="12700" cap="flat" cmpd="sng" algn="ctr">
+          <a:solidFill>
+            <a:schemeClr val="lt1">
+              <a:hueOff val="0"/>
+              <a:satOff val="0"/>
+              <a:lumOff val="0"/>
+              <a:alphaOff val="0"/>
+            </a:schemeClr>
+          </a:solidFill>
+          <a:prstDash val="solid"/>
+          <a:miter lim="800000"/>
+        </a:ln>
+        <a:effectLst/>
+      </dsp:spPr>
+      <dsp:style>
+        <a:lnRef idx="2">
+          <a:scrgbClr r="0" g="0" b="0"/>
+        </a:lnRef>
+        <a:fillRef idx="1">
+          <a:scrgbClr r="0" g="0" b="0"/>
+        </a:fillRef>
+        <a:effectRef idx="0">
+          <a:scrgbClr r="0" g="0" b="0"/>
+        </a:effectRef>
+        <a:fontRef idx="minor">
+          <a:schemeClr val="lt1"/>
+        </a:fontRef>
+      </dsp:style>
+      <dsp:txBody>
+        <a:bodyPr spcFirstLastPara="0" vert="horz" wrap="square" lIns="87630" tIns="87630" rIns="87630" bIns="87630" numCol="1" spcCol="1270" anchor="ctr" anchorCtr="0">
+          <a:noAutofit/>
+        </a:bodyPr>
+        <a:lstStyle/>
+        <a:p>
+          <a:pPr lvl="0" algn="ctr" defTabSz="1022350">
+            <a:lnSpc>
+              <a:spcPct val="90000"/>
+            </a:lnSpc>
+            <a:spcBef>
+              <a:spcPct val="0"/>
+            </a:spcBef>
+            <a:spcAft>
+              <a:spcPct val="35000"/>
+            </a:spcAft>
+          </a:pPr>
+          <a:r>
+            <a:rPr lang="zh-CN" altLang="en-US" sz="2300" kern="1200" dirty="0" smtClean="0"/>
+            <a:t>测试</a:t>
+          </a:r>
+          <a:endParaRPr lang="en-US" altLang="zh-CN" sz="2300" kern="1200" dirty="0" smtClean="0"/>
+        </a:p>
+        <a:p>
+          <a:pPr lvl="0" algn="ctr" defTabSz="1022350">
+            <a:lnSpc>
+              <a:spcPct val="90000"/>
+            </a:lnSpc>
+            <a:spcBef>
+              <a:spcPct val="0"/>
+            </a:spcBef>
+            <a:spcAft>
+              <a:spcPct val="35000"/>
+            </a:spcAft>
+          </a:pPr>
+          <a:r>
+            <a:rPr lang="zh-CN" altLang="en-US" sz="2300" kern="1200" dirty="0" smtClean="0"/>
+            <a:t>数据</a:t>
+          </a:r>
+          <a:endParaRPr lang="zh-CN" altLang="en-US" sz="2300" kern="1200" dirty="0"/>
+        </a:p>
+      </dsp:txBody>
+      <dsp:txXfrm>
+        <a:off x="1590382" y="3145806"/>
+        <a:ext cx="1406418" cy="1284798"/>
       </dsp:txXfrm>
     </dsp:sp>
     <dsp:sp modelId="{D4A7A214-7C50-41E2-A93E-3EE3B47B079E}">
@@ -1848,8 +2230,8 @@
       </dsp:nvSpPr>
       <dsp:spPr>
         <a:xfrm>
-          <a:off x="2267793" y="1649961"/>
-          <a:ext cx="6434038" cy="1459402"/>
+          <a:off x="3161627" y="1553622"/>
+          <a:ext cx="4583942" cy="1364742"/>
         </a:xfrm>
         <a:prstGeom prst="roundRect">
           <a:avLst>
@@ -1893,12 +2275,12 @@
         </a:fontRef>
       </dsp:style>
       <dsp:txBody>
-        <a:bodyPr spcFirstLastPara="0" vert="horz" wrap="square" lIns="129540" tIns="129540" rIns="129540" bIns="129540" numCol="1" spcCol="1270" anchor="ctr" anchorCtr="0">
+        <a:bodyPr spcFirstLastPara="0" vert="horz" wrap="square" lIns="87630" tIns="87630" rIns="87630" bIns="87630" numCol="1" spcCol="1270" anchor="ctr" anchorCtr="0">
           <a:noAutofit/>
         </a:bodyPr>
         <a:lstStyle/>
         <a:p>
-          <a:pPr lvl="0" algn="ctr" defTabSz="1511300">
+          <a:pPr lvl="0" algn="ctr" defTabSz="1022350">
             <a:lnSpc>
               <a:spcPct val="90000"/>
             </a:lnSpc>
@@ -1910,26 +2292,26 @@
             </a:spcAft>
           </a:pPr>
           <a:r>
-            <a:rPr lang="zh-CN" altLang="en-US" sz="3400" kern="1200" dirty="0" smtClean="0"/>
+            <a:rPr lang="zh-CN" altLang="en-US" sz="2300" kern="1200" dirty="0" smtClean="0"/>
             <a:t>测试过程</a:t>
           </a:r>
-          <a:endParaRPr lang="zh-CN" altLang="en-US" sz="3400" kern="1200" dirty="0"/>
+          <a:endParaRPr lang="zh-CN" altLang="en-US" sz="2300" kern="1200" dirty="0"/>
         </a:p>
       </dsp:txBody>
       <dsp:txXfrm>
-        <a:off x="2310537" y="1692705"/>
-        <a:ext cx="6348550" cy="1373914"/>
+        <a:off x="3201599" y="1593594"/>
+        <a:ext cx="4503998" cy="1284798"/>
       </dsp:txXfrm>
     </dsp:sp>
-    <dsp:sp modelId="{DD6CCC0D-2465-40EF-8237-4B98B4358EB6}">
+    <dsp:sp modelId="{04495235-ADE6-4CAA-B604-F17293788D26}">
       <dsp:nvSpPr>
         <dsp:cNvPr id="0" name=""/>
         <dsp:cNvSpPr/>
       </dsp:nvSpPr>
       <dsp:spPr>
         <a:xfrm>
-          <a:off x="2267793" y="3297732"/>
-          <a:ext cx="2086264" cy="1459402"/>
+          <a:off x="3161627" y="3105834"/>
+          <a:ext cx="1486362" cy="1364742"/>
         </a:xfrm>
         <a:prstGeom prst="roundRect">
           <a:avLst>
@@ -1973,12 +2355,12 @@
         </a:fontRef>
       </dsp:style>
       <dsp:txBody>
-        <a:bodyPr spcFirstLastPara="0" vert="horz" wrap="square" lIns="129540" tIns="129540" rIns="129540" bIns="129540" numCol="1" spcCol="1270" anchor="ctr" anchorCtr="0">
+        <a:bodyPr spcFirstLastPara="0" vert="horz" wrap="square" lIns="87630" tIns="87630" rIns="87630" bIns="87630" numCol="1" spcCol="1270" anchor="ctr" anchorCtr="0">
           <a:noAutofit/>
         </a:bodyPr>
         <a:lstStyle/>
         <a:p>
-          <a:pPr lvl="0" algn="ctr" defTabSz="1511300">
+          <a:pPr lvl="0" algn="ctr" defTabSz="1022350">
             <a:lnSpc>
               <a:spcPct val="90000"/>
             </a:lnSpc>
@@ -1990,26 +2372,44 @@
             </a:spcAft>
           </a:pPr>
           <a:r>
-            <a:rPr lang="zh-CN" altLang="en-US" sz="3400" kern="1200" dirty="0" smtClean="0"/>
-            <a:t>收发数据</a:t>
+            <a:rPr lang="zh-CN" altLang="en-US" sz="2300" kern="1200" dirty="0" smtClean="0"/>
+            <a:t>测试</a:t>
           </a:r>
-          <a:endParaRPr lang="zh-CN" altLang="en-US" sz="3400" kern="1200" dirty="0"/>
+          <a:endParaRPr lang="en-US" altLang="zh-CN" sz="2300" kern="1200" dirty="0" smtClean="0"/>
+        </a:p>
+        <a:p>
+          <a:pPr lvl="0" algn="ctr" defTabSz="1022350">
+            <a:lnSpc>
+              <a:spcPct val="90000"/>
+            </a:lnSpc>
+            <a:spcBef>
+              <a:spcPct val="0"/>
+            </a:spcBef>
+            <a:spcAft>
+              <a:spcPct val="35000"/>
+            </a:spcAft>
+          </a:pPr>
+          <a:r>
+            <a:rPr lang="zh-CN" altLang="en-US" sz="2300" kern="1200" dirty="0" smtClean="0"/>
+            <a:t>执行</a:t>
+          </a:r>
+          <a:endParaRPr lang="zh-CN" altLang="en-US" sz="2300" kern="1200" dirty="0"/>
         </a:p>
       </dsp:txBody>
       <dsp:txXfrm>
-        <a:off x="2310537" y="3340476"/>
-        <a:ext cx="2000776" cy="1373914"/>
+        <a:off x="3201599" y="3145806"/>
+        <a:ext cx="1406418" cy="1284798"/>
       </dsp:txXfrm>
     </dsp:sp>
-    <dsp:sp modelId="{E1D191CF-7B2A-4E81-8F9B-57C1DF678934}">
+    <dsp:sp modelId="{DD6CCC0D-2465-40EF-8237-4B98B4358EB6}">
       <dsp:nvSpPr>
         <dsp:cNvPr id="0" name=""/>
         <dsp:cNvSpPr/>
       </dsp:nvSpPr>
       <dsp:spPr>
         <a:xfrm>
-          <a:off x="4441680" y="3297732"/>
-          <a:ext cx="2086264" cy="1459402"/>
+          <a:off x="4710417" y="3105834"/>
+          <a:ext cx="1486362" cy="1364742"/>
         </a:xfrm>
         <a:prstGeom prst="roundRect">
           <a:avLst>
@@ -2053,12 +2453,12 @@
         </a:fontRef>
       </dsp:style>
       <dsp:txBody>
-        <a:bodyPr spcFirstLastPara="0" vert="horz" wrap="square" lIns="129540" tIns="129540" rIns="129540" bIns="129540" numCol="1" spcCol="1270" anchor="ctr" anchorCtr="0">
+        <a:bodyPr spcFirstLastPara="0" vert="horz" wrap="square" lIns="87630" tIns="87630" rIns="87630" bIns="87630" numCol="1" spcCol="1270" anchor="ctr" anchorCtr="0">
           <a:noAutofit/>
         </a:bodyPr>
         <a:lstStyle/>
         <a:p>
-          <a:pPr lvl="0" algn="ctr" defTabSz="1511300">
+          <a:pPr lvl="0" algn="ctr" defTabSz="1022350">
             <a:lnSpc>
               <a:spcPct val="90000"/>
             </a:lnSpc>
@@ -2070,15 +2470,33 @@
             </a:spcAft>
           </a:pPr>
           <a:r>
-            <a:rPr lang="zh-CN" altLang="en-US" sz="3400" kern="1200" dirty="0" smtClean="0"/>
-            <a:t>数据验证</a:t>
+            <a:rPr lang="zh-CN" altLang="en-US" sz="2300" kern="1200" dirty="0" smtClean="0"/>
+            <a:t>数据</a:t>
           </a:r>
-          <a:endParaRPr lang="zh-CN" altLang="en-US" sz="3400" kern="1200" dirty="0"/>
+          <a:endParaRPr lang="en-US" altLang="zh-CN" sz="2300" kern="1200" dirty="0" smtClean="0"/>
+        </a:p>
+        <a:p>
+          <a:pPr lvl="0" algn="ctr" defTabSz="1022350">
+            <a:lnSpc>
+              <a:spcPct val="90000"/>
+            </a:lnSpc>
+            <a:spcBef>
+              <a:spcPct val="0"/>
+            </a:spcBef>
+            <a:spcAft>
+              <a:spcPct val="35000"/>
+            </a:spcAft>
+          </a:pPr>
+          <a:r>
+            <a:rPr lang="zh-CN" altLang="en-US" sz="2300" kern="1200" dirty="0" smtClean="0"/>
+            <a:t>验证</a:t>
+          </a:r>
+          <a:endParaRPr lang="zh-CN" altLang="en-US" sz="2300" kern="1200" dirty="0"/>
         </a:p>
       </dsp:txBody>
       <dsp:txXfrm>
-        <a:off x="4484424" y="3340476"/>
-        <a:ext cx="2000776" cy="1373914"/>
+        <a:off x="4750389" y="3145806"/>
+        <a:ext cx="1406418" cy="1284798"/>
       </dsp:txXfrm>
     </dsp:sp>
     <dsp:sp modelId="{733A17C4-8762-4DF8-9419-4F74CB5818D4}">
@@ -2088,8 +2506,8 @@
       </dsp:nvSpPr>
       <dsp:spPr>
         <a:xfrm>
-          <a:off x="6615567" y="3297732"/>
-          <a:ext cx="2086264" cy="1459402"/>
+          <a:off x="6259207" y="3105834"/>
+          <a:ext cx="1486362" cy="1364742"/>
         </a:xfrm>
         <a:prstGeom prst="roundRect">
           <a:avLst>
@@ -2133,12 +2551,12 @@
         </a:fontRef>
       </dsp:style>
       <dsp:txBody>
-        <a:bodyPr spcFirstLastPara="0" vert="horz" wrap="square" lIns="129540" tIns="129540" rIns="129540" bIns="129540" numCol="1" spcCol="1270" anchor="ctr" anchorCtr="0">
+        <a:bodyPr spcFirstLastPara="0" vert="horz" wrap="square" lIns="87630" tIns="87630" rIns="87630" bIns="87630" numCol="1" spcCol="1270" anchor="ctr" anchorCtr="0">
           <a:noAutofit/>
         </a:bodyPr>
         <a:lstStyle/>
         <a:p>
-          <a:pPr lvl="0" algn="ctr" defTabSz="1511300">
+          <a:pPr lvl="0" algn="ctr" defTabSz="1022350">
             <a:lnSpc>
               <a:spcPct val="90000"/>
             </a:lnSpc>
@@ -2150,15 +2568,33 @@
             </a:spcAft>
           </a:pPr>
           <a:r>
-            <a:rPr lang="zh-CN" altLang="en-US" sz="3400" kern="1200" dirty="0" smtClean="0"/>
-            <a:t>日志记录</a:t>
+            <a:rPr lang="zh-CN" altLang="en-US" sz="2300" kern="1200" dirty="0" smtClean="0"/>
+            <a:t>日志</a:t>
           </a:r>
-          <a:endParaRPr lang="zh-CN" altLang="en-US" sz="3400" kern="1200" dirty="0"/>
+          <a:endParaRPr lang="en-US" altLang="zh-CN" sz="2300" kern="1200" dirty="0" smtClean="0"/>
+        </a:p>
+        <a:p>
+          <a:pPr lvl="0" algn="ctr" defTabSz="1022350">
+            <a:lnSpc>
+              <a:spcPct val="90000"/>
+            </a:lnSpc>
+            <a:spcBef>
+              <a:spcPct val="0"/>
+            </a:spcBef>
+            <a:spcAft>
+              <a:spcPct val="35000"/>
+            </a:spcAft>
+          </a:pPr>
+          <a:r>
+            <a:rPr lang="zh-CN" altLang="en-US" sz="2300" kern="1200" dirty="0" smtClean="0"/>
+            <a:t>记录</a:t>
+          </a:r>
+          <a:endParaRPr lang="zh-CN" altLang="en-US" sz="2300" kern="1200" dirty="0"/>
         </a:p>
       </dsp:txBody>
       <dsp:txXfrm>
-        <a:off x="6658311" y="3340476"/>
-        <a:ext cx="2000776" cy="1373914"/>
+        <a:off x="6299179" y="3145806"/>
+        <a:ext cx="1406418" cy="1284798"/>
       </dsp:txXfrm>
     </dsp:sp>
     <dsp:sp modelId="{EB0E2488-FA8B-44A4-B3AD-61E4BE0CBBE1}">
@@ -2168,8 +2604,8 @@
       </dsp:nvSpPr>
       <dsp:spPr>
         <a:xfrm>
-          <a:off x="8877077" y="1649961"/>
-          <a:ext cx="2086264" cy="1459402"/>
+          <a:off x="7870424" y="1553622"/>
+          <a:ext cx="1486362" cy="1364742"/>
         </a:xfrm>
         <a:prstGeom prst="roundRect">
           <a:avLst>
@@ -2213,12 +2649,12 @@
         </a:fontRef>
       </dsp:style>
       <dsp:txBody>
-        <a:bodyPr spcFirstLastPara="0" vert="horz" wrap="square" lIns="129540" tIns="129540" rIns="129540" bIns="129540" numCol="1" spcCol="1270" anchor="ctr" anchorCtr="0">
+        <a:bodyPr spcFirstLastPara="0" vert="horz" wrap="square" lIns="87630" tIns="87630" rIns="87630" bIns="87630" numCol="1" spcCol="1270" anchor="ctr" anchorCtr="0">
           <a:noAutofit/>
         </a:bodyPr>
         <a:lstStyle/>
         <a:p>
-          <a:pPr lvl="0" algn="ctr" defTabSz="1511300">
+          <a:pPr lvl="0" algn="ctr" defTabSz="1022350">
             <a:lnSpc>
               <a:spcPct val="90000"/>
             </a:lnSpc>
@@ -2230,15 +2666,33 @@
             </a:spcAft>
           </a:pPr>
           <a:r>
-            <a:rPr lang="zh-CN" altLang="en-US" sz="3400" kern="1200" dirty="0" smtClean="0"/>
-            <a:t>测试结果</a:t>
+            <a:rPr lang="zh-CN" altLang="en-US" sz="2300" kern="1200" dirty="0" smtClean="0"/>
+            <a:t>测试</a:t>
           </a:r>
-          <a:endParaRPr lang="zh-CN" altLang="en-US" sz="3400" kern="1200" dirty="0"/>
+          <a:endParaRPr lang="en-US" altLang="zh-CN" sz="2300" kern="1200" dirty="0" smtClean="0"/>
+        </a:p>
+        <a:p>
+          <a:pPr lvl="0" algn="ctr" defTabSz="1022350">
+            <a:lnSpc>
+              <a:spcPct val="90000"/>
+            </a:lnSpc>
+            <a:spcBef>
+              <a:spcPct val="0"/>
+            </a:spcBef>
+            <a:spcAft>
+              <a:spcPct val="35000"/>
+            </a:spcAft>
+          </a:pPr>
+          <a:r>
+            <a:rPr lang="zh-CN" altLang="en-US" sz="2300" kern="1200" dirty="0" smtClean="0"/>
+            <a:t>结果</a:t>
+          </a:r>
+          <a:endParaRPr lang="zh-CN" altLang="en-US" sz="2300" kern="1200" dirty="0"/>
         </a:p>
       </dsp:txBody>
       <dsp:txXfrm>
-        <a:off x="8919821" y="1692705"/>
-        <a:ext cx="2000776" cy="1373914"/>
+        <a:off x="7910396" y="1593594"/>
+        <a:ext cx="1406418" cy="1284798"/>
       </dsp:txXfrm>
     </dsp:sp>
     <dsp:sp modelId="{E32B45D9-A9C4-4E8D-9BD0-04E8CD541A40}">
@@ -2248,8 +2702,8 @@
       </dsp:nvSpPr>
       <dsp:spPr>
         <a:xfrm>
-          <a:off x="8877077" y="3297732"/>
-          <a:ext cx="2086264" cy="1459402"/>
+          <a:off x="7870424" y="3105834"/>
+          <a:ext cx="1486362" cy="1364742"/>
         </a:xfrm>
         <a:prstGeom prst="roundRect">
           <a:avLst>
@@ -2293,12 +2747,12 @@
         </a:fontRef>
       </dsp:style>
       <dsp:txBody>
-        <a:bodyPr spcFirstLastPara="0" vert="horz" wrap="square" lIns="129540" tIns="129540" rIns="129540" bIns="129540" numCol="1" spcCol="1270" anchor="ctr" anchorCtr="0">
+        <a:bodyPr spcFirstLastPara="0" vert="horz" wrap="square" lIns="87630" tIns="87630" rIns="87630" bIns="87630" numCol="1" spcCol="1270" anchor="ctr" anchorCtr="0">
           <a:noAutofit/>
         </a:bodyPr>
         <a:lstStyle/>
         <a:p>
-          <a:pPr lvl="0" algn="ctr" defTabSz="1511300">
+          <a:pPr lvl="0" algn="ctr" defTabSz="1022350">
             <a:lnSpc>
               <a:spcPct val="90000"/>
             </a:lnSpc>
@@ -2310,15 +2764,211 @@
             </a:spcAft>
           </a:pPr>
           <a:r>
-            <a:rPr lang="zh-CN" altLang="en-US" sz="3400" kern="1200" dirty="0" smtClean="0"/>
-            <a:t>测试报告</a:t>
+            <a:rPr lang="zh-CN" altLang="en-US" sz="2300" kern="1200" dirty="0" smtClean="0"/>
+            <a:t>测试</a:t>
           </a:r>
-          <a:endParaRPr lang="zh-CN" altLang="en-US" sz="3400" kern="1200" dirty="0"/>
+          <a:endParaRPr lang="en-US" altLang="zh-CN" sz="2300" kern="1200" dirty="0" smtClean="0"/>
+        </a:p>
+        <a:p>
+          <a:pPr lvl="0" algn="ctr" defTabSz="1022350">
+            <a:lnSpc>
+              <a:spcPct val="90000"/>
+            </a:lnSpc>
+            <a:spcBef>
+              <a:spcPct val="0"/>
+            </a:spcBef>
+            <a:spcAft>
+              <a:spcPct val="35000"/>
+            </a:spcAft>
+          </a:pPr>
+          <a:r>
+            <a:rPr lang="zh-CN" altLang="en-US" sz="2300" kern="1200" dirty="0" smtClean="0"/>
+            <a:t>报告</a:t>
+          </a:r>
+          <a:endParaRPr lang="zh-CN" altLang="en-US" sz="2300" kern="1200" dirty="0"/>
         </a:p>
       </dsp:txBody>
       <dsp:txXfrm>
-        <a:off x="8919821" y="3340476"/>
-        <a:ext cx="2000776" cy="1373914"/>
+        <a:off x="7910396" y="3145806"/>
+        <a:ext cx="1406418" cy="1284798"/>
+      </dsp:txXfrm>
+    </dsp:sp>
+    <dsp:sp modelId="{F413ED24-2DCA-413C-A851-2483905C8BE4}">
+      <dsp:nvSpPr>
+        <dsp:cNvPr id="0" name=""/>
+        <dsp:cNvSpPr/>
+      </dsp:nvSpPr>
+      <dsp:spPr>
+        <a:xfrm>
+          <a:off x="9481641" y="1553622"/>
+          <a:ext cx="1486362" cy="1364742"/>
+        </a:xfrm>
+        <a:prstGeom prst="roundRect">
+          <a:avLst>
+            <a:gd name="adj" fmla="val 10000"/>
+          </a:avLst>
+        </a:prstGeom>
+        <a:solidFill>
+          <a:schemeClr val="accent5">
+            <a:hueOff val="0"/>
+            <a:satOff val="0"/>
+            <a:lumOff val="0"/>
+            <a:alphaOff val="0"/>
+          </a:schemeClr>
+        </a:solidFill>
+        <a:ln w="12700" cap="flat" cmpd="sng" algn="ctr">
+          <a:solidFill>
+            <a:schemeClr val="lt1">
+              <a:hueOff val="0"/>
+              <a:satOff val="0"/>
+              <a:lumOff val="0"/>
+              <a:alphaOff val="0"/>
+            </a:schemeClr>
+          </a:solidFill>
+          <a:prstDash val="solid"/>
+          <a:miter lim="800000"/>
+        </a:ln>
+        <a:effectLst/>
+      </dsp:spPr>
+      <dsp:style>
+        <a:lnRef idx="2">
+          <a:scrgbClr r="0" g="0" b="0"/>
+        </a:lnRef>
+        <a:fillRef idx="1">
+          <a:scrgbClr r="0" g="0" b="0"/>
+        </a:fillRef>
+        <a:effectRef idx="0">
+          <a:scrgbClr r="0" g="0" b="0"/>
+        </a:effectRef>
+        <a:fontRef idx="minor">
+          <a:schemeClr val="lt1"/>
+        </a:fontRef>
+      </dsp:style>
+      <dsp:txBody>
+        <a:bodyPr spcFirstLastPara="0" vert="horz" wrap="square" lIns="87630" tIns="87630" rIns="87630" bIns="87630" numCol="1" spcCol="1270" anchor="ctr" anchorCtr="0">
+          <a:noAutofit/>
+        </a:bodyPr>
+        <a:lstStyle/>
+        <a:p>
+          <a:pPr lvl="0" algn="ctr" defTabSz="1022350">
+            <a:lnSpc>
+              <a:spcPct val="90000"/>
+            </a:lnSpc>
+            <a:spcBef>
+              <a:spcPct val="0"/>
+            </a:spcBef>
+            <a:spcAft>
+              <a:spcPct val="35000"/>
+            </a:spcAft>
+          </a:pPr>
+          <a:r>
+            <a:rPr lang="zh-CN" altLang="en-US" sz="2300" kern="1200" dirty="0" smtClean="0"/>
+            <a:t>持续</a:t>
+          </a:r>
+          <a:endParaRPr lang="en-US" altLang="zh-CN" sz="2300" kern="1200" dirty="0" smtClean="0"/>
+        </a:p>
+        <a:p>
+          <a:pPr lvl="0" algn="ctr" defTabSz="1022350">
+            <a:lnSpc>
+              <a:spcPct val="90000"/>
+            </a:lnSpc>
+            <a:spcBef>
+              <a:spcPct val="0"/>
+            </a:spcBef>
+            <a:spcAft>
+              <a:spcPct val="35000"/>
+            </a:spcAft>
+          </a:pPr>
+          <a:r>
+            <a:rPr lang="zh-CN" altLang="en-US" sz="2300" kern="1200" dirty="0" smtClean="0"/>
+            <a:t>集成</a:t>
+          </a:r>
+          <a:endParaRPr lang="zh-CN" altLang="en-US" sz="2300" kern="1200" dirty="0"/>
+        </a:p>
+      </dsp:txBody>
+      <dsp:txXfrm>
+        <a:off x="9521613" y="1593594"/>
+        <a:ext cx="1406418" cy="1284798"/>
+      </dsp:txXfrm>
+    </dsp:sp>
+    <dsp:sp modelId="{215C4592-758F-43E0-9BC9-7B8ED09814FE}">
+      <dsp:nvSpPr>
+        <dsp:cNvPr id="0" name=""/>
+        <dsp:cNvSpPr/>
+      </dsp:nvSpPr>
+      <dsp:spPr>
+        <a:xfrm>
+          <a:off x="9481641" y="3105834"/>
+          <a:ext cx="1486362" cy="1364742"/>
+        </a:xfrm>
+        <a:prstGeom prst="roundRect">
+          <a:avLst>
+            <a:gd name="adj" fmla="val 10000"/>
+          </a:avLst>
+        </a:prstGeom>
+        <a:solidFill>
+          <a:schemeClr val="accent6">
+            <a:hueOff val="0"/>
+            <a:satOff val="0"/>
+            <a:lumOff val="0"/>
+            <a:alphaOff val="0"/>
+          </a:schemeClr>
+        </a:solidFill>
+        <a:ln w="12700" cap="flat" cmpd="sng" algn="ctr">
+          <a:solidFill>
+            <a:schemeClr val="lt1">
+              <a:hueOff val="0"/>
+              <a:satOff val="0"/>
+              <a:lumOff val="0"/>
+              <a:alphaOff val="0"/>
+            </a:schemeClr>
+          </a:solidFill>
+          <a:prstDash val="solid"/>
+          <a:miter lim="800000"/>
+        </a:ln>
+        <a:effectLst/>
+      </dsp:spPr>
+      <dsp:style>
+        <a:lnRef idx="2">
+          <a:scrgbClr r="0" g="0" b="0"/>
+        </a:lnRef>
+        <a:fillRef idx="1">
+          <a:scrgbClr r="0" g="0" b="0"/>
+        </a:fillRef>
+        <a:effectRef idx="0">
+          <a:scrgbClr r="0" g="0" b="0"/>
+        </a:effectRef>
+        <a:fontRef idx="minor">
+          <a:schemeClr val="lt1"/>
+        </a:fontRef>
+      </dsp:style>
+      <dsp:txBody>
+        <a:bodyPr spcFirstLastPara="0" vert="horz" wrap="square" lIns="87630" tIns="87630" rIns="87630" bIns="87630" numCol="1" spcCol="1270" anchor="ctr" anchorCtr="0">
+          <a:noAutofit/>
+        </a:bodyPr>
+        <a:lstStyle/>
+        <a:p>
+          <a:pPr lvl="0" algn="ctr" defTabSz="1022350">
+            <a:lnSpc>
+              <a:spcPct val="90000"/>
+            </a:lnSpc>
+            <a:spcBef>
+              <a:spcPct val="0"/>
+            </a:spcBef>
+            <a:spcAft>
+              <a:spcPct val="35000"/>
+            </a:spcAft>
+          </a:pPr>
+          <a:r>
+            <a:rPr lang="en-US" altLang="zh-CN" sz="2300" kern="1200" dirty="0" smtClean="0"/>
+            <a:t>Jenkins</a:t>
+          </a:r>
+          <a:endParaRPr lang="zh-CN" altLang="en-US" sz="2300" kern="1200" dirty="0"/>
+        </a:p>
+      </dsp:txBody>
+      <dsp:txXfrm>
+        <a:off x="9521613" y="3145806"/>
+        <a:ext cx="1406418" cy="1284798"/>
       </dsp:txXfrm>
     </dsp:sp>
   </dsp:spTree>
@@ -3969,7 +4619,7 @@
                 <a:latin typeface="微软雅黑" panose="020B0503020204020204" pitchFamily="34" charset="-122"/>
                 <a:ea typeface="微软雅黑" panose="020B0503020204020204" pitchFamily="34" charset="-122"/>
               </a:rPr>
-              <a:t>2020/6/12</a:t>
+              <a:t>2020/6/13</a:t>
             </a:fld>
             <a:endParaRPr lang="zh-CN" altLang="en-US">
               <a:latin typeface="微软雅黑" panose="020B0503020204020204" pitchFamily="34" charset="-122"/>
@@ -4152,7 +4802,7 @@
           <a:p>
             <a:fld id="{1AC49D05-6128-4D0D-A32A-06A5E73B386C}" type="datetimeFigureOut">
               <a:rPr lang="zh-CN" altLang="en-US" smtClean="0"/>
-              <a:t>2020/6/12</a:t>
+              <a:t>2020/6/13</a:t>
             </a:fld>
             <a:endParaRPr lang="zh-CN" altLang="en-US"/>
           </a:p>
@@ -4586,7 +5236,7 @@
           <a:p>
             <a:fld id="{760FBDFE-C587-4B4C-A407-44438C67B59E}" type="datetimeFigureOut">
               <a:rPr lang="zh-CN" altLang="en-US" smtClean="0"/>
-              <a:t>2020/6/12</a:t>
+              <a:t>2020/6/13</a:t>
             </a:fld>
             <a:endParaRPr lang="zh-CN" altLang="en-US"/>
           </a:p>
@@ -4685,7 +5335,7 @@
           <a:p>
             <a:fld id="{760FBDFE-C587-4B4C-A407-44438C67B59E}" type="datetimeFigureOut">
               <a:rPr lang="zh-CN" altLang="en-US" smtClean="0"/>
-              <a:t>2020/6/12</a:t>
+              <a:t>2020/6/13</a:t>
             </a:fld>
             <a:endParaRPr lang="zh-CN" altLang="en-US"/>
           </a:p>
@@ -4919,7 +5569,7 @@
           <a:p>
             <a:fld id="{760FBDFE-C587-4B4C-A407-44438C67B59E}" type="datetimeFigureOut">
               <a:rPr lang="zh-CN" altLang="en-US" smtClean="0"/>
-              <a:t>2020/6/12</a:t>
+              <a:t>2020/6/13</a:t>
             </a:fld>
             <a:endParaRPr lang="zh-CN" altLang="en-US"/>
           </a:p>
@@ -5346,7 +5996,7 @@
           <a:p>
             <a:fld id="{760FBDFE-C587-4B4C-A407-44438C67B59E}" type="datetimeFigureOut">
               <a:rPr lang="zh-CN" altLang="en-US" smtClean="0"/>
-              <a:t>2020/6/12</a:t>
+              <a:t>2020/6/13</a:t>
             </a:fld>
             <a:endParaRPr lang="zh-CN" altLang="en-US"/>
           </a:p>
@@ -5623,7 +6273,7 @@
           <a:p>
             <a:fld id="{760FBDFE-C587-4B4C-A407-44438C67B59E}" type="datetimeFigureOut">
               <a:rPr lang="zh-CN" altLang="en-US" smtClean="0"/>
-              <a:t>2020/6/12</a:t>
+              <a:t>2020/6/13</a:t>
             </a:fld>
             <a:endParaRPr lang="zh-CN" altLang="en-US"/>
           </a:p>
@@ -6109,7 +6759,7 @@
           <a:p>
             <a:fld id="{760FBDFE-C587-4B4C-A407-44438C67B59E}" type="datetimeFigureOut">
               <a:rPr lang="zh-CN" altLang="en-US" smtClean="0"/>
-              <a:t>2020/6/12</a:t>
+              <a:t>2020/6/13</a:t>
             </a:fld>
             <a:endParaRPr lang="zh-CN" altLang="en-US"/>
           </a:p>
@@ -6835,7 +7485,7 @@
           <a:p>
             <a:fld id="{760FBDFE-C587-4B4C-A407-44438C67B59E}" type="datetimeFigureOut">
               <a:rPr lang="zh-CN" altLang="en-US" smtClean="0"/>
-              <a:t>2020/6/12</a:t>
+              <a:t>2020/6/13</a:t>
             </a:fld>
             <a:endParaRPr lang="zh-CN" altLang="en-US"/>
           </a:p>
@@ -6989,7 +7639,7 @@
           <a:p>
             <a:fld id="{760FBDFE-C587-4B4C-A407-44438C67B59E}" type="datetimeFigureOut">
               <a:rPr lang="zh-CN" altLang="en-US" smtClean="0"/>
-              <a:t>2020/6/12</a:t>
+              <a:t>2020/6/13</a:t>
             </a:fld>
             <a:endParaRPr lang="zh-CN" altLang="en-US"/>
           </a:p>
@@ -7088,7 +7738,7 @@
           <a:p>
             <a:fld id="{760FBDFE-C587-4B4C-A407-44438C67B59E}" type="datetimeFigureOut">
               <a:rPr lang="zh-CN" altLang="en-US" smtClean="0"/>
-              <a:t>2020/6/12</a:t>
+              <a:t>2020/6/13</a:t>
             </a:fld>
             <a:endParaRPr lang="zh-CN" altLang="en-US"/>
           </a:p>
@@ -7403,7 +8053,7 @@
           <a:p>
             <a:fld id="{9EFD9D74-47D9-4702-A33C-335B63B48DBF}" type="datetimeFigureOut">
               <a:rPr lang="zh-CN" altLang="en-US" smtClean="0"/>
-              <a:t>2020/6/12</a:t>
+              <a:t>2020/6/13</a:t>
             </a:fld>
             <a:endParaRPr lang="zh-CN" altLang="en-US" dirty="0"/>
           </a:p>
@@ -7734,7 +8384,7 @@
           <a:p>
             <a:fld id="{760FBDFE-C587-4B4C-A407-44438C67B59E}" type="datetimeFigureOut">
               <a:rPr lang="zh-CN" altLang="en-US" smtClean="0"/>
-              <a:t>2020/6/12</a:t>
+              <a:t>2020/6/13</a:t>
             </a:fld>
             <a:endParaRPr lang="zh-CN" altLang="en-US"/>
           </a:p>
@@ -7972,7 +8622,7 @@
           <a:p>
             <a:fld id="{760FBDFE-C587-4B4C-A407-44438C67B59E}" type="datetimeFigureOut">
               <a:rPr lang="zh-CN" altLang="en-US" smtClean="0"/>
-              <a:t>2020/6/12</a:t>
+              <a:t>2020/6/13</a:t>
             </a:fld>
             <a:endParaRPr lang="zh-CN" altLang="en-US"/>
           </a:p>
@@ -9292,8 +9942,8 @@
         </p:nvSpPr>
         <p:spPr>
           <a:xfrm>
-            <a:off x="4057650" y="3086100"/>
-            <a:ext cx="2705100" cy="1162048"/>
+            <a:off x="4057650" y="3134123"/>
+            <a:ext cx="2705100" cy="999327"/>
           </a:xfrm>
           <a:prstGeom prst="roundRect">
             <a:avLst/>
@@ -9366,7 +10016,7 @@
             <a:pPr algn="ctr"/>
             <a:r>
               <a:rPr lang="zh-CN" altLang="en-US" dirty="0" smtClean="0"/>
-              <a:t>接口处理层</a:t>
+              <a:t>逻辑应用层</a:t>
             </a:r>
             <a:endParaRPr lang="zh-CN" altLang="en-US" dirty="0"/>
           </a:p>
@@ -9514,8 +10164,8 @@
         </p:nvSpPr>
         <p:spPr>
           <a:xfrm>
-            <a:off x="7073900" y="3086100"/>
-            <a:ext cx="2895600" cy="492123"/>
+            <a:off x="7073900" y="3134123"/>
+            <a:ext cx="2895600" cy="404811"/>
           </a:xfrm>
           <a:prstGeom prst="roundRect">
             <a:avLst/>
@@ -9542,9 +10192,12 @@
             <a:pPr algn="ctr"/>
             <a:r>
               <a:rPr lang="zh-CN" altLang="en-US" dirty="0" smtClean="0"/>
-              <a:t>接口注册</a:t>
+              <a:t>接口</a:t>
             </a:r>
-            <a:endParaRPr lang="zh-CN" altLang="en-US" dirty="0"/>
+            <a:r>
+              <a:rPr lang="zh-CN" altLang="en-US" dirty="0"/>
+              <a:t>定义</a:t>
+            </a:r>
           </a:p>
         </p:txBody>
       </p:sp>
@@ -9556,8 +10209,8 @@
         </p:nvSpPr>
         <p:spPr>
           <a:xfrm>
-            <a:off x="7073900" y="3751261"/>
-            <a:ext cx="2895600" cy="493714"/>
+            <a:off x="7073900" y="3736334"/>
+            <a:ext cx="2895600" cy="397116"/>
           </a:xfrm>
           <a:prstGeom prst="roundRect">
             <a:avLst/>
@@ -9584,7 +10237,7 @@
             <a:pPr algn="ctr"/>
             <a:r>
               <a:rPr lang="zh-CN" altLang="en-US" dirty="0" smtClean="0"/>
-              <a:t>各接口逻辑</a:t>
+              <a:t>接口处理</a:t>
             </a:r>
             <a:endParaRPr lang="zh-CN" altLang="en-US" dirty="0"/>
           </a:p>
@@ -9626,12 +10279,9 @@
             <a:pPr algn="ctr"/>
             <a:r>
               <a:rPr lang="zh-CN" altLang="en-US" dirty="0" smtClean="0"/>
-              <a:t>消息</a:t>
+              <a:t>客户端数据</a:t>
             </a:r>
-            <a:r>
-              <a:rPr lang="zh-CN" altLang="en-US" dirty="0"/>
-              <a:t>调度</a:t>
-            </a:r>
+            <a:endParaRPr lang="zh-CN" altLang="en-US" dirty="0"/>
           </a:p>
         </p:txBody>
       </p:sp>
@@ -9671,7 +10321,7 @@
             <a:pPr algn="ctr"/>
             <a:r>
               <a:rPr lang="zh-CN" altLang="en-US" dirty="0" smtClean="0"/>
-              <a:t>各接口处理逻辑</a:t>
+              <a:t>消息接收</a:t>
             </a:r>
             <a:endParaRPr lang="zh-CN" altLang="en-US" dirty="0"/>
           </a:p>
@@ -9712,12 +10362,8 @@
           <a:p>
             <a:pPr algn="ctr"/>
             <a:r>
-              <a:rPr lang="zh-CN" altLang="en-US" dirty="0"/>
-              <a:t>客户</a:t>
-            </a:r>
-            <a:r>
               <a:rPr lang="zh-CN" altLang="en-US" dirty="0" smtClean="0"/>
-              <a:t>端数据</a:t>
+              <a:t>消息处理</a:t>
             </a:r>
             <a:endParaRPr lang="zh-CN" altLang="en-US" dirty="0"/>
           </a:p>
@@ -9872,14 +10518,14 @@
             <p:ph idx="1"/>
             <p:extLst>
               <p:ext uri="{D42A27DB-BD31-4B8C-83A1-F6EECF244321}">
-                <p14:modId xmlns:p14="http://schemas.microsoft.com/office/powerpoint/2010/main" val="4154447714"/>
+                <p14:modId xmlns:p14="http://schemas.microsoft.com/office/powerpoint/2010/main" val="3763862168"/>
               </p:ext>
             </p:extLst>
           </p:nvPr>
         </p:nvGraphicFramePr>
         <p:xfrm>
-          <a:off x="608013" y="1490663"/>
-          <a:ext cx="10969625" cy="4759325"/>
+          <a:off x="608013" y="1778000"/>
+          <a:ext cx="10969625" cy="4471988"/>
         </p:xfrm>
         <a:graphic>
           <a:graphicData uri="http://schemas.openxmlformats.org/drawingml/2006/diagram">
@@ -10241,11 +10887,7 @@
             </a:r>
             <a:r>
               <a:rPr lang="en-US" altLang="zh-CN" sz="800" dirty="0" smtClean="0"/>
-              <a:t> </a:t>
-            </a:r>
-            <a:r>
-              <a:rPr lang="en-US" altLang="zh-CN" sz="800" dirty="0" smtClean="0"/>
-              <a:t>bytes</a:t>
+              <a:t> bytes</a:t>
             </a:r>
             <a:r>
               <a:rPr lang="zh-CN" altLang="en-US" sz="800" dirty="0" smtClean="0"/>
@@ -10693,11 +11335,7 @@
             </a:r>
             <a:r>
               <a:rPr lang="en-US" altLang="zh-CN" sz="800" dirty="0" smtClean="0"/>
-              <a:t> </a:t>
-            </a:r>
-            <a:r>
-              <a:rPr lang="en-US" altLang="zh-CN" sz="800" dirty="0" smtClean="0"/>
-              <a:t>bytes</a:t>
+              <a:t> bytes</a:t>
             </a:r>
             <a:r>
               <a:rPr lang="zh-CN" altLang="en-US" sz="800" dirty="0" smtClean="0"/>

--- a/md/软件质量保证插图集合.pptx
+++ b/md/软件质量保证插图集合.pptx
@@ -4619,7 +4619,7 @@
                 <a:latin typeface="微软雅黑" panose="020B0503020204020204" pitchFamily="34" charset="-122"/>
                 <a:ea typeface="微软雅黑" panose="020B0503020204020204" pitchFamily="34" charset="-122"/>
               </a:rPr>
-              <a:t>2020/6/13</a:t>
+              <a:t>2020/6/14</a:t>
             </a:fld>
             <a:endParaRPr lang="zh-CN" altLang="en-US">
               <a:latin typeface="微软雅黑" panose="020B0503020204020204" pitchFamily="34" charset="-122"/>
@@ -4802,7 +4802,7 @@
           <a:p>
             <a:fld id="{1AC49D05-6128-4D0D-A32A-06A5E73B386C}" type="datetimeFigureOut">
               <a:rPr lang="zh-CN" altLang="en-US" smtClean="0"/>
-              <a:t>2020/6/13</a:t>
+              <a:t>2020/6/14</a:t>
             </a:fld>
             <a:endParaRPr lang="zh-CN" altLang="en-US"/>
           </a:p>
@@ -5236,7 +5236,7 @@
           <a:p>
             <a:fld id="{760FBDFE-C587-4B4C-A407-44438C67B59E}" type="datetimeFigureOut">
               <a:rPr lang="zh-CN" altLang="en-US" smtClean="0"/>
-              <a:t>2020/6/13</a:t>
+              <a:t>2020/6/14</a:t>
             </a:fld>
             <a:endParaRPr lang="zh-CN" altLang="en-US"/>
           </a:p>
@@ -5335,7 +5335,7 @@
           <a:p>
             <a:fld id="{760FBDFE-C587-4B4C-A407-44438C67B59E}" type="datetimeFigureOut">
               <a:rPr lang="zh-CN" altLang="en-US" smtClean="0"/>
-              <a:t>2020/6/13</a:t>
+              <a:t>2020/6/14</a:t>
             </a:fld>
             <a:endParaRPr lang="zh-CN" altLang="en-US"/>
           </a:p>
@@ -5569,7 +5569,7 @@
           <a:p>
             <a:fld id="{760FBDFE-C587-4B4C-A407-44438C67B59E}" type="datetimeFigureOut">
               <a:rPr lang="zh-CN" altLang="en-US" smtClean="0"/>
-              <a:t>2020/6/13</a:t>
+              <a:t>2020/6/14</a:t>
             </a:fld>
             <a:endParaRPr lang="zh-CN" altLang="en-US"/>
           </a:p>
@@ -5996,7 +5996,7 @@
           <a:p>
             <a:fld id="{760FBDFE-C587-4B4C-A407-44438C67B59E}" type="datetimeFigureOut">
               <a:rPr lang="zh-CN" altLang="en-US" smtClean="0"/>
-              <a:t>2020/6/13</a:t>
+              <a:t>2020/6/14</a:t>
             </a:fld>
             <a:endParaRPr lang="zh-CN" altLang="en-US"/>
           </a:p>
@@ -6273,7 +6273,7 @@
           <a:p>
             <a:fld id="{760FBDFE-C587-4B4C-A407-44438C67B59E}" type="datetimeFigureOut">
               <a:rPr lang="zh-CN" altLang="en-US" smtClean="0"/>
-              <a:t>2020/6/13</a:t>
+              <a:t>2020/6/14</a:t>
             </a:fld>
             <a:endParaRPr lang="zh-CN" altLang="en-US"/>
           </a:p>
@@ -6759,7 +6759,7 @@
           <a:p>
             <a:fld id="{760FBDFE-C587-4B4C-A407-44438C67B59E}" type="datetimeFigureOut">
               <a:rPr lang="zh-CN" altLang="en-US" smtClean="0"/>
-              <a:t>2020/6/13</a:t>
+              <a:t>2020/6/14</a:t>
             </a:fld>
             <a:endParaRPr lang="zh-CN" altLang="en-US"/>
           </a:p>
@@ -7485,7 +7485,7 @@
           <a:p>
             <a:fld id="{760FBDFE-C587-4B4C-A407-44438C67B59E}" type="datetimeFigureOut">
               <a:rPr lang="zh-CN" altLang="en-US" smtClean="0"/>
-              <a:t>2020/6/13</a:t>
+              <a:t>2020/6/14</a:t>
             </a:fld>
             <a:endParaRPr lang="zh-CN" altLang="en-US"/>
           </a:p>
@@ -7639,7 +7639,7 @@
           <a:p>
             <a:fld id="{760FBDFE-C587-4B4C-A407-44438C67B59E}" type="datetimeFigureOut">
               <a:rPr lang="zh-CN" altLang="en-US" smtClean="0"/>
-              <a:t>2020/6/13</a:t>
+              <a:t>2020/6/14</a:t>
             </a:fld>
             <a:endParaRPr lang="zh-CN" altLang="en-US"/>
           </a:p>
@@ -7738,7 +7738,7 @@
           <a:p>
             <a:fld id="{760FBDFE-C587-4B4C-A407-44438C67B59E}" type="datetimeFigureOut">
               <a:rPr lang="zh-CN" altLang="en-US" smtClean="0"/>
-              <a:t>2020/6/13</a:t>
+              <a:t>2020/6/14</a:t>
             </a:fld>
             <a:endParaRPr lang="zh-CN" altLang="en-US"/>
           </a:p>
@@ -8053,7 +8053,7 @@
           <a:p>
             <a:fld id="{9EFD9D74-47D9-4702-A33C-335B63B48DBF}" type="datetimeFigureOut">
               <a:rPr lang="zh-CN" altLang="en-US" smtClean="0"/>
-              <a:t>2020/6/13</a:t>
+              <a:t>2020/6/14</a:t>
             </a:fld>
             <a:endParaRPr lang="zh-CN" altLang="en-US" dirty="0"/>
           </a:p>
@@ -8384,7 +8384,7 @@
           <a:p>
             <a:fld id="{760FBDFE-C587-4B4C-A407-44438C67B59E}" type="datetimeFigureOut">
               <a:rPr lang="zh-CN" altLang="en-US" smtClean="0"/>
-              <a:t>2020/6/13</a:t>
+              <a:t>2020/6/14</a:t>
             </a:fld>
             <a:endParaRPr lang="zh-CN" altLang="en-US"/>
           </a:p>
@@ -8622,7 +8622,7 @@
           <a:p>
             <a:fld id="{760FBDFE-C587-4B4C-A407-44438C67B59E}" type="datetimeFigureOut">
               <a:rPr lang="zh-CN" altLang="en-US" smtClean="0"/>
-              <a:t>2020/6/13</a:t>
+              <a:t>2020/6/14</a:t>
             </a:fld>
             <a:endParaRPr lang="zh-CN" altLang="en-US"/>
           </a:p>
@@ -10016,7 +10016,7 @@
             <a:pPr algn="ctr"/>
             <a:r>
               <a:rPr lang="zh-CN" altLang="en-US" dirty="0" smtClean="0"/>
-              <a:t>逻辑应用层</a:t>
+              <a:t>消息处理层</a:t>
             </a:r>
             <a:endParaRPr lang="zh-CN" altLang="en-US" dirty="0"/>
           </a:p>
@@ -10469,6 +10469,13 @@
   <p:clrMapOvr>
     <a:masterClrMapping/>
   </p:clrMapOvr>
+  <p:timing>
+    <p:tnLst>
+      <p:par>
+        <p:cTn id="1" dur="indefinite" restart="never" nodeType="tmRoot"/>
+      </p:par>
+    </p:tnLst>
+  </p:timing>
 </p:sld>
 </file>
 

--- a/md/软件质量保证插图集合.pptx
+++ b/md/软件质量保证插图集合.pptx
@@ -5,10 +5,10 @@
     <p:sldMasterId id="2147483648" r:id="rId1"/>
   </p:sldMasterIdLst>
   <p:notesMasterIdLst>
-    <p:notesMasterId r:id="rId10"/>
+    <p:notesMasterId r:id="rId12"/>
   </p:notesMasterIdLst>
   <p:handoutMasterIdLst>
-    <p:handoutMasterId r:id="rId11"/>
+    <p:handoutMasterId r:id="rId13"/>
   </p:handoutMasterIdLst>
   <p:sldIdLst>
     <p:sldId id="409" r:id="rId2"/>
@@ -19,6 +19,8 @@
     <p:sldId id="417" r:id="rId7"/>
     <p:sldId id="418" r:id="rId8"/>
     <p:sldId id="419" r:id="rId9"/>
+    <p:sldId id="420" r:id="rId10"/>
+    <p:sldId id="421" r:id="rId11"/>
   </p:sldIdLst>
   <p:sldSz cx="12192000" cy="6858000"/>
   <p:notesSz cx="6858000" cy="9144000"/>
@@ -9192,6 +9194,66 @@
 </p:sld>
 </file>
 
+<file path=ppt/slides/slide10.xml><?xml version="1.0" encoding="utf-8"?>
+<p:sld xmlns:a="http://schemas.openxmlformats.org/drawingml/2006/main" xmlns:r="http://schemas.openxmlformats.org/officeDocument/2006/relationships" xmlns:p="http://schemas.openxmlformats.org/presentationml/2006/main">
+  <p:cSld>
+    <p:spTree>
+      <p:nvGrpSpPr>
+        <p:cNvPr id="1" name=""/>
+        <p:cNvGrpSpPr/>
+        <p:nvPr/>
+      </p:nvGrpSpPr>
+      <p:grpSpPr>
+        <a:xfrm>
+          <a:off x="0" y="0"/>
+          <a:ext cx="0" cy="0"/>
+          <a:chOff x="0" y="0"/>
+          <a:chExt cx="0" cy="0"/>
+        </a:xfrm>
+      </p:grpSpPr>
+      <p:pic>
+        <p:nvPicPr>
+          <p:cNvPr id="12" name="图片 11"/>
+          <p:cNvPicPr>
+            <a:picLocks noChangeAspect="1"/>
+          </p:cNvPicPr>
+          <p:nvPr/>
+        </p:nvPicPr>
+        <p:blipFill>
+          <a:blip r:embed="rId2">
+            <a:extLst>
+              <a:ext uri="{28A0092B-C50C-407E-A947-70E740481C1C}">
+                <a14:useLocalDpi xmlns:a14="http://schemas.microsoft.com/office/drawing/2010/main" val="0"/>
+              </a:ext>
+            </a:extLst>
+          </a:blip>
+          <a:stretch>
+            <a:fillRect/>
+          </a:stretch>
+        </p:blipFill>
+        <p:spPr>
+          <a:xfrm>
+            <a:off x="3215472" y="0"/>
+            <a:ext cx="5761055" cy="6858000"/>
+          </a:xfrm>
+          <a:prstGeom prst="rect">
+            <a:avLst/>
+          </a:prstGeom>
+        </p:spPr>
+      </p:pic>
+    </p:spTree>
+    <p:extLst>
+      <p:ext uri="{BB962C8B-B14F-4D97-AF65-F5344CB8AC3E}">
+        <p14:creationId xmlns:p14="http://schemas.microsoft.com/office/powerpoint/2010/main" val="65377695"/>
+      </p:ext>
+    </p:extLst>
+  </p:cSld>
+  <p:clrMapOvr>
+    <a:masterClrMapping/>
+  </p:clrMapOvr>
+</p:sld>
+</file>
+
 <file path=ppt/slides/slide2.xml><?xml version="1.0" encoding="utf-8"?>
 <p:sld xmlns:a="http://schemas.openxmlformats.org/drawingml/2006/main" xmlns:r="http://schemas.openxmlformats.org/officeDocument/2006/relationships" xmlns:p="http://schemas.openxmlformats.org/presentationml/2006/main">
   <p:cSld>
@@ -11605,6 +11667,146 @@
       </p:par>
     </p:tnLst>
   </p:timing>
+</p:sld>
+</file>
+
+<file path=ppt/slides/slide9.xml><?xml version="1.0" encoding="utf-8"?>
+<p:sld xmlns:a="http://schemas.openxmlformats.org/drawingml/2006/main" xmlns:r="http://schemas.openxmlformats.org/officeDocument/2006/relationships" xmlns:p="http://schemas.openxmlformats.org/presentationml/2006/main">
+  <p:cSld>
+    <p:spTree>
+      <p:nvGrpSpPr>
+        <p:cNvPr id="1" name=""/>
+        <p:cNvGrpSpPr/>
+        <p:nvPr/>
+      </p:nvGrpSpPr>
+      <p:grpSpPr>
+        <a:xfrm>
+          <a:off x="0" y="0"/>
+          <a:ext cx="0" cy="0"/>
+          <a:chOff x="0" y="0"/>
+          <a:chExt cx="0" cy="0"/>
+        </a:xfrm>
+      </p:grpSpPr>
+      <p:sp>
+        <p:nvSpPr>
+          <p:cNvPr id="2" name="矩形 1"/>
+          <p:cNvSpPr/>
+          <p:nvPr/>
+        </p:nvSpPr>
+        <p:spPr>
+          <a:xfrm>
+            <a:off x="3962400" y="2446867"/>
+            <a:ext cx="4165600" cy="1261533"/>
+          </a:xfrm>
+          <a:prstGeom prst="rect">
+            <a:avLst/>
+          </a:prstGeom>
+        </p:spPr>
+        <p:style>
+          <a:lnRef idx="2">
+            <a:schemeClr val="accent1">
+              <a:shade val="50000"/>
+            </a:schemeClr>
+          </a:lnRef>
+          <a:fillRef idx="1">
+            <a:schemeClr val="accent1"/>
+          </a:fillRef>
+          <a:effectRef idx="0">
+            <a:schemeClr val="accent1"/>
+          </a:effectRef>
+          <a:fontRef idx="minor">
+            <a:schemeClr val="lt1"/>
+          </a:fontRef>
+        </p:style>
+        <p:txBody>
+          <a:bodyPr rtlCol="0" anchor="ctr"/>
+          <a:lstStyle/>
+          <a:p>
+            <a:pPr algn="ctr"/>
+            <a:r>
+              <a:rPr lang="zh-CN" altLang="en-US" dirty="0" smtClean="0"/>
+              <a:t>测试系统</a:t>
+            </a:r>
+            <a:endParaRPr lang="zh-CN" altLang="en-US" dirty="0"/>
+          </a:p>
+        </p:txBody>
+      </p:sp>
+      <p:cxnSp>
+        <p:nvCxnSpPr>
+          <p:cNvPr id="4" name="直接箭头连接符 3"/>
+          <p:cNvCxnSpPr/>
+          <p:nvPr/>
+        </p:nvCxnSpPr>
+        <p:spPr>
+          <a:xfrm>
+            <a:off x="1617134" y="3077632"/>
+            <a:ext cx="2345266" cy="1"/>
+          </a:xfrm>
+          <a:prstGeom prst="straightConnector1">
+            <a:avLst/>
+          </a:prstGeom>
+          <a:ln>
+            <a:tailEnd type="triangle"/>
+          </a:ln>
+        </p:spPr>
+        <p:style>
+          <a:lnRef idx="1">
+            <a:schemeClr val="accent1"/>
+          </a:lnRef>
+          <a:fillRef idx="0">
+            <a:schemeClr val="accent1"/>
+          </a:fillRef>
+          <a:effectRef idx="0">
+            <a:schemeClr val="accent1"/>
+          </a:effectRef>
+          <a:fontRef idx="minor">
+            <a:schemeClr val="tx1"/>
+          </a:fontRef>
+        </p:style>
+      </p:cxnSp>
+      <p:cxnSp>
+        <p:nvCxnSpPr>
+          <p:cNvPr id="6" name="直接箭头连接符 5"/>
+          <p:cNvCxnSpPr/>
+          <p:nvPr/>
+        </p:nvCxnSpPr>
+        <p:spPr>
+          <a:xfrm>
+            <a:off x="8128000" y="3077632"/>
+            <a:ext cx="2345266" cy="1"/>
+          </a:xfrm>
+          <a:prstGeom prst="straightConnector1">
+            <a:avLst/>
+          </a:prstGeom>
+          <a:ln>
+            <a:tailEnd type="triangle"/>
+          </a:ln>
+        </p:spPr>
+        <p:style>
+          <a:lnRef idx="1">
+            <a:schemeClr val="accent1"/>
+          </a:lnRef>
+          <a:fillRef idx="0">
+            <a:schemeClr val="accent1"/>
+          </a:fillRef>
+          <a:effectRef idx="0">
+            <a:schemeClr val="accent1"/>
+          </a:effectRef>
+          <a:fontRef idx="minor">
+            <a:schemeClr val="tx1"/>
+          </a:fontRef>
+        </p:style>
+      </p:cxnSp>
+    </p:spTree>
+    <p:extLst>
+      <p:ext uri="{BB962C8B-B14F-4D97-AF65-F5344CB8AC3E}">
+        <p14:creationId xmlns:p14="http://schemas.microsoft.com/office/powerpoint/2010/main" val="1925316749"/>
+      </p:ext>
+    </p:extLst>
+  </p:cSld>
+  <p:clrMapOvr>
+    <a:masterClrMapping/>
+  </p:clrMapOvr>
 </p:sld>
 </file>
 
